--- a/introR/Introduction to R.pptx
+++ b/introR/Introduction to R.pptx
@@ -5,13 +5,43 @@
     <p:sldMasterId id="2147483707" r:id="rId1"/>
   </p:sldMasterIdLst>
   <p:notesMasterIdLst>
-    <p:notesMasterId r:id="rId6"/>
+    <p:notesMasterId r:id="rId36"/>
   </p:notesMasterIdLst>
   <p:sldIdLst>
     <p:sldId id="266" r:id="rId2"/>
     <p:sldId id="264" r:id="rId3"/>
-    <p:sldId id="267" r:id="rId4"/>
-    <p:sldId id="268" r:id="rId5"/>
+    <p:sldId id="274" r:id="rId4"/>
+    <p:sldId id="275" r:id="rId5"/>
+    <p:sldId id="273" r:id="rId6"/>
+    <p:sldId id="277" r:id="rId7"/>
+    <p:sldId id="280" r:id="rId8"/>
+    <p:sldId id="269" r:id="rId9"/>
+    <p:sldId id="281" r:id="rId10"/>
+    <p:sldId id="283" r:id="rId11"/>
+    <p:sldId id="282" r:id="rId12"/>
+    <p:sldId id="284" r:id="rId13"/>
+    <p:sldId id="285" r:id="rId14"/>
+    <p:sldId id="286" r:id="rId15"/>
+    <p:sldId id="276" r:id="rId16"/>
+    <p:sldId id="278" r:id="rId17"/>
+    <p:sldId id="279" r:id="rId18"/>
+    <p:sldId id="288" r:id="rId19"/>
+    <p:sldId id="287" r:id="rId20"/>
+    <p:sldId id="271" r:id="rId21"/>
+    <p:sldId id="289" r:id="rId22"/>
+    <p:sldId id="290" r:id="rId23"/>
+    <p:sldId id="267" r:id="rId24"/>
+    <p:sldId id="291" r:id="rId25"/>
+    <p:sldId id="293" r:id="rId26"/>
+    <p:sldId id="294" r:id="rId27"/>
+    <p:sldId id="272" r:id="rId28"/>
+    <p:sldId id="295" r:id="rId29"/>
+    <p:sldId id="296" r:id="rId30"/>
+    <p:sldId id="297" r:id="rId31"/>
+    <p:sldId id="270" r:id="rId32"/>
+    <p:sldId id="298" r:id="rId33"/>
+    <p:sldId id="299" r:id="rId34"/>
+    <p:sldId id="268" r:id="rId35"/>
   </p:sldIdLst>
   <p:sldSz cx="12192000" cy="6858000"/>
   <p:notesSz cx="6858000" cy="9144000"/>
@@ -394,7 +424,7 @@
           <a:p>
             <a:fld id="{D46E3B93-8523-4DBC-8FC5-65A9B9CDE5EE}" type="datetimeFigureOut">
               <a:rPr lang="en-US" smtClean="0"/>
-              <a:t>6/19/2019</a:t>
+              <a:t>6/25/2019</a:t>
             </a:fld>
             <a:endParaRPr lang="en-US"/>
           </a:p>
@@ -790,7 +820,7 @@
           <a:p>
             <a:fld id="{CE8F6EB4-B6EF-44F6-BBD1-CD5E279CFAE2}" type="datetime4">
               <a:rPr lang="en-US" smtClean="0"/>
-              <a:t>June 19, 2019</a:t>
+              <a:t>June 25, 2019</a:t>
             </a:fld>
             <a:endParaRPr lang="en-US" dirty="0"/>
           </a:p>
@@ -962,7 +992,7 @@
           <a:p>
             <a:fld id="{8A405AA7-4C18-4A99-8AAA-8677C1976FC9}" type="datetime4">
               <a:rPr lang="en-US" smtClean="0"/>
-              <a:t>June 19, 2019</a:t>
+              <a:t>June 25, 2019</a:t>
             </a:fld>
             <a:endParaRPr lang="en-US" dirty="0"/>
           </a:p>
@@ -1144,7 +1174,7 @@
           <a:p>
             <a:fld id="{4EA0D668-33DD-41B9-B668-7E7FF430C345}" type="datetime4">
               <a:rPr lang="en-US" smtClean="0"/>
-              <a:t>June 19, 2019</a:t>
+              <a:t>June 25, 2019</a:t>
             </a:fld>
             <a:endParaRPr lang="en-US" dirty="0"/>
           </a:p>
@@ -1327,7 +1357,7 @@
           <a:p>
             <a:fld id="{8AAE40A0-A7D8-4DC3-BC9E-BADA32DA2004}" type="datetime4">
               <a:rPr lang="en-US" smtClean="0"/>
-              <a:t>June 19, 2019</a:t>
+              <a:t>June 25, 2019</a:t>
             </a:fld>
             <a:endParaRPr lang="en-US" dirty="0"/>
           </a:p>
@@ -1662,7 +1692,7 @@
           <a:p>
             <a:fld id="{B08FEED8-D7D4-44E9-BFBC-ED06B5996D94}" type="datetime4">
               <a:rPr lang="en-US" smtClean="0"/>
-              <a:t>June 19, 2019</a:t>
+              <a:t>June 25, 2019</a:t>
             </a:fld>
             <a:endParaRPr lang="en-US" dirty="0"/>
           </a:p>
@@ -1980,7 +2010,7 @@
           <a:p>
             <a:fld id="{A143C325-9442-4629-8CC6-5CAC69736C93}" type="datetime4">
               <a:rPr lang="en-US" smtClean="0"/>
-              <a:t>June 19, 2019</a:t>
+              <a:t>June 25, 2019</a:t>
             </a:fld>
             <a:endParaRPr lang="en-US" dirty="0"/>
           </a:p>
@@ -2348,7 +2378,7 @@
           <a:p>
             <a:fld id="{EEDAFACB-3FED-4607-9FDD-34A82581A119}" type="datetime4">
               <a:rPr lang="en-US" smtClean="0"/>
-              <a:t>June 19, 2019</a:t>
+              <a:t>June 25, 2019</a:t>
             </a:fld>
             <a:endParaRPr lang="en-US" dirty="0"/>
           </a:p>
@@ -2469,7 +2499,7 @@
           <a:p>
             <a:fld id="{EC2805D6-2E3E-42F7-ABBA-DCD51C704328}" type="datetime4">
               <a:rPr lang="en-US" smtClean="0"/>
-              <a:t>June 19, 2019</a:t>
+              <a:t>June 25, 2019</a:t>
             </a:fld>
             <a:endParaRPr lang="en-US" dirty="0"/>
           </a:p>
@@ -2568,7 +2598,7 @@
           <a:p>
             <a:fld id="{7A745AAB-8888-45FB-8C4E-B86AF9A05200}" type="datetime4">
               <a:rPr lang="en-US" smtClean="0"/>
-              <a:t>June 19, 2019</a:t>
+              <a:t>June 25, 2019</a:t>
             </a:fld>
             <a:endParaRPr lang="en-US" dirty="0"/>
           </a:p>
@@ -2847,7 +2877,7 @@
           <a:p>
             <a:fld id="{9F896CED-8AFA-412F-B61A-472E6093CDBA}" type="datetime4">
               <a:rPr lang="en-US" smtClean="0"/>
-              <a:t>June 19, 2019</a:t>
+              <a:t>June 25, 2019</a:t>
             </a:fld>
             <a:endParaRPr lang="en-US" dirty="0"/>
           </a:p>
@@ -3106,7 +3136,7 @@
           <a:p>
             <a:fld id="{61078AB2-2970-444D-B1FF-A9F37FC020F5}" type="datetime4">
               <a:rPr lang="en-US" smtClean="0"/>
-              <a:t>June 19, 2019</a:t>
+              <a:t>June 25, 2019</a:t>
             </a:fld>
             <a:endParaRPr lang="en-US" dirty="0"/>
           </a:p>
@@ -3324,7 +3354,7 @@
           <a:p>
             <a:fld id="{1148AE1E-D441-45CD-8192-49B13802301D}" type="datetime4">
               <a:rPr lang="en-US" smtClean="0"/>
-              <a:t>June 19, 2019</a:t>
+              <a:t>June 25, 2019</a:t>
             </a:fld>
             <a:endParaRPr lang="en-US" dirty="0"/>
           </a:p>
@@ -3798,6 +3828,10 @@
               </a:rPr>
               <a:t>Introduction to </a:t>
             </a:r>
+            <a:r>
+              <a:rPr lang="en-US" b="1" dirty="0"/>
+              <a:t/>
+            </a:r>
             <a:br>
               <a:rPr lang="en-US" b="1" dirty="0"/>
             </a:br>
@@ -3810,6 +3844,14 @@
                 </a:solidFill>
               </a:rPr>
               <a:t>R and RStudio</a:t>
+            </a:r>
+            <a:r>
+              <a:rPr lang="en-US" sz="6600" dirty="0">
+                <a:solidFill>
+                  <a:srgbClr val="860000"/>
+                </a:solidFill>
+              </a:rPr>
+              <a:t/>
             </a:r>
             <a:br>
               <a:rPr lang="en-US" sz="6600" dirty="0">
@@ -4061,6 +4103,1768 @@
 </p:sld>
 </file>
 
+<file path=ppt/slides/slide10.xml><?xml version="1.0" encoding="utf-8"?>
+<p:sld xmlns:a="http://schemas.openxmlformats.org/drawingml/2006/main" xmlns:r="http://schemas.openxmlformats.org/officeDocument/2006/relationships" xmlns:p="http://schemas.openxmlformats.org/presentationml/2006/main">
+  <p:cSld>
+    <p:spTree>
+      <p:nvGrpSpPr>
+        <p:cNvPr id="1" name=""/>
+        <p:cNvGrpSpPr/>
+        <p:nvPr/>
+      </p:nvGrpSpPr>
+      <p:grpSpPr>
+        <a:xfrm>
+          <a:off x="0" y="0"/>
+          <a:ext cx="0" cy="0"/>
+          <a:chOff x="0" y="0"/>
+          <a:chExt cx="0" cy="0"/>
+        </a:xfrm>
+      </p:grpSpPr>
+      <p:sp>
+        <p:nvSpPr>
+          <p:cNvPr id="2" name="Title 1"/>
+          <p:cNvSpPr>
+            <a:spLocks noGrp="1"/>
+          </p:cNvSpPr>
+          <p:nvPr>
+            <p:ph type="title"/>
+          </p:nvPr>
+        </p:nvSpPr>
+        <p:spPr/>
+        <p:txBody>
+          <a:bodyPr/>
+          <a:lstStyle/>
+          <a:p>
+            <a:r>
+              <a:rPr lang="en-US" dirty="0" smtClean="0"/>
+              <a:t>VECTORS</a:t>
+            </a:r>
+            <a:endParaRPr lang="en-US" dirty="0"/>
+          </a:p>
+        </p:txBody>
+      </p:sp>
+      <p:sp>
+        <p:nvSpPr>
+          <p:cNvPr id="3" name="Content Placeholder 2"/>
+          <p:cNvSpPr>
+            <a:spLocks noGrp="1"/>
+          </p:cNvSpPr>
+          <p:nvPr>
+            <p:ph idx="1"/>
+          </p:nvPr>
+        </p:nvSpPr>
+        <p:spPr/>
+        <p:txBody>
+          <a:bodyPr/>
+          <a:lstStyle/>
+          <a:p>
+            <a:endParaRPr lang="en-US"/>
+          </a:p>
+        </p:txBody>
+      </p:sp>
+      <p:sp>
+        <p:nvSpPr>
+          <p:cNvPr id="4" name="Date Placeholder 3"/>
+          <p:cNvSpPr>
+            <a:spLocks noGrp="1"/>
+          </p:cNvSpPr>
+          <p:nvPr>
+            <p:ph type="dt" sz="half" idx="10"/>
+          </p:nvPr>
+        </p:nvSpPr>
+        <p:spPr/>
+        <p:txBody>
+          <a:bodyPr/>
+          <a:lstStyle/>
+          <a:p>
+            <a:fld id="{8AAE40A0-A7D8-4DC3-BC9E-BADA32DA2004}" type="datetime4">
+              <a:rPr lang="en-US" smtClean="0"/>
+              <a:t>June 25, 2019</a:t>
+            </a:fld>
+            <a:endParaRPr lang="en-US" dirty="0"/>
+          </a:p>
+        </p:txBody>
+      </p:sp>
+      <p:sp>
+        <p:nvSpPr>
+          <p:cNvPr id="5" name="Footer Placeholder 4"/>
+          <p:cNvSpPr>
+            <a:spLocks noGrp="1"/>
+          </p:cNvSpPr>
+          <p:nvPr>
+            <p:ph type="ftr" sz="quarter" idx="11"/>
+          </p:nvPr>
+        </p:nvSpPr>
+        <p:spPr/>
+        <p:txBody>
+          <a:bodyPr/>
+          <a:lstStyle/>
+          <a:p>
+            <a:r>
+              <a:rPr lang="en-US" smtClean="0"/>
+              <a:t>Digital Scholarship Services </a:t>
+            </a:r>
+            <a:r>
+              <a:rPr lang="en-US" smtClean="0">
+                <a:solidFill>
+                  <a:schemeClr val="accent1">
+                    <a:lumMod val="50000"/>
+                  </a:schemeClr>
+                </a:solidFill>
+              </a:rPr>
+              <a:t>| Email</a:t>
+            </a:r>
+            <a:r>
+              <a:rPr lang="en-US" smtClean="0"/>
+              <a:t> cf24@rice.edu </a:t>
+            </a:r>
+            <a:r>
+              <a:rPr lang="en-US" smtClean="0">
+                <a:solidFill>
+                  <a:schemeClr val="accent1">
+                    <a:lumMod val="50000"/>
+                  </a:schemeClr>
+                </a:solidFill>
+              </a:rPr>
+              <a:t>|</a:t>
+            </a:r>
+            <a:r>
+              <a:rPr lang="en-US" smtClean="0"/>
+              <a:t> library.rice.edu/dss</a:t>
+            </a:r>
+            <a:endParaRPr lang="en-US" dirty="0"/>
+          </a:p>
+        </p:txBody>
+      </p:sp>
+      <p:sp>
+        <p:nvSpPr>
+          <p:cNvPr id="6" name="Slide Number Placeholder 5"/>
+          <p:cNvSpPr>
+            <a:spLocks noGrp="1"/>
+          </p:cNvSpPr>
+          <p:nvPr>
+            <p:ph type="sldNum" sz="quarter" idx="12"/>
+          </p:nvPr>
+        </p:nvSpPr>
+        <p:spPr/>
+        <p:txBody>
+          <a:bodyPr/>
+          <a:lstStyle/>
+          <a:p>
+            <a:fld id="{D57F1E4F-1CFF-5643-939E-02111984F565}" type="slidenum">
+              <a:rPr lang="en-US" smtClean="0"/>
+              <a:t>10</a:t>
+            </a:fld>
+            <a:endParaRPr lang="en-US" dirty="0"/>
+          </a:p>
+        </p:txBody>
+      </p:sp>
+    </p:spTree>
+    <p:extLst>
+      <p:ext uri="{BB962C8B-B14F-4D97-AF65-F5344CB8AC3E}">
+        <p14:creationId xmlns:p14="http://schemas.microsoft.com/office/powerpoint/2010/main" val="1676736011"/>
+      </p:ext>
+    </p:extLst>
+  </p:cSld>
+  <p:clrMapOvr>
+    <a:masterClrMapping/>
+  </p:clrMapOvr>
+</p:sld>
+</file>
+
+<file path=ppt/slides/slide11.xml><?xml version="1.0" encoding="utf-8"?>
+<p:sld xmlns:a="http://schemas.openxmlformats.org/drawingml/2006/main" xmlns:r="http://schemas.openxmlformats.org/officeDocument/2006/relationships" xmlns:p="http://schemas.openxmlformats.org/presentationml/2006/main">
+  <p:cSld>
+    <p:spTree>
+      <p:nvGrpSpPr>
+        <p:cNvPr id="1" name=""/>
+        <p:cNvGrpSpPr/>
+        <p:nvPr/>
+      </p:nvGrpSpPr>
+      <p:grpSpPr>
+        <a:xfrm>
+          <a:off x="0" y="0"/>
+          <a:ext cx="0" cy="0"/>
+          <a:chOff x="0" y="0"/>
+          <a:chExt cx="0" cy="0"/>
+        </a:xfrm>
+      </p:grpSpPr>
+      <p:sp>
+        <p:nvSpPr>
+          <p:cNvPr id="2" name="Title 1"/>
+          <p:cNvSpPr>
+            <a:spLocks noGrp="1"/>
+          </p:cNvSpPr>
+          <p:nvPr>
+            <p:ph type="title"/>
+          </p:nvPr>
+        </p:nvSpPr>
+        <p:spPr/>
+        <p:txBody>
+          <a:bodyPr/>
+          <a:lstStyle/>
+          <a:p>
+            <a:r>
+              <a:rPr lang="en-US" dirty="0" smtClean="0"/>
+              <a:t>LISTS</a:t>
+            </a:r>
+            <a:endParaRPr lang="en-US" dirty="0"/>
+          </a:p>
+        </p:txBody>
+      </p:sp>
+      <p:sp>
+        <p:nvSpPr>
+          <p:cNvPr id="3" name="Content Placeholder 2"/>
+          <p:cNvSpPr>
+            <a:spLocks noGrp="1"/>
+          </p:cNvSpPr>
+          <p:nvPr>
+            <p:ph idx="1"/>
+          </p:nvPr>
+        </p:nvSpPr>
+        <p:spPr/>
+        <p:txBody>
+          <a:bodyPr/>
+          <a:lstStyle/>
+          <a:p>
+            <a:endParaRPr lang="en-US"/>
+          </a:p>
+        </p:txBody>
+      </p:sp>
+      <p:sp>
+        <p:nvSpPr>
+          <p:cNvPr id="4" name="Date Placeholder 3"/>
+          <p:cNvSpPr>
+            <a:spLocks noGrp="1"/>
+          </p:cNvSpPr>
+          <p:nvPr>
+            <p:ph type="dt" sz="half" idx="10"/>
+          </p:nvPr>
+        </p:nvSpPr>
+        <p:spPr/>
+        <p:txBody>
+          <a:bodyPr/>
+          <a:lstStyle/>
+          <a:p>
+            <a:fld id="{8AAE40A0-A7D8-4DC3-BC9E-BADA32DA2004}" type="datetime4">
+              <a:rPr lang="en-US" smtClean="0"/>
+              <a:t>June 25, 2019</a:t>
+            </a:fld>
+            <a:endParaRPr lang="en-US" dirty="0"/>
+          </a:p>
+        </p:txBody>
+      </p:sp>
+      <p:sp>
+        <p:nvSpPr>
+          <p:cNvPr id="5" name="Footer Placeholder 4"/>
+          <p:cNvSpPr>
+            <a:spLocks noGrp="1"/>
+          </p:cNvSpPr>
+          <p:nvPr>
+            <p:ph type="ftr" sz="quarter" idx="11"/>
+          </p:nvPr>
+        </p:nvSpPr>
+        <p:spPr/>
+        <p:txBody>
+          <a:bodyPr/>
+          <a:lstStyle/>
+          <a:p>
+            <a:r>
+              <a:rPr lang="en-US" smtClean="0"/>
+              <a:t>Digital Scholarship Services </a:t>
+            </a:r>
+            <a:r>
+              <a:rPr lang="en-US" smtClean="0">
+                <a:solidFill>
+                  <a:schemeClr val="accent1">
+                    <a:lumMod val="50000"/>
+                  </a:schemeClr>
+                </a:solidFill>
+              </a:rPr>
+              <a:t>| Email</a:t>
+            </a:r>
+            <a:r>
+              <a:rPr lang="en-US" smtClean="0"/>
+              <a:t> cf24@rice.edu </a:t>
+            </a:r>
+            <a:r>
+              <a:rPr lang="en-US" smtClean="0">
+                <a:solidFill>
+                  <a:schemeClr val="accent1">
+                    <a:lumMod val="50000"/>
+                  </a:schemeClr>
+                </a:solidFill>
+              </a:rPr>
+              <a:t>|</a:t>
+            </a:r>
+            <a:r>
+              <a:rPr lang="en-US" smtClean="0"/>
+              <a:t> library.rice.edu/dss</a:t>
+            </a:r>
+            <a:endParaRPr lang="en-US" dirty="0"/>
+          </a:p>
+        </p:txBody>
+      </p:sp>
+      <p:sp>
+        <p:nvSpPr>
+          <p:cNvPr id="6" name="Slide Number Placeholder 5"/>
+          <p:cNvSpPr>
+            <a:spLocks noGrp="1"/>
+          </p:cNvSpPr>
+          <p:nvPr>
+            <p:ph type="sldNum" sz="quarter" idx="12"/>
+          </p:nvPr>
+        </p:nvSpPr>
+        <p:spPr/>
+        <p:txBody>
+          <a:bodyPr/>
+          <a:lstStyle/>
+          <a:p>
+            <a:fld id="{D57F1E4F-1CFF-5643-939E-02111984F565}" type="slidenum">
+              <a:rPr lang="en-US" smtClean="0"/>
+              <a:t>11</a:t>
+            </a:fld>
+            <a:endParaRPr lang="en-US" dirty="0"/>
+          </a:p>
+        </p:txBody>
+      </p:sp>
+    </p:spTree>
+    <p:extLst>
+      <p:ext uri="{BB962C8B-B14F-4D97-AF65-F5344CB8AC3E}">
+        <p14:creationId xmlns:p14="http://schemas.microsoft.com/office/powerpoint/2010/main" val="649588559"/>
+      </p:ext>
+    </p:extLst>
+  </p:cSld>
+  <p:clrMapOvr>
+    <a:masterClrMapping/>
+  </p:clrMapOvr>
+</p:sld>
+</file>
+
+<file path=ppt/slides/slide12.xml><?xml version="1.0" encoding="utf-8"?>
+<p:sld xmlns:a="http://schemas.openxmlformats.org/drawingml/2006/main" xmlns:r="http://schemas.openxmlformats.org/officeDocument/2006/relationships" xmlns:p="http://schemas.openxmlformats.org/presentationml/2006/main">
+  <p:cSld>
+    <p:spTree>
+      <p:nvGrpSpPr>
+        <p:cNvPr id="1" name=""/>
+        <p:cNvGrpSpPr/>
+        <p:nvPr/>
+      </p:nvGrpSpPr>
+      <p:grpSpPr>
+        <a:xfrm>
+          <a:off x="0" y="0"/>
+          <a:ext cx="0" cy="0"/>
+          <a:chOff x="0" y="0"/>
+          <a:chExt cx="0" cy="0"/>
+        </a:xfrm>
+      </p:grpSpPr>
+      <p:sp>
+        <p:nvSpPr>
+          <p:cNvPr id="7" name="Title 6"/>
+          <p:cNvSpPr>
+            <a:spLocks noGrp="1"/>
+          </p:cNvSpPr>
+          <p:nvPr>
+            <p:ph type="title"/>
+          </p:nvPr>
+        </p:nvSpPr>
+        <p:spPr/>
+        <p:txBody>
+          <a:bodyPr/>
+          <a:lstStyle/>
+          <a:p>
+            <a:r>
+              <a:rPr lang="en-US" dirty="0" smtClean="0"/>
+              <a:t>MATRICES</a:t>
+            </a:r>
+            <a:endParaRPr lang="en-US" dirty="0"/>
+          </a:p>
+        </p:txBody>
+      </p:sp>
+      <p:sp>
+        <p:nvSpPr>
+          <p:cNvPr id="8" name="Content Placeholder 7"/>
+          <p:cNvSpPr>
+            <a:spLocks noGrp="1"/>
+          </p:cNvSpPr>
+          <p:nvPr>
+            <p:ph idx="1"/>
+          </p:nvPr>
+        </p:nvSpPr>
+        <p:spPr/>
+        <p:txBody>
+          <a:bodyPr/>
+          <a:lstStyle/>
+          <a:p>
+            <a:r>
+              <a:rPr lang="en-US" dirty="0" smtClean="0"/>
+              <a:t>Arrays: just matrices with the option to have more dimensions</a:t>
+            </a:r>
+          </a:p>
+        </p:txBody>
+      </p:sp>
+      <p:sp>
+        <p:nvSpPr>
+          <p:cNvPr id="4" name="Date Placeholder 3"/>
+          <p:cNvSpPr>
+            <a:spLocks noGrp="1"/>
+          </p:cNvSpPr>
+          <p:nvPr>
+            <p:ph type="dt" sz="half" idx="10"/>
+          </p:nvPr>
+        </p:nvSpPr>
+        <p:spPr/>
+        <p:txBody>
+          <a:bodyPr/>
+          <a:lstStyle/>
+          <a:p>
+            <a:fld id="{B08FEED8-D7D4-44E9-BFBC-ED06B5996D94}" type="datetime4">
+              <a:rPr lang="en-US" smtClean="0"/>
+              <a:t>June 25, 2019</a:t>
+            </a:fld>
+            <a:endParaRPr lang="en-US" dirty="0"/>
+          </a:p>
+        </p:txBody>
+      </p:sp>
+      <p:sp>
+        <p:nvSpPr>
+          <p:cNvPr id="5" name="Footer Placeholder 4"/>
+          <p:cNvSpPr>
+            <a:spLocks noGrp="1"/>
+          </p:cNvSpPr>
+          <p:nvPr>
+            <p:ph type="ftr" sz="quarter" idx="11"/>
+          </p:nvPr>
+        </p:nvSpPr>
+        <p:spPr/>
+        <p:txBody>
+          <a:bodyPr/>
+          <a:lstStyle/>
+          <a:p>
+            <a:r>
+              <a:rPr lang="en-US" smtClean="0"/>
+              <a:t>Digital Scholarship Services </a:t>
+            </a:r>
+            <a:r>
+              <a:rPr lang="en-US" smtClean="0">
+                <a:solidFill>
+                  <a:schemeClr val="accent1">
+                    <a:lumMod val="50000"/>
+                  </a:schemeClr>
+                </a:solidFill>
+              </a:rPr>
+              <a:t>| Email</a:t>
+            </a:r>
+            <a:r>
+              <a:rPr lang="en-US" smtClean="0"/>
+              <a:t> cf24@rice.edu </a:t>
+            </a:r>
+            <a:r>
+              <a:rPr lang="en-US" smtClean="0">
+                <a:solidFill>
+                  <a:schemeClr val="accent1">
+                    <a:lumMod val="50000"/>
+                  </a:schemeClr>
+                </a:solidFill>
+              </a:rPr>
+              <a:t>|</a:t>
+            </a:r>
+            <a:r>
+              <a:rPr lang="en-US" smtClean="0"/>
+              <a:t> library.rice.edu/dss</a:t>
+            </a:r>
+            <a:endParaRPr lang="en-US" dirty="0"/>
+          </a:p>
+        </p:txBody>
+      </p:sp>
+      <p:sp>
+        <p:nvSpPr>
+          <p:cNvPr id="6" name="Slide Number Placeholder 5"/>
+          <p:cNvSpPr>
+            <a:spLocks noGrp="1"/>
+          </p:cNvSpPr>
+          <p:nvPr>
+            <p:ph type="sldNum" sz="quarter" idx="12"/>
+          </p:nvPr>
+        </p:nvSpPr>
+        <p:spPr/>
+        <p:txBody>
+          <a:bodyPr/>
+          <a:lstStyle/>
+          <a:p>
+            <a:fld id="{D57F1E4F-1CFF-5643-939E-02111984F565}" type="slidenum">
+              <a:rPr lang="en-US" smtClean="0"/>
+              <a:t>12</a:t>
+            </a:fld>
+            <a:endParaRPr lang="en-US" dirty="0"/>
+          </a:p>
+        </p:txBody>
+      </p:sp>
+    </p:spTree>
+    <p:extLst>
+      <p:ext uri="{BB962C8B-B14F-4D97-AF65-F5344CB8AC3E}">
+        <p14:creationId xmlns:p14="http://schemas.microsoft.com/office/powerpoint/2010/main" val="42512584"/>
+      </p:ext>
+    </p:extLst>
+  </p:cSld>
+  <p:clrMapOvr>
+    <a:masterClrMapping/>
+  </p:clrMapOvr>
+</p:sld>
+</file>
+
+<file path=ppt/slides/slide13.xml><?xml version="1.0" encoding="utf-8"?>
+<p:sld xmlns:a="http://schemas.openxmlformats.org/drawingml/2006/main" xmlns:r="http://schemas.openxmlformats.org/officeDocument/2006/relationships" xmlns:p="http://schemas.openxmlformats.org/presentationml/2006/main">
+  <p:cSld>
+    <p:spTree>
+      <p:nvGrpSpPr>
+        <p:cNvPr id="1" name=""/>
+        <p:cNvGrpSpPr/>
+        <p:nvPr/>
+      </p:nvGrpSpPr>
+      <p:grpSpPr>
+        <a:xfrm>
+          <a:off x="0" y="0"/>
+          <a:ext cx="0" cy="0"/>
+          <a:chOff x="0" y="0"/>
+          <a:chExt cx="0" cy="0"/>
+        </a:xfrm>
+      </p:grpSpPr>
+      <p:sp>
+        <p:nvSpPr>
+          <p:cNvPr id="7" name="Title 6"/>
+          <p:cNvSpPr>
+            <a:spLocks noGrp="1"/>
+          </p:cNvSpPr>
+          <p:nvPr>
+            <p:ph type="title"/>
+          </p:nvPr>
+        </p:nvSpPr>
+        <p:spPr/>
+        <p:txBody>
+          <a:bodyPr/>
+          <a:lstStyle/>
+          <a:p>
+            <a:r>
+              <a:rPr lang="en-US" dirty="0" smtClean="0"/>
+              <a:t>DATA FRAME</a:t>
+            </a:r>
+            <a:endParaRPr lang="en-US" dirty="0"/>
+          </a:p>
+        </p:txBody>
+      </p:sp>
+      <p:sp>
+        <p:nvSpPr>
+          <p:cNvPr id="8" name="Content Placeholder 7"/>
+          <p:cNvSpPr>
+            <a:spLocks noGrp="1"/>
+          </p:cNvSpPr>
+          <p:nvPr>
+            <p:ph idx="1"/>
+          </p:nvPr>
+        </p:nvSpPr>
+        <p:spPr/>
+        <p:txBody>
+          <a:bodyPr/>
+          <a:lstStyle/>
+          <a:p>
+            <a:endParaRPr lang="en-US" dirty="0" smtClean="0"/>
+          </a:p>
+        </p:txBody>
+      </p:sp>
+      <p:sp>
+        <p:nvSpPr>
+          <p:cNvPr id="4" name="Date Placeholder 3"/>
+          <p:cNvSpPr>
+            <a:spLocks noGrp="1"/>
+          </p:cNvSpPr>
+          <p:nvPr>
+            <p:ph type="dt" sz="half" idx="10"/>
+          </p:nvPr>
+        </p:nvSpPr>
+        <p:spPr/>
+        <p:txBody>
+          <a:bodyPr/>
+          <a:lstStyle/>
+          <a:p>
+            <a:fld id="{B08FEED8-D7D4-44E9-BFBC-ED06B5996D94}" type="datetime4">
+              <a:rPr lang="en-US" smtClean="0"/>
+              <a:t>June 25, 2019</a:t>
+            </a:fld>
+            <a:endParaRPr lang="en-US" dirty="0"/>
+          </a:p>
+        </p:txBody>
+      </p:sp>
+      <p:sp>
+        <p:nvSpPr>
+          <p:cNvPr id="5" name="Footer Placeholder 4"/>
+          <p:cNvSpPr>
+            <a:spLocks noGrp="1"/>
+          </p:cNvSpPr>
+          <p:nvPr>
+            <p:ph type="ftr" sz="quarter" idx="11"/>
+          </p:nvPr>
+        </p:nvSpPr>
+        <p:spPr/>
+        <p:txBody>
+          <a:bodyPr/>
+          <a:lstStyle/>
+          <a:p>
+            <a:r>
+              <a:rPr lang="en-US" smtClean="0"/>
+              <a:t>Digital Scholarship Services </a:t>
+            </a:r>
+            <a:r>
+              <a:rPr lang="en-US" smtClean="0">
+                <a:solidFill>
+                  <a:schemeClr val="accent1">
+                    <a:lumMod val="50000"/>
+                  </a:schemeClr>
+                </a:solidFill>
+              </a:rPr>
+              <a:t>| Email</a:t>
+            </a:r>
+            <a:r>
+              <a:rPr lang="en-US" smtClean="0"/>
+              <a:t> cf24@rice.edu </a:t>
+            </a:r>
+            <a:r>
+              <a:rPr lang="en-US" smtClean="0">
+                <a:solidFill>
+                  <a:schemeClr val="accent1">
+                    <a:lumMod val="50000"/>
+                  </a:schemeClr>
+                </a:solidFill>
+              </a:rPr>
+              <a:t>|</a:t>
+            </a:r>
+            <a:r>
+              <a:rPr lang="en-US" smtClean="0"/>
+              <a:t> library.rice.edu/dss</a:t>
+            </a:r>
+            <a:endParaRPr lang="en-US" dirty="0"/>
+          </a:p>
+        </p:txBody>
+      </p:sp>
+      <p:sp>
+        <p:nvSpPr>
+          <p:cNvPr id="6" name="Slide Number Placeholder 5"/>
+          <p:cNvSpPr>
+            <a:spLocks noGrp="1"/>
+          </p:cNvSpPr>
+          <p:nvPr>
+            <p:ph type="sldNum" sz="quarter" idx="12"/>
+          </p:nvPr>
+        </p:nvSpPr>
+        <p:spPr/>
+        <p:txBody>
+          <a:bodyPr/>
+          <a:lstStyle/>
+          <a:p>
+            <a:fld id="{D57F1E4F-1CFF-5643-939E-02111984F565}" type="slidenum">
+              <a:rPr lang="en-US" smtClean="0"/>
+              <a:t>13</a:t>
+            </a:fld>
+            <a:endParaRPr lang="en-US" dirty="0"/>
+          </a:p>
+        </p:txBody>
+      </p:sp>
+    </p:spTree>
+    <p:extLst>
+      <p:ext uri="{BB962C8B-B14F-4D97-AF65-F5344CB8AC3E}">
+        <p14:creationId xmlns:p14="http://schemas.microsoft.com/office/powerpoint/2010/main" val="1772649559"/>
+      </p:ext>
+    </p:extLst>
+  </p:cSld>
+  <p:clrMapOvr>
+    <a:masterClrMapping/>
+  </p:clrMapOvr>
+</p:sld>
+</file>
+
+<file path=ppt/slides/slide14.xml><?xml version="1.0" encoding="utf-8"?>
+<p:sld xmlns:a="http://schemas.openxmlformats.org/drawingml/2006/main" xmlns:r="http://schemas.openxmlformats.org/officeDocument/2006/relationships" xmlns:p="http://schemas.openxmlformats.org/presentationml/2006/main">
+  <p:cSld>
+    <p:spTree>
+      <p:nvGrpSpPr>
+        <p:cNvPr id="1" name=""/>
+        <p:cNvGrpSpPr/>
+        <p:nvPr/>
+      </p:nvGrpSpPr>
+      <p:grpSpPr>
+        <a:xfrm>
+          <a:off x="0" y="0"/>
+          <a:ext cx="0" cy="0"/>
+          <a:chOff x="0" y="0"/>
+          <a:chExt cx="0" cy="0"/>
+        </a:xfrm>
+      </p:grpSpPr>
+      <p:sp>
+        <p:nvSpPr>
+          <p:cNvPr id="7" name="Title 6"/>
+          <p:cNvSpPr>
+            <a:spLocks noGrp="1"/>
+          </p:cNvSpPr>
+          <p:nvPr>
+            <p:ph type="title"/>
+          </p:nvPr>
+        </p:nvSpPr>
+        <p:spPr/>
+        <p:txBody>
+          <a:bodyPr/>
+          <a:lstStyle/>
+          <a:p>
+            <a:r>
+              <a:rPr lang="en-US" dirty="0" smtClean="0"/>
+              <a:t>FACTORS</a:t>
+            </a:r>
+            <a:endParaRPr lang="en-US" dirty="0"/>
+          </a:p>
+        </p:txBody>
+      </p:sp>
+      <p:sp>
+        <p:nvSpPr>
+          <p:cNvPr id="8" name="Content Placeholder 7"/>
+          <p:cNvSpPr>
+            <a:spLocks noGrp="1"/>
+          </p:cNvSpPr>
+          <p:nvPr>
+            <p:ph idx="1"/>
+          </p:nvPr>
+        </p:nvSpPr>
+        <p:spPr/>
+        <p:txBody>
+          <a:bodyPr/>
+          <a:lstStyle/>
+          <a:p>
+            <a:endParaRPr lang="en-US" dirty="0" smtClean="0"/>
+          </a:p>
+        </p:txBody>
+      </p:sp>
+      <p:sp>
+        <p:nvSpPr>
+          <p:cNvPr id="4" name="Date Placeholder 3"/>
+          <p:cNvSpPr>
+            <a:spLocks noGrp="1"/>
+          </p:cNvSpPr>
+          <p:nvPr>
+            <p:ph type="dt" sz="half" idx="10"/>
+          </p:nvPr>
+        </p:nvSpPr>
+        <p:spPr/>
+        <p:txBody>
+          <a:bodyPr/>
+          <a:lstStyle/>
+          <a:p>
+            <a:fld id="{B08FEED8-D7D4-44E9-BFBC-ED06B5996D94}" type="datetime4">
+              <a:rPr lang="en-US" smtClean="0"/>
+              <a:t>June 25, 2019</a:t>
+            </a:fld>
+            <a:endParaRPr lang="en-US" dirty="0"/>
+          </a:p>
+        </p:txBody>
+      </p:sp>
+      <p:sp>
+        <p:nvSpPr>
+          <p:cNvPr id="5" name="Footer Placeholder 4"/>
+          <p:cNvSpPr>
+            <a:spLocks noGrp="1"/>
+          </p:cNvSpPr>
+          <p:nvPr>
+            <p:ph type="ftr" sz="quarter" idx="11"/>
+          </p:nvPr>
+        </p:nvSpPr>
+        <p:spPr/>
+        <p:txBody>
+          <a:bodyPr/>
+          <a:lstStyle/>
+          <a:p>
+            <a:r>
+              <a:rPr lang="en-US" smtClean="0"/>
+              <a:t>Digital Scholarship Services </a:t>
+            </a:r>
+            <a:r>
+              <a:rPr lang="en-US" smtClean="0">
+                <a:solidFill>
+                  <a:schemeClr val="accent1">
+                    <a:lumMod val="50000"/>
+                  </a:schemeClr>
+                </a:solidFill>
+              </a:rPr>
+              <a:t>| Email</a:t>
+            </a:r>
+            <a:r>
+              <a:rPr lang="en-US" smtClean="0"/>
+              <a:t> cf24@rice.edu </a:t>
+            </a:r>
+            <a:r>
+              <a:rPr lang="en-US" smtClean="0">
+                <a:solidFill>
+                  <a:schemeClr val="accent1">
+                    <a:lumMod val="50000"/>
+                  </a:schemeClr>
+                </a:solidFill>
+              </a:rPr>
+              <a:t>|</a:t>
+            </a:r>
+            <a:r>
+              <a:rPr lang="en-US" smtClean="0"/>
+              <a:t> library.rice.edu/dss</a:t>
+            </a:r>
+            <a:endParaRPr lang="en-US" dirty="0"/>
+          </a:p>
+        </p:txBody>
+      </p:sp>
+      <p:sp>
+        <p:nvSpPr>
+          <p:cNvPr id="6" name="Slide Number Placeholder 5"/>
+          <p:cNvSpPr>
+            <a:spLocks noGrp="1"/>
+          </p:cNvSpPr>
+          <p:nvPr>
+            <p:ph type="sldNum" sz="quarter" idx="12"/>
+          </p:nvPr>
+        </p:nvSpPr>
+        <p:spPr/>
+        <p:txBody>
+          <a:bodyPr/>
+          <a:lstStyle/>
+          <a:p>
+            <a:fld id="{D57F1E4F-1CFF-5643-939E-02111984F565}" type="slidenum">
+              <a:rPr lang="en-US" smtClean="0"/>
+              <a:t>14</a:t>
+            </a:fld>
+            <a:endParaRPr lang="en-US" dirty="0"/>
+          </a:p>
+        </p:txBody>
+      </p:sp>
+    </p:spTree>
+    <p:extLst>
+      <p:ext uri="{BB962C8B-B14F-4D97-AF65-F5344CB8AC3E}">
+        <p14:creationId xmlns:p14="http://schemas.microsoft.com/office/powerpoint/2010/main" val="3517897970"/>
+      </p:ext>
+    </p:extLst>
+  </p:cSld>
+  <p:clrMapOvr>
+    <a:masterClrMapping/>
+  </p:clrMapOvr>
+</p:sld>
+</file>
+
+<file path=ppt/slides/slide15.xml><?xml version="1.0" encoding="utf-8"?>
+<p:sld xmlns:a="http://schemas.openxmlformats.org/drawingml/2006/main" xmlns:r="http://schemas.openxmlformats.org/officeDocument/2006/relationships" xmlns:p="http://schemas.openxmlformats.org/presentationml/2006/main">
+  <p:cSld>
+    <p:spTree>
+      <p:nvGrpSpPr>
+        <p:cNvPr id="1" name=""/>
+        <p:cNvGrpSpPr/>
+        <p:nvPr/>
+      </p:nvGrpSpPr>
+      <p:grpSpPr>
+        <a:xfrm>
+          <a:off x="0" y="0"/>
+          <a:ext cx="0" cy="0"/>
+          <a:chOff x="0" y="0"/>
+          <a:chExt cx="0" cy="0"/>
+        </a:xfrm>
+      </p:grpSpPr>
+      <p:sp>
+        <p:nvSpPr>
+          <p:cNvPr id="7" name="Title 6">
+            <a:extLst>
+              <a:ext uri="{FF2B5EF4-FFF2-40B4-BE49-F238E27FC236}">
+                <a16:creationId xmlns:a16="http://schemas.microsoft.com/office/drawing/2014/main" id="{184E2338-1026-45D4-9455-B21A88F18B28}"/>
+              </a:ext>
+            </a:extLst>
+          </p:cNvPr>
+          <p:cNvSpPr>
+            <a:spLocks noGrp="1"/>
+          </p:cNvSpPr>
+          <p:nvPr>
+            <p:ph type="title"/>
+          </p:nvPr>
+        </p:nvSpPr>
+        <p:spPr/>
+        <p:txBody>
+          <a:bodyPr/>
+          <a:lstStyle/>
+          <a:p>
+            <a:r>
+              <a:rPr lang="en-US" dirty="0" smtClean="0"/>
+              <a:t>SIMPLE OPERATIONS</a:t>
+            </a:r>
+            <a:endParaRPr lang="en-US" dirty="0"/>
+          </a:p>
+        </p:txBody>
+      </p:sp>
+      <p:sp>
+        <p:nvSpPr>
+          <p:cNvPr id="8" name="Text Placeholder 7">
+            <a:extLst>
+              <a:ext uri="{FF2B5EF4-FFF2-40B4-BE49-F238E27FC236}">
+                <a16:creationId xmlns:a16="http://schemas.microsoft.com/office/drawing/2014/main" id="{DB42CCAB-C8E2-48A8-A9DF-EB0383A8B33C}"/>
+              </a:ext>
+            </a:extLst>
+          </p:cNvPr>
+          <p:cNvSpPr>
+            <a:spLocks noGrp="1"/>
+          </p:cNvSpPr>
+          <p:nvPr>
+            <p:ph type="body" idx="1"/>
+          </p:nvPr>
+        </p:nvSpPr>
+        <p:spPr/>
+        <p:txBody>
+          <a:bodyPr/>
+          <a:lstStyle/>
+          <a:p>
+            <a:r>
+              <a:rPr lang="en-US" dirty="0" smtClean="0"/>
+              <a:t>Arithmetic, assignment, matrix multiplication, </a:t>
+            </a:r>
+            <a:r>
+              <a:rPr lang="en-US" dirty="0" smtClean="0"/>
+              <a:t>converting between types</a:t>
+            </a:r>
+            <a:endParaRPr lang="en-US" dirty="0"/>
+          </a:p>
+        </p:txBody>
+      </p:sp>
+      <p:sp>
+        <p:nvSpPr>
+          <p:cNvPr id="4" name="Date Placeholder 3">
+            <a:extLst>
+              <a:ext uri="{FF2B5EF4-FFF2-40B4-BE49-F238E27FC236}">
+                <a16:creationId xmlns:a16="http://schemas.microsoft.com/office/drawing/2014/main" id="{1CA94ACB-62A5-4F09-8C21-F0CE9BFB1606}"/>
+              </a:ext>
+            </a:extLst>
+          </p:cNvPr>
+          <p:cNvSpPr>
+            <a:spLocks noGrp="1"/>
+          </p:cNvSpPr>
+          <p:nvPr>
+            <p:ph type="dt" sz="half" idx="10"/>
+          </p:nvPr>
+        </p:nvSpPr>
+        <p:spPr/>
+        <p:txBody>
+          <a:bodyPr/>
+          <a:lstStyle/>
+          <a:p>
+            <a:fld id="{8AAE40A0-A7D8-4DC3-BC9E-BADA32DA2004}" type="datetime4">
+              <a:rPr lang="en-US" smtClean="0"/>
+              <a:t>June 25, 2019</a:t>
+            </a:fld>
+            <a:endParaRPr lang="en-US" dirty="0"/>
+          </a:p>
+        </p:txBody>
+      </p:sp>
+      <p:sp>
+        <p:nvSpPr>
+          <p:cNvPr id="5" name="Footer Placeholder 4">
+            <a:extLst>
+              <a:ext uri="{FF2B5EF4-FFF2-40B4-BE49-F238E27FC236}">
+                <a16:creationId xmlns:a16="http://schemas.microsoft.com/office/drawing/2014/main" id="{D20B02B0-893D-4696-B6F7-A126B8D18E99}"/>
+              </a:ext>
+            </a:extLst>
+          </p:cNvPr>
+          <p:cNvSpPr>
+            <a:spLocks noGrp="1"/>
+          </p:cNvSpPr>
+          <p:nvPr>
+            <p:ph type="ftr" sz="quarter" idx="11"/>
+          </p:nvPr>
+        </p:nvSpPr>
+        <p:spPr/>
+        <p:txBody>
+          <a:bodyPr/>
+          <a:lstStyle/>
+          <a:p>
+            <a:r>
+              <a:rPr lang="en-US"/>
+              <a:t>Digital Scholarship Services </a:t>
+            </a:r>
+            <a:r>
+              <a:rPr lang="en-US">
+                <a:solidFill>
+                  <a:schemeClr val="accent1">
+                    <a:lumMod val="50000"/>
+                  </a:schemeClr>
+                </a:solidFill>
+              </a:rPr>
+              <a:t>| Email</a:t>
+            </a:r>
+            <a:r>
+              <a:rPr lang="en-US"/>
+              <a:t> cf24@rice.edu </a:t>
+            </a:r>
+            <a:r>
+              <a:rPr lang="en-US">
+                <a:solidFill>
+                  <a:schemeClr val="accent1">
+                    <a:lumMod val="50000"/>
+                  </a:schemeClr>
+                </a:solidFill>
+              </a:rPr>
+              <a:t>|</a:t>
+            </a:r>
+            <a:r>
+              <a:rPr lang="en-US"/>
+              <a:t> library.rice.edu/dss</a:t>
+            </a:r>
+            <a:endParaRPr lang="en-US" dirty="0"/>
+          </a:p>
+        </p:txBody>
+      </p:sp>
+      <p:sp>
+        <p:nvSpPr>
+          <p:cNvPr id="6" name="Slide Number Placeholder 5">
+            <a:extLst>
+              <a:ext uri="{FF2B5EF4-FFF2-40B4-BE49-F238E27FC236}">
+                <a16:creationId xmlns:a16="http://schemas.microsoft.com/office/drawing/2014/main" id="{1CFDA495-0063-4571-8969-0DD770DB39E0}"/>
+              </a:ext>
+            </a:extLst>
+          </p:cNvPr>
+          <p:cNvSpPr>
+            <a:spLocks noGrp="1"/>
+          </p:cNvSpPr>
+          <p:nvPr>
+            <p:ph type="sldNum" sz="quarter" idx="12"/>
+          </p:nvPr>
+        </p:nvSpPr>
+        <p:spPr/>
+        <p:txBody>
+          <a:bodyPr/>
+          <a:lstStyle/>
+          <a:p>
+            <a:fld id="{D57F1E4F-1CFF-5643-939E-02111984F565}" type="slidenum">
+              <a:rPr lang="en-US" smtClean="0"/>
+              <a:t>15</a:t>
+            </a:fld>
+            <a:endParaRPr lang="en-US" dirty="0"/>
+          </a:p>
+        </p:txBody>
+      </p:sp>
+    </p:spTree>
+    <p:extLst>
+      <p:ext uri="{BB962C8B-B14F-4D97-AF65-F5344CB8AC3E}">
+        <p14:creationId xmlns:p14="http://schemas.microsoft.com/office/powerpoint/2010/main" val="564911064"/>
+      </p:ext>
+    </p:extLst>
+  </p:cSld>
+  <p:clrMapOvr>
+    <a:masterClrMapping/>
+  </p:clrMapOvr>
+</p:sld>
+</file>
+
+<file path=ppt/slides/slide16.xml><?xml version="1.0" encoding="utf-8"?>
+<p:sld xmlns:a="http://schemas.openxmlformats.org/drawingml/2006/main" xmlns:r="http://schemas.openxmlformats.org/officeDocument/2006/relationships" xmlns:p="http://schemas.openxmlformats.org/presentationml/2006/main">
+  <p:cSld>
+    <p:spTree>
+      <p:nvGrpSpPr>
+        <p:cNvPr id="1" name=""/>
+        <p:cNvGrpSpPr/>
+        <p:nvPr/>
+      </p:nvGrpSpPr>
+      <p:grpSpPr>
+        <a:xfrm>
+          <a:off x="0" y="0"/>
+          <a:ext cx="0" cy="0"/>
+          <a:chOff x="0" y="0"/>
+          <a:chExt cx="0" cy="0"/>
+        </a:xfrm>
+      </p:grpSpPr>
+      <p:sp>
+        <p:nvSpPr>
+          <p:cNvPr id="7" name="Title 6"/>
+          <p:cNvSpPr>
+            <a:spLocks noGrp="1"/>
+          </p:cNvSpPr>
+          <p:nvPr>
+            <p:ph type="title"/>
+          </p:nvPr>
+        </p:nvSpPr>
+        <p:spPr/>
+        <p:txBody>
+          <a:bodyPr/>
+          <a:lstStyle/>
+          <a:p>
+            <a:r>
+              <a:rPr lang="en-US" dirty="0" smtClean="0"/>
+              <a:t>ARITHMETIC</a:t>
+            </a:r>
+            <a:endParaRPr lang="en-US" dirty="0"/>
+          </a:p>
+        </p:txBody>
+      </p:sp>
+      <p:sp>
+        <p:nvSpPr>
+          <p:cNvPr id="8" name="Content Placeholder 7"/>
+          <p:cNvSpPr>
+            <a:spLocks noGrp="1"/>
+          </p:cNvSpPr>
+          <p:nvPr>
+            <p:ph idx="1"/>
+          </p:nvPr>
+        </p:nvSpPr>
+        <p:spPr/>
+        <p:txBody>
+          <a:bodyPr/>
+          <a:lstStyle/>
+          <a:p>
+            <a:r>
+              <a:rPr lang="en-US" dirty="0" smtClean="0"/>
+              <a:t>Addition:</a:t>
+            </a:r>
+          </a:p>
+          <a:p>
+            <a:r>
+              <a:rPr lang="en-US" dirty="0" smtClean="0"/>
+              <a:t>Subtraction:</a:t>
+            </a:r>
+          </a:p>
+          <a:p>
+            <a:r>
+              <a:rPr lang="en-US" dirty="0" smtClean="0"/>
+              <a:t>Multiplication:</a:t>
+            </a:r>
+          </a:p>
+          <a:p>
+            <a:r>
+              <a:rPr lang="en-US" dirty="0" smtClean="0"/>
+              <a:t>Division:</a:t>
+            </a:r>
+          </a:p>
+        </p:txBody>
+      </p:sp>
+      <p:sp>
+        <p:nvSpPr>
+          <p:cNvPr id="4" name="Date Placeholder 3"/>
+          <p:cNvSpPr>
+            <a:spLocks noGrp="1"/>
+          </p:cNvSpPr>
+          <p:nvPr>
+            <p:ph type="dt" sz="half" idx="10"/>
+          </p:nvPr>
+        </p:nvSpPr>
+        <p:spPr/>
+        <p:txBody>
+          <a:bodyPr/>
+          <a:lstStyle/>
+          <a:p>
+            <a:fld id="{B08FEED8-D7D4-44E9-BFBC-ED06B5996D94}" type="datetime4">
+              <a:rPr lang="en-US" smtClean="0"/>
+              <a:t>June 25, 2019</a:t>
+            </a:fld>
+            <a:endParaRPr lang="en-US" dirty="0"/>
+          </a:p>
+        </p:txBody>
+      </p:sp>
+      <p:sp>
+        <p:nvSpPr>
+          <p:cNvPr id="5" name="Footer Placeholder 4"/>
+          <p:cNvSpPr>
+            <a:spLocks noGrp="1"/>
+          </p:cNvSpPr>
+          <p:nvPr>
+            <p:ph type="ftr" sz="quarter" idx="11"/>
+          </p:nvPr>
+        </p:nvSpPr>
+        <p:spPr/>
+        <p:txBody>
+          <a:bodyPr/>
+          <a:lstStyle/>
+          <a:p>
+            <a:r>
+              <a:rPr lang="en-US" smtClean="0"/>
+              <a:t>Digital Scholarship Services </a:t>
+            </a:r>
+            <a:r>
+              <a:rPr lang="en-US" smtClean="0">
+                <a:solidFill>
+                  <a:schemeClr val="accent1">
+                    <a:lumMod val="50000"/>
+                  </a:schemeClr>
+                </a:solidFill>
+              </a:rPr>
+              <a:t>| Email</a:t>
+            </a:r>
+            <a:r>
+              <a:rPr lang="en-US" smtClean="0"/>
+              <a:t> cf24@rice.edu </a:t>
+            </a:r>
+            <a:r>
+              <a:rPr lang="en-US" smtClean="0">
+                <a:solidFill>
+                  <a:schemeClr val="accent1">
+                    <a:lumMod val="50000"/>
+                  </a:schemeClr>
+                </a:solidFill>
+              </a:rPr>
+              <a:t>|</a:t>
+            </a:r>
+            <a:r>
+              <a:rPr lang="en-US" smtClean="0"/>
+              <a:t> library.rice.edu/dss</a:t>
+            </a:r>
+            <a:endParaRPr lang="en-US" dirty="0"/>
+          </a:p>
+        </p:txBody>
+      </p:sp>
+      <p:sp>
+        <p:nvSpPr>
+          <p:cNvPr id="6" name="Slide Number Placeholder 5"/>
+          <p:cNvSpPr>
+            <a:spLocks noGrp="1"/>
+          </p:cNvSpPr>
+          <p:nvPr>
+            <p:ph type="sldNum" sz="quarter" idx="12"/>
+          </p:nvPr>
+        </p:nvSpPr>
+        <p:spPr/>
+        <p:txBody>
+          <a:bodyPr/>
+          <a:lstStyle/>
+          <a:p>
+            <a:fld id="{D57F1E4F-1CFF-5643-939E-02111984F565}" type="slidenum">
+              <a:rPr lang="en-US" smtClean="0"/>
+              <a:t>16</a:t>
+            </a:fld>
+            <a:endParaRPr lang="en-US" dirty="0"/>
+          </a:p>
+        </p:txBody>
+      </p:sp>
+    </p:spTree>
+    <p:extLst>
+      <p:ext uri="{BB962C8B-B14F-4D97-AF65-F5344CB8AC3E}">
+        <p14:creationId xmlns:p14="http://schemas.microsoft.com/office/powerpoint/2010/main" val="1790401154"/>
+      </p:ext>
+    </p:extLst>
+  </p:cSld>
+  <p:clrMapOvr>
+    <a:masterClrMapping/>
+  </p:clrMapOvr>
+</p:sld>
+</file>
+
+<file path=ppt/slides/slide17.xml><?xml version="1.0" encoding="utf-8"?>
+<p:sld xmlns:a="http://schemas.openxmlformats.org/drawingml/2006/main" xmlns:r="http://schemas.openxmlformats.org/officeDocument/2006/relationships" xmlns:p="http://schemas.openxmlformats.org/presentationml/2006/main">
+  <p:cSld>
+    <p:spTree>
+      <p:nvGrpSpPr>
+        <p:cNvPr id="1" name=""/>
+        <p:cNvGrpSpPr/>
+        <p:nvPr/>
+      </p:nvGrpSpPr>
+      <p:grpSpPr>
+        <a:xfrm>
+          <a:off x="0" y="0"/>
+          <a:ext cx="0" cy="0"/>
+          <a:chOff x="0" y="0"/>
+          <a:chExt cx="0" cy="0"/>
+        </a:xfrm>
+      </p:grpSpPr>
+      <p:sp>
+        <p:nvSpPr>
+          <p:cNvPr id="7" name="Title 6"/>
+          <p:cNvSpPr>
+            <a:spLocks noGrp="1"/>
+          </p:cNvSpPr>
+          <p:nvPr>
+            <p:ph type="title"/>
+          </p:nvPr>
+        </p:nvSpPr>
+        <p:spPr/>
+        <p:txBody>
+          <a:bodyPr/>
+          <a:lstStyle/>
+          <a:p>
+            <a:r>
+              <a:rPr lang="en-US" dirty="0" smtClean="0"/>
+              <a:t>ASSIGNMENT</a:t>
+            </a:r>
+            <a:endParaRPr lang="en-US" dirty="0"/>
+          </a:p>
+        </p:txBody>
+      </p:sp>
+      <p:sp>
+        <p:nvSpPr>
+          <p:cNvPr id="8" name="Content Placeholder 7"/>
+          <p:cNvSpPr>
+            <a:spLocks noGrp="1"/>
+          </p:cNvSpPr>
+          <p:nvPr>
+            <p:ph idx="1"/>
+          </p:nvPr>
+        </p:nvSpPr>
+        <p:spPr/>
+        <p:txBody>
+          <a:bodyPr/>
+          <a:lstStyle/>
+          <a:p>
+            <a:r>
+              <a:rPr lang="en-US" dirty="0" smtClean="0"/>
+              <a:t>Naming a value</a:t>
+            </a:r>
+            <a:endParaRPr lang="en-US" dirty="0"/>
+          </a:p>
+          <a:p>
+            <a:r>
+              <a:rPr lang="en-US" dirty="0" smtClean="0"/>
+              <a:t>Name can change!</a:t>
+            </a:r>
+          </a:p>
+        </p:txBody>
+      </p:sp>
+      <p:sp>
+        <p:nvSpPr>
+          <p:cNvPr id="4" name="Date Placeholder 3"/>
+          <p:cNvSpPr>
+            <a:spLocks noGrp="1"/>
+          </p:cNvSpPr>
+          <p:nvPr>
+            <p:ph type="dt" sz="half" idx="10"/>
+          </p:nvPr>
+        </p:nvSpPr>
+        <p:spPr/>
+        <p:txBody>
+          <a:bodyPr/>
+          <a:lstStyle/>
+          <a:p>
+            <a:fld id="{B08FEED8-D7D4-44E9-BFBC-ED06B5996D94}" type="datetime4">
+              <a:rPr lang="en-US" smtClean="0"/>
+              <a:t>June 25, 2019</a:t>
+            </a:fld>
+            <a:endParaRPr lang="en-US" dirty="0"/>
+          </a:p>
+        </p:txBody>
+      </p:sp>
+      <p:sp>
+        <p:nvSpPr>
+          <p:cNvPr id="5" name="Footer Placeholder 4"/>
+          <p:cNvSpPr>
+            <a:spLocks noGrp="1"/>
+          </p:cNvSpPr>
+          <p:nvPr>
+            <p:ph type="ftr" sz="quarter" idx="11"/>
+          </p:nvPr>
+        </p:nvSpPr>
+        <p:spPr/>
+        <p:txBody>
+          <a:bodyPr/>
+          <a:lstStyle/>
+          <a:p>
+            <a:r>
+              <a:rPr lang="en-US" smtClean="0"/>
+              <a:t>Digital Scholarship Services </a:t>
+            </a:r>
+            <a:r>
+              <a:rPr lang="en-US" smtClean="0">
+                <a:solidFill>
+                  <a:schemeClr val="accent1">
+                    <a:lumMod val="50000"/>
+                  </a:schemeClr>
+                </a:solidFill>
+              </a:rPr>
+              <a:t>| Email</a:t>
+            </a:r>
+            <a:r>
+              <a:rPr lang="en-US" smtClean="0"/>
+              <a:t> cf24@rice.edu </a:t>
+            </a:r>
+            <a:r>
+              <a:rPr lang="en-US" smtClean="0">
+                <a:solidFill>
+                  <a:schemeClr val="accent1">
+                    <a:lumMod val="50000"/>
+                  </a:schemeClr>
+                </a:solidFill>
+              </a:rPr>
+              <a:t>|</a:t>
+            </a:r>
+            <a:r>
+              <a:rPr lang="en-US" smtClean="0"/>
+              <a:t> library.rice.edu/dss</a:t>
+            </a:r>
+            <a:endParaRPr lang="en-US" dirty="0"/>
+          </a:p>
+        </p:txBody>
+      </p:sp>
+      <p:sp>
+        <p:nvSpPr>
+          <p:cNvPr id="6" name="Slide Number Placeholder 5"/>
+          <p:cNvSpPr>
+            <a:spLocks noGrp="1"/>
+          </p:cNvSpPr>
+          <p:nvPr>
+            <p:ph type="sldNum" sz="quarter" idx="12"/>
+          </p:nvPr>
+        </p:nvSpPr>
+        <p:spPr/>
+        <p:txBody>
+          <a:bodyPr/>
+          <a:lstStyle/>
+          <a:p>
+            <a:fld id="{D57F1E4F-1CFF-5643-939E-02111984F565}" type="slidenum">
+              <a:rPr lang="en-US" smtClean="0"/>
+              <a:t>17</a:t>
+            </a:fld>
+            <a:endParaRPr lang="en-US" dirty="0"/>
+          </a:p>
+        </p:txBody>
+      </p:sp>
+    </p:spTree>
+    <p:extLst>
+      <p:ext uri="{BB962C8B-B14F-4D97-AF65-F5344CB8AC3E}">
+        <p14:creationId xmlns:p14="http://schemas.microsoft.com/office/powerpoint/2010/main" val="124173911"/>
+      </p:ext>
+    </p:extLst>
+  </p:cSld>
+  <p:clrMapOvr>
+    <a:masterClrMapping/>
+  </p:clrMapOvr>
+</p:sld>
+</file>
+
+<file path=ppt/slides/slide18.xml><?xml version="1.0" encoding="utf-8"?>
+<p:sld xmlns:a="http://schemas.openxmlformats.org/drawingml/2006/main" xmlns:r="http://schemas.openxmlformats.org/officeDocument/2006/relationships" xmlns:p="http://schemas.openxmlformats.org/presentationml/2006/main">
+  <p:cSld>
+    <p:spTree>
+      <p:nvGrpSpPr>
+        <p:cNvPr id="1" name=""/>
+        <p:cNvGrpSpPr/>
+        <p:nvPr/>
+      </p:nvGrpSpPr>
+      <p:grpSpPr>
+        <a:xfrm>
+          <a:off x="0" y="0"/>
+          <a:ext cx="0" cy="0"/>
+          <a:chOff x="0" y="0"/>
+          <a:chExt cx="0" cy="0"/>
+        </a:xfrm>
+      </p:grpSpPr>
+      <p:sp>
+        <p:nvSpPr>
+          <p:cNvPr id="7" name="Title 6"/>
+          <p:cNvSpPr>
+            <a:spLocks noGrp="1"/>
+          </p:cNvSpPr>
+          <p:nvPr>
+            <p:ph type="title"/>
+          </p:nvPr>
+        </p:nvSpPr>
+        <p:spPr/>
+        <p:txBody>
+          <a:bodyPr/>
+          <a:lstStyle/>
+          <a:p>
+            <a:r>
+              <a:rPr lang="en-US" dirty="0" smtClean="0"/>
+              <a:t>MATRIX MULTIPLICATION</a:t>
+            </a:r>
+            <a:endParaRPr lang="en-US" dirty="0"/>
+          </a:p>
+        </p:txBody>
+      </p:sp>
+      <p:sp>
+        <p:nvSpPr>
+          <p:cNvPr id="8" name="Content Placeholder 7"/>
+          <p:cNvSpPr>
+            <a:spLocks noGrp="1"/>
+          </p:cNvSpPr>
+          <p:nvPr>
+            <p:ph idx="1"/>
+          </p:nvPr>
+        </p:nvSpPr>
+        <p:spPr/>
+        <p:txBody>
+          <a:bodyPr/>
+          <a:lstStyle/>
+          <a:p>
+            <a:endParaRPr lang="en-US" dirty="0" smtClean="0"/>
+          </a:p>
+        </p:txBody>
+      </p:sp>
+      <p:sp>
+        <p:nvSpPr>
+          <p:cNvPr id="4" name="Date Placeholder 3"/>
+          <p:cNvSpPr>
+            <a:spLocks noGrp="1"/>
+          </p:cNvSpPr>
+          <p:nvPr>
+            <p:ph type="dt" sz="half" idx="10"/>
+          </p:nvPr>
+        </p:nvSpPr>
+        <p:spPr/>
+        <p:txBody>
+          <a:bodyPr/>
+          <a:lstStyle/>
+          <a:p>
+            <a:fld id="{B08FEED8-D7D4-44E9-BFBC-ED06B5996D94}" type="datetime4">
+              <a:rPr lang="en-US" smtClean="0"/>
+              <a:t>June 25, 2019</a:t>
+            </a:fld>
+            <a:endParaRPr lang="en-US" dirty="0"/>
+          </a:p>
+        </p:txBody>
+      </p:sp>
+      <p:sp>
+        <p:nvSpPr>
+          <p:cNvPr id="5" name="Footer Placeholder 4"/>
+          <p:cNvSpPr>
+            <a:spLocks noGrp="1"/>
+          </p:cNvSpPr>
+          <p:nvPr>
+            <p:ph type="ftr" sz="quarter" idx="11"/>
+          </p:nvPr>
+        </p:nvSpPr>
+        <p:spPr/>
+        <p:txBody>
+          <a:bodyPr/>
+          <a:lstStyle/>
+          <a:p>
+            <a:r>
+              <a:rPr lang="en-US" smtClean="0"/>
+              <a:t>Digital Scholarship Services </a:t>
+            </a:r>
+            <a:r>
+              <a:rPr lang="en-US" smtClean="0">
+                <a:solidFill>
+                  <a:schemeClr val="accent1">
+                    <a:lumMod val="50000"/>
+                  </a:schemeClr>
+                </a:solidFill>
+              </a:rPr>
+              <a:t>| Email</a:t>
+            </a:r>
+            <a:r>
+              <a:rPr lang="en-US" smtClean="0"/>
+              <a:t> cf24@rice.edu </a:t>
+            </a:r>
+            <a:r>
+              <a:rPr lang="en-US" smtClean="0">
+                <a:solidFill>
+                  <a:schemeClr val="accent1">
+                    <a:lumMod val="50000"/>
+                  </a:schemeClr>
+                </a:solidFill>
+              </a:rPr>
+              <a:t>|</a:t>
+            </a:r>
+            <a:r>
+              <a:rPr lang="en-US" smtClean="0"/>
+              <a:t> library.rice.edu/dss</a:t>
+            </a:r>
+            <a:endParaRPr lang="en-US" dirty="0"/>
+          </a:p>
+        </p:txBody>
+      </p:sp>
+      <p:sp>
+        <p:nvSpPr>
+          <p:cNvPr id="6" name="Slide Number Placeholder 5"/>
+          <p:cNvSpPr>
+            <a:spLocks noGrp="1"/>
+          </p:cNvSpPr>
+          <p:nvPr>
+            <p:ph type="sldNum" sz="quarter" idx="12"/>
+          </p:nvPr>
+        </p:nvSpPr>
+        <p:spPr/>
+        <p:txBody>
+          <a:bodyPr/>
+          <a:lstStyle/>
+          <a:p>
+            <a:fld id="{D57F1E4F-1CFF-5643-939E-02111984F565}" type="slidenum">
+              <a:rPr lang="en-US" smtClean="0"/>
+              <a:t>18</a:t>
+            </a:fld>
+            <a:endParaRPr lang="en-US" dirty="0"/>
+          </a:p>
+        </p:txBody>
+      </p:sp>
+    </p:spTree>
+    <p:extLst>
+      <p:ext uri="{BB962C8B-B14F-4D97-AF65-F5344CB8AC3E}">
+        <p14:creationId xmlns:p14="http://schemas.microsoft.com/office/powerpoint/2010/main" val="1038096362"/>
+      </p:ext>
+    </p:extLst>
+  </p:cSld>
+  <p:clrMapOvr>
+    <a:masterClrMapping/>
+  </p:clrMapOvr>
+</p:sld>
+</file>
+
+<file path=ppt/slides/slide19.xml><?xml version="1.0" encoding="utf-8"?>
+<p:sld xmlns:a="http://schemas.openxmlformats.org/drawingml/2006/main" xmlns:r="http://schemas.openxmlformats.org/officeDocument/2006/relationships" xmlns:p="http://schemas.openxmlformats.org/presentationml/2006/main">
+  <p:cSld>
+    <p:spTree>
+      <p:nvGrpSpPr>
+        <p:cNvPr id="1" name=""/>
+        <p:cNvGrpSpPr/>
+        <p:nvPr/>
+      </p:nvGrpSpPr>
+      <p:grpSpPr>
+        <a:xfrm>
+          <a:off x="0" y="0"/>
+          <a:ext cx="0" cy="0"/>
+          <a:chOff x="0" y="0"/>
+          <a:chExt cx="0" cy="0"/>
+        </a:xfrm>
+      </p:grpSpPr>
+      <p:sp>
+        <p:nvSpPr>
+          <p:cNvPr id="2" name="Title 1"/>
+          <p:cNvSpPr>
+            <a:spLocks noGrp="1"/>
+          </p:cNvSpPr>
+          <p:nvPr>
+            <p:ph type="title"/>
+          </p:nvPr>
+        </p:nvSpPr>
+        <p:spPr/>
+        <p:txBody>
+          <a:bodyPr/>
+          <a:lstStyle/>
+          <a:p>
+            <a:r>
+              <a:rPr lang="en-US" dirty="0" smtClean="0"/>
+              <a:t>TYPE CONVERSION</a:t>
+            </a:r>
+            <a:endParaRPr lang="en-US" dirty="0"/>
+          </a:p>
+        </p:txBody>
+      </p:sp>
+      <p:sp>
+        <p:nvSpPr>
+          <p:cNvPr id="3" name="Content Placeholder 2"/>
+          <p:cNvSpPr>
+            <a:spLocks noGrp="1"/>
+          </p:cNvSpPr>
+          <p:nvPr>
+            <p:ph idx="1"/>
+          </p:nvPr>
+        </p:nvSpPr>
+        <p:spPr/>
+        <p:txBody>
+          <a:bodyPr/>
+          <a:lstStyle/>
+          <a:p>
+            <a:endParaRPr lang="en-US"/>
+          </a:p>
+        </p:txBody>
+      </p:sp>
+      <p:sp>
+        <p:nvSpPr>
+          <p:cNvPr id="4" name="Date Placeholder 3"/>
+          <p:cNvSpPr>
+            <a:spLocks noGrp="1"/>
+          </p:cNvSpPr>
+          <p:nvPr>
+            <p:ph type="dt" sz="half" idx="10"/>
+          </p:nvPr>
+        </p:nvSpPr>
+        <p:spPr/>
+        <p:txBody>
+          <a:bodyPr/>
+          <a:lstStyle/>
+          <a:p>
+            <a:fld id="{8AAE40A0-A7D8-4DC3-BC9E-BADA32DA2004}" type="datetime4">
+              <a:rPr lang="en-US" smtClean="0"/>
+              <a:t>June 25, 2019</a:t>
+            </a:fld>
+            <a:endParaRPr lang="en-US" dirty="0"/>
+          </a:p>
+        </p:txBody>
+      </p:sp>
+      <p:sp>
+        <p:nvSpPr>
+          <p:cNvPr id="5" name="Footer Placeholder 4"/>
+          <p:cNvSpPr>
+            <a:spLocks noGrp="1"/>
+          </p:cNvSpPr>
+          <p:nvPr>
+            <p:ph type="ftr" sz="quarter" idx="11"/>
+          </p:nvPr>
+        </p:nvSpPr>
+        <p:spPr/>
+        <p:txBody>
+          <a:bodyPr/>
+          <a:lstStyle/>
+          <a:p>
+            <a:r>
+              <a:rPr lang="en-US" smtClean="0"/>
+              <a:t>Digital Scholarship Services </a:t>
+            </a:r>
+            <a:r>
+              <a:rPr lang="en-US" smtClean="0">
+                <a:solidFill>
+                  <a:schemeClr val="accent1">
+                    <a:lumMod val="50000"/>
+                  </a:schemeClr>
+                </a:solidFill>
+              </a:rPr>
+              <a:t>| Email</a:t>
+            </a:r>
+            <a:r>
+              <a:rPr lang="en-US" smtClean="0"/>
+              <a:t> cf24@rice.edu </a:t>
+            </a:r>
+            <a:r>
+              <a:rPr lang="en-US" smtClean="0">
+                <a:solidFill>
+                  <a:schemeClr val="accent1">
+                    <a:lumMod val="50000"/>
+                  </a:schemeClr>
+                </a:solidFill>
+              </a:rPr>
+              <a:t>|</a:t>
+            </a:r>
+            <a:r>
+              <a:rPr lang="en-US" smtClean="0"/>
+              <a:t> library.rice.edu/dss</a:t>
+            </a:r>
+            <a:endParaRPr lang="en-US" dirty="0"/>
+          </a:p>
+        </p:txBody>
+      </p:sp>
+      <p:sp>
+        <p:nvSpPr>
+          <p:cNvPr id="6" name="Slide Number Placeholder 5"/>
+          <p:cNvSpPr>
+            <a:spLocks noGrp="1"/>
+          </p:cNvSpPr>
+          <p:nvPr>
+            <p:ph type="sldNum" sz="quarter" idx="12"/>
+          </p:nvPr>
+        </p:nvSpPr>
+        <p:spPr/>
+        <p:txBody>
+          <a:bodyPr/>
+          <a:lstStyle/>
+          <a:p>
+            <a:fld id="{D57F1E4F-1CFF-5643-939E-02111984F565}" type="slidenum">
+              <a:rPr lang="en-US" smtClean="0"/>
+              <a:t>19</a:t>
+            </a:fld>
+            <a:endParaRPr lang="en-US" dirty="0"/>
+          </a:p>
+        </p:txBody>
+      </p:sp>
+    </p:spTree>
+    <p:extLst>
+      <p:ext uri="{BB962C8B-B14F-4D97-AF65-F5344CB8AC3E}">
+        <p14:creationId xmlns:p14="http://schemas.microsoft.com/office/powerpoint/2010/main" val="962083270"/>
+      </p:ext>
+    </p:extLst>
+  </p:cSld>
+  <p:clrMapOvr>
+    <a:masterClrMapping/>
+  </p:clrMapOvr>
+</p:sld>
+</file>
+
 <file path=ppt/slides/slide2.xml><?xml version="1.0" encoding="utf-8"?>
 <p:sld xmlns:a="http://schemas.openxmlformats.org/drawingml/2006/main" xmlns:r="http://schemas.openxmlformats.org/officeDocument/2006/relationships" xmlns:p="http://schemas.openxmlformats.org/presentationml/2006/main">
   <p:cSld>
@@ -4142,7 +5946,7 @@
           <a:p>
             <a:fld id="{3686C9ED-58DA-41A6-B894-9B830C59600E}" type="datetime4">
               <a:rPr lang="en-US" smtClean="0"/>
-              <a:t>June 19, 2019</a:t>
+              <a:t>June 25, 2019</a:t>
             </a:fld>
             <a:endParaRPr lang="en-US" dirty="0"/>
           </a:p>
@@ -4192,7 +5996,33 @@
           <a:bodyPr/>
           <a:lstStyle/>
           <a:p>
-            <a:endParaRPr lang="en-US"/>
+            <a:r>
+              <a:rPr lang="en-US" dirty="0"/>
+              <a:t>Free, open-source</a:t>
+            </a:r>
+          </a:p>
+          <a:p>
+            <a:r>
+              <a:rPr lang="en-US" dirty="0" smtClean="0"/>
+              <a:t>Data handling and storage</a:t>
+            </a:r>
+          </a:p>
+          <a:p>
+            <a:r>
+              <a:rPr lang="en-US" dirty="0"/>
+              <a:t>P</a:t>
+            </a:r>
+            <a:r>
+              <a:rPr lang="en-US" dirty="0" smtClean="0"/>
+              <a:t>rogramming language</a:t>
+            </a:r>
+          </a:p>
+          <a:p>
+            <a:r>
+              <a:rPr lang="en-US" dirty="0" smtClean="0"/>
+              <a:t>Huge number of free packages give extended modeling, visualization, manipulation, and more capabilities</a:t>
+            </a:r>
+            <a:endParaRPr lang="en-US" dirty="0"/>
           </a:p>
         </p:txBody>
       </p:sp>
@@ -4200,6 +6030,2021 @@
     <p:extLst>
       <p:ext uri="{BB962C8B-B14F-4D97-AF65-F5344CB8AC3E}">
         <p14:creationId xmlns:p14="http://schemas.microsoft.com/office/powerpoint/2010/main" val="999144808"/>
+      </p:ext>
+    </p:extLst>
+  </p:cSld>
+  <p:clrMapOvr>
+    <a:masterClrMapping/>
+  </p:clrMapOvr>
+</p:sld>
+</file>
+
+<file path=ppt/slides/slide20.xml><?xml version="1.0" encoding="utf-8"?>
+<p:sld xmlns:a="http://schemas.openxmlformats.org/drawingml/2006/main" xmlns:r="http://schemas.openxmlformats.org/officeDocument/2006/relationships" xmlns:p="http://schemas.openxmlformats.org/presentationml/2006/main">
+  <p:cSld>
+    <p:spTree>
+      <p:nvGrpSpPr>
+        <p:cNvPr id="1" name=""/>
+        <p:cNvGrpSpPr/>
+        <p:nvPr/>
+      </p:nvGrpSpPr>
+      <p:grpSpPr>
+        <a:xfrm>
+          <a:off x="0" y="0"/>
+          <a:ext cx="0" cy="0"/>
+          <a:chOff x="0" y="0"/>
+          <a:chExt cx="0" cy="0"/>
+        </a:xfrm>
+      </p:grpSpPr>
+      <p:sp>
+        <p:nvSpPr>
+          <p:cNvPr id="7" name="Title 6">
+            <a:extLst>
+              <a:ext uri="{FF2B5EF4-FFF2-40B4-BE49-F238E27FC236}">
+                <a16:creationId xmlns:a16="http://schemas.microsoft.com/office/drawing/2014/main" id="{184E2338-1026-45D4-9455-B21A88F18B28}"/>
+              </a:ext>
+            </a:extLst>
+          </p:cNvPr>
+          <p:cNvSpPr>
+            <a:spLocks noGrp="1"/>
+          </p:cNvSpPr>
+          <p:nvPr>
+            <p:ph type="title"/>
+          </p:nvPr>
+        </p:nvSpPr>
+        <p:spPr/>
+        <p:txBody>
+          <a:bodyPr/>
+          <a:lstStyle/>
+          <a:p>
+            <a:r>
+              <a:rPr lang="en-US" dirty="0" smtClean="0"/>
+              <a:t>DATA MANIPULATION</a:t>
+            </a:r>
+            <a:endParaRPr lang="en-US" dirty="0"/>
+          </a:p>
+        </p:txBody>
+      </p:sp>
+      <p:sp>
+        <p:nvSpPr>
+          <p:cNvPr id="8" name="Text Placeholder 7">
+            <a:extLst>
+              <a:ext uri="{FF2B5EF4-FFF2-40B4-BE49-F238E27FC236}">
+                <a16:creationId xmlns:a16="http://schemas.microsoft.com/office/drawing/2014/main" id="{DB42CCAB-C8E2-48A8-A9DF-EB0383A8B33C}"/>
+              </a:ext>
+            </a:extLst>
+          </p:cNvPr>
+          <p:cNvSpPr>
+            <a:spLocks noGrp="1"/>
+          </p:cNvSpPr>
+          <p:nvPr>
+            <p:ph type="body" idx="1"/>
+          </p:nvPr>
+        </p:nvSpPr>
+        <p:spPr/>
+        <p:txBody>
+          <a:bodyPr/>
+          <a:lstStyle/>
+          <a:p>
+            <a:r>
+              <a:rPr lang="en-US" dirty="0" smtClean="0"/>
+              <a:t>Subsetting</a:t>
+            </a:r>
+            <a:r>
+              <a:rPr lang="en-US" dirty="0"/>
+              <a:t> </a:t>
+            </a:r>
+            <a:r>
+              <a:rPr lang="en-US" dirty="0" smtClean="0"/>
+              <a:t>and filtering</a:t>
+            </a:r>
+            <a:endParaRPr lang="en-US" dirty="0"/>
+          </a:p>
+        </p:txBody>
+      </p:sp>
+      <p:sp>
+        <p:nvSpPr>
+          <p:cNvPr id="4" name="Date Placeholder 3">
+            <a:extLst>
+              <a:ext uri="{FF2B5EF4-FFF2-40B4-BE49-F238E27FC236}">
+                <a16:creationId xmlns:a16="http://schemas.microsoft.com/office/drawing/2014/main" id="{1CA94ACB-62A5-4F09-8C21-F0CE9BFB1606}"/>
+              </a:ext>
+            </a:extLst>
+          </p:cNvPr>
+          <p:cNvSpPr>
+            <a:spLocks noGrp="1"/>
+          </p:cNvSpPr>
+          <p:nvPr>
+            <p:ph type="dt" sz="half" idx="10"/>
+          </p:nvPr>
+        </p:nvSpPr>
+        <p:spPr/>
+        <p:txBody>
+          <a:bodyPr/>
+          <a:lstStyle/>
+          <a:p>
+            <a:fld id="{8AAE40A0-A7D8-4DC3-BC9E-BADA32DA2004}" type="datetime4">
+              <a:rPr lang="en-US" smtClean="0"/>
+              <a:t>June 25, 2019</a:t>
+            </a:fld>
+            <a:endParaRPr lang="en-US" dirty="0"/>
+          </a:p>
+        </p:txBody>
+      </p:sp>
+      <p:sp>
+        <p:nvSpPr>
+          <p:cNvPr id="5" name="Footer Placeholder 4">
+            <a:extLst>
+              <a:ext uri="{FF2B5EF4-FFF2-40B4-BE49-F238E27FC236}">
+                <a16:creationId xmlns:a16="http://schemas.microsoft.com/office/drawing/2014/main" id="{D20B02B0-893D-4696-B6F7-A126B8D18E99}"/>
+              </a:ext>
+            </a:extLst>
+          </p:cNvPr>
+          <p:cNvSpPr>
+            <a:spLocks noGrp="1"/>
+          </p:cNvSpPr>
+          <p:nvPr>
+            <p:ph type="ftr" sz="quarter" idx="11"/>
+          </p:nvPr>
+        </p:nvSpPr>
+        <p:spPr/>
+        <p:txBody>
+          <a:bodyPr/>
+          <a:lstStyle/>
+          <a:p>
+            <a:r>
+              <a:rPr lang="en-US"/>
+              <a:t>Digital Scholarship Services </a:t>
+            </a:r>
+            <a:r>
+              <a:rPr lang="en-US">
+                <a:solidFill>
+                  <a:schemeClr val="accent1">
+                    <a:lumMod val="50000"/>
+                  </a:schemeClr>
+                </a:solidFill>
+              </a:rPr>
+              <a:t>| Email</a:t>
+            </a:r>
+            <a:r>
+              <a:rPr lang="en-US"/>
+              <a:t> cf24@rice.edu </a:t>
+            </a:r>
+            <a:r>
+              <a:rPr lang="en-US">
+                <a:solidFill>
+                  <a:schemeClr val="accent1">
+                    <a:lumMod val="50000"/>
+                  </a:schemeClr>
+                </a:solidFill>
+              </a:rPr>
+              <a:t>|</a:t>
+            </a:r>
+            <a:r>
+              <a:rPr lang="en-US"/>
+              <a:t> library.rice.edu/dss</a:t>
+            </a:r>
+            <a:endParaRPr lang="en-US" dirty="0"/>
+          </a:p>
+        </p:txBody>
+      </p:sp>
+      <p:sp>
+        <p:nvSpPr>
+          <p:cNvPr id="6" name="Slide Number Placeholder 5">
+            <a:extLst>
+              <a:ext uri="{FF2B5EF4-FFF2-40B4-BE49-F238E27FC236}">
+                <a16:creationId xmlns:a16="http://schemas.microsoft.com/office/drawing/2014/main" id="{1CFDA495-0063-4571-8969-0DD770DB39E0}"/>
+              </a:ext>
+            </a:extLst>
+          </p:cNvPr>
+          <p:cNvSpPr>
+            <a:spLocks noGrp="1"/>
+          </p:cNvSpPr>
+          <p:nvPr>
+            <p:ph type="sldNum" sz="quarter" idx="12"/>
+          </p:nvPr>
+        </p:nvSpPr>
+        <p:spPr/>
+        <p:txBody>
+          <a:bodyPr/>
+          <a:lstStyle/>
+          <a:p>
+            <a:fld id="{D57F1E4F-1CFF-5643-939E-02111984F565}" type="slidenum">
+              <a:rPr lang="en-US" smtClean="0"/>
+              <a:t>20</a:t>
+            </a:fld>
+            <a:endParaRPr lang="en-US" dirty="0"/>
+          </a:p>
+        </p:txBody>
+      </p:sp>
+    </p:spTree>
+    <p:extLst>
+      <p:ext uri="{BB962C8B-B14F-4D97-AF65-F5344CB8AC3E}">
+        <p14:creationId xmlns:p14="http://schemas.microsoft.com/office/powerpoint/2010/main" val="235569832"/>
+      </p:ext>
+    </p:extLst>
+  </p:cSld>
+  <p:clrMapOvr>
+    <a:masterClrMapping/>
+  </p:clrMapOvr>
+</p:sld>
+</file>
+
+<file path=ppt/slides/slide21.xml><?xml version="1.0" encoding="utf-8"?>
+<p:sld xmlns:a="http://schemas.openxmlformats.org/drawingml/2006/main" xmlns:r="http://schemas.openxmlformats.org/officeDocument/2006/relationships" xmlns:p="http://schemas.openxmlformats.org/presentationml/2006/main">
+  <p:cSld>
+    <p:spTree>
+      <p:nvGrpSpPr>
+        <p:cNvPr id="1" name=""/>
+        <p:cNvGrpSpPr/>
+        <p:nvPr/>
+      </p:nvGrpSpPr>
+      <p:grpSpPr>
+        <a:xfrm>
+          <a:off x="0" y="0"/>
+          <a:ext cx="0" cy="0"/>
+          <a:chOff x="0" y="0"/>
+          <a:chExt cx="0" cy="0"/>
+        </a:xfrm>
+      </p:grpSpPr>
+      <p:sp>
+        <p:nvSpPr>
+          <p:cNvPr id="7" name="Title 6"/>
+          <p:cNvSpPr>
+            <a:spLocks noGrp="1"/>
+          </p:cNvSpPr>
+          <p:nvPr>
+            <p:ph type="title"/>
+          </p:nvPr>
+        </p:nvSpPr>
+        <p:spPr/>
+        <p:txBody>
+          <a:bodyPr/>
+          <a:lstStyle/>
+          <a:p>
+            <a:r>
+              <a:rPr lang="en-US" dirty="0" smtClean="0"/>
+              <a:t>SUBSETTING</a:t>
+            </a:r>
+            <a:endParaRPr lang="en-US" dirty="0"/>
+          </a:p>
+        </p:txBody>
+      </p:sp>
+      <p:sp>
+        <p:nvSpPr>
+          <p:cNvPr id="8" name="Content Placeholder 7"/>
+          <p:cNvSpPr>
+            <a:spLocks noGrp="1"/>
+          </p:cNvSpPr>
+          <p:nvPr>
+            <p:ph idx="1"/>
+          </p:nvPr>
+        </p:nvSpPr>
+        <p:spPr/>
+        <p:txBody>
+          <a:bodyPr/>
+          <a:lstStyle/>
+          <a:p>
+            <a:r>
+              <a:rPr lang="en-US" dirty="0" smtClean="0"/>
+              <a:t>By Row:</a:t>
+            </a:r>
+          </a:p>
+          <a:p>
+            <a:r>
+              <a:rPr lang="en-US" dirty="0" smtClean="0"/>
+              <a:t>By Column:</a:t>
+            </a:r>
+            <a:endParaRPr lang="en-US" dirty="0"/>
+          </a:p>
+        </p:txBody>
+      </p:sp>
+      <p:sp>
+        <p:nvSpPr>
+          <p:cNvPr id="4" name="Date Placeholder 3"/>
+          <p:cNvSpPr>
+            <a:spLocks noGrp="1"/>
+          </p:cNvSpPr>
+          <p:nvPr>
+            <p:ph type="dt" sz="half" idx="10"/>
+          </p:nvPr>
+        </p:nvSpPr>
+        <p:spPr/>
+        <p:txBody>
+          <a:bodyPr/>
+          <a:lstStyle/>
+          <a:p>
+            <a:fld id="{B08FEED8-D7D4-44E9-BFBC-ED06B5996D94}" type="datetime4">
+              <a:rPr lang="en-US" smtClean="0"/>
+              <a:t>June 25, 2019</a:t>
+            </a:fld>
+            <a:endParaRPr lang="en-US" dirty="0"/>
+          </a:p>
+        </p:txBody>
+      </p:sp>
+      <p:sp>
+        <p:nvSpPr>
+          <p:cNvPr id="5" name="Footer Placeholder 4"/>
+          <p:cNvSpPr>
+            <a:spLocks noGrp="1"/>
+          </p:cNvSpPr>
+          <p:nvPr>
+            <p:ph type="ftr" sz="quarter" idx="11"/>
+          </p:nvPr>
+        </p:nvSpPr>
+        <p:spPr/>
+        <p:txBody>
+          <a:bodyPr/>
+          <a:lstStyle/>
+          <a:p>
+            <a:r>
+              <a:rPr lang="en-US" smtClean="0"/>
+              <a:t>Digital Scholarship Services </a:t>
+            </a:r>
+            <a:r>
+              <a:rPr lang="en-US" smtClean="0">
+                <a:solidFill>
+                  <a:schemeClr val="accent1">
+                    <a:lumMod val="50000"/>
+                  </a:schemeClr>
+                </a:solidFill>
+              </a:rPr>
+              <a:t>| Email</a:t>
+            </a:r>
+            <a:r>
+              <a:rPr lang="en-US" smtClean="0"/>
+              <a:t> cf24@rice.edu </a:t>
+            </a:r>
+            <a:r>
+              <a:rPr lang="en-US" smtClean="0">
+                <a:solidFill>
+                  <a:schemeClr val="accent1">
+                    <a:lumMod val="50000"/>
+                  </a:schemeClr>
+                </a:solidFill>
+              </a:rPr>
+              <a:t>|</a:t>
+            </a:r>
+            <a:r>
+              <a:rPr lang="en-US" smtClean="0"/>
+              <a:t> library.rice.edu/dss</a:t>
+            </a:r>
+            <a:endParaRPr lang="en-US" dirty="0"/>
+          </a:p>
+        </p:txBody>
+      </p:sp>
+      <p:sp>
+        <p:nvSpPr>
+          <p:cNvPr id="6" name="Slide Number Placeholder 5"/>
+          <p:cNvSpPr>
+            <a:spLocks noGrp="1"/>
+          </p:cNvSpPr>
+          <p:nvPr>
+            <p:ph type="sldNum" sz="quarter" idx="12"/>
+          </p:nvPr>
+        </p:nvSpPr>
+        <p:spPr/>
+        <p:txBody>
+          <a:bodyPr/>
+          <a:lstStyle/>
+          <a:p>
+            <a:fld id="{D57F1E4F-1CFF-5643-939E-02111984F565}" type="slidenum">
+              <a:rPr lang="en-US" smtClean="0"/>
+              <a:t>21</a:t>
+            </a:fld>
+            <a:endParaRPr lang="en-US" dirty="0"/>
+          </a:p>
+        </p:txBody>
+      </p:sp>
+    </p:spTree>
+    <p:extLst>
+      <p:ext uri="{BB962C8B-B14F-4D97-AF65-F5344CB8AC3E}">
+        <p14:creationId xmlns:p14="http://schemas.microsoft.com/office/powerpoint/2010/main" val="2279848204"/>
+      </p:ext>
+    </p:extLst>
+  </p:cSld>
+  <p:clrMapOvr>
+    <a:masterClrMapping/>
+  </p:clrMapOvr>
+</p:sld>
+</file>
+
+<file path=ppt/slides/slide22.xml><?xml version="1.0" encoding="utf-8"?>
+<p:sld xmlns:a="http://schemas.openxmlformats.org/drawingml/2006/main" xmlns:r="http://schemas.openxmlformats.org/officeDocument/2006/relationships" xmlns:p="http://schemas.openxmlformats.org/presentationml/2006/main">
+  <p:cSld>
+    <p:spTree>
+      <p:nvGrpSpPr>
+        <p:cNvPr id="1" name=""/>
+        <p:cNvGrpSpPr/>
+        <p:nvPr/>
+      </p:nvGrpSpPr>
+      <p:grpSpPr>
+        <a:xfrm>
+          <a:off x="0" y="0"/>
+          <a:ext cx="0" cy="0"/>
+          <a:chOff x="0" y="0"/>
+          <a:chExt cx="0" cy="0"/>
+        </a:xfrm>
+      </p:grpSpPr>
+      <p:sp>
+        <p:nvSpPr>
+          <p:cNvPr id="7" name="Title 6"/>
+          <p:cNvSpPr>
+            <a:spLocks noGrp="1"/>
+          </p:cNvSpPr>
+          <p:nvPr>
+            <p:ph type="title"/>
+          </p:nvPr>
+        </p:nvSpPr>
+        <p:spPr/>
+        <p:txBody>
+          <a:bodyPr/>
+          <a:lstStyle/>
+          <a:p>
+            <a:r>
+              <a:rPr lang="en-US" dirty="0" smtClean="0"/>
+              <a:t>FILTERING</a:t>
+            </a:r>
+            <a:endParaRPr lang="en-US" dirty="0"/>
+          </a:p>
+        </p:txBody>
+      </p:sp>
+      <p:sp>
+        <p:nvSpPr>
+          <p:cNvPr id="8" name="Content Placeholder 7"/>
+          <p:cNvSpPr>
+            <a:spLocks noGrp="1"/>
+          </p:cNvSpPr>
+          <p:nvPr>
+            <p:ph idx="1"/>
+          </p:nvPr>
+        </p:nvSpPr>
+        <p:spPr/>
+        <p:txBody>
+          <a:bodyPr/>
+          <a:lstStyle/>
+          <a:p>
+            <a:endParaRPr lang="en-US" dirty="0"/>
+          </a:p>
+        </p:txBody>
+      </p:sp>
+      <p:sp>
+        <p:nvSpPr>
+          <p:cNvPr id="4" name="Date Placeholder 3"/>
+          <p:cNvSpPr>
+            <a:spLocks noGrp="1"/>
+          </p:cNvSpPr>
+          <p:nvPr>
+            <p:ph type="dt" sz="half" idx="10"/>
+          </p:nvPr>
+        </p:nvSpPr>
+        <p:spPr/>
+        <p:txBody>
+          <a:bodyPr/>
+          <a:lstStyle/>
+          <a:p>
+            <a:fld id="{B08FEED8-D7D4-44E9-BFBC-ED06B5996D94}" type="datetime4">
+              <a:rPr lang="en-US" smtClean="0"/>
+              <a:t>June 25, 2019</a:t>
+            </a:fld>
+            <a:endParaRPr lang="en-US" dirty="0"/>
+          </a:p>
+        </p:txBody>
+      </p:sp>
+      <p:sp>
+        <p:nvSpPr>
+          <p:cNvPr id="5" name="Footer Placeholder 4"/>
+          <p:cNvSpPr>
+            <a:spLocks noGrp="1"/>
+          </p:cNvSpPr>
+          <p:nvPr>
+            <p:ph type="ftr" sz="quarter" idx="11"/>
+          </p:nvPr>
+        </p:nvSpPr>
+        <p:spPr/>
+        <p:txBody>
+          <a:bodyPr/>
+          <a:lstStyle/>
+          <a:p>
+            <a:r>
+              <a:rPr lang="en-US" smtClean="0"/>
+              <a:t>Digital Scholarship Services </a:t>
+            </a:r>
+            <a:r>
+              <a:rPr lang="en-US" smtClean="0">
+                <a:solidFill>
+                  <a:schemeClr val="accent1">
+                    <a:lumMod val="50000"/>
+                  </a:schemeClr>
+                </a:solidFill>
+              </a:rPr>
+              <a:t>| Email</a:t>
+            </a:r>
+            <a:r>
+              <a:rPr lang="en-US" smtClean="0"/>
+              <a:t> cf24@rice.edu </a:t>
+            </a:r>
+            <a:r>
+              <a:rPr lang="en-US" smtClean="0">
+                <a:solidFill>
+                  <a:schemeClr val="accent1">
+                    <a:lumMod val="50000"/>
+                  </a:schemeClr>
+                </a:solidFill>
+              </a:rPr>
+              <a:t>|</a:t>
+            </a:r>
+            <a:r>
+              <a:rPr lang="en-US" smtClean="0"/>
+              <a:t> library.rice.edu/dss</a:t>
+            </a:r>
+            <a:endParaRPr lang="en-US" dirty="0"/>
+          </a:p>
+        </p:txBody>
+      </p:sp>
+      <p:sp>
+        <p:nvSpPr>
+          <p:cNvPr id="6" name="Slide Number Placeholder 5"/>
+          <p:cNvSpPr>
+            <a:spLocks noGrp="1"/>
+          </p:cNvSpPr>
+          <p:nvPr>
+            <p:ph type="sldNum" sz="quarter" idx="12"/>
+          </p:nvPr>
+        </p:nvSpPr>
+        <p:spPr/>
+        <p:txBody>
+          <a:bodyPr/>
+          <a:lstStyle/>
+          <a:p>
+            <a:fld id="{D57F1E4F-1CFF-5643-939E-02111984F565}" type="slidenum">
+              <a:rPr lang="en-US" smtClean="0"/>
+              <a:t>22</a:t>
+            </a:fld>
+            <a:endParaRPr lang="en-US" dirty="0"/>
+          </a:p>
+        </p:txBody>
+      </p:sp>
+    </p:spTree>
+    <p:extLst>
+      <p:ext uri="{BB962C8B-B14F-4D97-AF65-F5344CB8AC3E}">
+        <p14:creationId xmlns:p14="http://schemas.microsoft.com/office/powerpoint/2010/main" val="3865024361"/>
+      </p:ext>
+    </p:extLst>
+  </p:cSld>
+  <p:clrMapOvr>
+    <a:masterClrMapping/>
+  </p:clrMapOvr>
+</p:sld>
+</file>
+
+<file path=ppt/slides/slide23.xml><?xml version="1.0" encoding="utf-8"?>
+<p:sld xmlns:a="http://schemas.openxmlformats.org/drawingml/2006/main" xmlns:r="http://schemas.openxmlformats.org/officeDocument/2006/relationships" xmlns:p="http://schemas.openxmlformats.org/presentationml/2006/main">
+  <p:cSld>
+    <p:spTree>
+      <p:nvGrpSpPr>
+        <p:cNvPr id="1" name=""/>
+        <p:cNvGrpSpPr/>
+        <p:nvPr/>
+      </p:nvGrpSpPr>
+      <p:grpSpPr>
+        <a:xfrm>
+          <a:off x="0" y="0"/>
+          <a:ext cx="0" cy="0"/>
+          <a:chOff x="0" y="0"/>
+          <a:chExt cx="0" cy="0"/>
+        </a:xfrm>
+      </p:grpSpPr>
+      <p:sp>
+        <p:nvSpPr>
+          <p:cNvPr id="7" name="Title 6">
+            <a:extLst>
+              <a:ext uri="{FF2B5EF4-FFF2-40B4-BE49-F238E27FC236}">
+                <a16:creationId xmlns:a16="http://schemas.microsoft.com/office/drawing/2014/main" id="{184E2338-1026-45D4-9455-B21A88F18B28}"/>
+              </a:ext>
+            </a:extLst>
+          </p:cNvPr>
+          <p:cNvSpPr>
+            <a:spLocks noGrp="1"/>
+          </p:cNvSpPr>
+          <p:nvPr>
+            <p:ph type="title"/>
+          </p:nvPr>
+        </p:nvSpPr>
+        <p:spPr/>
+        <p:txBody>
+          <a:bodyPr/>
+          <a:lstStyle/>
+          <a:p>
+            <a:r>
+              <a:rPr lang="en-US" dirty="0"/>
+              <a:t>READING </a:t>
+            </a:r>
+            <a:r>
+              <a:rPr lang="en-US" dirty="0" smtClean="0"/>
+              <a:t>AND </a:t>
+            </a:r>
+            <a:br>
+              <a:rPr lang="en-US" dirty="0" smtClean="0"/>
+            </a:br>
+            <a:r>
+              <a:rPr lang="en-US" dirty="0" smtClean="0"/>
+              <a:t>WRITING DATA</a:t>
+            </a:r>
+            <a:endParaRPr lang="en-US" dirty="0"/>
+          </a:p>
+        </p:txBody>
+      </p:sp>
+      <p:sp>
+        <p:nvSpPr>
+          <p:cNvPr id="8" name="Text Placeholder 7">
+            <a:extLst>
+              <a:ext uri="{FF2B5EF4-FFF2-40B4-BE49-F238E27FC236}">
+                <a16:creationId xmlns:a16="http://schemas.microsoft.com/office/drawing/2014/main" id="{DB42CCAB-C8E2-48A8-A9DF-EB0383A8B33C}"/>
+              </a:ext>
+            </a:extLst>
+          </p:cNvPr>
+          <p:cNvSpPr>
+            <a:spLocks noGrp="1"/>
+          </p:cNvSpPr>
+          <p:nvPr>
+            <p:ph type="body" idx="1"/>
+          </p:nvPr>
+        </p:nvSpPr>
+        <p:spPr/>
+        <p:txBody>
+          <a:bodyPr/>
+          <a:lstStyle/>
+          <a:p>
+            <a:r>
+              <a:rPr lang="en-US" dirty="0"/>
+              <a:t>Excel, Comma-Separated and Tab-Separated Values, and more!</a:t>
+            </a:r>
+          </a:p>
+        </p:txBody>
+      </p:sp>
+      <p:sp>
+        <p:nvSpPr>
+          <p:cNvPr id="4" name="Date Placeholder 3">
+            <a:extLst>
+              <a:ext uri="{FF2B5EF4-FFF2-40B4-BE49-F238E27FC236}">
+                <a16:creationId xmlns:a16="http://schemas.microsoft.com/office/drawing/2014/main" id="{1CA94ACB-62A5-4F09-8C21-F0CE9BFB1606}"/>
+              </a:ext>
+            </a:extLst>
+          </p:cNvPr>
+          <p:cNvSpPr>
+            <a:spLocks noGrp="1"/>
+          </p:cNvSpPr>
+          <p:nvPr>
+            <p:ph type="dt" sz="half" idx="10"/>
+          </p:nvPr>
+        </p:nvSpPr>
+        <p:spPr/>
+        <p:txBody>
+          <a:bodyPr/>
+          <a:lstStyle/>
+          <a:p>
+            <a:fld id="{8AAE40A0-A7D8-4DC3-BC9E-BADA32DA2004}" type="datetime4">
+              <a:rPr lang="en-US" smtClean="0"/>
+              <a:t>June 25, 2019</a:t>
+            </a:fld>
+            <a:endParaRPr lang="en-US" dirty="0"/>
+          </a:p>
+        </p:txBody>
+      </p:sp>
+      <p:sp>
+        <p:nvSpPr>
+          <p:cNvPr id="5" name="Footer Placeholder 4">
+            <a:extLst>
+              <a:ext uri="{FF2B5EF4-FFF2-40B4-BE49-F238E27FC236}">
+                <a16:creationId xmlns:a16="http://schemas.microsoft.com/office/drawing/2014/main" id="{D20B02B0-893D-4696-B6F7-A126B8D18E99}"/>
+              </a:ext>
+            </a:extLst>
+          </p:cNvPr>
+          <p:cNvSpPr>
+            <a:spLocks noGrp="1"/>
+          </p:cNvSpPr>
+          <p:nvPr>
+            <p:ph type="ftr" sz="quarter" idx="11"/>
+          </p:nvPr>
+        </p:nvSpPr>
+        <p:spPr/>
+        <p:txBody>
+          <a:bodyPr/>
+          <a:lstStyle/>
+          <a:p>
+            <a:r>
+              <a:rPr lang="en-US"/>
+              <a:t>Digital Scholarship Services </a:t>
+            </a:r>
+            <a:r>
+              <a:rPr lang="en-US">
+                <a:solidFill>
+                  <a:schemeClr val="accent1">
+                    <a:lumMod val="50000"/>
+                  </a:schemeClr>
+                </a:solidFill>
+              </a:rPr>
+              <a:t>| Email</a:t>
+            </a:r>
+            <a:r>
+              <a:rPr lang="en-US"/>
+              <a:t> cf24@rice.edu </a:t>
+            </a:r>
+            <a:r>
+              <a:rPr lang="en-US">
+                <a:solidFill>
+                  <a:schemeClr val="accent1">
+                    <a:lumMod val="50000"/>
+                  </a:schemeClr>
+                </a:solidFill>
+              </a:rPr>
+              <a:t>|</a:t>
+            </a:r>
+            <a:r>
+              <a:rPr lang="en-US"/>
+              <a:t> library.rice.edu/dss</a:t>
+            </a:r>
+            <a:endParaRPr lang="en-US" dirty="0"/>
+          </a:p>
+        </p:txBody>
+      </p:sp>
+      <p:sp>
+        <p:nvSpPr>
+          <p:cNvPr id="6" name="Slide Number Placeholder 5">
+            <a:extLst>
+              <a:ext uri="{FF2B5EF4-FFF2-40B4-BE49-F238E27FC236}">
+                <a16:creationId xmlns:a16="http://schemas.microsoft.com/office/drawing/2014/main" id="{1CFDA495-0063-4571-8969-0DD770DB39E0}"/>
+              </a:ext>
+            </a:extLst>
+          </p:cNvPr>
+          <p:cNvSpPr>
+            <a:spLocks noGrp="1"/>
+          </p:cNvSpPr>
+          <p:nvPr>
+            <p:ph type="sldNum" sz="quarter" idx="12"/>
+          </p:nvPr>
+        </p:nvSpPr>
+        <p:spPr/>
+        <p:txBody>
+          <a:bodyPr/>
+          <a:lstStyle/>
+          <a:p>
+            <a:fld id="{D57F1E4F-1CFF-5643-939E-02111984F565}" type="slidenum">
+              <a:rPr lang="en-US" smtClean="0"/>
+              <a:t>23</a:t>
+            </a:fld>
+            <a:endParaRPr lang="en-US" dirty="0"/>
+          </a:p>
+        </p:txBody>
+      </p:sp>
+    </p:spTree>
+    <p:extLst>
+      <p:ext uri="{BB962C8B-B14F-4D97-AF65-F5344CB8AC3E}">
+        <p14:creationId xmlns:p14="http://schemas.microsoft.com/office/powerpoint/2010/main" val="2581962988"/>
+      </p:ext>
+    </p:extLst>
+  </p:cSld>
+  <p:clrMapOvr>
+    <a:masterClrMapping/>
+  </p:clrMapOvr>
+</p:sld>
+</file>
+
+<file path=ppt/slides/slide24.xml><?xml version="1.0" encoding="utf-8"?>
+<p:sld xmlns:a="http://schemas.openxmlformats.org/drawingml/2006/main" xmlns:r="http://schemas.openxmlformats.org/officeDocument/2006/relationships" xmlns:p="http://schemas.openxmlformats.org/presentationml/2006/main">
+  <p:cSld>
+    <p:spTree>
+      <p:nvGrpSpPr>
+        <p:cNvPr id="1" name=""/>
+        <p:cNvGrpSpPr/>
+        <p:nvPr/>
+      </p:nvGrpSpPr>
+      <p:grpSpPr>
+        <a:xfrm>
+          <a:off x="0" y="0"/>
+          <a:ext cx="0" cy="0"/>
+          <a:chOff x="0" y="0"/>
+          <a:chExt cx="0" cy="0"/>
+        </a:xfrm>
+      </p:grpSpPr>
+      <p:sp>
+        <p:nvSpPr>
+          <p:cNvPr id="7" name="Title 6"/>
+          <p:cNvSpPr>
+            <a:spLocks noGrp="1"/>
+          </p:cNvSpPr>
+          <p:nvPr>
+            <p:ph type="title"/>
+          </p:nvPr>
+        </p:nvSpPr>
+        <p:spPr/>
+        <p:txBody>
+          <a:bodyPr/>
+          <a:lstStyle/>
+          <a:p>
+            <a:r>
+              <a:rPr lang="en-US" dirty="0" smtClean="0"/>
+              <a:t>COMMON FILE FORMATS</a:t>
+            </a:r>
+            <a:endParaRPr lang="en-US" dirty="0"/>
+          </a:p>
+        </p:txBody>
+      </p:sp>
+      <p:sp>
+        <p:nvSpPr>
+          <p:cNvPr id="8" name="Content Placeholder 7"/>
+          <p:cNvSpPr>
+            <a:spLocks noGrp="1"/>
+          </p:cNvSpPr>
+          <p:nvPr>
+            <p:ph idx="1"/>
+          </p:nvPr>
+        </p:nvSpPr>
+        <p:spPr/>
+        <p:txBody>
+          <a:bodyPr/>
+          <a:lstStyle/>
+          <a:p>
+            <a:r>
+              <a:rPr lang="en-US" dirty="0" smtClean="0"/>
+              <a:t>Comma/Tab Separated Values: (.csv, .</a:t>
+            </a:r>
+            <a:r>
+              <a:rPr lang="en-US" dirty="0" err="1" smtClean="0"/>
+              <a:t>tsv</a:t>
+            </a:r>
+            <a:r>
+              <a:rPr lang="en-US" dirty="0" smtClean="0"/>
+              <a:t>)</a:t>
+            </a:r>
+          </a:p>
+          <a:p>
+            <a:pPr lvl="1"/>
+            <a:r>
+              <a:rPr lang="en-US" dirty="0" smtClean="0"/>
+              <a:t>Example</a:t>
+            </a:r>
+          </a:p>
+          <a:p>
+            <a:r>
+              <a:rPr lang="en-US" dirty="0" smtClean="0"/>
+              <a:t>Excel files (.</a:t>
+            </a:r>
+            <a:r>
+              <a:rPr lang="en-US" dirty="0" err="1" smtClean="0"/>
+              <a:t>xlsx</a:t>
+            </a:r>
+            <a:r>
+              <a:rPr lang="en-US" dirty="0" smtClean="0"/>
+              <a:t>, .</a:t>
+            </a:r>
+            <a:r>
+              <a:rPr lang="en-US" dirty="0" err="1" smtClean="0"/>
+              <a:t>xls</a:t>
+            </a:r>
+            <a:r>
+              <a:rPr lang="en-US" dirty="0" smtClean="0"/>
+              <a:t>*)</a:t>
+            </a:r>
+          </a:p>
+          <a:p>
+            <a:r>
+              <a:rPr lang="en-US" dirty="0" smtClean="0"/>
+              <a:t>JSON (.</a:t>
+            </a:r>
+            <a:r>
+              <a:rPr lang="en-US" dirty="0" err="1" smtClean="0"/>
+              <a:t>json</a:t>
+            </a:r>
+            <a:r>
+              <a:rPr lang="en-US" dirty="0" smtClean="0"/>
+              <a:t>)</a:t>
+            </a:r>
+          </a:p>
+          <a:p>
+            <a:pPr lvl="1"/>
+            <a:r>
+              <a:rPr lang="en-US" dirty="0" smtClean="0"/>
+              <a:t>Example</a:t>
+            </a:r>
+          </a:p>
+          <a:p>
+            <a:r>
+              <a:rPr lang="en-US" dirty="0" smtClean="0"/>
+              <a:t>XML (.xml)</a:t>
+            </a:r>
+          </a:p>
+          <a:p>
+            <a:pPr lvl="1"/>
+            <a:r>
+              <a:rPr lang="en-US" dirty="0" smtClean="0"/>
+              <a:t>Example</a:t>
+            </a:r>
+            <a:endParaRPr lang="en-US" dirty="0"/>
+          </a:p>
+        </p:txBody>
+      </p:sp>
+      <p:sp>
+        <p:nvSpPr>
+          <p:cNvPr id="4" name="Date Placeholder 3"/>
+          <p:cNvSpPr>
+            <a:spLocks noGrp="1"/>
+          </p:cNvSpPr>
+          <p:nvPr>
+            <p:ph type="dt" sz="half" idx="10"/>
+          </p:nvPr>
+        </p:nvSpPr>
+        <p:spPr/>
+        <p:txBody>
+          <a:bodyPr/>
+          <a:lstStyle/>
+          <a:p>
+            <a:fld id="{B08FEED8-D7D4-44E9-BFBC-ED06B5996D94}" type="datetime4">
+              <a:rPr lang="en-US" smtClean="0"/>
+              <a:t>June 25, 2019</a:t>
+            </a:fld>
+            <a:endParaRPr lang="en-US" dirty="0"/>
+          </a:p>
+        </p:txBody>
+      </p:sp>
+      <p:sp>
+        <p:nvSpPr>
+          <p:cNvPr id="5" name="Footer Placeholder 4"/>
+          <p:cNvSpPr>
+            <a:spLocks noGrp="1"/>
+          </p:cNvSpPr>
+          <p:nvPr>
+            <p:ph type="ftr" sz="quarter" idx="11"/>
+          </p:nvPr>
+        </p:nvSpPr>
+        <p:spPr/>
+        <p:txBody>
+          <a:bodyPr/>
+          <a:lstStyle/>
+          <a:p>
+            <a:r>
+              <a:rPr lang="en-US" smtClean="0"/>
+              <a:t>Digital Scholarship Services </a:t>
+            </a:r>
+            <a:r>
+              <a:rPr lang="en-US" smtClean="0">
+                <a:solidFill>
+                  <a:schemeClr val="accent1">
+                    <a:lumMod val="50000"/>
+                  </a:schemeClr>
+                </a:solidFill>
+              </a:rPr>
+              <a:t>| Email</a:t>
+            </a:r>
+            <a:r>
+              <a:rPr lang="en-US" smtClean="0"/>
+              <a:t> cf24@rice.edu </a:t>
+            </a:r>
+            <a:r>
+              <a:rPr lang="en-US" smtClean="0">
+                <a:solidFill>
+                  <a:schemeClr val="accent1">
+                    <a:lumMod val="50000"/>
+                  </a:schemeClr>
+                </a:solidFill>
+              </a:rPr>
+              <a:t>|</a:t>
+            </a:r>
+            <a:r>
+              <a:rPr lang="en-US" smtClean="0"/>
+              <a:t> library.rice.edu/dss</a:t>
+            </a:r>
+            <a:endParaRPr lang="en-US" dirty="0"/>
+          </a:p>
+        </p:txBody>
+      </p:sp>
+      <p:sp>
+        <p:nvSpPr>
+          <p:cNvPr id="6" name="Slide Number Placeholder 5"/>
+          <p:cNvSpPr>
+            <a:spLocks noGrp="1"/>
+          </p:cNvSpPr>
+          <p:nvPr>
+            <p:ph type="sldNum" sz="quarter" idx="12"/>
+          </p:nvPr>
+        </p:nvSpPr>
+        <p:spPr/>
+        <p:txBody>
+          <a:bodyPr/>
+          <a:lstStyle/>
+          <a:p>
+            <a:fld id="{D57F1E4F-1CFF-5643-939E-02111984F565}" type="slidenum">
+              <a:rPr lang="en-US" smtClean="0"/>
+              <a:t>24</a:t>
+            </a:fld>
+            <a:endParaRPr lang="en-US" dirty="0"/>
+          </a:p>
+        </p:txBody>
+      </p:sp>
+    </p:spTree>
+    <p:extLst>
+      <p:ext uri="{BB962C8B-B14F-4D97-AF65-F5344CB8AC3E}">
+        <p14:creationId xmlns:p14="http://schemas.microsoft.com/office/powerpoint/2010/main" val="3674866452"/>
+      </p:ext>
+    </p:extLst>
+  </p:cSld>
+  <p:clrMapOvr>
+    <a:masterClrMapping/>
+  </p:clrMapOvr>
+</p:sld>
+</file>
+
+<file path=ppt/slides/slide25.xml><?xml version="1.0" encoding="utf-8"?>
+<p:sld xmlns:a="http://schemas.openxmlformats.org/drawingml/2006/main" xmlns:r="http://schemas.openxmlformats.org/officeDocument/2006/relationships" xmlns:p="http://schemas.openxmlformats.org/presentationml/2006/main">
+  <p:cSld>
+    <p:spTree>
+      <p:nvGrpSpPr>
+        <p:cNvPr id="1" name=""/>
+        <p:cNvGrpSpPr/>
+        <p:nvPr/>
+      </p:nvGrpSpPr>
+      <p:grpSpPr>
+        <a:xfrm>
+          <a:off x="0" y="0"/>
+          <a:ext cx="0" cy="0"/>
+          <a:chOff x="0" y="0"/>
+          <a:chExt cx="0" cy="0"/>
+        </a:xfrm>
+      </p:grpSpPr>
+      <p:sp>
+        <p:nvSpPr>
+          <p:cNvPr id="7" name="Title 6"/>
+          <p:cNvSpPr>
+            <a:spLocks noGrp="1"/>
+          </p:cNvSpPr>
+          <p:nvPr>
+            <p:ph type="title"/>
+          </p:nvPr>
+        </p:nvSpPr>
+        <p:spPr/>
+        <p:txBody>
+          <a:bodyPr/>
+          <a:lstStyle/>
+          <a:p>
+            <a:r>
+              <a:rPr lang="en-US" dirty="0" smtClean="0"/>
+              <a:t>READING FILE FORMATS</a:t>
+            </a:r>
+            <a:endParaRPr lang="en-US" dirty="0"/>
+          </a:p>
+        </p:txBody>
+      </p:sp>
+      <p:sp>
+        <p:nvSpPr>
+          <p:cNvPr id="8" name="Content Placeholder 7"/>
+          <p:cNvSpPr>
+            <a:spLocks noGrp="1"/>
+          </p:cNvSpPr>
+          <p:nvPr>
+            <p:ph idx="1"/>
+          </p:nvPr>
+        </p:nvSpPr>
+        <p:spPr/>
+        <p:txBody>
+          <a:bodyPr/>
+          <a:lstStyle/>
+          <a:p>
+            <a:r>
+              <a:rPr lang="en-US" dirty="0" smtClean="0"/>
+              <a:t>Comma/Tab Separated Values: (.csv, .</a:t>
+            </a:r>
+            <a:r>
+              <a:rPr lang="en-US" dirty="0" err="1" smtClean="0"/>
+              <a:t>tsv</a:t>
+            </a:r>
+            <a:r>
+              <a:rPr lang="en-US" dirty="0" smtClean="0"/>
+              <a:t>)</a:t>
+            </a:r>
+          </a:p>
+          <a:p>
+            <a:pPr lvl="1"/>
+            <a:r>
+              <a:rPr lang="en-US" dirty="0" smtClean="0"/>
+              <a:t>Read.csv</a:t>
+            </a:r>
+          </a:p>
+          <a:p>
+            <a:r>
+              <a:rPr lang="en-US" dirty="0" smtClean="0"/>
+              <a:t>Excel files (.</a:t>
+            </a:r>
+            <a:r>
+              <a:rPr lang="en-US" dirty="0" err="1" smtClean="0"/>
+              <a:t>xlsx</a:t>
+            </a:r>
+            <a:r>
+              <a:rPr lang="en-US" dirty="0" smtClean="0"/>
+              <a:t>, .</a:t>
+            </a:r>
+            <a:r>
+              <a:rPr lang="en-US" dirty="0" err="1" smtClean="0"/>
+              <a:t>xls</a:t>
+            </a:r>
+            <a:r>
+              <a:rPr lang="en-US" dirty="0" smtClean="0"/>
+              <a:t>*)</a:t>
+            </a:r>
+          </a:p>
+          <a:p>
+            <a:r>
+              <a:rPr lang="en-US" dirty="0" smtClean="0"/>
+              <a:t>JSON (.</a:t>
+            </a:r>
+            <a:r>
+              <a:rPr lang="en-US" dirty="0" err="1" smtClean="0"/>
+              <a:t>json</a:t>
+            </a:r>
+            <a:r>
+              <a:rPr lang="en-US" dirty="0" smtClean="0"/>
+              <a:t>)</a:t>
+            </a:r>
+          </a:p>
+          <a:p>
+            <a:pPr lvl="1"/>
+            <a:r>
+              <a:rPr lang="en-US" dirty="0" smtClean="0"/>
+              <a:t>Example</a:t>
+            </a:r>
+          </a:p>
+          <a:p>
+            <a:r>
+              <a:rPr lang="en-US" dirty="0" smtClean="0"/>
+              <a:t>XML (.xml)</a:t>
+            </a:r>
+          </a:p>
+          <a:p>
+            <a:pPr lvl="1"/>
+            <a:r>
+              <a:rPr lang="en-US" dirty="0" smtClean="0"/>
+              <a:t>Example</a:t>
+            </a:r>
+            <a:endParaRPr lang="en-US" dirty="0"/>
+          </a:p>
+        </p:txBody>
+      </p:sp>
+      <p:sp>
+        <p:nvSpPr>
+          <p:cNvPr id="4" name="Date Placeholder 3"/>
+          <p:cNvSpPr>
+            <a:spLocks noGrp="1"/>
+          </p:cNvSpPr>
+          <p:nvPr>
+            <p:ph type="dt" sz="half" idx="10"/>
+          </p:nvPr>
+        </p:nvSpPr>
+        <p:spPr/>
+        <p:txBody>
+          <a:bodyPr/>
+          <a:lstStyle/>
+          <a:p>
+            <a:fld id="{B08FEED8-D7D4-44E9-BFBC-ED06B5996D94}" type="datetime4">
+              <a:rPr lang="en-US" smtClean="0"/>
+              <a:t>June 25, 2019</a:t>
+            </a:fld>
+            <a:endParaRPr lang="en-US" dirty="0"/>
+          </a:p>
+        </p:txBody>
+      </p:sp>
+      <p:sp>
+        <p:nvSpPr>
+          <p:cNvPr id="5" name="Footer Placeholder 4"/>
+          <p:cNvSpPr>
+            <a:spLocks noGrp="1"/>
+          </p:cNvSpPr>
+          <p:nvPr>
+            <p:ph type="ftr" sz="quarter" idx="11"/>
+          </p:nvPr>
+        </p:nvSpPr>
+        <p:spPr/>
+        <p:txBody>
+          <a:bodyPr/>
+          <a:lstStyle/>
+          <a:p>
+            <a:r>
+              <a:rPr lang="en-US" smtClean="0"/>
+              <a:t>Digital Scholarship Services </a:t>
+            </a:r>
+            <a:r>
+              <a:rPr lang="en-US" smtClean="0">
+                <a:solidFill>
+                  <a:schemeClr val="accent1">
+                    <a:lumMod val="50000"/>
+                  </a:schemeClr>
+                </a:solidFill>
+              </a:rPr>
+              <a:t>| Email</a:t>
+            </a:r>
+            <a:r>
+              <a:rPr lang="en-US" smtClean="0"/>
+              <a:t> cf24@rice.edu </a:t>
+            </a:r>
+            <a:r>
+              <a:rPr lang="en-US" smtClean="0">
+                <a:solidFill>
+                  <a:schemeClr val="accent1">
+                    <a:lumMod val="50000"/>
+                  </a:schemeClr>
+                </a:solidFill>
+              </a:rPr>
+              <a:t>|</a:t>
+            </a:r>
+            <a:r>
+              <a:rPr lang="en-US" smtClean="0"/>
+              <a:t> library.rice.edu/dss</a:t>
+            </a:r>
+            <a:endParaRPr lang="en-US" dirty="0"/>
+          </a:p>
+        </p:txBody>
+      </p:sp>
+      <p:sp>
+        <p:nvSpPr>
+          <p:cNvPr id="6" name="Slide Number Placeholder 5"/>
+          <p:cNvSpPr>
+            <a:spLocks noGrp="1"/>
+          </p:cNvSpPr>
+          <p:nvPr>
+            <p:ph type="sldNum" sz="quarter" idx="12"/>
+          </p:nvPr>
+        </p:nvSpPr>
+        <p:spPr/>
+        <p:txBody>
+          <a:bodyPr/>
+          <a:lstStyle/>
+          <a:p>
+            <a:fld id="{D57F1E4F-1CFF-5643-939E-02111984F565}" type="slidenum">
+              <a:rPr lang="en-US" smtClean="0"/>
+              <a:t>25</a:t>
+            </a:fld>
+            <a:endParaRPr lang="en-US" dirty="0"/>
+          </a:p>
+        </p:txBody>
+      </p:sp>
+    </p:spTree>
+    <p:extLst>
+      <p:ext uri="{BB962C8B-B14F-4D97-AF65-F5344CB8AC3E}">
+        <p14:creationId xmlns:p14="http://schemas.microsoft.com/office/powerpoint/2010/main" val="472407328"/>
+      </p:ext>
+    </p:extLst>
+  </p:cSld>
+  <p:clrMapOvr>
+    <a:masterClrMapping/>
+  </p:clrMapOvr>
+</p:sld>
+</file>
+
+<file path=ppt/slides/slide26.xml><?xml version="1.0" encoding="utf-8"?>
+<p:sld xmlns:a="http://schemas.openxmlformats.org/drawingml/2006/main" xmlns:r="http://schemas.openxmlformats.org/officeDocument/2006/relationships" xmlns:p="http://schemas.openxmlformats.org/presentationml/2006/main">
+  <p:cSld>
+    <p:spTree>
+      <p:nvGrpSpPr>
+        <p:cNvPr id="1" name=""/>
+        <p:cNvGrpSpPr/>
+        <p:nvPr/>
+      </p:nvGrpSpPr>
+      <p:grpSpPr>
+        <a:xfrm>
+          <a:off x="0" y="0"/>
+          <a:ext cx="0" cy="0"/>
+          <a:chOff x="0" y="0"/>
+          <a:chExt cx="0" cy="0"/>
+        </a:xfrm>
+      </p:grpSpPr>
+      <p:sp>
+        <p:nvSpPr>
+          <p:cNvPr id="7" name="Title 6"/>
+          <p:cNvSpPr>
+            <a:spLocks noGrp="1"/>
+          </p:cNvSpPr>
+          <p:nvPr>
+            <p:ph type="title"/>
+          </p:nvPr>
+        </p:nvSpPr>
+        <p:spPr/>
+        <p:txBody>
+          <a:bodyPr/>
+          <a:lstStyle/>
+          <a:p>
+            <a:r>
+              <a:rPr lang="en-US" dirty="0" smtClean="0"/>
+              <a:t>WRITING FILE FORMATS</a:t>
+            </a:r>
+            <a:endParaRPr lang="en-US" dirty="0"/>
+          </a:p>
+        </p:txBody>
+      </p:sp>
+      <p:sp>
+        <p:nvSpPr>
+          <p:cNvPr id="8" name="Content Placeholder 7"/>
+          <p:cNvSpPr>
+            <a:spLocks noGrp="1"/>
+          </p:cNvSpPr>
+          <p:nvPr>
+            <p:ph idx="1"/>
+          </p:nvPr>
+        </p:nvSpPr>
+        <p:spPr/>
+        <p:txBody>
+          <a:bodyPr/>
+          <a:lstStyle/>
+          <a:p>
+            <a:r>
+              <a:rPr lang="en-US" dirty="0" smtClean="0"/>
+              <a:t>Comma/Tab Separated Values: (.csv, .</a:t>
+            </a:r>
+            <a:r>
+              <a:rPr lang="en-US" dirty="0" err="1" smtClean="0"/>
+              <a:t>tsv</a:t>
+            </a:r>
+            <a:r>
+              <a:rPr lang="en-US" dirty="0" smtClean="0"/>
+              <a:t>)</a:t>
+            </a:r>
+          </a:p>
+          <a:p>
+            <a:pPr lvl="1"/>
+            <a:r>
+              <a:rPr lang="en-US" dirty="0" smtClean="0"/>
+              <a:t>Write.csv</a:t>
+            </a:r>
+          </a:p>
+          <a:p>
+            <a:r>
+              <a:rPr lang="en-US" dirty="0" smtClean="0"/>
+              <a:t>Excel files (.</a:t>
+            </a:r>
+            <a:r>
+              <a:rPr lang="en-US" dirty="0" err="1" smtClean="0"/>
+              <a:t>xlsx</a:t>
+            </a:r>
+            <a:r>
+              <a:rPr lang="en-US" dirty="0" smtClean="0"/>
+              <a:t>, .</a:t>
+            </a:r>
+            <a:r>
+              <a:rPr lang="en-US" dirty="0" err="1" smtClean="0"/>
+              <a:t>xls</a:t>
+            </a:r>
+            <a:r>
+              <a:rPr lang="en-US" dirty="0" smtClean="0"/>
+              <a:t>*)</a:t>
+            </a:r>
+          </a:p>
+          <a:p>
+            <a:r>
+              <a:rPr lang="en-US" dirty="0" smtClean="0"/>
+              <a:t>JSON (.</a:t>
+            </a:r>
+            <a:r>
+              <a:rPr lang="en-US" dirty="0" err="1" smtClean="0"/>
+              <a:t>json</a:t>
+            </a:r>
+            <a:r>
+              <a:rPr lang="en-US" dirty="0" smtClean="0"/>
+              <a:t>)</a:t>
+            </a:r>
+          </a:p>
+          <a:p>
+            <a:pPr lvl="1"/>
+            <a:r>
+              <a:rPr lang="en-US" dirty="0" smtClean="0"/>
+              <a:t>Example</a:t>
+            </a:r>
+          </a:p>
+          <a:p>
+            <a:r>
+              <a:rPr lang="en-US" dirty="0" smtClean="0"/>
+              <a:t>XML (.xml)</a:t>
+            </a:r>
+          </a:p>
+          <a:p>
+            <a:pPr lvl="1"/>
+            <a:r>
+              <a:rPr lang="en-US" dirty="0" smtClean="0"/>
+              <a:t>Example</a:t>
+            </a:r>
+            <a:endParaRPr lang="en-US" dirty="0"/>
+          </a:p>
+        </p:txBody>
+      </p:sp>
+      <p:sp>
+        <p:nvSpPr>
+          <p:cNvPr id="4" name="Date Placeholder 3"/>
+          <p:cNvSpPr>
+            <a:spLocks noGrp="1"/>
+          </p:cNvSpPr>
+          <p:nvPr>
+            <p:ph type="dt" sz="half" idx="10"/>
+          </p:nvPr>
+        </p:nvSpPr>
+        <p:spPr/>
+        <p:txBody>
+          <a:bodyPr/>
+          <a:lstStyle/>
+          <a:p>
+            <a:fld id="{B08FEED8-D7D4-44E9-BFBC-ED06B5996D94}" type="datetime4">
+              <a:rPr lang="en-US" smtClean="0"/>
+              <a:t>June 25, 2019</a:t>
+            </a:fld>
+            <a:endParaRPr lang="en-US" dirty="0"/>
+          </a:p>
+        </p:txBody>
+      </p:sp>
+      <p:sp>
+        <p:nvSpPr>
+          <p:cNvPr id="5" name="Footer Placeholder 4"/>
+          <p:cNvSpPr>
+            <a:spLocks noGrp="1"/>
+          </p:cNvSpPr>
+          <p:nvPr>
+            <p:ph type="ftr" sz="quarter" idx="11"/>
+          </p:nvPr>
+        </p:nvSpPr>
+        <p:spPr/>
+        <p:txBody>
+          <a:bodyPr/>
+          <a:lstStyle/>
+          <a:p>
+            <a:r>
+              <a:rPr lang="en-US" smtClean="0"/>
+              <a:t>Digital Scholarship Services </a:t>
+            </a:r>
+            <a:r>
+              <a:rPr lang="en-US" smtClean="0">
+                <a:solidFill>
+                  <a:schemeClr val="accent1">
+                    <a:lumMod val="50000"/>
+                  </a:schemeClr>
+                </a:solidFill>
+              </a:rPr>
+              <a:t>| Email</a:t>
+            </a:r>
+            <a:r>
+              <a:rPr lang="en-US" smtClean="0"/>
+              <a:t> cf24@rice.edu </a:t>
+            </a:r>
+            <a:r>
+              <a:rPr lang="en-US" smtClean="0">
+                <a:solidFill>
+                  <a:schemeClr val="accent1">
+                    <a:lumMod val="50000"/>
+                  </a:schemeClr>
+                </a:solidFill>
+              </a:rPr>
+              <a:t>|</a:t>
+            </a:r>
+            <a:r>
+              <a:rPr lang="en-US" smtClean="0"/>
+              <a:t> library.rice.edu/dss</a:t>
+            </a:r>
+            <a:endParaRPr lang="en-US" dirty="0"/>
+          </a:p>
+        </p:txBody>
+      </p:sp>
+      <p:sp>
+        <p:nvSpPr>
+          <p:cNvPr id="6" name="Slide Number Placeholder 5"/>
+          <p:cNvSpPr>
+            <a:spLocks noGrp="1"/>
+          </p:cNvSpPr>
+          <p:nvPr>
+            <p:ph type="sldNum" sz="quarter" idx="12"/>
+          </p:nvPr>
+        </p:nvSpPr>
+        <p:spPr/>
+        <p:txBody>
+          <a:bodyPr/>
+          <a:lstStyle/>
+          <a:p>
+            <a:fld id="{D57F1E4F-1CFF-5643-939E-02111984F565}" type="slidenum">
+              <a:rPr lang="en-US" smtClean="0"/>
+              <a:t>26</a:t>
+            </a:fld>
+            <a:endParaRPr lang="en-US" dirty="0"/>
+          </a:p>
+        </p:txBody>
+      </p:sp>
+    </p:spTree>
+    <p:extLst>
+      <p:ext uri="{BB962C8B-B14F-4D97-AF65-F5344CB8AC3E}">
+        <p14:creationId xmlns:p14="http://schemas.microsoft.com/office/powerpoint/2010/main" val="880888547"/>
+      </p:ext>
+    </p:extLst>
+  </p:cSld>
+  <p:clrMapOvr>
+    <a:masterClrMapping/>
+  </p:clrMapOvr>
+</p:sld>
+</file>
+
+<file path=ppt/slides/slide27.xml><?xml version="1.0" encoding="utf-8"?>
+<p:sld xmlns:a="http://schemas.openxmlformats.org/drawingml/2006/main" xmlns:r="http://schemas.openxmlformats.org/officeDocument/2006/relationships" xmlns:p="http://schemas.openxmlformats.org/presentationml/2006/main">
+  <p:cSld>
+    <p:spTree>
+      <p:nvGrpSpPr>
+        <p:cNvPr id="1" name=""/>
+        <p:cNvGrpSpPr/>
+        <p:nvPr/>
+      </p:nvGrpSpPr>
+      <p:grpSpPr>
+        <a:xfrm>
+          <a:off x="0" y="0"/>
+          <a:ext cx="0" cy="0"/>
+          <a:chOff x="0" y="0"/>
+          <a:chExt cx="0" cy="0"/>
+        </a:xfrm>
+      </p:grpSpPr>
+      <p:sp>
+        <p:nvSpPr>
+          <p:cNvPr id="2" name="Title 1"/>
+          <p:cNvSpPr>
+            <a:spLocks noGrp="1"/>
+          </p:cNvSpPr>
+          <p:nvPr>
+            <p:ph type="title"/>
+          </p:nvPr>
+        </p:nvSpPr>
+        <p:spPr/>
+        <p:txBody>
+          <a:bodyPr/>
+          <a:lstStyle/>
+          <a:p>
+            <a:r>
+              <a:rPr lang="en-US" dirty="0" smtClean="0"/>
+              <a:t>VISUALIZATION</a:t>
+            </a:r>
+            <a:endParaRPr lang="en-US" dirty="0"/>
+          </a:p>
+        </p:txBody>
+      </p:sp>
+      <p:sp>
+        <p:nvSpPr>
+          <p:cNvPr id="3" name="Text Placeholder 2"/>
+          <p:cNvSpPr>
+            <a:spLocks noGrp="1"/>
+          </p:cNvSpPr>
+          <p:nvPr>
+            <p:ph type="body" idx="1"/>
+          </p:nvPr>
+        </p:nvSpPr>
+        <p:spPr/>
+        <p:txBody>
+          <a:bodyPr/>
+          <a:lstStyle/>
+          <a:p>
+            <a:r>
+              <a:rPr lang="en-US" dirty="0" smtClean="0"/>
+              <a:t>Scatterplots, boxplots, and histograms</a:t>
+            </a:r>
+            <a:endParaRPr lang="en-US" dirty="0"/>
+          </a:p>
+        </p:txBody>
+      </p:sp>
+      <p:sp>
+        <p:nvSpPr>
+          <p:cNvPr id="4" name="Date Placeholder 3"/>
+          <p:cNvSpPr>
+            <a:spLocks noGrp="1"/>
+          </p:cNvSpPr>
+          <p:nvPr>
+            <p:ph type="dt" sz="half" idx="10"/>
+          </p:nvPr>
+        </p:nvSpPr>
+        <p:spPr/>
+        <p:txBody>
+          <a:bodyPr/>
+          <a:lstStyle/>
+          <a:p>
+            <a:fld id="{B08FEED8-D7D4-44E9-BFBC-ED06B5996D94}" type="datetime4">
+              <a:rPr lang="en-US" smtClean="0"/>
+              <a:t>June 25, 2019</a:t>
+            </a:fld>
+            <a:endParaRPr lang="en-US" dirty="0"/>
+          </a:p>
+        </p:txBody>
+      </p:sp>
+      <p:sp>
+        <p:nvSpPr>
+          <p:cNvPr id="5" name="Footer Placeholder 4"/>
+          <p:cNvSpPr>
+            <a:spLocks noGrp="1"/>
+          </p:cNvSpPr>
+          <p:nvPr>
+            <p:ph type="ftr" sz="quarter" idx="11"/>
+          </p:nvPr>
+        </p:nvSpPr>
+        <p:spPr/>
+        <p:txBody>
+          <a:bodyPr/>
+          <a:lstStyle/>
+          <a:p>
+            <a:r>
+              <a:rPr lang="en-US" smtClean="0"/>
+              <a:t>Digital Scholarship Services </a:t>
+            </a:r>
+            <a:r>
+              <a:rPr lang="en-US" smtClean="0">
+                <a:solidFill>
+                  <a:schemeClr val="accent1">
+                    <a:lumMod val="50000"/>
+                  </a:schemeClr>
+                </a:solidFill>
+              </a:rPr>
+              <a:t>| Email</a:t>
+            </a:r>
+            <a:r>
+              <a:rPr lang="en-US" smtClean="0"/>
+              <a:t> cf24@rice.edu </a:t>
+            </a:r>
+            <a:r>
+              <a:rPr lang="en-US" smtClean="0">
+                <a:solidFill>
+                  <a:schemeClr val="accent1">
+                    <a:lumMod val="50000"/>
+                  </a:schemeClr>
+                </a:solidFill>
+              </a:rPr>
+              <a:t>|</a:t>
+            </a:r>
+            <a:r>
+              <a:rPr lang="en-US" smtClean="0"/>
+              <a:t> library.rice.edu/dss</a:t>
+            </a:r>
+            <a:endParaRPr lang="en-US" dirty="0"/>
+          </a:p>
+        </p:txBody>
+      </p:sp>
+      <p:sp>
+        <p:nvSpPr>
+          <p:cNvPr id="6" name="Slide Number Placeholder 5"/>
+          <p:cNvSpPr>
+            <a:spLocks noGrp="1"/>
+          </p:cNvSpPr>
+          <p:nvPr>
+            <p:ph type="sldNum" sz="quarter" idx="12"/>
+          </p:nvPr>
+        </p:nvSpPr>
+        <p:spPr/>
+        <p:txBody>
+          <a:bodyPr/>
+          <a:lstStyle/>
+          <a:p>
+            <a:fld id="{D57F1E4F-1CFF-5643-939E-02111984F565}" type="slidenum">
+              <a:rPr lang="en-US" smtClean="0"/>
+              <a:t>27</a:t>
+            </a:fld>
+            <a:endParaRPr lang="en-US" dirty="0"/>
+          </a:p>
+        </p:txBody>
+      </p:sp>
+    </p:spTree>
+    <p:extLst>
+      <p:ext uri="{BB962C8B-B14F-4D97-AF65-F5344CB8AC3E}">
+        <p14:creationId xmlns:p14="http://schemas.microsoft.com/office/powerpoint/2010/main" val="2369420591"/>
+      </p:ext>
+    </p:extLst>
+  </p:cSld>
+  <p:clrMapOvr>
+    <a:masterClrMapping/>
+  </p:clrMapOvr>
+</p:sld>
+</file>
+
+<file path=ppt/slides/slide28.xml><?xml version="1.0" encoding="utf-8"?>
+<p:sld xmlns:a="http://schemas.openxmlformats.org/drawingml/2006/main" xmlns:r="http://schemas.openxmlformats.org/officeDocument/2006/relationships" xmlns:p="http://schemas.openxmlformats.org/presentationml/2006/main">
+  <p:cSld>
+    <p:spTree>
+      <p:nvGrpSpPr>
+        <p:cNvPr id="1" name=""/>
+        <p:cNvGrpSpPr/>
+        <p:nvPr/>
+      </p:nvGrpSpPr>
+      <p:grpSpPr>
+        <a:xfrm>
+          <a:off x="0" y="0"/>
+          <a:ext cx="0" cy="0"/>
+          <a:chOff x="0" y="0"/>
+          <a:chExt cx="0" cy="0"/>
+        </a:xfrm>
+      </p:grpSpPr>
+      <p:sp>
+        <p:nvSpPr>
+          <p:cNvPr id="7" name="Title 6"/>
+          <p:cNvSpPr>
+            <a:spLocks noGrp="1"/>
+          </p:cNvSpPr>
+          <p:nvPr>
+            <p:ph type="title"/>
+          </p:nvPr>
+        </p:nvSpPr>
+        <p:spPr/>
+        <p:txBody>
+          <a:bodyPr/>
+          <a:lstStyle/>
+          <a:p>
+            <a:r>
+              <a:rPr lang="en-US" dirty="0" smtClean="0"/>
+              <a:t>SCATTERPLOTS</a:t>
+            </a:r>
+            <a:endParaRPr lang="en-US" dirty="0"/>
+          </a:p>
+        </p:txBody>
+      </p:sp>
+      <p:sp>
+        <p:nvSpPr>
+          <p:cNvPr id="8" name="Content Placeholder 7"/>
+          <p:cNvSpPr>
+            <a:spLocks noGrp="1"/>
+          </p:cNvSpPr>
+          <p:nvPr>
+            <p:ph idx="1"/>
+          </p:nvPr>
+        </p:nvSpPr>
+        <p:spPr/>
+        <p:txBody>
+          <a:bodyPr/>
+          <a:lstStyle/>
+          <a:p>
+            <a:endParaRPr lang="en-US"/>
+          </a:p>
+        </p:txBody>
+      </p:sp>
+      <p:sp>
+        <p:nvSpPr>
+          <p:cNvPr id="4" name="Date Placeholder 3"/>
+          <p:cNvSpPr>
+            <a:spLocks noGrp="1"/>
+          </p:cNvSpPr>
+          <p:nvPr>
+            <p:ph type="dt" sz="half" idx="10"/>
+          </p:nvPr>
+        </p:nvSpPr>
+        <p:spPr/>
+        <p:txBody>
+          <a:bodyPr/>
+          <a:lstStyle/>
+          <a:p>
+            <a:fld id="{B08FEED8-D7D4-44E9-BFBC-ED06B5996D94}" type="datetime4">
+              <a:rPr lang="en-US" smtClean="0"/>
+              <a:t>June 25, 2019</a:t>
+            </a:fld>
+            <a:endParaRPr lang="en-US" dirty="0"/>
+          </a:p>
+        </p:txBody>
+      </p:sp>
+      <p:sp>
+        <p:nvSpPr>
+          <p:cNvPr id="5" name="Footer Placeholder 4"/>
+          <p:cNvSpPr>
+            <a:spLocks noGrp="1"/>
+          </p:cNvSpPr>
+          <p:nvPr>
+            <p:ph type="ftr" sz="quarter" idx="11"/>
+          </p:nvPr>
+        </p:nvSpPr>
+        <p:spPr/>
+        <p:txBody>
+          <a:bodyPr/>
+          <a:lstStyle/>
+          <a:p>
+            <a:r>
+              <a:rPr lang="en-US" smtClean="0"/>
+              <a:t>Digital Scholarship Services </a:t>
+            </a:r>
+            <a:r>
+              <a:rPr lang="en-US" smtClean="0">
+                <a:solidFill>
+                  <a:schemeClr val="accent1">
+                    <a:lumMod val="50000"/>
+                  </a:schemeClr>
+                </a:solidFill>
+              </a:rPr>
+              <a:t>| Email</a:t>
+            </a:r>
+            <a:r>
+              <a:rPr lang="en-US" smtClean="0"/>
+              <a:t> cf24@rice.edu </a:t>
+            </a:r>
+            <a:r>
+              <a:rPr lang="en-US" smtClean="0">
+                <a:solidFill>
+                  <a:schemeClr val="accent1">
+                    <a:lumMod val="50000"/>
+                  </a:schemeClr>
+                </a:solidFill>
+              </a:rPr>
+              <a:t>|</a:t>
+            </a:r>
+            <a:r>
+              <a:rPr lang="en-US" smtClean="0"/>
+              <a:t> library.rice.edu/dss</a:t>
+            </a:r>
+            <a:endParaRPr lang="en-US" dirty="0"/>
+          </a:p>
+        </p:txBody>
+      </p:sp>
+      <p:sp>
+        <p:nvSpPr>
+          <p:cNvPr id="6" name="Slide Number Placeholder 5"/>
+          <p:cNvSpPr>
+            <a:spLocks noGrp="1"/>
+          </p:cNvSpPr>
+          <p:nvPr>
+            <p:ph type="sldNum" sz="quarter" idx="12"/>
+          </p:nvPr>
+        </p:nvSpPr>
+        <p:spPr/>
+        <p:txBody>
+          <a:bodyPr/>
+          <a:lstStyle/>
+          <a:p>
+            <a:fld id="{D57F1E4F-1CFF-5643-939E-02111984F565}" type="slidenum">
+              <a:rPr lang="en-US" smtClean="0"/>
+              <a:t>28</a:t>
+            </a:fld>
+            <a:endParaRPr lang="en-US" dirty="0"/>
+          </a:p>
+        </p:txBody>
+      </p:sp>
+    </p:spTree>
+    <p:extLst>
+      <p:ext uri="{BB962C8B-B14F-4D97-AF65-F5344CB8AC3E}">
+        <p14:creationId xmlns:p14="http://schemas.microsoft.com/office/powerpoint/2010/main" val="57454111"/>
+      </p:ext>
+    </p:extLst>
+  </p:cSld>
+  <p:clrMapOvr>
+    <a:masterClrMapping/>
+  </p:clrMapOvr>
+</p:sld>
+</file>
+
+<file path=ppt/slides/slide29.xml><?xml version="1.0" encoding="utf-8"?>
+<p:sld xmlns:a="http://schemas.openxmlformats.org/drawingml/2006/main" xmlns:r="http://schemas.openxmlformats.org/officeDocument/2006/relationships" xmlns:p="http://schemas.openxmlformats.org/presentationml/2006/main">
+  <p:cSld>
+    <p:spTree>
+      <p:nvGrpSpPr>
+        <p:cNvPr id="1" name=""/>
+        <p:cNvGrpSpPr/>
+        <p:nvPr/>
+      </p:nvGrpSpPr>
+      <p:grpSpPr>
+        <a:xfrm>
+          <a:off x="0" y="0"/>
+          <a:ext cx="0" cy="0"/>
+          <a:chOff x="0" y="0"/>
+          <a:chExt cx="0" cy="0"/>
+        </a:xfrm>
+      </p:grpSpPr>
+      <p:sp>
+        <p:nvSpPr>
+          <p:cNvPr id="7" name="Title 6"/>
+          <p:cNvSpPr>
+            <a:spLocks noGrp="1"/>
+          </p:cNvSpPr>
+          <p:nvPr>
+            <p:ph type="title"/>
+          </p:nvPr>
+        </p:nvSpPr>
+        <p:spPr/>
+        <p:txBody>
+          <a:bodyPr/>
+          <a:lstStyle/>
+          <a:p>
+            <a:r>
+              <a:rPr lang="en-US" dirty="0" smtClean="0"/>
+              <a:t>HISTOGRAMS</a:t>
+            </a:r>
+            <a:endParaRPr lang="en-US" dirty="0"/>
+          </a:p>
+        </p:txBody>
+      </p:sp>
+      <p:sp>
+        <p:nvSpPr>
+          <p:cNvPr id="8" name="Content Placeholder 7"/>
+          <p:cNvSpPr>
+            <a:spLocks noGrp="1"/>
+          </p:cNvSpPr>
+          <p:nvPr>
+            <p:ph idx="1"/>
+          </p:nvPr>
+        </p:nvSpPr>
+        <p:spPr/>
+        <p:txBody>
+          <a:bodyPr/>
+          <a:lstStyle/>
+          <a:p>
+            <a:endParaRPr lang="en-US"/>
+          </a:p>
+        </p:txBody>
+      </p:sp>
+      <p:sp>
+        <p:nvSpPr>
+          <p:cNvPr id="4" name="Date Placeholder 3"/>
+          <p:cNvSpPr>
+            <a:spLocks noGrp="1"/>
+          </p:cNvSpPr>
+          <p:nvPr>
+            <p:ph type="dt" sz="half" idx="10"/>
+          </p:nvPr>
+        </p:nvSpPr>
+        <p:spPr/>
+        <p:txBody>
+          <a:bodyPr/>
+          <a:lstStyle/>
+          <a:p>
+            <a:fld id="{B08FEED8-D7D4-44E9-BFBC-ED06B5996D94}" type="datetime4">
+              <a:rPr lang="en-US" smtClean="0"/>
+              <a:t>June 25, 2019</a:t>
+            </a:fld>
+            <a:endParaRPr lang="en-US" dirty="0"/>
+          </a:p>
+        </p:txBody>
+      </p:sp>
+      <p:sp>
+        <p:nvSpPr>
+          <p:cNvPr id="5" name="Footer Placeholder 4"/>
+          <p:cNvSpPr>
+            <a:spLocks noGrp="1"/>
+          </p:cNvSpPr>
+          <p:nvPr>
+            <p:ph type="ftr" sz="quarter" idx="11"/>
+          </p:nvPr>
+        </p:nvSpPr>
+        <p:spPr/>
+        <p:txBody>
+          <a:bodyPr/>
+          <a:lstStyle/>
+          <a:p>
+            <a:r>
+              <a:rPr lang="en-US" smtClean="0"/>
+              <a:t>Digital Scholarship Services </a:t>
+            </a:r>
+            <a:r>
+              <a:rPr lang="en-US" smtClean="0">
+                <a:solidFill>
+                  <a:schemeClr val="accent1">
+                    <a:lumMod val="50000"/>
+                  </a:schemeClr>
+                </a:solidFill>
+              </a:rPr>
+              <a:t>| Email</a:t>
+            </a:r>
+            <a:r>
+              <a:rPr lang="en-US" smtClean="0"/>
+              <a:t> cf24@rice.edu </a:t>
+            </a:r>
+            <a:r>
+              <a:rPr lang="en-US" smtClean="0">
+                <a:solidFill>
+                  <a:schemeClr val="accent1">
+                    <a:lumMod val="50000"/>
+                  </a:schemeClr>
+                </a:solidFill>
+              </a:rPr>
+              <a:t>|</a:t>
+            </a:r>
+            <a:r>
+              <a:rPr lang="en-US" smtClean="0"/>
+              <a:t> library.rice.edu/dss</a:t>
+            </a:r>
+            <a:endParaRPr lang="en-US" dirty="0"/>
+          </a:p>
+        </p:txBody>
+      </p:sp>
+      <p:sp>
+        <p:nvSpPr>
+          <p:cNvPr id="6" name="Slide Number Placeholder 5"/>
+          <p:cNvSpPr>
+            <a:spLocks noGrp="1"/>
+          </p:cNvSpPr>
+          <p:nvPr>
+            <p:ph type="sldNum" sz="quarter" idx="12"/>
+          </p:nvPr>
+        </p:nvSpPr>
+        <p:spPr/>
+        <p:txBody>
+          <a:bodyPr/>
+          <a:lstStyle/>
+          <a:p>
+            <a:fld id="{D57F1E4F-1CFF-5643-939E-02111984F565}" type="slidenum">
+              <a:rPr lang="en-US" smtClean="0"/>
+              <a:t>29</a:t>
+            </a:fld>
+            <a:endParaRPr lang="en-US" dirty="0"/>
+          </a:p>
+        </p:txBody>
+      </p:sp>
+    </p:spTree>
+    <p:extLst>
+      <p:ext uri="{BB962C8B-B14F-4D97-AF65-F5344CB8AC3E}">
+        <p14:creationId xmlns:p14="http://schemas.microsoft.com/office/powerpoint/2010/main" val="4173686925"/>
       </p:ext>
     </p:extLst>
   </p:cSld>
@@ -4228,6 +8073,356 @@
       </p:grpSpPr>
       <p:sp>
         <p:nvSpPr>
+          <p:cNvPr id="2" name="Title 1"/>
+          <p:cNvSpPr>
+            <a:spLocks noGrp="1"/>
+          </p:cNvSpPr>
+          <p:nvPr>
+            <p:ph type="title"/>
+          </p:nvPr>
+        </p:nvSpPr>
+        <p:spPr/>
+        <p:txBody>
+          <a:bodyPr/>
+          <a:lstStyle/>
+          <a:p>
+            <a:r>
+              <a:rPr lang="en-US" dirty="0">
+                <a:latin typeface="+mn-lt"/>
+              </a:rPr>
+              <a:t>WHAT IS </a:t>
+            </a:r>
+            <a:r>
+              <a:rPr lang="en-US" dirty="0" smtClean="0">
+                <a:latin typeface="+mn-lt"/>
+              </a:rPr>
+              <a:t>RSTUDIO?</a:t>
+            </a:r>
+            <a:endParaRPr lang="en-US" dirty="0">
+              <a:latin typeface="+mn-lt"/>
+            </a:endParaRPr>
+          </a:p>
+        </p:txBody>
+      </p:sp>
+      <p:sp>
+        <p:nvSpPr>
+          <p:cNvPr id="5" name="Footer Placeholder 4"/>
+          <p:cNvSpPr>
+            <a:spLocks noGrp="1"/>
+          </p:cNvSpPr>
+          <p:nvPr>
+            <p:ph type="ftr" sz="quarter" idx="11"/>
+          </p:nvPr>
+        </p:nvSpPr>
+        <p:spPr/>
+        <p:txBody>
+          <a:bodyPr/>
+          <a:lstStyle/>
+          <a:p>
+            <a:r>
+              <a:rPr lang="en-US"/>
+              <a:t>Digital Scholarship Services | Email cf24@rice.edu | library.rice.edu/dss</a:t>
+            </a:r>
+            <a:endParaRPr lang="en-US" dirty="0"/>
+          </a:p>
+        </p:txBody>
+      </p:sp>
+      <p:sp>
+        <p:nvSpPr>
+          <p:cNvPr id="6" name="Date Placeholder 5"/>
+          <p:cNvSpPr>
+            <a:spLocks noGrp="1"/>
+          </p:cNvSpPr>
+          <p:nvPr>
+            <p:ph type="dt" sz="half" idx="10"/>
+          </p:nvPr>
+        </p:nvSpPr>
+        <p:spPr/>
+        <p:txBody>
+          <a:bodyPr/>
+          <a:lstStyle/>
+          <a:p>
+            <a:fld id="{3686C9ED-58DA-41A6-B894-9B830C59600E}" type="datetime4">
+              <a:rPr lang="en-US" smtClean="0"/>
+              <a:t>June 25, 2019</a:t>
+            </a:fld>
+            <a:endParaRPr lang="en-US" dirty="0"/>
+          </a:p>
+        </p:txBody>
+      </p:sp>
+      <p:sp>
+        <p:nvSpPr>
+          <p:cNvPr id="7" name="Slide Number Placeholder 6"/>
+          <p:cNvSpPr>
+            <a:spLocks noGrp="1"/>
+          </p:cNvSpPr>
+          <p:nvPr>
+            <p:ph type="sldNum" sz="quarter" idx="12"/>
+          </p:nvPr>
+        </p:nvSpPr>
+        <p:spPr/>
+        <p:txBody>
+          <a:bodyPr/>
+          <a:lstStyle/>
+          <a:p>
+            <a:fld id="{D57F1E4F-1CFF-5643-939E-02111984F565}" type="slidenum">
+              <a:rPr lang="en-US" smtClean="0"/>
+              <a:t>3</a:t>
+            </a:fld>
+            <a:endParaRPr lang="en-US" dirty="0"/>
+          </a:p>
+        </p:txBody>
+      </p:sp>
+      <p:sp>
+        <p:nvSpPr>
+          <p:cNvPr id="8" name="Content Placeholder 7">
+            <a:extLst>
+              <a:ext uri="{FF2B5EF4-FFF2-40B4-BE49-F238E27FC236}">
+                <a16:creationId xmlns:a16="http://schemas.microsoft.com/office/drawing/2014/main" id="{9C03A20F-A47A-4830-AA63-199D95995645}"/>
+              </a:ext>
+            </a:extLst>
+          </p:cNvPr>
+          <p:cNvSpPr>
+            <a:spLocks noGrp="1"/>
+          </p:cNvSpPr>
+          <p:nvPr>
+            <p:ph idx="1"/>
+          </p:nvPr>
+        </p:nvSpPr>
+        <p:spPr/>
+        <p:txBody>
+          <a:bodyPr/>
+          <a:lstStyle/>
+          <a:p>
+            <a:r>
+              <a:rPr lang="en-US" dirty="0" smtClean="0"/>
+              <a:t>Open-source, but not entirely free</a:t>
+            </a:r>
+            <a:endParaRPr lang="en-US" dirty="0"/>
+          </a:p>
+          <a:p>
+            <a:r>
+              <a:rPr lang="en-US" dirty="0" smtClean="0"/>
+              <a:t>Graphical user interface providing easy access to R</a:t>
+            </a:r>
+          </a:p>
+          <a:p>
+            <a:r>
+              <a:rPr lang="en-US" dirty="0" smtClean="0"/>
+              <a:t>Not officially affiliated with R</a:t>
+            </a:r>
+            <a:endParaRPr lang="en-US" dirty="0" smtClean="0"/>
+          </a:p>
+          <a:p>
+            <a:r>
+              <a:rPr lang="en-US" dirty="0" smtClean="0"/>
+              <a:t>Provides amazing cheat sheets!</a:t>
+            </a:r>
+            <a:endParaRPr lang="en-US" dirty="0"/>
+          </a:p>
+        </p:txBody>
+      </p:sp>
+    </p:spTree>
+    <p:extLst>
+      <p:ext uri="{BB962C8B-B14F-4D97-AF65-F5344CB8AC3E}">
+        <p14:creationId xmlns:p14="http://schemas.microsoft.com/office/powerpoint/2010/main" val="2256121021"/>
+      </p:ext>
+    </p:extLst>
+  </p:cSld>
+  <p:clrMapOvr>
+    <a:masterClrMapping/>
+  </p:clrMapOvr>
+</p:sld>
+</file>
+
+<file path=ppt/slides/slide30.xml><?xml version="1.0" encoding="utf-8"?>
+<p:sld xmlns:a="http://schemas.openxmlformats.org/drawingml/2006/main" xmlns:r="http://schemas.openxmlformats.org/officeDocument/2006/relationships" xmlns:p="http://schemas.openxmlformats.org/presentationml/2006/main">
+  <p:cSld>
+    <p:spTree>
+      <p:nvGrpSpPr>
+        <p:cNvPr id="1" name=""/>
+        <p:cNvGrpSpPr/>
+        <p:nvPr/>
+      </p:nvGrpSpPr>
+      <p:grpSpPr>
+        <a:xfrm>
+          <a:off x="0" y="0"/>
+          <a:ext cx="0" cy="0"/>
+          <a:chOff x="0" y="0"/>
+          <a:chExt cx="0" cy="0"/>
+        </a:xfrm>
+      </p:grpSpPr>
+      <p:sp>
+        <p:nvSpPr>
+          <p:cNvPr id="7" name="Title 6"/>
+          <p:cNvSpPr>
+            <a:spLocks noGrp="1"/>
+          </p:cNvSpPr>
+          <p:nvPr>
+            <p:ph type="title"/>
+          </p:nvPr>
+        </p:nvSpPr>
+        <p:spPr/>
+        <p:txBody>
+          <a:bodyPr/>
+          <a:lstStyle/>
+          <a:p>
+            <a:r>
+              <a:rPr lang="en-US" dirty="0" smtClean="0"/>
+              <a:t>BOXPLOTS</a:t>
+            </a:r>
+            <a:endParaRPr lang="en-US" dirty="0"/>
+          </a:p>
+        </p:txBody>
+      </p:sp>
+      <p:sp>
+        <p:nvSpPr>
+          <p:cNvPr id="8" name="Content Placeholder 7"/>
+          <p:cNvSpPr>
+            <a:spLocks noGrp="1"/>
+          </p:cNvSpPr>
+          <p:nvPr>
+            <p:ph idx="1"/>
+          </p:nvPr>
+        </p:nvSpPr>
+        <p:spPr/>
+        <p:txBody>
+          <a:bodyPr/>
+          <a:lstStyle/>
+          <a:p>
+            <a:endParaRPr lang="en-US"/>
+          </a:p>
+        </p:txBody>
+      </p:sp>
+      <p:sp>
+        <p:nvSpPr>
+          <p:cNvPr id="4" name="Date Placeholder 3"/>
+          <p:cNvSpPr>
+            <a:spLocks noGrp="1"/>
+          </p:cNvSpPr>
+          <p:nvPr>
+            <p:ph type="dt" sz="half" idx="10"/>
+          </p:nvPr>
+        </p:nvSpPr>
+        <p:spPr/>
+        <p:txBody>
+          <a:bodyPr/>
+          <a:lstStyle/>
+          <a:p>
+            <a:fld id="{B08FEED8-D7D4-44E9-BFBC-ED06B5996D94}" type="datetime4">
+              <a:rPr lang="en-US" smtClean="0"/>
+              <a:t>June 25, 2019</a:t>
+            </a:fld>
+            <a:endParaRPr lang="en-US" dirty="0"/>
+          </a:p>
+        </p:txBody>
+      </p:sp>
+      <p:sp>
+        <p:nvSpPr>
+          <p:cNvPr id="5" name="Footer Placeholder 4"/>
+          <p:cNvSpPr>
+            <a:spLocks noGrp="1"/>
+          </p:cNvSpPr>
+          <p:nvPr>
+            <p:ph type="ftr" sz="quarter" idx="11"/>
+          </p:nvPr>
+        </p:nvSpPr>
+        <p:spPr/>
+        <p:txBody>
+          <a:bodyPr/>
+          <a:lstStyle/>
+          <a:p>
+            <a:r>
+              <a:rPr lang="en-US" smtClean="0"/>
+              <a:t>Digital Scholarship Services </a:t>
+            </a:r>
+            <a:r>
+              <a:rPr lang="en-US" smtClean="0">
+                <a:solidFill>
+                  <a:schemeClr val="accent1">
+                    <a:lumMod val="50000"/>
+                  </a:schemeClr>
+                </a:solidFill>
+              </a:rPr>
+              <a:t>| Email</a:t>
+            </a:r>
+            <a:r>
+              <a:rPr lang="en-US" smtClean="0"/>
+              <a:t> cf24@rice.edu </a:t>
+            </a:r>
+            <a:r>
+              <a:rPr lang="en-US" smtClean="0">
+                <a:solidFill>
+                  <a:schemeClr val="accent1">
+                    <a:lumMod val="50000"/>
+                  </a:schemeClr>
+                </a:solidFill>
+              </a:rPr>
+              <a:t>|</a:t>
+            </a:r>
+            <a:r>
+              <a:rPr lang="en-US" smtClean="0"/>
+              <a:t> library.rice.edu/dss</a:t>
+            </a:r>
+            <a:endParaRPr lang="en-US" dirty="0"/>
+          </a:p>
+        </p:txBody>
+      </p:sp>
+      <p:sp>
+        <p:nvSpPr>
+          <p:cNvPr id="6" name="Slide Number Placeholder 5"/>
+          <p:cNvSpPr>
+            <a:spLocks noGrp="1"/>
+          </p:cNvSpPr>
+          <p:nvPr>
+            <p:ph type="sldNum" sz="quarter" idx="12"/>
+          </p:nvPr>
+        </p:nvSpPr>
+        <p:spPr/>
+        <p:txBody>
+          <a:bodyPr/>
+          <a:lstStyle/>
+          <a:p>
+            <a:fld id="{D57F1E4F-1CFF-5643-939E-02111984F565}" type="slidenum">
+              <a:rPr lang="en-US" smtClean="0"/>
+              <a:t>30</a:t>
+            </a:fld>
+            <a:endParaRPr lang="en-US" dirty="0"/>
+          </a:p>
+        </p:txBody>
+      </p:sp>
+    </p:spTree>
+    <p:extLst>
+      <p:ext uri="{BB962C8B-B14F-4D97-AF65-F5344CB8AC3E}">
+        <p14:creationId xmlns:p14="http://schemas.microsoft.com/office/powerpoint/2010/main" val="2295478352"/>
+      </p:ext>
+    </p:extLst>
+  </p:cSld>
+  <p:clrMapOvr>
+    <a:masterClrMapping/>
+  </p:clrMapOvr>
+</p:sld>
+</file>
+
+<file path=ppt/slides/slide31.xml><?xml version="1.0" encoding="utf-8"?>
+<p:sld xmlns:a="http://schemas.openxmlformats.org/drawingml/2006/main" xmlns:r="http://schemas.openxmlformats.org/officeDocument/2006/relationships" xmlns:p="http://schemas.openxmlformats.org/presentationml/2006/main">
+  <p:cSld>
+    <p:spTree>
+      <p:nvGrpSpPr>
+        <p:cNvPr id="1" name=""/>
+        <p:cNvGrpSpPr/>
+        <p:nvPr/>
+      </p:nvGrpSpPr>
+      <p:grpSpPr>
+        <a:xfrm>
+          <a:off x="0" y="0"/>
+          <a:ext cx="0" cy="0"/>
+          <a:chOff x="0" y="0"/>
+          <a:chExt cx="0" cy="0"/>
+        </a:xfrm>
+      </p:grpSpPr>
+      <p:sp>
+        <p:nvSpPr>
           <p:cNvPr id="7" name="Title 6">
             <a:extLst>
               <a:ext uri="{FF2B5EF4-FFF2-40B4-BE49-F238E27FC236}">
@@ -4248,9 +8443,10 @@
           <a:lstStyle/>
           <a:p>
             <a:r>
-              <a:rPr lang="en-US" dirty="0"/>
-              <a:t>READING DATA</a:t>
-            </a:r>
+              <a:rPr lang="en-US" dirty="0" smtClean="0"/>
+              <a:t>MODELING</a:t>
+            </a:r>
+            <a:endParaRPr lang="en-US" dirty="0"/>
           </a:p>
         </p:txBody>
       </p:sp>
@@ -4276,9 +8472,10 @@
           <a:lstStyle/>
           <a:p>
             <a:r>
-              <a:rPr lang="en-US" dirty="0"/>
-              <a:t>Excel, Comma-Separated and Tab-Separated Values, and more!</a:t>
-            </a:r>
+              <a:rPr lang="en-US" dirty="0" smtClean="0"/>
+              <a:t>Simple and Multiple Linear Regression</a:t>
+            </a:r>
+            <a:endParaRPr lang="en-US" dirty="0"/>
           </a:p>
         </p:txBody>
       </p:sp>
@@ -4305,7 +8502,7 @@
           <a:p>
             <a:fld id="{8AAE40A0-A7D8-4DC3-BC9E-BADA32DA2004}" type="datetime4">
               <a:rPr lang="en-US" smtClean="0"/>
-              <a:t>June 19, 2019</a:t>
+              <a:t>June 25, 2019</a:t>
             </a:fld>
             <a:endParaRPr lang="en-US" dirty="0"/>
           </a:p>
@@ -4391,7 +8588,7 @@
           <a:p>
             <a:fld id="{D57F1E4F-1CFF-5643-939E-02111984F565}" type="slidenum">
               <a:rPr lang="en-US" smtClean="0"/>
-              <a:t>3</a:t>
+              <a:t>31</a:t>
             </a:fld>
             <a:endParaRPr lang="en-US" dirty="0"/>
           </a:p>
@@ -4400,7 +8597,555 @@
     </p:spTree>
     <p:extLst>
       <p:ext uri="{BB962C8B-B14F-4D97-AF65-F5344CB8AC3E}">
-        <p14:creationId xmlns:p14="http://schemas.microsoft.com/office/powerpoint/2010/main" val="2581962988"/>
+        <p14:creationId xmlns:p14="http://schemas.microsoft.com/office/powerpoint/2010/main" val="405926125"/>
+      </p:ext>
+    </p:extLst>
+  </p:cSld>
+  <p:clrMapOvr>
+    <a:masterClrMapping/>
+  </p:clrMapOvr>
+</p:sld>
+</file>
+
+<file path=ppt/slides/slide32.xml><?xml version="1.0" encoding="utf-8"?>
+<p:sld xmlns:a="http://schemas.openxmlformats.org/drawingml/2006/main" xmlns:r="http://schemas.openxmlformats.org/officeDocument/2006/relationships" xmlns:p="http://schemas.openxmlformats.org/presentationml/2006/main">
+  <p:cSld>
+    <p:spTree>
+      <p:nvGrpSpPr>
+        <p:cNvPr id="1" name=""/>
+        <p:cNvGrpSpPr/>
+        <p:nvPr/>
+      </p:nvGrpSpPr>
+      <p:grpSpPr>
+        <a:xfrm>
+          <a:off x="0" y="0"/>
+          <a:ext cx="0" cy="0"/>
+          <a:chOff x="0" y="0"/>
+          <a:chExt cx="0" cy="0"/>
+        </a:xfrm>
+      </p:grpSpPr>
+      <p:sp>
+        <p:nvSpPr>
+          <p:cNvPr id="7" name="Title 6"/>
+          <p:cNvSpPr>
+            <a:spLocks noGrp="1"/>
+          </p:cNvSpPr>
+          <p:nvPr>
+            <p:ph type="title"/>
+          </p:nvPr>
+        </p:nvSpPr>
+        <p:spPr/>
+        <p:txBody>
+          <a:bodyPr/>
+          <a:lstStyle/>
+          <a:p>
+            <a:r>
+              <a:rPr lang="en-US" dirty="0" smtClean="0"/>
+              <a:t>LINEAR MODELING</a:t>
+            </a:r>
+            <a:endParaRPr lang="en-US" dirty="0"/>
+          </a:p>
+        </p:txBody>
+      </p:sp>
+      <p:sp>
+        <p:nvSpPr>
+          <p:cNvPr id="8" name="Content Placeholder 7"/>
+          <p:cNvSpPr>
+            <a:spLocks noGrp="1"/>
+          </p:cNvSpPr>
+          <p:nvPr>
+            <p:ph idx="1"/>
+          </p:nvPr>
+        </p:nvSpPr>
+        <p:spPr/>
+        <p:txBody>
+          <a:bodyPr/>
+          <a:lstStyle/>
+          <a:p>
+            <a:endParaRPr lang="en-US"/>
+          </a:p>
+        </p:txBody>
+      </p:sp>
+      <p:sp>
+        <p:nvSpPr>
+          <p:cNvPr id="4" name="Date Placeholder 3"/>
+          <p:cNvSpPr>
+            <a:spLocks noGrp="1"/>
+          </p:cNvSpPr>
+          <p:nvPr>
+            <p:ph type="dt" sz="half" idx="10"/>
+          </p:nvPr>
+        </p:nvSpPr>
+        <p:spPr/>
+        <p:txBody>
+          <a:bodyPr/>
+          <a:lstStyle/>
+          <a:p>
+            <a:fld id="{B08FEED8-D7D4-44E9-BFBC-ED06B5996D94}" type="datetime4">
+              <a:rPr lang="en-US" smtClean="0"/>
+              <a:t>June 25, 2019</a:t>
+            </a:fld>
+            <a:endParaRPr lang="en-US" dirty="0"/>
+          </a:p>
+        </p:txBody>
+      </p:sp>
+      <p:sp>
+        <p:nvSpPr>
+          <p:cNvPr id="5" name="Footer Placeholder 4"/>
+          <p:cNvSpPr>
+            <a:spLocks noGrp="1"/>
+          </p:cNvSpPr>
+          <p:nvPr>
+            <p:ph type="ftr" sz="quarter" idx="11"/>
+          </p:nvPr>
+        </p:nvSpPr>
+        <p:spPr/>
+        <p:txBody>
+          <a:bodyPr/>
+          <a:lstStyle/>
+          <a:p>
+            <a:r>
+              <a:rPr lang="en-US" smtClean="0"/>
+              <a:t>Digital Scholarship Services </a:t>
+            </a:r>
+            <a:r>
+              <a:rPr lang="en-US" smtClean="0">
+                <a:solidFill>
+                  <a:schemeClr val="accent1">
+                    <a:lumMod val="50000"/>
+                  </a:schemeClr>
+                </a:solidFill>
+              </a:rPr>
+              <a:t>| Email</a:t>
+            </a:r>
+            <a:r>
+              <a:rPr lang="en-US" smtClean="0"/>
+              <a:t> cf24@rice.edu </a:t>
+            </a:r>
+            <a:r>
+              <a:rPr lang="en-US" smtClean="0">
+                <a:solidFill>
+                  <a:schemeClr val="accent1">
+                    <a:lumMod val="50000"/>
+                  </a:schemeClr>
+                </a:solidFill>
+              </a:rPr>
+              <a:t>|</a:t>
+            </a:r>
+            <a:r>
+              <a:rPr lang="en-US" smtClean="0"/>
+              <a:t> library.rice.edu/dss</a:t>
+            </a:r>
+            <a:endParaRPr lang="en-US" dirty="0"/>
+          </a:p>
+        </p:txBody>
+      </p:sp>
+      <p:sp>
+        <p:nvSpPr>
+          <p:cNvPr id="6" name="Slide Number Placeholder 5"/>
+          <p:cNvSpPr>
+            <a:spLocks noGrp="1"/>
+          </p:cNvSpPr>
+          <p:nvPr>
+            <p:ph type="sldNum" sz="quarter" idx="12"/>
+          </p:nvPr>
+        </p:nvSpPr>
+        <p:spPr/>
+        <p:txBody>
+          <a:bodyPr/>
+          <a:lstStyle/>
+          <a:p>
+            <a:fld id="{D57F1E4F-1CFF-5643-939E-02111984F565}" type="slidenum">
+              <a:rPr lang="en-US" smtClean="0"/>
+              <a:t>32</a:t>
+            </a:fld>
+            <a:endParaRPr lang="en-US" dirty="0"/>
+          </a:p>
+        </p:txBody>
+      </p:sp>
+    </p:spTree>
+    <p:extLst>
+      <p:ext uri="{BB962C8B-B14F-4D97-AF65-F5344CB8AC3E}">
+        <p14:creationId xmlns:p14="http://schemas.microsoft.com/office/powerpoint/2010/main" val="2363324190"/>
+      </p:ext>
+    </p:extLst>
+  </p:cSld>
+  <p:clrMapOvr>
+    <a:masterClrMapping/>
+  </p:clrMapOvr>
+</p:sld>
+</file>
+
+<file path=ppt/slides/slide33.xml><?xml version="1.0" encoding="utf-8"?>
+<p:sld xmlns:a="http://schemas.openxmlformats.org/drawingml/2006/main" xmlns:r="http://schemas.openxmlformats.org/officeDocument/2006/relationships" xmlns:p="http://schemas.openxmlformats.org/presentationml/2006/main">
+  <p:cSld>
+    <p:spTree>
+      <p:nvGrpSpPr>
+        <p:cNvPr id="1" name=""/>
+        <p:cNvGrpSpPr/>
+        <p:nvPr/>
+      </p:nvGrpSpPr>
+      <p:grpSpPr>
+        <a:xfrm>
+          <a:off x="0" y="0"/>
+          <a:ext cx="0" cy="0"/>
+          <a:chOff x="0" y="0"/>
+          <a:chExt cx="0" cy="0"/>
+        </a:xfrm>
+      </p:grpSpPr>
+      <p:sp>
+        <p:nvSpPr>
+          <p:cNvPr id="7" name="Title 6"/>
+          <p:cNvSpPr>
+            <a:spLocks noGrp="1"/>
+          </p:cNvSpPr>
+          <p:nvPr>
+            <p:ph type="title"/>
+          </p:nvPr>
+        </p:nvSpPr>
+        <p:spPr/>
+        <p:txBody>
+          <a:bodyPr/>
+          <a:lstStyle/>
+          <a:p>
+            <a:r>
+              <a:rPr lang="en-US" dirty="0" smtClean="0"/>
+              <a:t>VISUALIZING LINEAR MODELS</a:t>
+            </a:r>
+            <a:endParaRPr lang="en-US" dirty="0"/>
+          </a:p>
+        </p:txBody>
+      </p:sp>
+      <p:sp>
+        <p:nvSpPr>
+          <p:cNvPr id="8" name="Content Placeholder 7"/>
+          <p:cNvSpPr>
+            <a:spLocks noGrp="1"/>
+          </p:cNvSpPr>
+          <p:nvPr>
+            <p:ph idx="1"/>
+          </p:nvPr>
+        </p:nvSpPr>
+        <p:spPr/>
+        <p:txBody>
+          <a:bodyPr/>
+          <a:lstStyle/>
+          <a:p>
+            <a:endParaRPr lang="en-US"/>
+          </a:p>
+        </p:txBody>
+      </p:sp>
+      <p:sp>
+        <p:nvSpPr>
+          <p:cNvPr id="4" name="Date Placeholder 3"/>
+          <p:cNvSpPr>
+            <a:spLocks noGrp="1"/>
+          </p:cNvSpPr>
+          <p:nvPr>
+            <p:ph type="dt" sz="half" idx="10"/>
+          </p:nvPr>
+        </p:nvSpPr>
+        <p:spPr/>
+        <p:txBody>
+          <a:bodyPr/>
+          <a:lstStyle/>
+          <a:p>
+            <a:fld id="{B08FEED8-D7D4-44E9-BFBC-ED06B5996D94}" type="datetime4">
+              <a:rPr lang="en-US" smtClean="0"/>
+              <a:t>June 25, 2019</a:t>
+            </a:fld>
+            <a:endParaRPr lang="en-US" dirty="0"/>
+          </a:p>
+        </p:txBody>
+      </p:sp>
+      <p:sp>
+        <p:nvSpPr>
+          <p:cNvPr id="5" name="Footer Placeholder 4"/>
+          <p:cNvSpPr>
+            <a:spLocks noGrp="1"/>
+          </p:cNvSpPr>
+          <p:nvPr>
+            <p:ph type="ftr" sz="quarter" idx="11"/>
+          </p:nvPr>
+        </p:nvSpPr>
+        <p:spPr/>
+        <p:txBody>
+          <a:bodyPr/>
+          <a:lstStyle/>
+          <a:p>
+            <a:r>
+              <a:rPr lang="en-US" smtClean="0"/>
+              <a:t>Digital Scholarship Services </a:t>
+            </a:r>
+            <a:r>
+              <a:rPr lang="en-US" smtClean="0">
+                <a:solidFill>
+                  <a:schemeClr val="accent1">
+                    <a:lumMod val="50000"/>
+                  </a:schemeClr>
+                </a:solidFill>
+              </a:rPr>
+              <a:t>| Email</a:t>
+            </a:r>
+            <a:r>
+              <a:rPr lang="en-US" smtClean="0"/>
+              <a:t> cf24@rice.edu </a:t>
+            </a:r>
+            <a:r>
+              <a:rPr lang="en-US" smtClean="0">
+                <a:solidFill>
+                  <a:schemeClr val="accent1">
+                    <a:lumMod val="50000"/>
+                  </a:schemeClr>
+                </a:solidFill>
+              </a:rPr>
+              <a:t>|</a:t>
+            </a:r>
+            <a:r>
+              <a:rPr lang="en-US" smtClean="0"/>
+              <a:t> library.rice.edu/dss</a:t>
+            </a:r>
+            <a:endParaRPr lang="en-US" dirty="0"/>
+          </a:p>
+        </p:txBody>
+      </p:sp>
+      <p:sp>
+        <p:nvSpPr>
+          <p:cNvPr id="6" name="Slide Number Placeholder 5"/>
+          <p:cNvSpPr>
+            <a:spLocks noGrp="1"/>
+          </p:cNvSpPr>
+          <p:nvPr>
+            <p:ph type="sldNum" sz="quarter" idx="12"/>
+          </p:nvPr>
+        </p:nvSpPr>
+        <p:spPr/>
+        <p:txBody>
+          <a:bodyPr/>
+          <a:lstStyle/>
+          <a:p>
+            <a:fld id="{D57F1E4F-1CFF-5643-939E-02111984F565}" type="slidenum">
+              <a:rPr lang="en-US" smtClean="0"/>
+              <a:t>33</a:t>
+            </a:fld>
+            <a:endParaRPr lang="en-US" dirty="0"/>
+          </a:p>
+        </p:txBody>
+      </p:sp>
+    </p:spTree>
+    <p:extLst>
+      <p:ext uri="{BB962C8B-B14F-4D97-AF65-F5344CB8AC3E}">
+        <p14:creationId xmlns:p14="http://schemas.microsoft.com/office/powerpoint/2010/main" val="3947473994"/>
+      </p:ext>
+    </p:extLst>
+  </p:cSld>
+  <p:clrMapOvr>
+    <a:masterClrMapping/>
+  </p:clrMapOvr>
+</p:sld>
+</file>
+
+<file path=ppt/slides/slide34.xml><?xml version="1.0" encoding="utf-8"?>
+<p:sld xmlns:a="http://schemas.openxmlformats.org/drawingml/2006/main" xmlns:r="http://schemas.openxmlformats.org/officeDocument/2006/relationships" xmlns:p="http://schemas.openxmlformats.org/presentationml/2006/main">
+  <p:cSld>
+    <p:spTree>
+      <p:nvGrpSpPr>
+        <p:cNvPr id="1" name=""/>
+        <p:cNvGrpSpPr/>
+        <p:nvPr/>
+      </p:nvGrpSpPr>
+      <p:grpSpPr>
+        <a:xfrm>
+          <a:off x="0" y="0"/>
+          <a:ext cx="0" cy="0"/>
+          <a:chOff x="0" y="0"/>
+          <a:chExt cx="0" cy="0"/>
+        </a:xfrm>
+      </p:grpSpPr>
+      <p:sp>
+        <p:nvSpPr>
+          <p:cNvPr id="7" name="Title 6">
+            <a:extLst>
+              <a:ext uri="{FF2B5EF4-FFF2-40B4-BE49-F238E27FC236}">
+                <a16:creationId xmlns:a16="http://schemas.microsoft.com/office/drawing/2014/main" id="{495B4BC0-844B-4414-A623-BEF78AAC1BA1}"/>
+              </a:ext>
+            </a:extLst>
+          </p:cNvPr>
+          <p:cNvSpPr>
+            <a:spLocks noGrp="1"/>
+          </p:cNvSpPr>
+          <p:nvPr>
+            <p:ph type="title"/>
+          </p:nvPr>
+        </p:nvSpPr>
+        <p:spPr/>
+        <p:txBody>
+          <a:bodyPr/>
+          <a:lstStyle/>
+          <a:p>
+            <a:r>
+              <a:rPr lang="en-US" dirty="0"/>
+              <a:t>ACKNOWLEDGMENTS</a:t>
+            </a:r>
+          </a:p>
+        </p:txBody>
+      </p:sp>
+      <p:sp>
+        <p:nvSpPr>
+          <p:cNvPr id="8" name="Content Placeholder 7">
+            <a:extLst>
+              <a:ext uri="{FF2B5EF4-FFF2-40B4-BE49-F238E27FC236}">
+                <a16:creationId xmlns:a16="http://schemas.microsoft.com/office/drawing/2014/main" id="{2BED3EB3-7E98-4A82-8335-7321D9E37B16}"/>
+              </a:ext>
+            </a:extLst>
+          </p:cNvPr>
+          <p:cNvSpPr>
+            <a:spLocks noGrp="1"/>
+          </p:cNvSpPr>
+          <p:nvPr>
+            <p:ph idx="1"/>
+          </p:nvPr>
+        </p:nvSpPr>
+        <p:spPr/>
+        <p:txBody>
+          <a:bodyPr/>
+          <a:lstStyle/>
+          <a:p>
+            <a:r>
+              <a:rPr lang="en-US" dirty="0" smtClean="0"/>
+              <a:t>The R logo (https://www.r-project.org/logo/) is used under the terms of the Creative Commons Attribution-</a:t>
+            </a:r>
+            <a:r>
+              <a:rPr lang="en-US" dirty="0" err="1" smtClean="0"/>
+              <a:t>ShareAlike</a:t>
+            </a:r>
+            <a:r>
+              <a:rPr lang="en-US" dirty="0" smtClean="0"/>
+              <a:t> 4.0 International license.</a:t>
+            </a:r>
+            <a:endParaRPr lang="en-US" dirty="0"/>
+          </a:p>
+        </p:txBody>
+      </p:sp>
+      <p:sp>
+        <p:nvSpPr>
+          <p:cNvPr id="4" name="Date Placeholder 3">
+            <a:extLst>
+              <a:ext uri="{FF2B5EF4-FFF2-40B4-BE49-F238E27FC236}">
+                <a16:creationId xmlns:a16="http://schemas.microsoft.com/office/drawing/2014/main" id="{540F37F1-4F33-429F-A568-1A3ADC499E54}"/>
+              </a:ext>
+            </a:extLst>
+          </p:cNvPr>
+          <p:cNvSpPr>
+            <a:spLocks noGrp="1"/>
+          </p:cNvSpPr>
+          <p:nvPr>
+            <p:ph type="dt" sz="half" idx="10"/>
+          </p:nvPr>
+        </p:nvSpPr>
+        <p:spPr/>
+        <p:txBody>
+          <a:bodyPr/>
+          <a:lstStyle/>
+          <a:p>
+            <a:fld id="{B08FEED8-D7D4-44E9-BFBC-ED06B5996D94}" type="datetime4">
+              <a:rPr lang="en-US" smtClean="0"/>
+              <a:t>June 25, 2019</a:t>
+            </a:fld>
+            <a:endParaRPr lang="en-US" dirty="0"/>
+          </a:p>
+        </p:txBody>
+      </p:sp>
+      <p:sp>
+        <p:nvSpPr>
+          <p:cNvPr id="5" name="Footer Placeholder 4">
+            <a:extLst>
+              <a:ext uri="{FF2B5EF4-FFF2-40B4-BE49-F238E27FC236}">
+                <a16:creationId xmlns:a16="http://schemas.microsoft.com/office/drawing/2014/main" id="{673FFA57-C126-4795-A5F6-DD33AAC5ACBD}"/>
+              </a:ext>
+            </a:extLst>
+          </p:cNvPr>
+          <p:cNvSpPr>
+            <a:spLocks noGrp="1"/>
+          </p:cNvSpPr>
+          <p:nvPr>
+            <p:ph type="ftr" sz="quarter" idx="11"/>
+          </p:nvPr>
+        </p:nvSpPr>
+        <p:spPr/>
+        <p:txBody>
+          <a:bodyPr/>
+          <a:lstStyle/>
+          <a:p>
+            <a:r>
+              <a:rPr lang="en-US"/>
+              <a:t>Digital Scholarship Services </a:t>
+            </a:r>
+            <a:r>
+              <a:rPr lang="en-US">
+                <a:solidFill>
+                  <a:schemeClr val="accent1">
+                    <a:lumMod val="50000"/>
+                  </a:schemeClr>
+                </a:solidFill>
+              </a:rPr>
+              <a:t>| Email</a:t>
+            </a:r>
+            <a:r>
+              <a:rPr lang="en-US"/>
+              <a:t> cf24@rice.edu </a:t>
+            </a:r>
+            <a:r>
+              <a:rPr lang="en-US">
+                <a:solidFill>
+                  <a:schemeClr val="accent1">
+                    <a:lumMod val="50000"/>
+                  </a:schemeClr>
+                </a:solidFill>
+              </a:rPr>
+              <a:t>|</a:t>
+            </a:r>
+            <a:r>
+              <a:rPr lang="en-US"/>
+              <a:t> library.rice.edu/dss</a:t>
+            </a:r>
+            <a:endParaRPr lang="en-US" dirty="0"/>
+          </a:p>
+        </p:txBody>
+      </p:sp>
+      <p:sp>
+        <p:nvSpPr>
+          <p:cNvPr id="6" name="Slide Number Placeholder 5">
+            <a:extLst>
+              <a:ext uri="{FF2B5EF4-FFF2-40B4-BE49-F238E27FC236}">
+                <a16:creationId xmlns:a16="http://schemas.microsoft.com/office/drawing/2014/main" id="{2FA49567-BB70-4798-8746-D0B522CCEE20}"/>
+              </a:ext>
+            </a:extLst>
+          </p:cNvPr>
+          <p:cNvSpPr>
+            <a:spLocks noGrp="1"/>
+          </p:cNvSpPr>
+          <p:nvPr>
+            <p:ph type="sldNum" sz="quarter" idx="12"/>
+          </p:nvPr>
+        </p:nvSpPr>
+        <p:spPr/>
+        <p:txBody>
+          <a:bodyPr/>
+          <a:lstStyle/>
+          <a:p>
+            <a:fld id="{D57F1E4F-1CFF-5643-939E-02111984F565}" type="slidenum">
+              <a:rPr lang="en-US" smtClean="0"/>
+              <a:t>34</a:t>
+            </a:fld>
+            <a:endParaRPr lang="en-US" dirty="0"/>
+          </a:p>
+        </p:txBody>
+      </p:sp>
+    </p:spTree>
+    <p:extLst>
+      <p:ext uri="{BB962C8B-B14F-4D97-AF65-F5344CB8AC3E}">
+        <p14:creationId xmlns:p14="http://schemas.microsoft.com/office/powerpoint/2010/main" val="1585568494"/>
       </p:ext>
     </p:extLst>
   </p:cSld>
@@ -4429,10 +9174,262 @@
       </p:grpSpPr>
       <p:sp>
         <p:nvSpPr>
+          <p:cNvPr id="2" name="Title 1"/>
+          <p:cNvSpPr>
+            <a:spLocks noGrp="1"/>
+          </p:cNvSpPr>
+          <p:nvPr>
+            <p:ph type="title"/>
+          </p:nvPr>
+        </p:nvSpPr>
+        <p:spPr/>
+        <p:txBody>
+          <a:bodyPr/>
+          <a:lstStyle/>
+          <a:p>
+            <a:r>
+              <a:rPr lang="en-US" dirty="0" smtClean="0"/>
+              <a:t>THE RICE CONNECTION</a:t>
+            </a:r>
+            <a:endParaRPr lang="en-US" dirty="0"/>
+          </a:p>
+        </p:txBody>
+      </p:sp>
+      <p:sp>
+        <p:nvSpPr>
+          <p:cNvPr id="3" name="Content Placeholder 2"/>
+          <p:cNvSpPr>
+            <a:spLocks noGrp="1"/>
+          </p:cNvSpPr>
+          <p:nvPr>
+            <p:ph idx="1"/>
+          </p:nvPr>
+        </p:nvSpPr>
+        <p:spPr/>
+        <p:txBody>
+          <a:bodyPr/>
+          <a:lstStyle/>
+          <a:p>
+            <a:r>
+              <a:rPr lang="en-US" dirty="0" smtClean="0"/>
+              <a:t>Hadley Wickham</a:t>
+            </a:r>
+          </a:p>
+          <a:p>
+            <a:pPr lvl="1"/>
+            <a:r>
+              <a:rPr lang="en-US" dirty="0" smtClean="0"/>
+              <a:t>former Rice professor</a:t>
+            </a:r>
+          </a:p>
+          <a:p>
+            <a:pPr lvl="1"/>
+            <a:r>
+              <a:rPr lang="en-US" dirty="0" smtClean="0"/>
+              <a:t>Chief Scientist at </a:t>
+            </a:r>
+            <a:r>
+              <a:rPr lang="en-US" dirty="0" err="1" smtClean="0"/>
+              <a:t>Rstudio</a:t>
+            </a:r>
+            <a:endParaRPr lang="en-US" dirty="0" smtClean="0"/>
+          </a:p>
+          <a:p>
+            <a:pPr lvl="1"/>
+            <a:r>
+              <a:rPr lang="en-US" dirty="0" smtClean="0"/>
+              <a:t>Originator of the </a:t>
+            </a:r>
+            <a:r>
+              <a:rPr lang="en-US" dirty="0" err="1" smtClean="0"/>
+              <a:t>tidyverse</a:t>
+            </a:r>
+            <a:endParaRPr lang="en-US" dirty="0" smtClean="0"/>
+          </a:p>
+          <a:p>
+            <a:pPr lvl="1"/>
+            <a:r>
+              <a:rPr lang="en-US" dirty="0" smtClean="0"/>
+              <a:t>Author of “R for Data Science” </a:t>
+            </a:r>
+            <a:endParaRPr lang="en-US" dirty="0"/>
+          </a:p>
+        </p:txBody>
+      </p:sp>
+      <p:sp>
+        <p:nvSpPr>
+          <p:cNvPr id="4" name="Date Placeholder 3"/>
+          <p:cNvSpPr>
+            <a:spLocks noGrp="1"/>
+          </p:cNvSpPr>
+          <p:nvPr>
+            <p:ph type="dt" sz="half" idx="10"/>
+          </p:nvPr>
+        </p:nvSpPr>
+        <p:spPr/>
+        <p:txBody>
+          <a:bodyPr/>
+          <a:lstStyle/>
+          <a:p>
+            <a:fld id="{8AAE40A0-A7D8-4DC3-BC9E-BADA32DA2004}" type="datetime4">
+              <a:rPr lang="en-US" smtClean="0"/>
+              <a:t>June 25, 2019</a:t>
+            </a:fld>
+            <a:endParaRPr lang="en-US" dirty="0"/>
+          </a:p>
+        </p:txBody>
+      </p:sp>
+      <p:sp>
+        <p:nvSpPr>
+          <p:cNvPr id="5" name="Footer Placeholder 4"/>
+          <p:cNvSpPr>
+            <a:spLocks noGrp="1"/>
+          </p:cNvSpPr>
+          <p:nvPr>
+            <p:ph type="ftr" sz="quarter" idx="11"/>
+          </p:nvPr>
+        </p:nvSpPr>
+        <p:spPr/>
+        <p:txBody>
+          <a:bodyPr/>
+          <a:lstStyle/>
+          <a:p>
+            <a:r>
+              <a:rPr lang="en-US" smtClean="0"/>
+              <a:t>Digital Scholarship Services </a:t>
+            </a:r>
+            <a:r>
+              <a:rPr lang="en-US" smtClean="0">
+                <a:solidFill>
+                  <a:schemeClr val="accent1">
+                    <a:lumMod val="50000"/>
+                  </a:schemeClr>
+                </a:solidFill>
+              </a:rPr>
+              <a:t>| Email</a:t>
+            </a:r>
+            <a:r>
+              <a:rPr lang="en-US" smtClean="0"/>
+              <a:t> cf24@rice.edu </a:t>
+            </a:r>
+            <a:r>
+              <a:rPr lang="en-US" smtClean="0">
+                <a:solidFill>
+                  <a:schemeClr val="accent1">
+                    <a:lumMod val="50000"/>
+                  </a:schemeClr>
+                </a:solidFill>
+              </a:rPr>
+              <a:t>|</a:t>
+            </a:r>
+            <a:r>
+              <a:rPr lang="en-US" smtClean="0"/>
+              <a:t> library.rice.edu/dss</a:t>
+            </a:r>
+            <a:endParaRPr lang="en-US" dirty="0"/>
+          </a:p>
+        </p:txBody>
+      </p:sp>
+      <p:sp>
+        <p:nvSpPr>
+          <p:cNvPr id="6" name="Slide Number Placeholder 5"/>
+          <p:cNvSpPr>
+            <a:spLocks noGrp="1"/>
+          </p:cNvSpPr>
+          <p:nvPr>
+            <p:ph type="sldNum" sz="quarter" idx="12"/>
+          </p:nvPr>
+        </p:nvSpPr>
+        <p:spPr/>
+        <p:txBody>
+          <a:bodyPr/>
+          <a:lstStyle/>
+          <a:p>
+            <a:fld id="{D57F1E4F-1CFF-5643-939E-02111984F565}" type="slidenum">
+              <a:rPr lang="en-US" smtClean="0"/>
+              <a:t>4</a:t>
+            </a:fld>
+            <a:endParaRPr lang="en-US" dirty="0"/>
+          </a:p>
+        </p:txBody>
+      </p:sp>
+      <p:pic>
+        <p:nvPicPr>
+          <p:cNvPr id="1026" name="Picture 2" descr="Image result for hadley wickham"/>
+          <p:cNvPicPr>
+            <a:picLocks noChangeAspect="1" noChangeArrowheads="1"/>
+          </p:cNvPicPr>
+          <p:nvPr/>
+        </p:nvPicPr>
+        <p:blipFill>
+          <a:blip r:embed="rId2">
+            <a:extLst>
+              <a:ext uri="{28A0092B-C50C-407E-A947-70E740481C1C}">
+                <a14:useLocalDpi xmlns:a14="http://schemas.microsoft.com/office/drawing/2010/main" val="0"/>
+              </a:ext>
+            </a:extLst>
+          </a:blip>
+          <a:srcRect/>
+          <a:stretch>
+            <a:fillRect/>
+          </a:stretch>
+        </p:blipFill>
+        <p:spPr bwMode="auto">
+          <a:xfrm>
+            <a:off x="6905177" y="1332246"/>
+            <a:ext cx="4683542" cy="4683543"/>
+          </a:xfrm>
+          <a:prstGeom prst="rect">
+            <a:avLst/>
+          </a:prstGeom>
+          <a:noFill/>
+          <a:extLst>
+            <a:ext uri="{909E8E84-426E-40DD-AFC4-6F175D3DCCD1}">
+              <a14:hiddenFill xmlns:a14="http://schemas.microsoft.com/office/drawing/2010/main">
+                <a:solidFill>
+                  <a:srgbClr val="FFFFFF"/>
+                </a:solidFill>
+              </a14:hiddenFill>
+            </a:ext>
+          </a:extLst>
+        </p:spPr>
+      </p:pic>
+    </p:spTree>
+    <p:extLst>
+      <p:ext uri="{BB962C8B-B14F-4D97-AF65-F5344CB8AC3E}">
+        <p14:creationId xmlns:p14="http://schemas.microsoft.com/office/powerpoint/2010/main" val="1538238596"/>
+      </p:ext>
+    </p:extLst>
+  </p:cSld>
+  <p:clrMapOvr>
+    <a:masterClrMapping/>
+  </p:clrMapOvr>
+</p:sld>
+</file>
+
+<file path=ppt/slides/slide5.xml><?xml version="1.0" encoding="utf-8"?>
+<p:sld xmlns:a="http://schemas.openxmlformats.org/drawingml/2006/main" xmlns:r="http://schemas.openxmlformats.org/officeDocument/2006/relationships" xmlns:p="http://schemas.openxmlformats.org/presentationml/2006/main">
+  <p:cSld>
+    <p:spTree>
+      <p:nvGrpSpPr>
+        <p:cNvPr id="1" name=""/>
+        <p:cNvGrpSpPr/>
+        <p:nvPr/>
+      </p:nvGrpSpPr>
+      <p:grpSpPr>
+        <a:xfrm>
+          <a:off x="0" y="0"/>
+          <a:ext cx="0" cy="0"/>
+          <a:chOff x="0" y="0"/>
+          <a:chExt cx="0" cy="0"/>
+        </a:xfrm>
+      </p:grpSpPr>
+      <p:sp>
+        <p:nvSpPr>
           <p:cNvPr id="7" name="Title 6">
             <a:extLst>
               <a:ext uri="{FF2B5EF4-FFF2-40B4-BE49-F238E27FC236}">
-                <a16:creationId xmlns:a16="http://schemas.microsoft.com/office/drawing/2014/main" id="{495B4BC0-844B-4414-A623-BEF78AAC1BA1}"/>
+                <a16:creationId xmlns:a16="http://schemas.microsoft.com/office/drawing/2014/main" id="{184E2338-1026-45D4-9455-B21A88F18B28}"/>
               </a:ext>
             </a:extLst>
           </p:cNvPr>
@@ -4449,18 +9446,26 @@
           <a:lstStyle/>
           <a:p>
             <a:r>
-              <a:rPr lang="en-US" dirty="0"/>
-              <a:t>ACKNOWLEDGMENTS</a:t>
-            </a:r>
-          </a:p>
-        </p:txBody>
-      </p:sp>
-      <p:sp>
-        <p:nvSpPr>
-          <p:cNvPr id="8" name="Content Placeholder 7">
+              <a:rPr lang="en-US" dirty="0" smtClean="0"/>
+              <a:t>THE RSTUDIO</a:t>
+            </a:r>
+            <a:br>
+              <a:rPr lang="en-US" dirty="0" smtClean="0"/>
+            </a:br>
+            <a:r>
+              <a:rPr lang="en-US" dirty="0" smtClean="0"/>
+              <a:t>INTERFACE</a:t>
+            </a:r>
+            <a:endParaRPr lang="en-US" dirty="0"/>
+          </a:p>
+        </p:txBody>
+      </p:sp>
+      <p:sp>
+        <p:nvSpPr>
+          <p:cNvPr id="8" name="Text Placeholder 7">
             <a:extLst>
               <a:ext uri="{FF2B5EF4-FFF2-40B4-BE49-F238E27FC236}">
-                <a16:creationId xmlns:a16="http://schemas.microsoft.com/office/drawing/2014/main" id="{2BED3EB3-7E98-4A82-8335-7321D9E37B16}"/>
+                <a16:creationId xmlns:a16="http://schemas.microsoft.com/office/drawing/2014/main" id="{DB42CCAB-C8E2-48A8-A9DF-EB0383A8B33C}"/>
               </a:ext>
             </a:extLst>
           </p:cNvPr>
@@ -4468,15 +9473,19 @@
             <a:spLocks noGrp="1"/>
           </p:cNvSpPr>
           <p:nvPr>
-            <p:ph idx="1"/>
-          </p:nvPr>
-        </p:nvSpPr>
-        <p:spPr/>
-        <p:txBody>
-          <a:bodyPr/>
-          <a:lstStyle/>
-          <a:p>
-            <a:endParaRPr lang="en-US"/>
+            <p:ph type="body" idx="1"/>
+          </p:nvPr>
+        </p:nvSpPr>
+        <p:spPr/>
+        <p:txBody>
+          <a:bodyPr/>
+          <a:lstStyle/>
+          <a:p>
+            <a:r>
+              <a:rPr lang="en-US" dirty="0" smtClean="0"/>
+              <a:t>A walkthrough of important features</a:t>
+            </a:r>
+            <a:endParaRPr lang="en-US" dirty="0"/>
           </a:p>
         </p:txBody>
       </p:sp>
@@ -4485,7 +9494,7 @@
           <p:cNvPr id="4" name="Date Placeholder 3">
             <a:extLst>
               <a:ext uri="{FF2B5EF4-FFF2-40B4-BE49-F238E27FC236}">
-                <a16:creationId xmlns:a16="http://schemas.microsoft.com/office/drawing/2014/main" id="{540F37F1-4F33-429F-A568-1A3ADC499E54}"/>
+                <a16:creationId xmlns:a16="http://schemas.microsoft.com/office/drawing/2014/main" id="{1CA94ACB-62A5-4F09-8C21-F0CE9BFB1606}"/>
               </a:ext>
             </a:extLst>
           </p:cNvPr>
@@ -4501,9 +9510,9 @@
           <a:bodyPr/>
           <a:lstStyle/>
           <a:p>
-            <a:fld id="{B08FEED8-D7D4-44E9-BFBC-ED06B5996D94}" type="datetime4">
-              <a:rPr lang="en-US" smtClean="0"/>
-              <a:t>June 19, 2019</a:t>
+            <a:fld id="{8AAE40A0-A7D8-4DC3-BC9E-BADA32DA2004}" type="datetime4">
+              <a:rPr lang="en-US" smtClean="0"/>
+              <a:t>June 25, 2019</a:t>
             </a:fld>
             <a:endParaRPr lang="en-US" dirty="0"/>
           </a:p>
@@ -4514,7 +9523,7 @@
           <p:cNvPr id="5" name="Footer Placeholder 4">
             <a:extLst>
               <a:ext uri="{FF2B5EF4-FFF2-40B4-BE49-F238E27FC236}">
-                <a16:creationId xmlns:a16="http://schemas.microsoft.com/office/drawing/2014/main" id="{673FFA57-C126-4795-A5F6-DD33AAC5ACBD}"/>
+                <a16:creationId xmlns:a16="http://schemas.microsoft.com/office/drawing/2014/main" id="{D20B02B0-893D-4696-B6F7-A126B8D18E99}"/>
               </a:ext>
             </a:extLst>
           </p:cNvPr>
@@ -4571,7 +9580,7 @@
           <p:cNvPr id="6" name="Slide Number Placeholder 5">
             <a:extLst>
               <a:ext uri="{FF2B5EF4-FFF2-40B4-BE49-F238E27FC236}">
-                <a16:creationId xmlns:a16="http://schemas.microsoft.com/office/drawing/2014/main" id="{2FA49567-BB70-4798-8746-D0B522CCEE20}"/>
+                <a16:creationId xmlns:a16="http://schemas.microsoft.com/office/drawing/2014/main" id="{1CFDA495-0063-4571-8969-0DD770DB39E0}"/>
               </a:ext>
             </a:extLst>
           </p:cNvPr>
@@ -4589,7 +9598,7 @@
           <a:p>
             <a:fld id="{D57F1E4F-1CFF-5643-939E-02111984F565}" type="slidenum">
               <a:rPr lang="en-US" smtClean="0"/>
-              <a:t>4</a:t>
+              <a:t>5</a:t>
             </a:fld>
             <a:endParaRPr lang="en-US" dirty="0"/>
           </a:p>
@@ -4598,7 +9607,728 @@
     </p:spTree>
     <p:extLst>
       <p:ext uri="{BB962C8B-B14F-4D97-AF65-F5344CB8AC3E}">
-        <p14:creationId xmlns:p14="http://schemas.microsoft.com/office/powerpoint/2010/main" val="1585568494"/>
+        <p14:creationId xmlns:p14="http://schemas.microsoft.com/office/powerpoint/2010/main" val="2458313340"/>
+      </p:ext>
+    </p:extLst>
+  </p:cSld>
+  <p:clrMapOvr>
+    <a:masterClrMapping/>
+  </p:clrMapOvr>
+</p:sld>
+</file>
+
+<file path=ppt/slides/slide6.xml><?xml version="1.0" encoding="utf-8"?>
+<p:sld xmlns:a="http://schemas.openxmlformats.org/drawingml/2006/main" xmlns:r="http://schemas.openxmlformats.org/officeDocument/2006/relationships" xmlns:p="http://schemas.openxmlformats.org/presentationml/2006/main">
+  <p:cSld>
+    <p:spTree>
+      <p:nvGrpSpPr>
+        <p:cNvPr id="1" name=""/>
+        <p:cNvGrpSpPr/>
+        <p:nvPr/>
+      </p:nvGrpSpPr>
+      <p:grpSpPr>
+        <a:xfrm>
+          <a:off x="0" y="0"/>
+          <a:ext cx="0" cy="0"/>
+          <a:chOff x="0" y="0"/>
+          <a:chExt cx="0" cy="0"/>
+        </a:xfrm>
+      </p:grpSpPr>
+      <p:sp>
+        <p:nvSpPr>
+          <p:cNvPr id="4" name="Date Placeholder 3"/>
+          <p:cNvSpPr>
+            <a:spLocks noGrp="1"/>
+          </p:cNvSpPr>
+          <p:nvPr>
+            <p:ph type="dt" sz="half" idx="10"/>
+          </p:nvPr>
+        </p:nvSpPr>
+        <p:spPr/>
+        <p:txBody>
+          <a:bodyPr/>
+          <a:lstStyle/>
+          <a:p>
+            <a:fld id="{B08FEED8-D7D4-44E9-BFBC-ED06B5996D94}" type="datetime4">
+              <a:rPr lang="en-US" smtClean="0"/>
+              <a:t>June 25, 2019</a:t>
+            </a:fld>
+            <a:endParaRPr lang="en-US" dirty="0"/>
+          </a:p>
+        </p:txBody>
+      </p:sp>
+      <p:sp>
+        <p:nvSpPr>
+          <p:cNvPr id="5" name="Footer Placeholder 4"/>
+          <p:cNvSpPr>
+            <a:spLocks noGrp="1"/>
+          </p:cNvSpPr>
+          <p:nvPr>
+            <p:ph type="ftr" sz="quarter" idx="11"/>
+          </p:nvPr>
+        </p:nvSpPr>
+        <p:spPr/>
+        <p:txBody>
+          <a:bodyPr/>
+          <a:lstStyle/>
+          <a:p>
+            <a:r>
+              <a:rPr lang="en-US" smtClean="0"/>
+              <a:t>Digital Scholarship Services </a:t>
+            </a:r>
+            <a:r>
+              <a:rPr lang="en-US" smtClean="0">
+                <a:solidFill>
+                  <a:schemeClr val="accent1">
+                    <a:lumMod val="50000"/>
+                  </a:schemeClr>
+                </a:solidFill>
+              </a:rPr>
+              <a:t>| Email</a:t>
+            </a:r>
+            <a:r>
+              <a:rPr lang="en-US" smtClean="0"/>
+              <a:t> cf24@rice.edu </a:t>
+            </a:r>
+            <a:r>
+              <a:rPr lang="en-US" smtClean="0">
+                <a:solidFill>
+                  <a:schemeClr val="accent1">
+                    <a:lumMod val="50000"/>
+                  </a:schemeClr>
+                </a:solidFill>
+              </a:rPr>
+              <a:t>|</a:t>
+            </a:r>
+            <a:r>
+              <a:rPr lang="en-US" smtClean="0"/>
+              <a:t> library.rice.edu/dss</a:t>
+            </a:r>
+            <a:endParaRPr lang="en-US" dirty="0"/>
+          </a:p>
+        </p:txBody>
+      </p:sp>
+      <p:sp>
+        <p:nvSpPr>
+          <p:cNvPr id="6" name="Slide Number Placeholder 5"/>
+          <p:cNvSpPr>
+            <a:spLocks noGrp="1"/>
+          </p:cNvSpPr>
+          <p:nvPr>
+            <p:ph type="sldNum" sz="quarter" idx="12"/>
+          </p:nvPr>
+        </p:nvSpPr>
+        <p:spPr/>
+        <p:txBody>
+          <a:bodyPr/>
+          <a:lstStyle/>
+          <a:p>
+            <a:fld id="{D57F1E4F-1CFF-5643-939E-02111984F565}" type="slidenum">
+              <a:rPr lang="en-US" smtClean="0"/>
+              <a:t>6</a:t>
+            </a:fld>
+            <a:endParaRPr lang="en-US" dirty="0"/>
+          </a:p>
+        </p:txBody>
+      </p:sp>
+      <p:pic>
+        <p:nvPicPr>
+          <p:cNvPr id="2050" name="Picture 2" descr="https://pbs.twimg.com/media/D83d2-dW4AULriR.jpg:large"/>
+          <p:cNvPicPr>
+            <a:picLocks noChangeAspect="1" noChangeArrowheads="1"/>
+          </p:cNvPicPr>
+          <p:nvPr/>
+        </p:nvPicPr>
+        <p:blipFill>
+          <a:blip r:embed="rId2">
+            <a:extLst>
+              <a:ext uri="{28A0092B-C50C-407E-A947-70E740481C1C}">
+                <a14:useLocalDpi xmlns:a14="http://schemas.microsoft.com/office/drawing/2010/main" val="0"/>
+              </a:ext>
+            </a:extLst>
+          </a:blip>
+          <a:srcRect/>
+          <a:stretch>
+            <a:fillRect/>
+          </a:stretch>
+        </p:blipFill>
+        <p:spPr bwMode="auto">
+          <a:xfrm>
+            <a:off x="1490662" y="597318"/>
+            <a:ext cx="9210675" cy="5514976"/>
+          </a:xfrm>
+          <a:prstGeom prst="rect">
+            <a:avLst/>
+          </a:prstGeom>
+          <a:noFill/>
+          <a:extLst>
+            <a:ext uri="{909E8E84-426E-40DD-AFC4-6F175D3DCCD1}">
+              <a14:hiddenFill xmlns:a14="http://schemas.microsoft.com/office/drawing/2010/main">
+                <a:solidFill>
+                  <a:srgbClr val="FFFFFF"/>
+                </a:solidFill>
+              </a14:hiddenFill>
+            </a:ext>
+          </a:extLst>
+        </p:spPr>
+      </p:pic>
+    </p:spTree>
+    <p:extLst>
+      <p:ext uri="{BB962C8B-B14F-4D97-AF65-F5344CB8AC3E}">
+        <p14:creationId xmlns:p14="http://schemas.microsoft.com/office/powerpoint/2010/main" val="2683814221"/>
+      </p:ext>
+    </p:extLst>
+  </p:cSld>
+  <p:clrMapOvr>
+    <a:masterClrMapping/>
+  </p:clrMapOvr>
+</p:sld>
+</file>
+
+<file path=ppt/slides/slide7.xml><?xml version="1.0" encoding="utf-8"?>
+<p:sld xmlns:a="http://schemas.openxmlformats.org/drawingml/2006/main" xmlns:r="http://schemas.openxmlformats.org/officeDocument/2006/relationships" xmlns:p="http://schemas.openxmlformats.org/presentationml/2006/main">
+  <p:cSld>
+    <p:spTree>
+      <p:nvGrpSpPr>
+        <p:cNvPr id="1" name=""/>
+        <p:cNvGrpSpPr/>
+        <p:nvPr/>
+      </p:nvGrpSpPr>
+      <p:grpSpPr>
+        <a:xfrm>
+          <a:off x="0" y="0"/>
+          <a:ext cx="0" cy="0"/>
+          <a:chOff x="0" y="0"/>
+          <a:chExt cx="0" cy="0"/>
+        </a:xfrm>
+      </p:grpSpPr>
+      <p:sp>
+        <p:nvSpPr>
+          <p:cNvPr id="5" name="Title 4"/>
+          <p:cNvSpPr>
+            <a:spLocks noGrp="1"/>
+          </p:cNvSpPr>
+          <p:nvPr>
+            <p:ph type="title"/>
+          </p:nvPr>
+        </p:nvSpPr>
+        <p:spPr/>
+        <p:txBody>
+          <a:bodyPr/>
+          <a:lstStyle/>
+          <a:p>
+            <a:r>
+              <a:rPr lang="en-US" dirty="0" smtClean="0"/>
+              <a:t>RSTUDIO INTERFACE</a:t>
+            </a:r>
+            <a:endParaRPr lang="en-US" dirty="0"/>
+          </a:p>
+        </p:txBody>
+      </p:sp>
+      <p:sp>
+        <p:nvSpPr>
+          <p:cNvPr id="2" name="Date Placeholder 1"/>
+          <p:cNvSpPr>
+            <a:spLocks noGrp="1"/>
+          </p:cNvSpPr>
+          <p:nvPr>
+            <p:ph type="dt" sz="half" idx="10"/>
+          </p:nvPr>
+        </p:nvSpPr>
+        <p:spPr/>
+        <p:txBody>
+          <a:bodyPr/>
+          <a:lstStyle/>
+          <a:p>
+            <a:fld id="{7A745AAB-8888-45FB-8C4E-B86AF9A05200}" type="datetime4">
+              <a:rPr lang="en-US" smtClean="0"/>
+              <a:t>June 25, 2019</a:t>
+            </a:fld>
+            <a:endParaRPr lang="en-US" dirty="0"/>
+          </a:p>
+        </p:txBody>
+      </p:sp>
+      <p:sp>
+        <p:nvSpPr>
+          <p:cNvPr id="3" name="Footer Placeholder 2"/>
+          <p:cNvSpPr>
+            <a:spLocks noGrp="1"/>
+          </p:cNvSpPr>
+          <p:nvPr>
+            <p:ph type="ftr" sz="quarter" idx="11"/>
+          </p:nvPr>
+        </p:nvSpPr>
+        <p:spPr/>
+        <p:txBody>
+          <a:bodyPr/>
+          <a:lstStyle/>
+          <a:p>
+            <a:r>
+              <a:rPr lang="en-US" smtClean="0"/>
+              <a:t>Digital Scholarship Services | Email cf24@rice.edu | library.rice.edu/dss</a:t>
+            </a:r>
+            <a:endParaRPr lang="en-US" dirty="0"/>
+          </a:p>
+        </p:txBody>
+      </p:sp>
+      <p:sp>
+        <p:nvSpPr>
+          <p:cNvPr id="4" name="Slide Number Placeholder 3"/>
+          <p:cNvSpPr>
+            <a:spLocks noGrp="1"/>
+          </p:cNvSpPr>
+          <p:nvPr>
+            <p:ph type="sldNum" sz="quarter" idx="12"/>
+          </p:nvPr>
+        </p:nvSpPr>
+        <p:spPr/>
+        <p:txBody>
+          <a:bodyPr/>
+          <a:lstStyle/>
+          <a:p>
+            <a:fld id="{D57F1E4F-1CFF-5643-939E-02111984F565}" type="slidenum">
+              <a:rPr lang="en-US" smtClean="0"/>
+              <a:t>7</a:t>
+            </a:fld>
+            <a:endParaRPr lang="en-US" dirty="0"/>
+          </a:p>
+        </p:txBody>
+      </p:sp>
+    </p:spTree>
+    <p:extLst>
+      <p:ext uri="{BB962C8B-B14F-4D97-AF65-F5344CB8AC3E}">
+        <p14:creationId xmlns:p14="http://schemas.microsoft.com/office/powerpoint/2010/main" val="687977859"/>
+      </p:ext>
+    </p:extLst>
+  </p:cSld>
+  <p:clrMapOvr>
+    <a:masterClrMapping/>
+  </p:clrMapOvr>
+</p:sld>
+</file>
+
+<file path=ppt/slides/slide8.xml><?xml version="1.0" encoding="utf-8"?>
+<p:sld xmlns:a="http://schemas.openxmlformats.org/drawingml/2006/main" xmlns:r="http://schemas.openxmlformats.org/officeDocument/2006/relationships" xmlns:p="http://schemas.openxmlformats.org/presentationml/2006/main">
+  <p:cSld>
+    <p:spTree>
+      <p:nvGrpSpPr>
+        <p:cNvPr id="1" name=""/>
+        <p:cNvGrpSpPr/>
+        <p:nvPr/>
+      </p:nvGrpSpPr>
+      <p:grpSpPr>
+        <a:xfrm>
+          <a:off x="0" y="0"/>
+          <a:ext cx="0" cy="0"/>
+          <a:chOff x="0" y="0"/>
+          <a:chExt cx="0" cy="0"/>
+        </a:xfrm>
+      </p:grpSpPr>
+      <p:sp>
+        <p:nvSpPr>
+          <p:cNvPr id="7" name="Title 6">
+            <a:extLst>
+              <a:ext uri="{FF2B5EF4-FFF2-40B4-BE49-F238E27FC236}">
+                <a16:creationId xmlns:a16="http://schemas.microsoft.com/office/drawing/2014/main" id="{184E2338-1026-45D4-9455-B21A88F18B28}"/>
+              </a:ext>
+            </a:extLst>
+          </p:cNvPr>
+          <p:cNvSpPr>
+            <a:spLocks noGrp="1"/>
+          </p:cNvSpPr>
+          <p:nvPr>
+            <p:ph type="title"/>
+          </p:nvPr>
+        </p:nvSpPr>
+        <p:spPr/>
+        <p:txBody>
+          <a:bodyPr/>
+          <a:lstStyle/>
+          <a:p>
+            <a:r>
+              <a:rPr lang="en-US" dirty="0" smtClean="0"/>
+              <a:t>DATA TYPES</a:t>
+            </a:r>
+            <a:endParaRPr lang="en-US" dirty="0"/>
+          </a:p>
+        </p:txBody>
+      </p:sp>
+      <p:sp>
+        <p:nvSpPr>
+          <p:cNvPr id="8" name="Text Placeholder 7">
+            <a:extLst>
+              <a:ext uri="{FF2B5EF4-FFF2-40B4-BE49-F238E27FC236}">
+                <a16:creationId xmlns:a16="http://schemas.microsoft.com/office/drawing/2014/main" id="{DB42CCAB-C8E2-48A8-A9DF-EB0383A8B33C}"/>
+              </a:ext>
+            </a:extLst>
+          </p:cNvPr>
+          <p:cNvSpPr>
+            <a:spLocks noGrp="1"/>
+          </p:cNvSpPr>
+          <p:nvPr>
+            <p:ph type="body" idx="1"/>
+          </p:nvPr>
+        </p:nvSpPr>
+        <p:spPr/>
+        <p:txBody>
+          <a:bodyPr/>
+          <a:lstStyle/>
+          <a:p>
+            <a:r>
+              <a:rPr lang="en-US" dirty="0" smtClean="0"/>
+              <a:t>Scalars, </a:t>
+            </a:r>
+            <a:r>
+              <a:rPr lang="en-US" dirty="0"/>
+              <a:t>l</a:t>
+            </a:r>
+            <a:r>
+              <a:rPr lang="en-US" dirty="0" smtClean="0"/>
+              <a:t>ists, arrays, matrices, factors, data frames, and vectors</a:t>
+            </a:r>
+            <a:endParaRPr lang="en-US" dirty="0"/>
+          </a:p>
+        </p:txBody>
+      </p:sp>
+      <p:sp>
+        <p:nvSpPr>
+          <p:cNvPr id="4" name="Date Placeholder 3">
+            <a:extLst>
+              <a:ext uri="{FF2B5EF4-FFF2-40B4-BE49-F238E27FC236}">
+                <a16:creationId xmlns:a16="http://schemas.microsoft.com/office/drawing/2014/main" id="{1CA94ACB-62A5-4F09-8C21-F0CE9BFB1606}"/>
+              </a:ext>
+            </a:extLst>
+          </p:cNvPr>
+          <p:cNvSpPr>
+            <a:spLocks noGrp="1"/>
+          </p:cNvSpPr>
+          <p:nvPr>
+            <p:ph type="dt" sz="half" idx="10"/>
+          </p:nvPr>
+        </p:nvSpPr>
+        <p:spPr/>
+        <p:txBody>
+          <a:bodyPr/>
+          <a:lstStyle/>
+          <a:p>
+            <a:fld id="{8AAE40A0-A7D8-4DC3-BC9E-BADA32DA2004}" type="datetime4">
+              <a:rPr lang="en-US" smtClean="0"/>
+              <a:t>June 25, 2019</a:t>
+            </a:fld>
+            <a:endParaRPr lang="en-US" dirty="0"/>
+          </a:p>
+        </p:txBody>
+      </p:sp>
+      <p:sp>
+        <p:nvSpPr>
+          <p:cNvPr id="5" name="Footer Placeholder 4">
+            <a:extLst>
+              <a:ext uri="{FF2B5EF4-FFF2-40B4-BE49-F238E27FC236}">
+                <a16:creationId xmlns:a16="http://schemas.microsoft.com/office/drawing/2014/main" id="{D20B02B0-893D-4696-B6F7-A126B8D18E99}"/>
+              </a:ext>
+            </a:extLst>
+          </p:cNvPr>
+          <p:cNvSpPr>
+            <a:spLocks noGrp="1"/>
+          </p:cNvSpPr>
+          <p:nvPr>
+            <p:ph type="ftr" sz="quarter" idx="11"/>
+          </p:nvPr>
+        </p:nvSpPr>
+        <p:spPr/>
+        <p:txBody>
+          <a:bodyPr/>
+          <a:lstStyle/>
+          <a:p>
+            <a:r>
+              <a:rPr lang="en-US"/>
+              <a:t>Digital Scholarship Services </a:t>
+            </a:r>
+            <a:r>
+              <a:rPr lang="en-US">
+                <a:solidFill>
+                  <a:schemeClr val="accent1">
+                    <a:lumMod val="50000"/>
+                  </a:schemeClr>
+                </a:solidFill>
+              </a:rPr>
+              <a:t>| Email</a:t>
+            </a:r>
+            <a:r>
+              <a:rPr lang="en-US"/>
+              <a:t> cf24@rice.edu </a:t>
+            </a:r>
+            <a:r>
+              <a:rPr lang="en-US">
+                <a:solidFill>
+                  <a:schemeClr val="accent1">
+                    <a:lumMod val="50000"/>
+                  </a:schemeClr>
+                </a:solidFill>
+              </a:rPr>
+              <a:t>|</a:t>
+            </a:r>
+            <a:r>
+              <a:rPr lang="en-US"/>
+              <a:t> library.rice.edu/dss</a:t>
+            </a:r>
+            <a:endParaRPr lang="en-US" dirty="0"/>
+          </a:p>
+        </p:txBody>
+      </p:sp>
+      <p:sp>
+        <p:nvSpPr>
+          <p:cNvPr id="6" name="Slide Number Placeholder 5">
+            <a:extLst>
+              <a:ext uri="{FF2B5EF4-FFF2-40B4-BE49-F238E27FC236}">
+                <a16:creationId xmlns:a16="http://schemas.microsoft.com/office/drawing/2014/main" id="{1CFDA495-0063-4571-8969-0DD770DB39E0}"/>
+              </a:ext>
+            </a:extLst>
+          </p:cNvPr>
+          <p:cNvSpPr>
+            <a:spLocks noGrp="1"/>
+          </p:cNvSpPr>
+          <p:nvPr>
+            <p:ph type="sldNum" sz="quarter" idx="12"/>
+          </p:nvPr>
+        </p:nvSpPr>
+        <p:spPr/>
+        <p:txBody>
+          <a:bodyPr/>
+          <a:lstStyle/>
+          <a:p>
+            <a:fld id="{D57F1E4F-1CFF-5643-939E-02111984F565}" type="slidenum">
+              <a:rPr lang="en-US" smtClean="0"/>
+              <a:t>8</a:t>
+            </a:fld>
+            <a:endParaRPr lang="en-US" dirty="0"/>
+          </a:p>
+        </p:txBody>
+      </p:sp>
+    </p:spTree>
+    <p:extLst>
+      <p:ext uri="{BB962C8B-B14F-4D97-AF65-F5344CB8AC3E}">
+        <p14:creationId xmlns:p14="http://schemas.microsoft.com/office/powerpoint/2010/main" val="1091259265"/>
+      </p:ext>
+    </p:extLst>
+  </p:cSld>
+  <p:clrMapOvr>
+    <a:masterClrMapping/>
+  </p:clrMapOvr>
+</p:sld>
+</file>
+
+<file path=ppt/slides/slide9.xml><?xml version="1.0" encoding="utf-8"?>
+<p:sld xmlns:a="http://schemas.openxmlformats.org/drawingml/2006/main" xmlns:r="http://schemas.openxmlformats.org/officeDocument/2006/relationships" xmlns:p="http://schemas.openxmlformats.org/presentationml/2006/main">
+  <p:cSld>
+    <p:spTree>
+      <p:nvGrpSpPr>
+        <p:cNvPr id="1" name=""/>
+        <p:cNvGrpSpPr/>
+        <p:nvPr/>
+      </p:nvGrpSpPr>
+      <p:grpSpPr>
+        <a:xfrm>
+          <a:off x="0" y="0"/>
+          <a:ext cx="0" cy="0"/>
+          <a:chOff x="0" y="0"/>
+          <a:chExt cx="0" cy="0"/>
+        </a:xfrm>
+      </p:grpSpPr>
+      <p:sp>
+        <p:nvSpPr>
+          <p:cNvPr id="7" name="Title 6"/>
+          <p:cNvSpPr>
+            <a:spLocks noGrp="1"/>
+          </p:cNvSpPr>
+          <p:nvPr>
+            <p:ph type="title"/>
+          </p:nvPr>
+        </p:nvSpPr>
+        <p:spPr/>
+        <p:txBody>
+          <a:bodyPr/>
+          <a:lstStyle/>
+          <a:p>
+            <a:r>
+              <a:rPr lang="en-US" dirty="0" smtClean="0"/>
+              <a:t>SCALARS</a:t>
+            </a:r>
+            <a:endParaRPr lang="en-US" dirty="0"/>
+          </a:p>
+        </p:txBody>
+      </p:sp>
+      <p:sp>
+        <p:nvSpPr>
+          <p:cNvPr id="8" name="Content Placeholder 7"/>
+          <p:cNvSpPr>
+            <a:spLocks noGrp="1"/>
+          </p:cNvSpPr>
+          <p:nvPr>
+            <p:ph idx="1"/>
+          </p:nvPr>
+        </p:nvSpPr>
+        <p:spPr/>
+        <p:txBody>
+          <a:bodyPr/>
+          <a:lstStyle/>
+          <a:p>
+            <a:r>
+              <a:rPr lang="en-US" dirty="0" smtClean="0"/>
+              <a:t>One value</a:t>
+            </a:r>
+          </a:p>
+          <a:p>
+            <a:r>
+              <a:rPr lang="en-US" dirty="0" smtClean="0"/>
+              <a:t>Types:</a:t>
+            </a:r>
+          </a:p>
+          <a:p>
+            <a:pPr lvl="1"/>
+            <a:r>
+              <a:rPr lang="en-US" dirty="0" smtClean="0"/>
+              <a:t>Character: ‘a’</a:t>
+            </a:r>
+          </a:p>
+          <a:p>
+            <a:pPr lvl="1"/>
+            <a:r>
+              <a:rPr lang="en-US" dirty="0" smtClean="0"/>
+              <a:t>Numeric (decimal)</a:t>
+            </a:r>
+          </a:p>
+          <a:p>
+            <a:pPr lvl="1"/>
+            <a:r>
+              <a:rPr lang="en-US" dirty="0" smtClean="0"/>
+              <a:t>Integer</a:t>
+            </a:r>
+          </a:p>
+          <a:p>
+            <a:pPr lvl="1"/>
+            <a:r>
+              <a:rPr lang="en-US" dirty="0" smtClean="0"/>
+              <a:t>Logical: True or False</a:t>
+            </a:r>
+          </a:p>
+          <a:p>
+            <a:pPr lvl="1"/>
+            <a:r>
+              <a:rPr lang="en-US" dirty="0" smtClean="0"/>
+              <a:t>Complex</a:t>
+            </a:r>
+          </a:p>
+          <a:p>
+            <a:r>
+              <a:rPr lang="en-US" dirty="0" smtClean="0"/>
+              <a:t>Special missing value: NA</a:t>
+            </a:r>
+            <a:endParaRPr lang="en-US" dirty="0"/>
+          </a:p>
+        </p:txBody>
+      </p:sp>
+      <p:sp>
+        <p:nvSpPr>
+          <p:cNvPr id="4" name="Date Placeholder 3"/>
+          <p:cNvSpPr>
+            <a:spLocks noGrp="1"/>
+          </p:cNvSpPr>
+          <p:nvPr>
+            <p:ph type="dt" sz="half" idx="10"/>
+          </p:nvPr>
+        </p:nvSpPr>
+        <p:spPr/>
+        <p:txBody>
+          <a:bodyPr/>
+          <a:lstStyle/>
+          <a:p>
+            <a:fld id="{B08FEED8-D7D4-44E9-BFBC-ED06B5996D94}" type="datetime4">
+              <a:rPr lang="en-US" smtClean="0"/>
+              <a:t>June 25, 2019</a:t>
+            </a:fld>
+            <a:endParaRPr lang="en-US" dirty="0"/>
+          </a:p>
+        </p:txBody>
+      </p:sp>
+      <p:sp>
+        <p:nvSpPr>
+          <p:cNvPr id="5" name="Footer Placeholder 4"/>
+          <p:cNvSpPr>
+            <a:spLocks noGrp="1"/>
+          </p:cNvSpPr>
+          <p:nvPr>
+            <p:ph type="ftr" sz="quarter" idx="11"/>
+          </p:nvPr>
+        </p:nvSpPr>
+        <p:spPr/>
+        <p:txBody>
+          <a:bodyPr/>
+          <a:lstStyle/>
+          <a:p>
+            <a:r>
+              <a:rPr lang="en-US" smtClean="0"/>
+              <a:t>Digital Scholarship Services </a:t>
+            </a:r>
+            <a:r>
+              <a:rPr lang="en-US" smtClean="0">
+                <a:solidFill>
+                  <a:schemeClr val="accent1">
+                    <a:lumMod val="50000"/>
+                  </a:schemeClr>
+                </a:solidFill>
+              </a:rPr>
+              <a:t>| Email</a:t>
+            </a:r>
+            <a:r>
+              <a:rPr lang="en-US" smtClean="0"/>
+              <a:t> cf24@rice.edu </a:t>
+            </a:r>
+            <a:r>
+              <a:rPr lang="en-US" smtClean="0">
+                <a:solidFill>
+                  <a:schemeClr val="accent1">
+                    <a:lumMod val="50000"/>
+                  </a:schemeClr>
+                </a:solidFill>
+              </a:rPr>
+              <a:t>|</a:t>
+            </a:r>
+            <a:r>
+              <a:rPr lang="en-US" smtClean="0"/>
+              <a:t> library.rice.edu/dss</a:t>
+            </a:r>
+            <a:endParaRPr lang="en-US" dirty="0"/>
+          </a:p>
+        </p:txBody>
+      </p:sp>
+      <p:sp>
+        <p:nvSpPr>
+          <p:cNvPr id="6" name="Slide Number Placeholder 5"/>
+          <p:cNvSpPr>
+            <a:spLocks noGrp="1"/>
+          </p:cNvSpPr>
+          <p:nvPr>
+            <p:ph type="sldNum" sz="quarter" idx="12"/>
+          </p:nvPr>
+        </p:nvSpPr>
+        <p:spPr/>
+        <p:txBody>
+          <a:bodyPr/>
+          <a:lstStyle/>
+          <a:p>
+            <a:fld id="{D57F1E4F-1CFF-5643-939E-02111984F565}" type="slidenum">
+              <a:rPr lang="en-US" smtClean="0"/>
+              <a:t>9</a:t>
+            </a:fld>
+            <a:endParaRPr lang="en-US" dirty="0"/>
+          </a:p>
+        </p:txBody>
+      </p:sp>
+    </p:spTree>
+    <p:extLst>
+      <p:ext uri="{BB962C8B-B14F-4D97-AF65-F5344CB8AC3E}">
+        <p14:creationId xmlns:p14="http://schemas.microsoft.com/office/powerpoint/2010/main" val="3114974287"/>
       </p:ext>
     </p:extLst>
   </p:cSld>

--- a/introR/Introduction to R.pptx
+++ b/introR/Introduction to R.pptx
@@ -27,13 +27,13 @@
     <p:sldId id="279" r:id="rId18"/>
     <p:sldId id="288" r:id="rId19"/>
     <p:sldId id="287" r:id="rId20"/>
-    <p:sldId id="271" r:id="rId21"/>
-    <p:sldId id="289" r:id="rId22"/>
-    <p:sldId id="290" r:id="rId23"/>
-    <p:sldId id="267" r:id="rId24"/>
-    <p:sldId id="291" r:id="rId25"/>
-    <p:sldId id="293" r:id="rId26"/>
-    <p:sldId id="294" r:id="rId27"/>
+    <p:sldId id="267" r:id="rId21"/>
+    <p:sldId id="291" r:id="rId22"/>
+    <p:sldId id="293" r:id="rId23"/>
+    <p:sldId id="294" r:id="rId24"/>
+    <p:sldId id="301" r:id="rId25"/>
+    <p:sldId id="302" r:id="rId26"/>
+    <p:sldId id="303" r:id="rId27"/>
     <p:sldId id="272" r:id="rId28"/>
     <p:sldId id="295" r:id="rId29"/>
     <p:sldId id="296" r:id="rId30"/>
@@ -6078,8 +6078,19 @@
           <a:lstStyle/>
           <a:p>
             <a:r>
+              <a:rPr lang="en-US" dirty="0"/>
+              <a:t>READING </a:t>
+            </a:r>
+            <a:r>
               <a:rPr lang="en-US" dirty="0" smtClean="0"/>
-              <a:t>DATA MANIPULATION</a:t>
+              <a:t>AND </a:t>
+            </a:r>
+            <a:br>
+              <a:rPr lang="en-US" dirty="0" smtClean="0"/>
+            </a:br>
+            <a:r>
+              <a:rPr lang="en-US" dirty="0" smtClean="0"/>
+              <a:t>WRITING DATA</a:t>
             </a:r>
             <a:endParaRPr lang="en-US" dirty="0"/>
           </a:p>
@@ -6107,18 +6118,9 @@
           <a:lstStyle/>
           <a:p>
             <a:r>
-              <a:rPr lang="en-US" dirty="0" smtClean="0"/>
-              <a:t>Subsetting</a:t>
-            </a:r>
-            <a:r>
               <a:rPr lang="en-US" dirty="0"/>
-              <a:t> </a:t>
-            </a:r>
-            <a:r>
-              <a:rPr lang="en-US" dirty="0" smtClean="0"/>
-              <a:t>and filtering</a:t>
-            </a:r>
-            <a:endParaRPr lang="en-US" dirty="0"/>
+              <a:t>Excel, Comma-Separated and Tab-Separated Values, and more!</a:t>
+            </a:r>
           </a:p>
         </p:txBody>
       </p:sp>
@@ -6240,7 +6242,7 @@
     </p:spTree>
     <p:extLst>
       <p:ext uri="{BB962C8B-B14F-4D97-AF65-F5344CB8AC3E}">
-        <p14:creationId xmlns:p14="http://schemas.microsoft.com/office/powerpoint/2010/main" val="235569832"/>
+        <p14:creationId xmlns:p14="http://schemas.microsoft.com/office/powerpoint/2010/main" val="2581962988"/>
       </p:ext>
     </p:extLst>
   </p:cSld>
@@ -6284,7 +6286,7 @@
           <a:p>
             <a:r>
               <a:rPr lang="en-US" dirty="0" smtClean="0"/>
-              <a:t>SUBSETTING</a:t>
+              <a:t>COMMON FILE FORMATS</a:t>
             </a:r>
             <a:endParaRPr lang="en-US" dirty="0"/>
           </a:p>
@@ -6307,13 +6309,78 @@
           <a:p>
             <a:r>
               <a:rPr lang="en-US" dirty="0" smtClean="0"/>
-              <a:t>By Row:</a:t>
-            </a:r>
-          </a:p>
-          <a:p>
+              <a:t>Comma/Tab Separated Values: (.csv, .</a:t>
+            </a:r>
+            <a:r>
+              <a:rPr lang="en-US" dirty="0" err="1" smtClean="0"/>
+              <a:t>tsv</a:t>
+            </a:r>
             <a:r>
               <a:rPr lang="en-US" dirty="0" smtClean="0"/>
-              <a:t>By Column:</a:t>
+              <a:t>)</a:t>
+            </a:r>
+          </a:p>
+          <a:p>
+            <a:pPr lvl="1"/>
+            <a:r>
+              <a:rPr lang="en-US" dirty="0" smtClean="0"/>
+              <a:t>Example</a:t>
+            </a:r>
+          </a:p>
+          <a:p>
+            <a:r>
+              <a:rPr lang="en-US" dirty="0" smtClean="0"/>
+              <a:t>Excel files (.</a:t>
+            </a:r>
+            <a:r>
+              <a:rPr lang="en-US" dirty="0" err="1" smtClean="0"/>
+              <a:t>xlsx</a:t>
+            </a:r>
+            <a:r>
+              <a:rPr lang="en-US" dirty="0" smtClean="0"/>
+              <a:t>, .</a:t>
+            </a:r>
+            <a:r>
+              <a:rPr lang="en-US" dirty="0" err="1" smtClean="0"/>
+              <a:t>xls</a:t>
+            </a:r>
+            <a:r>
+              <a:rPr lang="en-US" dirty="0" smtClean="0"/>
+              <a:t>*)</a:t>
+            </a:r>
+          </a:p>
+          <a:p>
+            <a:r>
+              <a:rPr lang="en-US" dirty="0" smtClean="0"/>
+              <a:t>JSON (.</a:t>
+            </a:r>
+            <a:r>
+              <a:rPr lang="en-US" dirty="0" err="1" smtClean="0"/>
+              <a:t>json</a:t>
+            </a:r>
+            <a:r>
+              <a:rPr lang="en-US" dirty="0" smtClean="0"/>
+              <a:t>)</a:t>
+            </a:r>
+          </a:p>
+          <a:p>
+            <a:pPr lvl="1"/>
+            <a:r>
+              <a:rPr lang="en-US" dirty="0" smtClean="0"/>
+              <a:t>Example</a:t>
+            </a:r>
+          </a:p>
+          <a:p>
+            <a:r>
+              <a:rPr lang="en-US" dirty="0" smtClean="0"/>
+              <a:t>XML (.xml)</a:t>
+            </a:r>
+          </a:p>
+          <a:p>
+            <a:pPr lvl="1"/>
+            <a:r>
+              <a:rPr lang="en-US" dirty="0" smtClean="0"/>
+              <a:t>Example</a:t>
             </a:r>
             <a:endParaRPr lang="en-US" dirty="0"/>
           </a:p>
@@ -6419,7 +6486,7 @@
     </p:spTree>
     <p:extLst>
       <p:ext uri="{BB962C8B-B14F-4D97-AF65-F5344CB8AC3E}">
-        <p14:creationId xmlns:p14="http://schemas.microsoft.com/office/powerpoint/2010/main" val="2279848204"/>
+        <p14:creationId xmlns:p14="http://schemas.microsoft.com/office/powerpoint/2010/main" val="3674866452"/>
       </p:ext>
     </p:extLst>
   </p:cSld>
@@ -6463,7 +6530,7 @@
           <a:p>
             <a:r>
               <a:rPr lang="en-US" dirty="0" smtClean="0"/>
-              <a:t>FILTERING</a:t>
+              <a:t>READING FILE FORMATS</a:t>
             </a:r>
             <a:endParaRPr lang="en-US" dirty="0"/>
           </a:p>
@@ -6484,6 +6551,81 @@
           <a:bodyPr/>
           <a:lstStyle/>
           <a:p>
+            <a:r>
+              <a:rPr lang="en-US" dirty="0" smtClean="0"/>
+              <a:t>Comma/Tab Separated Values: (.csv, .</a:t>
+            </a:r>
+            <a:r>
+              <a:rPr lang="en-US" dirty="0" err="1" smtClean="0"/>
+              <a:t>tsv</a:t>
+            </a:r>
+            <a:r>
+              <a:rPr lang="en-US" dirty="0" smtClean="0"/>
+              <a:t>)</a:t>
+            </a:r>
+          </a:p>
+          <a:p>
+            <a:pPr lvl="1"/>
+            <a:r>
+              <a:rPr lang="en-US" dirty="0" smtClean="0"/>
+              <a:t>Read.csv</a:t>
+            </a:r>
+          </a:p>
+          <a:p>
+            <a:r>
+              <a:rPr lang="en-US" dirty="0" smtClean="0"/>
+              <a:t>Excel files (.</a:t>
+            </a:r>
+            <a:r>
+              <a:rPr lang="en-US" dirty="0" err="1" smtClean="0"/>
+              <a:t>xlsx</a:t>
+            </a:r>
+            <a:r>
+              <a:rPr lang="en-US" dirty="0" smtClean="0"/>
+              <a:t>, .</a:t>
+            </a:r>
+            <a:r>
+              <a:rPr lang="en-US" dirty="0" err="1" smtClean="0"/>
+              <a:t>xls</a:t>
+            </a:r>
+            <a:r>
+              <a:rPr lang="en-US" dirty="0" smtClean="0"/>
+              <a:t>*)</a:t>
+            </a:r>
+          </a:p>
+          <a:p>
+            <a:r>
+              <a:rPr lang="en-US" dirty="0" smtClean="0"/>
+              <a:t>JSON (.</a:t>
+            </a:r>
+            <a:r>
+              <a:rPr lang="en-US" dirty="0" err="1" smtClean="0"/>
+              <a:t>json</a:t>
+            </a:r>
+            <a:r>
+              <a:rPr lang="en-US" dirty="0" smtClean="0"/>
+              <a:t>)</a:t>
+            </a:r>
+          </a:p>
+          <a:p>
+            <a:pPr lvl="1"/>
+            <a:r>
+              <a:rPr lang="en-US" dirty="0" smtClean="0"/>
+              <a:t>Example</a:t>
+            </a:r>
+          </a:p>
+          <a:p>
+            <a:r>
+              <a:rPr lang="en-US" dirty="0" smtClean="0"/>
+              <a:t>XML (.xml)</a:t>
+            </a:r>
+          </a:p>
+          <a:p>
+            <a:pPr lvl="1"/>
+            <a:r>
+              <a:rPr lang="en-US" dirty="0" smtClean="0"/>
+              <a:t>Example</a:t>
+            </a:r>
             <a:endParaRPr lang="en-US" dirty="0"/>
           </a:p>
         </p:txBody>
@@ -6588,7 +6730,7 @@
     </p:spTree>
     <p:extLst>
       <p:ext uri="{BB962C8B-B14F-4D97-AF65-F5344CB8AC3E}">
-        <p14:creationId xmlns:p14="http://schemas.microsoft.com/office/powerpoint/2010/main" val="3865024361"/>
+        <p14:creationId xmlns:p14="http://schemas.microsoft.com/office/powerpoint/2010/main" val="472407328"/>
       </p:ext>
     </p:extLst>
   </p:cSld>
@@ -6617,13 +6759,7 @@
       </p:grpSpPr>
       <p:sp>
         <p:nvSpPr>
-          <p:cNvPr id="7" name="Title 6">
-            <a:extLst>
-              <a:ext uri="{FF2B5EF4-FFF2-40B4-BE49-F238E27FC236}">
-                <a16:creationId xmlns:a16="http://schemas.microsoft.com/office/drawing/2014/main" id="{184E2338-1026-45D4-9455-B21A88F18B28}"/>
-              </a:ext>
-            </a:extLst>
-          </p:cNvPr>
+          <p:cNvPr id="7" name="Title 6"/>
           <p:cNvSpPr>
             <a:spLocks noGrp="1"/>
           </p:cNvSpPr>
@@ -6637,61 +6773,110 @@
           <a:lstStyle/>
           <a:p>
             <a:r>
-              <a:rPr lang="en-US" dirty="0"/>
-              <a:t>READING </a:t>
-            </a:r>
-            <a:r>
               <a:rPr lang="en-US" dirty="0" smtClean="0"/>
-              <a:t>AND </a:t>
-            </a:r>
-            <a:br>
+              <a:t>WRITING FILE FORMATS</a:t>
+            </a:r>
+            <a:endParaRPr lang="en-US" dirty="0"/>
+          </a:p>
+        </p:txBody>
+      </p:sp>
+      <p:sp>
+        <p:nvSpPr>
+          <p:cNvPr id="8" name="Content Placeholder 7"/>
+          <p:cNvSpPr>
+            <a:spLocks noGrp="1"/>
+          </p:cNvSpPr>
+          <p:nvPr>
+            <p:ph idx="1"/>
+          </p:nvPr>
+        </p:nvSpPr>
+        <p:spPr/>
+        <p:txBody>
+          <a:bodyPr/>
+          <a:lstStyle/>
+          <a:p>
+            <a:r>
               <a:rPr lang="en-US" dirty="0" smtClean="0"/>
-            </a:br>
+              <a:t>Comma/Tab Separated Values: (.csv, .</a:t>
+            </a:r>
+            <a:r>
+              <a:rPr lang="en-US" dirty="0" err="1" smtClean="0"/>
+              <a:t>tsv</a:t>
+            </a:r>
             <a:r>
               <a:rPr lang="en-US" dirty="0" smtClean="0"/>
-              <a:t>WRITING DATA</a:t>
-            </a:r>
-            <a:endParaRPr lang="en-US" dirty="0"/>
-          </a:p>
-        </p:txBody>
-      </p:sp>
-      <p:sp>
-        <p:nvSpPr>
-          <p:cNvPr id="8" name="Text Placeholder 7">
-            <a:extLst>
-              <a:ext uri="{FF2B5EF4-FFF2-40B4-BE49-F238E27FC236}">
-                <a16:creationId xmlns:a16="http://schemas.microsoft.com/office/drawing/2014/main" id="{DB42CCAB-C8E2-48A8-A9DF-EB0383A8B33C}"/>
-              </a:ext>
-            </a:extLst>
-          </p:cNvPr>
-          <p:cNvSpPr>
-            <a:spLocks noGrp="1"/>
-          </p:cNvSpPr>
-          <p:nvPr>
-            <p:ph type="body" idx="1"/>
-          </p:nvPr>
-        </p:nvSpPr>
-        <p:spPr/>
-        <p:txBody>
-          <a:bodyPr/>
-          <a:lstStyle/>
-          <a:p>
-            <a:r>
-              <a:rPr lang="en-US" dirty="0"/>
-              <a:t>Excel, Comma-Separated and Tab-Separated Values, and more!</a:t>
-            </a:r>
-          </a:p>
-        </p:txBody>
-      </p:sp>
-      <p:sp>
-        <p:nvSpPr>
-          <p:cNvPr id="4" name="Date Placeholder 3">
-            <a:extLst>
-              <a:ext uri="{FF2B5EF4-FFF2-40B4-BE49-F238E27FC236}">
-                <a16:creationId xmlns:a16="http://schemas.microsoft.com/office/drawing/2014/main" id="{1CA94ACB-62A5-4F09-8C21-F0CE9BFB1606}"/>
-              </a:ext>
-            </a:extLst>
-          </p:cNvPr>
+              <a:t>)</a:t>
+            </a:r>
+          </a:p>
+          <a:p>
+            <a:pPr lvl="1"/>
+            <a:r>
+              <a:rPr lang="en-US" dirty="0" smtClean="0"/>
+              <a:t>Write.csv</a:t>
+            </a:r>
+          </a:p>
+          <a:p>
+            <a:r>
+              <a:rPr lang="en-US" dirty="0" smtClean="0"/>
+              <a:t>Excel files (.</a:t>
+            </a:r>
+            <a:r>
+              <a:rPr lang="en-US" dirty="0" err="1" smtClean="0"/>
+              <a:t>xlsx</a:t>
+            </a:r>
+            <a:r>
+              <a:rPr lang="en-US" dirty="0" smtClean="0"/>
+              <a:t>, .</a:t>
+            </a:r>
+            <a:r>
+              <a:rPr lang="en-US" dirty="0" err="1" smtClean="0"/>
+              <a:t>xls</a:t>
+            </a:r>
+            <a:r>
+              <a:rPr lang="en-US" dirty="0" smtClean="0"/>
+              <a:t>*)</a:t>
+            </a:r>
+          </a:p>
+          <a:p>
+            <a:r>
+              <a:rPr lang="en-US" dirty="0" smtClean="0"/>
+              <a:t>JSON (.</a:t>
+            </a:r>
+            <a:r>
+              <a:rPr lang="en-US" dirty="0" err="1" smtClean="0"/>
+              <a:t>json</a:t>
+            </a:r>
+            <a:r>
+              <a:rPr lang="en-US" dirty="0" smtClean="0"/>
+              <a:t>)</a:t>
+            </a:r>
+          </a:p>
+          <a:p>
+            <a:pPr lvl="1"/>
+            <a:r>
+              <a:rPr lang="en-US" dirty="0" smtClean="0"/>
+              <a:t>Example</a:t>
+            </a:r>
+          </a:p>
+          <a:p>
+            <a:r>
+              <a:rPr lang="en-US" dirty="0" smtClean="0"/>
+              <a:t>XML (.xml)</a:t>
+            </a:r>
+          </a:p>
+          <a:p>
+            <a:pPr lvl="1"/>
+            <a:r>
+              <a:rPr lang="en-US" dirty="0" smtClean="0"/>
+              <a:t>Example</a:t>
+            </a:r>
+            <a:endParaRPr lang="en-US" dirty="0"/>
+          </a:p>
+        </p:txBody>
+      </p:sp>
+      <p:sp>
+        <p:nvSpPr>
+          <p:cNvPr id="4" name="Date Placeholder 3"/>
           <p:cNvSpPr>
             <a:spLocks noGrp="1"/>
           </p:cNvSpPr>
@@ -6704,7 +6889,7 @@
           <a:bodyPr/>
           <a:lstStyle/>
           <a:p>
-            <a:fld id="{8AAE40A0-A7D8-4DC3-BC9E-BADA32DA2004}" type="datetime4">
+            <a:fld id="{B08FEED8-D7D4-44E9-BFBC-ED06B5996D94}" type="datetime4">
               <a:rPr lang="en-US" smtClean="0"/>
               <a:t>June 25, 2019</a:t>
             </a:fld>
@@ -6714,13 +6899,7 @@
       </p:sp>
       <p:sp>
         <p:nvSpPr>
-          <p:cNvPr id="5" name="Footer Placeholder 4">
-            <a:extLst>
-              <a:ext uri="{FF2B5EF4-FFF2-40B4-BE49-F238E27FC236}">
-                <a16:creationId xmlns:a16="http://schemas.microsoft.com/office/drawing/2014/main" id="{D20B02B0-893D-4696-B6F7-A126B8D18E99}"/>
-              </a:ext>
-            </a:extLst>
-          </p:cNvPr>
+          <p:cNvPr id="5" name="Footer Placeholder 4"/>
           <p:cNvSpPr>
             <a:spLocks noGrp="1"/>
           </p:cNvSpPr>
@@ -6734,11 +6913,11 @@
           <a:lstStyle/>
           <a:p>
             <a:r>
-              <a:rPr lang="en-US"/>
+              <a:rPr lang="en-US" smtClean="0"/>
               <a:t>Digital Scholarship Services </a:t>
             </a:r>
             <a:r>
-              <a:rPr lang="en-US">
+              <a:rPr lang="en-US" smtClean="0">
                 <a:solidFill>
                   <a:schemeClr val="accent1">
                     <a:lumMod val="50000"/>
@@ -6748,11 +6927,11 @@
               <a:t>| Email</a:t>
             </a:r>
             <a:r>
-              <a:rPr lang="en-US"/>
+              <a:rPr lang="en-US" smtClean="0"/>
               <a:t> cf24@rice.edu </a:t>
             </a:r>
             <a:r>
-              <a:rPr lang="en-US">
+              <a:rPr lang="en-US" smtClean="0">
                 <a:solidFill>
                   <a:schemeClr val="accent1">
                     <a:lumMod val="50000"/>
@@ -6762,7 +6941,7 @@
               <a:t>|</a:t>
             </a:r>
             <a:r>
-              <a:rPr lang="en-US"/>
+              <a:rPr lang="en-US" smtClean="0"/>
               <a:t> library.rice.edu/dss</a:t>
             </a:r>
             <a:endParaRPr lang="en-US" dirty="0"/>
@@ -6771,13 +6950,7 @@
       </p:sp>
       <p:sp>
         <p:nvSpPr>
-          <p:cNvPr id="6" name="Slide Number Placeholder 5">
-            <a:extLst>
-              <a:ext uri="{FF2B5EF4-FFF2-40B4-BE49-F238E27FC236}">
-                <a16:creationId xmlns:a16="http://schemas.microsoft.com/office/drawing/2014/main" id="{1CFDA495-0063-4571-8969-0DD770DB39E0}"/>
-              </a:ext>
-            </a:extLst>
-          </p:cNvPr>
+          <p:cNvPr id="6" name="Slide Number Placeholder 5"/>
           <p:cNvSpPr>
             <a:spLocks noGrp="1"/>
           </p:cNvSpPr>
@@ -6801,7 +6974,7 @@
     </p:spTree>
     <p:extLst>
       <p:ext uri="{BB962C8B-B14F-4D97-AF65-F5344CB8AC3E}">
-        <p14:creationId xmlns:p14="http://schemas.microsoft.com/office/powerpoint/2010/main" val="2581962988"/>
+        <p14:creationId xmlns:p14="http://schemas.microsoft.com/office/powerpoint/2010/main" val="880888547"/>
       </p:ext>
     </p:extLst>
   </p:cSld>
@@ -6830,7 +7003,13 @@
       </p:grpSpPr>
       <p:sp>
         <p:nvSpPr>
-          <p:cNvPr id="7" name="Title 6"/>
+          <p:cNvPr id="7" name="Title 6">
+            <a:extLst>
+              <a:ext uri="{FF2B5EF4-FFF2-40B4-BE49-F238E27FC236}">
+                <a16:creationId xmlns:a16="http://schemas.microsoft.com/office/drawing/2014/main" id="{184E2338-1026-45D4-9455-B21A88F18B28}"/>
+              </a:ext>
+            </a:extLst>
+          </p:cNvPr>
           <p:cNvSpPr>
             <a:spLocks noGrp="1"/>
           </p:cNvSpPr>
@@ -6845,20 +7024,26 @@
           <a:p>
             <a:r>
               <a:rPr lang="en-US" dirty="0" smtClean="0"/>
-              <a:t>COMMON FILE FORMATS</a:t>
-            </a:r>
-            <a:endParaRPr lang="en-US" dirty="0"/>
-          </a:p>
-        </p:txBody>
-      </p:sp>
-      <p:sp>
-        <p:nvSpPr>
-          <p:cNvPr id="8" name="Content Placeholder 7"/>
-          <p:cNvSpPr>
-            <a:spLocks noGrp="1"/>
-          </p:cNvSpPr>
-          <p:nvPr>
-            <p:ph idx="1"/>
+              <a:t>DATA MANIPULATION</a:t>
+            </a:r>
+            <a:endParaRPr lang="en-US" dirty="0"/>
+          </a:p>
+        </p:txBody>
+      </p:sp>
+      <p:sp>
+        <p:nvSpPr>
+          <p:cNvPr id="8" name="Text Placeholder 7">
+            <a:extLst>
+              <a:ext uri="{FF2B5EF4-FFF2-40B4-BE49-F238E27FC236}">
+                <a16:creationId xmlns:a16="http://schemas.microsoft.com/office/drawing/2014/main" id="{DB42CCAB-C8E2-48A8-A9DF-EB0383A8B33C}"/>
+              </a:ext>
+            </a:extLst>
+          </p:cNvPr>
+          <p:cNvSpPr>
+            <a:spLocks noGrp="1"/>
+          </p:cNvSpPr>
+          <p:nvPr>
+            <p:ph type="body" idx="1"/>
           </p:nvPr>
         </p:nvSpPr>
         <p:spPr/>
@@ -6868,86 +7053,29 @@
           <a:p>
             <a:r>
               <a:rPr lang="en-US" dirty="0" smtClean="0"/>
-              <a:t>Comma/Tab Separated Values: (.csv, .</a:t>
-            </a:r>
-            <a:r>
-              <a:rPr lang="en-US" dirty="0" err="1" smtClean="0"/>
-              <a:t>tsv</a:t>
+              <a:t>Subsetting</a:t>
+            </a:r>
+            <a:r>
+              <a:rPr lang="en-US" dirty="0"/>
+              <a:t> </a:t>
             </a:r>
             <a:r>
               <a:rPr lang="en-US" dirty="0" smtClean="0"/>
-              <a:t>)</a:t>
-            </a:r>
-          </a:p>
-          <a:p>
-            <a:pPr lvl="1"/>
-            <a:r>
-              <a:rPr lang="en-US" dirty="0" smtClean="0"/>
-              <a:t>Example</a:t>
-            </a:r>
-          </a:p>
-          <a:p>
-            <a:r>
-              <a:rPr lang="en-US" dirty="0" smtClean="0"/>
-              <a:t>Excel files (.</a:t>
-            </a:r>
-            <a:r>
-              <a:rPr lang="en-US" dirty="0" err="1" smtClean="0"/>
-              <a:t>xlsx</a:t>
-            </a:r>
-            <a:r>
-              <a:rPr lang="en-US" dirty="0" smtClean="0"/>
-              <a:t>, .</a:t>
-            </a:r>
-            <a:r>
-              <a:rPr lang="en-US" dirty="0" err="1" smtClean="0"/>
-              <a:t>xls</a:t>
-            </a:r>
-            <a:r>
-              <a:rPr lang="en-US" dirty="0" smtClean="0"/>
-              <a:t>*)</a:t>
-            </a:r>
-          </a:p>
-          <a:p>
-            <a:r>
-              <a:rPr lang="en-US" dirty="0" smtClean="0"/>
-              <a:t>JSON (.</a:t>
-            </a:r>
-            <a:r>
-              <a:rPr lang="en-US" dirty="0" err="1" smtClean="0"/>
-              <a:t>json</a:t>
-            </a:r>
-            <a:r>
-              <a:rPr lang="en-US" dirty="0" smtClean="0"/>
-              <a:t>)</a:t>
-            </a:r>
-          </a:p>
-          <a:p>
-            <a:pPr lvl="1"/>
-            <a:r>
-              <a:rPr lang="en-US" dirty="0" smtClean="0"/>
-              <a:t>Example</a:t>
-            </a:r>
-          </a:p>
-          <a:p>
-            <a:r>
-              <a:rPr lang="en-US" dirty="0" smtClean="0"/>
-              <a:t>XML (.xml)</a:t>
-            </a:r>
-          </a:p>
-          <a:p>
-            <a:pPr lvl="1"/>
-            <a:r>
-              <a:rPr lang="en-US" dirty="0" smtClean="0"/>
-              <a:t>Example</a:t>
-            </a:r>
-            <a:endParaRPr lang="en-US" dirty="0"/>
-          </a:p>
-        </p:txBody>
-      </p:sp>
-      <p:sp>
-        <p:nvSpPr>
-          <p:cNvPr id="4" name="Date Placeholder 3"/>
+              <a:t>and filtering</a:t>
+            </a:r>
+            <a:endParaRPr lang="en-US" dirty="0"/>
+          </a:p>
+        </p:txBody>
+      </p:sp>
+      <p:sp>
+        <p:nvSpPr>
+          <p:cNvPr id="4" name="Date Placeholder 3">
+            <a:extLst>
+              <a:ext uri="{FF2B5EF4-FFF2-40B4-BE49-F238E27FC236}">
+                <a16:creationId xmlns:a16="http://schemas.microsoft.com/office/drawing/2014/main" id="{1CA94ACB-62A5-4F09-8C21-F0CE9BFB1606}"/>
+              </a:ext>
+            </a:extLst>
+          </p:cNvPr>
           <p:cNvSpPr>
             <a:spLocks noGrp="1"/>
           </p:cNvSpPr>
@@ -6960,7 +7088,7 @@
           <a:bodyPr/>
           <a:lstStyle/>
           <a:p>
-            <a:fld id="{B08FEED8-D7D4-44E9-BFBC-ED06B5996D94}" type="datetime4">
+            <a:fld id="{8AAE40A0-A7D8-4DC3-BC9E-BADA32DA2004}" type="datetime4">
               <a:rPr lang="en-US" smtClean="0"/>
               <a:t>June 25, 2019</a:t>
             </a:fld>
@@ -6970,7 +7098,13 @@
       </p:sp>
       <p:sp>
         <p:nvSpPr>
-          <p:cNvPr id="5" name="Footer Placeholder 4"/>
+          <p:cNvPr id="5" name="Footer Placeholder 4">
+            <a:extLst>
+              <a:ext uri="{FF2B5EF4-FFF2-40B4-BE49-F238E27FC236}">
+                <a16:creationId xmlns:a16="http://schemas.microsoft.com/office/drawing/2014/main" id="{D20B02B0-893D-4696-B6F7-A126B8D18E99}"/>
+              </a:ext>
+            </a:extLst>
+          </p:cNvPr>
           <p:cNvSpPr>
             <a:spLocks noGrp="1"/>
           </p:cNvSpPr>
@@ -6984,11 +7118,11 @@
           <a:lstStyle/>
           <a:p>
             <a:r>
-              <a:rPr lang="en-US" smtClean="0"/>
+              <a:rPr lang="en-US"/>
               <a:t>Digital Scholarship Services </a:t>
             </a:r>
             <a:r>
-              <a:rPr lang="en-US" smtClean="0">
+              <a:rPr lang="en-US">
                 <a:solidFill>
                   <a:schemeClr val="accent1">
                     <a:lumMod val="50000"/>
@@ -6998,11 +7132,11 @@
               <a:t>| Email</a:t>
             </a:r>
             <a:r>
-              <a:rPr lang="en-US" smtClean="0"/>
+              <a:rPr lang="en-US"/>
               <a:t> cf24@rice.edu </a:t>
             </a:r>
             <a:r>
-              <a:rPr lang="en-US" smtClean="0">
+              <a:rPr lang="en-US">
                 <a:solidFill>
                   <a:schemeClr val="accent1">
                     <a:lumMod val="50000"/>
@@ -7012,7 +7146,7 @@
               <a:t>|</a:t>
             </a:r>
             <a:r>
-              <a:rPr lang="en-US" smtClean="0"/>
+              <a:rPr lang="en-US"/>
               <a:t> library.rice.edu/dss</a:t>
             </a:r>
             <a:endParaRPr lang="en-US" dirty="0"/>
@@ -7021,7 +7155,13 @@
       </p:sp>
       <p:sp>
         <p:nvSpPr>
-          <p:cNvPr id="6" name="Slide Number Placeholder 5"/>
+          <p:cNvPr id="6" name="Slide Number Placeholder 5">
+            <a:extLst>
+              <a:ext uri="{FF2B5EF4-FFF2-40B4-BE49-F238E27FC236}">
+                <a16:creationId xmlns:a16="http://schemas.microsoft.com/office/drawing/2014/main" id="{1CFDA495-0063-4571-8969-0DD770DB39E0}"/>
+              </a:ext>
+            </a:extLst>
+          </p:cNvPr>
           <p:cNvSpPr>
             <a:spLocks noGrp="1"/>
           </p:cNvSpPr>
@@ -7045,7 +7185,7 @@
     </p:spTree>
     <p:extLst>
       <p:ext uri="{BB962C8B-B14F-4D97-AF65-F5344CB8AC3E}">
-        <p14:creationId xmlns:p14="http://schemas.microsoft.com/office/powerpoint/2010/main" val="3674866452"/>
+        <p14:creationId xmlns:p14="http://schemas.microsoft.com/office/powerpoint/2010/main" val="495434477"/>
       </p:ext>
     </p:extLst>
   </p:cSld>
@@ -7089,7 +7229,7 @@
           <a:p>
             <a:r>
               <a:rPr lang="en-US" dirty="0" smtClean="0"/>
-              <a:t>READING FILE FORMATS</a:t>
+              <a:t>SUBSETTING</a:t>
             </a:r>
             <a:endParaRPr lang="en-US" dirty="0"/>
           </a:p>
@@ -7112,78 +7252,13 @@
           <a:p>
             <a:r>
               <a:rPr lang="en-US" dirty="0" smtClean="0"/>
-              <a:t>Comma/Tab Separated Values: (.csv, .</a:t>
-            </a:r>
-            <a:r>
-              <a:rPr lang="en-US" dirty="0" err="1" smtClean="0"/>
-              <a:t>tsv</a:t>
-            </a:r>
+              <a:t>By Row:</a:t>
+            </a:r>
+          </a:p>
+          <a:p>
             <a:r>
               <a:rPr lang="en-US" dirty="0" smtClean="0"/>
-              <a:t>)</a:t>
-            </a:r>
-          </a:p>
-          <a:p>
-            <a:pPr lvl="1"/>
-            <a:r>
-              <a:rPr lang="en-US" dirty="0" smtClean="0"/>
-              <a:t>Read.csv</a:t>
-            </a:r>
-          </a:p>
-          <a:p>
-            <a:r>
-              <a:rPr lang="en-US" dirty="0" smtClean="0"/>
-              <a:t>Excel files (.</a:t>
-            </a:r>
-            <a:r>
-              <a:rPr lang="en-US" dirty="0" err="1" smtClean="0"/>
-              <a:t>xlsx</a:t>
-            </a:r>
-            <a:r>
-              <a:rPr lang="en-US" dirty="0" smtClean="0"/>
-              <a:t>, .</a:t>
-            </a:r>
-            <a:r>
-              <a:rPr lang="en-US" dirty="0" err="1" smtClean="0"/>
-              <a:t>xls</a:t>
-            </a:r>
-            <a:r>
-              <a:rPr lang="en-US" dirty="0" smtClean="0"/>
-              <a:t>*)</a:t>
-            </a:r>
-          </a:p>
-          <a:p>
-            <a:r>
-              <a:rPr lang="en-US" dirty="0" smtClean="0"/>
-              <a:t>JSON (.</a:t>
-            </a:r>
-            <a:r>
-              <a:rPr lang="en-US" dirty="0" err="1" smtClean="0"/>
-              <a:t>json</a:t>
-            </a:r>
-            <a:r>
-              <a:rPr lang="en-US" dirty="0" smtClean="0"/>
-              <a:t>)</a:t>
-            </a:r>
-          </a:p>
-          <a:p>
-            <a:pPr lvl="1"/>
-            <a:r>
-              <a:rPr lang="en-US" dirty="0" smtClean="0"/>
-              <a:t>Example</a:t>
-            </a:r>
-          </a:p>
-          <a:p>
-            <a:r>
-              <a:rPr lang="en-US" dirty="0" smtClean="0"/>
-              <a:t>XML (.xml)</a:t>
-            </a:r>
-          </a:p>
-          <a:p>
-            <a:pPr lvl="1"/>
-            <a:r>
-              <a:rPr lang="en-US" dirty="0" smtClean="0"/>
-              <a:t>Example</a:t>
+              <a:t>By Column:</a:t>
             </a:r>
             <a:endParaRPr lang="en-US" dirty="0"/>
           </a:p>
@@ -7289,7 +7364,7 @@
     </p:spTree>
     <p:extLst>
       <p:ext uri="{BB962C8B-B14F-4D97-AF65-F5344CB8AC3E}">
-        <p14:creationId xmlns:p14="http://schemas.microsoft.com/office/powerpoint/2010/main" val="472407328"/>
+        <p14:creationId xmlns:p14="http://schemas.microsoft.com/office/powerpoint/2010/main" val="3381129877"/>
       </p:ext>
     </p:extLst>
   </p:cSld>
@@ -7333,7 +7408,7 @@
           <a:p>
             <a:r>
               <a:rPr lang="en-US" dirty="0" smtClean="0"/>
-              <a:t>WRITING FILE FORMATS</a:t>
+              <a:t>FILTERING</a:t>
             </a:r>
             <a:endParaRPr lang="en-US" dirty="0"/>
           </a:p>
@@ -7354,81 +7429,6 @@
           <a:bodyPr/>
           <a:lstStyle/>
           <a:p>
-            <a:r>
-              <a:rPr lang="en-US" dirty="0" smtClean="0"/>
-              <a:t>Comma/Tab Separated Values: (.csv, .</a:t>
-            </a:r>
-            <a:r>
-              <a:rPr lang="en-US" dirty="0" err="1" smtClean="0"/>
-              <a:t>tsv</a:t>
-            </a:r>
-            <a:r>
-              <a:rPr lang="en-US" dirty="0" smtClean="0"/>
-              <a:t>)</a:t>
-            </a:r>
-          </a:p>
-          <a:p>
-            <a:pPr lvl="1"/>
-            <a:r>
-              <a:rPr lang="en-US" dirty="0" smtClean="0"/>
-              <a:t>Write.csv</a:t>
-            </a:r>
-          </a:p>
-          <a:p>
-            <a:r>
-              <a:rPr lang="en-US" dirty="0" smtClean="0"/>
-              <a:t>Excel files (.</a:t>
-            </a:r>
-            <a:r>
-              <a:rPr lang="en-US" dirty="0" err="1" smtClean="0"/>
-              <a:t>xlsx</a:t>
-            </a:r>
-            <a:r>
-              <a:rPr lang="en-US" dirty="0" smtClean="0"/>
-              <a:t>, .</a:t>
-            </a:r>
-            <a:r>
-              <a:rPr lang="en-US" dirty="0" err="1" smtClean="0"/>
-              <a:t>xls</a:t>
-            </a:r>
-            <a:r>
-              <a:rPr lang="en-US" dirty="0" smtClean="0"/>
-              <a:t>*)</a:t>
-            </a:r>
-          </a:p>
-          <a:p>
-            <a:r>
-              <a:rPr lang="en-US" dirty="0" smtClean="0"/>
-              <a:t>JSON (.</a:t>
-            </a:r>
-            <a:r>
-              <a:rPr lang="en-US" dirty="0" err="1" smtClean="0"/>
-              <a:t>json</a:t>
-            </a:r>
-            <a:r>
-              <a:rPr lang="en-US" dirty="0" smtClean="0"/>
-              <a:t>)</a:t>
-            </a:r>
-          </a:p>
-          <a:p>
-            <a:pPr lvl="1"/>
-            <a:r>
-              <a:rPr lang="en-US" dirty="0" smtClean="0"/>
-              <a:t>Example</a:t>
-            </a:r>
-          </a:p>
-          <a:p>
-            <a:r>
-              <a:rPr lang="en-US" dirty="0" smtClean="0"/>
-              <a:t>XML (.xml)</a:t>
-            </a:r>
-          </a:p>
-          <a:p>
-            <a:pPr lvl="1"/>
-            <a:r>
-              <a:rPr lang="en-US" dirty="0" smtClean="0"/>
-              <a:t>Example</a:t>
-            </a:r>
             <a:endParaRPr lang="en-US" dirty="0"/>
           </a:p>
         </p:txBody>
@@ -7533,7 +7533,7 @@
     </p:spTree>
     <p:extLst>
       <p:ext uri="{BB962C8B-B14F-4D97-AF65-F5344CB8AC3E}">
-        <p14:creationId xmlns:p14="http://schemas.microsoft.com/office/powerpoint/2010/main" val="880888547"/>
+        <p14:creationId xmlns:p14="http://schemas.microsoft.com/office/powerpoint/2010/main" val="2527648360"/>
       </p:ext>
     </p:extLst>
   </p:cSld>

--- a/introR/Introduction to R.pptx
+++ b/introR/Introduction to R.pptx
@@ -5,7 +5,7 @@
     <p:sldMasterId id="2147483707" r:id="rId1"/>
   </p:sldMasterIdLst>
   <p:notesMasterIdLst>
-    <p:notesMasterId r:id="rId36"/>
+    <p:notesMasterId r:id="rId43"/>
   </p:notesMasterIdLst>
   <p:sldIdLst>
     <p:sldId id="266" r:id="rId2"/>
@@ -15,33 +15,40 @@
     <p:sldId id="273" r:id="rId6"/>
     <p:sldId id="277" r:id="rId7"/>
     <p:sldId id="280" r:id="rId8"/>
-    <p:sldId id="269" r:id="rId9"/>
-    <p:sldId id="281" r:id="rId10"/>
-    <p:sldId id="283" r:id="rId11"/>
-    <p:sldId id="282" r:id="rId12"/>
-    <p:sldId id="284" r:id="rId13"/>
-    <p:sldId id="285" r:id="rId14"/>
-    <p:sldId id="286" r:id="rId15"/>
-    <p:sldId id="276" r:id="rId16"/>
-    <p:sldId id="278" r:id="rId17"/>
-    <p:sldId id="279" r:id="rId18"/>
-    <p:sldId id="288" r:id="rId19"/>
-    <p:sldId id="287" r:id="rId20"/>
-    <p:sldId id="267" r:id="rId21"/>
-    <p:sldId id="291" r:id="rId22"/>
-    <p:sldId id="293" r:id="rId23"/>
-    <p:sldId id="294" r:id="rId24"/>
-    <p:sldId id="301" r:id="rId25"/>
-    <p:sldId id="302" r:id="rId26"/>
-    <p:sldId id="303" r:id="rId27"/>
-    <p:sldId id="272" r:id="rId28"/>
-    <p:sldId id="295" r:id="rId29"/>
-    <p:sldId id="296" r:id="rId30"/>
-    <p:sldId id="297" r:id="rId31"/>
-    <p:sldId id="270" r:id="rId32"/>
-    <p:sldId id="298" r:id="rId33"/>
-    <p:sldId id="299" r:id="rId34"/>
-    <p:sldId id="268" r:id="rId35"/>
+    <p:sldId id="276" r:id="rId9"/>
+    <p:sldId id="278" r:id="rId10"/>
+    <p:sldId id="279" r:id="rId11"/>
+    <p:sldId id="287" r:id="rId12"/>
+    <p:sldId id="269" r:id="rId13"/>
+    <p:sldId id="281" r:id="rId14"/>
+    <p:sldId id="283" r:id="rId15"/>
+    <p:sldId id="282" r:id="rId16"/>
+    <p:sldId id="308" r:id="rId17"/>
+    <p:sldId id="284" r:id="rId18"/>
+    <p:sldId id="307" r:id="rId19"/>
+    <p:sldId id="288" r:id="rId20"/>
+    <p:sldId id="286" r:id="rId21"/>
+    <p:sldId id="285" r:id="rId22"/>
+    <p:sldId id="267" r:id="rId23"/>
+    <p:sldId id="291" r:id="rId24"/>
+    <p:sldId id="293" r:id="rId25"/>
+    <p:sldId id="294" r:id="rId26"/>
+    <p:sldId id="304" r:id="rId27"/>
+    <p:sldId id="301" r:id="rId28"/>
+    <p:sldId id="302" r:id="rId29"/>
+    <p:sldId id="303" r:id="rId30"/>
+    <p:sldId id="309" r:id="rId31"/>
+    <p:sldId id="310" r:id="rId32"/>
+    <p:sldId id="305" r:id="rId33"/>
+    <p:sldId id="306" r:id="rId34"/>
+    <p:sldId id="272" r:id="rId35"/>
+    <p:sldId id="295" r:id="rId36"/>
+    <p:sldId id="296" r:id="rId37"/>
+    <p:sldId id="297" r:id="rId38"/>
+    <p:sldId id="270" r:id="rId39"/>
+    <p:sldId id="298" r:id="rId40"/>
+    <p:sldId id="299" r:id="rId41"/>
+    <p:sldId id="268" r:id="rId42"/>
   </p:sldIdLst>
   <p:sldSz cx="12192000" cy="6858000"/>
   <p:notesSz cx="6858000" cy="9144000"/>
@@ -156,192 +163,6 @@
 </p1510:revInfo>
 </file>
 
-<file path=ppt/changesInfos/changesInfo1.xml><?xml version="1.0" encoding="utf-8"?>
-<pc:chgInfo xmlns:a="http://schemas.openxmlformats.org/drawingml/2006/main" xmlns:r="http://schemas.openxmlformats.org/officeDocument/2006/relationships" xmlns:ac="http://schemas.microsoft.com/office/drawing/2013/main/command" xmlns:pc="http://schemas.microsoft.com/office/powerpoint/2013/main/command">
-  <pc:docChgLst>
-    <pc:chgData name="Corrin Fosmire" userId="a524964c-8ea2-4043-a42f-6197262f79fd" providerId="ADAL" clId="{D757F5B3-0678-46AB-8D95-A69C2A76921D}"/>
-    <pc:docChg chg="addSld modSld modMainMaster">
-      <pc:chgData name="Corrin Fosmire" userId="a524964c-8ea2-4043-a42f-6197262f79fd" providerId="ADAL" clId="{D757F5B3-0678-46AB-8D95-A69C2A76921D}" dt="2019-06-19T19:23:42.621" v="128" actId="20577"/>
-      <pc:docMkLst>
-        <pc:docMk/>
-      </pc:docMkLst>
-      <pc:sldChg chg="addSp delSp modSp add">
-        <pc:chgData name="Corrin Fosmire" userId="a524964c-8ea2-4043-a42f-6197262f79fd" providerId="ADAL" clId="{D757F5B3-0678-46AB-8D95-A69C2A76921D}" dt="2019-06-19T19:23:23.214" v="109" actId="20577"/>
-        <pc:sldMkLst>
-          <pc:docMk/>
-          <pc:sldMk cId="2581962988" sldId="267"/>
-        </pc:sldMkLst>
-        <pc:spChg chg="del">
-          <ac:chgData name="Corrin Fosmire" userId="a524964c-8ea2-4043-a42f-6197262f79fd" providerId="ADAL" clId="{D757F5B3-0678-46AB-8D95-A69C2A76921D}" dt="2019-06-19T19:21:13.072" v="12"/>
-          <ac:spMkLst>
-            <pc:docMk/>
-            <pc:sldMk cId="2581962988" sldId="267"/>
-            <ac:spMk id="2" creationId="{64FA5CC3-4314-494E-BD37-7E285AA2F203}"/>
-          </ac:spMkLst>
-        </pc:spChg>
-        <pc:spChg chg="del">
-          <ac:chgData name="Corrin Fosmire" userId="a524964c-8ea2-4043-a42f-6197262f79fd" providerId="ADAL" clId="{D757F5B3-0678-46AB-8D95-A69C2A76921D}" dt="2019-06-19T19:21:13.072" v="12"/>
-          <ac:spMkLst>
-            <pc:docMk/>
-            <pc:sldMk cId="2581962988" sldId="267"/>
-            <ac:spMk id="3" creationId="{B393D912-B3D7-4403-BF26-76E4FBF5C041}"/>
-          </ac:spMkLst>
-        </pc:spChg>
-        <pc:spChg chg="add mod">
-          <ac:chgData name="Corrin Fosmire" userId="a524964c-8ea2-4043-a42f-6197262f79fd" providerId="ADAL" clId="{D757F5B3-0678-46AB-8D95-A69C2A76921D}" dt="2019-06-19T19:23:05.153" v="51" actId="20577"/>
-          <ac:spMkLst>
-            <pc:docMk/>
-            <pc:sldMk cId="2581962988" sldId="267"/>
-            <ac:spMk id="7" creationId="{184E2338-1026-45D4-9455-B21A88F18B28}"/>
-          </ac:spMkLst>
-        </pc:spChg>
-        <pc:spChg chg="add mod">
-          <ac:chgData name="Corrin Fosmire" userId="a524964c-8ea2-4043-a42f-6197262f79fd" providerId="ADAL" clId="{D757F5B3-0678-46AB-8D95-A69C2A76921D}" dt="2019-06-19T19:23:23.214" v="109" actId="20577"/>
-          <ac:spMkLst>
-            <pc:docMk/>
-            <pc:sldMk cId="2581962988" sldId="267"/>
-            <ac:spMk id="8" creationId="{DB42CCAB-C8E2-48A8-A9DF-EB0383A8B33C}"/>
-          </ac:spMkLst>
-        </pc:spChg>
-      </pc:sldChg>
-      <pc:sldChg chg="addSp delSp modSp add">
-        <pc:chgData name="Corrin Fosmire" userId="a524964c-8ea2-4043-a42f-6197262f79fd" providerId="ADAL" clId="{D757F5B3-0678-46AB-8D95-A69C2A76921D}" dt="2019-06-19T19:23:42.621" v="128" actId="20577"/>
-        <pc:sldMkLst>
-          <pc:docMk/>
-          <pc:sldMk cId="1585568494" sldId="268"/>
-        </pc:sldMkLst>
-        <pc:spChg chg="del">
-          <ac:chgData name="Corrin Fosmire" userId="a524964c-8ea2-4043-a42f-6197262f79fd" providerId="ADAL" clId="{D757F5B3-0678-46AB-8D95-A69C2A76921D}" dt="2019-06-19T19:23:33.605" v="111"/>
-          <ac:spMkLst>
-            <pc:docMk/>
-            <pc:sldMk cId="1585568494" sldId="268"/>
-            <ac:spMk id="2" creationId="{57E082EF-2989-4405-AB46-60D34EB6198F}"/>
-          </ac:spMkLst>
-        </pc:spChg>
-        <pc:spChg chg="del">
-          <ac:chgData name="Corrin Fosmire" userId="a524964c-8ea2-4043-a42f-6197262f79fd" providerId="ADAL" clId="{D757F5B3-0678-46AB-8D95-A69C2A76921D}" dt="2019-06-19T19:23:33.605" v="111"/>
-          <ac:spMkLst>
-            <pc:docMk/>
-            <pc:sldMk cId="1585568494" sldId="268"/>
-            <ac:spMk id="3" creationId="{62B635A7-EC9C-4FFE-8E0A-921D1A64E9A4}"/>
-          </ac:spMkLst>
-        </pc:spChg>
-        <pc:spChg chg="add mod">
-          <ac:chgData name="Corrin Fosmire" userId="a524964c-8ea2-4043-a42f-6197262f79fd" providerId="ADAL" clId="{D757F5B3-0678-46AB-8D95-A69C2A76921D}" dt="2019-06-19T19:23:42.621" v="128" actId="20577"/>
-          <ac:spMkLst>
-            <pc:docMk/>
-            <pc:sldMk cId="1585568494" sldId="268"/>
-            <ac:spMk id="7" creationId="{495B4BC0-844B-4414-A623-BEF78AAC1BA1}"/>
-          </ac:spMkLst>
-        </pc:spChg>
-        <pc:spChg chg="add mod">
-          <ac:chgData name="Corrin Fosmire" userId="a524964c-8ea2-4043-a42f-6197262f79fd" providerId="ADAL" clId="{D757F5B3-0678-46AB-8D95-A69C2A76921D}" dt="2019-06-19T19:23:33.605" v="111"/>
-          <ac:spMkLst>
-            <pc:docMk/>
-            <pc:sldMk cId="1585568494" sldId="268"/>
-            <ac:spMk id="8" creationId="{2BED3EB3-7E98-4A82-8335-7321D9E37B16}"/>
-          </ac:spMkLst>
-        </pc:spChg>
-      </pc:sldChg>
-      <pc:sldMasterChg chg="modSldLayout">
-        <pc:chgData name="Corrin Fosmire" userId="a524964c-8ea2-4043-a42f-6197262f79fd" providerId="ADAL" clId="{D757F5B3-0678-46AB-8D95-A69C2A76921D}" dt="2019-06-19T19:22:27.400" v="17" actId="2711"/>
-        <pc:sldMasterMkLst>
-          <pc:docMk/>
-          <pc:sldMasterMk cId="900081173" sldId="2147483707"/>
-        </pc:sldMasterMkLst>
-        <pc:sldLayoutChg chg="addSp delSp modSp">
-          <pc:chgData name="Corrin Fosmire" userId="a524964c-8ea2-4043-a42f-6197262f79fd" providerId="ADAL" clId="{D757F5B3-0678-46AB-8D95-A69C2A76921D}" dt="2019-06-19T19:22:11.618" v="16" actId="2711"/>
-          <pc:sldLayoutMkLst>
-            <pc:docMk/>
-            <pc:sldMasterMk cId="900081173" sldId="2147483707"/>
-            <pc:sldLayoutMk cId="1808569555" sldId="2147483709"/>
-          </pc:sldLayoutMkLst>
-          <pc:spChg chg="mod">
-            <ac:chgData name="Corrin Fosmire" userId="a524964c-8ea2-4043-a42f-6197262f79fd" providerId="ADAL" clId="{D757F5B3-0678-46AB-8D95-A69C2A76921D}" dt="2019-06-19T19:22:11.618" v="16" actId="2711"/>
-            <ac:spMkLst>
-              <pc:docMk/>
-              <pc:sldMasterMk cId="900081173" sldId="2147483707"/>
-              <pc:sldLayoutMk cId="1808569555" sldId="2147483709"/>
-              <ac:spMk id="2" creationId="{00000000-0000-0000-0000-000000000000}"/>
-            </ac:spMkLst>
-          </pc:spChg>
-          <pc:picChg chg="del">
-            <ac:chgData name="Corrin Fosmire" userId="a524964c-8ea2-4043-a42f-6197262f79fd" providerId="ADAL" clId="{D757F5B3-0678-46AB-8D95-A69C2A76921D}" dt="2019-06-19T19:19:36.233" v="1" actId="478"/>
-            <ac:picMkLst>
-              <pc:docMk/>
-              <pc:sldMasterMk cId="900081173" sldId="2147483707"/>
-              <pc:sldLayoutMk cId="1808569555" sldId="2147483709"/>
-              <ac:picMk id="9" creationId="{93C9F7BD-F268-4C6C-A4D6-B43AB1E4A025}"/>
-            </ac:picMkLst>
-          </pc:picChg>
-          <pc:picChg chg="add mod">
-            <ac:chgData name="Corrin Fosmire" userId="a524964c-8ea2-4043-a42f-6197262f79fd" providerId="ADAL" clId="{D757F5B3-0678-46AB-8D95-A69C2A76921D}" dt="2019-06-19T19:20:01.592" v="3" actId="14100"/>
-            <ac:picMkLst>
-              <pc:docMk/>
-              <pc:sldMasterMk cId="900081173" sldId="2147483707"/>
-              <pc:sldLayoutMk cId="1808569555" sldId="2147483709"/>
-              <ac:picMk id="1026" creationId="{22F5568E-0FEC-41B2-BC84-B0C48CC4DEA1}"/>
-            </ac:picMkLst>
-          </pc:picChg>
-        </pc:sldLayoutChg>
-        <pc:sldLayoutChg chg="addSp delSp modSp">
-          <pc:chgData name="Corrin Fosmire" userId="a524964c-8ea2-4043-a42f-6197262f79fd" providerId="ADAL" clId="{D757F5B3-0678-46AB-8D95-A69C2A76921D}" dt="2019-06-19T19:22:27.400" v="17" actId="2711"/>
-          <pc:sldLayoutMkLst>
-            <pc:docMk/>
-            <pc:sldMasterMk cId="900081173" sldId="2147483707"/>
-            <pc:sldLayoutMk cId="49427724" sldId="2147483710"/>
-          </pc:sldLayoutMkLst>
-          <pc:spChg chg="mod">
-            <ac:chgData name="Corrin Fosmire" userId="a524964c-8ea2-4043-a42f-6197262f79fd" providerId="ADAL" clId="{D757F5B3-0678-46AB-8D95-A69C2A76921D}" dt="2019-06-19T19:22:27.400" v="17" actId="2711"/>
-            <ac:spMkLst>
-              <pc:docMk/>
-              <pc:sldMasterMk cId="900081173" sldId="2147483707"/>
-              <pc:sldLayoutMk cId="49427724" sldId="2147483710"/>
-              <ac:spMk id="2" creationId="{00000000-0000-0000-0000-000000000000}"/>
-            </ac:spMkLst>
-          </pc:spChg>
-          <pc:picChg chg="del mod">
-            <ac:chgData name="Corrin Fosmire" userId="a524964c-8ea2-4043-a42f-6197262f79fd" providerId="ADAL" clId="{D757F5B3-0678-46AB-8D95-A69C2A76921D}" dt="2019-06-19T19:20:27.436" v="8" actId="478"/>
-            <ac:picMkLst>
-              <pc:docMk/>
-              <pc:sldMasterMk cId="900081173" sldId="2147483707"/>
-              <pc:sldLayoutMk cId="49427724" sldId="2147483710"/>
-              <ac:picMk id="8" creationId="{4511FBB2-1A2A-41A5-9E35-F225C7338F5E}"/>
-            </ac:picMkLst>
-          </pc:picChg>
-          <pc:picChg chg="add mod">
-            <ac:chgData name="Corrin Fosmire" userId="a524964c-8ea2-4043-a42f-6197262f79fd" providerId="ADAL" clId="{D757F5B3-0678-46AB-8D95-A69C2A76921D}" dt="2019-06-19T19:20:58.046" v="10" actId="14100"/>
-            <ac:picMkLst>
-              <pc:docMk/>
-              <pc:sldMasterMk cId="900081173" sldId="2147483707"/>
-              <pc:sldLayoutMk cId="49427724" sldId="2147483710"/>
-              <ac:picMk id="2050" creationId="{3C2F255A-62D8-4526-AB18-ADD83C0FBA9A}"/>
-            </ac:picMkLst>
-          </pc:picChg>
-        </pc:sldLayoutChg>
-        <pc:sldLayoutChg chg="modSp">
-          <pc:chgData name="Corrin Fosmire" userId="a524964c-8ea2-4043-a42f-6197262f79fd" providerId="ADAL" clId="{D757F5B3-0678-46AB-8D95-A69C2A76921D}" dt="2019-06-19T19:21:57.180" v="15" actId="2711"/>
-          <pc:sldLayoutMkLst>
-            <pc:docMk/>
-            <pc:sldMasterMk cId="900081173" sldId="2147483707"/>
-            <pc:sldLayoutMk cId="554019197" sldId="2147483711"/>
-          </pc:sldLayoutMkLst>
-          <pc:spChg chg="mod">
-            <ac:chgData name="Corrin Fosmire" userId="a524964c-8ea2-4043-a42f-6197262f79fd" providerId="ADAL" clId="{D757F5B3-0678-46AB-8D95-A69C2A76921D}" dt="2019-06-19T19:21:57.180" v="15" actId="2711"/>
-            <ac:spMkLst>
-              <pc:docMk/>
-              <pc:sldMasterMk cId="900081173" sldId="2147483707"/>
-              <pc:sldLayoutMk cId="554019197" sldId="2147483711"/>
-              <ac:spMk id="2" creationId="{00000000-0000-0000-0000-000000000000}"/>
-            </ac:spMkLst>
-          </pc:spChg>
-        </pc:sldLayoutChg>
-      </pc:sldMasterChg>
-    </pc:docChg>
-  </pc:docChgLst>
-</pc:chgInfo>
-</file>
-
 <file path=ppt/notesMasters/notesMaster1.xml><?xml version="1.0" encoding="utf-8"?>
 <p:notesMaster xmlns:a="http://schemas.openxmlformats.org/drawingml/2006/main" xmlns:r="http://schemas.openxmlformats.org/officeDocument/2006/relationships" xmlns:p="http://schemas.openxmlformats.org/presentationml/2006/main">
   <p:cSld>
@@ -424,7 +245,7 @@
           <a:p>
             <a:fld id="{D46E3B93-8523-4DBC-8FC5-65A9B9CDE5EE}" type="datetimeFigureOut">
               <a:rPr lang="en-US" smtClean="0"/>
-              <a:t>6/25/2019</a:t>
+              <a:t>6/29/2019</a:t>
             </a:fld>
             <a:endParaRPr lang="en-US"/>
           </a:p>
@@ -820,7 +641,7 @@
           <a:p>
             <a:fld id="{CE8F6EB4-B6EF-44F6-BBD1-CD5E279CFAE2}" type="datetime4">
               <a:rPr lang="en-US" smtClean="0"/>
-              <a:t>June 25, 2019</a:t>
+              <a:t>June 29, 2019</a:t>
             </a:fld>
             <a:endParaRPr lang="en-US" dirty="0"/>
           </a:p>
@@ -992,7 +813,7 @@
           <a:p>
             <a:fld id="{8A405AA7-4C18-4A99-8AAA-8677C1976FC9}" type="datetime4">
               <a:rPr lang="en-US" smtClean="0"/>
-              <a:t>June 25, 2019</a:t>
+              <a:t>June 29, 2019</a:t>
             </a:fld>
             <a:endParaRPr lang="en-US" dirty="0"/>
           </a:p>
@@ -1174,7 +995,7 @@
           <a:p>
             <a:fld id="{4EA0D668-33DD-41B9-B668-7E7FF430C345}" type="datetime4">
               <a:rPr lang="en-US" smtClean="0"/>
-              <a:t>June 25, 2019</a:t>
+              <a:t>June 29, 2019</a:t>
             </a:fld>
             <a:endParaRPr lang="en-US" dirty="0"/>
           </a:p>
@@ -1357,7 +1178,7 @@
           <a:p>
             <a:fld id="{8AAE40A0-A7D8-4DC3-BC9E-BADA32DA2004}" type="datetime4">
               <a:rPr lang="en-US" smtClean="0"/>
-              <a:t>June 25, 2019</a:t>
+              <a:t>June 29, 2019</a:t>
             </a:fld>
             <a:endParaRPr lang="en-US" dirty="0"/>
           </a:p>
@@ -1692,7 +1513,7 @@
           <a:p>
             <a:fld id="{B08FEED8-D7D4-44E9-BFBC-ED06B5996D94}" type="datetime4">
               <a:rPr lang="en-US" smtClean="0"/>
-              <a:t>June 25, 2019</a:t>
+              <a:t>June 29, 2019</a:t>
             </a:fld>
             <a:endParaRPr lang="en-US" dirty="0"/>
           </a:p>
@@ -2010,7 +1831,7 @@
           <a:p>
             <a:fld id="{A143C325-9442-4629-8CC6-5CAC69736C93}" type="datetime4">
               <a:rPr lang="en-US" smtClean="0"/>
-              <a:t>June 25, 2019</a:t>
+              <a:t>June 29, 2019</a:t>
             </a:fld>
             <a:endParaRPr lang="en-US" dirty="0"/>
           </a:p>
@@ -2378,7 +2199,7 @@
           <a:p>
             <a:fld id="{EEDAFACB-3FED-4607-9FDD-34A82581A119}" type="datetime4">
               <a:rPr lang="en-US" smtClean="0"/>
-              <a:t>June 25, 2019</a:t>
+              <a:t>June 29, 2019</a:t>
             </a:fld>
             <a:endParaRPr lang="en-US" dirty="0"/>
           </a:p>
@@ -2499,7 +2320,7 @@
           <a:p>
             <a:fld id="{EC2805D6-2E3E-42F7-ABBA-DCD51C704328}" type="datetime4">
               <a:rPr lang="en-US" smtClean="0"/>
-              <a:t>June 25, 2019</a:t>
+              <a:t>June 29, 2019</a:t>
             </a:fld>
             <a:endParaRPr lang="en-US" dirty="0"/>
           </a:p>
@@ -2598,7 +2419,7 @@
           <a:p>
             <a:fld id="{7A745AAB-8888-45FB-8C4E-B86AF9A05200}" type="datetime4">
               <a:rPr lang="en-US" smtClean="0"/>
-              <a:t>June 25, 2019</a:t>
+              <a:t>June 29, 2019</a:t>
             </a:fld>
             <a:endParaRPr lang="en-US" dirty="0"/>
           </a:p>
@@ -2877,7 +2698,7 @@
           <a:p>
             <a:fld id="{9F896CED-8AFA-412F-B61A-472E6093CDBA}" type="datetime4">
               <a:rPr lang="en-US" smtClean="0"/>
-              <a:t>June 25, 2019</a:t>
+              <a:t>June 29, 2019</a:t>
             </a:fld>
             <a:endParaRPr lang="en-US" dirty="0"/>
           </a:p>
@@ -3136,7 +2957,7 @@
           <a:p>
             <a:fld id="{61078AB2-2970-444D-B1FF-A9F37FC020F5}" type="datetime4">
               <a:rPr lang="en-US" smtClean="0"/>
-              <a:t>June 25, 2019</a:t>
+              <a:t>June 29, 2019</a:t>
             </a:fld>
             <a:endParaRPr lang="en-US" dirty="0"/>
           </a:p>
@@ -3354,7 +3175,7 @@
           <a:p>
             <a:fld id="{1148AE1E-D441-45CD-8192-49B13802301D}" type="datetime4">
               <a:rPr lang="en-US" smtClean="0"/>
-              <a:t>June 25, 2019</a:t>
+              <a:t>June 29, 2019</a:t>
             </a:fld>
             <a:endParaRPr lang="en-US" dirty="0"/>
           </a:p>
@@ -3828,10 +3649,6 @@
               </a:rPr>
               <a:t>Introduction to </a:t>
             </a:r>
-            <a:r>
-              <a:rPr lang="en-US" b="1" dirty="0"/>
-              <a:t/>
-            </a:r>
             <a:br>
               <a:rPr lang="en-US" b="1" dirty="0"/>
             </a:br>
@@ -3844,14 +3661,6 @@
                 </a:solidFill>
               </a:rPr>
               <a:t>R and RStudio</a:t>
-            </a:r>
-            <a:r>
-              <a:rPr lang="en-US" sz="6600" dirty="0">
-                <a:solidFill>
-                  <a:srgbClr val="860000"/>
-                </a:solidFill>
-              </a:rPr>
-              <a:t/>
             </a:r>
             <a:br>
               <a:rPr lang="en-US" sz="6600" dirty="0">
@@ -4122,7 +3931,7 @@
       </p:grpSpPr>
       <p:sp>
         <p:nvSpPr>
-          <p:cNvPr id="2" name="Title 1"/>
+          <p:cNvPr id="7" name="Title 6"/>
           <p:cNvSpPr>
             <a:spLocks noGrp="1"/>
           </p:cNvSpPr>
@@ -4136,16 +3945,15 @@
           <a:lstStyle/>
           <a:p>
             <a:r>
-              <a:rPr lang="en-US" dirty="0" smtClean="0"/>
-              <a:t>VECTORS</a:t>
-            </a:r>
-            <a:endParaRPr lang="en-US" dirty="0"/>
-          </a:p>
-        </p:txBody>
-      </p:sp>
-      <p:sp>
-        <p:nvSpPr>
-          <p:cNvPr id="3" name="Content Placeholder 2"/>
+              <a:rPr lang="en-US" dirty="0"/>
+              <a:t>ASSIGNMENT</a:t>
+            </a:r>
+          </a:p>
+        </p:txBody>
+      </p:sp>
+      <p:sp>
+        <p:nvSpPr>
+          <p:cNvPr id="8" name="Content Placeholder 7"/>
           <p:cNvSpPr>
             <a:spLocks noGrp="1"/>
           </p:cNvSpPr>
@@ -4158,7 +3966,28 @@
           <a:bodyPr/>
           <a:lstStyle/>
           <a:p>
-            <a:endParaRPr lang="en-US"/>
+            <a:r>
+              <a:rPr lang="en-US" dirty="0"/>
+              <a:t>Naming a value for future use</a:t>
+            </a:r>
+          </a:p>
+          <a:p>
+            <a:r>
+              <a:rPr lang="en-US" dirty="0"/>
+              <a:t>Value can change!</a:t>
+            </a:r>
+          </a:p>
+          <a:p>
+            <a:endParaRPr lang="en-US" dirty="0"/>
+          </a:p>
+          <a:p>
+            <a:r>
+              <a:rPr lang="en-US" dirty="0">
+                <a:latin typeface="Courier New" panose="02070309020205020404" pitchFamily="49" charset="0"/>
+                <a:cs typeface="Courier New" panose="02070309020205020404" pitchFamily="49" charset="0"/>
+              </a:rPr>
+              <a:t>value &lt;- 5</a:t>
+            </a:r>
           </a:p>
         </p:txBody>
       </p:sp>
@@ -4177,9 +4006,9 @@
           <a:bodyPr/>
           <a:lstStyle/>
           <a:p>
-            <a:fld id="{8AAE40A0-A7D8-4DC3-BC9E-BADA32DA2004}" type="datetime4">
+            <a:fld id="{B08FEED8-D7D4-44E9-BFBC-ED06B5996D94}" type="datetime4">
               <a:rPr lang="en-US" smtClean="0"/>
-              <a:t>June 25, 2019</a:t>
+              <a:t>June 29, 2019</a:t>
             </a:fld>
             <a:endParaRPr lang="en-US" dirty="0"/>
           </a:p>
@@ -4201,11 +4030,11 @@
           <a:lstStyle/>
           <a:p>
             <a:r>
-              <a:rPr lang="en-US" smtClean="0"/>
+              <a:rPr lang="en-US"/>
               <a:t>Digital Scholarship Services </a:t>
             </a:r>
             <a:r>
-              <a:rPr lang="en-US" smtClean="0">
+              <a:rPr lang="en-US">
                 <a:solidFill>
                   <a:schemeClr val="accent1">
                     <a:lumMod val="50000"/>
@@ -4215,11 +4044,11 @@
               <a:t>| Email</a:t>
             </a:r>
             <a:r>
-              <a:rPr lang="en-US" smtClean="0"/>
+              <a:rPr lang="en-US"/>
               <a:t> cf24@rice.edu </a:t>
             </a:r>
             <a:r>
-              <a:rPr lang="en-US" smtClean="0">
+              <a:rPr lang="en-US">
                 <a:solidFill>
                   <a:schemeClr val="accent1">
                     <a:lumMod val="50000"/>
@@ -4229,7 +4058,7 @@
               <a:t>|</a:t>
             </a:r>
             <a:r>
-              <a:rPr lang="en-US" smtClean="0"/>
+              <a:rPr lang="en-US"/>
               <a:t> library.rice.edu/dss</a:t>
             </a:r>
             <a:endParaRPr lang="en-US" dirty="0"/>
@@ -4262,7 +4091,7 @@
     </p:spTree>
     <p:extLst>
       <p:ext uri="{BB962C8B-B14F-4D97-AF65-F5344CB8AC3E}">
-        <p14:creationId xmlns:p14="http://schemas.microsoft.com/office/powerpoint/2010/main" val="1676736011"/>
+        <p14:creationId xmlns:p14="http://schemas.microsoft.com/office/powerpoint/2010/main" val="124173911"/>
       </p:ext>
     </p:extLst>
   </p:cSld>
@@ -4305,10 +4134,9 @@
           <a:lstStyle/>
           <a:p>
             <a:r>
-              <a:rPr lang="en-US" dirty="0" smtClean="0"/>
-              <a:t>LISTS</a:t>
-            </a:r>
-            <a:endParaRPr lang="en-US" dirty="0"/>
+              <a:rPr lang="en-US" dirty="0"/>
+              <a:t>TYPE CONVERSION</a:t>
+            </a:r>
           </a:p>
         </p:txBody>
       </p:sp>
@@ -4327,7 +4155,73 @@
           <a:bodyPr/>
           <a:lstStyle/>
           <a:p>
-            <a:endParaRPr lang="en-US"/>
+            <a:r>
+              <a:rPr lang="en-US" dirty="0">
+                <a:latin typeface="Courier New" panose="02070309020205020404" pitchFamily="49" charset="0"/>
+                <a:cs typeface="Courier New" panose="02070309020205020404" pitchFamily="49" charset="0"/>
+              </a:rPr>
+              <a:t>as.(TYPE)</a:t>
+            </a:r>
+            <a:r>
+              <a:rPr lang="en-US" dirty="0">
+                <a:latin typeface="+mj-lt"/>
+                <a:cs typeface="Courier New" panose="02070309020205020404" pitchFamily="49" charset="0"/>
+              </a:rPr>
+              <a:t> </a:t>
+            </a:r>
+            <a:r>
+              <a:rPr lang="en-US" dirty="0">
+                <a:cs typeface="Courier New" panose="02070309020205020404" pitchFamily="49" charset="0"/>
+              </a:rPr>
+              <a:t>functions</a:t>
+            </a:r>
+          </a:p>
+          <a:p>
+            <a:pPr lvl="1"/>
+            <a:r>
+              <a:rPr lang="en-US" dirty="0">
+                <a:cs typeface="Courier New" panose="02070309020205020404" pitchFamily="49" charset="0"/>
+              </a:rPr>
+              <a:t>Example: </a:t>
+            </a:r>
+            <a:r>
+              <a:rPr lang="en-US" dirty="0">
+                <a:latin typeface="Courier New" panose="02070309020205020404" pitchFamily="49" charset="0"/>
+                <a:cs typeface="Courier New" panose="02070309020205020404" pitchFamily="49" charset="0"/>
+              </a:rPr>
+              <a:t> </a:t>
+            </a:r>
+            <a:r>
+              <a:rPr lang="en-US" dirty="0" err="1">
+                <a:latin typeface="Courier New" panose="02070309020205020404" pitchFamily="49" charset="0"/>
+                <a:cs typeface="Courier New" panose="02070309020205020404" pitchFamily="49" charset="0"/>
+              </a:rPr>
+              <a:t>as.integer</a:t>
+            </a:r>
+            <a:r>
+              <a:rPr lang="en-US" dirty="0">
+                <a:latin typeface="Courier New" panose="02070309020205020404" pitchFamily="49" charset="0"/>
+                <a:cs typeface="Courier New" panose="02070309020205020404" pitchFamily="49" charset="0"/>
+              </a:rPr>
+              <a:t>(3.3)</a:t>
+            </a:r>
+          </a:p>
+          <a:p>
+            <a:pPr lvl="1"/>
+            <a:r>
+              <a:rPr lang="en-US" dirty="0">
+                <a:cs typeface="Courier New" panose="02070309020205020404" pitchFamily="49" charset="0"/>
+              </a:rPr>
+              <a:t>Integer conversion always rounds down!</a:t>
+            </a:r>
+          </a:p>
+          <a:p>
+            <a:r>
+              <a:rPr lang="en-US" dirty="0">
+                <a:cs typeface="Courier New" panose="02070309020205020404" pitchFamily="49" charset="0"/>
+              </a:rPr>
+              <a:t>Especially useful for converting between various numeric types</a:t>
+            </a:r>
           </a:p>
         </p:txBody>
       </p:sp>
@@ -4348,7 +4242,7 @@
           <a:p>
             <a:fld id="{8AAE40A0-A7D8-4DC3-BC9E-BADA32DA2004}" type="datetime4">
               <a:rPr lang="en-US" smtClean="0"/>
-              <a:t>June 25, 2019</a:t>
+              <a:t>June 29, 2019</a:t>
             </a:fld>
             <a:endParaRPr lang="en-US" dirty="0"/>
           </a:p>
@@ -4370,11 +4264,11 @@
           <a:lstStyle/>
           <a:p>
             <a:r>
-              <a:rPr lang="en-US" smtClean="0"/>
+              <a:rPr lang="en-US"/>
               <a:t>Digital Scholarship Services </a:t>
             </a:r>
             <a:r>
-              <a:rPr lang="en-US" smtClean="0">
+              <a:rPr lang="en-US">
                 <a:solidFill>
                   <a:schemeClr val="accent1">
                     <a:lumMod val="50000"/>
@@ -4384,11 +4278,11 @@
               <a:t>| Email</a:t>
             </a:r>
             <a:r>
-              <a:rPr lang="en-US" smtClean="0"/>
+              <a:rPr lang="en-US"/>
               <a:t> cf24@rice.edu </a:t>
             </a:r>
             <a:r>
-              <a:rPr lang="en-US" smtClean="0">
+              <a:rPr lang="en-US">
                 <a:solidFill>
                   <a:schemeClr val="accent1">
                     <a:lumMod val="50000"/>
@@ -4398,7 +4292,7 @@
               <a:t>|</a:t>
             </a:r>
             <a:r>
-              <a:rPr lang="en-US" smtClean="0"/>
+              <a:rPr lang="en-US"/>
               <a:t> library.rice.edu/dss</a:t>
             </a:r>
             <a:endParaRPr lang="en-US" dirty="0"/>
@@ -4431,7 +4325,7 @@
     </p:spTree>
     <p:extLst>
       <p:ext uri="{BB962C8B-B14F-4D97-AF65-F5344CB8AC3E}">
-        <p14:creationId xmlns:p14="http://schemas.microsoft.com/office/powerpoint/2010/main" val="649588559"/>
+        <p14:creationId xmlns:p14="http://schemas.microsoft.com/office/powerpoint/2010/main" val="962083270"/>
       </p:ext>
     </p:extLst>
   </p:cSld>
@@ -4460,7 +4354,13 @@
       </p:grpSpPr>
       <p:sp>
         <p:nvSpPr>
-          <p:cNvPr id="7" name="Title 6"/>
+          <p:cNvPr id="7" name="Title 6">
+            <a:extLst>
+              <a:ext uri="{FF2B5EF4-FFF2-40B4-BE49-F238E27FC236}">
+                <a16:creationId xmlns:a16="http://schemas.microsoft.com/office/drawing/2014/main" id="{184E2338-1026-45D4-9455-B21A88F18B28}"/>
+              </a:ext>
+            </a:extLst>
+          </p:cNvPr>
           <p:cNvSpPr>
             <a:spLocks noGrp="1"/>
           </p:cNvSpPr>
@@ -4474,38 +4374,49 @@
           <a:lstStyle/>
           <a:p>
             <a:r>
-              <a:rPr lang="en-US" dirty="0" smtClean="0"/>
-              <a:t>MATRICES</a:t>
-            </a:r>
-            <a:endParaRPr lang="en-US" dirty="0"/>
-          </a:p>
-        </p:txBody>
-      </p:sp>
-      <p:sp>
-        <p:nvSpPr>
-          <p:cNvPr id="8" name="Content Placeholder 7"/>
-          <p:cNvSpPr>
-            <a:spLocks noGrp="1"/>
-          </p:cNvSpPr>
-          <p:nvPr>
-            <p:ph idx="1"/>
-          </p:nvPr>
-        </p:nvSpPr>
-        <p:spPr/>
-        <p:txBody>
-          <a:bodyPr/>
-          <a:lstStyle/>
-          <a:p>
-            <a:r>
-              <a:rPr lang="en-US" dirty="0" smtClean="0"/>
-              <a:t>Arrays: just matrices with the option to have more dimensions</a:t>
-            </a:r>
-          </a:p>
-        </p:txBody>
-      </p:sp>
-      <p:sp>
-        <p:nvSpPr>
-          <p:cNvPr id="4" name="Date Placeholder 3"/>
+              <a:rPr lang="en-US" dirty="0"/>
+              <a:t>DATA TYPES</a:t>
+            </a:r>
+          </a:p>
+        </p:txBody>
+      </p:sp>
+      <p:sp>
+        <p:nvSpPr>
+          <p:cNvPr id="8" name="Text Placeholder 7">
+            <a:extLst>
+              <a:ext uri="{FF2B5EF4-FFF2-40B4-BE49-F238E27FC236}">
+                <a16:creationId xmlns:a16="http://schemas.microsoft.com/office/drawing/2014/main" id="{DB42CCAB-C8E2-48A8-A9DF-EB0383A8B33C}"/>
+              </a:ext>
+            </a:extLst>
+          </p:cNvPr>
+          <p:cNvSpPr>
+            <a:spLocks noGrp="1"/>
+          </p:cNvSpPr>
+          <p:nvPr>
+            <p:ph type="body" idx="1"/>
+          </p:nvPr>
+        </p:nvSpPr>
+        <p:spPr/>
+        <p:txBody>
+          <a:bodyPr/>
+          <a:lstStyle/>
+          <a:p>
+            <a:r>
+              <a:rPr lang="en-US" dirty="0"/>
+              <a:t>Scalars, lists, arrays, matrices, factors, data frames, and vectors</a:t>
+            </a:r>
+          </a:p>
+        </p:txBody>
+      </p:sp>
+      <p:sp>
+        <p:nvSpPr>
+          <p:cNvPr id="4" name="Date Placeholder 3">
+            <a:extLst>
+              <a:ext uri="{FF2B5EF4-FFF2-40B4-BE49-F238E27FC236}">
+                <a16:creationId xmlns:a16="http://schemas.microsoft.com/office/drawing/2014/main" id="{1CA94ACB-62A5-4F09-8C21-F0CE9BFB1606}"/>
+              </a:ext>
+            </a:extLst>
+          </p:cNvPr>
           <p:cNvSpPr>
             <a:spLocks noGrp="1"/>
           </p:cNvSpPr>
@@ -4518,9 +4429,9 @@
           <a:bodyPr/>
           <a:lstStyle/>
           <a:p>
-            <a:fld id="{B08FEED8-D7D4-44E9-BFBC-ED06B5996D94}" type="datetime4">
+            <a:fld id="{8AAE40A0-A7D8-4DC3-BC9E-BADA32DA2004}" type="datetime4">
               <a:rPr lang="en-US" smtClean="0"/>
-              <a:t>June 25, 2019</a:t>
+              <a:t>June 29, 2019</a:t>
             </a:fld>
             <a:endParaRPr lang="en-US" dirty="0"/>
           </a:p>
@@ -4528,7 +4439,13 @@
       </p:sp>
       <p:sp>
         <p:nvSpPr>
-          <p:cNvPr id="5" name="Footer Placeholder 4"/>
+          <p:cNvPr id="5" name="Footer Placeholder 4">
+            <a:extLst>
+              <a:ext uri="{FF2B5EF4-FFF2-40B4-BE49-F238E27FC236}">
+                <a16:creationId xmlns:a16="http://schemas.microsoft.com/office/drawing/2014/main" id="{D20B02B0-893D-4696-B6F7-A126B8D18E99}"/>
+              </a:ext>
+            </a:extLst>
+          </p:cNvPr>
           <p:cNvSpPr>
             <a:spLocks noGrp="1"/>
           </p:cNvSpPr>
@@ -4542,11 +4459,11 @@
           <a:lstStyle/>
           <a:p>
             <a:r>
-              <a:rPr lang="en-US" smtClean="0"/>
+              <a:rPr lang="en-US"/>
               <a:t>Digital Scholarship Services </a:t>
             </a:r>
             <a:r>
-              <a:rPr lang="en-US" smtClean="0">
+              <a:rPr lang="en-US">
                 <a:solidFill>
                   <a:schemeClr val="accent1">
                     <a:lumMod val="50000"/>
@@ -4556,11 +4473,11 @@
               <a:t>| Email</a:t>
             </a:r>
             <a:r>
-              <a:rPr lang="en-US" smtClean="0"/>
+              <a:rPr lang="en-US"/>
               <a:t> cf24@rice.edu </a:t>
             </a:r>
             <a:r>
-              <a:rPr lang="en-US" smtClean="0">
+              <a:rPr lang="en-US">
                 <a:solidFill>
                   <a:schemeClr val="accent1">
                     <a:lumMod val="50000"/>
@@ -4570,7 +4487,7 @@
               <a:t>|</a:t>
             </a:r>
             <a:r>
-              <a:rPr lang="en-US" smtClean="0"/>
+              <a:rPr lang="en-US"/>
               <a:t> library.rice.edu/dss</a:t>
             </a:r>
             <a:endParaRPr lang="en-US" dirty="0"/>
@@ -4579,7 +4496,13 @@
       </p:sp>
       <p:sp>
         <p:nvSpPr>
-          <p:cNvPr id="6" name="Slide Number Placeholder 5"/>
+          <p:cNvPr id="6" name="Slide Number Placeholder 5">
+            <a:extLst>
+              <a:ext uri="{FF2B5EF4-FFF2-40B4-BE49-F238E27FC236}">
+                <a16:creationId xmlns:a16="http://schemas.microsoft.com/office/drawing/2014/main" id="{1CFDA495-0063-4571-8969-0DD770DB39E0}"/>
+              </a:ext>
+            </a:extLst>
+          </p:cNvPr>
           <p:cNvSpPr>
             <a:spLocks noGrp="1"/>
           </p:cNvSpPr>
@@ -4603,7 +4526,7 @@
     </p:spTree>
     <p:extLst>
       <p:ext uri="{BB962C8B-B14F-4D97-AF65-F5344CB8AC3E}">
-        <p14:creationId xmlns:p14="http://schemas.microsoft.com/office/powerpoint/2010/main" val="42512584"/>
+        <p14:creationId xmlns:p14="http://schemas.microsoft.com/office/powerpoint/2010/main" val="664499666"/>
       </p:ext>
     </p:extLst>
   </p:cSld>
@@ -4646,10 +4569,9 @@
           <a:lstStyle/>
           <a:p>
             <a:r>
-              <a:rPr lang="en-US" dirty="0" smtClean="0"/>
-              <a:t>DATA FRAME</a:t>
-            </a:r>
-            <a:endParaRPr lang="en-US" dirty="0"/>
+              <a:rPr lang="en-US" dirty="0"/>
+              <a:t>SCALARS</a:t>
+            </a:r>
           </a:p>
         </p:txBody>
       </p:sp>
@@ -4668,7 +4590,57 @@
           <a:bodyPr/>
           <a:lstStyle/>
           <a:p>
-            <a:endParaRPr lang="en-US" dirty="0" smtClean="0"/>
+            <a:r>
+              <a:rPr lang="en-US" dirty="0"/>
+              <a:t>One value</a:t>
+            </a:r>
+          </a:p>
+          <a:p>
+            <a:r>
+              <a:rPr lang="en-US" dirty="0"/>
+              <a:t>Types:</a:t>
+            </a:r>
+          </a:p>
+          <a:p>
+            <a:pPr lvl="1"/>
+            <a:r>
+              <a:rPr lang="en-US" dirty="0"/>
+              <a:t>Character: ‘a’</a:t>
+            </a:r>
+          </a:p>
+          <a:p>
+            <a:pPr lvl="1"/>
+            <a:r>
+              <a:rPr lang="en-US" dirty="0"/>
+              <a:t>Numeric (decimal)</a:t>
+            </a:r>
+          </a:p>
+          <a:p>
+            <a:pPr lvl="1"/>
+            <a:r>
+              <a:rPr lang="en-US" dirty="0"/>
+              <a:t>Integer</a:t>
+            </a:r>
+          </a:p>
+          <a:p>
+            <a:pPr lvl="1"/>
+            <a:r>
+              <a:rPr lang="en-US" dirty="0"/>
+              <a:t>Logical: True or False</a:t>
+            </a:r>
+          </a:p>
+          <a:p>
+            <a:pPr lvl="1"/>
+            <a:r>
+              <a:rPr lang="en-US" dirty="0"/>
+              <a:t>Complex</a:t>
+            </a:r>
+          </a:p>
+          <a:p>
+            <a:r>
+              <a:rPr lang="en-US" dirty="0"/>
+              <a:t>Special missing value: NA</a:t>
+            </a:r>
           </a:p>
         </p:txBody>
       </p:sp>
@@ -4689,7 +4661,7 @@
           <a:p>
             <a:fld id="{B08FEED8-D7D4-44E9-BFBC-ED06B5996D94}" type="datetime4">
               <a:rPr lang="en-US" smtClean="0"/>
-              <a:t>June 25, 2019</a:t>
+              <a:t>June 29, 2019</a:t>
             </a:fld>
             <a:endParaRPr lang="en-US" dirty="0"/>
           </a:p>
@@ -4711,11 +4683,11 @@
           <a:lstStyle/>
           <a:p>
             <a:r>
-              <a:rPr lang="en-US" smtClean="0"/>
+              <a:rPr lang="en-US"/>
               <a:t>Digital Scholarship Services </a:t>
             </a:r>
             <a:r>
-              <a:rPr lang="en-US" smtClean="0">
+              <a:rPr lang="en-US">
                 <a:solidFill>
                   <a:schemeClr val="accent1">
                     <a:lumMod val="50000"/>
@@ -4725,11 +4697,11 @@
               <a:t>| Email</a:t>
             </a:r>
             <a:r>
-              <a:rPr lang="en-US" smtClean="0"/>
+              <a:rPr lang="en-US"/>
               <a:t> cf24@rice.edu </a:t>
             </a:r>
             <a:r>
-              <a:rPr lang="en-US" smtClean="0">
+              <a:rPr lang="en-US">
                 <a:solidFill>
                   <a:schemeClr val="accent1">
                     <a:lumMod val="50000"/>
@@ -4739,7 +4711,7 @@
               <a:t>|</a:t>
             </a:r>
             <a:r>
-              <a:rPr lang="en-US" smtClean="0"/>
+              <a:rPr lang="en-US"/>
               <a:t> library.rice.edu/dss</a:t>
             </a:r>
             <a:endParaRPr lang="en-US" dirty="0"/>
@@ -4772,7 +4744,7 @@
     </p:spTree>
     <p:extLst>
       <p:ext uri="{BB962C8B-B14F-4D97-AF65-F5344CB8AC3E}">
-        <p14:creationId xmlns:p14="http://schemas.microsoft.com/office/powerpoint/2010/main" val="1772649559"/>
+        <p14:creationId xmlns:p14="http://schemas.microsoft.com/office/powerpoint/2010/main" val="143402286"/>
       </p:ext>
     </p:extLst>
   </p:cSld>
@@ -4801,7 +4773,7 @@
       </p:grpSpPr>
       <p:sp>
         <p:nvSpPr>
-          <p:cNvPr id="7" name="Title 6"/>
+          <p:cNvPr id="2" name="Title 1"/>
           <p:cNvSpPr>
             <a:spLocks noGrp="1"/>
           </p:cNvSpPr>
@@ -4815,16 +4787,15 @@
           <a:lstStyle/>
           <a:p>
             <a:r>
-              <a:rPr lang="en-US" dirty="0" smtClean="0"/>
-              <a:t>FACTORS</a:t>
-            </a:r>
-            <a:endParaRPr lang="en-US" dirty="0"/>
-          </a:p>
-        </p:txBody>
-      </p:sp>
-      <p:sp>
-        <p:nvSpPr>
-          <p:cNvPr id="8" name="Content Placeholder 7"/>
+              <a:rPr lang="en-US" dirty="0"/>
+              <a:t>ATOMIC VECTORS</a:t>
+            </a:r>
+          </a:p>
+        </p:txBody>
+      </p:sp>
+      <p:sp>
+        <p:nvSpPr>
+          <p:cNvPr id="3" name="Content Placeholder 2"/>
           <p:cNvSpPr>
             <a:spLocks noGrp="1"/>
           </p:cNvSpPr>
@@ -4837,7 +4808,123 @@
           <a:bodyPr/>
           <a:lstStyle/>
           <a:p>
-            <a:endParaRPr lang="en-US" dirty="0" smtClean="0"/>
+            <a:r>
+              <a:rPr lang="en-US" dirty="0"/>
+              <a:t>Fixed-length list of values of all the same type</a:t>
+            </a:r>
+          </a:p>
+          <a:p>
+            <a:r>
+              <a:rPr lang="en-US" dirty="0"/>
+              <a:t>Created with the </a:t>
+            </a:r>
+            <a:r>
+              <a:rPr lang="en-US" dirty="0">
+                <a:latin typeface="Courier New" panose="02070309020205020404" pitchFamily="49" charset="0"/>
+                <a:cs typeface="Courier New" panose="02070309020205020404" pitchFamily="49" charset="0"/>
+              </a:rPr>
+              <a:t>c()</a:t>
+            </a:r>
+            <a:r>
+              <a:rPr lang="en-US" dirty="0"/>
+              <a:t> function</a:t>
+            </a:r>
+          </a:p>
+          <a:p>
+            <a:r>
+              <a:rPr lang="en-US" dirty="0"/>
+              <a:t>Examples: </a:t>
+            </a:r>
+            <a:r>
+              <a:rPr lang="en-US" dirty="0">
+                <a:latin typeface="Courier New" panose="02070309020205020404" pitchFamily="49" charset="0"/>
+                <a:cs typeface="Courier New" panose="02070309020205020404" pitchFamily="49" charset="0"/>
+              </a:rPr>
+              <a:t>c(1, 2, 3), c(0.4, 0.5), c(“hello”, “hi”)</a:t>
+            </a:r>
+            <a:r>
+              <a:rPr lang="en-US" dirty="0">
+                <a:cs typeface="Courier New" panose="02070309020205020404" pitchFamily="49" charset="0"/>
+              </a:rPr>
+              <a:t>. NOT </a:t>
+            </a:r>
+            <a:r>
+              <a:rPr lang="en-US" dirty="0">
+                <a:latin typeface="Courier New" panose="02070309020205020404" pitchFamily="49" charset="0"/>
+                <a:cs typeface="Courier New" panose="02070309020205020404" pitchFamily="49" charset="0"/>
+              </a:rPr>
+              <a:t>c(1, “hello”)</a:t>
+            </a:r>
+            <a:r>
+              <a:rPr lang="en-US" dirty="0">
+                <a:cs typeface="Courier New" panose="02070309020205020404" pitchFamily="49" charset="0"/>
+              </a:rPr>
+              <a:t>!</a:t>
+            </a:r>
+            <a:endParaRPr lang="en-US" dirty="0">
+              <a:latin typeface="Courier New" panose="02070309020205020404" pitchFamily="49" charset="0"/>
+              <a:cs typeface="Courier New" panose="02070309020205020404" pitchFamily="49" charset="0"/>
+            </a:endParaRPr>
+          </a:p>
+          <a:p>
+            <a:r>
+              <a:rPr lang="en-US" dirty="0"/>
+              <a:t>Access by subscript. If </a:t>
+            </a:r>
+            <a:r>
+              <a:rPr lang="en-US" dirty="0">
+                <a:latin typeface="Courier New" panose="02070309020205020404" pitchFamily="49" charset="0"/>
+                <a:cs typeface="Courier New" panose="02070309020205020404" pitchFamily="49" charset="0"/>
+              </a:rPr>
+              <a:t>a </a:t>
+            </a:r>
+            <a:r>
+              <a:rPr lang="en-US" dirty="0">
+                <a:cs typeface="Courier New" panose="02070309020205020404" pitchFamily="49" charset="0"/>
+              </a:rPr>
+              <a:t>is a vector, </a:t>
+            </a:r>
+            <a:r>
+              <a:rPr lang="en-US" dirty="0">
+                <a:latin typeface="Courier New" panose="02070309020205020404" pitchFamily="49" charset="0"/>
+                <a:cs typeface="Courier New" panose="02070309020205020404" pitchFamily="49" charset="0"/>
+              </a:rPr>
+              <a:t>a[1] </a:t>
+            </a:r>
+            <a:r>
+              <a:rPr lang="en-US" dirty="0">
+                <a:cs typeface="Courier New" panose="02070309020205020404" pitchFamily="49" charset="0"/>
+              </a:rPr>
+              <a:t>returns the 1</a:t>
+            </a:r>
+            <a:r>
+              <a:rPr lang="en-US" baseline="30000" dirty="0">
+                <a:cs typeface="Courier New" panose="02070309020205020404" pitchFamily="49" charset="0"/>
+              </a:rPr>
+              <a:t>st</a:t>
+            </a:r>
+            <a:r>
+              <a:rPr lang="en-US" dirty="0">
+                <a:cs typeface="Courier New" panose="02070309020205020404" pitchFamily="49" charset="0"/>
+              </a:rPr>
+              <a:t> element.</a:t>
+            </a:r>
+          </a:p>
+          <a:p>
+            <a:r>
+              <a:rPr lang="en-US" dirty="0">
+                <a:cs typeface="Courier New" panose="02070309020205020404" pitchFamily="49" charset="0"/>
+              </a:rPr>
+              <a:t>Ranges: </a:t>
+            </a:r>
+            <a:r>
+              <a:rPr lang="en-US" dirty="0">
+                <a:latin typeface="Courier New" panose="02070309020205020404" pitchFamily="49" charset="0"/>
+                <a:cs typeface="Courier New" panose="02070309020205020404" pitchFamily="49" charset="0"/>
+              </a:rPr>
+              <a:t>1:14</a:t>
+            </a:r>
+            <a:endParaRPr lang="en-US" dirty="0"/>
           </a:p>
         </p:txBody>
       </p:sp>
@@ -4856,9 +4943,9 @@
           <a:bodyPr/>
           <a:lstStyle/>
           <a:p>
-            <a:fld id="{B08FEED8-D7D4-44E9-BFBC-ED06B5996D94}" type="datetime4">
+            <a:fld id="{8AAE40A0-A7D8-4DC3-BC9E-BADA32DA2004}" type="datetime4">
               <a:rPr lang="en-US" smtClean="0"/>
-              <a:t>June 25, 2019</a:t>
+              <a:t>June 29, 2019</a:t>
             </a:fld>
             <a:endParaRPr lang="en-US" dirty="0"/>
           </a:p>
@@ -4880,11 +4967,11 @@
           <a:lstStyle/>
           <a:p>
             <a:r>
-              <a:rPr lang="en-US" smtClean="0"/>
+              <a:rPr lang="en-US"/>
               <a:t>Digital Scholarship Services </a:t>
             </a:r>
             <a:r>
-              <a:rPr lang="en-US" smtClean="0">
+              <a:rPr lang="en-US">
                 <a:solidFill>
                   <a:schemeClr val="accent1">
                     <a:lumMod val="50000"/>
@@ -4894,11 +4981,11 @@
               <a:t>| Email</a:t>
             </a:r>
             <a:r>
-              <a:rPr lang="en-US" smtClean="0"/>
+              <a:rPr lang="en-US"/>
               <a:t> cf24@rice.edu </a:t>
             </a:r>
             <a:r>
-              <a:rPr lang="en-US" smtClean="0">
+              <a:rPr lang="en-US">
                 <a:solidFill>
                   <a:schemeClr val="accent1">
                     <a:lumMod val="50000"/>
@@ -4908,7 +4995,7 @@
               <a:t>|</a:t>
             </a:r>
             <a:r>
-              <a:rPr lang="en-US" smtClean="0"/>
+              <a:rPr lang="en-US"/>
               <a:t> library.rice.edu/dss</a:t>
             </a:r>
             <a:endParaRPr lang="en-US" dirty="0"/>
@@ -4941,7 +5028,7 @@
     </p:spTree>
     <p:extLst>
       <p:ext uri="{BB962C8B-B14F-4D97-AF65-F5344CB8AC3E}">
-        <p14:creationId xmlns:p14="http://schemas.microsoft.com/office/powerpoint/2010/main" val="3517897970"/>
+        <p14:creationId xmlns:p14="http://schemas.microsoft.com/office/powerpoint/2010/main" val="888473886"/>
       </p:ext>
     </p:extLst>
   </p:cSld>
@@ -4970,13 +5057,7 @@
       </p:grpSpPr>
       <p:sp>
         <p:nvSpPr>
-          <p:cNvPr id="7" name="Title 6">
-            <a:extLst>
-              <a:ext uri="{FF2B5EF4-FFF2-40B4-BE49-F238E27FC236}">
-                <a16:creationId xmlns:a16="http://schemas.microsoft.com/office/drawing/2014/main" id="{184E2338-1026-45D4-9455-B21A88F18B28}"/>
-              </a:ext>
-            </a:extLst>
-          </p:cNvPr>
+          <p:cNvPr id="2" name="Title 1"/>
           <p:cNvSpPr>
             <a:spLocks noGrp="1"/>
           </p:cNvSpPr>
@@ -4990,55 +5071,115 @@
           <a:lstStyle/>
           <a:p>
             <a:r>
-              <a:rPr lang="en-US" dirty="0" smtClean="0"/>
-              <a:t>SIMPLE OPERATIONS</a:t>
-            </a:r>
-            <a:endParaRPr lang="en-US" dirty="0"/>
-          </a:p>
-        </p:txBody>
-      </p:sp>
-      <p:sp>
-        <p:nvSpPr>
-          <p:cNvPr id="8" name="Text Placeholder 7">
-            <a:extLst>
-              <a:ext uri="{FF2B5EF4-FFF2-40B4-BE49-F238E27FC236}">
-                <a16:creationId xmlns:a16="http://schemas.microsoft.com/office/drawing/2014/main" id="{DB42CCAB-C8E2-48A8-A9DF-EB0383A8B33C}"/>
-              </a:ext>
-            </a:extLst>
-          </p:cNvPr>
-          <p:cNvSpPr>
-            <a:spLocks noGrp="1"/>
-          </p:cNvSpPr>
-          <p:nvPr>
-            <p:ph type="body" idx="1"/>
-          </p:nvPr>
-        </p:nvSpPr>
-        <p:spPr/>
-        <p:txBody>
-          <a:bodyPr/>
-          <a:lstStyle/>
-          <a:p>
-            <a:r>
-              <a:rPr lang="en-US" dirty="0" smtClean="0"/>
-              <a:t>Arithmetic, assignment, matrix multiplication, </a:t>
-            </a:r>
-            <a:r>
-              <a:rPr lang="en-US" dirty="0" smtClean="0"/>
-              <a:t>converting between types</a:t>
-            </a:r>
-            <a:endParaRPr lang="en-US" dirty="0"/>
-          </a:p>
-        </p:txBody>
-      </p:sp>
-      <p:sp>
-        <p:nvSpPr>
-          <p:cNvPr id="4" name="Date Placeholder 3">
-            <a:extLst>
-              <a:ext uri="{FF2B5EF4-FFF2-40B4-BE49-F238E27FC236}">
-                <a16:creationId xmlns:a16="http://schemas.microsoft.com/office/drawing/2014/main" id="{1CA94ACB-62A5-4F09-8C21-F0CE9BFB1606}"/>
-              </a:ext>
-            </a:extLst>
-          </p:cNvPr>
+              <a:rPr lang="en-US" dirty="0"/>
+              <a:t>LISTS</a:t>
+            </a:r>
+          </a:p>
+        </p:txBody>
+      </p:sp>
+      <p:sp>
+        <p:nvSpPr>
+          <p:cNvPr id="3" name="Content Placeholder 2"/>
+          <p:cNvSpPr>
+            <a:spLocks noGrp="1"/>
+          </p:cNvSpPr>
+          <p:nvPr>
+            <p:ph idx="1"/>
+          </p:nvPr>
+        </p:nvSpPr>
+        <p:spPr/>
+        <p:txBody>
+          <a:bodyPr/>
+          <a:lstStyle/>
+          <a:p>
+            <a:r>
+              <a:rPr lang="en-US" dirty="0"/>
+              <a:t>Variable list of values of any type</a:t>
+            </a:r>
+          </a:p>
+          <a:p>
+            <a:r>
+              <a:rPr lang="en-US" dirty="0"/>
+              <a:t>Created with the </a:t>
+            </a:r>
+            <a:r>
+              <a:rPr lang="en-US" dirty="0">
+                <a:latin typeface="Courier New" panose="02070309020205020404" pitchFamily="49" charset="0"/>
+                <a:cs typeface="Courier New" panose="02070309020205020404" pitchFamily="49" charset="0"/>
+              </a:rPr>
+              <a:t>list()</a:t>
+            </a:r>
+            <a:r>
+              <a:rPr lang="en-US" dirty="0"/>
+              <a:t> function</a:t>
+            </a:r>
+          </a:p>
+          <a:p>
+            <a:r>
+              <a:rPr lang="en-US" dirty="0"/>
+              <a:t>Examples: </a:t>
+            </a:r>
+            <a:r>
+              <a:rPr lang="en-US" dirty="0">
+                <a:latin typeface="Courier New" panose="02070309020205020404" pitchFamily="49" charset="0"/>
+                <a:cs typeface="Courier New" panose="02070309020205020404" pitchFamily="49" charset="0"/>
+              </a:rPr>
+              <a:t>list(1, 2, 3), c(0.4, 0.5), c(“hello”, “hi”), list(1, “hello”)</a:t>
+            </a:r>
+          </a:p>
+          <a:p>
+            <a:r>
+              <a:rPr lang="en-US" dirty="0"/>
+              <a:t>Access by subscript. If </a:t>
+            </a:r>
+            <a:r>
+              <a:rPr lang="en-US" dirty="0">
+                <a:latin typeface="Courier New" panose="02070309020205020404" pitchFamily="49" charset="0"/>
+                <a:cs typeface="Courier New" panose="02070309020205020404" pitchFamily="49" charset="0"/>
+              </a:rPr>
+              <a:t>a </a:t>
+            </a:r>
+            <a:r>
+              <a:rPr lang="en-US" dirty="0">
+                <a:cs typeface="Courier New" panose="02070309020205020404" pitchFamily="49" charset="0"/>
+              </a:rPr>
+              <a:t>is a vector, </a:t>
+            </a:r>
+            <a:r>
+              <a:rPr lang="en-US" dirty="0">
+                <a:latin typeface="Courier New" panose="02070309020205020404" pitchFamily="49" charset="0"/>
+                <a:cs typeface="Courier New" panose="02070309020205020404" pitchFamily="49" charset="0"/>
+              </a:rPr>
+              <a:t>a[1] </a:t>
+            </a:r>
+            <a:r>
+              <a:rPr lang="en-US" dirty="0">
+                <a:cs typeface="Courier New" panose="02070309020205020404" pitchFamily="49" charset="0"/>
+              </a:rPr>
+              <a:t>returns the 1</a:t>
+            </a:r>
+            <a:r>
+              <a:rPr lang="en-US" baseline="30000" dirty="0">
+                <a:cs typeface="Courier New" panose="02070309020205020404" pitchFamily="49" charset="0"/>
+              </a:rPr>
+              <a:t>st</a:t>
+            </a:r>
+            <a:r>
+              <a:rPr lang="en-US" dirty="0">
+                <a:cs typeface="Courier New" panose="02070309020205020404" pitchFamily="49" charset="0"/>
+              </a:rPr>
+              <a:t> element.</a:t>
+            </a:r>
+            <a:endParaRPr lang="en-US" dirty="0"/>
+          </a:p>
+          <a:p>
+            <a:endParaRPr lang="en-US" dirty="0"/>
+          </a:p>
+        </p:txBody>
+      </p:sp>
+      <p:sp>
+        <p:nvSpPr>
+          <p:cNvPr id="4" name="Date Placeholder 3"/>
           <p:cNvSpPr>
             <a:spLocks noGrp="1"/>
           </p:cNvSpPr>
@@ -5053,7 +5194,7 @@
           <a:p>
             <a:fld id="{8AAE40A0-A7D8-4DC3-BC9E-BADA32DA2004}" type="datetime4">
               <a:rPr lang="en-US" smtClean="0"/>
-              <a:t>June 25, 2019</a:t>
+              <a:t>June 29, 2019</a:t>
             </a:fld>
             <a:endParaRPr lang="en-US" dirty="0"/>
           </a:p>
@@ -5061,13 +5202,7 @@
       </p:sp>
       <p:sp>
         <p:nvSpPr>
-          <p:cNvPr id="5" name="Footer Placeholder 4">
-            <a:extLst>
-              <a:ext uri="{FF2B5EF4-FFF2-40B4-BE49-F238E27FC236}">
-                <a16:creationId xmlns:a16="http://schemas.microsoft.com/office/drawing/2014/main" id="{D20B02B0-893D-4696-B6F7-A126B8D18E99}"/>
-              </a:ext>
-            </a:extLst>
-          </p:cNvPr>
+          <p:cNvPr id="5" name="Footer Placeholder 4"/>
           <p:cNvSpPr>
             <a:spLocks noGrp="1"/>
           </p:cNvSpPr>
@@ -5118,13 +5253,7 @@
       </p:sp>
       <p:sp>
         <p:nvSpPr>
-          <p:cNvPr id="6" name="Slide Number Placeholder 5">
-            <a:extLst>
-              <a:ext uri="{FF2B5EF4-FFF2-40B4-BE49-F238E27FC236}">
-                <a16:creationId xmlns:a16="http://schemas.microsoft.com/office/drawing/2014/main" id="{1CFDA495-0063-4571-8969-0DD770DB39E0}"/>
-              </a:ext>
-            </a:extLst>
-          </p:cNvPr>
+          <p:cNvPr id="6" name="Slide Number Placeholder 5"/>
           <p:cNvSpPr>
             <a:spLocks noGrp="1"/>
           </p:cNvSpPr>
@@ -5148,7 +5277,7 @@
     </p:spTree>
     <p:extLst>
       <p:ext uri="{BB962C8B-B14F-4D97-AF65-F5344CB8AC3E}">
-        <p14:creationId xmlns:p14="http://schemas.microsoft.com/office/powerpoint/2010/main" val="564911064"/>
+        <p14:creationId xmlns:p14="http://schemas.microsoft.com/office/powerpoint/2010/main" val="388498116"/>
       </p:ext>
     </p:extLst>
   </p:cSld>
@@ -5177,7 +5306,7 @@
       </p:grpSpPr>
       <p:sp>
         <p:nvSpPr>
-          <p:cNvPr id="7" name="Title 6"/>
+          <p:cNvPr id="2" name="Title 1"/>
           <p:cNvSpPr>
             <a:spLocks noGrp="1"/>
           </p:cNvSpPr>
@@ -5191,16 +5320,15 @@
           <a:lstStyle/>
           <a:p>
             <a:r>
-              <a:rPr lang="en-US" dirty="0" smtClean="0"/>
-              <a:t>ARITHMETIC</a:t>
-            </a:r>
-            <a:endParaRPr lang="en-US" dirty="0"/>
-          </a:p>
-        </p:txBody>
-      </p:sp>
-      <p:sp>
-        <p:nvSpPr>
-          <p:cNvPr id="8" name="Content Placeholder 7"/>
+              <a:rPr lang="en-US" dirty="0"/>
+              <a:t>LISTS</a:t>
+            </a:r>
+          </a:p>
+        </p:txBody>
+      </p:sp>
+      <p:sp>
+        <p:nvSpPr>
+          <p:cNvPr id="3" name="Content Placeholder 2"/>
           <p:cNvSpPr>
             <a:spLocks noGrp="1"/>
           </p:cNvSpPr>
@@ -5210,31 +5338,138 @@
         </p:nvSpPr>
         <p:spPr/>
         <p:txBody>
-          <a:bodyPr/>
-          <a:lstStyle/>
-          <a:p>
-            <a:r>
-              <a:rPr lang="en-US" dirty="0" smtClean="0"/>
-              <a:t>Addition:</a:t>
-            </a:r>
-          </a:p>
-          <a:p>
-            <a:r>
-              <a:rPr lang="en-US" dirty="0" smtClean="0"/>
-              <a:t>Subtraction:</a:t>
-            </a:r>
-          </a:p>
-          <a:p>
-            <a:r>
-              <a:rPr lang="en-US" dirty="0" smtClean="0"/>
-              <a:t>Multiplication:</a:t>
-            </a:r>
-          </a:p>
-          <a:p>
-            <a:r>
-              <a:rPr lang="en-US" dirty="0" smtClean="0"/>
-              <a:t>Division:</a:t>
-            </a:r>
+          <a:bodyPr>
+            <a:normAutofit lnSpcReduction="10000"/>
+          </a:bodyPr>
+          <a:lstStyle/>
+          <a:p>
+            <a:r>
+              <a:rPr lang="en-US" dirty="0"/>
+              <a:t>Variable list of values of any type</a:t>
+            </a:r>
+          </a:p>
+          <a:p>
+            <a:r>
+              <a:rPr lang="en-US" dirty="0"/>
+              <a:t>Created with the </a:t>
+            </a:r>
+            <a:r>
+              <a:rPr lang="en-US" dirty="0">
+                <a:latin typeface="Courier New" panose="02070309020205020404" pitchFamily="49" charset="0"/>
+                <a:cs typeface="Courier New" panose="02070309020205020404" pitchFamily="49" charset="0"/>
+              </a:rPr>
+              <a:t>list()</a:t>
+            </a:r>
+            <a:r>
+              <a:rPr lang="en-US" dirty="0"/>
+              <a:t> function</a:t>
+            </a:r>
+          </a:p>
+          <a:p>
+            <a:r>
+              <a:rPr lang="en-US" dirty="0"/>
+              <a:t>Examples: </a:t>
+            </a:r>
+            <a:r>
+              <a:rPr lang="en-US" dirty="0">
+                <a:latin typeface="Courier New" panose="02070309020205020404" pitchFamily="49" charset="0"/>
+                <a:cs typeface="Courier New" panose="02070309020205020404" pitchFamily="49" charset="0"/>
+              </a:rPr>
+              <a:t>list(1, 2, 3), c(0.4, 0.5), c(“hello”, “hi”), list(1, “hello”)</a:t>
+            </a:r>
+          </a:p>
+          <a:p>
+            <a:r>
+              <a:rPr lang="en-US" dirty="0"/>
+              <a:t>Can always access by subscript. If </a:t>
+            </a:r>
+            <a:r>
+              <a:rPr lang="en-US" dirty="0">
+                <a:latin typeface="Courier New" panose="02070309020205020404" pitchFamily="49" charset="0"/>
+                <a:cs typeface="Courier New" panose="02070309020205020404" pitchFamily="49" charset="0"/>
+              </a:rPr>
+              <a:t>a </a:t>
+            </a:r>
+            <a:r>
+              <a:rPr lang="en-US" dirty="0">
+                <a:cs typeface="Courier New" panose="02070309020205020404" pitchFamily="49" charset="0"/>
+              </a:rPr>
+              <a:t>is a list, </a:t>
+            </a:r>
+            <a:r>
+              <a:rPr lang="en-US" dirty="0">
+                <a:latin typeface="Courier New" panose="02070309020205020404" pitchFamily="49" charset="0"/>
+                <a:cs typeface="Courier New" panose="02070309020205020404" pitchFamily="49" charset="0"/>
+              </a:rPr>
+              <a:t>a[[1]] </a:t>
+            </a:r>
+            <a:r>
+              <a:rPr lang="en-US" dirty="0">
+                <a:cs typeface="Courier New" panose="02070309020205020404" pitchFamily="49" charset="0"/>
+              </a:rPr>
+              <a:t>returns the 1</a:t>
+            </a:r>
+            <a:r>
+              <a:rPr lang="en-US" baseline="30000" dirty="0">
+                <a:cs typeface="Courier New" panose="02070309020205020404" pitchFamily="49" charset="0"/>
+              </a:rPr>
+              <a:t>st</a:t>
+            </a:r>
+            <a:r>
+              <a:rPr lang="en-US" dirty="0">
+                <a:cs typeface="Courier New" panose="02070309020205020404" pitchFamily="49" charset="0"/>
+              </a:rPr>
+              <a:t> element</a:t>
+            </a:r>
+          </a:p>
+          <a:p>
+            <a:r>
+              <a:rPr lang="en-US" dirty="0">
+                <a:cs typeface="Courier New" panose="02070309020205020404" pitchFamily="49" charset="0"/>
+              </a:rPr>
+              <a:t>Also, can access by giving custom names to values!</a:t>
+            </a:r>
+          </a:p>
+          <a:p>
+            <a:pPr lvl="1"/>
+            <a:r>
+              <a:rPr lang="en-US" dirty="0">
+                <a:latin typeface="Courier New" panose="02070309020205020404" pitchFamily="49" charset="0"/>
+                <a:cs typeface="Courier New" panose="02070309020205020404" pitchFamily="49" charset="0"/>
+              </a:rPr>
+              <a:t>ages &lt;- list(16, 17); names(ages) &lt;- c(“</a:t>
+            </a:r>
+            <a:r>
+              <a:rPr lang="en-US" dirty="0" err="1">
+                <a:latin typeface="Courier New" panose="02070309020205020404" pitchFamily="49" charset="0"/>
+                <a:cs typeface="Courier New" panose="02070309020205020404" pitchFamily="49" charset="0"/>
+              </a:rPr>
+              <a:t>steve</a:t>
+            </a:r>
+            <a:r>
+              <a:rPr lang="en-US" dirty="0">
+                <a:latin typeface="Courier New" panose="02070309020205020404" pitchFamily="49" charset="0"/>
+                <a:cs typeface="Courier New" panose="02070309020205020404" pitchFamily="49" charset="0"/>
+              </a:rPr>
+              <a:t>”, “tony”)</a:t>
+            </a:r>
+          </a:p>
+          <a:p>
+            <a:pPr lvl="1"/>
+            <a:r>
+              <a:rPr lang="en-US" dirty="0" err="1">
+                <a:latin typeface="Courier New" panose="02070309020205020404" pitchFamily="49" charset="0"/>
+                <a:cs typeface="Courier New" panose="02070309020205020404" pitchFamily="49" charset="0"/>
+              </a:rPr>
+              <a:t>ages$steve</a:t>
+            </a:r>
+            <a:endParaRPr lang="en-US" dirty="0">
+              <a:latin typeface="Courier New" panose="02070309020205020404" pitchFamily="49" charset="0"/>
+              <a:cs typeface="Courier New" panose="02070309020205020404" pitchFamily="49" charset="0"/>
+            </a:endParaRPr>
+          </a:p>
+          <a:p>
+            <a:endParaRPr lang="en-US" dirty="0"/>
           </a:p>
         </p:txBody>
       </p:sp>
@@ -5253,9 +5488,9 @@
           <a:bodyPr/>
           <a:lstStyle/>
           <a:p>
-            <a:fld id="{B08FEED8-D7D4-44E9-BFBC-ED06B5996D94}" type="datetime4">
+            <a:fld id="{8AAE40A0-A7D8-4DC3-BC9E-BADA32DA2004}" type="datetime4">
               <a:rPr lang="en-US" smtClean="0"/>
-              <a:t>June 25, 2019</a:t>
+              <a:t>June 29, 2019</a:t>
             </a:fld>
             <a:endParaRPr lang="en-US" dirty="0"/>
           </a:p>
@@ -5277,11 +5512,11 @@
           <a:lstStyle/>
           <a:p>
             <a:r>
-              <a:rPr lang="en-US" smtClean="0"/>
+              <a:rPr lang="en-US"/>
               <a:t>Digital Scholarship Services </a:t>
             </a:r>
             <a:r>
-              <a:rPr lang="en-US" smtClean="0">
+              <a:rPr lang="en-US">
                 <a:solidFill>
                   <a:schemeClr val="accent1">
                     <a:lumMod val="50000"/>
@@ -5291,11 +5526,11 @@
               <a:t>| Email</a:t>
             </a:r>
             <a:r>
-              <a:rPr lang="en-US" smtClean="0"/>
+              <a:rPr lang="en-US"/>
               <a:t> cf24@rice.edu </a:t>
             </a:r>
             <a:r>
-              <a:rPr lang="en-US" smtClean="0">
+              <a:rPr lang="en-US">
                 <a:solidFill>
                   <a:schemeClr val="accent1">
                     <a:lumMod val="50000"/>
@@ -5305,7 +5540,7 @@
               <a:t>|</a:t>
             </a:r>
             <a:r>
-              <a:rPr lang="en-US" smtClean="0"/>
+              <a:rPr lang="en-US"/>
               <a:t> library.rice.edu/dss</a:t>
             </a:r>
             <a:endParaRPr lang="en-US" dirty="0"/>
@@ -5338,7 +5573,7 @@
     </p:spTree>
     <p:extLst>
       <p:ext uri="{BB962C8B-B14F-4D97-AF65-F5344CB8AC3E}">
-        <p14:creationId xmlns:p14="http://schemas.microsoft.com/office/powerpoint/2010/main" val="1790401154"/>
+        <p14:creationId xmlns:p14="http://schemas.microsoft.com/office/powerpoint/2010/main" val="2905644330"/>
       </p:ext>
     </p:extLst>
   </p:cSld>
@@ -5381,42 +5616,196 @@
           <a:lstStyle/>
           <a:p>
             <a:r>
-              <a:rPr lang="en-US" dirty="0" smtClean="0"/>
-              <a:t>ASSIGNMENT</a:t>
-            </a:r>
-            <a:endParaRPr lang="en-US" dirty="0"/>
-          </a:p>
-        </p:txBody>
-      </p:sp>
-      <p:sp>
-        <p:nvSpPr>
-          <p:cNvPr id="8" name="Content Placeholder 7"/>
-          <p:cNvSpPr>
-            <a:spLocks noGrp="1"/>
-          </p:cNvSpPr>
-          <p:nvPr>
-            <p:ph idx="1"/>
-          </p:nvPr>
-        </p:nvSpPr>
-        <p:spPr/>
-        <p:txBody>
-          <a:bodyPr/>
-          <a:lstStyle/>
-          <a:p>
-            <a:r>
-              <a:rPr lang="en-US" dirty="0" smtClean="0"/>
-              <a:t>Naming a value</a:t>
-            </a:r>
-            <a:endParaRPr lang="en-US" dirty="0"/>
-          </a:p>
-          <a:p>
-            <a:r>
-              <a:rPr lang="en-US" dirty="0" smtClean="0"/>
-              <a:t>Name can change!</a:t>
-            </a:r>
-          </a:p>
-        </p:txBody>
-      </p:sp>
+              <a:rPr lang="en-US" dirty="0"/>
+              <a:t>MATRICES</a:t>
+            </a:r>
+          </a:p>
+        </p:txBody>
+      </p:sp>
+      <mc:AlternateContent xmlns:mc="http://schemas.openxmlformats.org/markup-compatibility/2006">
+        <mc:Choice xmlns:a14="http://schemas.microsoft.com/office/drawing/2010/main" Requires="a14">
+          <p:sp>
+            <p:nvSpPr>
+              <p:cNvPr id="8" name="Content Placeholder 7"/>
+              <p:cNvSpPr>
+                <a:spLocks noGrp="1"/>
+              </p:cNvSpPr>
+              <p:nvPr>
+                <p:ph idx="1"/>
+              </p:nvPr>
+            </p:nvSpPr>
+            <p:spPr/>
+            <p:txBody>
+              <a:bodyPr/>
+              <a:lstStyle/>
+              <a:p>
+                <a:r>
+                  <a:rPr lang="en-US" dirty="0"/>
+                  <a:t>Native support (uncommon in many programming languages!)</a:t>
+                </a:r>
+              </a:p>
+              <a:p>
+                <a:r>
+                  <a:rPr lang="en-US" dirty="0"/>
+                  <a:t>Initialize: provide list of values and number of rows or columns</a:t>
+                </a:r>
+              </a:p>
+              <a:p>
+                <a:r>
+                  <a:rPr lang="en-US" dirty="0"/>
+                  <a:t>Fills down a column first</a:t>
+                </a:r>
+              </a:p>
+              <a:p>
+                <a:pPr lvl="1"/>
+                <a:r>
+                  <a:rPr lang="en-US" dirty="0">
+                    <a:latin typeface="Courier New" panose="02070309020205020404" pitchFamily="49" charset="0"/>
+                    <a:cs typeface="Courier New" panose="02070309020205020404" pitchFamily="49" charset="0"/>
+                  </a:rPr>
+                  <a:t>matrix(1:4, </a:t>
+                </a:r>
+                <a:r>
+                  <a:rPr lang="en-US" dirty="0" err="1">
+                    <a:latin typeface="Courier New" panose="02070309020205020404" pitchFamily="49" charset="0"/>
+                    <a:cs typeface="Courier New" panose="02070309020205020404" pitchFamily="49" charset="0"/>
+                  </a:rPr>
+                  <a:t>nrow</a:t>
+                </a:r>
+                <a:r>
+                  <a:rPr lang="en-US" dirty="0">
+                    <a:latin typeface="Courier New" panose="02070309020205020404" pitchFamily="49" charset="0"/>
+                    <a:cs typeface="Courier New" panose="02070309020205020404" pitchFamily="49" charset="0"/>
+                  </a:rPr>
+                  <a:t> = 2) -&gt; </a:t>
+                </a:r>
+                <a14:m>
+                  <m:oMath xmlns:m="http://schemas.openxmlformats.org/officeDocument/2006/math">
+                    <m:d>
+                      <m:dPr>
+                        <m:begChr m:val="["/>
+                        <m:endChr m:val="]"/>
+                        <m:ctrlPr>
+                          <a:rPr lang="en-US" i="1" smtClean="0">
+                            <a:latin typeface="Cambria Math" panose="02040503050406030204" pitchFamily="18" charset="0"/>
+                            <a:cs typeface="Courier New" panose="02070309020205020404" pitchFamily="49" charset="0"/>
+                          </a:rPr>
+                        </m:ctrlPr>
+                      </m:dPr>
+                      <m:e>
+                        <m:m>
+                          <m:mPr>
+                            <m:mcs>
+                              <m:mc>
+                                <m:mcPr>
+                                  <m:count m:val="2"/>
+                                  <m:mcJc m:val="center"/>
+                                </m:mcPr>
+                              </m:mc>
+                            </m:mcs>
+                            <m:ctrlPr>
+                              <a:rPr lang="en-US" i="1" smtClean="0">
+                                <a:latin typeface="Cambria Math" panose="02040503050406030204" pitchFamily="18" charset="0"/>
+                                <a:cs typeface="Courier New" panose="02070309020205020404" pitchFamily="49" charset="0"/>
+                              </a:rPr>
+                            </m:ctrlPr>
+                          </m:mPr>
+                          <m:mr>
+                            <m:e>
+                              <m:r>
+                                <m:rPr>
+                                  <m:brk m:alnAt="7"/>
+                                </m:rPr>
+                                <a:rPr lang="en-US" b="0" i="1" smtClean="0">
+                                  <a:latin typeface="Cambria Math" panose="02040503050406030204" pitchFamily="18" charset="0"/>
+                                  <a:cs typeface="Courier New" panose="02070309020205020404" pitchFamily="49" charset="0"/>
+                                </a:rPr>
+                                <m:t>1</m:t>
+                              </m:r>
+                            </m:e>
+                            <m:e>
+                              <m:r>
+                                <a:rPr lang="en-US" b="0" i="1" smtClean="0">
+                                  <a:latin typeface="Cambria Math" panose="02040503050406030204" pitchFamily="18" charset="0"/>
+                                  <a:cs typeface="Courier New" panose="02070309020205020404" pitchFamily="49" charset="0"/>
+                                </a:rPr>
+                                <m:t>3</m:t>
+                              </m:r>
+                            </m:e>
+                          </m:mr>
+                          <m:mr>
+                            <m:e>
+                              <m:r>
+                                <a:rPr lang="en-US" b="0" i="1" smtClean="0">
+                                  <a:latin typeface="Cambria Math" panose="02040503050406030204" pitchFamily="18" charset="0"/>
+                                  <a:cs typeface="Courier New" panose="02070309020205020404" pitchFamily="49" charset="0"/>
+                                </a:rPr>
+                                <m:t>2</m:t>
+                              </m:r>
+                            </m:e>
+                            <m:e>
+                              <m:r>
+                                <a:rPr lang="en-US" b="0" i="1" smtClean="0">
+                                  <a:latin typeface="Cambria Math" panose="02040503050406030204" pitchFamily="18" charset="0"/>
+                                  <a:cs typeface="Courier New" panose="02070309020205020404" pitchFamily="49" charset="0"/>
+                                </a:rPr>
+                                <m:t>4</m:t>
+                              </m:r>
+                            </m:e>
+                          </m:mr>
+                        </m:m>
+                      </m:e>
+                    </m:d>
+                  </m:oMath>
+                </a14:m>
+                <a:endParaRPr lang="en-US" dirty="0">
+                  <a:latin typeface="Courier New" panose="02070309020205020404" pitchFamily="49" charset="0"/>
+                  <a:cs typeface="Courier New" panose="02070309020205020404" pitchFamily="49" charset="0"/>
+                </a:endParaRPr>
+              </a:p>
+              <a:p>
+                <a:r>
+                  <a:rPr lang="en-US" dirty="0"/>
+                  <a:t>Arrays: just matrices with the option to have more dimensions</a:t>
+                </a:r>
+              </a:p>
+            </p:txBody>
+          </p:sp>
+        </mc:Choice>
+        <mc:Fallback>
+          <p:sp>
+            <p:nvSpPr>
+              <p:cNvPr id="8" name="Content Placeholder 7"/>
+              <p:cNvSpPr>
+                <a:spLocks noGrp="1" noRot="1" noChangeAspect="1" noMove="1" noResize="1" noEditPoints="1" noAdjustHandles="1" noChangeArrowheads="1" noChangeShapeType="1" noTextEdit="1"/>
+              </p:cNvSpPr>
+              <p:nvPr>
+                <p:ph idx="1"/>
+              </p:nvPr>
+            </p:nvSpPr>
+            <p:spPr>
+              <a:blipFill>
+                <a:blip r:embed="rId2"/>
+                <a:stretch>
+                  <a:fillRect l="-1043" t="-2241"/>
+                </a:stretch>
+              </a:blipFill>
+            </p:spPr>
+            <p:txBody>
+              <a:bodyPr/>
+              <a:lstStyle/>
+              <a:p>
+                <a:r>
+                  <a:rPr lang="en-US">
+                    <a:noFill/>
+                  </a:rPr>
+                  <a:t> </a:t>
+                </a:r>
+              </a:p>
+            </p:txBody>
+          </p:sp>
+        </mc:Fallback>
+      </mc:AlternateContent>
       <p:sp>
         <p:nvSpPr>
           <p:cNvPr id="4" name="Date Placeholder 3"/>
@@ -5434,7 +5823,7 @@
           <a:p>
             <a:fld id="{B08FEED8-D7D4-44E9-BFBC-ED06B5996D94}" type="datetime4">
               <a:rPr lang="en-US" smtClean="0"/>
-              <a:t>June 25, 2019</a:t>
+              <a:t>June 29, 2019</a:t>
             </a:fld>
             <a:endParaRPr lang="en-US" dirty="0"/>
           </a:p>
@@ -5456,11 +5845,11 @@
           <a:lstStyle/>
           <a:p>
             <a:r>
-              <a:rPr lang="en-US" smtClean="0"/>
+              <a:rPr lang="en-US"/>
               <a:t>Digital Scholarship Services </a:t>
             </a:r>
             <a:r>
-              <a:rPr lang="en-US" smtClean="0">
+              <a:rPr lang="en-US">
                 <a:solidFill>
                   <a:schemeClr val="accent1">
                     <a:lumMod val="50000"/>
@@ -5470,11 +5859,11 @@
               <a:t>| Email</a:t>
             </a:r>
             <a:r>
-              <a:rPr lang="en-US" smtClean="0"/>
+              <a:rPr lang="en-US"/>
               <a:t> cf24@rice.edu </a:t>
             </a:r>
             <a:r>
-              <a:rPr lang="en-US" smtClean="0">
+              <a:rPr lang="en-US">
                 <a:solidFill>
                   <a:schemeClr val="accent1">
                     <a:lumMod val="50000"/>
@@ -5484,7 +5873,7 @@
               <a:t>|</a:t>
             </a:r>
             <a:r>
-              <a:rPr lang="en-US" smtClean="0"/>
+              <a:rPr lang="en-US"/>
               <a:t> library.rice.edu/dss</a:t>
             </a:r>
             <a:endParaRPr lang="en-US" dirty="0"/>
@@ -5517,7 +5906,7 @@
     </p:spTree>
     <p:extLst>
       <p:ext uri="{BB962C8B-B14F-4D97-AF65-F5344CB8AC3E}">
-        <p14:creationId xmlns:p14="http://schemas.microsoft.com/office/powerpoint/2010/main" val="124173911"/>
+        <p14:creationId xmlns:p14="http://schemas.microsoft.com/office/powerpoint/2010/main" val="1867989177"/>
       </p:ext>
     </p:extLst>
   </p:cSld>
@@ -5560,10 +5949,9 @@
           <a:lstStyle/>
           <a:p>
             <a:r>
-              <a:rPr lang="en-US" dirty="0" smtClean="0"/>
-              <a:t>MATRIX MULTIPLICATION</a:t>
-            </a:r>
-            <a:endParaRPr lang="en-US" dirty="0"/>
+              <a:rPr lang="en-US" dirty="0"/>
+              <a:t>ACCESSING MATRICES</a:t>
+            </a:r>
           </a:p>
         </p:txBody>
       </p:sp>
@@ -5582,7 +5970,111 @@
           <a:bodyPr/>
           <a:lstStyle/>
           <a:p>
-            <a:endParaRPr lang="en-US" dirty="0" smtClean="0"/>
+            <a:r>
+              <a:rPr lang="en-US" dirty="0"/>
+              <a:t>Given matrix mat</a:t>
+            </a:r>
+          </a:p>
+          <a:p>
+            <a:pPr lvl="1"/>
+            <a:r>
+              <a:rPr lang="en-US" dirty="0"/>
+              <a:t>Access one value:</a:t>
+            </a:r>
+          </a:p>
+          <a:p>
+            <a:pPr lvl="2"/>
+            <a:r>
+              <a:rPr lang="en-US" dirty="0"/>
+              <a:t>mat[3,4]: element in 3</a:t>
+            </a:r>
+            <a:r>
+              <a:rPr lang="en-US" baseline="30000" dirty="0"/>
+              <a:t>rd</a:t>
+            </a:r>
+            <a:r>
+              <a:rPr lang="en-US" dirty="0"/>
+              <a:t> row, 4</a:t>
+            </a:r>
+            <a:r>
+              <a:rPr lang="en-US" baseline="30000" dirty="0"/>
+              <a:t>th</a:t>
+            </a:r>
+            <a:r>
+              <a:rPr lang="en-US" dirty="0"/>
+              <a:t> column</a:t>
+            </a:r>
+          </a:p>
+          <a:p>
+            <a:pPr lvl="1"/>
+            <a:r>
+              <a:rPr lang="en-US" dirty="0"/>
+              <a:t>Access a column:</a:t>
+            </a:r>
+          </a:p>
+          <a:p>
+            <a:pPr lvl="2"/>
+            <a:r>
+              <a:rPr lang="en-US" dirty="0"/>
+              <a:t>mat[,3 ]: 3</a:t>
+            </a:r>
+            <a:r>
+              <a:rPr lang="en-US" baseline="30000" dirty="0"/>
+              <a:t>rd</a:t>
+            </a:r>
+            <a:r>
+              <a:rPr lang="en-US" dirty="0"/>
+              <a:t> column</a:t>
+            </a:r>
+          </a:p>
+          <a:p>
+            <a:pPr lvl="1"/>
+            <a:r>
+              <a:rPr lang="en-US" dirty="0"/>
+              <a:t>Access a row:</a:t>
+            </a:r>
+          </a:p>
+          <a:p>
+            <a:pPr lvl="2"/>
+            <a:r>
+              <a:rPr lang="en-US" dirty="0"/>
+              <a:t>mat[3,]: 3</a:t>
+            </a:r>
+            <a:r>
+              <a:rPr lang="en-US" baseline="30000" dirty="0"/>
+              <a:t>rd</a:t>
+            </a:r>
+            <a:r>
+              <a:rPr lang="en-US" dirty="0"/>
+              <a:t> row</a:t>
+            </a:r>
+          </a:p>
+          <a:p>
+            <a:pPr lvl="1"/>
+            <a:r>
+              <a:rPr lang="en-US" dirty="0"/>
+              <a:t>Access a range of rows or columns:</a:t>
+            </a:r>
+          </a:p>
+          <a:p>
+            <a:pPr lvl="2"/>
+            <a:r>
+              <a:rPr lang="en-US" dirty="0"/>
+              <a:t>mat[1:2, 3:5]</a:t>
+            </a:r>
+          </a:p>
+          <a:p>
+            <a:pPr lvl="3"/>
+            <a:r>
+              <a:rPr lang="en-US" dirty="0"/>
+              <a:t>First 2 rows, columns 3 to 5</a:t>
+            </a:r>
+          </a:p>
+          <a:p>
+            <a:r>
+              <a:rPr lang="en-US" dirty="0"/>
+              <a:t>Can save to these as well using assignment operator</a:t>
+            </a:r>
           </a:p>
         </p:txBody>
       </p:sp>
@@ -5603,7 +6095,7 @@
           <a:p>
             <a:fld id="{B08FEED8-D7D4-44E9-BFBC-ED06B5996D94}" type="datetime4">
               <a:rPr lang="en-US" smtClean="0"/>
-              <a:t>June 25, 2019</a:t>
+              <a:t>June 29, 2019</a:t>
             </a:fld>
             <a:endParaRPr lang="en-US" dirty="0"/>
           </a:p>
@@ -5625,11 +6117,11 @@
           <a:lstStyle/>
           <a:p>
             <a:r>
-              <a:rPr lang="en-US" smtClean="0"/>
+              <a:rPr lang="en-US"/>
               <a:t>Digital Scholarship Services </a:t>
             </a:r>
             <a:r>
-              <a:rPr lang="en-US" smtClean="0">
+              <a:rPr lang="en-US">
                 <a:solidFill>
                   <a:schemeClr val="accent1">
                     <a:lumMod val="50000"/>
@@ -5639,11 +6131,11 @@
               <a:t>| Email</a:t>
             </a:r>
             <a:r>
-              <a:rPr lang="en-US" smtClean="0"/>
+              <a:rPr lang="en-US"/>
               <a:t> cf24@rice.edu </a:t>
             </a:r>
             <a:r>
-              <a:rPr lang="en-US" smtClean="0">
+              <a:rPr lang="en-US">
                 <a:solidFill>
                   <a:schemeClr val="accent1">
                     <a:lumMod val="50000"/>
@@ -5653,7 +6145,7 @@
               <a:t>|</a:t>
             </a:r>
             <a:r>
-              <a:rPr lang="en-US" smtClean="0"/>
+              <a:rPr lang="en-US"/>
               <a:t> library.rice.edu/dss</a:t>
             </a:r>
             <a:endParaRPr lang="en-US" dirty="0"/>
@@ -5686,7 +6178,7 @@
     </p:spTree>
     <p:extLst>
       <p:ext uri="{BB962C8B-B14F-4D97-AF65-F5344CB8AC3E}">
-        <p14:creationId xmlns:p14="http://schemas.microsoft.com/office/powerpoint/2010/main" val="1038096362"/>
+        <p14:creationId xmlns:p14="http://schemas.microsoft.com/office/powerpoint/2010/main" val="3909088616"/>
       </p:ext>
     </p:extLst>
   </p:cSld>
@@ -5715,7 +6207,7 @@
       </p:grpSpPr>
       <p:sp>
         <p:nvSpPr>
-          <p:cNvPr id="2" name="Title 1"/>
+          <p:cNvPr id="7" name="Title 6"/>
           <p:cNvSpPr>
             <a:spLocks noGrp="1"/>
           </p:cNvSpPr>
@@ -5729,16 +6221,15 @@
           <a:lstStyle/>
           <a:p>
             <a:r>
-              <a:rPr lang="en-US" dirty="0" smtClean="0"/>
-              <a:t>TYPE CONVERSION</a:t>
-            </a:r>
-            <a:endParaRPr lang="en-US" dirty="0"/>
-          </a:p>
-        </p:txBody>
-      </p:sp>
-      <p:sp>
-        <p:nvSpPr>
-          <p:cNvPr id="3" name="Content Placeholder 2"/>
+              <a:rPr lang="en-US" dirty="0"/>
+              <a:t>MATRIX MULTIPLICATION</a:t>
+            </a:r>
+          </a:p>
+        </p:txBody>
+      </p:sp>
+      <p:sp>
+        <p:nvSpPr>
+          <p:cNvPr id="8" name="Content Placeholder 7"/>
           <p:cNvSpPr>
             <a:spLocks noGrp="1"/>
           </p:cNvSpPr>
@@ -5751,7 +6242,36 @@
           <a:bodyPr/>
           <a:lstStyle/>
           <a:p>
-            <a:endParaRPr lang="en-US"/>
+            <a:r>
+              <a:rPr lang="en-US" dirty="0"/>
+              <a:t>Uses %*% (don’t use *!)</a:t>
+            </a:r>
+          </a:p>
+          <a:p>
+            <a:r>
+              <a:rPr lang="en-US" dirty="0"/>
+              <a:t>Requires conformable dimensions</a:t>
+            </a:r>
+          </a:p>
+          <a:p>
+            <a:pPr lvl="1"/>
+            <a:r>
+              <a:rPr lang="en-US" dirty="0"/>
+              <a:t>Number of columns in first matrix = number of rows in second matrix</a:t>
+            </a:r>
+          </a:p>
+          <a:p>
+            <a:r>
+              <a:rPr lang="en-US" dirty="0"/>
+              <a:t>Extremely fast!</a:t>
+            </a:r>
+          </a:p>
+          <a:p>
+            <a:pPr lvl="1"/>
+            <a:r>
+              <a:rPr lang="en-US" dirty="0"/>
+              <a:t>Optimized libraries</a:t>
+            </a:r>
           </a:p>
         </p:txBody>
       </p:sp>
@@ -5770,9 +6290,9 @@
           <a:bodyPr/>
           <a:lstStyle/>
           <a:p>
-            <a:fld id="{8AAE40A0-A7D8-4DC3-BC9E-BADA32DA2004}" type="datetime4">
+            <a:fld id="{B08FEED8-D7D4-44E9-BFBC-ED06B5996D94}" type="datetime4">
               <a:rPr lang="en-US" smtClean="0"/>
-              <a:t>June 25, 2019</a:t>
+              <a:t>June 29, 2019</a:t>
             </a:fld>
             <a:endParaRPr lang="en-US" dirty="0"/>
           </a:p>
@@ -5794,11 +6314,11 @@
           <a:lstStyle/>
           <a:p>
             <a:r>
-              <a:rPr lang="en-US" smtClean="0"/>
+              <a:rPr lang="en-US"/>
               <a:t>Digital Scholarship Services </a:t>
             </a:r>
             <a:r>
-              <a:rPr lang="en-US" smtClean="0">
+              <a:rPr lang="en-US">
                 <a:solidFill>
                   <a:schemeClr val="accent1">
                     <a:lumMod val="50000"/>
@@ -5808,11 +6328,11 @@
               <a:t>| Email</a:t>
             </a:r>
             <a:r>
-              <a:rPr lang="en-US" smtClean="0"/>
+              <a:rPr lang="en-US"/>
               <a:t> cf24@rice.edu </a:t>
             </a:r>
             <a:r>
-              <a:rPr lang="en-US" smtClean="0">
+              <a:rPr lang="en-US">
                 <a:solidFill>
                   <a:schemeClr val="accent1">
                     <a:lumMod val="50000"/>
@@ -5822,7 +6342,7 @@
               <a:t>|</a:t>
             </a:r>
             <a:r>
-              <a:rPr lang="en-US" smtClean="0"/>
+              <a:rPr lang="en-US"/>
               <a:t> library.rice.edu/dss</a:t>
             </a:r>
             <a:endParaRPr lang="en-US" dirty="0"/>
@@ -5855,7 +6375,7 @@
     </p:spTree>
     <p:extLst>
       <p:ext uri="{BB962C8B-B14F-4D97-AF65-F5344CB8AC3E}">
-        <p14:creationId xmlns:p14="http://schemas.microsoft.com/office/powerpoint/2010/main" val="962083270"/>
+        <p14:creationId xmlns:p14="http://schemas.microsoft.com/office/powerpoint/2010/main" val="3324607040"/>
       </p:ext>
     </p:extLst>
   </p:cSld>
@@ -5946,7 +6466,7 @@
           <a:p>
             <a:fld id="{3686C9ED-58DA-41A6-B894-9B830C59600E}" type="datetime4">
               <a:rPr lang="en-US" smtClean="0"/>
-              <a:t>June 25, 2019</a:t>
+              <a:t>June 29, 2019</a:t>
             </a:fld>
             <a:endParaRPr lang="en-US" dirty="0"/>
           </a:p>
@@ -6003,26 +6523,21 @@
           </a:p>
           <a:p>
             <a:r>
-              <a:rPr lang="en-US" dirty="0" smtClean="0"/>
+              <a:rPr lang="en-US" dirty="0"/>
               <a:t>Data handling and storage</a:t>
             </a:r>
           </a:p>
           <a:p>
             <a:r>
               <a:rPr lang="en-US" dirty="0"/>
-              <a:t>P</a:t>
-            </a:r>
-            <a:r>
-              <a:rPr lang="en-US" dirty="0" smtClean="0"/>
-              <a:t>rogramming language</a:t>
-            </a:r>
-          </a:p>
-          <a:p>
-            <a:r>
-              <a:rPr lang="en-US" dirty="0" smtClean="0"/>
+              <a:t>Programming language</a:t>
+            </a:r>
+          </a:p>
+          <a:p>
+            <a:r>
+              <a:rPr lang="en-US" dirty="0"/>
               <a:t>Huge number of free packages give extended modeling, visualization, manipulation, and more capabilities</a:t>
             </a:r>
-            <a:endParaRPr lang="en-US" dirty="0"/>
           </a:p>
         </p:txBody>
       </p:sp>
@@ -6058,13 +6573,7 @@
       </p:grpSpPr>
       <p:sp>
         <p:nvSpPr>
-          <p:cNvPr id="7" name="Title 6">
-            <a:extLst>
-              <a:ext uri="{FF2B5EF4-FFF2-40B4-BE49-F238E27FC236}">
-                <a16:creationId xmlns:a16="http://schemas.microsoft.com/office/drawing/2014/main" id="{184E2338-1026-45D4-9455-B21A88F18B28}"/>
-              </a:ext>
-            </a:extLst>
-          </p:cNvPr>
+          <p:cNvPr id="7" name="Title 6"/>
           <p:cNvSpPr>
             <a:spLocks noGrp="1"/>
           </p:cNvSpPr>
@@ -6079,60 +6588,111 @@
           <a:p>
             <a:r>
               <a:rPr lang="en-US" dirty="0"/>
-              <a:t>READING </a:t>
-            </a:r>
-            <a:r>
-              <a:rPr lang="en-US" dirty="0" smtClean="0"/>
-              <a:t>AND </a:t>
-            </a:r>
-            <a:br>
-              <a:rPr lang="en-US" dirty="0" smtClean="0"/>
-            </a:br>
-            <a:r>
-              <a:rPr lang="en-US" dirty="0" smtClean="0"/>
-              <a:t>WRITING DATA</a:t>
-            </a:r>
-            <a:endParaRPr lang="en-US" dirty="0"/>
-          </a:p>
-        </p:txBody>
-      </p:sp>
-      <p:sp>
-        <p:nvSpPr>
-          <p:cNvPr id="8" name="Text Placeholder 7">
-            <a:extLst>
-              <a:ext uri="{FF2B5EF4-FFF2-40B4-BE49-F238E27FC236}">
-                <a16:creationId xmlns:a16="http://schemas.microsoft.com/office/drawing/2014/main" id="{DB42CCAB-C8E2-48A8-A9DF-EB0383A8B33C}"/>
-              </a:ext>
-            </a:extLst>
-          </p:cNvPr>
-          <p:cNvSpPr>
-            <a:spLocks noGrp="1"/>
-          </p:cNvSpPr>
-          <p:nvPr>
-            <p:ph type="body" idx="1"/>
-          </p:nvPr>
-        </p:nvSpPr>
-        <p:spPr/>
-        <p:txBody>
-          <a:bodyPr/>
-          <a:lstStyle/>
-          <a:p>
-            <a:r>
-              <a:rPr lang="en-US" dirty="0"/>
-              <a:t>Excel, Comma-Separated and Tab-Separated Values, and more!</a:t>
-            </a:r>
-          </a:p>
-        </p:txBody>
-      </p:sp>
-      <p:sp>
-        <p:nvSpPr>
-          <p:cNvPr id="4" name="Date Placeholder 3">
-            <a:extLst>
-              <a:ext uri="{FF2B5EF4-FFF2-40B4-BE49-F238E27FC236}">
-                <a16:creationId xmlns:a16="http://schemas.microsoft.com/office/drawing/2014/main" id="{1CA94ACB-62A5-4F09-8C21-F0CE9BFB1606}"/>
-              </a:ext>
-            </a:extLst>
-          </p:cNvPr>
+              <a:t>FACTORS</a:t>
+            </a:r>
+          </a:p>
+        </p:txBody>
+      </p:sp>
+      <p:sp>
+        <p:nvSpPr>
+          <p:cNvPr id="8" name="Content Placeholder 7"/>
+          <p:cNvSpPr>
+            <a:spLocks noGrp="1"/>
+          </p:cNvSpPr>
+          <p:nvPr>
+            <p:ph idx="1"/>
+          </p:nvPr>
+        </p:nvSpPr>
+        <p:spPr/>
+        <p:txBody>
+          <a:bodyPr>
+            <a:normAutofit lnSpcReduction="10000"/>
+          </a:bodyPr>
+          <a:lstStyle/>
+          <a:p>
+            <a:r>
+              <a:rPr lang="en-US" dirty="0"/>
+              <a:t>Categorical data</a:t>
+            </a:r>
+          </a:p>
+          <a:p>
+            <a:pPr lvl="1"/>
+            <a:r>
+              <a:rPr lang="en-US" dirty="0"/>
+              <a:t>Only a few possible values</a:t>
+            </a:r>
+          </a:p>
+          <a:p>
+            <a:pPr lvl="1"/>
+            <a:r>
+              <a:rPr lang="en-US" dirty="0"/>
+              <a:t>Example: US States</a:t>
+            </a:r>
+          </a:p>
+          <a:p>
+            <a:r>
+              <a:rPr lang="en-US" dirty="0"/>
+              <a:t>Create a factor with </a:t>
+            </a:r>
+            <a:r>
+              <a:rPr lang="en-US" dirty="0">
+                <a:latin typeface="Courier New" panose="02070309020205020404" pitchFamily="49" charset="0"/>
+                <a:cs typeface="Courier New" panose="02070309020205020404" pitchFamily="49" charset="0"/>
+              </a:rPr>
+              <a:t>factor(c(...), levels=c(...))</a:t>
+            </a:r>
+          </a:p>
+          <a:p>
+            <a:r>
+              <a:rPr lang="en-US" dirty="0">
+                <a:cs typeface="Courier New" panose="02070309020205020404" pitchFamily="49" charset="0"/>
+              </a:rPr>
+              <a:t>First argument: vector </a:t>
+            </a:r>
+          </a:p>
+          <a:p>
+            <a:r>
+              <a:rPr lang="en-US" dirty="0">
+                <a:cs typeface="Courier New" panose="02070309020205020404" pitchFamily="49" charset="0"/>
+              </a:rPr>
+              <a:t>Levels: all possible values</a:t>
+            </a:r>
+          </a:p>
+          <a:p>
+            <a:pPr lvl="1"/>
+            <a:r>
+              <a:rPr lang="en-US" dirty="0">
+                <a:cs typeface="Courier New" panose="02070309020205020404" pitchFamily="49" charset="0"/>
+              </a:rPr>
+              <a:t>If not provided, factor will assume you have provided all possibilities</a:t>
+            </a:r>
+          </a:p>
+          <a:p>
+            <a:r>
+              <a:rPr lang="en-US" dirty="0">
+                <a:cs typeface="Courier New" panose="02070309020205020404" pitchFamily="49" charset="0"/>
+              </a:rPr>
+              <a:t>e.g. </a:t>
+            </a:r>
+            <a:r>
+              <a:rPr lang="en-US" dirty="0">
+                <a:latin typeface="Courier New" panose="02070309020205020404" pitchFamily="49" charset="0"/>
+                <a:cs typeface="Courier New" panose="02070309020205020404" pitchFamily="49" charset="0"/>
+              </a:rPr>
+              <a:t>factor(c(“Grad Student”, “Grad Student”, “Staff”), levels=c(“Grad Student”, “Staff”, “Faculty”))</a:t>
+            </a:r>
+          </a:p>
+          <a:p>
+            <a:pPr marL="0" indent="0">
+              <a:buNone/>
+            </a:pPr>
+            <a:endParaRPr lang="en-US" dirty="0"/>
+          </a:p>
+        </p:txBody>
+      </p:sp>
+      <p:sp>
+        <p:nvSpPr>
+          <p:cNvPr id="4" name="Date Placeholder 3"/>
           <p:cNvSpPr>
             <a:spLocks noGrp="1"/>
           </p:cNvSpPr>
@@ -6145,9 +6705,9 @@
           <a:bodyPr/>
           <a:lstStyle/>
           <a:p>
-            <a:fld id="{8AAE40A0-A7D8-4DC3-BC9E-BADA32DA2004}" type="datetime4">
+            <a:fld id="{B08FEED8-D7D4-44E9-BFBC-ED06B5996D94}" type="datetime4">
               <a:rPr lang="en-US" smtClean="0"/>
-              <a:t>June 25, 2019</a:t>
+              <a:t>June 29, 2019</a:t>
             </a:fld>
             <a:endParaRPr lang="en-US" dirty="0"/>
           </a:p>
@@ -6155,13 +6715,7 @@
       </p:sp>
       <p:sp>
         <p:nvSpPr>
-          <p:cNvPr id="5" name="Footer Placeholder 4">
-            <a:extLst>
-              <a:ext uri="{FF2B5EF4-FFF2-40B4-BE49-F238E27FC236}">
-                <a16:creationId xmlns:a16="http://schemas.microsoft.com/office/drawing/2014/main" id="{D20B02B0-893D-4696-B6F7-A126B8D18E99}"/>
-              </a:ext>
-            </a:extLst>
-          </p:cNvPr>
+          <p:cNvPr id="5" name="Footer Placeholder 4"/>
           <p:cNvSpPr>
             <a:spLocks noGrp="1"/>
           </p:cNvSpPr>
@@ -6212,13 +6766,7 @@
       </p:sp>
       <p:sp>
         <p:nvSpPr>
-          <p:cNvPr id="6" name="Slide Number Placeholder 5">
-            <a:extLst>
-              <a:ext uri="{FF2B5EF4-FFF2-40B4-BE49-F238E27FC236}">
-                <a16:creationId xmlns:a16="http://schemas.microsoft.com/office/drawing/2014/main" id="{1CFDA495-0063-4571-8969-0DD770DB39E0}"/>
-              </a:ext>
-            </a:extLst>
-          </p:cNvPr>
+          <p:cNvPr id="6" name="Slide Number Placeholder 5"/>
           <p:cNvSpPr>
             <a:spLocks noGrp="1"/>
           </p:cNvSpPr>
@@ -6242,7 +6790,7 @@
     </p:spTree>
     <p:extLst>
       <p:ext uri="{BB962C8B-B14F-4D97-AF65-F5344CB8AC3E}">
-        <p14:creationId xmlns:p14="http://schemas.microsoft.com/office/powerpoint/2010/main" val="2581962988"/>
+        <p14:creationId xmlns:p14="http://schemas.microsoft.com/office/powerpoint/2010/main" val="2100250050"/>
       </p:ext>
     </p:extLst>
   </p:cSld>
@@ -6285,10 +6833,9 @@
           <a:lstStyle/>
           <a:p>
             <a:r>
-              <a:rPr lang="en-US" dirty="0" smtClean="0"/>
-              <a:t>COMMON FILE FORMATS</a:t>
-            </a:r>
-            <a:endParaRPr lang="en-US" dirty="0"/>
+              <a:rPr lang="en-US" dirty="0"/>
+              <a:t>DATA FRAME</a:t>
+            </a:r>
           </a:p>
         </p:txBody>
       </p:sp>
@@ -6308,81 +6855,70 @@
           <a:lstStyle/>
           <a:p>
             <a:r>
-              <a:rPr lang="en-US" dirty="0" smtClean="0"/>
-              <a:t>Comma/Tab Separated Values: (.csv, .</a:t>
-            </a:r>
-            <a:r>
-              <a:rPr lang="en-US" dirty="0" err="1" smtClean="0"/>
-              <a:t>tsv</a:t>
-            </a:r>
-            <a:r>
-              <a:rPr lang="en-US" dirty="0" smtClean="0"/>
-              <a:t>)</a:t>
+              <a:rPr lang="en-US" dirty="0"/>
+              <a:t>The quintessential R data type</a:t>
+            </a:r>
+          </a:p>
+          <a:p>
+            <a:r>
+              <a:rPr lang="en-US" dirty="0"/>
+              <a:t>Extremely flexible and powerful</a:t>
+            </a:r>
+          </a:p>
+          <a:p>
+            <a:r>
+              <a:rPr lang="en-US" dirty="0"/>
+              <a:t>Structure</a:t>
             </a:r>
           </a:p>
           <a:p>
             <a:pPr lvl="1"/>
             <a:r>
-              <a:rPr lang="en-US" dirty="0" smtClean="0"/>
-              <a:t>Example</a:t>
-            </a:r>
-          </a:p>
-          <a:p>
-            <a:r>
-              <a:rPr lang="en-US" dirty="0" smtClean="0"/>
-              <a:t>Excel files (.</a:t>
-            </a:r>
-            <a:r>
-              <a:rPr lang="en-US" dirty="0" err="1" smtClean="0"/>
-              <a:t>xlsx</a:t>
-            </a:r>
-            <a:r>
-              <a:rPr lang="en-US" dirty="0" smtClean="0"/>
-              <a:t>, .</a:t>
-            </a:r>
-            <a:r>
-              <a:rPr lang="en-US" dirty="0" err="1" smtClean="0"/>
-              <a:t>xls</a:t>
-            </a:r>
-            <a:r>
-              <a:rPr lang="en-US" dirty="0" smtClean="0"/>
-              <a:t>*)</a:t>
-            </a:r>
-          </a:p>
-          <a:p>
-            <a:r>
-              <a:rPr lang="en-US" dirty="0" smtClean="0"/>
-              <a:t>JSON (.</a:t>
-            </a:r>
-            <a:r>
-              <a:rPr lang="en-US" dirty="0" err="1" smtClean="0"/>
-              <a:t>json</a:t>
-            </a:r>
-            <a:r>
-              <a:rPr lang="en-US" dirty="0" smtClean="0"/>
-              <a:t>)</a:t>
+              <a:rPr lang="en-US" dirty="0"/>
+              <a:t>Column: a variable</a:t>
             </a:r>
           </a:p>
           <a:p>
             <a:pPr lvl="1"/>
             <a:r>
-              <a:rPr lang="en-US" dirty="0" smtClean="0"/>
-              <a:t>Example</a:t>
-            </a:r>
-          </a:p>
-          <a:p>
-            <a:r>
-              <a:rPr lang="en-US" dirty="0" smtClean="0"/>
-              <a:t>XML (.xml)</a:t>
+              <a:rPr lang="en-US" dirty="0"/>
+              <a:t>Row: an observation</a:t>
+            </a:r>
+          </a:p>
+          <a:p>
+            <a:r>
+              <a:rPr lang="en-US" dirty="0"/>
+              <a:t>Give data as columns.</a:t>
+            </a:r>
+          </a:p>
+          <a:p>
+            <a:r>
+              <a:rPr lang="en-US" dirty="0"/>
+              <a:t>Example: </a:t>
+            </a:r>
+            <a:r>
+              <a:rPr lang="en-US" dirty="0" err="1">
+                <a:latin typeface="Courier New" panose="02070309020205020404" pitchFamily="49" charset="0"/>
+                <a:cs typeface="Courier New" panose="02070309020205020404" pitchFamily="49" charset="0"/>
+              </a:rPr>
+              <a:t>data.frame</a:t>
+            </a:r>
+            <a:r>
+              <a:rPr lang="en-US" dirty="0">
+                <a:latin typeface="Courier New" panose="02070309020205020404" pitchFamily="49" charset="0"/>
+                <a:cs typeface="Courier New" panose="02070309020205020404" pitchFamily="49" charset="0"/>
+              </a:rPr>
+              <a:t>(name=c(“John”, “Molly”), age=c(15,17))</a:t>
             </a:r>
           </a:p>
           <a:p>
             <a:pPr lvl="1"/>
             <a:r>
-              <a:rPr lang="en-US" dirty="0" smtClean="0"/>
-              <a:t>Example</a:t>
-            </a:r>
-            <a:endParaRPr lang="en-US" dirty="0"/>
+              <a:rPr lang="en-US" dirty="0">
+                <a:cs typeface="Courier New" panose="02070309020205020404" pitchFamily="49" charset="0"/>
+              </a:rPr>
+              <a:t>John is 15, Molly is 17</a:t>
+            </a:r>
           </a:p>
         </p:txBody>
       </p:sp>
@@ -6403,7 +6939,7 @@
           <a:p>
             <a:fld id="{B08FEED8-D7D4-44E9-BFBC-ED06B5996D94}" type="datetime4">
               <a:rPr lang="en-US" smtClean="0"/>
-              <a:t>June 25, 2019</a:t>
+              <a:t>June 29, 2019</a:t>
             </a:fld>
             <a:endParaRPr lang="en-US" dirty="0"/>
           </a:p>
@@ -6425,11 +6961,11 @@
           <a:lstStyle/>
           <a:p>
             <a:r>
-              <a:rPr lang="en-US" smtClean="0"/>
+              <a:rPr lang="en-US"/>
               <a:t>Digital Scholarship Services </a:t>
             </a:r>
             <a:r>
-              <a:rPr lang="en-US" smtClean="0">
+              <a:rPr lang="en-US">
                 <a:solidFill>
                   <a:schemeClr val="accent1">
                     <a:lumMod val="50000"/>
@@ -6439,11 +6975,11 @@
               <a:t>| Email</a:t>
             </a:r>
             <a:r>
-              <a:rPr lang="en-US" smtClean="0"/>
+              <a:rPr lang="en-US"/>
               <a:t> cf24@rice.edu </a:t>
             </a:r>
             <a:r>
-              <a:rPr lang="en-US" smtClean="0">
+              <a:rPr lang="en-US">
                 <a:solidFill>
                   <a:schemeClr val="accent1">
                     <a:lumMod val="50000"/>
@@ -6453,7 +6989,7 @@
               <a:t>|</a:t>
             </a:r>
             <a:r>
-              <a:rPr lang="en-US" smtClean="0"/>
+              <a:rPr lang="en-US"/>
               <a:t> library.rice.edu/dss</a:t>
             </a:r>
             <a:endParaRPr lang="en-US" dirty="0"/>
@@ -6486,7 +7022,7 @@
     </p:spTree>
     <p:extLst>
       <p:ext uri="{BB962C8B-B14F-4D97-AF65-F5344CB8AC3E}">
-        <p14:creationId xmlns:p14="http://schemas.microsoft.com/office/powerpoint/2010/main" val="3674866452"/>
+        <p14:creationId xmlns:p14="http://schemas.microsoft.com/office/powerpoint/2010/main" val="349333892"/>
       </p:ext>
     </p:extLst>
   </p:cSld>
@@ -6515,7 +7051,13 @@
       </p:grpSpPr>
       <p:sp>
         <p:nvSpPr>
-          <p:cNvPr id="7" name="Title 6"/>
+          <p:cNvPr id="7" name="Title 6">
+            <a:extLst>
+              <a:ext uri="{FF2B5EF4-FFF2-40B4-BE49-F238E27FC236}">
+                <a16:creationId xmlns:a16="http://schemas.microsoft.com/office/drawing/2014/main" id="{184E2338-1026-45D4-9455-B21A88F18B28}"/>
+              </a:ext>
+            </a:extLst>
+          </p:cNvPr>
           <p:cNvSpPr>
             <a:spLocks noGrp="1"/>
           </p:cNvSpPr>
@@ -6529,110 +7071,56 @@
           <a:lstStyle/>
           <a:p>
             <a:r>
-              <a:rPr lang="en-US" dirty="0" smtClean="0"/>
-              <a:t>READING FILE FORMATS</a:t>
-            </a:r>
-            <a:endParaRPr lang="en-US" dirty="0"/>
-          </a:p>
-        </p:txBody>
-      </p:sp>
-      <p:sp>
-        <p:nvSpPr>
-          <p:cNvPr id="8" name="Content Placeholder 7"/>
-          <p:cNvSpPr>
-            <a:spLocks noGrp="1"/>
-          </p:cNvSpPr>
-          <p:nvPr>
-            <p:ph idx="1"/>
-          </p:nvPr>
-        </p:nvSpPr>
-        <p:spPr/>
-        <p:txBody>
-          <a:bodyPr/>
-          <a:lstStyle/>
-          <a:p>
-            <a:r>
-              <a:rPr lang="en-US" dirty="0" smtClean="0"/>
-              <a:t>Comma/Tab Separated Values: (.csv, .</a:t>
-            </a:r>
-            <a:r>
-              <a:rPr lang="en-US" dirty="0" err="1" smtClean="0"/>
-              <a:t>tsv</a:t>
-            </a:r>
-            <a:r>
-              <a:rPr lang="en-US" dirty="0" smtClean="0"/>
-              <a:t>)</a:t>
-            </a:r>
-          </a:p>
-          <a:p>
-            <a:pPr lvl="1"/>
-            <a:r>
-              <a:rPr lang="en-US" dirty="0" smtClean="0"/>
-              <a:t>Read.csv</a:t>
-            </a:r>
-          </a:p>
-          <a:p>
-            <a:r>
-              <a:rPr lang="en-US" dirty="0" smtClean="0"/>
-              <a:t>Excel files (.</a:t>
-            </a:r>
-            <a:r>
-              <a:rPr lang="en-US" dirty="0" err="1" smtClean="0"/>
-              <a:t>xlsx</a:t>
-            </a:r>
-            <a:r>
-              <a:rPr lang="en-US" dirty="0" smtClean="0"/>
-              <a:t>, .</a:t>
-            </a:r>
-            <a:r>
-              <a:rPr lang="en-US" dirty="0" err="1" smtClean="0"/>
-              <a:t>xls</a:t>
-            </a:r>
-            <a:r>
-              <a:rPr lang="en-US" dirty="0" smtClean="0"/>
-              <a:t>*)</a:t>
-            </a:r>
-          </a:p>
-          <a:p>
-            <a:r>
-              <a:rPr lang="en-US" dirty="0" smtClean="0"/>
-              <a:t>JSON (.</a:t>
-            </a:r>
-            <a:r>
-              <a:rPr lang="en-US" dirty="0" err="1" smtClean="0"/>
-              <a:t>json</a:t>
-            </a:r>
-            <a:r>
-              <a:rPr lang="en-US" dirty="0" smtClean="0"/>
-              <a:t>)</a:t>
-            </a:r>
-          </a:p>
-          <a:p>
-            <a:pPr lvl="1"/>
-            <a:r>
-              <a:rPr lang="en-US" dirty="0" smtClean="0"/>
-              <a:t>Example</a:t>
-            </a:r>
-          </a:p>
-          <a:p>
-            <a:r>
-              <a:rPr lang="en-US" dirty="0" smtClean="0"/>
-              <a:t>XML (.xml)</a:t>
-            </a:r>
-          </a:p>
-          <a:p>
-            <a:pPr lvl="1"/>
-            <a:r>
-              <a:rPr lang="en-US" dirty="0" smtClean="0"/>
-              <a:t>Example</a:t>
-            </a:r>
-            <a:endParaRPr lang="en-US" dirty="0"/>
-          </a:p>
-        </p:txBody>
-      </p:sp>
-      <p:sp>
-        <p:nvSpPr>
-          <p:cNvPr id="4" name="Date Placeholder 3"/>
+              <a:rPr lang="en-US" dirty="0"/>
+              <a:t>READING AND </a:t>
+            </a:r>
+            <a:br>
+              <a:rPr lang="en-US" dirty="0"/>
+            </a:br>
+            <a:r>
+              <a:rPr lang="en-US" dirty="0"/>
+              <a:t>WRITING DATA</a:t>
+            </a:r>
+          </a:p>
+        </p:txBody>
+      </p:sp>
+      <p:sp>
+        <p:nvSpPr>
+          <p:cNvPr id="8" name="Text Placeholder 7">
+            <a:extLst>
+              <a:ext uri="{FF2B5EF4-FFF2-40B4-BE49-F238E27FC236}">
+                <a16:creationId xmlns:a16="http://schemas.microsoft.com/office/drawing/2014/main" id="{DB42CCAB-C8E2-48A8-A9DF-EB0383A8B33C}"/>
+              </a:ext>
+            </a:extLst>
+          </p:cNvPr>
+          <p:cNvSpPr>
+            <a:spLocks noGrp="1"/>
+          </p:cNvSpPr>
+          <p:nvPr>
+            <p:ph type="body" idx="1"/>
+          </p:nvPr>
+        </p:nvSpPr>
+        <p:spPr/>
+        <p:txBody>
+          <a:bodyPr/>
+          <a:lstStyle/>
+          <a:p>
+            <a:r>
+              <a:rPr lang="en-US" dirty="0"/>
+              <a:t>Excel, Comma-Separated and Tab-Separated Values, and more!</a:t>
+            </a:r>
+          </a:p>
+        </p:txBody>
+      </p:sp>
+      <p:sp>
+        <p:nvSpPr>
+          <p:cNvPr id="4" name="Date Placeholder 3">
+            <a:extLst>
+              <a:ext uri="{FF2B5EF4-FFF2-40B4-BE49-F238E27FC236}">
+                <a16:creationId xmlns:a16="http://schemas.microsoft.com/office/drawing/2014/main" id="{1CA94ACB-62A5-4F09-8C21-F0CE9BFB1606}"/>
+              </a:ext>
+            </a:extLst>
+          </p:cNvPr>
           <p:cNvSpPr>
             <a:spLocks noGrp="1"/>
           </p:cNvSpPr>
@@ -6645,9 +7133,9 @@
           <a:bodyPr/>
           <a:lstStyle/>
           <a:p>
-            <a:fld id="{B08FEED8-D7D4-44E9-BFBC-ED06B5996D94}" type="datetime4">
+            <a:fld id="{8AAE40A0-A7D8-4DC3-BC9E-BADA32DA2004}" type="datetime4">
               <a:rPr lang="en-US" smtClean="0"/>
-              <a:t>June 25, 2019</a:t>
+              <a:t>June 29, 2019</a:t>
             </a:fld>
             <a:endParaRPr lang="en-US" dirty="0"/>
           </a:p>
@@ -6655,7 +7143,13 @@
       </p:sp>
       <p:sp>
         <p:nvSpPr>
-          <p:cNvPr id="5" name="Footer Placeholder 4"/>
+          <p:cNvPr id="5" name="Footer Placeholder 4">
+            <a:extLst>
+              <a:ext uri="{FF2B5EF4-FFF2-40B4-BE49-F238E27FC236}">
+                <a16:creationId xmlns:a16="http://schemas.microsoft.com/office/drawing/2014/main" id="{D20B02B0-893D-4696-B6F7-A126B8D18E99}"/>
+              </a:ext>
+            </a:extLst>
+          </p:cNvPr>
           <p:cNvSpPr>
             <a:spLocks noGrp="1"/>
           </p:cNvSpPr>
@@ -6669,11 +7163,11 @@
           <a:lstStyle/>
           <a:p>
             <a:r>
-              <a:rPr lang="en-US" smtClean="0"/>
+              <a:rPr lang="en-US"/>
               <a:t>Digital Scholarship Services </a:t>
             </a:r>
             <a:r>
-              <a:rPr lang="en-US" smtClean="0">
+              <a:rPr lang="en-US">
                 <a:solidFill>
                   <a:schemeClr val="accent1">
                     <a:lumMod val="50000"/>
@@ -6683,11 +7177,11 @@
               <a:t>| Email</a:t>
             </a:r>
             <a:r>
-              <a:rPr lang="en-US" smtClean="0"/>
+              <a:rPr lang="en-US"/>
               <a:t> cf24@rice.edu </a:t>
             </a:r>
             <a:r>
-              <a:rPr lang="en-US" smtClean="0">
+              <a:rPr lang="en-US">
                 <a:solidFill>
                   <a:schemeClr val="accent1">
                     <a:lumMod val="50000"/>
@@ -6697,7 +7191,7 @@
               <a:t>|</a:t>
             </a:r>
             <a:r>
-              <a:rPr lang="en-US" smtClean="0"/>
+              <a:rPr lang="en-US"/>
               <a:t> library.rice.edu/dss</a:t>
             </a:r>
             <a:endParaRPr lang="en-US" dirty="0"/>
@@ -6706,7 +7200,13 @@
       </p:sp>
       <p:sp>
         <p:nvSpPr>
-          <p:cNvPr id="6" name="Slide Number Placeholder 5"/>
+          <p:cNvPr id="6" name="Slide Number Placeholder 5">
+            <a:extLst>
+              <a:ext uri="{FF2B5EF4-FFF2-40B4-BE49-F238E27FC236}">
+                <a16:creationId xmlns:a16="http://schemas.microsoft.com/office/drawing/2014/main" id="{1CFDA495-0063-4571-8969-0DD770DB39E0}"/>
+              </a:ext>
+            </a:extLst>
+          </p:cNvPr>
           <p:cNvSpPr>
             <a:spLocks noGrp="1"/>
           </p:cNvSpPr>
@@ -6730,7 +7230,7 @@
     </p:spTree>
     <p:extLst>
       <p:ext uri="{BB962C8B-B14F-4D97-AF65-F5344CB8AC3E}">
-        <p14:creationId xmlns:p14="http://schemas.microsoft.com/office/powerpoint/2010/main" val="472407328"/>
+        <p14:creationId xmlns:p14="http://schemas.microsoft.com/office/powerpoint/2010/main" val="2581962988"/>
       </p:ext>
     </p:extLst>
   </p:cSld>
@@ -6773,10 +7273,9 @@
           <a:lstStyle/>
           <a:p>
             <a:r>
-              <a:rPr lang="en-US" dirty="0" smtClean="0"/>
-              <a:t>WRITING FILE FORMATS</a:t>
-            </a:r>
-            <a:endParaRPr lang="en-US" dirty="0"/>
+              <a:rPr lang="en-US" dirty="0"/>
+              <a:t>COMMON FILE FORMATS</a:t>
+            </a:r>
           </a:p>
         </p:txBody>
       </p:sp>
@@ -6796,80 +7295,101 @@
           <a:lstStyle/>
           <a:p>
             <a:r>
-              <a:rPr lang="en-US" dirty="0" smtClean="0"/>
+              <a:rPr lang="en-US" dirty="0"/>
               <a:t>Comma/Tab Separated Values: (.csv, .</a:t>
             </a:r>
             <a:r>
-              <a:rPr lang="en-US" dirty="0" err="1" smtClean="0"/>
+              <a:rPr lang="en-US" dirty="0" err="1"/>
               <a:t>tsv</a:t>
             </a:r>
             <a:r>
-              <a:rPr lang="en-US" dirty="0" smtClean="0"/>
+              <a:rPr lang="en-US" dirty="0"/>
               <a:t>)</a:t>
             </a:r>
           </a:p>
           <a:p>
             <a:pPr lvl="1"/>
             <a:r>
-              <a:rPr lang="en-US" dirty="0" smtClean="0"/>
-              <a:t>Write.csv</a:t>
-            </a:r>
-          </a:p>
-          <a:p>
-            <a:r>
-              <a:rPr lang="en-US" dirty="0" smtClean="0"/>
+              <a:rPr lang="en-US" dirty="0"/>
+              <a:t>Example:</a:t>
+            </a:r>
+          </a:p>
+          <a:p>
+            <a:pPr lvl="2"/>
+            <a:r>
+              <a:rPr lang="en-US" dirty="0" err="1"/>
+              <a:t>name,age,occupation</a:t>
+            </a:r>
+            <a:r>
+              <a:rPr lang="en-US" dirty="0"/>
+              <a:t> (first line: header)</a:t>
+            </a:r>
+          </a:p>
+          <a:p>
+            <a:pPr lvl="2"/>
+            <a:r>
+              <a:rPr lang="en-US" dirty="0"/>
+              <a:t>tony,23,banker (all other lines: observations)</a:t>
+            </a:r>
+          </a:p>
+          <a:p>
+            <a:r>
+              <a:rPr lang="en-US" dirty="0"/>
               <a:t>Excel files (.</a:t>
             </a:r>
             <a:r>
-              <a:rPr lang="en-US" dirty="0" err="1" smtClean="0"/>
+              <a:rPr lang="en-US" dirty="0" err="1"/>
               <a:t>xlsx</a:t>
             </a:r>
             <a:r>
-              <a:rPr lang="en-US" dirty="0" smtClean="0"/>
+              <a:rPr lang="en-US" dirty="0"/>
               <a:t>, .</a:t>
             </a:r>
             <a:r>
-              <a:rPr lang="en-US" dirty="0" err="1" smtClean="0"/>
+              <a:rPr lang="en-US" dirty="0" err="1"/>
               <a:t>xls</a:t>
             </a:r>
             <a:r>
-              <a:rPr lang="en-US" dirty="0" smtClean="0"/>
+              <a:rPr lang="en-US" dirty="0"/>
               <a:t>*)</a:t>
             </a:r>
           </a:p>
           <a:p>
             <a:r>
-              <a:rPr lang="en-US" dirty="0" smtClean="0"/>
+              <a:rPr lang="en-US" dirty="0"/>
               <a:t>JSON (.</a:t>
             </a:r>
             <a:r>
-              <a:rPr lang="en-US" dirty="0" err="1" smtClean="0"/>
+              <a:rPr lang="en-US" dirty="0" err="1"/>
               <a:t>json</a:t>
             </a:r>
             <a:r>
-              <a:rPr lang="en-US" dirty="0" smtClean="0"/>
+              <a:rPr lang="en-US" dirty="0"/>
               <a:t>)</a:t>
             </a:r>
           </a:p>
           <a:p>
             <a:pPr lvl="1"/>
             <a:r>
-              <a:rPr lang="en-US" dirty="0" smtClean="0"/>
-              <a:t>Example</a:t>
-            </a:r>
-          </a:p>
-          <a:p>
-            <a:r>
-              <a:rPr lang="en-US" dirty="0" smtClean="0"/>
+              <a:rPr lang="en-US" dirty="0"/>
+              <a:t>{“name”: “Tony”, “age”: 23, “occupation:” “banker”}</a:t>
+            </a:r>
+          </a:p>
+          <a:p>
+            <a:r>
+              <a:rPr lang="en-US" dirty="0"/>
               <a:t>XML (.xml)</a:t>
             </a:r>
           </a:p>
           <a:p>
             <a:pPr lvl="1"/>
             <a:r>
-              <a:rPr lang="en-US" dirty="0" smtClean="0"/>
-              <a:t>Example</a:t>
-            </a:r>
+              <a:rPr lang="en-US" dirty="0"/>
+              <a:t>&lt;person&gt; &lt;name&gt;Tony&lt;/name&gt; &lt;age&gt;23&lt;/age&gt; &lt;occupation&gt;banker&lt;/occupation&gt; &lt;/person&gt;</a:t>
+            </a:r>
+          </a:p>
+          <a:p>
+            <a:pPr lvl="1"/>
             <a:endParaRPr lang="en-US" dirty="0"/>
           </a:p>
         </p:txBody>
@@ -6891,7 +7411,7 @@
           <a:p>
             <a:fld id="{B08FEED8-D7D4-44E9-BFBC-ED06B5996D94}" type="datetime4">
               <a:rPr lang="en-US" smtClean="0"/>
-              <a:t>June 25, 2019</a:t>
+              <a:t>June 29, 2019</a:t>
             </a:fld>
             <a:endParaRPr lang="en-US" dirty="0"/>
           </a:p>
@@ -6913,11 +7433,11 @@
           <a:lstStyle/>
           <a:p>
             <a:r>
-              <a:rPr lang="en-US" smtClean="0"/>
+              <a:rPr lang="en-US"/>
               <a:t>Digital Scholarship Services </a:t>
             </a:r>
             <a:r>
-              <a:rPr lang="en-US" smtClean="0">
+              <a:rPr lang="en-US">
                 <a:solidFill>
                   <a:schemeClr val="accent1">
                     <a:lumMod val="50000"/>
@@ -6927,11 +7447,11 @@
               <a:t>| Email</a:t>
             </a:r>
             <a:r>
-              <a:rPr lang="en-US" smtClean="0"/>
+              <a:rPr lang="en-US"/>
               <a:t> cf24@rice.edu </a:t>
             </a:r>
             <a:r>
-              <a:rPr lang="en-US" smtClean="0">
+              <a:rPr lang="en-US">
                 <a:solidFill>
                   <a:schemeClr val="accent1">
                     <a:lumMod val="50000"/>
@@ -6941,7 +7461,7 @@
               <a:t>|</a:t>
             </a:r>
             <a:r>
-              <a:rPr lang="en-US" smtClean="0"/>
+              <a:rPr lang="en-US"/>
               <a:t> library.rice.edu/dss</a:t>
             </a:r>
             <a:endParaRPr lang="en-US" dirty="0"/>
@@ -6974,7 +7494,7 @@
     </p:spTree>
     <p:extLst>
       <p:ext uri="{BB962C8B-B14F-4D97-AF65-F5344CB8AC3E}">
-        <p14:creationId xmlns:p14="http://schemas.microsoft.com/office/powerpoint/2010/main" val="880888547"/>
+        <p14:creationId xmlns:p14="http://schemas.microsoft.com/office/powerpoint/2010/main" val="3674866452"/>
       </p:ext>
     </p:extLst>
   </p:cSld>
@@ -7003,13 +7523,7 @@
       </p:grpSpPr>
       <p:sp>
         <p:nvSpPr>
-          <p:cNvPr id="7" name="Title 6">
-            <a:extLst>
-              <a:ext uri="{FF2B5EF4-FFF2-40B4-BE49-F238E27FC236}">
-                <a16:creationId xmlns:a16="http://schemas.microsoft.com/office/drawing/2014/main" id="{184E2338-1026-45D4-9455-B21A88F18B28}"/>
-              </a:ext>
-            </a:extLst>
-          </p:cNvPr>
+          <p:cNvPr id="7" name="Title 6"/>
           <p:cNvSpPr>
             <a:spLocks noGrp="1"/>
           </p:cNvSpPr>
@@ -7023,59 +7537,108 @@
           <a:lstStyle/>
           <a:p>
             <a:r>
-              <a:rPr lang="en-US" dirty="0" smtClean="0"/>
-              <a:t>DATA MANIPULATION</a:t>
-            </a:r>
-            <a:endParaRPr lang="en-US" dirty="0"/>
-          </a:p>
-        </p:txBody>
-      </p:sp>
-      <p:sp>
-        <p:nvSpPr>
-          <p:cNvPr id="8" name="Text Placeholder 7">
-            <a:extLst>
-              <a:ext uri="{FF2B5EF4-FFF2-40B4-BE49-F238E27FC236}">
-                <a16:creationId xmlns:a16="http://schemas.microsoft.com/office/drawing/2014/main" id="{DB42CCAB-C8E2-48A8-A9DF-EB0383A8B33C}"/>
-              </a:ext>
-            </a:extLst>
-          </p:cNvPr>
-          <p:cNvSpPr>
-            <a:spLocks noGrp="1"/>
-          </p:cNvSpPr>
-          <p:nvPr>
-            <p:ph type="body" idx="1"/>
-          </p:nvPr>
-        </p:nvSpPr>
-        <p:spPr/>
-        <p:txBody>
-          <a:bodyPr/>
-          <a:lstStyle/>
-          <a:p>
-            <a:r>
-              <a:rPr lang="en-US" dirty="0" smtClean="0"/>
-              <a:t>Subsetting</a:t>
-            </a:r>
-            <a:r>
-              <a:rPr lang="en-US" dirty="0"/>
-              <a:t> </a:t>
-            </a:r>
-            <a:r>
-              <a:rPr lang="en-US" dirty="0" smtClean="0"/>
-              <a:t>and filtering</a:t>
-            </a:r>
-            <a:endParaRPr lang="en-US" dirty="0"/>
-          </a:p>
-        </p:txBody>
-      </p:sp>
-      <p:sp>
-        <p:nvSpPr>
-          <p:cNvPr id="4" name="Date Placeholder 3">
-            <a:extLst>
-              <a:ext uri="{FF2B5EF4-FFF2-40B4-BE49-F238E27FC236}">
-                <a16:creationId xmlns:a16="http://schemas.microsoft.com/office/drawing/2014/main" id="{1CA94ACB-62A5-4F09-8C21-F0CE9BFB1606}"/>
-              </a:ext>
-            </a:extLst>
-          </p:cNvPr>
+              <a:rPr lang="en-US" dirty="0"/>
+              <a:t>READING FILE FORMATS</a:t>
+            </a:r>
+          </a:p>
+        </p:txBody>
+      </p:sp>
+      <p:sp>
+        <p:nvSpPr>
+          <p:cNvPr id="8" name="Content Placeholder 7"/>
+          <p:cNvSpPr>
+            <a:spLocks noGrp="1"/>
+          </p:cNvSpPr>
+          <p:nvPr>
+            <p:ph idx="1"/>
+          </p:nvPr>
+        </p:nvSpPr>
+        <p:spPr/>
+        <p:txBody>
+          <a:bodyPr/>
+          <a:lstStyle/>
+          <a:p>
+            <a:r>
+              <a:rPr lang="en-US" dirty="0"/>
+              <a:t>Comma/Tab Separated Values: (.csv, .</a:t>
+            </a:r>
+            <a:r>
+              <a:rPr lang="en-US" dirty="0" err="1"/>
+              <a:t>tsv</a:t>
+            </a:r>
+            <a:r>
+              <a:rPr lang="en-US" dirty="0"/>
+              <a:t>)</a:t>
+            </a:r>
+          </a:p>
+          <a:p>
+            <a:pPr lvl="1"/>
+            <a:r>
+              <a:rPr lang="en-US" dirty="0"/>
+              <a:t>Read.csv</a:t>
+            </a:r>
+          </a:p>
+          <a:p>
+            <a:r>
+              <a:rPr lang="en-US" dirty="0"/>
+              <a:t>Excel files (.</a:t>
+            </a:r>
+            <a:r>
+              <a:rPr lang="en-US" dirty="0" err="1"/>
+              <a:t>xlsx</a:t>
+            </a:r>
+            <a:r>
+              <a:rPr lang="en-US" dirty="0"/>
+              <a:t>, .</a:t>
+            </a:r>
+            <a:r>
+              <a:rPr lang="en-US" dirty="0" err="1"/>
+              <a:t>xls</a:t>
+            </a:r>
+            <a:r>
+              <a:rPr lang="en-US" dirty="0"/>
+              <a:t>*)</a:t>
+            </a:r>
+          </a:p>
+          <a:p>
+            <a:r>
+              <a:rPr lang="en-US" dirty="0"/>
+              <a:t>JSON (.</a:t>
+            </a:r>
+            <a:r>
+              <a:rPr lang="en-US" dirty="0" err="1"/>
+              <a:t>json</a:t>
+            </a:r>
+            <a:r>
+              <a:rPr lang="en-US" dirty="0"/>
+              <a:t>)</a:t>
+            </a:r>
+          </a:p>
+          <a:p>
+            <a:pPr lvl="1"/>
+            <a:r>
+              <a:rPr lang="en-US" dirty="0"/>
+              <a:t>Example</a:t>
+            </a:r>
+          </a:p>
+          <a:p>
+            <a:r>
+              <a:rPr lang="en-US" dirty="0"/>
+              <a:t>XML (.xml)</a:t>
+            </a:r>
+          </a:p>
+          <a:p>
+            <a:pPr lvl="1"/>
+            <a:r>
+              <a:rPr lang="en-US" dirty="0"/>
+              <a:t>Example</a:t>
+            </a:r>
+          </a:p>
+        </p:txBody>
+      </p:sp>
+      <p:sp>
+        <p:nvSpPr>
+          <p:cNvPr id="4" name="Date Placeholder 3"/>
           <p:cNvSpPr>
             <a:spLocks noGrp="1"/>
           </p:cNvSpPr>
@@ -7088,9 +7651,9 @@
           <a:bodyPr/>
           <a:lstStyle/>
           <a:p>
-            <a:fld id="{8AAE40A0-A7D8-4DC3-BC9E-BADA32DA2004}" type="datetime4">
+            <a:fld id="{B08FEED8-D7D4-44E9-BFBC-ED06B5996D94}" type="datetime4">
               <a:rPr lang="en-US" smtClean="0"/>
-              <a:t>June 25, 2019</a:t>
+              <a:t>June 29, 2019</a:t>
             </a:fld>
             <a:endParaRPr lang="en-US" dirty="0"/>
           </a:p>
@@ -7098,13 +7661,7 @@
       </p:sp>
       <p:sp>
         <p:nvSpPr>
-          <p:cNvPr id="5" name="Footer Placeholder 4">
-            <a:extLst>
-              <a:ext uri="{FF2B5EF4-FFF2-40B4-BE49-F238E27FC236}">
-                <a16:creationId xmlns:a16="http://schemas.microsoft.com/office/drawing/2014/main" id="{D20B02B0-893D-4696-B6F7-A126B8D18E99}"/>
-              </a:ext>
-            </a:extLst>
-          </p:cNvPr>
+          <p:cNvPr id="5" name="Footer Placeholder 4"/>
           <p:cNvSpPr>
             <a:spLocks noGrp="1"/>
           </p:cNvSpPr>
@@ -7155,13 +7712,7 @@
       </p:sp>
       <p:sp>
         <p:nvSpPr>
-          <p:cNvPr id="6" name="Slide Number Placeholder 5">
-            <a:extLst>
-              <a:ext uri="{FF2B5EF4-FFF2-40B4-BE49-F238E27FC236}">
-                <a16:creationId xmlns:a16="http://schemas.microsoft.com/office/drawing/2014/main" id="{1CFDA495-0063-4571-8969-0DD770DB39E0}"/>
-              </a:ext>
-            </a:extLst>
-          </p:cNvPr>
+          <p:cNvPr id="6" name="Slide Number Placeholder 5"/>
           <p:cNvSpPr>
             <a:spLocks noGrp="1"/>
           </p:cNvSpPr>
@@ -7185,7 +7736,7 @@
     </p:spTree>
     <p:extLst>
       <p:ext uri="{BB962C8B-B14F-4D97-AF65-F5344CB8AC3E}">
-        <p14:creationId xmlns:p14="http://schemas.microsoft.com/office/powerpoint/2010/main" val="495434477"/>
+        <p14:creationId xmlns:p14="http://schemas.microsoft.com/office/powerpoint/2010/main" val="472407328"/>
       </p:ext>
     </p:extLst>
   </p:cSld>
@@ -7228,10 +7779,9 @@
           <a:lstStyle/>
           <a:p>
             <a:r>
-              <a:rPr lang="en-US" dirty="0" smtClean="0"/>
-              <a:t>SUBSETTING</a:t>
-            </a:r>
-            <a:endParaRPr lang="en-US" dirty="0"/>
+              <a:rPr lang="en-US" dirty="0"/>
+              <a:t>WRITING FILE FORMATS</a:t>
+            </a:r>
           </a:p>
         </p:txBody>
       </p:sp>
@@ -7251,16 +7801,80 @@
           <a:lstStyle/>
           <a:p>
             <a:r>
-              <a:rPr lang="en-US" dirty="0" smtClean="0"/>
-              <a:t>By Row:</a:t>
-            </a:r>
-          </a:p>
-          <a:p>
-            <a:r>
-              <a:rPr lang="en-US" dirty="0" smtClean="0"/>
-              <a:t>By Column:</a:t>
-            </a:r>
-            <a:endParaRPr lang="en-US" dirty="0"/>
+              <a:rPr lang="en-US" dirty="0"/>
+              <a:t>Comma/Tab Separated Values: (.csv, .</a:t>
+            </a:r>
+            <a:r>
+              <a:rPr lang="en-US" dirty="0" err="1"/>
+              <a:t>tsv</a:t>
+            </a:r>
+            <a:r>
+              <a:rPr lang="en-US" dirty="0"/>
+              <a:t>)</a:t>
+            </a:r>
+          </a:p>
+          <a:p>
+            <a:pPr lvl="1"/>
+            <a:r>
+              <a:rPr lang="en-US" dirty="0"/>
+              <a:t>Write.csv</a:t>
+            </a:r>
+          </a:p>
+          <a:p>
+            <a:r>
+              <a:rPr lang="en-US" dirty="0"/>
+              <a:t>Excel files (.</a:t>
+            </a:r>
+            <a:r>
+              <a:rPr lang="en-US" dirty="0" err="1"/>
+              <a:t>xlsx</a:t>
+            </a:r>
+            <a:r>
+              <a:rPr lang="en-US" dirty="0"/>
+              <a:t>, .</a:t>
+            </a:r>
+            <a:r>
+              <a:rPr lang="en-US" dirty="0" err="1"/>
+              <a:t>xls</a:t>
+            </a:r>
+            <a:r>
+              <a:rPr lang="en-US" dirty="0"/>
+              <a:t>*)</a:t>
+            </a:r>
+          </a:p>
+          <a:p>
+            <a:r>
+              <a:rPr lang="en-US" dirty="0"/>
+              <a:t>JSON (.</a:t>
+            </a:r>
+            <a:r>
+              <a:rPr lang="en-US" dirty="0" err="1"/>
+              <a:t>json</a:t>
+            </a:r>
+            <a:r>
+              <a:rPr lang="en-US" dirty="0"/>
+              <a:t>)</a:t>
+            </a:r>
+          </a:p>
+          <a:p>
+            <a:pPr lvl="1"/>
+            <a:r>
+              <a:rPr lang="en-US" dirty="0"/>
+              <a:t>Example</a:t>
+            </a:r>
+          </a:p>
+          <a:p>
+            <a:r>
+              <a:rPr lang="en-US" dirty="0"/>
+              <a:t>XML (.xml)</a:t>
+            </a:r>
+          </a:p>
+          <a:p>
+            <a:pPr lvl="1"/>
+            <a:r>
+              <a:rPr lang="en-US" dirty="0"/>
+              <a:t>Example</a:t>
+            </a:r>
           </a:p>
         </p:txBody>
       </p:sp>
@@ -7281,7 +7895,7 @@
           <a:p>
             <a:fld id="{B08FEED8-D7D4-44E9-BFBC-ED06B5996D94}" type="datetime4">
               <a:rPr lang="en-US" smtClean="0"/>
-              <a:t>June 25, 2019</a:t>
+              <a:t>June 29, 2019</a:t>
             </a:fld>
             <a:endParaRPr lang="en-US" dirty="0"/>
           </a:p>
@@ -7303,11 +7917,11 @@
           <a:lstStyle/>
           <a:p>
             <a:r>
-              <a:rPr lang="en-US" smtClean="0"/>
+              <a:rPr lang="en-US"/>
               <a:t>Digital Scholarship Services </a:t>
             </a:r>
             <a:r>
-              <a:rPr lang="en-US" smtClean="0">
+              <a:rPr lang="en-US">
                 <a:solidFill>
                   <a:schemeClr val="accent1">
                     <a:lumMod val="50000"/>
@@ -7317,11 +7931,11 @@
               <a:t>| Email</a:t>
             </a:r>
             <a:r>
-              <a:rPr lang="en-US" smtClean="0"/>
+              <a:rPr lang="en-US"/>
               <a:t> cf24@rice.edu </a:t>
             </a:r>
             <a:r>
-              <a:rPr lang="en-US" smtClean="0">
+              <a:rPr lang="en-US">
                 <a:solidFill>
                   <a:schemeClr val="accent1">
                     <a:lumMod val="50000"/>
@@ -7331,7 +7945,7 @@
               <a:t>|</a:t>
             </a:r>
             <a:r>
-              <a:rPr lang="en-US" smtClean="0"/>
+              <a:rPr lang="en-US"/>
               <a:t> library.rice.edu/dss</a:t>
             </a:r>
             <a:endParaRPr lang="en-US" dirty="0"/>
@@ -7364,7 +7978,7 @@
     </p:spTree>
     <p:extLst>
       <p:ext uri="{BB962C8B-B14F-4D97-AF65-F5344CB8AC3E}">
-        <p14:creationId xmlns:p14="http://schemas.microsoft.com/office/powerpoint/2010/main" val="3381129877"/>
+        <p14:creationId xmlns:p14="http://schemas.microsoft.com/office/powerpoint/2010/main" val="880888547"/>
       </p:ext>
     </p:extLst>
   </p:cSld>
@@ -7407,10 +8021,9 @@
           <a:lstStyle/>
           <a:p>
             <a:r>
-              <a:rPr lang="en-US" dirty="0" smtClean="0"/>
-              <a:t>FILTERING</a:t>
-            </a:r>
-            <a:endParaRPr lang="en-US" dirty="0"/>
+              <a:rPr lang="en-US" dirty="0"/>
+              <a:t>A WORD OF WARNING ON FACTORS</a:t>
+            </a:r>
           </a:p>
         </p:txBody>
       </p:sp>
@@ -7429,6 +8042,116 @@
           <a:bodyPr/>
           <a:lstStyle/>
           <a:p>
+            <a:r>
+              <a:rPr lang="en-US" dirty="0"/>
+              <a:t>R is quick to assume strings you pass in data frames are factors</a:t>
+            </a:r>
+          </a:p>
+          <a:p>
+            <a:r>
+              <a:rPr lang="en-US" dirty="0"/>
+              <a:t>Example: </a:t>
+            </a:r>
+            <a:r>
+              <a:rPr lang="en-US" dirty="0">
+                <a:latin typeface="Courier New" panose="02070309020205020404" pitchFamily="49" charset="0"/>
+                <a:cs typeface="Courier New" panose="02070309020205020404" pitchFamily="49" charset="0"/>
+              </a:rPr>
+              <a:t>df &lt;- </a:t>
+            </a:r>
+            <a:r>
+              <a:rPr lang="en-US" dirty="0" err="1">
+                <a:latin typeface="Courier New" panose="02070309020205020404" pitchFamily="49" charset="0"/>
+                <a:cs typeface="Courier New" panose="02070309020205020404" pitchFamily="49" charset="0"/>
+              </a:rPr>
+              <a:t>data.frame</a:t>
+            </a:r>
+            <a:r>
+              <a:rPr lang="en-US" dirty="0">
+                <a:latin typeface="Courier New" panose="02070309020205020404" pitchFamily="49" charset="0"/>
+                <a:cs typeface="Courier New" panose="02070309020205020404" pitchFamily="49" charset="0"/>
+              </a:rPr>
+              <a:t>(name=c(“John”, “Molly”), age=c(15,17))</a:t>
+            </a:r>
+          </a:p>
+          <a:p>
+            <a:pPr lvl="1"/>
+            <a:r>
+              <a:rPr lang="en-US" dirty="0"/>
+              <a:t>Name is a factor!</a:t>
+            </a:r>
+          </a:p>
+          <a:p>
+            <a:pPr lvl="1"/>
+            <a:r>
+              <a:rPr lang="en-US" dirty="0"/>
+              <a:t>Does this make sense?</a:t>
+            </a:r>
+          </a:p>
+          <a:p>
+            <a:r>
+              <a:rPr lang="en-US" dirty="0"/>
+              <a:t>If this a problem (which it often is), change the type of the column with </a:t>
+            </a:r>
+            <a:r>
+              <a:rPr lang="en-US" dirty="0" err="1">
+                <a:latin typeface="Courier New" panose="02070309020205020404" pitchFamily="49" charset="0"/>
+                <a:cs typeface="Courier New" panose="02070309020205020404" pitchFamily="49" charset="0"/>
+              </a:rPr>
+              <a:t>as.character</a:t>
+            </a:r>
+            <a:r>
+              <a:rPr lang="en-US" dirty="0">
+                <a:latin typeface="Courier New" panose="02070309020205020404" pitchFamily="49" charset="0"/>
+                <a:cs typeface="Courier New" panose="02070309020205020404" pitchFamily="49" charset="0"/>
+              </a:rPr>
+              <a:t>().</a:t>
+            </a:r>
+          </a:p>
+          <a:p>
+            <a:pPr lvl="1"/>
+            <a:r>
+              <a:rPr lang="en-US" dirty="0" err="1">
+                <a:latin typeface="Courier New" panose="02070309020205020404" pitchFamily="49" charset="0"/>
+                <a:cs typeface="Courier New" panose="02070309020205020404" pitchFamily="49" charset="0"/>
+              </a:rPr>
+              <a:t>df$name</a:t>
+            </a:r>
+            <a:r>
+              <a:rPr lang="en-US" dirty="0">
+                <a:latin typeface="Courier New" panose="02070309020205020404" pitchFamily="49" charset="0"/>
+                <a:cs typeface="Courier New" panose="02070309020205020404" pitchFamily="49" charset="0"/>
+              </a:rPr>
+              <a:t> &lt;- </a:t>
+            </a:r>
+            <a:r>
+              <a:rPr lang="en-US" dirty="0" err="1">
+                <a:latin typeface="Courier New" panose="02070309020205020404" pitchFamily="49" charset="0"/>
+                <a:cs typeface="Courier New" panose="02070309020205020404" pitchFamily="49" charset="0"/>
+              </a:rPr>
+              <a:t>as.character</a:t>
+            </a:r>
+            <a:r>
+              <a:rPr lang="en-US" dirty="0">
+                <a:latin typeface="Courier New" panose="02070309020205020404" pitchFamily="49" charset="0"/>
+                <a:cs typeface="Courier New" panose="02070309020205020404" pitchFamily="49" charset="0"/>
+              </a:rPr>
+              <a:t>(</a:t>
+            </a:r>
+            <a:r>
+              <a:rPr lang="en-US" dirty="0" err="1">
+                <a:latin typeface="Courier New" panose="02070309020205020404" pitchFamily="49" charset="0"/>
+                <a:cs typeface="Courier New" panose="02070309020205020404" pitchFamily="49" charset="0"/>
+              </a:rPr>
+              <a:t>df$name</a:t>
+            </a:r>
+            <a:r>
+              <a:rPr lang="en-US" dirty="0">
+                <a:latin typeface="Courier New" panose="02070309020205020404" pitchFamily="49" charset="0"/>
+                <a:cs typeface="Courier New" panose="02070309020205020404" pitchFamily="49" charset="0"/>
+              </a:rPr>
+              <a:t>)</a:t>
+            </a:r>
             <a:endParaRPr lang="en-US" dirty="0"/>
           </a:p>
         </p:txBody>
@@ -7450,7 +8173,7 @@
           <a:p>
             <a:fld id="{B08FEED8-D7D4-44E9-BFBC-ED06B5996D94}" type="datetime4">
               <a:rPr lang="en-US" smtClean="0"/>
-              <a:t>June 25, 2019</a:t>
+              <a:t>June 29, 2019</a:t>
             </a:fld>
             <a:endParaRPr lang="en-US" dirty="0"/>
           </a:p>
@@ -7472,11 +8195,11 @@
           <a:lstStyle/>
           <a:p>
             <a:r>
-              <a:rPr lang="en-US" smtClean="0"/>
+              <a:rPr lang="en-US"/>
               <a:t>Digital Scholarship Services </a:t>
             </a:r>
             <a:r>
-              <a:rPr lang="en-US" smtClean="0">
+              <a:rPr lang="en-US">
                 <a:solidFill>
                   <a:schemeClr val="accent1">
                     <a:lumMod val="50000"/>
@@ -7486,11 +8209,11 @@
               <a:t>| Email</a:t>
             </a:r>
             <a:r>
-              <a:rPr lang="en-US" smtClean="0"/>
+              <a:rPr lang="en-US"/>
               <a:t> cf24@rice.edu </a:t>
             </a:r>
             <a:r>
-              <a:rPr lang="en-US" smtClean="0">
+              <a:rPr lang="en-US">
                 <a:solidFill>
                   <a:schemeClr val="accent1">
                     <a:lumMod val="50000"/>
@@ -7500,7 +8223,7 @@
               <a:t>|</a:t>
             </a:r>
             <a:r>
-              <a:rPr lang="en-US" smtClean="0"/>
+              <a:rPr lang="en-US"/>
               <a:t> library.rice.edu/dss</a:t>
             </a:r>
             <a:endParaRPr lang="en-US" dirty="0"/>
@@ -7533,7 +8256,7 @@
     </p:spTree>
     <p:extLst>
       <p:ext uri="{BB962C8B-B14F-4D97-AF65-F5344CB8AC3E}">
-        <p14:creationId xmlns:p14="http://schemas.microsoft.com/office/powerpoint/2010/main" val="2527648360"/>
+        <p14:creationId xmlns:p14="http://schemas.microsoft.com/office/powerpoint/2010/main" val="2216792158"/>
       </p:ext>
     </p:extLst>
   </p:cSld>
@@ -7562,7 +8285,13 @@
       </p:grpSpPr>
       <p:sp>
         <p:nvSpPr>
-          <p:cNvPr id="2" name="Title 1"/>
+          <p:cNvPr id="7" name="Title 6">
+            <a:extLst>
+              <a:ext uri="{FF2B5EF4-FFF2-40B4-BE49-F238E27FC236}">
+                <a16:creationId xmlns:a16="http://schemas.microsoft.com/office/drawing/2014/main" id="{184E2338-1026-45D4-9455-B21A88F18B28}"/>
+              </a:ext>
+            </a:extLst>
+          </p:cNvPr>
           <p:cNvSpPr>
             <a:spLocks noGrp="1"/>
           </p:cNvSpPr>
@@ -7576,16 +8305,21 @@
           <a:lstStyle/>
           <a:p>
             <a:r>
-              <a:rPr lang="en-US" dirty="0" smtClean="0"/>
-              <a:t>VISUALIZATION</a:t>
-            </a:r>
-            <a:endParaRPr lang="en-US" dirty="0"/>
-          </a:p>
-        </p:txBody>
-      </p:sp>
-      <p:sp>
-        <p:nvSpPr>
-          <p:cNvPr id="3" name="Text Placeholder 2"/>
+              <a:rPr lang="en-US" dirty="0"/>
+              <a:t>DATA MANIPULATION</a:t>
+            </a:r>
+          </a:p>
+        </p:txBody>
+      </p:sp>
+      <p:sp>
+        <p:nvSpPr>
+          <p:cNvPr id="8" name="Text Placeholder 7">
+            <a:extLst>
+              <a:ext uri="{FF2B5EF4-FFF2-40B4-BE49-F238E27FC236}">
+                <a16:creationId xmlns:a16="http://schemas.microsoft.com/office/drawing/2014/main" id="{DB42CCAB-C8E2-48A8-A9DF-EB0383A8B33C}"/>
+              </a:ext>
+            </a:extLst>
+          </p:cNvPr>
           <p:cNvSpPr>
             <a:spLocks noGrp="1"/>
           </p:cNvSpPr>
@@ -7599,16 +8333,21 @@
           <a:lstStyle/>
           <a:p>
             <a:r>
-              <a:rPr lang="en-US" dirty="0" smtClean="0"/>
-              <a:t>Scatterplots, boxplots, and histograms</a:t>
-            </a:r>
-            <a:endParaRPr lang="en-US" dirty="0"/>
-          </a:p>
-        </p:txBody>
-      </p:sp>
-      <p:sp>
-        <p:nvSpPr>
-          <p:cNvPr id="4" name="Date Placeholder 3"/>
+              <a:rPr lang="en-US" dirty="0"/>
+              <a:t>Subsetting and filtering</a:t>
+            </a:r>
+          </a:p>
+        </p:txBody>
+      </p:sp>
+      <p:sp>
+        <p:nvSpPr>
+          <p:cNvPr id="4" name="Date Placeholder 3">
+            <a:extLst>
+              <a:ext uri="{FF2B5EF4-FFF2-40B4-BE49-F238E27FC236}">
+                <a16:creationId xmlns:a16="http://schemas.microsoft.com/office/drawing/2014/main" id="{1CA94ACB-62A5-4F09-8C21-F0CE9BFB1606}"/>
+              </a:ext>
+            </a:extLst>
+          </p:cNvPr>
           <p:cNvSpPr>
             <a:spLocks noGrp="1"/>
           </p:cNvSpPr>
@@ -7621,9 +8360,9 @@
           <a:bodyPr/>
           <a:lstStyle/>
           <a:p>
-            <a:fld id="{B08FEED8-D7D4-44E9-BFBC-ED06B5996D94}" type="datetime4">
+            <a:fld id="{8AAE40A0-A7D8-4DC3-BC9E-BADA32DA2004}" type="datetime4">
               <a:rPr lang="en-US" smtClean="0"/>
-              <a:t>June 25, 2019</a:t>
+              <a:t>June 29, 2019</a:t>
             </a:fld>
             <a:endParaRPr lang="en-US" dirty="0"/>
           </a:p>
@@ -7631,7 +8370,13 @@
       </p:sp>
       <p:sp>
         <p:nvSpPr>
-          <p:cNvPr id="5" name="Footer Placeholder 4"/>
+          <p:cNvPr id="5" name="Footer Placeholder 4">
+            <a:extLst>
+              <a:ext uri="{FF2B5EF4-FFF2-40B4-BE49-F238E27FC236}">
+                <a16:creationId xmlns:a16="http://schemas.microsoft.com/office/drawing/2014/main" id="{D20B02B0-893D-4696-B6F7-A126B8D18E99}"/>
+              </a:ext>
+            </a:extLst>
+          </p:cNvPr>
           <p:cNvSpPr>
             <a:spLocks noGrp="1"/>
           </p:cNvSpPr>
@@ -7645,11 +8390,11 @@
           <a:lstStyle/>
           <a:p>
             <a:r>
-              <a:rPr lang="en-US" smtClean="0"/>
+              <a:rPr lang="en-US"/>
               <a:t>Digital Scholarship Services </a:t>
             </a:r>
             <a:r>
-              <a:rPr lang="en-US" smtClean="0">
+              <a:rPr lang="en-US">
                 <a:solidFill>
                   <a:schemeClr val="accent1">
                     <a:lumMod val="50000"/>
@@ -7659,11 +8404,11 @@
               <a:t>| Email</a:t>
             </a:r>
             <a:r>
-              <a:rPr lang="en-US" smtClean="0"/>
+              <a:rPr lang="en-US"/>
               <a:t> cf24@rice.edu </a:t>
             </a:r>
             <a:r>
-              <a:rPr lang="en-US" smtClean="0">
+              <a:rPr lang="en-US">
                 <a:solidFill>
                   <a:schemeClr val="accent1">
                     <a:lumMod val="50000"/>
@@ -7673,7 +8418,7 @@
               <a:t>|</a:t>
             </a:r>
             <a:r>
-              <a:rPr lang="en-US" smtClean="0"/>
+              <a:rPr lang="en-US"/>
               <a:t> library.rice.edu/dss</a:t>
             </a:r>
             <a:endParaRPr lang="en-US" dirty="0"/>
@@ -7682,7 +8427,13 @@
       </p:sp>
       <p:sp>
         <p:nvSpPr>
-          <p:cNvPr id="6" name="Slide Number Placeholder 5"/>
+          <p:cNvPr id="6" name="Slide Number Placeholder 5">
+            <a:extLst>
+              <a:ext uri="{FF2B5EF4-FFF2-40B4-BE49-F238E27FC236}">
+                <a16:creationId xmlns:a16="http://schemas.microsoft.com/office/drawing/2014/main" id="{1CFDA495-0063-4571-8969-0DD770DB39E0}"/>
+              </a:ext>
+            </a:extLst>
+          </p:cNvPr>
           <p:cNvSpPr>
             <a:spLocks noGrp="1"/>
           </p:cNvSpPr>
@@ -7706,7 +8457,7 @@
     </p:spTree>
     <p:extLst>
       <p:ext uri="{BB962C8B-B14F-4D97-AF65-F5344CB8AC3E}">
-        <p14:creationId xmlns:p14="http://schemas.microsoft.com/office/powerpoint/2010/main" val="2369420591"/>
+        <p14:creationId xmlns:p14="http://schemas.microsoft.com/office/powerpoint/2010/main" val="495434477"/>
       </p:ext>
     </p:extLst>
   </p:cSld>
@@ -7749,10 +8500,9 @@
           <a:lstStyle/>
           <a:p>
             <a:r>
-              <a:rPr lang="en-US" dirty="0" smtClean="0"/>
-              <a:t>SCATTERPLOTS</a:t>
-            </a:r>
-            <a:endParaRPr lang="en-US" dirty="0"/>
+              <a:rPr lang="en-US" dirty="0"/>
+              <a:t>SUBSETTING</a:t>
+            </a:r>
           </a:p>
         </p:txBody>
       </p:sp>
@@ -7771,7 +8521,16 @@
           <a:bodyPr/>
           <a:lstStyle/>
           <a:p>
-            <a:endParaRPr lang="en-US"/>
+            <a:r>
+              <a:rPr lang="en-US" dirty="0"/>
+              <a:t>By Row:</a:t>
+            </a:r>
+          </a:p>
+          <a:p>
+            <a:r>
+              <a:rPr lang="en-US" dirty="0"/>
+              <a:t>By Column:</a:t>
+            </a:r>
           </a:p>
         </p:txBody>
       </p:sp>
@@ -7792,7 +8551,7 @@
           <a:p>
             <a:fld id="{B08FEED8-D7D4-44E9-BFBC-ED06B5996D94}" type="datetime4">
               <a:rPr lang="en-US" smtClean="0"/>
-              <a:t>June 25, 2019</a:t>
+              <a:t>June 29, 2019</a:t>
             </a:fld>
             <a:endParaRPr lang="en-US" dirty="0"/>
           </a:p>
@@ -7814,11 +8573,11 @@
           <a:lstStyle/>
           <a:p>
             <a:r>
-              <a:rPr lang="en-US" smtClean="0"/>
+              <a:rPr lang="en-US"/>
               <a:t>Digital Scholarship Services </a:t>
             </a:r>
             <a:r>
-              <a:rPr lang="en-US" smtClean="0">
+              <a:rPr lang="en-US">
                 <a:solidFill>
                   <a:schemeClr val="accent1">
                     <a:lumMod val="50000"/>
@@ -7828,11 +8587,11 @@
               <a:t>| Email</a:t>
             </a:r>
             <a:r>
-              <a:rPr lang="en-US" smtClean="0"/>
+              <a:rPr lang="en-US"/>
               <a:t> cf24@rice.edu </a:t>
             </a:r>
             <a:r>
-              <a:rPr lang="en-US" smtClean="0">
+              <a:rPr lang="en-US">
                 <a:solidFill>
                   <a:schemeClr val="accent1">
                     <a:lumMod val="50000"/>
@@ -7842,7 +8601,7 @@
               <a:t>|</a:t>
             </a:r>
             <a:r>
-              <a:rPr lang="en-US" smtClean="0"/>
+              <a:rPr lang="en-US"/>
               <a:t> library.rice.edu/dss</a:t>
             </a:r>
             <a:endParaRPr lang="en-US" dirty="0"/>
@@ -7875,7 +8634,7 @@
     </p:spTree>
     <p:extLst>
       <p:ext uri="{BB962C8B-B14F-4D97-AF65-F5344CB8AC3E}">
-        <p14:creationId xmlns:p14="http://schemas.microsoft.com/office/powerpoint/2010/main" val="57454111"/>
+        <p14:creationId xmlns:p14="http://schemas.microsoft.com/office/powerpoint/2010/main" val="3381129877"/>
       </p:ext>
     </p:extLst>
   </p:cSld>
@@ -7918,10 +8677,9 @@
           <a:lstStyle/>
           <a:p>
             <a:r>
-              <a:rPr lang="en-US" dirty="0" smtClean="0"/>
-              <a:t>HISTOGRAMS</a:t>
-            </a:r>
-            <a:endParaRPr lang="en-US" dirty="0"/>
+              <a:rPr lang="en-US" dirty="0"/>
+              <a:t>FILTERING</a:t>
+            </a:r>
           </a:p>
         </p:txBody>
       </p:sp>
@@ -7940,7 +8698,7 @@
           <a:bodyPr/>
           <a:lstStyle/>
           <a:p>
-            <a:endParaRPr lang="en-US"/>
+            <a:endParaRPr lang="en-US" dirty="0"/>
           </a:p>
         </p:txBody>
       </p:sp>
@@ -7961,7 +8719,7 @@
           <a:p>
             <a:fld id="{B08FEED8-D7D4-44E9-BFBC-ED06B5996D94}" type="datetime4">
               <a:rPr lang="en-US" smtClean="0"/>
-              <a:t>June 25, 2019</a:t>
+              <a:t>June 29, 2019</a:t>
             </a:fld>
             <a:endParaRPr lang="en-US" dirty="0"/>
           </a:p>
@@ -7983,11 +8741,11 @@
           <a:lstStyle/>
           <a:p>
             <a:r>
-              <a:rPr lang="en-US" smtClean="0"/>
+              <a:rPr lang="en-US"/>
               <a:t>Digital Scholarship Services </a:t>
             </a:r>
             <a:r>
-              <a:rPr lang="en-US" smtClean="0">
+              <a:rPr lang="en-US">
                 <a:solidFill>
                   <a:schemeClr val="accent1">
                     <a:lumMod val="50000"/>
@@ -7997,11 +8755,11 @@
               <a:t>| Email</a:t>
             </a:r>
             <a:r>
-              <a:rPr lang="en-US" smtClean="0"/>
+              <a:rPr lang="en-US"/>
               <a:t> cf24@rice.edu </a:t>
             </a:r>
             <a:r>
-              <a:rPr lang="en-US" smtClean="0">
+              <a:rPr lang="en-US">
                 <a:solidFill>
                   <a:schemeClr val="accent1">
                     <a:lumMod val="50000"/>
@@ -8011,7 +8769,7 @@
               <a:t>|</a:t>
             </a:r>
             <a:r>
-              <a:rPr lang="en-US" smtClean="0"/>
+              <a:rPr lang="en-US"/>
               <a:t> library.rice.edu/dss</a:t>
             </a:r>
             <a:endParaRPr lang="en-US" dirty="0"/>
@@ -8044,7 +8802,7 @@
     </p:spTree>
     <p:extLst>
       <p:ext uri="{BB962C8B-B14F-4D97-AF65-F5344CB8AC3E}">
-        <p14:creationId xmlns:p14="http://schemas.microsoft.com/office/powerpoint/2010/main" val="4173686925"/>
+        <p14:creationId xmlns:p14="http://schemas.microsoft.com/office/powerpoint/2010/main" val="2527648360"/>
       </p:ext>
     </p:extLst>
   </p:cSld>
@@ -8090,17 +8848,8 @@
               <a:rPr lang="en-US" dirty="0">
                 <a:latin typeface="+mn-lt"/>
               </a:rPr>
-              <a:t>WHAT IS </a:t>
-            </a:r>
-            <a:r>
-              <a:rPr lang="en-US" dirty="0" smtClean="0">
-                <a:latin typeface="+mn-lt"/>
-              </a:rPr>
-              <a:t>RSTUDIO?</a:t>
-            </a:r>
-            <a:endParaRPr lang="en-US" dirty="0">
-              <a:latin typeface="+mn-lt"/>
-            </a:endParaRPr>
+              <a:t>WHAT IS RSTUDIO?</a:t>
+            </a:r>
           </a:p>
         </p:txBody>
       </p:sp>
@@ -8144,7 +8893,7 @@
           <a:p>
             <a:fld id="{3686C9ED-58DA-41A6-B894-9B830C59600E}" type="datetime4">
               <a:rPr lang="en-US" smtClean="0"/>
-              <a:t>June 25, 2019</a:t>
+              <a:t>June 29, 2019</a:t>
             </a:fld>
             <a:endParaRPr lang="en-US" dirty="0"/>
           </a:p>
@@ -8195,30 +8944,27 @@
           <a:lstStyle/>
           <a:p>
             <a:r>
-              <a:rPr lang="en-US" dirty="0" smtClean="0"/>
+              <a:rPr lang="en-US" dirty="0"/>
               <a:t>Open-source, but not entirely free</a:t>
             </a:r>
-            <a:endParaRPr lang="en-US" dirty="0"/>
-          </a:p>
-          <a:p>
-            <a:r>
-              <a:rPr lang="en-US" dirty="0" smtClean="0"/>
+          </a:p>
+          <a:p>
+            <a:r>
+              <a:rPr lang="en-US" dirty="0"/>
               <a:t>Graphical user interface providing easy access to R</a:t>
             </a:r>
           </a:p>
           <a:p>
             <a:r>
-              <a:rPr lang="en-US" dirty="0" smtClean="0"/>
+              <a:rPr lang="en-US" dirty="0"/>
               <a:t>Not officially affiliated with R</a:t>
             </a:r>
-            <a:endParaRPr lang="en-US" dirty="0" smtClean="0"/>
-          </a:p>
-          <a:p>
-            <a:r>
-              <a:rPr lang="en-US" dirty="0" smtClean="0"/>
+          </a:p>
+          <a:p>
+            <a:r>
+              <a:rPr lang="en-US" dirty="0"/>
               <a:t>Provides amazing cheat sheets!</a:t>
             </a:r>
-            <a:endParaRPr lang="en-US" dirty="0"/>
           </a:p>
         </p:txBody>
       </p:sp>
@@ -8268,10 +9014,9 @@
           <a:lstStyle/>
           <a:p>
             <a:r>
-              <a:rPr lang="en-US" dirty="0" smtClean="0"/>
-              <a:t>BOXPLOTS</a:t>
-            </a:r>
-            <a:endParaRPr lang="en-US" dirty="0"/>
+              <a:rPr lang="en-US" dirty="0"/>
+              <a:t>CLEANING</a:t>
+            </a:r>
           </a:p>
         </p:txBody>
       </p:sp>
@@ -8290,7 +9035,10 @@
           <a:bodyPr/>
           <a:lstStyle/>
           <a:p>
-            <a:endParaRPr lang="en-US"/>
+            <a:r>
+              <a:rPr lang="en-US" dirty="0"/>
+              <a:t>Use filter to delete unusable rows</a:t>
+            </a:r>
           </a:p>
         </p:txBody>
       </p:sp>
@@ -8311,7 +9059,7 @@
           <a:p>
             <a:fld id="{B08FEED8-D7D4-44E9-BFBC-ED06B5996D94}" type="datetime4">
               <a:rPr lang="en-US" smtClean="0"/>
-              <a:t>June 25, 2019</a:t>
+              <a:t>June 29, 2019</a:t>
             </a:fld>
             <a:endParaRPr lang="en-US" dirty="0"/>
           </a:p>
@@ -8333,11 +9081,11 @@
           <a:lstStyle/>
           <a:p>
             <a:r>
-              <a:rPr lang="en-US" smtClean="0"/>
+              <a:rPr lang="en-US"/>
               <a:t>Digital Scholarship Services </a:t>
             </a:r>
             <a:r>
-              <a:rPr lang="en-US" smtClean="0">
+              <a:rPr lang="en-US">
                 <a:solidFill>
                   <a:schemeClr val="accent1">
                     <a:lumMod val="50000"/>
@@ -8347,11 +9095,11 @@
               <a:t>| Email</a:t>
             </a:r>
             <a:r>
-              <a:rPr lang="en-US" smtClean="0"/>
+              <a:rPr lang="en-US"/>
               <a:t> cf24@rice.edu </a:t>
             </a:r>
             <a:r>
-              <a:rPr lang="en-US" smtClean="0">
+              <a:rPr lang="en-US">
                 <a:solidFill>
                   <a:schemeClr val="accent1">
                     <a:lumMod val="50000"/>
@@ -8361,7 +9109,7 @@
               <a:t>|</a:t>
             </a:r>
             <a:r>
-              <a:rPr lang="en-US" smtClean="0"/>
+              <a:rPr lang="en-US"/>
               <a:t> library.rice.edu/dss</a:t>
             </a:r>
             <a:endParaRPr lang="en-US" dirty="0"/>
@@ -8394,7 +9142,7 @@
     </p:spTree>
     <p:extLst>
       <p:ext uri="{BB962C8B-B14F-4D97-AF65-F5344CB8AC3E}">
-        <p14:creationId xmlns:p14="http://schemas.microsoft.com/office/powerpoint/2010/main" val="2295478352"/>
+        <p14:creationId xmlns:p14="http://schemas.microsoft.com/office/powerpoint/2010/main" val="1734905602"/>
       </p:ext>
     </p:extLst>
   </p:cSld>
@@ -8423,13 +9171,7 @@
       </p:grpSpPr>
       <p:sp>
         <p:nvSpPr>
-          <p:cNvPr id="7" name="Title 6">
-            <a:extLst>
-              <a:ext uri="{FF2B5EF4-FFF2-40B4-BE49-F238E27FC236}">
-                <a16:creationId xmlns:a16="http://schemas.microsoft.com/office/drawing/2014/main" id="{184E2338-1026-45D4-9455-B21A88F18B28}"/>
-              </a:ext>
-            </a:extLst>
-          </p:cNvPr>
+          <p:cNvPr id="7" name="Title 6"/>
           <p:cNvSpPr>
             <a:spLocks noGrp="1"/>
           </p:cNvSpPr>
@@ -8443,51 +9185,37 @@
           <a:lstStyle/>
           <a:p>
             <a:r>
-              <a:rPr lang="en-US" dirty="0" smtClean="0"/>
-              <a:t>MODELING</a:t>
-            </a:r>
-            <a:endParaRPr lang="en-US" dirty="0"/>
-          </a:p>
-        </p:txBody>
-      </p:sp>
-      <p:sp>
-        <p:nvSpPr>
-          <p:cNvPr id="8" name="Text Placeholder 7">
-            <a:extLst>
-              <a:ext uri="{FF2B5EF4-FFF2-40B4-BE49-F238E27FC236}">
-                <a16:creationId xmlns:a16="http://schemas.microsoft.com/office/drawing/2014/main" id="{DB42CCAB-C8E2-48A8-A9DF-EB0383A8B33C}"/>
-              </a:ext>
-            </a:extLst>
-          </p:cNvPr>
-          <p:cNvSpPr>
-            <a:spLocks noGrp="1"/>
-          </p:cNvSpPr>
-          <p:nvPr>
-            <p:ph type="body" idx="1"/>
-          </p:nvPr>
-        </p:nvSpPr>
-        <p:spPr/>
-        <p:txBody>
-          <a:bodyPr/>
-          <a:lstStyle/>
-          <a:p>
-            <a:r>
-              <a:rPr lang="en-US" dirty="0" smtClean="0"/>
-              <a:t>Simple and Multiple Linear Regression</a:t>
-            </a:r>
-            <a:endParaRPr lang="en-US" dirty="0"/>
-          </a:p>
-        </p:txBody>
-      </p:sp>
-      <p:sp>
-        <p:nvSpPr>
-          <p:cNvPr id="4" name="Date Placeholder 3">
-            <a:extLst>
-              <a:ext uri="{FF2B5EF4-FFF2-40B4-BE49-F238E27FC236}">
-                <a16:creationId xmlns:a16="http://schemas.microsoft.com/office/drawing/2014/main" id="{1CA94ACB-62A5-4F09-8C21-F0CE9BFB1606}"/>
-              </a:ext>
-            </a:extLst>
-          </p:cNvPr>
+              <a:rPr lang="en-US" dirty="0"/>
+              <a:t>SUMMARY FUNCTIONS</a:t>
+            </a:r>
+          </a:p>
+        </p:txBody>
+      </p:sp>
+      <p:sp>
+        <p:nvSpPr>
+          <p:cNvPr id="8" name="Content Placeholder 7"/>
+          <p:cNvSpPr>
+            <a:spLocks noGrp="1"/>
+          </p:cNvSpPr>
+          <p:nvPr>
+            <p:ph idx="1"/>
+          </p:nvPr>
+        </p:nvSpPr>
+        <p:spPr/>
+        <p:txBody>
+          <a:bodyPr/>
+          <a:lstStyle/>
+          <a:p>
+            <a:r>
+              <a:rPr lang="en-US" dirty="0"/>
+              <a:t>Mean, median, range, mode, standard deviation</a:t>
+            </a:r>
+          </a:p>
+        </p:txBody>
+      </p:sp>
+      <p:sp>
+        <p:nvSpPr>
+          <p:cNvPr id="4" name="Date Placeholder 3"/>
           <p:cNvSpPr>
             <a:spLocks noGrp="1"/>
           </p:cNvSpPr>
@@ -8500,9 +9228,9 @@
           <a:bodyPr/>
           <a:lstStyle/>
           <a:p>
-            <a:fld id="{8AAE40A0-A7D8-4DC3-BC9E-BADA32DA2004}" type="datetime4">
+            <a:fld id="{B08FEED8-D7D4-44E9-BFBC-ED06B5996D94}" type="datetime4">
               <a:rPr lang="en-US" smtClean="0"/>
-              <a:t>June 25, 2019</a:t>
+              <a:t>June 29, 2019</a:t>
             </a:fld>
             <a:endParaRPr lang="en-US" dirty="0"/>
           </a:p>
@@ -8510,13 +9238,7 @@
       </p:sp>
       <p:sp>
         <p:nvSpPr>
-          <p:cNvPr id="5" name="Footer Placeholder 4">
-            <a:extLst>
-              <a:ext uri="{FF2B5EF4-FFF2-40B4-BE49-F238E27FC236}">
-                <a16:creationId xmlns:a16="http://schemas.microsoft.com/office/drawing/2014/main" id="{D20B02B0-893D-4696-B6F7-A126B8D18E99}"/>
-              </a:ext>
-            </a:extLst>
-          </p:cNvPr>
+          <p:cNvPr id="5" name="Footer Placeholder 4"/>
           <p:cNvSpPr>
             <a:spLocks noGrp="1"/>
           </p:cNvSpPr>
@@ -8567,13 +9289,7 @@
       </p:sp>
       <p:sp>
         <p:nvSpPr>
-          <p:cNvPr id="6" name="Slide Number Placeholder 5">
-            <a:extLst>
-              <a:ext uri="{FF2B5EF4-FFF2-40B4-BE49-F238E27FC236}">
-                <a16:creationId xmlns:a16="http://schemas.microsoft.com/office/drawing/2014/main" id="{1CFDA495-0063-4571-8969-0DD770DB39E0}"/>
-              </a:ext>
-            </a:extLst>
-          </p:cNvPr>
+          <p:cNvPr id="6" name="Slide Number Placeholder 5"/>
           <p:cNvSpPr>
             <a:spLocks noGrp="1"/>
           </p:cNvSpPr>
@@ -8597,7 +9313,7 @@
     </p:spTree>
     <p:extLst>
       <p:ext uri="{BB962C8B-B14F-4D97-AF65-F5344CB8AC3E}">
-        <p14:creationId xmlns:p14="http://schemas.microsoft.com/office/powerpoint/2010/main" val="405926125"/>
+        <p14:creationId xmlns:p14="http://schemas.microsoft.com/office/powerpoint/2010/main" val="1071271775"/>
       </p:ext>
     </p:extLst>
   </p:cSld>
@@ -8640,10 +9356,9 @@
           <a:lstStyle/>
           <a:p>
             <a:r>
-              <a:rPr lang="en-US" dirty="0" smtClean="0"/>
-              <a:t>LINEAR MODELING</a:t>
-            </a:r>
-            <a:endParaRPr lang="en-US" dirty="0"/>
+              <a:rPr lang="en-US" dirty="0"/>
+              <a:t>THE APPLY FAMILY</a:t>
+            </a:r>
           </a:p>
         </p:txBody>
       </p:sp>
@@ -8662,7 +9377,7 @@
           <a:bodyPr/>
           <a:lstStyle/>
           <a:p>
-            <a:endParaRPr lang="en-US"/>
+            <a:endParaRPr lang="en-US" dirty="0"/>
           </a:p>
         </p:txBody>
       </p:sp>
@@ -8683,7 +9398,7 @@
           <a:p>
             <a:fld id="{B08FEED8-D7D4-44E9-BFBC-ED06B5996D94}" type="datetime4">
               <a:rPr lang="en-US" smtClean="0"/>
-              <a:t>June 25, 2019</a:t>
+              <a:t>June 29, 2019</a:t>
             </a:fld>
             <a:endParaRPr lang="en-US" dirty="0"/>
           </a:p>
@@ -8705,11 +9420,11 @@
           <a:lstStyle/>
           <a:p>
             <a:r>
-              <a:rPr lang="en-US" smtClean="0"/>
+              <a:rPr lang="en-US"/>
               <a:t>Digital Scholarship Services </a:t>
             </a:r>
             <a:r>
-              <a:rPr lang="en-US" smtClean="0">
+              <a:rPr lang="en-US">
                 <a:solidFill>
                   <a:schemeClr val="accent1">
                     <a:lumMod val="50000"/>
@@ -8719,11 +9434,11 @@
               <a:t>| Email</a:t>
             </a:r>
             <a:r>
-              <a:rPr lang="en-US" smtClean="0"/>
+              <a:rPr lang="en-US"/>
               <a:t> cf24@rice.edu </a:t>
             </a:r>
             <a:r>
-              <a:rPr lang="en-US" smtClean="0">
+              <a:rPr lang="en-US">
                 <a:solidFill>
                   <a:schemeClr val="accent1">
                     <a:lumMod val="50000"/>
@@ -8733,7 +9448,7 @@
               <a:t>|</a:t>
             </a:r>
             <a:r>
-              <a:rPr lang="en-US" smtClean="0"/>
+              <a:rPr lang="en-US"/>
               <a:t> library.rice.edu/dss</a:t>
             </a:r>
             <a:endParaRPr lang="en-US" dirty="0"/>
@@ -8766,7 +9481,7 @@
     </p:spTree>
     <p:extLst>
       <p:ext uri="{BB962C8B-B14F-4D97-AF65-F5344CB8AC3E}">
-        <p14:creationId xmlns:p14="http://schemas.microsoft.com/office/powerpoint/2010/main" val="2363324190"/>
+        <p14:creationId xmlns:p14="http://schemas.microsoft.com/office/powerpoint/2010/main" val="2319623369"/>
       </p:ext>
     </p:extLst>
   </p:cSld>
@@ -8809,10 +9524,9 @@
           <a:lstStyle/>
           <a:p>
             <a:r>
-              <a:rPr lang="en-US" dirty="0" smtClean="0"/>
-              <a:t>VISUALIZING LINEAR MODELS</a:t>
-            </a:r>
-            <a:endParaRPr lang="en-US" dirty="0"/>
+              <a:rPr lang="en-US" dirty="0"/>
+              <a:t>LOGICAL INDEXING</a:t>
+            </a:r>
           </a:p>
         </p:txBody>
       </p:sp>
@@ -8831,7 +9545,7 @@
           <a:bodyPr/>
           <a:lstStyle/>
           <a:p>
-            <a:endParaRPr lang="en-US"/>
+            <a:endParaRPr lang="en-US" dirty="0"/>
           </a:p>
         </p:txBody>
       </p:sp>
@@ -8852,7 +9566,7 @@
           <a:p>
             <a:fld id="{B08FEED8-D7D4-44E9-BFBC-ED06B5996D94}" type="datetime4">
               <a:rPr lang="en-US" smtClean="0"/>
-              <a:t>June 25, 2019</a:t>
+              <a:t>June 29, 2019</a:t>
             </a:fld>
             <a:endParaRPr lang="en-US" dirty="0"/>
           </a:p>
@@ -8874,11 +9588,11 @@
           <a:lstStyle/>
           <a:p>
             <a:r>
-              <a:rPr lang="en-US" smtClean="0"/>
+              <a:rPr lang="en-US"/>
               <a:t>Digital Scholarship Services </a:t>
             </a:r>
             <a:r>
-              <a:rPr lang="en-US" smtClean="0">
+              <a:rPr lang="en-US">
                 <a:solidFill>
                   <a:schemeClr val="accent1">
                     <a:lumMod val="50000"/>
@@ -8888,11 +9602,11 @@
               <a:t>| Email</a:t>
             </a:r>
             <a:r>
-              <a:rPr lang="en-US" smtClean="0"/>
+              <a:rPr lang="en-US"/>
               <a:t> cf24@rice.edu </a:t>
             </a:r>
             <a:r>
-              <a:rPr lang="en-US" smtClean="0">
+              <a:rPr lang="en-US">
                 <a:solidFill>
                   <a:schemeClr val="accent1">
                     <a:lumMod val="50000"/>
@@ -8902,7 +9616,7 @@
               <a:t>|</a:t>
             </a:r>
             <a:r>
-              <a:rPr lang="en-US" smtClean="0"/>
+              <a:rPr lang="en-US"/>
               <a:t> library.rice.edu/dss</a:t>
             </a:r>
             <a:endParaRPr lang="en-US" dirty="0"/>
@@ -8935,7 +9649,7 @@
     </p:spTree>
     <p:extLst>
       <p:ext uri="{BB962C8B-B14F-4D97-AF65-F5344CB8AC3E}">
-        <p14:creationId xmlns:p14="http://schemas.microsoft.com/office/powerpoint/2010/main" val="3947473994"/>
+        <p14:creationId xmlns:p14="http://schemas.microsoft.com/office/powerpoint/2010/main" val="3600469135"/>
       </p:ext>
     </p:extLst>
   </p:cSld>
@@ -8964,13 +9678,7 @@
       </p:grpSpPr>
       <p:sp>
         <p:nvSpPr>
-          <p:cNvPr id="7" name="Title 6">
-            <a:extLst>
-              <a:ext uri="{FF2B5EF4-FFF2-40B4-BE49-F238E27FC236}">
-                <a16:creationId xmlns:a16="http://schemas.microsoft.com/office/drawing/2014/main" id="{495B4BC0-844B-4414-A623-BEF78AAC1BA1}"/>
-              </a:ext>
-            </a:extLst>
-          </p:cNvPr>
+          <p:cNvPr id="2" name="Title 1"/>
           <p:cNvSpPr>
             <a:spLocks noGrp="1"/>
           </p:cNvSpPr>
@@ -8985,57 +9693,36 @@
           <a:p>
             <a:r>
               <a:rPr lang="en-US" dirty="0"/>
-              <a:t>ACKNOWLEDGMENTS</a:t>
-            </a:r>
-          </a:p>
-        </p:txBody>
-      </p:sp>
-      <p:sp>
-        <p:nvSpPr>
-          <p:cNvPr id="8" name="Content Placeholder 7">
-            <a:extLst>
-              <a:ext uri="{FF2B5EF4-FFF2-40B4-BE49-F238E27FC236}">
-                <a16:creationId xmlns:a16="http://schemas.microsoft.com/office/drawing/2014/main" id="{2BED3EB3-7E98-4A82-8335-7321D9E37B16}"/>
-              </a:ext>
-            </a:extLst>
-          </p:cNvPr>
-          <p:cNvSpPr>
-            <a:spLocks noGrp="1"/>
-          </p:cNvSpPr>
-          <p:nvPr>
-            <p:ph idx="1"/>
-          </p:nvPr>
-        </p:nvSpPr>
-        <p:spPr/>
-        <p:txBody>
-          <a:bodyPr/>
-          <a:lstStyle/>
-          <a:p>
-            <a:r>
-              <a:rPr lang="en-US" dirty="0" smtClean="0"/>
-              <a:t>The R logo (https://www.r-project.org/logo/) is used under the terms of the Creative Commons Attribution-</a:t>
-            </a:r>
-            <a:r>
-              <a:rPr lang="en-US" dirty="0" err="1" smtClean="0"/>
-              <a:t>ShareAlike</a:t>
-            </a:r>
-            <a:r>
-              <a:rPr lang="en-US" dirty="0" smtClean="0"/>
-              <a:t> 4.0 International license.</a:t>
-            </a:r>
-            <a:endParaRPr lang="en-US" dirty="0"/>
-          </a:p>
-        </p:txBody>
-      </p:sp>
-      <p:sp>
-        <p:nvSpPr>
-          <p:cNvPr id="4" name="Date Placeholder 3">
-            <a:extLst>
-              <a:ext uri="{FF2B5EF4-FFF2-40B4-BE49-F238E27FC236}">
-                <a16:creationId xmlns:a16="http://schemas.microsoft.com/office/drawing/2014/main" id="{540F37F1-4F33-429F-A568-1A3ADC499E54}"/>
-              </a:ext>
-            </a:extLst>
-          </p:cNvPr>
+              <a:t>VISUALIZATION</a:t>
+            </a:r>
+          </a:p>
+        </p:txBody>
+      </p:sp>
+      <p:sp>
+        <p:nvSpPr>
+          <p:cNvPr id="3" name="Text Placeholder 2"/>
+          <p:cNvSpPr>
+            <a:spLocks noGrp="1"/>
+          </p:cNvSpPr>
+          <p:nvPr>
+            <p:ph type="body" idx="1"/>
+          </p:nvPr>
+        </p:nvSpPr>
+        <p:spPr/>
+        <p:txBody>
+          <a:bodyPr/>
+          <a:lstStyle/>
+          <a:p>
+            <a:r>
+              <a:rPr lang="en-US" dirty="0"/>
+              <a:t>Scatterplots, boxplots, and histograms</a:t>
+            </a:r>
+          </a:p>
+        </p:txBody>
+      </p:sp>
+      <p:sp>
+        <p:nvSpPr>
+          <p:cNvPr id="4" name="Date Placeholder 3"/>
           <p:cNvSpPr>
             <a:spLocks noGrp="1"/>
           </p:cNvSpPr>
@@ -9050,7 +9737,7 @@
           <a:p>
             <a:fld id="{B08FEED8-D7D4-44E9-BFBC-ED06B5996D94}" type="datetime4">
               <a:rPr lang="en-US" smtClean="0"/>
-              <a:t>June 25, 2019</a:t>
+              <a:t>June 29, 2019</a:t>
             </a:fld>
             <a:endParaRPr lang="en-US" dirty="0"/>
           </a:p>
@@ -9058,13 +9745,7 @@
       </p:sp>
       <p:sp>
         <p:nvSpPr>
-          <p:cNvPr id="5" name="Footer Placeholder 4">
-            <a:extLst>
-              <a:ext uri="{FF2B5EF4-FFF2-40B4-BE49-F238E27FC236}">
-                <a16:creationId xmlns:a16="http://schemas.microsoft.com/office/drawing/2014/main" id="{673FFA57-C126-4795-A5F6-DD33AAC5ACBD}"/>
-              </a:ext>
-            </a:extLst>
-          </p:cNvPr>
+          <p:cNvPr id="5" name="Footer Placeholder 4"/>
           <p:cNvSpPr>
             <a:spLocks noGrp="1"/>
           </p:cNvSpPr>
@@ -9115,13 +9796,7 @@
       </p:sp>
       <p:sp>
         <p:nvSpPr>
-          <p:cNvPr id="6" name="Slide Number Placeholder 5">
-            <a:extLst>
-              <a:ext uri="{FF2B5EF4-FFF2-40B4-BE49-F238E27FC236}">
-                <a16:creationId xmlns:a16="http://schemas.microsoft.com/office/drawing/2014/main" id="{2FA49567-BB70-4798-8746-D0B522CCEE20}"/>
-              </a:ext>
-            </a:extLst>
-          </p:cNvPr>
+          <p:cNvPr id="6" name="Slide Number Placeholder 5"/>
           <p:cNvSpPr>
             <a:spLocks noGrp="1"/>
           </p:cNvSpPr>
@@ -9145,7 +9820,880 @@
     </p:spTree>
     <p:extLst>
       <p:ext uri="{BB962C8B-B14F-4D97-AF65-F5344CB8AC3E}">
-        <p14:creationId xmlns:p14="http://schemas.microsoft.com/office/powerpoint/2010/main" val="1585568494"/>
+        <p14:creationId xmlns:p14="http://schemas.microsoft.com/office/powerpoint/2010/main" val="2369420591"/>
+      </p:ext>
+    </p:extLst>
+  </p:cSld>
+  <p:clrMapOvr>
+    <a:masterClrMapping/>
+  </p:clrMapOvr>
+</p:sld>
+</file>
+
+<file path=ppt/slides/slide35.xml><?xml version="1.0" encoding="utf-8"?>
+<p:sld xmlns:a="http://schemas.openxmlformats.org/drawingml/2006/main" xmlns:r="http://schemas.openxmlformats.org/officeDocument/2006/relationships" xmlns:p="http://schemas.openxmlformats.org/presentationml/2006/main">
+  <p:cSld>
+    <p:spTree>
+      <p:nvGrpSpPr>
+        <p:cNvPr id="1" name=""/>
+        <p:cNvGrpSpPr/>
+        <p:nvPr/>
+      </p:nvGrpSpPr>
+      <p:grpSpPr>
+        <a:xfrm>
+          <a:off x="0" y="0"/>
+          <a:ext cx="0" cy="0"/>
+          <a:chOff x="0" y="0"/>
+          <a:chExt cx="0" cy="0"/>
+        </a:xfrm>
+      </p:grpSpPr>
+      <p:sp>
+        <p:nvSpPr>
+          <p:cNvPr id="7" name="Title 6"/>
+          <p:cNvSpPr>
+            <a:spLocks noGrp="1"/>
+          </p:cNvSpPr>
+          <p:nvPr>
+            <p:ph type="title"/>
+          </p:nvPr>
+        </p:nvSpPr>
+        <p:spPr/>
+        <p:txBody>
+          <a:bodyPr/>
+          <a:lstStyle/>
+          <a:p>
+            <a:r>
+              <a:rPr lang="en-US" dirty="0"/>
+              <a:t>SCATTERPLOTS</a:t>
+            </a:r>
+          </a:p>
+        </p:txBody>
+      </p:sp>
+      <p:sp>
+        <p:nvSpPr>
+          <p:cNvPr id="8" name="Content Placeholder 7"/>
+          <p:cNvSpPr>
+            <a:spLocks noGrp="1"/>
+          </p:cNvSpPr>
+          <p:nvPr>
+            <p:ph idx="1"/>
+          </p:nvPr>
+        </p:nvSpPr>
+        <p:spPr/>
+        <p:txBody>
+          <a:bodyPr/>
+          <a:lstStyle/>
+          <a:p>
+            <a:endParaRPr lang="en-US"/>
+          </a:p>
+        </p:txBody>
+      </p:sp>
+      <p:sp>
+        <p:nvSpPr>
+          <p:cNvPr id="4" name="Date Placeholder 3"/>
+          <p:cNvSpPr>
+            <a:spLocks noGrp="1"/>
+          </p:cNvSpPr>
+          <p:nvPr>
+            <p:ph type="dt" sz="half" idx="10"/>
+          </p:nvPr>
+        </p:nvSpPr>
+        <p:spPr/>
+        <p:txBody>
+          <a:bodyPr/>
+          <a:lstStyle/>
+          <a:p>
+            <a:fld id="{B08FEED8-D7D4-44E9-BFBC-ED06B5996D94}" type="datetime4">
+              <a:rPr lang="en-US" smtClean="0"/>
+              <a:t>June 29, 2019</a:t>
+            </a:fld>
+            <a:endParaRPr lang="en-US" dirty="0"/>
+          </a:p>
+        </p:txBody>
+      </p:sp>
+      <p:sp>
+        <p:nvSpPr>
+          <p:cNvPr id="5" name="Footer Placeholder 4"/>
+          <p:cNvSpPr>
+            <a:spLocks noGrp="1"/>
+          </p:cNvSpPr>
+          <p:nvPr>
+            <p:ph type="ftr" sz="quarter" idx="11"/>
+          </p:nvPr>
+        </p:nvSpPr>
+        <p:spPr/>
+        <p:txBody>
+          <a:bodyPr/>
+          <a:lstStyle/>
+          <a:p>
+            <a:r>
+              <a:rPr lang="en-US"/>
+              <a:t>Digital Scholarship Services </a:t>
+            </a:r>
+            <a:r>
+              <a:rPr lang="en-US">
+                <a:solidFill>
+                  <a:schemeClr val="accent1">
+                    <a:lumMod val="50000"/>
+                  </a:schemeClr>
+                </a:solidFill>
+              </a:rPr>
+              <a:t>| Email</a:t>
+            </a:r>
+            <a:r>
+              <a:rPr lang="en-US"/>
+              <a:t> cf24@rice.edu </a:t>
+            </a:r>
+            <a:r>
+              <a:rPr lang="en-US">
+                <a:solidFill>
+                  <a:schemeClr val="accent1">
+                    <a:lumMod val="50000"/>
+                  </a:schemeClr>
+                </a:solidFill>
+              </a:rPr>
+              <a:t>|</a:t>
+            </a:r>
+            <a:r>
+              <a:rPr lang="en-US"/>
+              <a:t> library.rice.edu/dss</a:t>
+            </a:r>
+            <a:endParaRPr lang="en-US" dirty="0"/>
+          </a:p>
+        </p:txBody>
+      </p:sp>
+      <p:sp>
+        <p:nvSpPr>
+          <p:cNvPr id="6" name="Slide Number Placeholder 5"/>
+          <p:cNvSpPr>
+            <a:spLocks noGrp="1"/>
+          </p:cNvSpPr>
+          <p:nvPr>
+            <p:ph type="sldNum" sz="quarter" idx="12"/>
+          </p:nvPr>
+        </p:nvSpPr>
+        <p:spPr/>
+        <p:txBody>
+          <a:bodyPr/>
+          <a:lstStyle/>
+          <a:p>
+            <a:fld id="{D57F1E4F-1CFF-5643-939E-02111984F565}" type="slidenum">
+              <a:rPr lang="en-US" smtClean="0"/>
+              <a:t>35</a:t>
+            </a:fld>
+            <a:endParaRPr lang="en-US" dirty="0"/>
+          </a:p>
+        </p:txBody>
+      </p:sp>
+    </p:spTree>
+    <p:extLst>
+      <p:ext uri="{BB962C8B-B14F-4D97-AF65-F5344CB8AC3E}">
+        <p14:creationId xmlns:p14="http://schemas.microsoft.com/office/powerpoint/2010/main" val="57454111"/>
+      </p:ext>
+    </p:extLst>
+  </p:cSld>
+  <p:clrMapOvr>
+    <a:masterClrMapping/>
+  </p:clrMapOvr>
+</p:sld>
+</file>
+
+<file path=ppt/slides/slide36.xml><?xml version="1.0" encoding="utf-8"?>
+<p:sld xmlns:a="http://schemas.openxmlformats.org/drawingml/2006/main" xmlns:r="http://schemas.openxmlformats.org/officeDocument/2006/relationships" xmlns:p="http://schemas.openxmlformats.org/presentationml/2006/main">
+  <p:cSld>
+    <p:spTree>
+      <p:nvGrpSpPr>
+        <p:cNvPr id="1" name=""/>
+        <p:cNvGrpSpPr/>
+        <p:nvPr/>
+      </p:nvGrpSpPr>
+      <p:grpSpPr>
+        <a:xfrm>
+          <a:off x="0" y="0"/>
+          <a:ext cx="0" cy="0"/>
+          <a:chOff x="0" y="0"/>
+          <a:chExt cx="0" cy="0"/>
+        </a:xfrm>
+      </p:grpSpPr>
+      <p:sp>
+        <p:nvSpPr>
+          <p:cNvPr id="7" name="Title 6"/>
+          <p:cNvSpPr>
+            <a:spLocks noGrp="1"/>
+          </p:cNvSpPr>
+          <p:nvPr>
+            <p:ph type="title"/>
+          </p:nvPr>
+        </p:nvSpPr>
+        <p:spPr/>
+        <p:txBody>
+          <a:bodyPr/>
+          <a:lstStyle/>
+          <a:p>
+            <a:r>
+              <a:rPr lang="en-US" dirty="0"/>
+              <a:t>HISTOGRAMS</a:t>
+            </a:r>
+          </a:p>
+        </p:txBody>
+      </p:sp>
+      <p:sp>
+        <p:nvSpPr>
+          <p:cNvPr id="8" name="Content Placeholder 7"/>
+          <p:cNvSpPr>
+            <a:spLocks noGrp="1"/>
+          </p:cNvSpPr>
+          <p:nvPr>
+            <p:ph idx="1"/>
+          </p:nvPr>
+        </p:nvSpPr>
+        <p:spPr/>
+        <p:txBody>
+          <a:bodyPr/>
+          <a:lstStyle/>
+          <a:p>
+            <a:endParaRPr lang="en-US"/>
+          </a:p>
+        </p:txBody>
+      </p:sp>
+      <p:sp>
+        <p:nvSpPr>
+          <p:cNvPr id="4" name="Date Placeholder 3"/>
+          <p:cNvSpPr>
+            <a:spLocks noGrp="1"/>
+          </p:cNvSpPr>
+          <p:nvPr>
+            <p:ph type="dt" sz="half" idx="10"/>
+          </p:nvPr>
+        </p:nvSpPr>
+        <p:spPr/>
+        <p:txBody>
+          <a:bodyPr/>
+          <a:lstStyle/>
+          <a:p>
+            <a:fld id="{B08FEED8-D7D4-44E9-BFBC-ED06B5996D94}" type="datetime4">
+              <a:rPr lang="en-US" smtClean="0"/>
+              <a:t>June 29, 2019</a:t>
+            </a:fld>
+            <a:endParaRPr lang="en-US" dirty="0"/>
+          </a:p>
+        </p:txBody>
+      </p:sp>
+      <p:sp>
+        <p:nvSpPr>
+          <p:cNvPr id="5" name="Footer Placeholder 4"/>
+          <p:cNvSpPr>
+            <a:spLocks noGrp="1"/>
+          </p:cNvSpPr>
+          <p:nvPr>
+            <p:ph type="ftr" sz="quarter" idx="11"/>
+          </p:nvPr>
+        </p:nvSpPr>
+        <p:spPr/>
+        <p:txBody>
+          <a:bodyPr/>
+          <a:lstStyle/>
+          <a:p>
+            <a:r>
+              <a:rPr lang="en-US"/>
+              <a:t>Digital Scholarship Services </a:t>
+            </a:r>
+            <a:r>
+              <a:rPr lang="en-US">
+                <a:solidFill>
+                  <a:schemeClr val="accent1">
+                    <a:lumMod val="50000"/>
+                  </a:schemeClr>
+                </a:solidFill>
+              </a:rPr>
+              <a:t>| Email</a:t>
+            </a:r>
+            <a:r>
+              <a:rPr lang="en-US"/>
+              <a:t> cf24@rice.edu </a:t>
+            </a:r>
+            <a:r>
+              <a:rPr lang="en-US">
+                <a:solidFill>
+                  <a:schemeClr val="accent1">
+                    <a:lumMod val="50000"/>
+                  </a:schemeClr>
+                </a:solidFill>
+              </a:rPr>
+              <a:t>|</a:t>
+            </a:r>
+            <a:r>
+              <a:rPr lang="en-US"/>
+              <a:t> library.rice.edu/dss</a:t>
+            </a:r>
+            <a:endParaRPr lang="en-US" dirty="0"/>
+          </a:p>
+        </p:txBody>
+      </p:sp>
+      <p:sp>
+        <p:nvSpPr>
+          <p:cNvPr id="6" name="Slide Number Placeholder 5"/>
+          <p:cNvSpPr>
+            <a:spLocks noGrp="1"/>
+          </p:cNvSpPr>
+          <p:nvPr>
+            <p:ph type="sldNum" sz="quarter" idx="12"/>
+          </p:nvPr>
+        </p:nvSpPr>
+        <p:spPr/>
+        <p:txBody>
+          <a:bodyPr/>
+          <a:lstStyle/>
+          <a:p>
+            <a:fld id="{D57F1E4F-1CFF-5643-939E-02111984F565}" type="slidenum">
+              <a:rPr lang="en-US" smtClean="0"/>
+              <a:t>36</a:t>
+            </a:fld>
+            <a:endParaRPr lang="en-US" dirty="0"/>
+          </a:p>
+        </p:txBody>
+      </p:sp>
+    </p:spTree>
+    <p:extLst>
+      <p:ext uri="{BB962C8B-B14F-4D97-AF65-F5344CB8AC3E}">
+        <p14:creationId xmlns:p14="http://schemas.microsoft.com/office/powerpoint/2010/main" val="4173686925"/>
+      </p:ext>
+    </p:extLst>
+  </p:cSld>
+  <p:clrMapOvr>
+    <a:masterClrMapping/>
+  </p:clrMapOvr>
+</p:sld>
+</file>
+
+<file path=ppt/slides/slide37.xml><?xml version="1.0" encoding="utf-8"?>
+<p:sld xmlns:a="http://schemas.openxmlformats.org/drawingml/2006/main" xmlns:r="http://schemas.openxmlformats.org/officeDocument/2006/relationships" xmlns:p="http://schemas.openxmlformats.org/presentationml/2006/main">
+  <p:cSld>
+    <p:spTree>
+      <p:nvGrpSpPr>
+        <p:cNvPr id="1" name=""/>
+        <p:cNvGrpSpPr/>
+        <p:nvPr/>
+      </p:nvGrpSpPr>
+      <p:grpSpPr>
+        <a:xfrm>
+          <a:off x="0" y="0"/>
+          <a:ext cx="0" cy="0"/>
+          <a:chOff x="0" y="0"/>
+          <a:chExt cx="0" cy="0"/>
+        </a:xfrm>
+      </p:grpSpPr>
+      <p:sp>
+        <p:nvSpPr>
+          <p:cNvPr id="7" name="Title 6"/>
+          <p:cNvSpPr>
+            <a:spLocks noGrp="1"/>
+          </p:cNvSpPr>
+          <p:nvPr>
+            <p:ph type="title"/>
+          </p:nvPr>
+        </p:nvSpPr>
+        <p:spPr/>
+        <p:txBody>
+          <a:bodyPr/>
+          <a:lstStyle/>
+          <a:p>
+            <a:r>
+              <a:rPr lang="en-US" dirty="0"/>
+              <a:t>BOXPLOTS</a:t>
+            </a:r>
+          </a:p>
+        </p:txBody>
+      </p:sp>
+      <p:sp>
+        <p:nvSpPr>
+          <p:cNvPr id="8" name="Content Placeholder 7"/>
+          <p:cNvSpPr>
+            <a:spLocks noGrp="1"/>
+          </p:cNvSpPr>
+          <p:nvPr>
+            <p:ph idx="1"/>
+          </p:nvPr>
+        </p:nvSpPr>
+        <p:spPr/>
+        <p:txBody>
+          <a:bodyPr/>
+          <a:lstStyle/>
+          <a:p>
+            <a:endParaRPr lang="en-US"/>
+          </a:p>
+        </p:txBody>
+      </p:sp>
+      <p:sp>
+        <p:nvSpPr>
+          <p:cNvPr id="4" name="Date Placeholder 3"/>
+          <p:cNvSpPr>
+            <a:spLocks noGrp="1"/>
+          </p:cNvSpPr>
+          <p:nvPr>
+            <p:ph type="dt" sz="half" idx="10"/>
+          </p:nvPr>
+        </p:nvSpPr>
+        <p:spPr/>
+        <p:txBody>
+          <a:bodyPr/>
+          <a:lstStyle/>
+          <a:p>
+            <a:fld id="{B08FEED8-D7D4-44E9-BFBC-ED06B5996D94}" type="datetime4">
+              <a:rPr lang="en-US" smtClean="0"/>
+              <a:t>June 29, 2019</a:t>
+            </a:fld>
+            <a:endParaRPr lang="en-US" dirty="0"/>
+          </a:p>
+        </p:txBody>
+      </p:sp>
+      <p:sp>
+        <p:nvSpPr>
+          <p:cNvPr id="5" name="Footer Placeholder 4"/>
+          <p:cNvSpPr>
+            <a:spLocks noGrp="1"/>
+          </p:cNvSpPr>
+          <p:nvPr>
+            <p:ph type="ftr" sz="quarter" idx="11"/>
+          </p:nvPr>
+        </p:nvSpPr>
+        <p:spPr/>
+        <p:txBody>
+          <a:bodyPr/>
+          <a:lstStyle/>
+          <a:p>
+            <a:r>
+              <a:rPr lang="en-US"/>
+              <a:t>Digital Scholarship Services </a:t>
+            </a:r>
+            <a:r>
+              <a:rPr lang="en-US">
+                <a:solidFill>
+                  <a:schemeClr val="accent1">
+                    <a:lumMod val="50000"/>
+                  </a:schemeClr>
+                </a:solidFill>
+              </a:rPr>
+              <a:t>| Email</a:t>
+            </a:r>
+            <a:r>
+              <a:rPr lang="en-US"/>
+              <a:t> cf24@rice.edu </a:t>
+            </a:r>
+            <a:r>
+              <a:rPr lang="en-US">
+                <a:solidFill>
+                  <a:schemeClr val="accent1">
+                    <a:lumMod val="50000"/>
+                  </a:schemeClr>
+                </a:solidFill>
+              </a:rPr>
+              <a:t>|</a:t>
+            </a:r>
+            <a:r>
+              <a:rPr lang="en-US"/>
+              <a:t> library.rice.edu/dss</a:t>
+            </a:r>
+            <a:endParaRPr lang="en-US" dirty="0"/>
+          </a:p>
+        </p:txBody>
+      </p:sp>
+      <p:sp>
+        <p:nvSpPr>
+          <p:cNvPr id="6" name="Slide Number Placeholder 5"/>
+          <p:cNvSpPr>
+            <a:spLocks noGrp="1"/>
+          </p:cNvSpPr>
+          <p:nvPr>
+            <p:ph type="sldNum" sz="quarter" idx="12"/>
+          </p:nvPr>
+        </p:nvSpPr>
+        <p:spPr/>
+        <p:txBody>
+          <a:bodyPr/>
+          <a:lstStyle/>
+          <a:p>
+            <a:fld id="{D57F1E4F-1CFF-5643-939E-02111984F565}" type="slidenum">
+              <a:rPr lang="en-US" smtClean="0"/>
+              <a:t>37</a:t>
+            </a:fld>
+            <a:endParaRPr lang="en-US" dirty="0"/>
+          </a:p>
+        </p:txBody>
+      </p:sp>
+    </p:spTree>
+    <p:extLst>
+      <p:ext uri="{BB962C8B-B14F-4D97-AF65-F5344CB8AC3E}">
+        <p14:creationId xmlns:p14="http://schemas.microsoft.com/office/powerpoint/2010/main" val="2295478352"/>
+      </p:ext>
+    </p:extLst>
+  </p:cSld>
+  <p:clrMapOvr>
+    <a:masterClrMapping/>
+  </p:clrMapOvr>
+</p:sld>
+</file>
+
+<file path=ppt/slides/slide38.xml><?xml version="1.0" encoding="utf-8"?>
+<p:sld xmlns:a="http://schemas.openxmlformats.org/drawingml/2006/main" xmlns:r="http://schemas.openxmlformats.org/officeDocument/2006/relationships" xmlns:p="http://schemas.openxmlformats.org/presentationml/2006/main">
+  <p:cSld>
+    <p:spTree>
+      <p:nvGrpSpPr>
+        <p:cNvPr id="1" name=""/>
+        <p:cNvGrpSpPr/>
+        <p:nvPr/>
+      </p:nvGrpSpPr>
+      <p:grpSpPr>
+        <a:xfrm>
+          <a:off x="0" y="0"/>
+          <a:ext cx="0" cy="0"/>
+          <a:chOff x="0" y="0"/>
+          <a:chExt cx="0" cy="0"/>
+        </a:xfrm>
+      </p:grpSpPr>
+      <p:sp>
+        <p:nvSpPr>
+          <p:cNvPr id="7" name="Title 6">
+            <a:extLst>
+              <a:ext uri="{FF2B5EF4-FFF2-40B4-BE49-F238E27FC236}">
+                <a16:creationId xmlns:a16="http://schemas.microsoft.com/office/drawing/2014/main" id="{184E2338-1026-45D4-9455-B21A88F18B28}"/>
+              </a:ext>
+            </a:extLst>
+          </p:cNvPr>
+          <p:cNvSpPr>
+            <a:spLocks noGrp="1"/>
+          </p:cNvSpPr>
+          <p:nvPr>
+            <p:ph type="title"/>
+          </p:nvPr>
+        </p:nvSpPr>
+        <p:spPr/>
+        <p:txBody>
+          <a:bodyPr/>
+          <a:lstStyle/>
+          <a:p>
+            <a:r>
+              <a:rPr lang="en-US" dirty="0"/>
+              <a:t>MODELING</a:t>
+            </a:r>
+          </a:p>
+        </p:txBody>
+      </p:sp>
+      <p:sp>
+        <p:nvSpPr>
+          <p:cNvPr id="8" name="Text Placeholder 7">
+            <a:extLst>
+              <a:ext uri="{FF2B5EF4-FFF2-40B4-BE49-F238E27FC236}">
+                <a16:creationId xmlns:a16="http://schemas.microsoft.com/office/drawing/2014/main" id="{DB42CCAB-C8E2-48A8-A9DF-EB0383A8B33C}"/>
+              </a:ext>
+            </a:extLst>
+          </p:cNvPr>
+          <p:cNvSpPr>
+            <a:spLocks noGrp="1"/>
+          </p:cNvSpPr>
+          <p:nvPr>
+            <p:ph type="body" idx="1"/>
+          </p:nvPr>
+        </p:nvSpPr>
+        <p:spPr/>
+        <p:txBody>
+          <a:bodyPr/>
+          <a:lstStyle/>
+          <a:p>
+            <a:r>
+              <a:rPr lang="en-US" dirty="0"/>
+              <a:t>Simple and Multiple Linear Regression</a:t>
+            </a:r>
+          </a:p>
+        </p:txBody>
+      </p:sp>
+      <p:sp>
+        <p:nvSpPr>
+          <p:cNvPr id="4" name="Date Placeholder 3">
+            <a:extLst>
+              <a:ext uri="{FF2B5EF4-FFF2-40B4-BE49-F238E27FC236}">
+                <a16:creationId xmlns:a16="http://schemas.microsoft.com/office/drawing/2014/main" id="{1CA94ACB-62A5-4F09-8C21-F0CE9BFB1606}"/>
+              </a:ext>
+            </a:extLst>
+          </p:cNvPr>
+          <p:cNvSpPr>
+            <a:spLocks noGrp="1"/>
+          </p:cNvSpPr>
+          <p:nvPr>
+            <p:ph type="dt" sz="half" idx="10"/>
+          </p:nvPr>
+        </p:nvSpPr>
+        <p:spPr/>
+        <p:txBody>
+          <a:bodyPr/>
+          <a:lstStyle/>
+          <a:p>
+            <a:fld id="{8AAE40A0-A7D8-4DC3-BC9E-BADA32DA2004}" type="datetime4">
+              <a:rPr lang="en-US" smtClean="0"/>
+              <a:t>June 29, 2019</a:t>
+            </a:fld>
+            <a:endParaRPr lang="en-US" dirty="0"/>
+          </a:p>
+        </p:txBody>
+      </p:sp>
+      <p:sp>
+        <p:nvSpPr>
+          <p:cNvPr id="5" name="Footer Placeholder 4">
+            <a:extLst>
+              <a:ext uri="{FF2B5EF4-FFF2-40B4-BE49-F238E27FC236}">
+                <a16:creationId xmlns:a16="http://schemas.microsoft.com/office/drawing/2014/main" id="{D20B02B0-893D-4696-B6F7-A126B8D18E99}"/>
+              </a:ext>
+            </a:extLst>
+          </p:cNvPr>
+          <p:cNvSpPr>
+            <a:spLocks noGrp="1"/>
+          </p:cNvSpPr>
+          <p:nvPr>
+            <p:ph type="ftr" sz="quarter" idx="11"/>
+          </p:nvPr>
+        </p:nvSpPr>
+        <p:spPr/>
+        <p:txBody>
+          <a:bodyPr/>
+          <a:lstStyle/>
+          <a:p>
+            <a:r>
+              <a:rPr lang="en-US"/>
+              <a:t>Digital Scholarship Services </a:t>
+            </a:r>
+            <a:r>
+              <a:rPr lang="en-US">
+                <a:solidFill>
+                  <a:schemeClr val="accent1">
+                    <a:lumMod val="50000"/>
+                  </a:schemeClr>
+                </a:solidFill>
+              </a:rPr>
+              <a:t>| Email</a:t>
+            </a:r>
+            <a:r>
+              <a:rPr lang="en-US"/>
+              <a:t> cf24@rice.edu </a:t>
+            </a:r>
+            <a:r>
+              <a:rPr lang="en-US">
+                <a:solidFill>
+                  <a:schemeClr val="accent1">
+                    <a:lumMod val="50000"/>
+                  </a:schemeClr>
+                </a:solidFill>
+              </a:rPr>
+              <a:t>|</a:t>
+            </a:r>
+            <a:r>
+              <a:rPr lang="en-US"/>
+              <a:t> library.rice.edu/dss</a:t>
+            </a:r>
+            <a:endParaRPr lang="en-US" dirty="0"/>
+          </a:p>
+        </p:txBody>
+      </p:sp>
+      <p:sp>
+        <p:nvSpPr>
+          <p:cNvPr id="6" name="Slide Number Placeholder 5">
+            <a:extLst>
+              <a:ext uri="{FF2B5EF4-FFF2-40B4-BE49-F238E27FC236}">
+                <a16:creationId xmlns:a16="http://schemas.microsoft.com/office/drawing/2014/main" id="{1CFDA495-0063-4571-8969-0DD770DB39E0}"/>
+              </a:ext>
+            </a:extLst>
+          </p:cNvPr>
+          <p:cNvSpPr>
+            <a:spLocks noGrp="1"/>
+          </p:cNvSpPr>
+          <p:nvPr>
+            <p:ph type="sldNum" sz="quarter" idx="12"/>
+          </p:nvPr>
+        </p:nvSpPr>
+        <p:spPr/>
+        <p:txBody>
+          <a:bodyPr/>
+          <a:lstStyle/>
+          <a:p>
+            <a:fld id="{D57F1E4F-1CFF-5643-939E-02111984F565}" type="slidenum">
+              <a:rPr lang="en-US" smtClean="0"/>
+              <a:t>38</a:t>
+            </a:fld>
+            <a:endParaRPr lang="en-US" dirty="0"/>
+          </a:p>
+        </p:txBody>
+      </p:sp>
+    </p:spTree>
+    <p:extLst>
+      <p:ext uri="{BB962C8B-B14F-4D97-AF65-F5344CB8AC3E}">
+        <p14:creationId xmlns:p14="http://schemas.microsoft.com/office/powerpoint/2010/main" val="405926125"/>
+      </p:ext>
+    </p:extLst>
+  </p:cSld>
+  <p:clrMapOvr>
+    <a:masterClrMapping/>
+  </p:clrMapOvr>
+</p:sld>
+</file>
+
+<file path=ppt/slides/slide39.xml><?xml version="1.0" encoding="utf-8"?>
+<p:sld xmlns:a="http://schemas.openxmlformats.org/drawingml/2006/main" xmlns:r="http://schemas.openxmlformats.org/officeDocument/2006/relationships" xmlns:p="http://schemas.openxmlformats.org/presentationml/2006/main">
+  <p:cSld>
+    <p:spTree>
+      <p:nvGrpSpPr>
+        <p:cNvPr id="1" name=""/>
+        <p:cNvGrpSpPr/>
+        <p:nvPr/>
+      </p:nvGrpSpPr>
+      <p:grpSpPr>
+        <a:xfrm>
+          <a:off x="0" y="0"/>
+          <a:ext cx="0" cy="0"/>
+          <a:chOff x="0" y="0"/>
+          <a:chExt cx="0" cy="0"/>
+        </a:xfrm>
+      </p:grpSpPr>
+      <p:sp>
+        <p:nvSpPr>
+          <p:cNvPr id="7" name="Title 6"/>
+          <p:cNvSpPr>
+            <a:spLocks noGrp="1"/>
+          </p:cNvSpPr>
+          <p:nvPr>
+            <p:ph type="title"/>
+          </p:nvPr>
+        </p:nvSpPr>
+        <p:spPr/>
+        <p:txBody>
+          <a:bodyPr/>
+          <a:lstStyle/>
+          <a:p>
+            <a:r>
+              <a:rPr lang="en-US" dirty="0"/>
+              <a:t>LINEAR MODELING</a:t>
+            </a:r>
+          </a:p>
+        </p:txBody>
+      </p:sp>
+      <p:sp>
+        <p:nvSpPr>
+          <p:cNvPr id="8" name="Content Placeholder 7"/>
+          <p:cNvSpPr>
+            <a:spLocks noGrp="1"/>
+          </p:cNvSpPr>
+          <p:nvPr>
+            <p:ph idx="1"/>
+          </p:nvPr>
+        </p:nvSpPr>
+        <p:spPr/>
+        <p:txBody>
+          <a:bodyPr/>
+          <a:lstStyle/>
+          <a:p>
+            <a:endParaRPr lang="en-US"/>
+          </a:p>
+        </p:txBody>
+      </p:sp>
+      <p:sp>
+        <p:nvSpPr>
+          <p:cNvPr id="4" name="Date Placeholder 3"/>
+          <p:cNvSpPr>
+            <a:spLocks noGrp="1"/>
+          </p:cNvSpPr>
+          <p:nvPr>
+            <p:ph type="dt" sz="half" idx="10"/>
+          </p:nvPr>
+        </p:nvSpPr>
+        <p:spPr/>
+        <p:txBody>
+          <a:bodyPr/>
+          <a:lstStyle/>
+          <a:p>
+            <a:fld id="{B08FEED8-D7D4-44E9-BFBC-ED06B5996D94}" type="datetime4">
+              <a:rPr lang="en-US" smtClean="0"/>
+              <a:t>June 29, 2019</a:t>
+            </a:fld>
+            <a:endParaRPr lang="en-US" dirty="0"/>
+          </a:p>
+        </p:txBody>
+      </p:sp>
+      <p:sp>
+        <p:nvSpPr>
+          <p:cNvPr id="5" name="Footer Placeholder 4"/>
+          <p:cNvSpPr>
+            <a:spLocks noGrp="1"/>
+          </p:cNvSpPr>
+          <p:nvPr>
+            <p:ph type="ftr" sz="quarter" idx="11"/>
+          </p:nvPr>
+        </p:nvSpPr>
+        <p:spPr/>
+        <p:txBody>
+          <a:bodyPr/>
+          <a:lstStyle/>
+          <a:p>
+            <a:r>
+              <a:rPr lang="en-US"/>
+              <a:t>Digital Scholarship Services </a:t>
+            </a:r>
+            <a:r>
+              <a:rPr lang="en-US">
+                <a:solidFill>
+                  <a:schemeClr val="accent1">
+                    <a:lumMod val="50000"/>
+                  </a:schemeClr>
+                </a:solidFill>
+              </a:rPr>
+              <a:t>| Email</a:t>
+            </a:r>
+            <a:r>
+              <a:rPr lang="en-US"/>
+              <a:t> cf24@rice.edu </a:t>
+            </a:r>
+            <a:r>
+              <a:rPr lang="en-US">
+                <a:solidFill>
+                  <a:schemeClr val="accent1">
+                    <a:lumMod val="50000"/>
+                  </a:schemeClr>
+                </a:solidFill>
+              </a:rPr>
+              <a:t>|</a:t>
+            </a:r>
+            <a:r>
+              <a:rPr lang="en-US"/>
+              <a:t> library.rice.edu/dss</a:t>
+            </a:r>
+            <a:endParaRPr lang="en-US" dirty="0"/>
+          </a:p>
+        </p:txBody>
+      </p:sp>
+      <p:sp>
+        <p:nvSpPr>
+          <p:cNvPr id="6" name="Slide Number Placeholder 5"/>
+          <p:cNvSpPr>
+            <a:spLocks noGrp="1"/>
+          </p:cNvSpPr>
+          <p:nvPr>
+            <p:ph type="sldNum" sz="quarter" idx="12"/>
+          </p:nvPr>
+        </p:nvSpPr>
+        <p:spPr/>
+        <p:txBody>
+          <a:bodyPr/>
+          <a:lstStyle/>
+          <a:p>
+            <a:fld id="{D57F1E4F-1CFF-5643-939E-02111984F565}" type="slidenum">
+              <a:rPr lang="en-US" smtClean="0"/>
+              <a:t>39</a:t>
+            </a:fld>
+            <a:endParaRPr lang="en-US" dirty="0"/>
+          </a:p>
+        </p:txBody>
+      </p:sp>
+    </p:spTree>
+    <p:extLst>
+      <p:ext uri="{BB962C8B-B14F-4D97-AF65-F5344CB8AC3E}">
+        <p14:creationId xmlns:p14="http://schemas.microsoft.com/office/powerpoint/2010/main" val="2363324190"/>
       </p:ext>
     </p:extLst>
   </p:cSld>
@@ -9188,10 +10736,9 @@
           <a:lstStyle/>
           <a:p>
             <a:r>
-              <a:rPr lang="en-US" dirty="0" smtClean="0"/>
+              <a:rPr lang="en-US" dirty="0"/>
               <a:t>THE RICE CONNECTION</a:t>
             </a:r>
-            <a:endParaRPr lang="en-US" dirty="0"/>
           </a:p>
         </p:txBody>
       </p:sp>
@@ -9211,48 +10758,47 @@
           <a:lstStyle/>
           <a:p>
             <a:r>
-              <a:rPr lang="en-US" dirty="0" smtClean="0"/>
+              <a:rPr lang="en-US" dirty="0"/>
               <a:t>Hadley Wickham</a:t>
             </a:r>
           </a:p>
           <a:p>
             <a:pPr lvl="1"/>
             <a:r>
-              <a:rPr lang="en-US" dirty="0" smtClean="0"/>
+              <a:rPr lang="en-US" dirty="0"/>
               <a:t>former Rice professor</a:t>
             </a:r>
           </a:p>
           <a:p>
             <a:pPr lvl="1"/>
             <a:r>
-              <a:rPr lang="en-US" dirty="0" smtClean="0"/>
+              <a:rPr lang="en-US" dirty="0"/>
               <a:t>Chief Scientist at </a:t>
             </a:r>
             <a:r>
-              <a:rPr lang="en-US" dirty="0" err="1" smtClean="0"/>
+              <a:rPr lang="en-US" dirty="0" err="1"/>
               <a:t>Rstudio</a:t>
             </a:r>
-            <a:endParaRPr lang="en-US" dirty="0" smtClean="0"/>
+            <a:endParaRPr lang="en-US" dirty="0"/>
           </a:p>
           <a:p>
             <a:pPr lvl="1"/>
             <a:r>
-              <a:rPr lang="en-US" dirty="0" smtClean="0"/>
+              <a:rPr lang="en-US" dirty="0"/>
               <a:t>Originator of the </a:t>
             </a:r>
             <a:r>
-              <a:rPr lang="en-US" dirty="0" err="1" smtClean="0"/>
+              <a:rPr lang="en-US" dirty="0" err="1"/>
               <a:t>tidyverse</a:t>
             </a:r>
-            <a:endParaRPr lang="en-US" dirty="0" smtClean="0"/>
+            <a:endParaRPr lang="en-US" dirty="0"/>
           </a:p>
           <a:p>
             <a:pPr lvl="1"/>
             <a:r>
-              <a:rPr lang="en-US" dirty="0" smtClean="0"/>
+              <a:rPr lang="en-US" dirty="0"/>
               <a:t>Author of “R for Data Science” </a:t>
             </a:r>
-            <a:endParaRPr lang="en-US" dirty="0"/>
           </a:p>
         </p:txBody>
       </p:sp>
@@ -9273,7 +10819,7 @@
           <a:p>
             <a:fld id="{8AAE40A0-A7D8-4DC3-BC9E-BADA32DA2004}" type="datetime4">
               <a:rPr lang="en-US" smtClean="0"/>
-              <a:t>June 25, 2019</a:t>
+              <a:t>June 29, 2019</a:t>
             </a:fld>
             <a:endParaRPr lang="en-US" dirty="0"/>
           </a:p>
@@ -9295,11 +10841,11 @@
           <a:lstStyle/>
           <a:p>
             <a:r>
-              <a:rPr lang="en-US" smtClean="0"/>
+              <a:rPr lang="en-US"/>
               <a:t>Digital Scholarship Services </a:t>
             </a:r>
             <a:r>
-              <a:rPr lang="en-US" smtClean="0">
+              <a:rPr lang="en-US">
                 <a:solidFill>
                   <a:schemeClr val="accent1">
                     <a:lumMod val="50000"/>
@@ -9309,11 +10855,11 @@
               <a:t>| Email</a:t>
             </a:r>
             <a:r>
-              <a:rPr lang="en-US" smtClean="0"/>
+              <a:rPr lang="en-US"/>
               <a:t> cf24@rice.edu </a:t>
             </a:r>
             <a:r>
-              <a:rPr lang="en-US" smtClean="0">
+              <a:rPr lang="en-US">
                 <a:solidFill>
                   <a:schemeClr val="accent1">
                     <a:lumMod val="50000"/>
@@ -9323,7 +10869,7 @@
               <a:t>|</a:t>
             </a:r>
             <a:r>
-              <a:rPr lang="en-US" smtClean="0"/>
+              <a:rPr lang="en-US"/>
               <a:t> library.rice.edu/dss</a:t>
             </a:r>
             <a:endParaRPr lang="en-US" dirty="0"/>
@@ -9407,6 +10953,383 @@
 </p:sld>
 </file>
 
+<file path=ppt/slides/slide40.xml><?xml version="1.0" encoding="utf-8"?>
+<p:sld xmlns:a="http://schemas.openxmlformats.org/drawingml/2006/main" xmlns:r="http://schemas.openxmlformats.org/officeDocument/2006/relationships" xmlns:p="http://schemas.openxmlformats.org/presentationml/2006/main">
+  <p:cSld>
+    <p:spTree>
+      <p:nvGrpSpPr>
+        <p:cNvPr id="1" name=""/>
+        <p:cNvGrpSpPr/>
+        <p:nvPr/>
+      </p:nvGrpSpPr>
+      <p:grpSpPr>
+        <a:xfrm>
+          <a:off x="0" y="0"/>
+          <a:ext cx="0" cy="0"/>
+          <a:chOff x="0" y="0"/>
+          <a:chExt cx="0" cy="0"/>
+        </a:xfrm>
+      </p:grpSpPr>
+      <p:sp>
+        <p:nvSpPr>
+          <p:cNvPr id="7" name="Title 6"/>
+          <p:cNvSpPr>
+            <a:spLocks noGrp="1"/>
+          </p:cNvSpPr>
+          <p:nvPr>
+            <p:ph type="title"/>
+          </p:nvPr>
+        </p:nvSpPr>
+        <p:spPr/>
+        <p:txBody>
+          <a:bodyPr/>
+          <a:lstStyle/>
+          <a:p>
+            <a:r>
+              <a:rPr lang="en-US" dirty="0"/>
+              <a:t>VISUALIZING LINEAR MODELS</a:t>
+            </a:r>
+          </a:p>
+        </p:txBody>
+      </p:sp>
+      <p:sp>
+        <p:nvSpPr>
+          <p:cNvPr id="8" name="Content Placeholder 7"/>
+          <p:cNvSpPr>
+            <a:spLocks noGrp="1"/>
+          </p:cNvSpPr>
+          <p:nvPr>
+            <p:ph idx="1"/>
+          </p:nvPr>
+        </p:nvSpPr>
+        <p:spPr/>
+        <p:txBody>
+          <a:bodyPr/>
+          <a:lstStyle/>
+          <a:p>
+            <a:endParaRPr lang="en-US"/>
+          </a:p>
+        </p:txBody>
+      </p:sp>
+      <p:sp>
+        <p:nvSpPr>
+          <p:cNvPr id="4" name="Date Placeholder 3"/>
+          <p:cNvSpPr>
+            <a:spLocks noGrp="1"/>
+          </p:cNvSpPr>
+          <p:nvPr>
+            <p:ph type="dt" sz="half" idx="10"/>
+          </p:nvPr>
+        </p:nvSpPr>
+        <p:spPr/>
+        <p:txBody>
+          <a:bodyPr/>
+          <a:lstStyle/>
+          <a:p>
+            <a:fld id="{B08FEED8-D7D4-44E9-BFBC-ED06B5996D94}" type="datetime4">
+              <a:rPr lang="en-US" smtClean="0"/>
+              <a:t>June 29, 2019</a:t>
+            </a:fld>
+            <a:endParaRPr lang="en-US" dirty="0"/>
+          </a:p>
+        </p:txBody>
+      </p:sp>
+      <p:sp>
+        <p:nvSpPr>
+          <p:cNvPr id="5" name="Footer Placeholder 4"/>
+          <p:cNvSpPr>
+            <a:spLocks noGrp="1"/>
+          </p:cNvSpPr>
+          <p:nvPr>
+            <p:ph type="ftr" sz="quarter" idx="11"/>
+          </p:nvPr>
+        </p:nvSpPr>
+        <p:spPr/>
+        <p:txBody>
+          <a:bodyPr/>
+          <a:lstStyle/>
+          <a:p>
+            <a:r>
+              <a:rPr lang="en-US"/>
+              <a:t>Digital Scholarship Services </a:t>
+            </a:r>
+            <a:r>
+              <a:rPr lang="en-US">
+                <a:solidFill>
+                  <a:schemeClr val="accent1">
+                    <a:lumMod val="50000"/>
+                  </a:schemeClr>
+                </a:solidFill>
+              </a:rPr>
+              <a:t>| Email</a:t>
+            </a:r>
+            <a:r>
+              <a:rPr lang="en-US"/>
+              <a:t> cf24@rice.edu </a:t>
+            </a:r>
+            <a:r>
+              <a:rPr lang="en-US">
+                <a:solidFill>
+                  <a:schemeClr val="accent1">
+                    <a:lumMod val="50000"/>
+                  </a:schemeClr>
+                </a:solidFill>
+              </a:rPr>
+              <a:t>|</a:t>
+            </a:r>
+            <a:r>
+              <a:rPr lang="en-US"/>
+              <a:t> library.rice.edu/dss</a:t>
+            </a:r>
+            <a:endParaRPr lang="en-US" dirty="0"/>
+          </a:p>
+        </p:txBody>
+      </p:sp>
+      <p:sp>
+        <p:nvSpPr>
+          <p:cNvPr id="6" name="Slide Number Placeholder 5"/>
+          <p:cNvSpPr>
+            <a:spLocks noGrp="1"/>
+          </p:cNvSpPr>
+          <p:nvPr>
+            <p:ph type="sldNum" sz="quarter" idx="12"/>
+          </p:nvPr>
+        </p:nvSpPr>
+        <p:spPr/>
+        <p:txBody>
+          <a:bodyPr/>
+          <a:lstStyle/>
+          <a:p>
+            <a:fld id="{D57F1E4F-1CFF-5643-939E-02111984F565}" type="slidenum">
+              <a:rPr lang="en-US" smtClean="0"/>
+              <a:t>40</a:t>
+            </a:fld>
+            <a:endParaRPr lang="en-US" dirty="0"/>
+          </a:p>
+        </p:txBody>
+      </p:sp>
+    </p:spTree>
+    <p:extLst>
+      <p:ext uri="{BB962C8B-B14F-4D97-AF65-F5344CB8AC3E}">
+        <p14:creationId xmlns:p14="http://schemas.microsoft.com/office/powerpoint/2010/main" val="3947473994"/>
+      </p:ext>
+    </p:extLst>
+  </p:cSld>
+  <p:clrMapOvr>
+    <a:masterClrMapping/>
+  </p:clrMapOvr>
+</p:sld>
+</file>
+
+<file path=ppt/slides/slide41.xml><?xml version="1.0" encoding="utf-8"?>
+<p:sld xmlns:a="http://schemas.openxmlformats.org/drawingml/2006/main" xmlns:r="http://schemas.openxmlformats.org/officeDocument/2006/relationships" xmlns:p="http://schemas.openxmlformats.org/presentationml/2006/main">
+  <p:cSld>
+    <p:spTree>
+      <p:nvGrpSpPr>
+        <p:cNvPr id="1" name=""/>
+        <p:cNvGrpSpPr/>
+        <p:nvPr/>
+      </p:nvGrpSpPr>
+      <p:grpSpPr>
+        <a:xfrm>
+          <a:off x="0" y="0"/>
+          <a:ext cx="0" cy="0"/>
+          <a:chOff x="0" y="0"/>
+          <a:chExt cx="0" cy="0"/>
+        </a:xfrm>
+      </p:grpSpPr>
+      <p:sp>
+        <p:nvSpPr>
+          <p:cNvPr id="7" name="Title 6">
+            <a:extLst>
+              <a:ext uri="{FF2B5EF4-FFF2-40B4-BE49-F238E27FC236}">
+                <a16:creationId xmlns:a16="http://schemas.microsoft.com/office/drawing/2014/main" id="{495B4BC0-844B-4414-A623-BEF78AAC1BA1}"/>
+              </a:ext>
+            </a:extLst>
+          </p:cNvPr>
+          <p:cNvSpPr>
+            <a:spLocks noGrp="1"/>
+          </p:cNvSpPr>
+          <p:nvPr>
+            <p:ph type="title"/>
+          </p:nvPr>
+        </p:nvSpPr>
+        <p:spPr/>
+        <p:txBody>
+          <a:bodyPr/>
+          <a:lstStyle/>
+          <a:p>
+            <a:r>
+              <a:rPr lang="en-US" dirty="0"/>
+              <a:t>ACKNOWLEDGMENTS</a:t>
+            </a:r>
+          </a:p>
+        </p:txBody>
+      </p:sp>
+      <p:sp>
+        <p:nvSpPr>
+          <p:cNvPr id="8" name="Content Placeholder 7">
+            <a:extLst>
+              <a:ext uri="{FF2B5EF4-FFF2-40B4-BE49-F238E27FC236}">
+                <a16:creationId xmlns:a16="http://schemas.microsoft.com/office/drawing/2014/main" id="{2BED3EB3-7E98-4A82-8335-7321D9E37B16}"/>
+              </a:ext>
+            </a:extLst>
+          </p:cNvPr>
+          <p:cNvSpPr>
+            <a:spLocks noGrp="1"/>
+          </p:cNvSpPr>
+          <p:nvPr>
+            <p:ph idx="1"/>
+          </p:nvPr>
+        </p:nvSpPr>
+        <p:spPr/>
+        <p:txBody>
+          <a:bodyPr/>
+          <a:lstStyle/>
+          <a:p>
+            <a:r>
+              <a:rPr lang="en-US" dirty="0"/>
+              <a:t>The R logo (https://www.r-project.org/logo/) is used under the terms of the Creative Commons Attribution-</a:t>
+            </a:r>
+            <a:r>
+              <a:rPr lang="en-US" dirty="0" err="1"/>
+              <a:t>ShareAlike</a:t>
+            </a:r>
+            <a:r>
+              <a:rPr lang="en-US" dirty="0"/>
+              <a:t> 4.0 International license.</a:t>
+            </a:r>
+          </a:p>
+        </p:txBody>
+      </p:sp>
+      <p:sp>
+        <p:nvSpPr>
+          <p:cNvPr id="4" name="Date Placeholder 3">
+            <a:extLst>
+              <a:ext uri="{FF2B5EF4-FFF2-40B4-BE49-F238E27FC236}">
+                <a16:creationId xmlns:a16="http://schemas.microsoft.com/office/drawing/2014/main" id="{540F37F1-4F33-429F-A568-1A3ADC499E54}"/>
+              </a:ext>
+            </a:extLst>
+          </p:cNvPr>
+          <p:cNvSpPr>
+            <a:spLocks noGrp="1"/>
+          </p:cNvSpPr>
+          <p:nvPr>
+            <p:ph type="dt" sz="half" idx="10"/>
+          </p:nvPr>
+        </p:nvSpPr>
+        <p:spPr/>
+        <p:txBody>
+          <a:bodyPr/>
+          <a:lstStyle/>
+          <a:p>
+            <a:fld id="{B08FEED8-D7D4-44E9-BFBC-ED06B5996D94}" type="datetime4">
+              <a:rPr lang="en-US" smtClean="0"/>
+              <a:t>June 29, 2019</a:t>
+            </a:fld>
+            <a:endParaRPr lang="en-US" dirty="0"/>
+          </a:p>
+        </p:txBody>
+      </p:sp>
+      <p:sp>
+        <p:nvSpPr>
+          <p:cNvPr id="5" name="Footer Placeholder 4">
+            <a:extLst>
+              <a:ext uri="{FF2B5EF4-FFF2-40B4-BE49-F238E27FC236}">
+                <a16:creationId xmlns:a16="http://schemas.microsoft.com/office/drawing/2014/main" id="{673FFA57-C126-4795-A5F6-DD33AAC5ACBD}"/>
+              </a:ext>
+            </a:extLst>
+          </p:cNvPr>
+          <p:cNvSpPr>
+            <a:spLocks noGrp="1"/>
+          </p:cNvSpPr>
+          <p:nvPr>
+            <p:ph type="ftr" sz="quarter" idx="11"/>
+          </p:nvPr>
+        </p:nvSpPr>
+        <p:spPr/>
+        <p:txBody>
+          <a:bodyPr/>
+          <a:lstStyle/>
+          <a:p>
+            <a:r>
+              <a:rPr lang="en-US"/>
+              <a:t>Digital Scholarship Services </a:t>
+            </a:r>
+            <a:r>
+              <a:rPr lang="en-US">
+                <a:solidFill>
+                  <a:schemeClr val="accent1">
+                    <a:lumMod val="50000"/>
+                  </a:schemeClr>
+                </a:solidFill>
+              </a:rPr>
+              <a:t>| Email</a:t>
+            </a:r>
+            <a:r>
+              <a:rPr lang="en-US"/>
+              <a:t> cf24@rice.edu </a:t>
+            </a:r>
+            <a:r>
+              <a:rPr lang="en-US">
+                <a:solidFill>
+                  <a:schemeClr val="accent1">
+                    <a:lumMod val="50000"/>
+                  </a:schemeClr>
+                </a:solidFill>
+              </a:rPr>
+              <a:t>|</a:t>
+            </a:r>
+            <a:r>
+              <a:rPr lang="en-US"/>
+              <a:t> library.rice.edu/dss</a:t>
+            </a:r>
+            <a:endParaRPr lang="en-US" dirty="0"/>
+          </a:p>
+        </p:txBody>
+      </p:sp>
+      <p:sp>
+        <p:nvSpPr>
+          <p:cNvPr id="6" name="Slide Number Placeholder 5">
+            <a:extLst>
+              <a:ext uri="{FF2B5EF4-FFF2-40B4-BE49-F238E27FC236}">
+                <a16:creationId xmlns:a16="http://schemas.microsoft.com/office/drawing/2014/main" id="{2FA49567-BB70-4798-8746-D0B522CCEE20}"/>
+              </a:ext>
+            </a:extLst>
+          </p:cNvPr>
+          <p:cNvSpPr>
+            <a:spLocks noGrp="1"/>
+          </p:cNvSpPr>
+          <p:nvPr>
+            <p:ph type="sldNum" sz="quarter" idx="12"/>
+          </p:nvPr>
+        </p:nvSpPr>
+        <p:spPr/>
+        <p:txBody>
+          <a:bodyPr/>
+          <a:lstStyle/>
+          <a:p>
+            <a:fld id="{D57F1E4F-1CFF-5643-939E-02111984F565}" type="slidenum">
+              <a:rPr lang="en-US" smtClean="0"/>
+              <a:t>41</a:t>
+            </a:fld>
+            <a:endParaRPr lang="en-US" dirty="0"/>
+          </a:p>
+        </p:txBody>
+      </p:sp>
+    </p:spTree>
+    <p:extLst>
+      <p:ext uri="{BB962C8B-B14F-4D97-AF65-F5344CB8AC3E}">
+        <p14:creationId xmlns:p14="http://schemas.microsoft.com/office/powerpoint/2010/main" val="1585568494"/>
+      </p:ext>
+    </p:extLst>
+  </p:cSld>
+  <p:clrMapOvr>
+    <a:masterClrMapping/>
+  </p:clrMapOvr>
+</p:sld>
+</file>
+
 <file path=ppt/slides/slide5.xml><?xml version="1.0" encoding="utf-8"?>
 <p:sld xmlns:a="http://schemas.openxmlformats.org/drawingml/2006/main" xmlns:r="http://schemas.openxmlformats.org/officeDocument/2006/relationships" xmlns:p="http://schemas.openxmlformats.org/presentationml/2006/main">
   <p:cSld>
@@ -9446,17 +11369,16 @@
           <a:lstStyle/>
           <a:p>
             <a:r>
-              <a:rPr lang="en-US" dirty="0" smtClean="0"/>
+              <a:rPr lang="en-US" dirty="0"/>
               <a:t>THE RSTUDIO</a:t>
             </a:r>
             <a:br>
-              <a:rPr lang="en-US" dirty="0" smtClean="0"/>
+              <a:rPr lang="en-US" dirty="0"/>
             </a:br>
             <a:r>
-              <a:rPr lang="en-US" dirty="0" smtClean="0"/>
+              <a:rPr lang="en-US" dirty="0"/>
               <a:t>INTERFACE</a:t>
             </a:r>
-            <a:endParaRPr lang="en-US" dirty="0"/>
           </a:p>
         </p:txBody>
       </p:sp>
@@ -9482,10 +11404,9 @@
           <a:lstStyle/>
           <a:p>
             <a:r>
-              <a:rPr lang="en-US" dirty="0" smtClean="0"/>
+              <a:rPr lang="en-US" dirty="0"/>
               <a:t>A walkthrough of important features</a:t>
             </a:r>
-            <a:endParaRPr lang="en-US" dirty="0"/>
           </a:p>
         </p:txBody>
       </p:sp>
@@ -9512,7 +11433,7 @@
           <a:p>
             <a:fld id="{8AAE40A0-A7D8-4DC3-BC9E-BADA32DA2004}" type="datetime4">
               <a:rPr lang="en-US" smtClean="0"/>
-              <a:t>June 25, 2019</a:t>
+              <a:t>June 29, 2019</a:t>
             </a:fld>
             <a:endParaRPr lang="en-US" dirty="0"/>
           </a:p>
@@ -9651,7 +11572,7 @@
           <a:p>
             <a:fld id="{B08FEED8-D7D4-44E9-BFBC-ED06B5996D94}" type="datetime4">
               <a:rPr lang="en-US" smtClean="0"/>
-              <a:t>June 25, 2019</a:t>
+              <a:t>June 29, 2019</a:t>
             </a:fld>
             <a:endParaRPr lang="en-US" dirty="0"/>
           </a:p>
@@ -9673,11 +11594,11 @@
           <a:lstStyle/>
           <a:p>
             <a:r>
-              <a:rPr lang="en-US" smtClean="0"/>
+              <a:rPr lang="en-US"/>
               <a:t>Digital Scholarship Services </a:t>
             </a:r>
             <a:r>
-              <a:rPr lang="en-US" smtClean="0">
+              <a:rPr lang="en-US">
                 <a:solidFill>
                   <a:schemeClr val="accent1">
                     <a:lumMod val="50000"/>
@@ -9687,11 +11608,11 @@
               <a:t>| Email</a:t>
             </a:r>
             <a:r>
-              <a:rPr lang="en-US" smtClean="0"/>
+              <a:rPr lang="en-US"/>
               <a:t> cf24@rice.edu </a:t>
             </a:r>
             <a:r>
-              <a:rPr lang="en-US" smtClean="0">
+              <a:rPr lang="en-US">
                 <a:solidFill>
                   <a:schemeClr val="accent1">
                     <a:lumMod val="50000"/>
@@ -9701,7 +11622,7 @@
               <a:t>|</a:t>
             </a:r>
             <a:r>
-              <a:rPr lang="en-US" smtClean="0"/>
+              <a:rPr lang="en-US"/>
               <a:t> library.rice.edu/dss</a:t>
             </a:r>
             <a:endParaRPr lang="en-US" dirty="0"/>
@@ -9818,10 +11739,9 @@
           <a:lstStyle/>
           <a:p>
             <a:r>
-              <a:rPr lang="en-US" dirty="0" smtClean="0"/>
+              <a:rPr lang="en-US" dirty="0"/>
               <a:t>RSTUDIO INTERFACE</a:t>
             </a:r>
-            <a:endParaRPr lang="en-US" dirty="0"/>
           </a:p>
         </p:txBody>
       </p:sp>
@@ -9842,7 +11762,7 @@
           <a:p>
             <a:fld id="{7A745AAB-8888-45FB-8C4E-B86AF9A05200}" type="datetime4">
               <a:rPr lang="en-US" smtClean="0"/>
-              <a:t>June 25, 2019</a:t>
+              <a:t>June 29, 2019</a:t>
             </a:fld>
             <a:endParaRPr lang="en-US" dirty="0"/>
           </a:p>
@@ -9864,7 +11784,7 @@
           <a:lstStyle/>
           <a:p>
             <a:r>
-              <a:rPr lang="en-US" smtClean="0"/>
+              <a:rPr lang="en-US"/>
               <a:t>Digital Scholarship Services | Email cf24@rice.edu | library.rice.edu/dss</a:t>
             </a:r>
             <a:endParaRPr lang="en-US" dirty="0"/>
@@ -9946,10 +11866,9 @@
           <a:lstStyle/>
           <a:p>
             <a:r>
-              <a:rPr lang="en-US" dirty="0" smtClean="0"/>
-              <a:t>DATA TYPES</a:t>
-            </a:r>
-            <a:endParaRPr lang="en-US" dirty="0"/>
+              <a:rPr lang="en-US" dirty="0"/>
+              <a:t>SIMPLE OPERATIONS</a:t>
+            </a:r>
           </a:p>
         </p:txBody>
       </p:sp>
@@ -9975,18 +11894,9 @@
           <a:lstStyle/>
           <a:p>
             <a:r>
-              <a:rPr lang="en-US" dirty="0" smtClean="0"/>
-              <a:t>Scalars, </a:t>
-            </a:r>
-            <a:r>
-              <a:rPr lang="en-US" dirty="0"/>
-              <a:t>l</a:t>
-            </a:r>
-            <a:r>
-              <a:rPr lang="en-US" dirty="0" smtClean="0"/>
-              <a:t>ists, arrays, matrices, factors, data frames, and vectors</a:t>
-            </a:r>
-            <a:endParaRPr lang="en-US" dirty="0"/>
+              <a:rPr lang="en-US" dirty="0"/>
+              <a:t>Arithmetic, assignment, matrix multiplication, converting between types</a:t>
+            </a:r>
           </a:p>
         </p:txBody>
       </p:sp>
@@ -10013,7 +11923,7 @@
           <a:p>
             <a:fld id="{8AAE40A0-A7D8-4DC3-BC9E-BADA32DA2004}" type="datetime4">
               <a:rPr lang="en-US" smtClean="0"/>
-              <a:t>June 25, 2019</a:t>
+              <a:t>June 29, 2019</a:t>
             </a:fld>
             <a:endParaRPr lang="en-US" dirty="0"/>
           </a:p>
@@ -10108,7 +12018,7 @@
     </p:spTree>
     <p:extLst>
       <p:ext uri="{BB962C8B-B14F-4D97-AF65-F5344CB8AC3E}">
-        <p14:creationId xmlns:p14="http://schemas.microsoft.com/office/powerpoint/2010/main" val="1091259265"/>
+        <p14:creationId xmlns:p14="http://schemas.microsoft.com/office/powerpoint/2010/main" val="564911064"/>
       </p:ext>
     </p:extLst>
   </p:cSld>
@@ -10151,10 +12061,9 @@
           <a:lstStyle/>
           <a:p>
             <a:r>
-              <a:rPr lang="en-US" dirty="0" smtClean="0"/>
-              <a:t>SCALARS</a:t>
-            </a:r>
-            <a:endParaRPr lang="en-US" dirty="0"/>
+              <a:rPr lang="en-US" dirty="0"/>
+              <a:t>ARITHMETIC AND BASIC MATH</a:t>
+            </a:r>
           </a:p>
         </p:txBody>
       </p:sp>
@@ -10174,57 +12083,39 @@
           <a:lstStyle/>
           <a:p>
             <a:r>
-              <a:rPr lang="en-US" dirty="0" smtClean="0"/>
-              <a:t>One value</a:t>
-            </a:r>
-          </a:p>
-          <a:p>
-            <a:r>
-              <a:rPr lang="en-US" dirty="0" smtClean="0"/>
-              <a:t>Types:</a:t>
-            </a:r>
-          </a:p>
-          <a:p>
-            <a:pPr lvl="1"/>
-            <a:r>
-              <a:rPr lang="en-US" dirty="0" smtClean="0"/>
-              <a:t>Character: ‘a’</a:t>
-            </a:r>
-          </a:p>
-          <a:p>
-            <a:pPr lvl="1"/>
-            <a:r>
-              <a:rPr lang="en-US" dirty="0" smtClean="0"/>
-              <a:t>Numeric (decimal)</a:t>
-            </a:r>
-          </a:p>
-          <a:p>
-            <a:pPr lvl="1"/>
-            <a:r>
-              <a:rPr lang="en-US" dirty="0" smtClean="0"/>
-              <a:t>Integer</a:t>
-            </a:r>
-          </a:p>
-          <a:p>
-            <a:pPr lvl="1"/>
-            <a:r>
-              <a:rPr lang="en-US" dirty="0" smtClean="0"/>
-              <a:t>Logical: True or False</a:t>
-            </a:r>
-          </a:p>
-          <a:p>
-            <a:pPr lvl="1"/>
-            <a:r>
-              <a:rPr lang="en-US" dirty="0" smtClean="0"/>
-              <a:t>Complex</a:t>
-            </a:r>
-          </a:p>
-          <a:p>
-            <a:r>
-              <a:rPr lang="en-US" dirty="0" smtClean="0"/>
-              <a:t>Special missing value: NA</a:t>
-            </a:r>
-            <a:endParaRPr lang="en-US" dirty="0"/>
+              <a:rPr lang="en-US" dirty="0"/>
+              <a:t>Addition: + (5 + 3)</a:t>
+            </a:r>
+          </a:p>
+          <a:p>
+            <a:r>
+              <a:rPr lang="en-US" dirty="0"/>
+              <a:t>Subtraction: - (5 - 3). Also, negation with – (-3)</a:t>
+            </a:r>
+          </a:p>
+          <a:p>
+            <a:r>
+              <a:rPr lang="en-US" dirty="0"/>
+              <a:t>Multiplication: * (5 * 3)</a:t>
+            </a:r>
+          </a:p>
+          <a:p>
+            <a:r>
+              <a:rPr lang="en-US" dirty="0"/>
+              <a:t>Division: / (5 / 3)</a:t>
+            </a:r>
+          </a:p>
+          <a:p>
+            <a:r>
+              <a:rPr lang="en-US" dirty="0"/>
+              <a:t>Power: ** or ^ (5**3, 5^3)</a:t>
+            </a:r>
+          </a:p>
+          <a:p>
+            <a:r>
+              <a:rPr lang="en-US" dirty="0"/>
+              <a:t>Square Root: sqrt function (sqrt(5))</a:t>
+            </a:r>
           </a:p>
         </p:txBody>
       </p:sp>
@@ -10245,7 +12136,7 @@
           <a:p>
             <a:fld id="{B08FEED8-D7D4-44E9-BFBC-ED06B5996D94}" type="datetime4">
               <a:rPr lang="en-US" smtClean="0"/>
-              <a:t>June 25, 2019</a:t>
+              <a:t>June 29, 2019</a:t>
             </a:fld>
             <a:endParaRPr lang="en-US" dirty="0"/>
           </a:p>
@@ -10267,11 +12158,11 @@
           <a:lstStyle/>
           <a:p>
             <a:r>
-              <a:rPr lang="en-US" smtClean="0"/>
+              <a:rPr lang="en-US"/>
               <a:t>Digital Scholarship Services </a:t>
             </a:r>
             <a:r>
-              <a:rPr lang="en-US" smtClean="0">
+              <a:rPr lang="en-US">
                 <a:solidFill>
                   <a:schemeClr val="accent1">
                     <a:lumMod val="50000"/>
@@ -10281,11 +12172,11 @@
               <a:t>| Email</a:t>
             </a:r>
             <a:r>
-              <a:rPr lang="en-US" smtClean="0"/>
+              <a:rPr lang="en-US"/>
               <a:t> cf24@rice.edu </a:t>
             </a:r>
             <a:r>
-              <a:rPr lang="en-US" smtClean="0">
+              <a:rPr lang="en-US">
                 <a:solidFill>
                   <a:schemeClr val="accent1">
                     <a:lumMod val="50000"/>
@@ -10295,7 +12186,7 @@
               <a:t>|</a:t>
             </a:r>
             <a:r>
-              <a:rPr lang="en-US" smtClean="0"/>
+              <a:rPr lang="en-US"/>
               <a:t> library.rice.edu/dss</a:t>
             </a:r>
             <a:endParaRPr lang="en-US" dirty="0"/>
@@ -10328,7 +12219,7 @@
     </p:spTree>
     <p:extLst>
       <p:ext uri="{BB962C8B-B14F-4D97-AF65-F5344CB8AC3E}">
-        <p14:creationId xmlns:p14="http://schemas.microsoft.com/office/powerpoint/2010/main" val="3114974287"/>
+        <p14:creationId xmlns:p14="http://schemas.microsoft.com/office/powerpoint/2010/main" val="1790401154"/>
       </p:ext>
     </p:extLst>
   </p:cSld>

--- a/introR/Introduction to R.pptx
+++ b/introR/Introduction to R.pptx
@@ -22,25 +22,25 @@
     <p:sldId id="269" r:id="rId13"/>
     <p:sldId id="281" r:id="rId14"/>
     <p:sldId id="283" r:id="rId15"/>
-    <p:sldId id="282" r:id="rId16"/>
-    <p:sldId id="308" r:id="rId17"/>
-    <p:sldId id="284" r:id="rId18"/>
-    <p:sldId id="307" r:id="rId19"/>
-    <p:sldId id="288" r:id="rId20"/>
-    <p:sldId id="286" r:id="rId21"/>
-    <p:sldId id="285" r:id="rId22"/>
-    <p:sldId id="267" r:id="rId23"/>
-    <p:sldId id="291" r:id="rId24"/>
-    <p:sldId id="293" r:id="rId25"/>
-    <p:sldId id="294" r:id="rId26"/>
-    <p:sldId id="304" r:id="rId27"/>
-    <p:sldId id="301" r:id="rId28"/>
-    <p:sldId id="302" r:id="rId29"/>
-    <p:sldId id="303" r:id="rId30"/>
-    <p:sldId id="309" r:id="rId31"/>
-    <p:sldId id="310" r:id="rId32"/>
-    <p:sldId id="305" r:id="rId33"/>
-    <p:sldId id="306" r:id="rId34"/>
+    <p:sldId id="308" r:id="rId16"/>
+    <p:sldId id="284" r:id="rId17"/>
+    <p:sldId id="307" r:id="rId18"/>
+    <p:sldId id="288" r:id="rId19"/>
+    <p:sldId id="286" r:id="rId20"/>
+    <p:sldId id="285" r:id="rId21"/>
+    <p:sldId id="311" r:id="rId22"/>
+    <p:sldId id="313" r:id="rId23"/>
+    <p:sldId id="267" r:id="rId24"/>
+    <p:sldId id="291" r:id="rId25"/>
+    <p:sldId id="293" r:id="rId26"/>
+    <p:sldId id="294" r:id="rId27"/>
+    <p:sldId id="304" r:id="rId28"/>
+    <p:sldId id="301" r:id="rId29"/>
+    <p:sldId id="312" r:id="rId30"/>
+    <p:sldId id="302" r:id="rId31"/>
+    <p:sldId id="309" r:id="rId32"/>
+    <p:sldId id="310" r:id="rId33"/>
+    <p:sldId id="305" r:id="rId34"/>
     <p:sldId id="272" r:id="rId35"/>
     <p:sldId id="295" r:id="rId36"/>
     <p:sldId id="296" r:id="rId37"/>
@@ -153,14 +153,6 @@
     </p:ext>
   </p:extLst>
 </p:presentation>
-</file>
-
-<file path=ppt/revisionInfo.xml><?xml version="1.0" encoding="utf-8"?>
-<p1510:revInfo xmlns:a="http://schemas.openxmlformats.org/drawingml/2006/main" xmlns:r="http://schemas.openxmlformats.org/officeDocument/2006/relationships" xmlns:p1510="http://schemas.microsoft.com/office/powerpoint/2015/10/main">
-  <p1510:revLst>
-    <p1510:client id="{D757F5B3-0678-46AB-8D95-A69C2A76921D}" v="17" dt="2019-06-19T19:23:33.605"/>
-  </p1510:revLst>
-</p1510:revInfo>
 </file>
 
 <file path=ppt/notesMasters/notesMaster1.xml><?xml version="1.0" encoding="utf-8"?>
@@ -4626,7 +4618,7 @@
             <a:pPr lvl="1"/>
             <a:r>
               <a:rPr lang="en-US" dirty="0"/>
-              <a:t>Logical: True or False</a:t>
+              <a:t>Logical: TRUE or FALSE</a:t>
             </a:r>
           </a:p>
           <a:p>
@@ -4827,7 +4819,7 @@
             </a:r>
             <a:r>
               <a:rPr lang="en-US" dirty="0"/>
-              <a:t> function</a:t>
+              <a:t> function (concatenate)</a:t>
             </a:r>
           </a:p>
           <a:p>
@@ -5089,7 +5081,9 @@
         </p:nvSpPr>
         <p:spPr/>
         <p:txBody>
-          <a:bodyPr/>
+          <a:bodyPr>
+            <a:normAutofit lnSpcReduction="10000"/>
+          </a:bodyPr>
           <a:lstStyle/>
           <a:p>
             <a:r>
@@ -5130,7 +5124,7 @@
           <a:p>
             <a:r>
               <a:rPr lang="en-US" dirty="0"/>
-              <a:t>Access by subscript. If </a:t>
+              <a:t>Can always access by subscript. If </a:t>
             </a:r>
             <a:r>
               <a:rPr lang="en-US" dirty="0">
@@ -5143,14 +5137,14 @@
               <a:rPr lang="en-US" dirty="0">
                 <a:cs typeface="Courier New" panose="02070309020205020404" pitchFamily="49" charset="0"/>
               </a:rPr>
-              <a:t>is a vector, </a:t>
+              <a:t>is a list, </a:t>
             </a:r>
             <a:r>
               <a:rPr lang="en-US" dirty="0">
                 <a:latin typeface="Courier New" panose="02070309020205020404" pitchFamily="49" charset="0"/>
                 <a:cs typeface="Courier New" panose="02070309020205020404" pitchFamily="49" charset="0"/>
               </a:rPr>
-              <a:t>a[1] </a:t>
+              <a:t>a[[1]] </a:t>
             </a:r>
             <a:r>
               <a:rPr lang="en-US" dirty="0">
@@ -5168,9 +5162,54 @@
               <a:rPr lang="en-US" dirty="0">
                 <a:cs typeface="Courier New" panose="02070309020205020404" pitchFamily="49" charset="0"/>
               </a:rPr>
-              <a:t> element.</a:t>
-            </a:r>
-            <a:endParaRPr lang="en-US" dirty="0"/>
+              <a:t> element</a:t>
+            </a:r>
+          </a:p>
+          <a:p>
+            <a:r>
+              <a:rPr lang="en-US" dirty="0">
+                <a:cs typeface="Courier New" panose="02070309020205020404" pitchFamily="49" charset="0"/>
+              </a:rPr>
+              <a:t>Also, can access by giving custom names to values!</a:t>
+            </a:r>
+          </a:p>
+          <a:p>
+            <a:pPr lvl="1"/>
+            <a:r>
+              <a:rPr lang="en-US" dirty="0">
+                <a:latin typeface="Courier New" panose="02070309020205020404" pitchFamily="49" charset="0"/>
+                <a:cs typeface="Courier New" panose="02070309020205020404" pitchFamily="49" charset="0"/>
+              </a:rPr>
+              <a:t>ages &lt;- list(16, 17); names(ages) &lt;- c(“</a:t>
+            </a:r>
+            <a:r>
+              <a:rPr lang="en-US" dirty="0" err="1">
+                <a:latin typeface="Courier New" panose="02070309020205020404" pitchFamily="49" charset="0"/>
+                <a:cs typeface="Courier New" panose="02070309020205020404" pitchFamily="49" charset="0"/>
+              </a:rPr>
+              <a:t>steve</a:t>
+            </a:r>
+            <a:r>
+              <a:rPr lang="en-US" dirty="0">
+                <a:latin typeface="Courier New" panose="02070309020205020404" pitchFamily="49" charset="0"/>
+                <a:cs typeface="Courier New" panose="02070309020205020404" pitchFamily="49" charset="0"/>
+              </a:rPr>
+              <a:t>”, “tony”)</a:t>
+            </a:r>
+          </a:p>
+          <a:p>
+            <a:pPr lvl="1"/>
+            <a:r>
+              <a:rPr lang="en-US" dirty="0" err="1">
+                <a:latin typeface="Courier New" panose="02070309020205020404" pitchFamily="49" charset="0"/>
+                <a:cs typeface="Courier New" panose="02070309020205020404" pitchFamily="49" charset="0"/>
+              </a:rPr>
+              <a:t>ages$steve</a:t>
+            </a:r>
+            <a:endParaRPr lang="en-US" dirty="0">
+              <a:latin typeface="Courier New" panose="02070309020205020404" pitchFamily="49" charset="0"/>
+              <a:cs typeface="Courier New" panose="02070309020205020404" pitchFamily="49" charset="0"/>
+            </a:endParaRPr>
           </a:p>
           <a:p>
             <a:endParaRPr lang="en-US" dirty="0"/>
@@ -5269,302 +5308,6 @@
             <a:fld id="{D57F1E4F-1CFF-5643-939E-02111984F565}" type="slidenum">
               <a:rPr lang="en-US" smtClean="0"/>
               <a:t>15</a:t>
-            </a:fld>
-            <a:endParaRPr lang="en-US" dirty="0"/>
-          </a:p>
-        </p:txBody>
-      </p:sp>
-    </p:spTree>
-    <p:extLst>
-      <p:ext uri="{BB962C8B-B14F-4D97-AF65-F5344CB8AC3E}">
-        <p14:creationId xmlns:p14="http://schemas.microsoft.com/office/powerpoint/2010/main" val="388498116"/>
-      </p:ext>
-    </p:extLst>
-  </p:cSld>
-  <p:clrMapOvr>
-    <a:masterClrMapping/>
-  </p:clrMapOvr>
-</p:sld>
-</file>
-
-<file path=ppt/slides/slide16.xml><?xml version="1.0" encoding="utf-8"?>
-<p:sld xmlns:a="http://schemas.openxmlformats.org/drawingml/2006/main" xmlns:r="http://schemas.openxmlformats.org/officeDocument/2006/relationships" xmlns:p="http://schemas.openxmlformats.org/presentationml/2006/main">
-  <p:cSld>
-    <p:spTree>
-      <p:nvGrpSpPr>
-        <p:cNvPr id="1" name=""/>
-        <p:cNvGrpSpPr/>
-        <p:nvPr/>
-      </p:nvGrpSpPr>
-      <p:grpSpPr>
-        <a:xfrm>
-          <a:off x="0" y="0"/>
-          <a:ext cx="0" cy="0"/>
-          <a:chOff x="0" y="0"/>
-          <a:chExt cx="0" cy="0"/>
-        </a:xfrm>
-      </p:grpSpPr>
-      <p:sp>
-        <p:nvSpPr>
-          <p:cNvPr id="2" name="Title 1"/>
-          <p:cNvSpPr>
-            <a:spLocks noGrp="1"/>
-          </p:cNvSpPr>
-          <p:nvPr>
-            <p:ph type="title"/>
-          </p:nvPr>
-        </p:nvSpPr>
-        <p:spPr/>
-        <p:txBody>
-          <a:bodyPr/>
-          <a:lstStyle/>
-          <a:p>
-            <a:r>
-              <a:rPr lang="en-US" dirty="0"/>
-              <a:t>LISTS</a:t>
-            </a:r>
-          </a:p>
-        </p:txBody>
-      </p:sp>
-      <p:sp>
-        <p:nvSpPr>
-          <p:cNvPr id="3" name="Content Placeholder 2"/>
-          <p:cNvSpPr>
-            <a:spLocks noGrp="1"/>
-          </p:cNvSpPr>
-          <p:nvPr>
-            <p:ph idx="1"/>
-          </p:nvPr>
-        </p:nvSpPr>
-        <p:spPr/>
-        <p:txBody>
-          <a:bodyPr>
-            <a:normAutofit lnSpcReduction="10000"/>
-          </a:bodyPr>
-          <a:lstStyle/>
-          <a:p>
-            <a:r>
-              <a:rPr lang="en-US" dirty="0"/>
-              <a:t>Variable list of values of any type</a:t>
-            </a:r>
-          </a:p>
-          <a:p>
-            <a:r>
-              <a:rPr lang="en-US" dirty="0"/>
-              <a:t>Created with the </a:t>
-            </a:r>
-            <a:r>
-              <a:rPr lang="en-US" dirty="0">
-                <a:latin typeface="Courier New" panose="02070309020205020404" pitchFamily="49" charset="0"/>
-                <a:cs typeface="Courier New" panose="02070309020205020404" pitchFamily="49" charset="0"/>
-              </a:rPr>
-              <a:t>list()</a:t>
-            </a:r>
-            <a:r>
-              <a:rPr lang="en-US" dirty="0"/>
-              <a:t> function</a:t>
-            </a:r>
-          </a:p>
-          <a:p>
-            <a:r>
-              <a:rPr lang="en-US" dirty="0"/>
-              <a:t>Examples: </a:t>
-            </a:r>
-            <a:r>
-              <a:rPr lang="en-US" dirty="0">
-                <a:latin typeface="Courier New" panose="02070309020205020404" pitchFamily="49" charset="0"/>
-                <a:cs typeface="Courier New" panose="02070309020205020404" pitchFamily="49" charset="0"/>
-              </a:rPr>
-              <a:t>list(1, 2, 3), c(0.4, 0.5), c(“hello”, “hi”), list(1, “hello”)</a:t>
-            </a:r>
-          </a:p>
-          <a:p>
-            <a:r>
-              <a:rPr lang="en-US" dirty="0"/>
-              <a:t>Can always access by subscript. If </a:t>
-            </a:r>
-            <a:r>
-              <a:rPr lang="en-US" dirty="0">
-                <a:latin typeface="Courier New" panose="02070309020205020404" pitchFamily="49" charset="0"/>
-                <a:cs typeface="Courier New" panose="02070309020205020404" pitchFamily="49" charset="0"/>
-              </a:rPr>
-              <a:t>a </a:t>
-            </a:r>
-            <a:r>
-              <a:rPr lang="en-US" dirty="0">
-                <a:cs typeface="Courier New" panose="02070309020205020404" pitchFamily="49" charset="0"/>
-              </a:rPr>
-              <a:t>is a list, </a:t>
-            </a:r>
-            <a:r>
-              <a:rPr lang="en-US" dirty="0">
-                <a:latin typeface="Courier New" panose="02070309020205020404" pitchFamily="49" charset="0"/>
-                <a:cs typeface="Courier New" panose="02070309020205020404" pitchFamily="49" charset="0"/>
-              </a:rPr>
-              <a:t>a[[1]] </a:t>
-            </a:r>
-            <a:r>
-              <a:rPr lang="en-US" dirty="0">
-                <a:cs typeface="Courier New" panose="02070309020205020404" pitchFamily="49" charset="0"/>
-              </a:rPr>
-              <a:t>returns the 1</a:t>
-            </a:r>
-            <a:r>
-              <a:rPr lang="en-US" baseline="30000" dirty="0">
-                <a:cs typeface="Courier New" panose="02070309020205020404" pitchFamily="49" charset="0"/>
-              </a:rPr>
-              <a:t>st</a:t>
-            </a:r>
-            <a:r>
-              <a:rPr lang="en-US" dirty="0">
-                <a:cs typeface="Courier New" panose="02070309020205020404" pitchFamily="49" charset="0"/>
-              </a:rPr>
-              <a:t> element</a:t>
-            </a:r>
-          </a:p>
-          <a:p>
-            <a:r>
-              <a:rPr lang="en-US" dirty="0">
-                <a:cs typeface="Courier New" panose="02070309020205020404" pitchFamily="49" charset="0"/>
-              </a:rPr>
-              <a:t>Also, can access by giving custom names to values!</a:t>
-            </a:r>
-          </a:p>
-          <a:p>
-            <a:pPr lvl="1"/>
-            <a:r>
-              <a:rPr lang="en-US" dirty="0">
-                <a:latin typeface="Courier New" panose="02070309020205020404" pitchFamily="49" charset="0"/>
-                <a:cs typeface="Courier New" panose="02070309020205020404" pitchFamily="49" charset="0"/>
-              </a:rPr>
-              <a:t>ages &lt;- list(16, 17); names(ages) &lt;- c(“</a:t>
-            </a:r>
-            <a:r>
-              <a:rPr lang="en-US" dirty="0" err="1">
-                <a:latin typeface="Courier New" panose="02070309020205020404" pitchFamily="49" charset="0"/>
-                <a:cs typeface="Courier New" panose="02070309020205020404" pitchFamily="49" charset="0"/>
-              </a:rPr>
-              <a:t>steve</a:t>
-            </a:r>
-            <a:r>
-              <a:rPr lang="en-US" dirty="0">
-                <a:latin typeface="Courier New" panose="02070309020205020404" pitchFamily="49" charset="0"/>
-                <a:cs typeface="Courier New" panose="02070309020205020404" pitchFamily="49" charset="0"/>
-              </a:rPr>
-              <a:t>”, “tony”)</a:t>
-            </a:r>
-          </a:p>
-          <a:p>
-            <a:pPr lvl="1"/>
-            <a:r>
-              <a:rPr lang="en-US" dirty="0" err="1">
-                <a:latin typeface="Courier New" panose="02070309020205020404" pitchFamily="49" charset="0"/>
-                <a:cs typeface="Courier New" panose="02070309020205020404" pitchFamily="49" charset="0"/>
-              </a:rPr>
-              <a:t>ages$steve</a:t>
-            </a:r>
-            <a:endParaRPr lang="en-US" dirty="0">
-              <a:latin typeface="Courier New" panose="02070309020205020404" pitchFamily="49" charset="0"/>
-              <a:cs typeface="Courier New" panose="02070309020205020404" pitchFamily="49" charset="0"/>
-            </a:endParaRPr>
-          </a:p>
-          <a:p>
-            <a:endParaRPr lang="en-US" dirty="0"/>
-          </a:p>
-        </p:txBody>
-      </p:sp>
-      <p:sp>
-        <p:nvSpPr>
-          <p:cNvPr id="4" name="Date Placeholder 3"/>
-          <p:cNvSpPr>
-            <a:spLocks noGrp="1"/>
-          </p:cNvSpPr>
-          <p:nvPr>
-            <p:ph type="dt" sz="half" idx="10"/>
-          </p:nvPr>
-        </p:nvSpPr>
-        <p:spPr/>
-        <p:txBody>
-          <a:bodyPr/>
-          <a:lstStyle/>
-          <a:p>
-            <a:fld id="{8AAE40A0-A7D8-4DC3-BC9E-BADA32DA2004}" type="datetime4">
-              <a:rPr lang="en-US" smtClean="0"/>
-              <a:t>June 29, 2019</a:t>
-            </a:fld>
-            <a:endParaRPr lang="en-US" dirty="0"/>
-          </a:p>
-        </p:txBody>
-      </p:sp>
-      <p:sp>
-        <p:nvSpPr>
-          <p:cNvPr id="5" name="Footer Placeholder 4"/>
-          <p:cNvSpPr>
-            <a:spLocks noGrp="1"/>
-          </p:cNvSpPr>
-          <p:nvPr>
-            <p:ph type="ftr" sz="quarter" idx="11"/>
-          </p:nvPr>
-        </p:nvSpPr>
-        <p:spPr/>
-        <p:txBody>
-          <a:bodyPr/>
-          <a:lstStyle/>
-          <a:p>
-            <a:r>
-              <a:rPr lang="en-US"/>
-              <a:t>Digital Scholarship Services </a:t>
-            </a:r>
-            <a:r>
-              <a:rPr lang="en-US">
-                <a:solidFill>
-                  <a:schemeClr val="accent1">
-                    <a:lumMod val="50000"/>
-                  </a:schemeClr>
-                </a:solidFill>
-              </a:rPr>
-              <a:t>| Email</a:t>
-            </a:r>
-            <a:r>
-              <a:rPr lang="en-US"/>
-              <a:t> cf24@rice.edu </a:t>
-            </a:r>
-            <a:r>
-              <a:rPr lang="en-US">
-                <a:solidFill>
-                  <a:schemeClr val="accent1">
-                    <a:lumMod val="50000"/>
-                  </a:schemeClr>
-                </a:solidFill>
-              </a:rPr>
-              <a:t>|</a:t>
-            </a:r>
-            <a:r>
-              <a:rPr lang="en-US"/>
-              <a:t> library.rice.edu/dss</a:t>
-            </a:r>
-            <a:endParaRPr lang="en-US" dirty="0"/>
-          </a:p>
-        </p:txBody>
-      </p:sp>
-      <p:sp>
-        <p:nvSpPr>
-          <p:cNvPr id="6" name="Slide Number Placeholder 5"/>
-          <p:cNvSpPr>
-            <a:spLocks noGrp="1"/>
-          </p:cNvSpPr>
-          <p:nvPr>
-            <p:ph type="sldNum" sz="quarter" idx="12"/>
-          </p:nvPr>
-        </p:nvSpPr>
-        <p:spPr/>
-        <p:txBody>
-          <a:bodyPr/>
-          <a:lstStyle/>
-          <a:p>
-            <a:fld id="{D57F1E4F-1CFF-5643-939E-02111984F565}" type="slidenum">
-              <a:rPr lang="en-US" smtClean="0"/>
-              <a:t>16</a:t>
             </a:fld>
             <a:endParaRPr lang="en-US" dirty="0"/>
           </a:p>
@@ -5583,7 +5326,7 @@
 </p:sld>
 </file>
 
-<file path=ppt/slides/slide17.xml><?xml version="1.0" encoding="utf-8"?>
+<file path=ppt/slides/slide16.xml><?xml version="1.0" encoding="utf-8"?>
 <p:sld xmlns:a="http://schemas.openxmlformats.org/drawingml/2006/main" xmlns:r="http://schemas.openxmlformats.org/officeDocument/2006/relationships" xmlns:p="http://schemas.openxmlformats.org/presentationml/2006/main">
   <p:cSld>
     <p:spTree>
@@ -5897,7 +5640,7 @@
           <a:p>
             <a:fld id="{D57F1E4F-1CFF-5643-939E-02111984F565}" type="slidenum">
               <a:rPr lang="en-US" smtClean="0"/>
-              <a:t>17</a:t>
+              <a:t>16</a:t>
             </a:fld>
             <a:endParaRPr lang="en-US" dirty="0"/>
           </a:p>
@@ -5907,6 +5650,318 @@
     <p:extLst>
       <p:ext uri="{BB962C8B-B14F-4D97-AF65-F5344CB8AC3E}">
         <p14:creationId xmlns:p14="http://schemas.microsoft.com/office/powerpoint/2010/main" val="1867989177"/>
+      </p:ext>
+    </p:extLst>
+  </p:cSld>
+  <p:clrMapOvr>
+    <a:masterClrMapping/>
+  </p:clrMapOvr>
+</p:sld>
+</file>
+
+<file path=ppt/slides/slide17.xml><?xml version="1.0" encoding="utf-8"?>
+<p:sld xmlns:a="http://schemas.openxmlformats.org/drawingml/2006/main" xmlns:r="http://schemas.openxmlformats.org/officeDocument/2006/relationships" xmlns:p="http://schemas.openxmlformats.org/presentationml/2006/main">
+  <p:cSld>
+    <p:spTree>
+      <p:nvGrpSpPr>
+        <p:cNvPr id="1" name=""/>
+        <p:cNvGrpSpPr/>
+        <p:nvPr/>
+      </p:nvGrpSpPr>
+      <p:grpSpPr>
+        <a:xfrm>
+          <a:off x="0" y="0"/>
+          <a:ext cx="0" cy="0"/>
+          <a:chOff x="0" y="0"/>
+          <a:chExt cx="0" cy="0"/>
+        </a:xfrm>
+      </p:grpSpPr>
+      <p:sp>
+        <p:nvSpPr>
+          <p:cNvPr id="7" name="Title 6"/>
+          <p:cNvSpPr>
+            <a:spLocks noGrp="1"/>
+          </p:cNvSpPr>
+          <p:nvPr>
+            <p:ph type="title"/>
+          </p:nvPr>
+        </p:nvSpPr>
+        <p:spPr/>
+        <p:txBody>
+          <a:bodyPr/>
+          <a:lstStyle/>
+          <a:p>
+            <a:r>
+              <a:rPr lang="en-US" dirty="0"/>
+              <a:t>ACCESSING MATRICES</a:t>
+            </a:r>
+          </a:p>
+        </p:txBody>
+      </p:sp>
+      <p:sp>
+        <p:nvSpPr>
+          <p:cNvPr id="8" name="Content Placeholder 7"/>
+          <p:cNvSpPr>
+            <a:spLocks noGrp="1"/>
+          </p:cNvSpPr>
+          <p:nvPr>
+            <p:ph idx="1"/>
+          </p:nvPr>
+        </p:nvSpPr>
+        <p:spPr/>
+        <p:txBody>
+          <a:bodyPr>
+            <a:normAutofit fontScale="92500" lnSpcReduction="10000"/>
+          </a:bodyPr>
+          <a:lstStyle/>
+          <a:p>
+            <a:r>
+              <a:rPr lang="en-US" dirty="0"/>
+              <a:t>Given matrix </a:t>
+            </a:r>
+            <a:r>
+              <a:rPr lang="en-US" dirty="0">
+                <a:latin typeface="Courier New" panose="02070309020205020404" pitchFamily="49" charset="0"/>
+                <a:cs typeface="Courier New" panose="02070309020205020404" pitchFamily="49" charset="0"/>
+              </a:rPr>
+              <a:t>mat</a:t>
+            </a:r>
+          </a:p>
+          <a:p>
+            <a:pPr lvl="1"/>
+            <a:r>
+              <a:rPr lang="en-US" dirty="0"/>
+              <a:t>Access one value:</a:t>
+            </a:r>
+          </a:p>
+          <a:p>
+            <a:pPr lvl="2"/>
+            <a:r>
+              <a:rPr lang="en-US" sz="2800" dirty="0">
+                <a:latin typeface="Courier New" panose="02070309020205020404" pitchFamily="49" charset="0"/>
+                <a:cs typeface="Courier New" panose="02070309020205020404" pitchFamily="49" charset="0"/>
+              </a:rPr>
+              <a:t>mat[3,4]: </a:t>
+            </a:r>
+            <a:r>
+              <a:rPr lang="en-US" dirty="0"/>
+              <a:t>element in 3</a:t>
+            </a:r>
+            <a:r>
+              <a:rPr lang="en-US" baseline="30000" dirty="0"/>
+              <a:t>rd</a:t>
+            </a:r>
+            <a:r>
+              <a:rPr lang="en-US" dirty="0"/>
+              <a:t> row, 4</a:t>
+            </a:r>
+            <a:r>
+              <a:rPr lang="en-US" baseline="30000" dirty="0"/>
+              <a:t>th</a:t>
+            </a:r>
+            <a:r>
+              <a:rPr lang="en-US" dirty="0"/>
+              <a:t> column</a:t>
+            </a:r>
+          </a:p>
+          <a:p>
+            <a:pPr lvl="1"/>
+            <a:r>
+              <a:rPr lang="en-US" dirty="0"/>
+              <a:t>Access a column:</a:t>
+            </a:r>
+          </a:p>
+          <a:p>
+            <a:pPr lvl="2"/>
+            <a:r>
+              <a:rPr lang="en-US" sz="2800" dirty="0">
+                <a:latin typeface="Courier New" panose="02070309020205020404" pitchFamily="49" charset="0"/>
+                <a:cs typeface="Courier New" panose="02070309020205020404" pitchFamily="49" charset="0"/>
+              </a:rPr>
+              <a:t>mat[,3 ]: </a:t>
+            </a:r>
+            <a:r>
+              <a:rPr lang="en-US" dirty="0"/>
+              <a:t>3</a:t>
+            </a:r>
+            <a:r>
+              <a:rPr lang="en-US" baseline="30000" dirty="0"/>
+              <a:t>rd</a:t>
+            </a:r>
+            <a:r>
+              <a:rPr lang="en-US" dirty="0"/>
+              <a:t> column</a:t>
+            </a:r>
+          </a:p>
+          <a:p>
+            <a:pPr lvl="1"/>
+            <a:r>
+              <a:rPr lang="en-US" dirty="0"/>
+              <a:t>Access a row:</a:t>
+            </a:r>
+          </a:p>
+          <a:p>
+            <a:pPr lvl="2"/>
+            <a:r>
+              <a:rPr lang="en-US" sz="2800" dirty="0">
+                <a:latin typeface="Courier New" panose="02070309020205020404" pitchFamily="49" charset="0"/>
+                <a:cs typeface="Courier New" panose="02070309020205020404" pitchFamily="49" charset="0"/>
+              </a:rPr>
+              <a:t>mat[3,]: </a:t>
+            </a:r>
+            <a:r>
+              <a:rPr lang="en-US" dirty="0"/>
+              <a:t>3</a:t>
+            </a:r>
+            <a:r>
+              <a:rPr lang="en-US" baseline="30000" dirty="0"/>
+              <a:t>rd</a:t>
+            </a:r>
+            <a:r>
+              <a:rPr lang="en-US" dirty="0"/>
+              <a:t> row</a:t>
+            </a:r>
+          </a:p>
+          <a:p>
+            <a:pPr lvl="1"/>
+            <a:r>
+              <a:rPr lang="en-US" dirty="0"/>
+              <a:t>Access a range of rows or columns:</a:t>
+            </a:r>
+          </a:p>
+          <a:p>
+            <a:pPr lvl="2"/>
+            <a:r>
+              <a:rPr lang="en-US" sz="2800" dirty="0">
+                <a:latin typeface="Courier New" panose="02070309020205020404" pitchFamily="49" charset="0"/>
+                <a:cs typeface="Courier New" panose="02070309020205020404" pitchFamily="49" charset="0"/>
+              </a:rPr>
+              <a:t>mat[1:2, 3:5]</a:t>
+            </a:r>
+          </a:p>
+          <a:p>
+            <a:pPr lvl="3"/>
+            <a:r>
+              <a:rPr lang="en-US" dirty="0"/>
+              <a:t>First 2 rows, columns 3 to 5</a:t>
+            </a:r>
+          </a:p>
+          <a:p>
+            <a:r>
+              <a:rPr lang="en-US" dirty="0"/>
+              <a:t>Can save to these as well using assignment operator</a:t>
+            </a:r>
+          </a:p>
+          <a:p>
+            <a:pPr lvl="1"/>
+            <a:r>
+              <a:rPr lang="en-US" dirty="0"/>
+              <a:t>If using row or column, convert to matrix first!</a:t>
+            </a:r>
+          </a:p>
+        </p:txBody>
+      </p:sp>
+      <p:sp>
+        <p:nvSpPr>
+          <p:cNvPr id="4" name="Date Placeholder 3"/>
+          <p:cNvSpPr>
+            <a:spLocks noGrp="1"/>
+          </p:cNvSpPr>
+          <p:nvPr>
+            <p:ph type="dt" sz="half" idx="10"/>
+          </p:nvPr>
+        </p:nvSpPr>
+        <p:spPr/>
+        <p:txBody>
+          <a:bodyPr/>
+          <a:lstStyle/>
+          <a:p>
+            <a:fld id="{B08FEED8-D7D4-44E9-BFBC-ED06B5996D94}" type="datetime4">
+              <a:rPr lang="en-US" smtClean="0"/>
+              <a:t>June 29, 2019</a:t>
+            </a:fld>
+            <a:endParaRPr lang="en-US" dirty="0"/>
+          </a:p>
+        </p:txBody>
+      </p:sp>
+      <p:sp>
+        <p:nvSpPr>
+          <p:cNvPr id="5" name="Footer Placeholder 4"/>
+          <p:cNvSpPr>
+            <a:spLocks noGrp="1"/>
+          </p:cNvSpPr>
+          <p:nvPr>
+            <p:ph type="ftr" sz="quarter" idx="11"/>
+          </p:nvPr>
+        </p:nvSpPr>
+        <p:spPr/>
+        <p:txBody>
+          <a:bodyPr/>
+          <a:lstStyle/>
+          <a:p>
+            <a:r>
+              <a:rPr lang="en-US"/>
+              <a:t>Digital Scholarship Services </a:t>
+            </a:r>
+            <a:r>
+              <a:rPr lang="en-US">
+                <a:solidFill>
+                  <a:schemeClr val="accent1">
+                    <a:lumMod val="50000"/>
+                  </a:schemeClr>
+                </a:solidFill>
+              </a:rPr>
+              <a:t>| Email</a:t>
+            </a:r>
+            <a:r>
+              <a:rPr lang="en-US"/>
+              <a:t> cf24@rice.edu </a:t>
+            </a:r>
+            <a:r>
+              <a:rPr lang="en-US">
+                <a:solidFill>
+                  <a:schemeClr val="accent1">
+                    <a:lumMod val="50000"/>
+                  </a:schemeClr>
+                </a:solidFill>
+              </a:rPr>
+              <a:t>|</a:t>
+            </a:r>
+            <a:r>
+              <a:rPr lang="en-US"/>
+              <a:t> library.rice.edu/dss</a:t>
+            </a:r>
+            <a:endParaRPr lang="en-US" dirty="0"/>
+          </a:p>
+        </p:txBody>
+      </p:sp>
+      <p:sp>
+        <p:nvSpPr>
+          <p:cNvPr id="6" name="Slide Number Placeholder 5"/>
+          <p:cNvSpPr>
+            <a:spLocks noGrp="1"/>
+          </p:cNvSpPr>
+          <p:nvPr>
+            <p:ph type="sldNum" sz="quarter" idx="12"/>
+          </p:nvPr>
+        </p:nvSpPr>
+        <p:spPr/>
+        <p:txBody>
+          <a:bodyPr/>
+          <a:lstStyle/>
+          <a:p>
+            <a:fld id="{D57F1E4F-1CFF-5643-939E-02111984F565}" type="slidenum">
+              <a:rPr lang="en-US" smtClean="0"/>
+              <a:t>17</a:t>
+            </a:fld>
+            <a:endParaRPr lang="en-US" dirty="0"/>
+          </a:p>
+        </p:txBody>
+      </p:sp>
+    </p:spTree>
+    <p:extLst>
+      <p:ext uri="{BB962C8B-B14F-4D97-AF65-F5344CB8AC3E}">
+        <p14:creationId xmlns:p14="http://schemas.microsoft.com/office/powerpoint/2010/main" val="3909088616"/>
       </p:ext>
     </p:extLst>
   </p:cSld>
@@ -5950,7 +6005,7 @@
           <a:p>
             <a:r>
               <a:rPr lang="en-US" dirty="0"/>
-              <a:t>ACCESSING MATRICES</a:t>
+              <a:t>MATRIX MULTIPLICATION</a:t>
             </a:r>
           </a:p>
         </p:txBody>
@@ -5972,108 +6027,55 @@
           <a:p>
             <a:r>
               <a:rPr lang="en-US" dirty="0"/>
-              <a:t>Given matrix mat</a:t>
+              <a:t>Uses </a:t>
+            </a:r>
+            <a:r>
+              <a:rPr lang="en-US" dirty="0">
+                <a:latin typeface="Courier New" panose="02070309020205020404" pitchFamily="49" charset="0"/>
+                <a:cs typeface="Courier New" panose="02070309020205020404" pitchFamily="49" charset="0"/>
+              </a:rPr>
+              <a:t>%*%</a:t>
+            </a:r>
+            <a:r>
+              <a:rPr lang="en-US" dirty="0"/>
+              <a:t> (don’t use </a:t>
+            </a:r>
+            <a:r>
+              <a:rPr lang="en-US" dirty="0">
+                <a:latin typeface="Courier New" panose="02070309020205020404" pitchFamily="49" charset="0"/>
+                <a:cs typeface="Courier New" panose="02070309020205020404" pitchFamily="49" charset="0"/>
+              </a:rPr>
+              <a:t>*</a:t>
+            </a:r>
+            <a:r>
+              <a:rPr lang="en-US" dirty="0"/>
+              <a:t>!)</a:t>
+            </a:r>
+          </a:p>
+          <a:p>
+            <a:r>
+              <a:rPr lang="en-US" dirty="0"/>
+              <a:t>Requires conformable dimensions</a:t>
             </a:r>
           </a:p>
           <a:p>
             <a:pPr lvl="1"/>
             <a:r>
               <a:rPr lang="en-US" dirty="0"/>
-              <a:t>Access one value:</a:t>
-            </a:r>
-          </a:p>
-          <a:p>
-            <a:pPr lvl="2"/>
-            <a:r>
-              <a:rPr lang="en-US" dirty="0"/>
-              <a:t>mat[3,4]: element in 3</a:t>
-            </a:r>
-            <a:r>
-              <a:rPr lang="en-US" baseline="30000" dirty="0"/>
-              <a:t>rd</a:t>
-            </a:r>
-            <a:r>
-              <a:rPr lang="en-US" dirty="0"/>
-              <a:t> row, 4</a:t>
-            </a:r>
-            <a:r>
-              <a:rPr lang="en-US" baseline="30000" dirty="0"/>
-              <a:t>th</a:t>
-            </a:r>
-            <a:r>
-              <a:rPr lang="en-US" dirty="0"/>
-              <a:t> column</a:t>
+              <a:t>Number of columns in first matrix = number of rows in second matrix</a:t>
+            </a:r>
+          </a:p>
+          <a:p>
+            <a:r>
+              <a:rPr lang="en-US" dirty="0"/>
+              <a:t>Extremely fast!</a:t>
             </a:r>
           </a:p>
           <a:p>
             <a:pPr lvl="1"/>
             <a:r>
               <a:rPr lang="en-US" dirty="0"/>
-              <a:t>Access a column:</a:t>
-            </a:r>
-          </a:p>
-          <a:p>
-            <a:pPr lvl="2"/>
-            <a:r>
-              <a:rPr lang="en-US" dirty="0"/>
-              <a:t>mat[,3 ]: 3</a:t>
-            </a:r>
-            <a:r>
-              <a:rPr lang="en-US" baseline="30000" dirty="0"/>
-              <a:t>rd</a:t>
-            </a:r>
-            <a:r>
-              <a:rPr lang="en-US" dirty="0"/>
-              <a:t> column</a:t>
-            </a:r>
-          </a:p>
-          <a:p>
-            <a:pPr lvl="1"/>
-            <a:r>
-              <a:rPr lang="en-US" dirty="0"/>
-              <a:t>Access a row:</a:t>
-            </a:r>
-          </a:p>
-          <a:p>
-            <a:pPr lvl="2"/>
-            <a:r>
-              <a:rPr lang="en-US" dirty="0"/>
-              <a:t>mat[3,]: 3</a:t>
-            </a:r>
-            <a:r>
-              <a:rPr lang="en-US" baseline="30000" dirty="0"/>
-              <a:t>rd</a:t>
-            </a:r>
-            <a:r>
-              <a:rPr lang="en-US" dirty="0"/>
-              <a:t> row</a:t>
-            </a:r>
-          </a:p>
-          <a:p>
-            <a:pPr lvl="1"/>
-            <a:r>
-              <a:rPr lang="en-US" dirty="0"/>
-              <a:t>Access a range of rows or columns:</a:t>
-            </a:r>
-          </a:p>
-          <a:p>
-            <a:pPr lvl="2"/>
-            <a:r>
-              <a:rPr lang="en-US" dirty="0"/>
-              <a:t>mat[1:2, 3:5]</a:t>
-            </a:r>
-          </a:p>
-          <a:p>
-            <a:pPr lvl="3"/>
-            <a:r>
-              <a:rPr lang="en-US" dirty="0"/>
-              <a:t>First 2 rows, columns 3 to 5</a:t>
-            </a:r>
-          </a:p>
-          <a:p>
-            <a:r>
-              <a:rPr lang="en-US" dirty="0"/>
-              <a:t>Can save to these as well using assignment operator</a:t>
+              <a:t>Optimized libraries</a:t>
             </a:r>
           </a:p>
         </p:txBody>
@@ -6178,7 +6180,7 @@
     </p:spTree>
     <p:extLst>
       <p:ext uri="{BB962C8B-B14F-4D97-AF65-F5344CB8AC3E}">
-        <p14:creationId xmlns:p14="http://schemas.microsoft.com/office/powerpoint/2010/main" val="3909088616"/>
+        <p14:creationId xmlns:p14="http://schemas.microsoft.com/office/powerpoint/2010/main" val="3324607040"/>
       </p:ext>
     </p:extLst>
   </p:cSld>
@@ -6222,7 +6224,7 @@
           <a:p>
             <a:r>
               <a:rPr lang="en-US" dirty="0"/>
-              <a:t>MATRIX MULTIPLICATION</a:t>
+              <a:t>FACTORS</a:t>
             </a:r>
           </a:p>
         </p:txBody>
@@ -6239,39 +6241,88 @@
         </p:nvSpPr>
         <p:spPr/>
         <p:txBody>
-          <a:bodyPr/>
-          <a:lstStyle/>
-          <a:p>
-            <a:r>
-              <a:rPr lang="en-US" dirty="0"/>
-              <a:t>Uses %*% (don’t use *!)</a:t>
-            </a:r>
-          </a:p>
-          <a:p>
-            <a:r>
-              <a:rPr lang="en-US" dirty="0"/>
-              <a:t>Requires conformable dimensions</a:t>
+          <a:bodyPr>
+            <a:normAutofit lnSpcReduction="10000"/>
+          </a:bodyPr>
+          <a:lstStyle/>
+          <a:p>
+            <a:r>
+              <a:rPr lang="en-US" dirty="0"/>
+              <a:t>Categorical data</a:t>
             </a:r>
           </a:p>
           <a:p>
             <a:pPr lvl="1"/>
             <a:r>
               <a:rPr lang="en-US" dirty="0"/>
-              <a:t>Number of columns in first matrix = number of rows in second matrix</a:t>
-            </a:r>
-          </a:p>
-          <a:p>
-            <a:r>
-              <a:rPr lang="en-US" dirty="0"/>
-              <a:t>Extremely fast!</a:t>
+              <a:t>Only a few possible values</a:t>
             </a:r>
           </a:p>
           <a:p>
             <a:pPr lvl="1"/>
             <a:r>
               <a:rPr lang="en-US" dirty="0"/>
-              <a:t>Optimized libraries</a:t>
-            </a:r>
+              <a:t>Example: US States</a:t>
+            </a:r>
+          </a:p>
+          <a:p>
+            <a:r>
+              <a:rPr lang="en-US" dirty="0"/>
+              <a:t>Create a factor with </a:t>
+            </a:r>
+            <a:r>
+              <a:rPr lang="en-US" dirty="0">
+                <a:latin typeface="Courier New" panose="02070309020205020404" pitchFamily="49" charset="0"/>
+                <a:cs typeface="Courier New" panose="02070309020205020404" pitchFamily="49" charset="0"/>
+              </a:rPr>
+              <a:t>factor(c(...), levels=c(...))</a:t>
+            </a:r>
+          </a:p>
+          <a:p>
+            <a:r>
+              <a:rPr lang="en-US" dirty="0">
+                <a:cs typeface="Courier New" panose="02070309020205020404" pitchFamily="49" charset="0"/>
+              </a:rPr>
+              <a:t>First argument: vector </a:t>
+            </a:r>
+          </a:p>
+          <a:p>
+            <a:r>
+              <a:rPr lang="en-US" dirty="0">
+                <a:cs typeface="Courier New" panose="02070309020205020404" pitchFamily="49" charset="0"/>
+              </a:rPr>
+              <a:t>Levels: all possible values</a:t>
+            </a:r>
+          </a:p>
+          <a:p>
+            <a:pPr lvl="1"/>
+            <a:r>
+              <a:rPr lang="en-US" dirty="0">
+                <a:cs typeface="Courier New" panose="02070309020205020404" pitchFamily="49" charset="0"/>
+              </a:rPr>
+              <a:t>If not provided, factor will assume you have provided all possibilities</a:t>
+            </a:r>
+          </a:p>
+          <a:p>
+            <a:r>
+              <a:rPr lang="en-US" dirty="0">
+                <a:cs typeface="Courier New" panose="02070309020205020404" pitchFamily="49" charset="0"/>
+              </a:rPr>
+              <a:t>e.g. </a:t>
+            </a:r>
+            <a:r>
+              <a:rPr lang="en-US" dirty="0">
+                <a:latin typeface="Courier New" panose="02070309020205020404" pitchFamily="49" charset="0"/>
+                <a:cs typeface="Courier New" panose="02070309020205020404" pitchFamily="49" charset="0"/>
+              </a:rPr>
+              <a:t>factor(c(“Grad Student”, “Grad Student”, “Staff”), levels=c(“Grad Student”, “Staff”, “Faculty”))</a:t>
+            </a:r>
+          </a:p>
+          <a:p>
+            <a:pPr marL="0" indent="0">
+              <a:buNone/>
+            </a:pPr>
+            <a:endParaRPr lang="en-US" dirty="0"/>
           </a:p>
         </p:txBody>
       </p:sp>
@@ -6375,7 +6426,7 @@
     </p:spTree>
     <p:extLst>
       <p:ext uri="{BB962C8B-B14F-4D97-AF65-F5344CB8AC3E}">
-        <p14:creationId xmlns:p14="http://schemas.microsoft.com/office/powerpoint/2010/main" val="3324607040"/>
+        <p14:creationId xmlns:p14="http://schemas.microsoft.com/office/powerpoint/2010/main" val="2100250050"/>
       </p:ext>
     </p:extLst>
   </p:cSld>
@@ -6588,7 +6639,7 @@
           <a:p>
             <a:r>
               <a:rPr lang="en-US" dirty="0"/>
-              <a:t>FACTORS</a:t>
+              <a:t>DATA FRAME</a:t>
             </a:r>
           </a:p>
         </p:txBody>
@@ -6605,88 +6656,74 @@
         </p:nvSpPr>
         <p:spPr/>
         <p:txBody>
-          <a:bodyPr>
-            <a:normAutofit lnSpcReduction="10000"/>
-          </a:bodyPr>
-          <a:lstStyle/>
-          <a:p>
-            <a:r>
-              <a:rPr lang="en-US" dirty="0"/>
-              <a:t>Categorical data</a:t>
+          <a:bodyPr/>
+          <a:lstStyle/>
+          <a:p>
+            <a:r>
+              <a:rPr lang="en-US" dirty="0"/>
+              <a:t>The quintessential R data type</a:t>
+            </a:r>
+          </a:p>
+          <a:p>
+            <a:r>
+              <a:rPr lang="en-US" dirty="0"/>
+              <a:t>Extremely flexible and powerful</a:t>
+            </a:r>
+          </a:p>
+          <a:p>
+            <a:r>
+              <a:rPr lang="en-US" dirty="0"/>
+              <a:t>Structure</a:t>
             </a:r>
           </a:p>
           <a:p>
             <a:pPr lvl="1"/>
             <a:r>
               <a:rPr lang="en-US" dirty="0"/>
-              <a:t>Only a few possible values</a:t>
+              <a:t>Column: a variable</a:t>
             </a:r>
           </a:p>
           <a:p>
             <a:pPr lvl="1"/>
             <a:r>
               <a:rPr lang="en-US" dirty="0"/>
-              <a:t>Example: US States</a:t>
-            </a:r>
-          </a:p>
-          <a:p>
-            <a:r>
-              <a:rPr lang="en-US" dirty="0"/>
-              <a:t>Create a factor with </a:t>
+              <a:t>Row: an observation</a:t>
+            </a:r>
+          </a:p>
+          <a:p>
+            <a:r>
+              <a:rPr lang="en-US" dirty="0"/>
+              <a:t>Give data as columns.</a:t>
+            </a:r>
+          </a:p>
+          <a:p>
+            <a:r>
+              <a:rPr lang="en-US" dirty="0"/>
+              <a:t>Example: </a:t>
+            </a:r>
+            <a:r>
+              <a:rPr lang="en-US" dirty="0" err="1">
+                <a:latin typeface="Courier New" panose="02070309020205020404" pitchFamily="49" charset="0"/>
+                <a:cs typeface="Courier New" panose="02070309020205020404" pitchFamily="49" charset="0"/>
+              </a:rPr>
+              <a:t>data.frame</a:t>
             </a:r>
             <a:r>
               <a:rPr lang="en-US" dirty="0">
                 <a:latin typeface="Courier New" panose="02070309020205020404" pitchFamily="49" charset="0"/>
                 <a:cs typeface="Courier New" panose="02070309020205020404" pitchFamily="49" charset="0"/>
               </a:rPr>
-              <a:t>factor(c(...), levels=c(...))</a:t>
-            </a:r>
-          </a:p>
-          <a:p>
+              <a:t>(name=c(“John”, “Molly”), age=c(15,17))</a:t>
+            </a:r>
+          </a:p>
+          <a:p>
+            <a:pPr lvl="1"/>
             <a:r>
               <a:rPr lang="en-US" dirty="0">
                 <a:cs typeface="Courier New" panose="02070309020205020404" pitchFamily="49" charset="0"/>
               </a:rPr>
-              <a:t>First argument: vector </a:t>
-            </a:r>
-          </a:p>
-          <a:p>
-            <a:r>
-              <a:rPr lang="en-US" dirty="0">
-                <a:cs typeface="Courier New" panose="02070309020205020404" pitchFamily="49" charset="0"/>
-              </a:rPr>
-              <a:t>Levels: all possible values</a:t>
-            </a:r>
-          </a:p>
-          <a:p>
-            <a:pPr lvl="1"/>
-            <a:r>
-              <a:rPr lang="en-US" dirty="0">
-                <a:cs typeface="Courier New" panose="02070309020205020404" pitchFamily="49" charset="0"/>
-              </a:rPr>
-              <a:t>If not provided, factor will assume you have provided all possibilities</a:t>
-            </a:r>
-          </a:p>
-          <a:p>
-            <a:r>
-              <a:rPr lang="en-US" dirty="0">
-                <a:cs typeface="Courier New" panose="02070309020205020404" pitchFamily="49" charset="0"/>
-              </a:rPr>
-              <a:t>e.g. </a:t>
-            </a:r>
-            <a:r>
-              <a:rPr lang="en-US" dirty="0">
-                <a:latin typeface="Courier New" panose="02070309020205020404" pitchFamily="49" charset="0"/>
-                <a:cs typeface="Courier New" panose="02070309020205020404" pitchFamily="49" charset="0"/>
-              </a:rPr>
-              <a:t>factor(c(“Grad Student”, “Grad Student”, “Staff”), levels=c(“Grad Student”, “Staff”, “Faculty”))</a:t>
-            </a:r>
-          </a:p>
-          <a:p>
-            <a:pPr marL="0" indent="0">
-              <a:buNone/>
-            </a:pPr>
-            <a:endParaRPr lang="en-US" dirty="0"/>
+              <a:t>John is 15, Molly is 17</a:t>
+            </a:r>
           </a:p>
         </p:txBody>
       </p:sp>
@@ -6790,7 +6827,7 @@
     </p:spTree>
     <p:extLst>
       <p:ext uri="{BB962C8B-B14F-4D97-AF65-F5344CB8AC3E}">
-        <p14:creationId xmlns:p14="http://schemas.microsoft.com/office/powerpoint/2010/main" val="2100250050"/>
+        <p14:creationId xmlns:p14="http://schemas.microsoft.com/office/powerpoint/2010/main" val="349333892"/>
       </p:ext>
     </p:extLst>
   </p:cSld>
@@ -6834,7 +6871,7 @@
           <a:p>
             <a:r>
               <a:rPr lang="en-US" dirty="0"/>
-              <a:t>DATA FRAME</a:t>
+              <a:t>EXAMINING DATA FRAMES</a:t>
             </a:r>
           </a:p>
         </p:txBody>
@@ -6856,68 +6893,71 @@
           <a:p>
             <a:r>
               <a:rPr lang="en-US" dirty="0"/>
-              <a:t>The quintessential R data type</a:t>
-            </a:r>
-          </a:p>
-          <a:p>
-            <a:r>
-              <a:rPr lang="en-US" dirty="0"/>
-              <a:t>Extremely flexible and powerful</a:t>
-            </a:r>
-          </a:p>
-          <a:p>
-            <a:r>
-              <a:rPr lang="en-US" dirty="0"/>
-              <a:t>Structure</a:t>
+              <a:t>Data frames are frequently huge. Use the following commands to take a look without printing out thousands of lines:</a:t>
             </a:r>
           </a:p>
           <a:p>
             <a:pPr lvl="1"/>
             <a:r>
-              <a:rPr lang="en-US" dirty="0"/>
-              <a:t>Column: a variable</a:t>
+              <a:rPr lang="en-US" dirty="0">
+                <a:latin typeface="Courier New" panose="02070309020205020404" pitchFamily="49" charset="0"/>
+                <a:cs typeface="Courier New" panose="02070309020205020404" pitchFamily="49" charset="0"/>
+              </a:rPr>
+              <a:t>head(df)</a:t>
+            </a:r>
+          </a:p>
+          <a:p>
+            <a:pPr lvl="2"/>
+            <a:r>
+              <a:rPr lang="en-US" dirty="0">
+                <a:cs typeface="Courier New" panose="02070309020205020404" pitchFamily="49" charset="0"/>
+              </a:rPr>
+              <a:t>Take a look at the first few entries</a:t>
             </a:r>
           </a:p>
           <a:p>
             <a:pPr lvl="1"/>
             <a:r>
-              <a:rPr lang="en-US" dirty="0"/>
-              <a:t>Row: an observation</a:t>
-            </a:r>
-          </a:p>
-          <a:p>
-            <a:r>
-              <a:rPr lang="en-US" dirty="0"/>
-              <a:t>Give data as columns.</a:t>
-            </a:r>
-          </a:p>
-          <a:p>
-            <a:r>
-              <a:rPr lang="en-US" dirty="0"/>
-              <a:t>Example: </a:t>
-            </a:r>
+              <a:rPr lang="en-US" dirty="0">
+                <a:latin typeface="Courier New" panose="02070309020205020404" pitchFamily="49" charset="0"/>
+                <a:cs typeface="Courier New" panose="02070309020205020404" pitchFamily="49" charset="0"/>
+              </a:rPr>
+              <a:t>tail(df)</a:t>
+            </a:r>
+          </a:p>
+          <a:p>
+            <a:pPr lvl="2"/>
+            <a:r>
+              <a:rPr lang="en-US" dirty="0">
+                <a:cs typeface="Courier New" panose="02070309020205020404" pitchFamily="49" charset="0"/>
+              </a:rPr>
+              <a:t>Take a look at the last few entries</a:t>
+            </a:r>
+          </a:p>
+          <a:p>
+            <a:pPr lvl="1"/>
             <a:r>
               <a:rPr lang="en-US" dirty="0" err="1">
                 <a:latin typeface="Courier New" panose="02070309020205020404" pitchFamily="49" charset="0"/>
                 <a:cs typeface="Courier New" panose="02070309020205020404" pitchFamily="49" charset="0"/>
               </a:rPr>
-              <a:t>data.frame</a:t>
+              <a:t>colnames</a:t>
             </a:r>
             <a:r>
               <a:rPr lang="en-US" dirty="0">
                 <a:latin typeface="Courier New" panose="02070309020205020404" pitchFamily="49" charset="0"/>
                 <a:cs typeface="Courier New" panose="02070309020205020404" pitchFamily="49" charset="0"/>
               </a:rPr>
-              <a:t>(name=c(“John”, “Molly”), age=c(15,17))</a:t>
-            </a:r>
-          </a:p>
-          <a:p>
-            <a:pPr lvl="1"/>
+              <a:t>(df)</a:t>
+            </a:r>
+          </a:p>
+          <a:p>
+            <a:pPr lvl="2"/>
             <a:r>
               <a:rPr lang="en-US" dirty="0">
                 <a:cs typeface="Courier New" panose="02070309020205020404" pitchFamily="49" charset="0"/>
               </a:rPr>
-              <a:t>John is 15, Molly is 17</a:t>
+              <a:t>Take a look at the available variables</a:t>
             </a:r>
           </a:p>
         </p:txBody>
@@ -6939,7 +6979,7 @@
           <a:p>
             <a:fld id="{B08FEED8-D7D4-44E9-BFBC-ED06B5996D94}" type="datetime4">
               <a:rPr lang="en-US" smtClean="0"/>
-              <a:t>June 29, 2019</a:t>
+              <a:t>June 30, 2019</a:t>
             </a:fld>
             <a:endParaRPr lang="en-US" dirty="0"/>
           </a:p>
@@ -7022,7 +7062,7 @@
     </p:spTree>
     <p:extLst>
       <p:ext uri="{BB962C8B-B14F-4D97-AF65-F5344CB8AC3E}">
-        <p14:creationId xmlns:p14="http://schemas.microsoft.com/office/powerpoint/2010/main" val="349333892"/>
+        <p14:creationId xmlns:p14="http://schemas.microsoft.com/office/powerpoint/2010/main" val="2051851346"/>
       </p:ext>
     </p:extLst>
   </p:cSld>
@@ -7051,13 +7091,7 @@
       </p:grpSpPr>
       <p:sp>
         <p:nvSpPr>
-          <p:cNvPr id="7" name="Title 6">
-            <a:extLst>
-              <a:ext uri="{FF2B5EF4-FFF2-40B4-BE49-F238E27FC236}">
-                <a16:creationId xmlns:a16="http://schemas.microsoft.com/office/drawing/2014/main" id="{184E2338-1026-45D4-9455-B21A88F18B28}"/>
-              </a:ext>
-            </a:extLst>
-          </p:cNvPr>
+          <p:cNvPr id="7" name="Title 6"/>
           <p:cNvSpPr>
             <a:spLocks noGrp="1"/>
           </p:cNvSpPr>
@@ -7072,55 +7106,56 @@
           <a:p>
             <a:r>
               <a:rPr lang="en-US" dirty="0"/>
-              <a:t>READING AND </a:t>
-            </a:r>
-            <a:br>
-              <a:rPr lang="en-US" dirty="0"/>
-            </a:br>
-            <a:r>
-              <a:rPr lang="en-US" dirty="0"/>
-              <a:t>WRITING DATA</a:t>
-            </a:r>
-          </a:p>
-        </p:txBody>
-      </p:sp>
-      <p:sp>
-        <p:nvSpPr>
-          <p:cNvPr id="8" name="Text Placeholder 7">
-            <a:extLst>
-              <a:ext uri="{FF2B5EF4-FFF2-40B4-BE49-F238E27FC236}">
-                <a16:creationId xmlns:a16="http://schemas.microsoft.com/office/drawing/2014/main" id="{DB42CCAB-C8E2-48A8-A9DF-EB0383A8B33C}"/>
-              </a:ext>
-            </a:extLst>
-          </p:cNvPr>
-          <p:cNvSpPr>
-            <a:spLocks noGrp="1"/>
-          </p:cNvSpPr>
-          <p:nvPr>
-            <p:ph type="body" idx="1"/>
-          </p:nvPr>
-        </p:nvSpPr>
-        <p:spPr/>
-        <p:txBody>
-          <a:bodyPr/>
-          <a:lstStyle/>
-          <a:p>
-            <a:r>
-              <a:rPr lang="en-US" dirty="0"/>
-              <a:t>Excel, Comma-Separated and Tab-Separated Values, and more!</a:t>
-            </a:r>
-          </a:p>
-        </p:txBody>
-      </p:sp>
-      <p:sp>
-        <p:nvSpPr>
-          <p:cNvPr id="4" name="Date Placeholder 3">
-            <a:extLst>
-              <a:ext uri="{FF2B5EF4-FFF2-40B4-BE49-F238E27FC236}">
-                <a16:creationId xmlns:a16="http://schemas.microsoft.com/office/drawing/2014/main" id="{1CA94ACB-62A5-4F09-8C21-F0CE9BFB1606}"/>
-              </a:ext>
-            </a:extLst>
-          </p:cNvPr>
+              <a:t>A NOTE ABOUT FUNCTIONS</a:t>
+            </a:r>
+          </a:p>
+        </p:txBody>
+      </p:sp>
+      <p:sp>
+        <p:nvSpPr>
+          <p:cNvPr id="8" name="Content Placeholder 7"/>
+          <p:cNvSpPr>
+            <a:spLocks noGrp="1"/>
+          </p:cNvSpPr>
+          <p:nvPr>
+            <p:ph idx="1"/>
+          </p:nvPr>
+        </p:nvSpPr>
+        <p:spPr/>
+        <p:txBody>
+          <a:bodyPr/>
+          <a:lstStyle/>
+          <a:p>
+            <a:r>
+              <a:rPr lang="en-US" dirty="0"/>
+              <a:t>Two types of arguments/parameters to functions:</a:t>
+            </a:r>
+          </a:p>
+          <a:p>
+            <a:pPr lvl="1"/>
+            <a:r>
+              <a:rPr lang="en-US" dirty="0"/>
+              <a:t>Positional: mean(data)</a:t>
+            </a:r>
+          </a:p>
+          <a:p>
+            <a:pPr lvl="1"/>
+            <a:r>
+              <a:rPr lang="en-US" dirty="0"/>
+              <a:t>Keyword: mean(data, NA.RM=TRUE)</a:t>
+            </a:r>
+          </a:p>
+          <a:p>
+            <a:r>
+              <a:rPr lang="en-US" dirty="0"/>
+              <a:t>Functions in R often take optional keyword parameters. Check a function out in R with ?function or help(function) and see if there are any additional arguments that might help make your life easier!</a:t>
+            </a:r>
+          </a:p>
+        </p:txBody>
+      </p:sp>
+      <p:sp>
+        <p:nvSpPr>
+          <p:cNvPr id="4" name="Date Placeholder 3"/>
           <p:cNvSpPr>
             <a:spLocks noGrp="1"/>
           </p:cNvSpPr>
@@ -7133,9 +7168,9 @@
           <a:bodyPr/>
           <a:lstStyle/>
           <a:p>
-            <a:fld id="{8AAE40A0-A7D8-4DC3-BC9E-BADA32DA2004}" type="datetime4">
+            <a:fld id="{B08FEED8-D7D4-44E9-BFBC-ED06B5996D94}" type="datetime4">
               <a:rPr lang="en-US" smtClean="0"/>
-              <a:t>June 29, 2019</a:t>
+              <a:t>June 30, 2019</a:t>
             </a:fld>
             <a:endParaRPr lang="en-US" dirty="0"/>
           </a:p>
@@ -7143,13 +7178,7 @@
       </p:sp>
       <p:sp>
         <p:nvSpPr>
-          <p:cNvPr id="5" name="Footer Placeholder 4">
-            <a:extLst>
-              <a:ext uri="{FF2B5EF4-FFF2-40B4-BE49-F238E27FC236}">
-                <a16:creationId xmlns:a16="http://schemas.microsoft.com/office/drawing/2014/main" id="{D20B02B0-893D-4696-B6F7-A126B8D18E99}"/>
-              </a:ext>
-            </a:extLst>
-          </p:cNvPr>
+          <p:cNvPr id="5" name="Footer Placeholder 4"/>
           <p:cNvSpPr>
             <a:spLocks noGrp="1"/>
           </p:cNvSpPr>
@@ -7200,13 +7229,7 @@
       </p:sp>
       <p:sp>
         <p:nvSpPr>
-          <p:cNvPr id="6" name="Slide Number Placeholder 5">
-            <a:extLst>
-              <a:ext uri="{FF2B5EF4-FFF2-40B4-BE49-F238E27FC236}">
-                <a16:creationId xmlns:a16="http://schemas.microsoft.com/office/drawing/2014/main" id="{1CFDA495-0063-4571-8969-0DD770DB39E0}"/>
-              </a:ext>
-            </a:extLst>
-          </p:cNvPr>
+          <p:cNvPr id="6" name="Slide Number Placeholder 5"/>
           <p:cNvSpPr>
             <a:spLocks noGrp="1"/>
           </p:cNvSpPr>
@@ -7230,7 +7253,7 @@
     </p:spTree>
     <p:extLst>
       <p:ext uri="{BB962C8B-B14F-4D97-AF65-F5344CB8AC3E}">
-        <p14:creationId xmlns:p14="http://schemas.microsoft.com/office/powerpoint/2010/main" val="2581962988"/>
+        <p14:creationId xmlns:p14="http://schemas.microsoft.com/office/powerpoint/2010/main" val="1868989129"/>
       </p:ext>
     </p:extLst>
   </p:cSld>
@@ -7259,7 +7282,13 @@
       </p:grpSpPr>
       <p:sp>
         <p:nvSpPr>
-          <p:cNvPr id="7" name="Title 6"/>
+          <p:cNvPr id="7" name="Title 6">
+            <a:extLst>
+              <a:ext uri="{FF2B5EF4-FFF2-40B4-BE49-F238E27FC236}">
+                <a16:creationId xmlns:a16="http://schemas.microsoft.com/office/drawing/2014/main" id="{184E2338-1026-45D4-9455-B21A88F18B28}"/>
+              </a:ext>
+            </a:extLst>
+          </p:cNvPr>
           <p:cNvSpPr>
             <a:spLocks noGrp="1"/>
           </p:cNvSpPr>
@@ -7274,129 +7303,55 @@
           <a:p>
             <a:r>
               <a:rPr lang="en-US" dirty="0"/>
-              <a:t>COMMON FILE FORMATS</a:t>
-            </a:r>
-          </a:p>
-        </p:txBody>
-      </p:sp>
-      <p:sp>
-        <p:nvSpPr>
-          <p:cNvPr id="8" name="Content Placeholder 7"/>
-          <p:cNvSpPr>
-            <a:spLocks noGrp="1"/>
-          </p:cNvSpPr>
-          <p:nvPr>
-            <p:ph idx="1"/>
-          </p:nvPr>
-        </p:nvSpPr>
-        <p:spPr/>
-        <p:txBody>
-          <a:bodyPr/>
-          <a:lstStyle/>
-          <a:p>
-            <a:r>
-              <a:rPr lang="en-US" dirty="0"/>
-              <a:t>Comma/Tab Separated Values: (.csv, .</a:t>
-            </a:r>
-            <a:r>
-              <a:rPr lang="en-US" dirty="0" err="1"/>
-              <a:t>tsv</a:t>
-            </a:r>
-            <a:r>
-              <a:rPr lang="en-US" dirty="0"/>
-              <a:t>)</a:t>
-            </a:r>
-          </a:p>
-          <a:p>
-            <a:pPr lvl="1"/>
-            <a:r>
-              <a:rPr lang="en-US" dirty="0"/>
-              <a:t>Example:</a:t>
-            </a:r>
-          </a:p>
-          <a:p>
-            <a:pPr lvl="2"/>
-            <a:r>
-              <a:rPr lang="en-US" dirty="0" err="1"/>
-              <a:t>name,age,occupation</a:t>
-            </a:r>
-            <a:r>
-              <a:rPr lang="en-US" dirty="0"/>
-              <a:t> (first line: header)</a:t>
-            </a:r>
-          </a:p>
-          <a:p>
-            <a:pPr lvl="2"/>
-            <a:r>
-              <a:rPr lang="en-US" dirty="0"/>
-              <a:t>tony,23,banker (all other lines: observations)</a:t>
-            </a:r>
-          </a:p>
-          <a:p>
-            <a:r>
-              <a:rPr lang="en-US" dirty="0"/>
-              <a:t>Excel files (.</a:t>
-            </a:r>
-            <a:r>
-              <a:rPr lang="en-US" dirty="0" err="1"/>
-              <a:t>xlsx</a:t>
-            </a:r>
-            <a:r>
-              <a:rPr lang="en-US" dirty="0"/>
-              <a:t>, .</a:t>
-            </a:r>
-            <a:r>
-              <a:rPr lang="en-US" dirty="0" err="1"/>
-              <a:t>xls</a:t>
-            </a:r>
-            <a:r>
-              <a:rPr lang="en-US" dirty="0"/>
-              <a:t>*)</a:t>
-            </a:r>
-          </a:p>
-          <a:p>
-            <a:r>
-              <a:rPr lang="en-US" dirty="0"/>
-              <a:t>JSON (.</a:t>
-            </a:r>
-            <a:r>
-              <a:rPr lang="en-US" dirty="0" err="1"/>
-              <a:t>json</a:t>
-            </a:r>
-            <a:r>
-              <a:rPr lang="en-US" dirty="0"/>
-              <a:t>)</a:t>
-            </a:r>
-          </a:p>
-          <a:p>
-            <a:pPr lvl="1"/>
-            <a:r>
-              <a:rPr lang="en-US" dirty="0"/>
-              <a:t>{“name”: “Tony”, “age”: 23, “occupation:” “banker”}</a:t>
-            </a:r>
-          </a:p>
-          <a:p>
-            <a:r>
-              <a:rPr lang="en-US" dirty="0"/>
-              <a:t>XML (.xml)</a:t>
-            </a:r>
-          </a:p>
-          <a:p>
-            <a:pPr lvl="1"/>
-            <a:r>
-              <a:rPr lang="en-US" dirty="0"/>
-              <a:t>&lt;person&gt; &lt;name&gt;Tony&lt;/name&gt; &lt;age&gt;23&lt;/age&gt; &lt;occupation&gt;banker&lt;/occupation&gt; &lt;/person&gt;</a:t>
-            </a:r>
-          </a:p>
-          <a:p>
-            <a:pPr lvl="1"/>
-            <a:endParaRPr lang="en-US" dirty="0"/>
-          </a:p>
-        </p:txBody>
-      </p:sp>
-      <p:sp>
-        <p:nvSpPr>
-          <p:cNvPr id="4" name="Date Placeholder 3"/>
+              <a:t>READING AND </a:t>
+            </a:r>
+            <a:br>
+              <a:rPr lang="en-US" dirty="0"/>
+            </a:br>
+            <a:r>
+              <a:rPr lang="en-US" dirty="0"/>
+              <a:t>WRITING DATA</a:t>
+            </a:r>
+          </a:p>
+        </p:txBody>
+      </p:sp>
+      <p:sp>
+        <p:nvSpPr>
+          <p:cNvPr id="8" name="Text Placeholder 7">
+            <a:extLst>
+              <a:ext uri="{FF2B5EF4-FFF2-40B4-BE49-F238E27FC236}">
+                <a16:creationId xmlns:a16="http://schemas.microsoft.com/office/drawing/2014/main" id="{DB42CCAB-C8E2-48A8-A9DF-EB0383A8B33C}"/>
+              </a:ext>
+            </a:extLst>
+          </p:cNvPr>
+          <p:cNvSpPr>
+            <a:spLocks noGrp="1"/>
+          </p:cNvSpPr>
+          <p:nvPr>
+            <p:ph type="body" idx="1"/>
+          </p:nvPr>
+        </p:nvSpPr>
+        <p:spPr/>
+        <p:txBody>
+          <a:bodyPr/>
+          <a:lstStyle/>
+          <a:p>
+            <a:r>
+              <a:rPr lang="en-US" dirty="0"/>
+              <a:t>Excel, Comma-Separated and Tab-Separated Values, and more!</a:t>
+            </a:r>
+          </a:p>
+        </p:txBody>
+      </p:sp>
+      <p:sp>
+        <p:nvSpPr>
+          <p:cNvPr id="4" name="Date Placeholder 3">
+            <a:extLst>
+              <a:ext uri="{FF2B5EF4-FFF2-40B4-BE49-F238E27FC236}">
+                <a16:creationId xmlns:a16="http://schemas.microsoft.com/office/drawing/2014/main" id="{1CA94ACB-62A5-4F09-8C21-F0CE9BFB1606}"/>
+              </a:ext>
+            </a:extLst>
+          </p:cNvPr>
           <p:cNvSpPr>
             <a:spLocks noGrp="1"/>
           </p:cNvSpPr>
@@ -7409,7 +7364,7 @@
           <a:bodyPr/>
           <a:lstStyle/>
           <a:p>
-            <a:fld id="{B08FEED8-D7D4-44E9-BFBC-ED06B5996D94}" type="datetime4">
+            <a:fld id="{8AAE40A0-A7D8-4DC3-BC9E-BADA32DA2004}" type="datetime4">
               <a:rPr lang="en-US" smtClean="0"/>
               <a:t>June 29, 2019</a:t>
             </a:fld>
@@ -7419,7 +7374,13 @@
       </p:sp>
       <p:sp>
         <p:nvSpPr>
-          <p:cNvPr id="5" name="Footer Placeholder 4"/>
+          <p:cNvPr id="5" name="Footer Placeholder 4">
+            <a:extLst>
+              <a:ext uri="{FF2B5EF4-FFF2-40B4-BE49-F238E27FC236}">
+                <a16:creationId xmlns:a16="http://schemas.microsoft.com/office/drawing/2014/main" id="{D20B02B0-893D-4696-B6F7-A126B8D18E99}"/>
+              </a:ext>
+            </a:extLst>
+          </p:cNvPr>
           <p:cNvSpPr>
             <a:spLocks noGrp="1"/>
           </p:cNvSpPr>
@@ -7470,7 +7431,13 @@
       </p:sp>
       <p:sp>
         <p:nvSpPr>
-          <p:cNvPr id="6" name="Slide Number Placeholder 5"/>
+          <p:cNvPr id="6" name="Slide Number Placeholder 5">
+            <a:extLst>
+              <a:ext uri="{FF2B5EF4-FFF2-40B4-BE49-F238E27FC236}">
+                <a16:creationId xmlns:a16="http://schemas.microsoft.com/office/drawing/2014/main" id="{1CFDA495-0063-4571-8969-0DD770DB39E0}"/>
+              </a:ext>
+            </a:extLst>
+          </p:cNvPr>
           <p:cNvSpPr>
             <a:spLocks noGrp="1"/>
           </p:cNvSpPr>
@@ -7494,7 +7461,7 @@
     </p:spTree>
     <p:extLst>
       <p:ext uri="{BB962C8B-B14F-4D97-AF65-F5344CB8AC3E}">
-        <p14:creationId xmlns:p14="http://schemas.microsoft.com/office/powerpoint/2010/main" val="3674866452"/>
+        <p14:creationId xmlns:p14="http://schemas.microsoft.com/office/powerpoint/2010/main" val="2581962988"/>
       </p:ext>
     </p:extLst>
   </p:cSld>
@@ -7538,7 +7505,7 @@
           <a:p>
             <a:r>
               <a:rPr lang="en-US" dirty="0"/>
-              <a:t>READING FILE FORMATS</a:t>
+              <a:t>COMMON FILE FORMATS</a:t>
             </a:r>
           </a:p>
         </p:txBody>
@@ -7575,7 +7542,25 @@
             <a:pPr lvl="1"/>
             <a:r>
               <a:rPr lang="en-US" dirty="0"/>
-              <a:t>Read.csv</a:t>
+              <a:t>Example:</a:t>
+            </a:r>
+          </a:p>
+          <a:p>
+            <a:pPr lvl="2"/>
+            <a:r>
+              <a:rPr lang="en-US" dirty="0" err="1"/>
+              <a:t>name,age,occupation</a:t>
+            </a:r>
+            <a:r>
+              <a:rPr lang="en-US" dirty="0"/>
+              <a:t> (first line: header)</a:t>
+            </a:r>
+          </a:p>
+          <a:p>
+            <a:pPr lvl="2"/>
+            <a:r>
+              <a:rPr lang="en-US" dirty="0"/>
+              <a:t>tony,23,banker (all other lines: observations)</a:t>
             </a:r>
           </a:p>
           <a:p>
@@ -7618,7 +7603,7 @@
             <a:pPr lvl="1"/>
             <a:r>
               <a:rPr lang="en-US" dirty="0"/>
-              <a:t>Example</a:t>
+              <a:t>{“name”: “Tony”, “age”: 23, “occupation:” “banker”}</a:t>
             </a:r>
           </a:p>
           <a:p>
@@ -7631,8 +7616,12 @@
             <a:pPr lvl="1"/>
             <a:r>
               <a:rPr lang="en-US" dirty="0"/>
-              <a:t>Example</a:t>
-            </a:r>
+              <a:t>&lt;person&gt; &lt;name&gt;Tony&lt;/name&gt; &lt;age&gt;23&lt;/age&gt; &lt;occupation&gt;banker&lt;/occupation&gt; &lt;/person&gt;</a:t>
+            </a:r>
+          </a:p>
+          <a:p>
+            <a:pPr lvl="1"/>
+            <a:endParaRPr lang="en-US" dirty="0"/>
           </a:p>
         </p:txBody>
       </p:sp>
@@ -7736,7 +7725,7 @@
     </p:spTree>
     <p:extLst>
       <p:ext uri="{BB962C8B-B14F-4D97-AF65-F5344CB8AC3E}">
-        <p14:creationId xmlns:p14="http://schemas.microsoft.com/office/powerpoint/2010/main" val="472407328"/>
+        <p14:creationId xmlns:p14="http://schemas.microsoft.com/office/powerpoint/2010/main" val="3674866452"/>
       </p:ext>
     </p:extLst>
   </p:cSld>
@@ -7780,7 +7769,7 @@
           <a:p>
             <a:r>
               <a:rPr lang="en-US" dirty="0"/>
-              <a:t>WRITING FILE FORMATS</a:t>
+              <a:t>READING FILE FORMATS</a:t>
             </a:r>
           </a:p>
         </p:txBody>
@@ -7817,7 +7806,7 @@
             <a:pPr lvl="1"/>
             <a:r>
               <a:rPr lang="en-US" dirty="0"/>
-              <a:t>Write.csv</a:t>
+              <a:t>Read.csv</a:t>
             </a:r>
           </a:p>
           <a:p>
@@ -7978,7 +7967,7 @@
     </p:spTree>
     <p:extLst>
       <p:ext uri="{BB962C8B-B14F-4D97-AF65-F5344CB8AC3E}">
-        <p14:creationId xmlns:p14="http://schemas.microsoft.com/office/powerpoint/2010/main" val="880888547"/>
+        <p14:creationId xmlns:p14="http://schemas.microsoft.com/office/powerpoint/2010/main" val="472407328"/>
       </p:ext>
     </p:extLst>
   </p:cSld>
@@ -8022,7 +8011,7 @@
           <a:p>
             <a:r>
               <a:rPr lang="en-US" dirty="0"/>
-              <a:t>A WORD OF WARNING ON FACTORS</a:t>
+              <a:t>WRITING FILE FORMATS</a:t>
             </a:r>
           </a:p>
         </p:txBody>
@@ -8044,115 +8033,79 @@
           <a:p>
             <a:r>
               <a:rPr lang="en-US" dirty="0"/>
-              <a:t>R is quick to assume strings you pass in data frames are factors</a:t>
-            </a:r>
-          </a:p>
-          <a:p>
-            <a:r>
-              <a:rPr lang="en-US" dirty="0"/>
-              <a:t>Example: </a:t>
-            </a:r>
-            <a:r>
-              <a:rPr lang="en-US" dirty="0">
-                <a:latin typeface="Courier New" panose="02070309020205020404" pitchFamily="49" charset="0"/>
-                <a:cs typeface="Courier New" panose="02070309020205020404" pitchFamily="49" charset="0"/>
-              </a:rPr>
-              <a:t>df &lt;- </a:t>
-            </a:r>
-            <a:r>
-              <a:rPr lang="en-US" dirty="0" err="1">
-                <a:latin typeface="Courier New" panose="02070309020205020404" pitchFamily="49" charset="0"/>
-                <a:cs typeface="Courier New" panose="02070309020205020404" pitchFamily="49" charset="0"/>
-              </a:rPr>
-              <a:t>data.frame</a:t>
-            </a:r>
-            <a:r>
-              <a:rPr lang="en-US" dirty="0">
-                <a:latin typeface="Courier New" panose="02070309020205020404" pitchFamily="49" charset="0"/>
-                <a:cs typeface="Courier New" panose="02070309020205020404" pitchFamily="49" charset="0"/>
-              </a:rPr>
-              <a:t>(name=c(“John”, “Molly”), age=c(15,17))</a:t>
+              <a:t>Comma/Tab Separated Values: (.csv, .</a:t>
+            </a:r>
+            <a:r>
+              <a:rPr lang="en-US" dirty="0" err="1"/>
+              <a:t>tsv</a:t>
+            </a:r>
+            <a:r>
+              <a:rPr lang="en-US" dirty="0"/>
+              <a:t>)</a:t>
             </a:r>
           </a:p>
           <a:p>
             <a:pPr lvl="1"/>
             <a:r>
               <a:rPr lang="en-US" dirty="0"/>
-              <a:t>Name is a factor!</a:t>
+              <a:t>Write.csv</a:t>
+            </a:r>
+          </a:p>
+          <a:p>
+            <a:r>
+              <a:rPr lang="en-US" dirty="0"/>
+              <a:t>Excel files (.</a:t>
+            </a:r>
+            <a:r>
+              <a:rPr lang="en-US" dirty="0" err="1"/>
+              <a:t>xlsx</a:t>
+            </a:r>
+            <a:r>
+              <a:rPr lang="en-US" dirty="0"/>
+              <a:t>, .</a:t>
+            </a:r>
+            <a:r>
+              <a:rPr lang="en-US" dirty="0" err="1"/>
+              <a:t>xls</a:t>
+            </a:r>
+            <a:r>
+              <a:rPr lang="en-US" dirty="0"/>
+              <a:t>*)</a:t>
+            </a:r>
+          </a:p>
+          <a:p>
+            <a:r>
+              <a:rPr lang="en-US" dirty="0"/>
+              <a:t>JSON (.</a:t>
+            </a:r>
+            <a:r>
+              <a:rPr lang="en-US" dirty="0" err="1"/>
+              <a:t>json</a:t>
+            </a:r>
+            <a:r>
+              <a:rPr lang="en-US" dirty="0"/>
+              <a:t>)</a:t>
             </a:r>
           </a:p>
           <a:p>
             <a:pPr lvl="1"/>
             <a:r>
               <a:rPr lang="en-US" dirty="0"/>
-              <a:t>Does this make sense?</a:t>
-            </a:r>
-          </a:p>
-          <a:p>
-            <a:r>
-              <a:rPr lang="en-US" dirty="0"/>
-              <a:t>If this a problem (which it often is), change the type of the column with </a:t>
-            </a:r>
-            <a:r>
-              <a:rPr lang="en-US" dirty="0" err="1">
-                <a:latin typeface="Courier New" panose="02070309020205020404" pitchFamily="49" charset="0"/>
-                <a:cs typeface="Courier New" panose="02070309020205020404" pitchFamily="49" charset="0"/>
-              </a:rPr>
-              <a:t>as.character</a:t>
-            </a:r>
-            <a:r>
-              <a:rPr lang="en-US" dirty="0">
-                <a:latin typeface="Courier New" panose="02070309020205020404" pitchFamily="49" charset="0"/>
-                <a:cs typeface="Courier New" panose="02070309020205020404" pitchFamily="49" charset="0"/>
-              </a:rPr>
-              <a:t>().</a:t>
+              <a:t>Example</a:t>
+            </a:r>
+          </a:p>
+          <a:p>
+            <a:r>
+              <a:rPr lang="en-US" dirty="0"/>
+              <a:t>XML (.xml)</a:t>
             </a:r>
           </a:p>
           <a:p>
             <a:pPr lvl="1"/>
             <a:r>
-              <a:rPr lang="en-US" dirty="0" err="1">
-                <a:latin typeface="Courier New" panose="02070309020205020404" pitchFamily="49" charset="0"/>
-                <a:cs typeface="Courier New" panose="02070309020205020404" pitchFamily="49" charset="0"/>
-              </a:rPr>
-              <a:t>df$name</a:t>
-            </a:r>
-            <a:r>
-              <a:rPr lang="en-US" dirty="0">
-                <a:latin typeface="Courier New" panose="02070309020205020404" pitchFamily="49" charset="0"/>
-                <a:cs typeface="Courier New" panose="02070309020205020404" pitchFamily="49" charset="0"/>
-              </a:rPr>
-              <a:t> &lt;- </a:t>
-            </a:r>
-            <a:r>
-              <a:rPr lang="en-US" dirty="0" err="1">
-                <a:latin typeface="Courier New" panose="02070309020205020404" pitchFamily="49" charset="0"/>
-                <a:cs typeface="Courier New" panose="02070309020205020404" pitchFamily="49" charset="0"/>
-              </a:rPr>
-              <a:t>as.character</a:t>
-            </a:r>
-            <a:r>
-              <a:rPr lang="en-US" dirty="0">
-                <a:latin typeface="Courier New" panose="02070309020205020404" pitchFamily="49" charset="0"/>
-                <a:cs typeface="Courier New" panose="02070309020205020404" pitchFamily="49" charset="0"/>
-              </a:rPr>
-              <a:t>(</a:t>
-            </a:r>
-            <a:r>
-              <a:rPr lang="en-US" dirty="0" err="1">
-                <a:latin typeface="Courier New" panose="02070309020205020404" pitchFamily="49" charset="0"/>
-                <a:cs typeface="Courier New" panose="02070309020205020404" pitchFamily="49" charset="0"/>
-              </a:rPr>
-              <a:t>df$name</a:t>
-            </a:r>
-            <a:r>
-              <a:rPr lang="en-US" dirty="0">
-                <a:latin typeface="Courier New" panose="02070309020205020404" pitchFamily="49" charset="0"/>
-                <a:cs typeface="Courier New" panose="02070309020205020404" pitchFamily="49" charset="0"/>
-              </a:rPr>
-              <a:t>)</a:t>
-            </a:r>
-            <a:endParaRPr lang="en-US" dirty="0"/>
+              <a:rPr lang="en-US" dirty="0"/>
+              <a:t>Example</a:t>
+            </a:r>
           </a:p>
         </p:txBody>
       </p:sp>
@@ -8256,7 +8209,7 @@
     </p:spTree>
     <p:extLst>
       <p:ext uri="{BB962C8B-B14F-4D97-AF65-F5344CB8AC3E}">
-        <p14:creationId xmlns:p14="http://schemas.microsoft.com/office/powerpoint/2010/main" val="2216792158"/>
+        <p14:creationId xmlns:p14="http://schemas.microsoft.com/office/powerpoint/2010/main" val="880888547"/>
       </p:ext>
     </p:extLst>
   </p:cSld>
@@ -8285,13 +8238,7 @@
       </p:grpSpPr>
       <p:sp>
         <p:nvSpPr>
-          <p:cNvPr id="7" name="Title 6">
-            <a:extLst>
-              <a:ext uri="{FF2B5EF4-FFF2-40B4-BE49-F238E27FC236}">
-                <a16:creationId xmlns:a16="http://schemas.microsoft.com/office/drawing/2014/main" id="{184E2338-1026-45D4-9455-B21A88F18B28}"/>
-              </a:ext>
-            </a:extLst>
-          </p:cNvPr>
+          <p:cNvPr id="7" name="Title 6"/>
           <p:cNvSpPr>
             <a:spLocks noGrp="1"/>
           </p:cNvSpPr>
@@ -8306,48 +8253,143 @@
           <a:p>
             <a:r>
               <a:rPr lang="en-US" dirty="0"/>
-              <a:t>DATA MANIPULATION</a:t>
-            </a:r>
-          </a:p>
-        </p:txBody>
-      </p:sp>
-      <p:sp>
-        <p:nvSpPr>
-          <p:cNvPr id="8" name="Text Placeholder 7">
-            <a:extLst>
-              <a:ext uri="{FF2B5EF4-FFF2-40B4-BE49-F238E27FC236}">
-                <a16:creationId xmlns:a16="http://schemas.microsoft.com/office/drawing/2014/main" id="{DB42CCAB-C8E2-48A8-A9DF-EB0383A8B33C}"/>
-              </a:ext>
-            </a:extLst>
-          </p:cNvPr>
-          <p:cNvSpPr>
-            <a:spLocks noGrp="1"/>
-          </p:cNvSpPr>
-          <p:nvPr>
-            <p:ph type="body" idx="1"/>
-          </p:nvPr>
-        </p:nvSpPr>
-        <p:spPr/>
-        <p:txBody>
-          <a:bodyPr/>
-          <a:lstStyle/>
-          <a:p>
-            <a:r>
-              <a:rPr lang="en-US" dirty="0"/>
-              <a:t>Subsetting and filtering</a:t>
-            </a:r>
-          </a:p>
-        </p:txBody>
-      </p:sp>
-      <p:sp>
-        <p:nvSpPr>
-          <p:cNvPr id="4" name="Date Placeholder 3">
-            <a:extLst>
-              <a:ext uri="{FF2B5EF4-FFF2-40B4-BE49-F238E27FC236}">
-                <a16:creationId xmlns:a16="http://schemas.microsoft.com/office/drawing/2014/main" id="{1CA94ACB-62A5-4F09-8C21-F0CE9BFB1606}"/>
-              </a:ext>
-            </a:extLst>
-          </p:cNvPr>
+              <a:t>A WORD OF WARNING ON FACTORS</a:t>
+            </a:r>
+          </a:p>
+        </p:txBody>
+      </p:sp>
+      <p:sp>
+        <p:nvSpPr>
+          <p:cNvPr id="8" name="Content Placeholder 7"/>
+          <p:cNvSpPr>
+            <a:spLocks noGrp="1"/>
+          </p:cNvSpPr>
+          <p:nvPr>
+            <p:ph idx="1"/>
+          </p:nvPr>
+        </p:nvSpPr>
+        <p:spPr/>
+        <p:txBody>
+          <a:bodyPr/>
+          <a:lstStyle/>
+          <a:p>
+            <a:r>
+              <a:rPr lang="en-US" dirty="0"/>
+              <a:t>R is quick to assume strings you pass in data frames are factors</a:t>
+            </a:r>
+          </a:p>
+          <a:p>
+            <a:r>
+              <a:rPr lang="en-US" dirty="0"/>
+              <a:t>Example: </a:t>
+            </a:r>
+            <a:r>
+              <a:rPr lang="en-US" dirty="0">
+                <a:latin typeface="Courier New" panose="02070309020205020404" pitchFamily="49" charset="0"/>
+                <a:cs typeface="Courier New" panose="02070309020205020404" pitchFamily="49" charset="0"/>
+              </a:rPr>
+              <a:t>df &lt;- </a:t>
+            </a:r>
+            <a:r>
+              <a:rPr lang="en-US" dirty="0" err="1">
+                <a:latin typeface="Courier New" panose="02070309020205020404" pitchFamily="49" charset="0"/>
+                <a:cs typeface="Courier New" panose="02070309020205020404" pitchFamily="49" charset="0"/>
+              </a:rPr>
+              <a:t>data.frame</a:t>
+            </a:r>
+            <a:r>
+              <a:rPr lang="en-US" dirty="0">
+                <a:latin typeface="Courier New" panose="02070309020205020404" pitchFamily="49" charset="0"/>
+                <a:cs typeface="Courier New" panose="02070309020205020404" pitchFamily="49" charset="0"/>
+              </a:rPr>
+              <a:t>(name=c(“John”, “Molly”), age=c(15,17))</a:t>
+            </a:r>
+          </a:p>
+          <a:p>
+            <a:pPr lvl="1"/>
+            <a:r>
+              <a:rPr lang="en-US" dirty="0"/>
+              <a:t>Name is a factor!</a:t>
+            </a:r>
+          </a:p>
+          <a:p>
+            <a:pPr lvl="1"/>
+            <a:r>
+              <a:rPr lang="en-US" dirty="0"/>
+              <a:t>Does this make sense?</a:t>
+            </a:r>
+          </a:p>
+          <a:p>
+            <a:r>
+              <a:rPr lang="en-US" dirty="0"/>
+              <a:t>If this a problem (which it often is), change the type of the column with </a:t>
+            </a:r>
+            <a:r>
+              <a:rPr lang="en-US" dirty="0" err="1">
+                <a:latin typeface="Courier New" panose="02070309020205020404" pitchFamily="49" charset="0"/>
+                <a:cs typeface="Courier New" panose="02070309020205020404" pitchFamily="49" charset="0"/>
+              </a:rPr>
+              <a:t>as.character</a:t>
+            </a:r>
+            <a:r>
+              <a:rPr lang="en-US" dirty="0">
+                <a:latin typeface="Courier New" panose="02070309020205020404" pitchFamily="49" charset="0"/>
+                <a:cs typeface="Courier New" panose="02070309020205020404" pitchFamily="49" charset="0"/>
+              </a:rPr>
+              <a:t>().</a:t>
+            </a:r>
+          </a:p>
+          <a:p>
+            <a:pPr lvl="1"/>
+            <a:r>
+              <a:rPr lang="en-US" dirty="0" err="1">
+                <a:latin typeface="Courier New" panose="02070309020205020404" pitchFamily="49" charset="0"/>
+                <a:cs typeface="Courier New" panose="02070309020205020404" pitchFamily="49" charset="0"/>
+              </a:rPr>
+              <a:t>df$name</a:t>
+            </a:r>
+            <a:r>
+              <a:rPr lang="en-US" dirty="0">
+                <a:latin typeface="Courier New" panose="02070309020205020404" pitchFamily="49" charset="0"/>
+                <a:cs typeface="Courier New" panose="02070309020205020404" pitchFamily="49" charset="0"/>
+              </a:rPr>
+              <a:t> &lt;- </a:t>
+            </a:r>
+            <a:r>
+              <a:rPr lang="en-US" dirty="0" err="1">
+                <a:latin typeface="Courier New" panose="02070309020205020404" pitchFamily="49" charset="0"/>
+                <a:cs typeface="Courier New" panose="02070309020205020404" pitchFamily="49" charset="0"/>
+              </a:rPr>
+              <a:t>as.character</a:t>
+            </a:r>
+            <a:r>
+              <a:rPr lang="en-US" dirty="0">
+                <a:latin typeface="Courier New" panose="02070309020205020404" pitchFamily="49" charset="0"/>
+                <a:cs typeface="Courier New" panose="02070309020205020404" pitchFamily="49" charset="0"/>
+              </a:rPr>
+              <a:t>(</a:t>
+            </a:r>
+            <a:r>
+              <a:rPr lang="en-US" dirty="0" err="1">
+                <a:latin typeface="Courier New" panose="02070309020205020404" pitchFamily="49" charset="0"/>
+                <a:cs typeface="Courier New" panose="02070309020205020404" pitchFamily="49" charset="0"/>
+              </a:rPr>
+              <a:t>df$name</a:t>
+            </a:r>
+            <a:r>
+              <a:rPr lang="en-US" dirty="0">
+                <a:latin typeface="Courier New" panose="02070309020205020404" pitchFamily="49" charset="0"/>
+                <a:cs typeface="Courier New" panose="02070309020205020404" pitchFamily="49" charset="0"/>
+              </a:rPr>
+              <a:t>)</a:t>
+            </a:r>
+            <a:endParaRPr lang="en-US" dirty="0"/>
+          </a:p>
+        </p:txBody>
+      </p:sp>
+      <p:sp>
+        <p:nvSpPr>
+          <p:cNvPr id="4" name="Date Placeholder 3"/>
           <p:cNvSpPr>
             <a:spLocks noGrp="1"/>
           </p:cNvSpPr>
@@ -8360,7 +8402,7 @@
           <a:bodyPr/>
           <a:lstStyle/>
           <a:p>
-            <a:fld id="{8AAE40A0-A7D8-4DC3-BC9E-BADA32DA2004}" type="datetime4">
+            <a:fld id="{B08FEED8-D7D4-44E9-BFBC-ED06B5996D94}" type="datetime4">
               <a:rPr lang="en-US" smtClean="0"/>
               <a:t>June 29, 2019</a:t>
             </a:fld>
@@ -8370,13 +8412,7 @@
       </p:sp>
       <p:sp>
         <p:nvSpPr>
-          <p:cNvPr id="5" name="Footer Placeholder 4">
-            <a:extLst>
-              <a:ext uri="{FF2B5EF4-FFF2-40B4-BE49-F238E27FC236}">
-                <a16:creationId xmlns:a16="http://schemas.microsoft.com/office/drawing/2014/main" id="{D20B02B0-893D-4696-B6F7-A126B8D18E99}"/>
-              </a:ext>
-            </a:extLst>
-          </p:cNvPr>
+          <p:cNvPr id="5" name="Footer Placeholder 4"/>
           <p:cNvSpPr>
             <a:spLocks noGrp="1"/>
           </p:cNvSpPr>
@@ -8427,13 +8463,7 @@
       </p:sp>
       <p:sp>
         <p:nvSpPr>
-          <p:cNvPr id="6" name="Slide Number Placeholder 5">
-            <a:extLst>
-              <a:ext uri="{FF2B5EF4-FFF2-40B4-BE49-F238E27FC236}">
-                <a16:creationId xmlns:a16="http://schemas.microsoft.com/office/drawing/2014/main" id="{1CFDA495-0063-4571-8969-0DD770DB39E0}"/>
-              </a:ext>
-            </a:extLst>
-          </p:cNvPr>
+          <p:cNvPr id="6" name="Slide Number Placeholder 5"/>
           <p:cNvSpPr>
             <a:spLocks noGrp="1"/>
           </p:cNvSpPr>
@@ -8457,7 +8487,7 @@
     </p:spTree>
     <p:extLst>
       <p:ext uri="{BB962C8B-B14F-4D97-AF65-F5344CB8AC3E}">
-        <p14:creationId xmlns:p14="http://schemas.microsoft.com/office/powerpoint/2010/main" val="495434477"/>
+        <p14:creationId xmlns:p14="http://schemas.microsoft.com/office/powerpoint/2010/main" val="2216792158"/>
       </p:ext>
     </p:extLst>
   </p:cSld>
@@ -8486,7 +8516,13 @@
       </p:grpSpPr>
       <p:sp>
         <p:nvSpPr>
-          <p:cNvPr id="7" name="Title 6"/>
+          <p:cNvPr id="7" name="Title 6">
+            <a:extLst>
+              <a:ext uri="{FF2B5EF4-FFF2-40B4-BE49-F238E27FC236}">
+                <a16:creationId xmlns:a16="http://schemas.microsoft.com/office/drawing/2014/main" id="{184E2338-1026-45D4-9455-B21A88F18B28}"/>
+              </a:ext>
+            </a:extLst>
+          </p:cNvPr>
           <p:cNvSpPr>
             <a:spLocks noGrp="1"/>
           </p:cNvSpPr>
@@ -8501,42 +8537,48 @@
           <a:p>
             <a:r>
               <a:rPr lang="en-US" dirty="0"/>
-              <a:t>SUBSETTING</a:t>
-            </a:r>
-          </a:p>
-        </p:txBody>
-      </p:sp>
-      <p:sp>
-        <p:nvSpPr>
-          <p:cNvPr id="8" name="Content Placeholder 7"/>
-          <p:cNvSpPr>
-            <a:spLocks noGrp="1"/>
-          </p:cNvSpPr>
-          <p:nvPr>
-            <p:ph idx="1"/>
-          </p:nvPr>
-        </p:nvSpPr>
-        <p:spPr/>
-        <p:txBody>
-          <a:bodyPr/>
-          <a:lstStyle/>
-          <a:p>
-            <a:r>
-              <a:rPr lang="en-US" dirty="0"/>
-              <a:t>By Row:</a:t>
-            </a:r>
-          </a:p>
-          <a:p>
-            <a:r>
-              <a:rPr lang="en-US" dirty="0"/>
-              <a:t>By Column:</a:t>
-            </a:r>
-          </a:p>
-        </p:txBody>
-      </p:sp>
-      <p:sp>
-        <p:nvSpPr>
-          <p:cNvPr id="4" name="Date Placeholder 3"/>
+              <a:t>DATA MANIPULATION</a:t>
+            </a:r>
+          </a:p>
+        </p:txBody>
+      </p:sp>
+      <p:sp>
+        <p:nvSpPr>
+          <p:cNvPr id="8" name="Text Placeholder 7">
+            <a:extLst>
+              <a:ext uri="{FF2B5EF4-FFF2-40B4-BE49-F238E27FC236}">
+                <a16:creationId xmlns:a16="http://schemas.microsoft.com/office/drawing/2014/main" id="{DB42CCAB-C8E2-48A8-A9DF-EB0383A8B33C}"/>
+              </a:ext>
+            </a:extLst>
+          </p:cNvPr>
+          <p:cNvSpPr>
+            <a:spLocks noGrp="1"/>
+          </p:cNvSpPr>
+          <p:nvPr>
+            <p:ph type="body" idx="1"/>
+          </p:nvPr>
+        </p:nvSpPr>
+        <p:spPr/>
+        <p:txBody>
+          <a:bodyPr/>
+          <a:lstStyle/>
+          <a:p>
+            <a:r>
+              <a:rPr lang="en-US" dirty="0"/>
+              <a:t>Subsetting and filtering</a:t>
+            </a:r>
+          </a:p>
+        </p:txBody>
+      </p:sp>
+      <p:sp>
+        <p:nvSpPr>
+          <p:cNvPr id="4" name="Date Placeholder 3">
+            <a:extLst>
+              <a:ext uri="{FF2B5EF4-FFF2-40B4-BE49-F238E27FC236}">
+                <a16:creationId xmlns:a16="http://schemas.microsoft.com/office/drawing/2014/main" id="{1CA94ACB-62A5-4F09-8C21-F0CE9BFB1606}"/>
+              </a:ext>
+            </a:extLst>
+          </p:cNvPr>
           <p:cNvSpPr>
             <a:spLocks noGrp="1"/>
           </p:cNvSpPr>
@@ -8549,7 +8591,7 @@
           <a:bodyPr/>
           <a:lstStyle/>
           <a:p>
-            <a:fld id="{B08FEED8-D7D4-44E9-BFBC-ED06B5996D94}" type="datetime4">
+            <a:fld id="{8AAE40A0-A7D8-4DC3-BC9E-BADA32DA2004}" type="datetime4">
               <a:rPr lang="en-US" smtClean="0"/>
               <a:t>June 29, 2019</a:t>
             </a:fld>
@@ -8559,7 +8601,13 @@
       </p:sp>
       <p:sp>
         <p:nvSpPr>
-          <p:cNvPr id="5" name="Footer Placeholder 4"/>
+          <p:cNvPr id="5" name="Footer Placeholder 4">
+            <a:extLst>
+              <a:ext uri="{FF2B5EF4-FFF2-40B4-BE49-F238E27FC236}">
+                <a16:creationId xmlns:a16="http://schemas.microsoft.com/office/drawing/2014/main" id="{D20B02B0-893D-4696-B6F7-A126B8D18E99}"/>
+              </a:ext>
+            </a:extLst>
+          </p:cNvPr>
           <p:cNvSpPr>
             <a:spLocks noGrp="1"/>
           </p:cNvSpPr>
@@ -8610,7 +8658,13 @@
       </p:sp>
       <p:sp>
         <p:nvSpPr>
-          <p:cNvPr id="6" name="Slide Number Placeholder 5"/>
+          <p:cNvPr id="6" name="Slide Number Placeholder 5">
+            <a:extLst>
+              <a:ext uri="{FF2B5EF4-FFF2-40B4-BE49-F238E27FC236}">
+                <a16:creationId xmlns:a16="http://schemas.microsoft.com/office/drawing/2014/main" id="{1CFDA495-0063-4571-8969-0DD770DB39E0}"/>
+              </a:ext>
+            </a:extLst>
+          </p:cNvPr>
           <p:cNvSpPr>
             <a:spLocks noGrp="1"/>
           </p:cNvSpPr>
@@ -8634,7 +8688,7 @@
     </p:spTree>
     <p:extLst>
       <p:ext uri="{BB962C8B-B14F-4D97-AF65-F5344CB8AC3E}">
-        <p14:creationId xmlns:p14="http://schemas.microsoft.com/office/powerpoint/2010/main" val="3381129877"/>
+        <p14:creationId xmlns:p14="http://schemas.microsoft.com/office/powerpoint/2010/main" val="495434477"/>
       </p:ext>
     </p:extLst>
   </p:cSld>
@@ -8678,7 +8732,7 @@
           <a:p>
             <a:r>
               <a:rPr lang="en-US" dirty="0"/>
-              <a:t>FILTERING</a:t>
+              <a:t>LOGICAL OPERATORS</a:t>
             </a:r>
           </a:p>
         </p:txBody>
@@ -8697,6 +8751,84 @@
         <p:txBody>
           <a:bodyPr/>
           <a:lstStyle/>
+          <a:p>
+            <a:r>
+              <a:rPr lang="en-US" dirty="0"/>
+              <a:t>Test for Equality: </a:t>
+            </a:r>
+            <a:r>
+              <a:rPr lang="en-US" dirty="0">
+                <a:latin typeface="Courier New" panose="02070309020205020404" pitchFamily="49" charset="0"/>
+                <a:cs typeface="Courier New" panose="02070309020205020404" pitchFamily="49" charset="0"/>
+              </a:rPr>
+              <a:t>== (a == b)</a:t>
+            </a:r>
+          </a:p>
+          <a:p>
+            <a:r>
+              <a:rPr lang="en-US" dirty="0"/>
+              <a:t>Test for Inequality: </a:t>
+            </a:r>
+            <a:r>
+              <a:rPr lang="en-US" dirty="0">
+                <a:latin typeface="Courier New" panose="02070309020205020404" pitchFamily="49" charset="0"/>
+                <a:cs typeface="Courier New" panose="02070309020205020404" pitchFamily="49" charset="0"/>
+              </a:rPr>
+              <a:t>!= (a != b)</a:t>
+            </a:r>
+          </a:p>
+          <a:p>
+            <a:r>
+              <a:rPr lang="en-US" dirty="0"/>
+              <a:t>Test for Less than: </a:t>
+            </a:r>
+            <a:r>
+              <a:rPr lang="en-US" dirty="0">
+                <a:latin typeface="Courier New" panose="02070309020205020404" pitchFamily="49" charset="0"/>
+                <a:cs typeface="Courier New" panose="02070309020205020404" pitchFamily="49" charset="0"/>
+              </a:rPr>
+              <a:t>&lt; (a &lt; b)</a:t>
+            </a:r>
+          </a:p>
+          <a:p>
+            <a:r>
+              <a:rPr lang="en-US" dirty="0"/>
+              <a:t>Test for Less than or equal to: </a:t>
+            </a:r>
+            <a:r>
+              <a:rPr lang="en-US" dirty="0">
+                <a:latin typeface="Courier New" panose="02070309020205020404" pitchFamily="49" charset="0"/>
+                <a:cs typeface="Courier New" panose="02070309020205020404" pitchFamily="49" charset="0"/>
+              </a:rPr>
+              <a:t>&lt;= (a &lt;= b)</a:t>
+            </a:r>
+          </a:p>
+          <a:p>
+            <a:r>
+              <a:rPr lang="en-US" dirty="0"/>
+              <a:t>Test for Greater than: </a:t>
+            </a:r>
+            <a:r>
+              <a:rPr lang="en-US" dirty="0">
+                <a:latin typeface="Courier New" panose="02070309020205020404" pitchFamily="49" charset="0"/>
+                <a:cs typeface="Courier New" panose="02070309020205020404" pitchFamily="49" charset="0"/>
+              </a:rPr>
+              <a:t>&gt; (a &gt; b)</a:t>
+            </a:r>
+          </a:p>
+          <a:p>
+            <a:r>
+              <a:rPr lang="en-US" dirty="0"/>
+              <a:t>Test for Greater than or equal to: </a:t>
+            </a:r>
+            <a:r>
+              <a:rPr lang="en-US" dirty="0">
+                <a:latin typeface="Courier New" panose="02070309020205020404" pitchFamily="49" charset="0"/>
+                <a:cs typeface="Courier New" panose="02070309020205020404" pitchFamily="49" charset="0"/>
+              </a:rPr>
+              <a:t>&gt;= (a &gt; b)</a:t>
+            </a:r>
+          </a:p>
           <a:p>
             <a:endParaRPr lang="en-US" dirty="0"/>
           </a:p>
@@ -8719,7 +8851,7 @@
           <a:p>
             <a:fld id="{B08FEED8-D7D4-44E9-BFBC-ED06B5996D94}" type="datetime4">
               <a:rPr lang="en-US" smtClean="0"/>
-              <a:t>June 29, 2019</a:t>
+              <a:t>June 30, 2019</a:t>
             </a:fld>
             <a:endParaRPr lang="en-US" dirty="0"/>
           </a:p>
@@ -8802,7 +8934,7 @@
     </p:spTree>
     <p:extLst>
       <p:ext uri="{BB962C8B-B14F-4D97-AF65-F5344CB8AC3E}">
-        <p14:creationId xmlns:p14="http://schemas.microsoft.com/office/powerpoint/2010/main" val="2527648360"/>
+        <p14:creationId xmlns:p14="http://schemas.microsoft.com/office/powerpoint/2010/main" val="3700448618"/>
       </p:ext>
     </p:extLst>
   </p:cSld>
@@ -9015,7 +9147,7 @@
           <a:p>
             <a:r>
               <a:rPr lang="en-US" dirty="0"/>
-              <a:t>CLEANING</a:t>
+              <a:t>FILTERING / SUBSETTING</a:t>
             </a:r>
           </a:p>
         </p:txBody>
@@ -9037,7 +9169,59 @@
           <a:p>
             <a:r>
               <a:rPr lang="en-US" dirty="0"/>
-              <a:t>Use filter to delete unusable rows</a:t>
+              <a:t>By Row:</a:t>
+            </a:r>
+          </a:p>
+          <a:p>
+            <a:pPr lvl="1"/>
+            <a:r>
+              <a:rPr lang="en-US" dirty="0">
+                <a:latin typeface="Courier New" panose="02070309020205020404" pitchFamily="49" charset="0"/>
+                <a:cs typeface="Courier New" panose="02070309020205020404" pitchFamily="49" charset="0"/>
+              </a:rPr>
+              <a:t>df[3-7]</a:t>
+            </a:r>
+            <a:r>
+              <a:rPr lang="en-US" dirty="0"/>
+              <a:t> selects the 3</a:t>
+            </a:r>
+            <a:r>
+              <a:rPr lang="en-US" baseline="30000" dirty="0"/>
+              <a:t>rd</a:t>
+            </a:r>
+            <a:r>
+              <a:rPr lang="en-US" dirty="0"/>
+              <a:t> through 7</a:t>
+            </a:r>
+            <a:r>
+              <a:rPr lang="en-US" baseline="30000" dirty="0"/>
+              <a:t>th</a:t>
+            </a:r>
+            <a:r>
+              <a:rPr lang="en-US" dirty="0"/>
+              <a:t> row</a:t>
+            </a:r>
+          </a:p>
+          <a:p>
+            <a:r>
+              <a:rPr lang="en-US" dirty="0"/>
+              <a:t>By Column:</a:t>
+            </a:r>
+          </a:p>
+          <a:p>
+            <a:pPr lvl="1"/>
+            <a:r>
+              <a:rPr lang="en-US" dirty="0">
+                <a:latin typeface="Courier New" panose="02070309020205020404" pitchFamily="49" charset="0"/>
+                <a:cs typeface="Courier New" panose="02070309020205020404" pitchFamily="49" charset="0"/>
+              </a:rPr>
+              <a:t>subset(df, age&gt;10) </a:t>
+            </a:r>
+            <a:r>
+              <a:rPr lang="en-US" dirty="0">
+                <a:cs typeface="Courier New" panose="02070309020205020404" pitchFamily="49" charset="0"/>
+              </a:rPr>
+              <a:t>takes all observations where age is greater than 10. note that age is a column in the data frame!</a:t>
             </a:r>
           </a:p>
         </p:txBody>
@@ -9142,7 +9326,7 @@
     </p:spTree>
     <p:extLst>
       <p:ext uri="{BB962C8B-B14F-4D97-AF65-F5344CB8AC3E}">
-        <p14:creationId xmlns:p14="http://schemas.microsoft.com/office/powerpoint/2010/main" val="1734905602"/>
+        <p14:creationId xmlns:p14="http://schemas.microsoft.com/office/powerpoint/2010/main" val="3381129877"/>
       </p:ext>
     </p:extLst>
   </p:cSld>
@@ -9186,7 +9370,7 @@
           <a:p>
             <a:r>
               <a:rPr lang="en-US" dirty="0"/>
-              <a:t>SUMMARY FUNCTIONS</a:t>
+              <a:t>CLEANING</a:t>
             </a:r>
           </a:p>
         </p:txBody>
@@ -9208,7 +9392,22 @@
           <a:p>
             <a:r>
               <a:rPr lang="en-US" dirty="0"/>
-              <a:t>Mean, median, range, mode, standard deviation</a:t>
+              <a:t>Use </a:t>
+            </a:r>
+            <a:r>
+              <a:rPr lang="en-US" dirty="0" err="1"/>
+              <a:t>subsetting</a:t>
+            </a:r>
+            <a:r>
+              <a:rPr lang="en-US" dirty="0"/>
+              <a:t> to delete unusable rows</a:t>
+            </a:r>
+          </a:p>
+          <a:p>
+            <a:pPr lvl="1"/>
+            <a:r>
+              <a:rPr lang="en-US" dirty="0"/>
+              <a:t>Common: remove rows which have a NA</a:t>
             </a:r>
           </a:p>
         </p:txBody>
@@ -9313,7 +9512,7 @@
     </p:spTree>
     <p:extLst>
       <p:ext uri="{BB962C8B-B14F-4D97-AF65-F5344CB8AC3E}">
-        <p14:creationId xmlns:p14="http://schemas.microsoft.com/office/powerpoint/2010/main" val="1071271775"/>
+        <p14:creationId xmlns:p14="http://schemas.microsoft.com/office/powerpoint/2010/main" val="1734905602"/>
       </p:ext>
     </p:extLst>
   </p:cSld>
@@ -9357,7 +9556,7 @@
           <a:p>
             <a:r>
               <a:rPr lang="en-US" dirty="0"/>
-              <a:t>THE APPLY FAMILY</a:t>
+              <a:t>SUMMARY FUNCTIONS</a:t>
             </a:r>
           </a:p>
         </p:txBody>
@@ -9377,7 +9576,87 @@
           <a:bodyPr/>
           <a:lstStyle/>
           <a:p>
-            <a:endParaRPr lang="en-US" dirty="0"/>
+            <a:r>
+              <a:rPr lang="en-US" dirty="0"/>
+              <a:t>Mean: </a:t>
+            </a:r>
+            <a:r>
+              <a:rPr lang="en-US" dirty="0">
+                <a:latin typeface="Courier New" panose="02070309020205020404" pitchFamily="49" charset="0"/>
+                <a:cs typeface="Courier New" panose="02070309020205020404" pitchFamily="49" charset="0"/>
+              </a:rPr>
+              <a:t>mean(data)</a:t>
+            </a:r>
+          </a:p>
+          <a:p>
+            <a:r>
+              <a:rPr lang="en-US" dirty="0"/>
+              <a:t>Median: </a:t>
+            </a:r>
+            <a:r>
+              <a:rPr lang="en-US" dirty="0">
+                <a:latin typeface="Courier New" panose="02070309020205020404" pitchFamily="49" charset="0"/>
+                <a:cs typeface="Courier New" panose="02070309020205020404" pitchFamily="49" charset="0"/>
+              </a:rPr>
+              <a:t>median(data)</a:t>
+            </a:r>
+          </a:p>
+          <a:p>
+            <a:r>
+              <a:rPr lang="en-US" dirty="0"/>
+              <a:t>Range: </a:t>
+            </a:r>
+            <a:r>
+              <a:rPr lang="en-US" dirty="0">
+                <a:latin typeface="Courier New" panose="02070309020205020404" pitchFamily="49" charset="0"/>
+                <a:cs typeface="Courier New" panose="02070309020205020404" pitchFamily="49" charset="0"/>
+              </a:rPr>
+              <a:t>range(data). </a:t>
+            </a:r>
+            <a:r>
+              <a:rPr lang="en-US" dirty="0"/>
+              <a:t>Gives lower and upper bounds</a:t>
+            </a:r>
+          </a:p>
+          <a:p>
+            <a:r>
+              <a:rPr lang="en-US" dirty="0"/>
+              <a:t>Standard Deviation: </a:t>
+            </a:r>
+            <a:r>
+              <a:rPr lang="en-US" dirty="0" err="1">
+                <a:latin typeface="Courier New" panose="02070309020205020404" pitchFamily="49" charset="0"/>
+                <a:cs typeface="Courier New" panose="02070309020205020404" pitchFamily="49" charset="0"/>
+              </a:rPr>
+              <a:t>sd</a:t>
+            </a:r>
+            <a:r>
+              <a:rPr lang="en-US" dirty="0">
+                <a:latin typeface="Courier New" panose="02070309020205020404" pitchFamily="49" charset="0"/>
+                <a:cs typeface="Courier New" panose="02070309020205020404" pitchFamily="49" charset="0"/>
+              </a:rPr>
+              <a:t>(data)</a:t>
+            </a:r>
+          </a:p>
+          <a:p>
+            <a:endParaRPr lang="en-US" dirty="0"/>
+          </a:p>
+          <a:p>
+            <a:r>
+              <a:rPr lang="en-US" dirty="0"/>
+              <a:t>The </a:t>
+            </a:r>
+            <a:r>
+              <a:rPr lang="en-US" dirty="0">
+                <a:latin typeface="Courier New" panose="02070309020205020404" pitchFamily="49" charset="0"/>
+                <a:cs typeface="Courier New" panose="02070309020205020404" pitchFamily="49" charset="0"/>
+              </a:rPr>
+              <a:t>NA.RM </a:t>
+            </a:r>
+            <a:r>
+              <a:rPr lang="en-US" dirty="0"/>
+              <a:t>feature: ignore any missing values. Summaries don’t work otherwise!</a:t>
+            </a:r>
           </a:p>
         </p:txBody>
       </p:sp>
@@ -9481,7 +9760,7 @@
     </p:spTree>
     <p:extLst>
       <p:ext uri="{BB962C8B-B14F-4D97-AF65-F5344CB8AC3E}">
-        <p14:creationId xmlns:p14="http://schemas.microsoft.com/office/powerpoint/2010/main" val="2319623369"/>
+        <p14:creationId xmlns:p14="http://schemas.microsoft.com/office/powerpoint/2010/main" val="1071271775"/>
       </p:ext>
     </p:extLst>
   </p:cSld>
@@ -9525,7 +9804,7 @@
           <a:p>
             <a:r>
               <a:rPr lang="en-US" dirty="0"/>
-              <a:t>LOGICAL INDEXING</a:t>
+              <a:t>THE APPLY FAMILY</a:t>
             </a:r>
           </a:p>
         </p:txBody>
@@ -9542,10 +9821,170 @@
         </p:nvSpPr>
         <p:spPr/>
         <p:txBody>
-          <a:bodyPr/>
-          <a:lstStyle/>
-          <a:p>
-            <a:endParaRPr lang="en-US" dirty="0"/>
+          <a:bodyPr>
+            <a:normAutofit/>
+          </a:bodyPr>
+          <a:lstStyle/>
+          <a:p>
+            <a:r>
+              <a:rPr lang="en-US" sz="2400" dirty="0" err="1">
+                <a:latin typeface="Courier New" panose="02070309020205020404" pitchFamily="49" charset="0"/>
+                <a:cs typeface="Courier New" panose="02070309020205020404" pitchFamily="49" charset="0"/>
+              </a:rPr>
+              <a:t>sapply</a:t>
+            </a:r>
+            <a:r>
+              <a:rPr lang="en-US" sz="2400" dirty="0">
+                <a:latin typeface="Courier New" panose="02070309020205020404" pitchFamily="49" charset="0"/>
+                <a:cs typeface="Courier New" panose="02070309020205020404" pitchFamily="49" charset="0"/>
+              </a:rPr>
+              <a:t>(col, function)</a:t>
+            </a:r>
+          </a:p>
+          <a:p>
+            <a:pPr lvl="1"/>
+            <a:r>
+              <a:rPr lang="en-US" dirty="0"/>
+              <a:t>Apply function to every element of a vector, and use simplest type of output (e.g. vector if all elements of list are the same)</a:t>
+            </a:r>
+          </a:p>
+          <a:p>
+            <a:pPr lvl="2"/>
+            <a:r>
+              <a:rPr lang="en-US" dirty="0"/>
+              <a:t>Ex: </a:t>
+            </a:r>
+            <a:r>
+              <a:rPr lang="en-US" sz="2400" dirty="0" err="1">
+                <a:latin typeface="Courier New" panose="02070309020205020404" pitchFamily="49" charset="0"/>
+                <a:cs typeface="Courier New" panose="02070309020205020404" pitchFamily="49" charset="0"/>
+              </a:rPr>
+              <a:t>sapply</a:t>
+            </a:r>
+            <a:r>
+              <a:rPr lang="en-US" sz="2400" dirty="0">
+                <a:latin typeface="Courier New" panose="02070309020205020404" pitchFamily="49" charset="0"/>
+                <a:cs typeface="Courier New" panose="02070309020205020404" pitchFamily="49" charset="0"/>
+              </a:rPr>
+              <a:t>(names, </a:t>
+            </a:r>
+            <a:r>
+              <a:rPr lang="en-US" sz="2400" dirty="0" err="1">
+                <a:latin typeface="Courier New" panose="02070309020205020404" pitchFamily="49" charset="0"/>
+                <a:cs typeface="Courier New" panose="02070309020205020404" pitchFamily="49" charset="0"/>
+              </a:rPr>
+              <a:t>tolower</a:t>
+            </a:r>
+            <a:r>
+              <a:rPr lang="en-US" sz="2400" dirty="0">
+                <a:latin typeface="Courier New" panose="02070309020205020404" pitchFamily="49" charset="0"/>
+                <a:cs typeface="Courier New" panose="02070309020205020404" pitchFamily="49" charset="0"/>
+              </a:rPr>
+              <a:t>)</a:t>
+            </a:r>
+          </a:p>
+          <a:p>
+            <a:r>
+              <a:rPr lang="en-US" sz="2400" dirty="0" err="1">
+                <a:latin typeface="Courier New" panose="02070309020205020404" pitchFamily="49" charset="0"/>
+                <a:cs typeface="Courier New" panose="02070309020205020404" pitchFamily="49" charset="0"/>
+              </a:rPr>
+              <a:t>tapply</a:t>
+            </a:r>
+            <a:r>
+              <a:rPr lang="en-US" sz="2400" dirty="0">
+                <a:latin typeface="Courier New" panose="02070309020205020404" pitchFamily="49" charset="0"/>
+                <a:cs typeface="Courier New" panose="02070309020205020404" pitchFamily="49" charset="0"/>
+              </a:rPr>
+              <a:t>(column, groups, function)</a:t>
+            </a:r>
+          </a:p>
+          <a:p>
+            <a:pPr lvl="1"/>
+            <a:r>
+              <a:rPr lang="en-US" dirty="0"/>
+              <a:t>Apply a summary function to a column for each of the groups</a:t>
+            </a:r>
+          </a:p>
+          <a:p>
+            <a:pPr lvl="1"/>
+            <a:r>
+              <a:rPr lang="en-US" dirty="0"/>
+              <a:t>Ex: Say </a:t>
+            </a:r>
+            <a:r>
+              <a:rPr lang="en-US" dirty="0" err="1">
+                <a:latin typeface="Courier New" panose="02070309020205020404" pitchFamily="49" charset="0"/>
+                <a:cs typeface="Courier New" panose="02070309020205020404" pitchFamily="49" charset="0"/>
+              </a:rPr>
+              <a:t>gpadf</a:t>
+            </a:r>
+            <a:r>
+              <a:rPr lang="en-US" dirty="0"/>
+              <a:t> is a </a:t>
+            </a:r>
+            <a:r>
+              <a:rPr lang="en-US" dirty="0" err="1"/>
+              <a:t>dataframe</a:t>
+            </a:r>
+            <a:r>
+              <a:rPr lang="en-US" dirty="0"/>
+              <a:t> of students. </a:t>
+            </a:r>
+            <a:r>
+              <a:rPr lang="en-US" dirty="0" err="1">
+                <a:latin typeface="Courier New" panose="02070309020205020404" pitchFamily="49" charset="0"/>
+                <a:cs typeface="Courier New" panose="02070309020205020404" pitchFamily="49" charset="0"/>
+              </a:rPr>
+              <a:t>tapply</a:t>
+            </a:r>
+            <a:r>
+              <a:rPr lang="en-US" dirty="0">
+                <a:latin typeface="Courier New" panose="02070309020205020404" pitchFamily="49" charset="0"/>
+                <a:cs typeface="Courier New" panose="02070309020205020404" pitchFamily="49" charset="0"/>
+              </a:rPr>
+              <a:t>(</a:t>
+            </a:r>
+            <a:r>
+              <a:rPr lang="en-US" dirty="0" err="1">
+                <a:latin typeface="Courier New" panose="02070309020205020404" pitchFamily="49" charset="0"/>
+                <a:cs typeface="Courier New" panose="02070309020205020404" pitchFamily="49" charset="0"/>
+              </a:rPr>
+              <a:t>gpadf$gpa</a:t>
+            </a:r>
+            <a:r>
+              <a:rPr lang="en-US" dirty="0">
+                <a:latin typeface="Courier New" panose="02070309020205020404" pitchFamily="49" charset="0"/>
+                <a:cs typeface="Courier New" panose="02070309020205020404" pitchFamily="49" charset="0"/>
+              </a:rPr>
+              <a:t>, </a:t>
+            </a:r>
+            <a:r>
+              <a:rPr lang="en-US" dirty="0" err="1">
+                <a:latin typeface="Courier New" panose="02070309020205020404" pitchFamily="49" charset="0"/>
+                <a:cs typeface="Courier New" panose="02070309020205020404" pitchFamily="49" charset="0"/>
+              </a:rPr>
+              <a:t>gpadf$major</a:t>
+            </a:r>
+            <a:r>
+              <a:rPr lang="en-US" dirty="0">
+                <a:latin typeface="Courier New" panose="02070309020205020404" pitchFamily="49" charset="0"/>
+                <a:cs typeface="Courier New" panose="02070309020205020404" pitchFamily="49" charset="0"/>
+              </a:rPr>
+              <a:t>, mean)</a:t>
+            </a:r>
+            <a:r>
+              <a:rPr lang="en-US" dirty="0"/>
+              <a:t> will give you the average </a:t>
+            </a:r>
+            <a:r>
+              <a:rPr lang="en-US" dirty="0" err="1"/>
+              <a:t>gpa</a:t>
+            </a:r>
+            <a:r>
+              <a:rPr lang="en-US" dirty="0"/>
+              <a:t> for each major!</a:t>
+            </a:r>
           </a:p>
         </p:txBody>
       </p:sp>
@@ -9566,7 +10005,7 @@
           <a:p>
             <a:fld id="{B08FEED8-D7D4-44E9-BFBC-ED06B5996D94}" type="datetime4">
               <a:rPr lang="en-US" smtClean="0"/>
-              <a:t>June 29, 2019</a:t>
+              <a:t>June 30, 2019</a:t>
             </a:fld>
             <a:endParaRPr lang="en-US" dirty="0"/>
           </a:p>
@@ -9649,7 +10088,7 @@
     </p:spTree>
     <p:extLst>
       <p:ext uri="{BB962C8B-B14F-4D97-AF65-F5344CB8AC3E}">
-        <p14:creationId xmlns:p14="http://schemas.microsoft.com/office/powerpoint/2010/main" val="3600469135"/>
+        <p14:creationId xmlns:p14="http://schemas.microsoft.com/office/powerpoint/2010/main" val="2319623369"/>
       </p:ext>
     </p:extLst>
   </p:cSld>
@@ -9884,7 +10323,29 @@
           <a:bodyPr/>
           <a:lstStyle/>
           <a:p>
-            <a:endParaRPr lang="en-US"/>
+            <a:r>
+              <a:rPr lang="en-US" dirty="0"/>
+              <a:t>Plot(</a:t>
+            </a:r>
+            <a:r>
+              <a:rPr lang="en-US" dirty="0" err="1"/>
+              <a:t>x_axis</a:t>
+            </a:r>
+            <a:r>
+              <a:rPr lang="en-US" dirty="0"/>
+              <a:t>, </a:t>
+            </a:r>
+            <a:r>
+              <a:rPr lang="en-US" dirty="0" err="1"/>
+              <a:t>y_axis</a:t>
+            </a:r>
+            <a:r>
+              <a:rPr lang="en-US" dirty="0"/>
+              <a:t>)</a:t>
+            </a:r>
+          </a:p>
+          <a:p>
+            <a:endParaRPr lang="en-US" dirty="0"/>
           </a:p>
         </p:txBody>
       </p:sp>
@@ -10052,7 +10513,10 @@
           <a:bodyPr/>
           <a:lstStyle/>
           <a:p>
-            <a:endParaRPr lang="en-US"/>
+            <a:r>
+              <a:rPr lang="en-US" dirty="0"/>
+              <a:t>Hist(rows, columns)</a:t>
+            </a:r>
           </a:p>
         </p:txBody>
       </p:sp>
@@ -10220,7 +10684,10 @@
           <a:bodyPr/>
           <a:lstStyle/>
           <a:p>
-            <a:endParaRPr lang="en-US"/>
+            <a:r>
+              <a:rPr lang="en-US" dirty="0"/>
+              <a:t>Boxplot(data)</a:t>
+            </a:r>
           </a:p>
         </p:txBody>
       </p:sp>
@@ -10589,7 +11056,14 @@
           <a:bodyPr/>
           <a:lstStyle/>
           <a:p>
-            <a:endParaRPr lang="en-US"/>
+            <a:r>
+              <a:rPr lang="en-US" dirty="0" err="1"/>
+              <a:t>Lm</a:t>
+            </a:r>
+            <a:r>
+              <a:rPr lang="en-US" dirty="0"/>
+              <a:t>()</a:t>
+            </a:r>
           </a:p>
         </p:txBody>
       </p:sp>
@@ -11007,7 +11481,22 @@
           <a:bodyPr/>
           <a:lstStyle/>
           <a:p>
-            <a:endParaRPr lang="en-US"/>
+            <a:r>
+              <a:rPr lang="en-US" dirty="0" err="1"/>
+              <a:t>Abline</a:t>
+            </a:r>
+            <a:r>
+              <a:rPr lang="en-US" dirty="0"/>
+              <a:t>(</a:t>
+            </a:r>
+            <a:r>
+              <a:rPr lang="en-US" err="1"/>
+              <a:t>lm</a:t>
+            </a:r>
+            <a:r>
+              <a:rPr lang="en-US"/>
+              <a:t>$coeff)</a:t>
+            </a:r>
           </a:p>
         </p:txBody>
       </p:sp>
@@ -12084,37 +12573,111 @@
           <a:p>
             <a:r>
               <a:rPr lang="en-US" dirty="0"/>
-              <a:t>Addition: + (5 + 3)</a:t>
-            </a:r>
-          </a:p>
-          <a:p>
-            <a:r>
-              <a:rPr lang="en-US" dirty="0"/>
-              <a:t>Subtraction: - (5 - 3). Also, negation with – (-3)</a:t>
-            </a:r>
-          </a:p>
-          <a:p>
-            <a:r>
-              <a:rPr lang="en-US" dirty="0"/>
-              <a:t>Multiplication: * (5 * 3)</a:t>
-            </a:r>
-          </a:p>
-          <a:p>
-            <a:r>
-              <a:rPr lang="en-US" dirty="0"/>
-              <a:t>Division: / (5 / 3)</a:t>
-            </a:r>
-          </a:p>
-          <a:p>
-            <a:r>
-              <a:rPr lang="en-US" dirty="0"/>
-              <a:t>Power: ** or ^ (5**3, 5^3)</a:t>
-            </a:r>
-          </a:p>
-          <a:p>
-            <a:r>
-              <a:rPr lang="en-US" dirty="0"/>
-              <a:t>Square Root: sqrt function (sqrt(5))</a:t>
+              <a:t>Addition: </a:t>
+            </a:r>
+            <a:r>
+              <a:rPr lang="en-US" dirty="0">
+                <a:latin typeface="Courier New" panose="02070309020205020404" pitchFamily="49" charset="0"/>
+                <a:cs typeface="Courier New" panose="02070309020205020404" pitchFamily="49" charset="0"/>
+              </a:rPr>
+              <a:t>+ (5 + 3)</a:t>
+            </a:r>
+          </a:p>
+          <a:p>
+            <a:r>
+              <a:rPr lang="en-US" dirty="0"/>
+              <a:t>Subtraction: </a:t>
+            </a:r>
+            <a:r>
+              <a:rPr lang="en-US" dirty="0">
+                <a:latin typeface="Courier New" panose="02070309020205020404" pitchFamily="49" charset="0"/>
+                <a:cs typeface="Courier New" panose="02070309020205020404" pitchFamily="49" charset="0"/>
+              </a:rPr>
+              <a:t>- (5 - 3). </a:t>
+            </a:r>
+            <a:r>
+              <a:rPr lang="en-US" dirty="0"/>
+              <a:t>Also, negation with </a:t>
+            </a:r>
+            <a:r>
+              <a:rPr lang="en-US" dirty="0">
+                <a:latin typeface="Courier New" panose="02070309020205020404" pitchFamily="49" charset="0"/>
+                <a:cs typeface="Courier New" panose="02070309020205020404" pitchFamily="49" charset="0"/>
+              </a:rPr>
+              <a:t>- (-3)</a:t>
+            </a:r>
+          </a:p>
+          <a:p>
+            <a:r>
+              <a:rPr lang="en-US" dirty="0"/>
+              <a:t>Multiplication: </a:t>
+            </a:r>
+            <a:r>
+              <a:rPr lang="en-US" dirty="0">
+                <a:latin typeface="Courier New" panose="02070309020205020404" pitchFamily="49" charset="0"/>
+                <a:cs typeface="Courier New" panose="02070309020205020404" pitchFamily="49" charset="0"/>
+              </a:rPr>
+              <a:t>* (5 * 3)</a:t>
+            </a:r>
+          </a:p>
+          <a:p>
+            <a:r>
+              <a:rPr lang="en-US" dirty="0"/>
+              <a:t>Division: </a:t>
+            </a:r>
+            <a:r>
+              <a:rPr lang="en-US" dirty="0">
+                <a:latin typeface="Courier New" panose="02070309020205020404" pitchFamily="49" charset="0"/>
+                <a:cs typeface="Courier New" panose="02070309020205020404" pitchFamily="49" charset="0"/>
+              </a:rPr>
+              <a:t>/ (5 / 3)</a:t>
+            </a:r>
+          </a:p>
+          <a:p>
+            <a:r>
+              <a:rPr lang="en-US" dirty="0"/>
+              <a:t>Power: </a:t>
+            </a:r>
+            <a:r>
+              <a:rPr lang="en-US" dirty="0">
+                <a:latin typeface="Courier New" panose="02070309020205020404" pitchFamily="49" charset="0"/>
+                <a:cs typeface="Courier New" panose="02070309020205020404" pitchFamily="49" charset="0"/>
+              </a:rPr>
+              <a:t>**</a:t>
+            </a:r>
+            <a:r>
+              <a:rPr lang="en-US" dirty="0"/>
+              <a:t> or </a:t>
+            </a:r>
+            <a:r>
+              <a:rPr lang="en-US" dirty="0">
+                <a:latin typeface="Courier New" panose="02070309020205020404" pitchFamily="49" charset="0"/>
+                <a:cs typeface="Courier New" panose="02070309020205020404" pitchFamily="49" charset="0"/>
+              </a:rPr>
+              <a:t>^ (5**3, 5^3)</a:t>
+            </a:r>
+          </a:p>
+          <a:p>
+            <a:r>
+              <a:rPr lang="en-US" dirty="0"/>
+              <a:t>Square Root: </a:t>
+            </a:r>
+            <a:r>
+              <a:rPr lang="en-US" dirty="0">
+                <a:latin typeface="Courier New" panose="02070309020205020404" pitchFamily="49" charset="0"/>
+                <a:cs typeface="Courier New" panose="02070309020205020404" pitchFamily="49" charset="0"/>
+              </a:rPr>
+              <a:t>sqrt</a:t>
+            </a:r>
+            <a:r>
+              <a:rPr lang="en-US" dirty="0"/>
+              <a:t> function </a:t>
+            </a:r>
+            <a:r>
+              <a:rPr lang="en-US" dirty="0">
+                <a:cs typeface="Courier New" panose="02070309020205020404" pitchFamily="49" charset="0"/>
+              </a:rPr>
+              <a:t>(sqrt(5))</a:t>
             </a:r>
           </a:p>
         </p:txBody>
@@ -12136,7 +12699,7 @@
           <a:p>
             <a:fld id="{B08FEED8-D7D4-44E9-BFBC-ED06B5996D94}" type="datetime4">
               <a:rPr lang="en-US" smtClean="0"/>
-              <a:t>June 29, 2019</a:t>
+              <a:t>June 30, 2019</a:t>
             </a:fld>
             <a:endParaRPr lang="en-US" dirty="0"/>
           </a:p>

--- a/introR/Introduction to R.pptx
+++ b/introR/Introduction to R.pptx
@@ -5,7 +5,7 @@
     <p:sldMasterId id="2147483707" r:id="rId1"/>
   </p:sldMasterIdLst>
   <p:notesMasterIdLst>
-    <p:notesMasterId r:id="rId43"/>
+    <p:notesMasterId r:id="rId45"/>
   </p:notesMasterIdLst>
   <p:sldIdLst>
     <p:sldId id="266" r:id="rId2"/>
@@ -28,27 +28,29 @@
     <p:sldId id="288" r:id="rId19"/>
     <p:sldId id="286" r:id="rId20"/>
     <p:sldId id="285" r:id="rId21"/>
-    <p:sldId id="311" r:id="rId22"/>
-    <p:sldId id="313" r:id="rId23"/>
-    <p:sldId id="267" r:id="rId24"/>
-    <p:sldId id="291" r:id="rId25"/>
-    <p:sldId id="293" r:id="rId26"/>
-    <p:sldId id="294" r:id="rId27"/>
-    <p:sldId id="304" r:id="rId28"/>
-    <p:sldId id="301" r:id="rId29"/>
-    <p:sldId id="312" r:id="rId30"/>
-    <p:sldId id="302" r:id="rId31"/>
-    <p:sldId id="309" r:id="rId32"/>
-    <p:sldId id="310" r:id="rId33"/>
-    <p:sldId id="305" r:id="rId34"/>
-    <p:sldId id="272" r:id="rId35"/>
-    <p:sldId id="295" r:id="rId36"/>
-    <p:sldId id="296" r:id="rId37"/>
-    <p:sldId id="297" r:id="rId38"/>
-    <p:sldId id="270" r:id="rId39"/>
-    <p:sldId id="298" r:id="rId40"/>
-    <p:sldId id="299" r:id="rId41"/>
-    <p:sldId id="268" r:id="rId42"/>
+    <p:sldId id="314" r:id="rId22"/>
+    <p:sldId id="311" r:id="rId23"/>
+    <p:sldId id="313" r:id="rId24"/>
+    <p:sldId id="267" r:id="rId25"/>
+    <p:sldId id="291" r:id="rId26"/>
+    <p:sldId id="293" r:id="rId27"/>
+    <p:sldId id="294" r:id="rId28"/>
+    <p:sldId id="304" r:id="rId29"/>
+    <p:sldId id="301" r:id="rId30"/>
+    <p:sldId id="315" r:id="rId31"/>
+    <p:sldId id="312" r:id="rId32"/>
+    <p:sldId id="302" r:id="rId33"/>
+    <p:sldId id="309" r:id="rId34"/>
+    <p:sldId id="310" r:id="rId35"/>
+    <p:sldId id="305" r:id="rId36"/>
+    <p:sldId id="272" r:id="rId37"/>
+    <p:sldId id="295" r:id="rId38"/>
+    <p:sldId id="296" r:id="rId39"/>
+    <p:sldId id="297" r:id="rId40"/>
+    <p:sldId id="270" r:id="rId41"/>
+    <p:sldId id="298" r:id="rId42"/>
+    <p:sldId id="299" r:id="rId43"/>
+    <p:sldId id="268" r:id="rId44"/>
   </p:sldIdLst>
   <p:sldSz cx="12192000" cy="6858000"/>
   <p:notesSz cx="6858000" cy="9144000"/>
@@ -3970,6 +3972,12 @@
             </a:r>
           </a:p>
           <a:p>
+            <a:r>
+              <a:rPr lang="en-US" dirty="0"/>
+              <a:t>Variable names: must start with a letter, and then only letters, numbers, periods, and underscores</a:t>
+            </a:r>
+          </a:p>
+          <a:p>
             <a:endParaRPr lang="en-US" dirty="0"/>
           </a:p>
           <a:p>
@@ -3978,7 +3986,17 @@
                 <a:latin typeface="Courier New" panose="02070309020205020404" pitchFamily="49" charset="0"/>
                 <a:cs typeface="Courier New" panose="02070309020205020404" pitchFamily="49" charset="0"/>
               </a:rPr>
-              <a:t>value &lt;- 5</a:t>
+              <a:t>value &lt;- 5, my.name &lt;- “hello”, COOL_VALUE &lt;-3 + 5i</a:t>
+            </a:r>
+          </a:p>
+          <a:p>
+            <a:pPr lvl="1"/>
+            <a:r>
+              <a:rPr lang="en-US" dirty="0">
+                <a:latin typeface="Courier New" panose="02070309020205020404" pitchFamily="49" charset="0"/>
+                <a:cs typeface="Courier New" panose="02070309020205020404" pitchFamily="49" charset="0"/>
+              </a:rPr>
+              <a:t>NOT 1value &lt;- 3, my-name &lt;- 3, mass% &lt;- 42</a:t>
             </a:r>
           </a:p>
         </p:txBody>
@@ -6856,7 +6874,13 @@
       </p:grpSpPr>
       <p:sp>
         <p:nvSpPr>
-          <p:cNvPr id="7" name="Title 6"/>
+          <p:cNvPr id="2" name="Title 1">
+            <a:extLst>
+              <a:ext uri="{FF2B5EF4-FFF2-40B4-BE49-F238E27FC236}">
+                <a16:creationId xmlns:a16="http://schemas.microsoft.com/office/drawing/2014/main" id="{BF9C15D5-CD75-48E6-90B3-4B3DFD1BBC32}"/>
+              </a:ext>
+            </a:extLst>
+          </p:cNvPr>
           <p:cNvSpPr>
             <a:spLocks noGrp="1"/>
           </p:cNvSpPr>
@@ -6871,14 +6895,20 @@
           <a:p>
             <a:r>
               <a:rPr lang="en-US" dirty="0"/>
-              <a:t>EXAMINING DATA FRAMES</a:t>
-            </a:r>
-          </a:p>
-        </p:txBody>
-      </p:sp>
-      <p:sp>
-        <p:nvSpPr>
-          <p:cNvPr id="8" name="Content Placeholder 7"/>
+              <a:t>ACCESSING DATA FRAMES</a:t>
+            </a:r>
+          </a:p>
+        </p:txBody>
+      </p:sp>
+      <p:sp>
+        <p:nvSpPr>
+          <p:cNvPr id="3" name="Content Placeholder 2">
+            <a:extLst>
+              <a:ext uri="{FF2B5EF4-FFF2-40B4-BE49-F238E27FC236}">
+                <a16:creationId xmlns:a16="http://schemas.microsoft.com/office/drawing/2014/main" id="{C4CA148A-909B-4128-85F9-17D379A1E070}"/>
+              </a:ext>
+            </a:extLst>
+          </p:cNvPr>
           <p:cNvSpPr>
             <a:spLocks noGrp="1"/>
           </p:cNvSpPr>
@@ -6893,7 +6923,29 @@
           <a:p>
             <a:r>
               <a:rPr lang="en-US" dirty="0"/>
-              <a:t>Data frames are frequently huge. Use the following commands to take a look without printing out thousands of lines:</a:t>
+              <a:t>Extract a column:</a:t>
+            </a:r>
+          </a:p>
+          <a:p>
+            <a:pPr lvl="1"/>
+            <a:r>
+              <a:rPr lang="en-US" dirty="0" err="1">
+                <a:latin typeface="Courier New" panose="02070309020205020404" pitchFamily="49" charset="0"/>
+                <a:cs typeface="Courier New" panose="02070309020205020404" pitchFamily="49" charset="0"/>
+              </a:rPr>
+              <a:t>df$ages</a:t>
+            </a:r>
+            <a:endParaRPr lang="en-US" dirty="0">
+              <a:latin typeface="Courier New" panose="02070309020205020404" pitchFamily="49" charset="0"/>
+              <a:cs typeface="Courier New" panose="02070309020205020404" pitchFamily="49" charset="0"/>
+            </a:endParaRPr>
+          </a:p>
+          <a:p>
+            <a:r>
+              <a:rPr lang="en-US" dirty="0">
+                <a:cs typeface="Courier New" panose="02070309020205020404" pitchFamily="49" charset="0"/>
+              </a:rPr>
+              <a:t>Extract a row:</a:t>
             </a:r>
           </a:p>
           <a:p>
@@ -6903,68 +6955,37 @@
                 <a:latin typeface="Courier New" panose="02070309020205020404" pitchFamily="49" charset="0"/>
                 <a:cs typeface="Courier New" panose="02070309020205020404" pitchFamily="49" charset="0"/>
               </a:rPr>
-              <a:t>head(df)</a:t>
-            </a:r>
-          </a:p>
-          <a:p>
-            <a:pPr lvl="2"/>
+              <a:t>df[,1]</a:t>
+            </a:r>
+          </a:p>
+          <a:p>
+            <a:pPr lvl="1"/>
             <a:r>
               <a:rPr lang="en-US" dirty="0">
                 <a:cs typeface="Courier New" panose="02070309020205020404" pitchFamily="49" charset="0"/>
               </a:rPr>
-              <a:t>Take a look at the first few entries</a:t>
-            </a:r>
-          </a:p>
-          <a:p>
-            <a:pPr lvl="1"/>
+              <a:t>Note: this is the same syntax as matrices!</a:t>
+            </a:r>
+          </a:p>
+          <a:p>
             <a:r>
               <a:rPr lang="en-US" dirty="0">
-                <a:latin typeface="Courier New" panose="02070309020205020404" pitchFamily="49" charset="0"/>
-                <a:cs typeface="Courier New" panose="02070309020205020404" pitchFamily="49" charset="0"/>
-              </a:rPr>
-              <a:t>tail(df)</a:t>
-            </a:r>
-          </a:p>
-          <a:p>
-            <a:pPr lvl="2"/>
-            <a:r>
-              <a:rPr lang="en-US" dirty="0">
-                <a:cs typeface="Courier New" panose="02070309020205020404" pitchFamily="49" charset="0"/>
-              </a:rPr>
-              <a:t>Take a look at the last few entries</a:t>
-            </a:r>
-          </a:p>
-          <a:p>
-            <a:pPr lvl="1"/>
-            <a:r>
-              <a:rPr lang="en-US" dirty="0" err="1">
-                <a:latin typeface="Courier New" panose="02070309020205020404" pitchFamily="49" charset="0"/>
-                <a:cs typeface="Courier New" panose="02070309020205020404" pitchFamily="49" charset="0"/>
-              </a:rPr>
-              <a:t>colnames</a:t>
-            </a:r>
-            <a:r>
-              <a:rPr lang="en-US" dirty="0">
-                <a:latin typeface="Courier New" panose="02070309020205020404" pitchFamily="49" charset="0"/>
-                <a:cs typeface="Courier New" panose="02070309020205020404" pitchFamily="49" charset="0"/>
-              </a:rPr>
-              <a:t>(df)</a:t>
-            </a:r>
-          </a:p>
-          <a:p>
-            <a:pPr lvl="2"/>
-            <a:r>
-              <a:rPr lang="en-US" dirty="0">
-                <a:cs typeface="Courier New" panose="02070309020205020404" pitchFamily="49" charset="0"/>
-              </a:rPr>
-              <a:t>Take a look at the available variables</a:t>
-            </a:r>
-          </a:p>
-        </p:txBody>
-      </p:sp>
-      <p:sp>
-        <p:nvSpPr>
-          <p:cNvPr id="4" name="Date Placeholder 3"/>
+                <a:cs typeface="Courier New" panose="02070309020205020404" pitchFamily="49" charset="0"/>
+              </a:rPr>
+              <a:t>Can also pass ranges of rows similarly</a:t>
+            </a:r>
+          </a:p>
+        </p:txBody>
+      </p:sp>
+      <p:sp>
+        <p:nvSpPr>
+          <p:cNvPr id="4" name="Date Placeholder 3">
+            <a:extLst>
+              <a:ext uri="{FF2B5EF4-FFF2-40B4-BE49-F238E27FC236}">
+                <a16:creationId xmlns:a16="http://schemas.microsoft.com/office/drawing/2014/main" id="{3B8C0996-AD4A-4578-B0A5-CB3C5D79579C}"/>
+              </a:ext>
+            </a:extLst>
+          </p:cNvPr>
           <p:cNvSpPr>
             <a:spLocks noGrp="1"/>
           </p:cNvSpPr>
@@ -6977,7 +6998,7 @@
           <a:bodyPr/>
           <a:lstStyle/>
           <a:p>
-            <a:fld id="{B08FEED8-D7D4-44E9-BFBC-ED06B5996D94}" type="datetime4">
+            <a:fld id="{8AAE40A0-A7D8-4DC3-BC9E-BADA32DA2004}" type="datetime4">
               <a:rPr lang="en-US" smtClean="0"/>
               <a:t>June 30, 2019</a:t>
             </a:fld>
@@ -6987,7 +7008,13 @@
       </p:sp>
       <p:sp>
         <p:nvSpPr>
-          <p:cNvPr id="5" name="Footer Placeholder 4"/>
+          <p:cNvPr id="5" name="Footer Placeholder 4">
+            <a:extLst>
+              <a:ext uri="{FF2B5EF4-FFF2-40B4-BE49-F238E27FC236}">
+                <a16:creationId xmlns:a16="http://schemas.microsoft.com/office/drawing/2014/main" id="{BE289D71-0C0A-492B-B1A5-91B13285DC92}"/>
+              </a:ext>
+            </a:extLst>
+          </p:cNvPr>
           <p:cNvSpPr>
             <a:spLocks noGrp="1"/>
           </p:cNvSpPr>
@@ -7038,7 +7065,13 @@
       </p:sp>
       <p:sp>
         <p:nvSpPr>
-          <p:cNvPr id="6" name="Slide Number Placeholder 5"/>
+          <p:cNvPr id="6" name="Slide Number Placeholder 5">
+            <a:extLst>
+              <a:ext uri="{FF2B5EF4-FFF2-40B4-BE49-F238E27FC236}">
+                <a16:creationId xmlns:a16="http://schemas.microsoft.com/office/drawing/2014/main" id="{4F2824DE-C9F7-405E-87B6-FEDBCDB4E3CA}"/>
+              </a:ext>
+            </a:extLst>
+          </p:cNvPr>
           <p:cNvSpPr>
             <a:spLocks noGrp="1"/>
           </p:cNvSpPr>
@@ -7062,7 +7095,7 @@
     </p:spTree>
     <p:extLst>
       <p:ext uri="{BB962C8B-B14F-4D97-AF65-F5344CB8AC3E}">
-        <p14:creationId xmlns:p14="http://schemas.microsoft.com/office/powerpoint/2010/main" val="2051851346"/>
+        <p14:creationId xmlns:p14="http://schemas.microsoft.com/office/powerpoint/2010/main" val="210077096"/>
       </p:ext>
     </p:extLst>
   </p:cSld>
@@ -7106,7 +7139,7 @@
           <a:p>
             <a:r>
               <a:rPr lang="en-US" dirty="0"/>
-              <a:t>A NOTE ABOUT FUNCTIONS</a:t>
+              <a:t>EXAMINING DATA FRAMES</a:t>
             </a:r>
           </a:p>
         </p:txBody>
@@ -7128,27 +7161,71 @@
           <a:p>
             <a:r>
               <a:rPr lang="en-US" dirty="0"/>
-              <a:t>Two types of arguments/parameters to functions:</a:t>
+              <a:t>Data frames are frequently huge. Use the following commands to take a look without printing out thousands of lines:</a:t>
             </a:r>
           </a:p>
           <a:p>
             <a:pPr lvl="1"/>
             <a:r>
-              <a:rPr lang="en-US" dirty="0"/>
-              <a:t>Positional: mean(data)</a:t>
+              <a:rPr lang="en-US" dirty="0">
+                <a:latin typeface="Courier New" panose="02070309020205020404" pitchFamily="49" charset="0"/>
+                <a:cs typeface="Courier New" panose="02070309020205020404" pitchFamily="49" charset="0"/>
+              </a:rPr>
+              <a:t>head(df)</a:t>
+            </a:r>
+          </a:p>
+          <a:p>
+            <a:pPr lvl="2"/>
+            <a:r>
+              <a:rPr lang="en-US" dirty="0">
+                <a:cs typeface="Courier New" panose="02070309020205020404" pitchFamily="49" charset="0"/>
+              </a:rPr>
+              <a:t>Take a look at the first few entries</a:t>
             </a:r>
           </a:p>
           <a:p>
             <a:pPr lvl="1"/>
             <a:r>
-              <a:rPr lang="en-US" dirty="0"/>
-              <a:t>Keyword: mean(data, NA.RM=TRUE)</a:t>
-            </a:r>
-          </a:p>
-          <a:p>
-            <a:r>
-              <a:rPr lang="en-US" dirty="0"/>
-              <a:t>Functions in R often take optional keyword parameters. Check a function out in R with ?function or help(function) and see if there are any additional arguments that might help make your life easier!</a:t>
+              <a:rPr lang="en-US" dirty="0">
+                <a:latin typeface="Courier New" panose="02070309020205020404" pitchFamily="49" charset="0"/>
+                <a:cs typeface="Courier New" panose="02070309020205020404" pitchFamily="49" charset="0"/>
+              </a:rPr>
+              <a:t>tail(df)</a:t>
+            </a:r>
+          </a:p>
+          <a:p>
+            <a:pPr lvl="2"/>
+            <a:r>
+              <a:rPr lang="en-US" dirty="0">
+                <a:cs typeface="Courier New" panose="02070309020205020404" pitchFamily="49" charset="0"/>
+              </a:rPr>
+              <a:t>Take a look at the last few entries</a:t>
+            </a:r>
+          </a:p>
+          <a:p>
+            <a:pPr lvl="1"/>
+            <a:r>
+              <a:rPr lang="en-US" dirty="0" err="1">
+                <a:latin typeface="Courier New" panose="02070309020205020404" pitchFamily="49" charset="0"/>
+                <a:cs typeface="Courier New" panose="02070309020205020404" pitchFamily="49" charset="0"/>
+              </a:rPr>
+              <a:t>colnames</a:t>
+            </a:r>
+            <a:r>
+              <a:rPr lang="en-US" dirty="0">
+                <a:latin typeface="Courier New" panose="02070309020205020404" pitchFamily="49" charset="0"/>
+                <a:cs typeface="Courier New" panose="02070309020205020404" pitchFamily="49" charset="0"/>
+              </a:rPr>
+              <a:t>(df)</a:t>
+            </a:r>
+          </a:p>
+          <a:p>
+            <a:pPr lvl="2"/>
+            <a:r>
+              <a:rPr lang="en-US" dirty="0">
+                <a:cs typeface="Courier New" panose="02070309020205020404" pitchFamily="49" charset="0"/>
+              </a:rPr>
+              <a:t>Take a look at the available variables</a:t>
             </a:r>
           </a:p>
         </p:txBody>
@@ -7253,7 +7330,7 @@
     </p:spTree>
     <p:extLst>
       <p:ext uri="{BB962C8B-B14F-4D97-AF65-F5344CB8AC3E}">
-        <p14:creationId xmlns:p14="http://schemas.microsoft.com/office/powerpoint/2010/main" val="1868989129"/>
+        <p14:creationId xmlns:p14="http://schemas.microsoft.com/office/powerpoint/2010/main" val="2051851346"/>
       </p:ext>
     </p:extLst>
   </p:cSld>
@@ -7282,13 +7359,7 @@
       </p:grpSpPr>
       <p:sp>
         <p:nvSpPr>
-          <p:cNvPr id="7" name="Title 6">
-            <a:extLst>
-              <a:ext uri="{FF2B5EF4-FFF2-40B4-BE49-F238E27FC236}">
-                <a16:creationId xmlns:a16="http://schemas.microsoft.com/office/drawing/2014/main" id="{184E2338-1026-45D4-9455-B21A88F18B28}"/>
-              </a:ext>
-            </a:extLst>
-          </p:cNvPr>
+          <p:cNvPr id="7" name="Title 6"/>
           <p:cNvSpPr>
             <a:spLocks noGrp="1"/>
           </p:cNvSpPr>
@@ -7303,55 +7374,56 @@
           <a:p>
             <a:r>
               <a:rPr lang="en-US" dirty="0"/>
-              <a:t>READING AND </a:t>
-            </a:r>
-            <a:br>
-              <a:rPr lang="en-US" dirty="0"/>
-            </a:br>
-            <a:r>
-              <a:rPr lang="en-US" dirty="0"/>
-              <a:t>WRITING DATA</a:t>
-            </a:r>
-          </a:p>
-        </p:txBody>
-      </p:sp>
-      <p:sp>
-        <p:nvSpPr>
-          <p:cNvPr id="8" name="Text Placeholder 7">
-            <a:extLst>
-              <a:ext uri="{FF2B5EF4-FFF2-40B4-BE49-F238E27FC236}">
-                <a16:creationId xmlns:a16="http://schemas.microsoft.com/office/drawing/2014/main" id="{DB42CCAB-C8E2-48A8-A9DF-EB0383A8B33C}"/>
-              </a:ext>
-            </a:extLst>
-          </p:cNvPr>
-          <p:cNvSpPr>
-            <a:spLocks noGrp="1"/>
-          </p:cNvSpPr>
-          <p:nvPr>
-            <p:ph type="body" idx="1"/>
-          </p:nvPr>
-        </p:nvSpPr>
-        <p:spPr/>
-        <p:txBody>
-          <a:bodyPr/>
-          <a:lstStyle/>
-          <a:p>
-            <a:r>
-              <a:rPr lang="en-US" dirty="0"/>
-              <a:t>Excel, Comma-Separated and Tab-Separated Values, and more!</a:t>
-            </a:r>
-          </a:p>
-        </p:txBody>
-      </p:sp>
-      <p:sp>
-        <p:nvSpPr>
-          <p:cNvPr id="4" name="Date Placeholder 3">
-            <a:extLst>
-              <a:ext uri="{FF2B5EF4-FFF2-40B4-BE49-F238E27FC236}">
-                <a16:creationId xmlns:a16="http://schemas.microsoft.com/office/drawing/2014/main" id="{1CA94ACB-62A5-4F09-8C21-F0CE9BFB1606}"/>
-              </a:ext>
-            </a:extLst>
-          </p:cNvPr>
+              <a:t>A NOTE ABOUT FUNCTIONS</a:t>
+            </a:r>
+          </a:p>
+        </p:txBody>
+      </p:sp>
+      <p:sp>
+        <p:nvSpPr>
+          <p:cNvPr id="8" name="Content Placeholder 7"/>
+          <p:cNvSpPr>
+            <a:spLocks noGrp="1"/>
+          </p:cNvSpPr>
+          <p:nvPr>
+            <p:ph idx="1"/>
+          </p:nvPr>
+        </p:nvSpPr>
+        <p:spPr/>
+        <p:txBody>
+          <a:bodyPr/>
+          <a:lstStyle/>
+          <a:p>
+            <a:r>
+              <a:rPr lang="en-US" dirty="0"/>
+              <a:t>Two types of arguments/parameters to functions:</a:t>
+            </a:r>
+          </a:p>
+          <a:p>
+            <a:pPr lvl="1"/>
+            <a:r>
+              <a:rPr lang="en-US" dirty="0"/>
+              <a:t>Positional: mean(data)</a:t>
+            </a:r>
+          </a:p>
+          <a:p>
+            <a:pPr lvl="1"/>
+            <a:r>
+              <a:rPr lang="en-US" dirty="0"/>
+              <a:t>Keyword: mean(data, NA.RM=TRUE)</a:t>
+            </a:r>
+          </a:p>
+          <a:p>
+            <a:r>
+              <a:rPr lang="en-US" dirty="0"/>
+              <a:t>Functions in R often take optional keyword parameters. Check a function out in R with ?function or help(function) and see if there are any additional arguments that might help make your life easier!</a:t>
+            </a:r>
+          </a:p>
+        </p:txBody>
+      </p:sp>
+      <p:sp>
+        <p:nvSpPr>
+          <p:cNvPr id="4" name="Date Placeholder 3"/>
           <p:cNvSpPr>
             <a:spLocks noGrp="1"/>
           </p:cNvSpPr>
@@ -7364,9 +7436,9 @@
           <a:bodyPr/>
           <a:lstStyle/>
           <a:p>
-            <a:fld id="{8AAE40A0-A7D8-4DC3-BC9E-BADA32DA2004}" type="datetime4">
+            <a:fld id="{B08FEED8-D7D4-44E9-BFBC-ED06B5996D94}" type="datetime4">
               <a:rPr lang="en-US" smtClean="0"/>
-              <a:t>June 29, 2019</a:t>
+              <a:t>June 30, 2019</a:t>
             </a:fld>
             <a:endParaRPr lang="en-US" dirty="0"/>
           </a:p>
@@ -7374,13 +7446,7 @@
       </p:sp>
       <p:sp>
         <p:nvSpPr>
-          <p:cNvPr id="5" name="Footer Placeholder 4">
-            <a:extLst>
-              <a:ext uri="{FF2B5EF4-FFF2-40B4-BE49-F238E27FC236}">
-                <a16:creationId xmlns:a16="http://schemas.microsoft.com/office/drawing/2014/main" id="{D20B02B0-893D-4696-B6F7-A126B8D18E99}"/>
-              </a:ext>
-            </a:extLst>
-          </p:cNvPr>
+          <p:cNvPr id="5" name="Footer Placeholder 4"/>
           <p:cNvSpPr>
             <a:spLocks noGrp="1"/>
           </p:cNvSpPr>
@@ -7431,13 +7497,7 @@
       </p:sp>
       <p:sp>
         <p:nvSpPr>
-          <p:cNvPr id="6" name="Slide Number Placeholder 5">
-            <a:extLst>
-              <a:ext uri="{FF2B5EF4-FFF2-40B4-BE49-F238E27FC236}">
-                <a16:creationId xmlns:a16="http://schemas.microsoft.com/office/drawing/2014/main" id="{1CFDA495-0063-4571-8969-0DD770DB39E0}"/>
-              </a:ext>
-            </a:extLst>
-          </p:cNvPr>
+          <p:cNvPr id="6" name="Slide Number Placeholder 5"/>
           <p:cNvSpPr>
             <a:spLocks noGrp="1"/>
           </p:cNvSpPr>
@@ -7461,7 +7521,7 @@
     </p:spTree>
     <p:extLst>
       <p:ext uri="{BB962C8B-B14F-4D97-AF65-F5344CB8AC3E}">
-        <p14:creationId xmlns:p14="http://schemas.microsoft.com/office/powerpoint/2010/main" val="2581962988"/>
+        <p14:creationId xmlns:p14="http://schemas.microsoft.com/office/powerpoint/2010/main" val="1868989129"/>
       </p:ext>
     </p:extLst>
   </p:cSld>
@@ -7490,7 +7550,13 @@
       </p:grpSpPr>
       <p:sp>
         <p:nvSpPr>
-          <p:cNvPr id="7" name="Title 6"/>
+          <p:cNvPr id="7" name="Title 6">
+            <a:extLst>
+              <a:ext uri="{FF2B5EF4-FFF2-40B4-BE49-F238E27FC236}">
+                <a16:creationId xmlns:a16="http://schemas.microsoft.com/office/drawing/2014/main" id="{184E2338-1026-45D4-9455-B21A88F18B28}"/>
+              </a:ext>
+            </a:extLst>
+          </p:cNvPr>
           <p:cNvSpPr>
             <a:spLocks noGrp="1"/>
           </p:cNvSpPr>
@@ -7505,129 +7571,55 @@
           <a:p>
             <a:r>
               <a:rPr lang="en-US" dirty="0"/>
-              <a:t>COMMON FILE FORMATS</a:t>
-            </a:r>
-          </a:p>
-        </p:txBody>
-      </p:sp>
-      <p:sp>
-        <p:nvSpPr>
-          <p:cNvPr id="8" name="Content Placeholder 7"/>
-          <p:cNvSpPr>
-            <a:spLocks noGrp="1"/>
-          </p:cNvSpPr>
-          <p:nvPr>
-            <p:ph idx="1"/>
-          </p:nvPr>
-        </p:nvSpPr>
-        <p:spPr/>
-        <p:txBody>
-          <a:bodyPr/>
-          <a:lstStyle/>
-          <a:p>
-            <a:r>
-              <a:rPr lang="en-US" dirty="0"/>
-              <a:t>Comma/Tab Separated Values: (.csv, .</a:t>
-            </a:r>
-            <a:r>
-              <a:rPr lang="en-US" dirty="0" err="1"/>
-              <a:t>tsv</a:t>
-            </a:r>
-            <a:r>
-              <a:rPr lang="en-US" dirty="0"/>
-              <a:t>)</a:t>
-            </a:r>
-          </a:p>
-          <a:p>
-            <a:pPr lvl="1"/>
-            <a:r>
-              <a:rPr lang="en-US" dirty="0"/>
-              <a:t>Example:</a:t>
-            </a:r>
-          </a:p>
-          <a:p>
-            <a:pPr lvl="2"/>
-            <a:r>
-              <a:rPr lang="en-US" dirty="0" err="1"/>
-              <a:t>name,age,occupation</a:t>
-            </a:r>
-            <a:r>
-              <a:rPr lang="en-US" dirty="0"/>
-              <a:t> (first line: header)</a:t>
-            </a:r>
-          </a:p>
-          <a:p>
-            <a:pPr lvl="2"/>
-            <a:r>
-              <a:rPr lang="en-US" dirty="0"/>
-              <a:t>tony,23,banker (all other lines: observations)</a:t>
-            </a:r>
-          </a:p>
-          <a:p>
-            <a:r>
-              <a:rPr lang="en-US" dirty="0"/>
-              <a:t>Excel files (.</a:t>
-            </a:r>
-            <a:r>
-              <a:rPr lang="en-US" dirty="0" err="1"/>
-              <a:t>xlsx</a:t>
-            </a:r>
-            <a:r>
-              <a:rPr lang="en-US" dirty="0"/>
-              <a:t>, .</a:t>
-            </a:r>
-            <a:r>
-              <a:rPr lang="en-US" dirty="0" err="1"/>
-              <a:t>xls</a:t>
-            </a:r>
-            <a:r>
-              <a:rPr lang="en-US" dirty="0"/>
-              <a:t>*)</a:t>
-            </a:r>
-          </a:p>
-          <a:p>
-            <a:r>
-              <a:rPr lang="en-US" dirty="0"/>
-              <a:t>JSON (.</a:t>
-            </a:r>
-            <a:r>
-              <a:rPr lang="en-US" dirty="0" err="1"/>
-              <a:t>json</a:t>
-            </a:r>
-            <a:r>
-              <a:rPr lang="en-US" dirty="0"/>
-              <a:t>)</a:t>
-            </a:r>
-          </a:p>
-          <a:p>
-            <a:pPr lvl="1"/>
-            <a:r>
-              <a:rPr lang="en-US" dirty="0"/>
-              <a:t>{“name”: “Tony”, “age”: 23, “occupation:” “banker”}</a:t>
-            </a:r>
-          </a:p>
-          <a:p>
-            <a:r>
-              <a:rPr lang="en-US" dirty="0"/>
-              <a:t>XML (.xml)</a:t>
-            </a:r>
-          </a:p>
-          <a:p>
-            <a:pPr lvl="1"/>
-            <a:r>
-              <a:rPr lang="en-US" dirty="0"/>
-              <a:t>&lt;person&gt; &lt;name&gt;Tony&lt;/name&gt; &lt;age&gt;23&lt;/age&gt; &lt;occupation&gt;banker&lt;/occupation&gt; &lt;/person&gt;</a:t>
-            </a:r>
-          </a:p>
-          <a:p>
-            <a:pPr lvl="1"/>
-            <a:endParaRPr lang="en-US" dirty="0"/>
-          </a:p>
-        </p:txBody>
-      </p:sp>
-      <p:sp>
-        <p:nvSpPr>
-          <p:cNvPr id="4" name="Date Placeholder 3"/>
+              <a:t>READING AND </a:t>
+            </a:r>
+            <a:br>
+              <a:rPr lang="en-US" dirty="0"/>
+            </a:br>
+            <a:r>
+              <a:rPr lang="en-US" dirty="0"/>
+              <a:t>WRITING DATA</a:t>
+            </a:r>
+          </a:p>
+        </p:txBody>
+      </p:sp>
+      <p:sp>
+        <p:nvSpPr>
+          <p:cNvPr id="8" name="Text Placeholder 7">
+            <a:extLst>
+              <a:ext uri="{FF2B5EF4-FFF2-40B4-BE49-F238E27FC236}">
+                <a16:creationId xmlns:a16="http://schemas.microsoft.com/office/drawing/2014/main" id="{DB42CCAB-C8E2-48A8-A9DF-EB0383A8B33C}"/>
+              </a:ext>
+            </a:extLst>
+          </p:cNvPr>
+          <p:cNvSpPr>
+            <a:spLocks noGrp="1"/>
+          </p:cNvSpPr>
+          <p:nvPr>
+            <p:ph type="body" idx="1"/>
+          </p:nvPr>
+        </p:nvSpPr>
+        <p:spPr/>
+        <p:txBody>
+          <a:bodyPr/>
+          <a:lstStyle/>
+          <a:p>
+            <a:r>
+              <a:rPr lang="en-US" dirty="0"/>
+              <a:t>Excel, Comma-Separated and Tab-Separated Values, and more!</a:t>
+            </a:r>
+          </a:p>
+        </p:txBody>
+      </p:sp>
+      <p:sp>
+        <p:nvSpPr>
+          <p:cNvPr id="4" name="Date Placeholder 3">
+            <a:extLst>
+              <a:ext uri="{FF2B5EF4-FFF2-40B4-BE49-F238E27FC236}">
+                <a16:creationId xmlns:a16="http://schemas.microsoft.com/office/drawing/2014/main" id="{1CA94ACB-62A5-4F09-8C21-F0CE9BFB1606}"/>
+              </a:ext>
+            </a:extLst>
+          </p:cNvPr>
           <p:cNvSpPr>
             <a:spLocks noGrp="1"/>
           </p:cNvSpPr>
@@ -7640,7 +7632,7 @@
           <a:bodyPr/>
           <a:lstStyle/>
           <a:p>
-            <a:fld id="{B08FEED8-D7D4-44E9-BFBC-ED06B5996D94}" type="datetime4">
+            <a:fld id="{8AAE40A0-A7D8-4DC3-BC9E-BADA32DA2004}" type="datetime4">
               <a:rPr lang="en-US" smtClean="0"/>
               <a:t>June 29, 2019</a:t>
             </a:fld>
@@ -7650,7 +7642,13 @@
       </p:sp>
       <p:sp>
         <p:nvSpPr>
-          <p:cNvPr id="5" name="Footer Placeholder 4"/>
+          <p:cNvPr id="5" name="Footer Placeholder 4">
+            <a:extLst>
+              <a:ext uri="{FF2B5EF4-FFF2-40B4-BE49-F238E27FC236}">
+                <a16:creationId xmlns:a16="http://schemas.microsoft.com/office/drawing/2014/main" id="{D20B02B0-893D-4696-B6F7-A126B8D18E99}"/>
+              </a:ext>
+            </a:extLst>
+          </p:cNvPr>
           <p:cNvSpPr>
             <a:spLocks noGrp="1"/>
           </p:cNvSpPr>
@@ -7701,7 +7699,13 @@
       </p:sp>
       <p:sp>
         <p:nvSpPr>
-          <p:cNvPr id="6" name="Slide Number Placeholder 5"/>
+          <p:cNvPr id="6" name="Slide Number Placeholder 5">
+            <a:extLst>
+              <a:ext uri="{FF2B5EF4-FFF2-40B4-BE49-F238E27FC236}">
+                <a16:creationId xmlns:a16="http://schemas.microsoft.com/office/drawing/2014/main" id="{1CFDA495-0063-4571-8969-0DD770DB39E0}"/>
+              </a:ext>
+            </a:extLst>
+          </p:cNvPr>
           <p:cNvSpPr>
             <a:spLocks noGrp="1"/>
           </p:cNvSpPr>
@@ -7725,7 +7729,7 @@
     </p:spTree>
     <p:extLst>
       <p:ext uri="{BB962C8B-B14F-4D97-AF65-F5344CB8AC3E}">
-        <p14:creationId xmlns:p14="http://schemas.microsoft.com/office/powerpoint/2010/main" val="3674866452"/>
+        <p14:creationId xmlns:p14="http://schemas.microsoft.com/office/powerpoint/2010/main" val="2581962988"/>
       </p:ext>
     </p:extLst>
   </p:cSld>
@@ -7769,7 +7773,7 @@
           <a:p>
             <a:r>
               <a:rPr lang="en-US" dirty="0"/>
-              <a:t>READING FILE FORMATS</a:t>
+              <a:t>COMMON FILE FORMATS</a:t>
             </a:r>
           </a:p>
         </p:txBody>
@@ -7806,7 +7810,25 @@
             <a:pPr lvl="1"/>
             <a:r>
               <a:rPr lang="en-US" dirty="0"/>
-              <a:t>Read.csv</a:t>
+              <a:t>Example:</a:t>
+            </a:r>
+          </a:p>
+          <a:p>
+            <a:pPr lvl="2"/>
+            <a:r>
+              <a:rPr lang="en-US" dirty="0" err="1"/>
+              <a:t>name,age,occupation</a:t>
+            </a:r>
+            <a:r>
+              <a:rPr lang="en-US" dirty="0"/>
+              <a:t> (first line: header)</a:t>
+            </a:r>
+          </a:p>
+          <a:p>
+            <a:pPr lvl="2"/>
+            <a:r>
+              <a:rPr lang="en-US" dirty="0"/>
+              <a:t>tony,23,banker (all other lines: observations)</a:t>
             </a:r>
           </a:p>
           <a:p>
@@ -7849,7 +7871,7 @@
             <a:pPr lvl="1"/>
             <a:r>
               <a:rPr lang="en-US" dirty="0"/>
-              <a:t>Example</a:t>
+              <a:t>{“name”: “Tony”, “age”: 23, “occupation:” “banker”}</a:t>
             </a:r>
           </a:p>
           <a:p>
@@ -7862,8 +7884,12 @@
             <a:pPr lvl="1"/>
             <a:r>
               <a:rPr lang="en-US" dirty="0"/>
-              <a:t>Example</a:t>
-            </a:r>
+              <a:t>&lt;person&gt; &lt;name&gt;Tony&lt;/name&gt; &lt;age&gt;23&lt;/age&gt; &lt;occupation&gt;banker&lt;/occupation&gt; &lt;/person&gt;</a:t>
+            </a:r>
+          </a:p>
+          <a:p>
+            <a:pPr lvl="1"/>
+            <a:endParaRPr lang="en-US" dirty="0"/>
           </a:p>
         </p:txBody>
       </p:sp>
@@ -7967,7 +7993,7 @@
     </p:spTree>
     <p:extLst>
       <p:ext uri="{BB962C8B-B14F-4D97-AF65-F5344CB8AC3E}">
-        <p14:creationId xmlns:p14="http://schemas.microsoft.com/office/powerpoint/2010/main" val="472407328"/>
+        <p14:creationId xmlns:p14="http://schemas.microsoft.com/office/powerpoint/2010/main" val="3674866452"/>
       </p:ext>
     </p:extLst>
   </p:cSld>
@@ -8011,7 +8037,7 @@
           <a:p>
             <a:r>
               <a:rPr lang="en-US" dirty="0"/>
-              <a:t>WRITING FILE FORMATS</a:t>
+              <a:t>READING FILE FORMATS</a:t>
             </a:r>
           </a:p>
         </p:txBody>
@@ -8048,7 +8074,7 @@
             <a:pPr lvl="1"/>
             <a:r>
               <a:rPr lang="en-US" dirty="0"/>
-              <a:t>Write.csv</a:t>
+              <a:t>Read.csv</a:t>
             </a:r>
           </a:p>
           <a:p>
@@ -8209,7 +8235,7 @@
     </p:spTree>
     <p:extLst>
       <p:ext uri="{BB962C8B-B14F-4D97-AF65-F5344CB8AC3E}">
-        <p14:creationId xmlns:p14="http://schemas.microsoft.com/office/powerpoint/2010/main" val="880888547"/>
+        <p14:creationId xmlns:p14="http://schemas.microsoft.com/office/powerpoint/2010/main" val="472407328"/>
       </p:ext>
     </p:extLst>
   </p:cSld>
@@ -8253,7 +8279,7 @@
           <a:p>
             <a:r>
               <a:rPr lang="en-US" dirty="0"/>
-              <a:t>A WORD OF WARNING ON FACTORS</a:t>
+              <a:t>WRITING FILE FORMATS</a:t>
             </a:r>
           </a:p>
         </p:txBody>
@@ -8275,115 +8301,79 @@
           <a:p>
             <a:r>
               <a:rPr lang="en-US" dirty="0"/>
-              <a:t>R is quick to assume strings you pass in data frames are factors</a:t>
-            </a:r>
-          </a:p>
-          <a:p>
-            <a:r>
-              <a:rPr lang="en-US" dirty="0"/>
-              <a:t>Example: </a:t>
-            </a:r>
-            <a:r>
-              <a:rPr lang="en-US" dirty="0">
-                <a:latin typeface="Courier New" panose="02070309020205020404" pitchFamily="49" charset="0"/>
-                <a:cs typeface="Courier New" panose="02070309020205020404" pitchFamily="49" charset="0"/>
-              </a:rPr>
-              <a:t>df &lt;- </a:t>
-            </a:r>
-            <a:r>
-              <a:rPr lang="en-US" dirty="0" err="1">
-                <a:latin typeface="Courier New" panose="02070309020205020404" pitchFamily="49" charset="0"/>
-                <a:cs typeface="Courier New" panose="02070309020205020404" pitchFamily="49" charset="0"/>
-              </a:rPr>
-              <a:t>data.frame</a:t>
-            </a:r>
-            <a:r>
-              <a:rPr lang="en-US" dirty="0">
-                <a:latin typeface="Courier New" panose="02070309020205020404" pitchFamily="49" charset="0"/>
-                <a:cs typeface="Courier New" panose="02070309020205020404" pitchFamily="49" charset="0"/>
-              </a:rPr>
-              <a:t>(name=c(“John”, “Molly”), age=c(15,17))</a:t>
+              <a:t>Comma/Tab Separated Values: (.csv, .</a:t>
+            </a:r>
+            <a:r>
+              <a:rPr lang="en-US" dirty="0" err="1"/>
+              <a:t>tsv</a:t>
+            </a:r>
+            <a:r>
+              <a:rPr lang="en-US" dirty="0"/>
+              <a:t>)</a:t>
             </a:r>
           </a:p>
           <a:p>
             <a:pPr lvl="1"/>
             <a:r>
               <a:rPr lang="en-US" dirty="0"/>
-              <a:t>Name is a factor!</a:t>
+              <a:t>Write.csv</a:t>
+            </a:r>
+          </a:p>
+          <a:p>
+            <a:r>
+              <a:rPr lang="en-US" dirty="0"/>
+              <a:t>Excel files (.</a:t>
+            </a:r>
+            <a:r>
+              <a:rPr lang="en-US" dirty="0" err="1"/>
+              <a:t>xlsx</a:t>
+            </a:r>
+            <a:r>
+              <a:rPr lang="en-US" dirty="0"/>
+              <a:t>, .</a:t>
+            </a:r>
+            <a:r>
+              <a:rPr lang="en-US" dirty="0" err="1"/>
+              <a:t>xls</a:t>
+            </a:r>
+            <a:r>
+              <a:rPr lang="en-US" dirty="0"/>
+              <a:t>*)</a:t>
+            </a:r>
+          </a:p>
+          <a:p>
+            <a:r>
+              <a:rPr lang="en-US" dirty="0"/>
+              <a:t>JSON (.</a:t>
+            </a:r>
+            <a:r>
+              <a:rPr lang="en-US" dirty="0" err="1"/>
+              <a:t>json</a:t>
+            </a:r>
+            <a:r>
+              <a:rPr lang="en-US" dirty="0"/>
+              <a:t>)</a:t>
             </a:r>
           </a:p>
           <a:p>
             <a:pPr lvl="1"/>
             <a:r>
               <a:rPr lang="en-US" dirty="0"/>
-              <a:t>Does this make sense?</a:t>
-            </a:r>
-          </a:p>
-          <a:p>
-            <a:r>
-              <a:rPr lang="en-US" dirty="0"/>
-              <a:t>If this a problem (which it often is), change the type of the column with </a:t>
-            </a:r>
-            <a:r>
-              <a:rPr lang="en-US" dirty="0" err="1">
-                <a:latin typeface="Courier New" panose="02070309020205020404" pitchFamily="49" charset="0"/>
-                <a:cs typeface="Courier New" panose="02070309020205020404" pitchFamily="49" charset="0"/>
-              </a:rPr>
-              <a:t>as.character</a:t>
-            </a:r>
-            <a:r>
-              <a:rPr lang="en-US" dirty="0">
-                <a:latin typeface="Courier New" panose="02070309020205020404" pitchFamily="49" charset="0"/>
-                <a:cs typeface="Courier New" panose="02070309020205020404" pitchFamily="49" charset="0"/>
-              </a:rPr>
-              <a:t>().</a:t>
+              <a:t>Example</a:t>
+            </a:r>
+          </a:p>
+          <a:p>
+            <a:r>
+              <a:rPr lang="en-US" dirty="0"/>
+              <a:t>XML (.xml)</a:t>
             </a:r>
           </a:p>
           <a:p>
             <a:pPr lvl="1"/>
             <a:r>
-              <a:rPr lang="en-US" dirty="0" err="1">
-                <a:latin typeface="Courier New" panose="02070309020205020404" pitchFamily="49" charset="0"/>
-                <a:cs typeface="Courier New" panose="02070309020205020404" pitchFamily="49" charset="0"/>
-              </a:rPr>
-              <a:t>df$name</a:t>
-            </a:r>
-            <a:r>
-              <a:rPr lang="en-US" dirty="0">
-                <a:latin typeface="Courier New" panose="02070309020205020404" pitchFamily="49" charset="0"/>
-                <a:cs typeface="Courier New" panose="02070309020205020404" pitchFamily="49" charset="0"/>
-              </a:rPr>
-              <a:t> &lt;- </a:t>
-            </a:r>
-            <a:r>
-              <a:rPr lang="en-US" dirty="0" err="1">
-                <a:latin typeface="Courier New" panose="02070309020205020404" pitchFamily="49" charset="0"/>
-                <a:cs typeface="Courier New" panose="02070309020205020404" pitchFamily="49" charset="0"/>
-              </a:rPr>
-              <a:t>as.character</a:t>
-            </a:r>
-            <a:r>
-              <a:rPr lang="en-US" dirty="0">
-                <a:latin typeface="Courier New" panose="02070309020205020404" pitchFamily="49" charset="0"/>
-                <a:cs typeface="Courier New" panose="02070309020205020404" pitchFamily="49" charset="0"/>
-              </a:rPr>
-              <a:t>(</a:t>
-            </a:r>
-            <a:r>
-              <a:rPr lang="en-US" dirty="0" err="1">
-                <a:latin typeface="Courier New" panose="02070309020205020404" pitchFamily="49" charset="0"/>
-                <a:cs typeface="Courier New" panose="02070309020205020404" pitchFamily="49" charset="0"/>
-              </a:rPr>
-              <a:t>df$name</a:t>
-            </a:r>
-            <a:r>
-              <a:rPr lang="en-US" dirty="0">
-                <a:latin typeface="Courier New" panose="02070309020205020404" pitchFamily="49" charset="0"/>
-                <a:cs typeface="Courier New" panose="02070309020205020404" pitchFamily="49" charset="0"/>
-              </a:rPr>
-              <a:t>)</a:t>
-            </a:r>
-            <a:endParaRPr lang="en-US" dirty="0"/>
+              <a:rPr lang="en-US" dirty="0"/>
+              <a:t>Example</a:t>
+            </a:r>
           </a:p>
         </p:txBody>
       </p:sp>
@@ -8487,7 +8477,7 @@
     </p:spTree>
     <p:extLst>
       <p:ext uri="{BB962C8B-B14F-4D97-AF65-F5344CB8AC3E}">
-        <p14:creationId xmlns:p14="http://schemas.microsoft.com/office/powerpoint/2010/main" val="2216792158"/>
+        <p14:creationId xmlns:p14="http://schemas.microsoft.com/office/powerpoint/2010/main" val="880888547"/>
       </p:ext>
     </p:extLst>
   </p:cSld>
@@ -8516,13 +8506,7 @@
       </p:grpSpPr>
       <p:sp>
         <p:nvSpPr>
-          <p:cNvPr id="7" name="Title 6">
-            <a:extLst>
-              <a:ext uri="{FF2B5EF4-FFF2-40B4-BE49-F238E27FC236}">
-                <a16:creationId xmlns:a16="http://schemas.microsoft.com/office/drawing/2014/main" id="{184E2338-1026-45D4-9455-B21A88F18B28}"/>
-              </a:ext>
-            </a:extLst>
-          </p:cNvPr>
+          <p:cNvPr id="7" name="Title 6"/>
           <p:cNvSpPr>
             <a:spLocks noGrp="1"/>
           </p:cNvSpPr>
@@ -8537,48 +8521,143 @@
           <a:p>
             <a:r>
               <a:rPr lang="en-US" dirty="0"/>
-              <a:t>DATA MANIPULATION</a:t>
-            </a:r>
-          </a:p>
-        </p:txBody>
-      </p:sp>
-      <p:sp>
-        <p:nvSpPr>
-          <p:cNvPr id="8" name="Text Placeholder 7">
-            <a:extLst>
-              <a:ext uri="{FF2B5EF4-FFF2-40B4-BE49-F238E27FC236}">
-                <a16:creationId xmlns:a16="http://schemas.microsoft.com/office/drawing/2014/main" id="{DB42CCAB-C8E2-48A8-A9DF-EB0383A8B33C}"/>
-              </a:ext>
-            </a:extLst>
-          </p:cNvPr>
-          <p:cNvSpPr>
-            <a:spLocks noGrp="1"/>
-          </p:cNvSpPr>
-          <p:nvPr>
-            <p:ph type="body" idx="1"/>
-          </p:nvPr>
-        </p:nvSpPr>
-        <p:spPr/>
-        <p:txBody>
-          <a:bodyPr/>
-          <a:lstStyle/>
-          <a:p>
-            <a:r>
-              <a:rPr lang="en-US" dirty="0"/>
-              <a:t>Subsetting and filtering</a:t>
-            </a:r>
-          </a:p>
-        </p:txBody>
-      </p:sp>
-      <p:sp>
-        <p:nvSpPr>
-          <p:cNvPr id="4" name="Date Placeholder 3">
-            <a:extLst>
-              <a:ext uri="{FF2B5EF4-FFF2-40B4-BE49-F238E27FC236}">
-                <a16:creationId xmlns:a16="http://schemas.microsoft.com/office/drawing/2014/main" id="{1CA94ACB-62A5-4F09-8C21-F0CE9BFB1606}"/>
-              </a:ext>
-            </a:extLst>
-          </p:cNvPr>
+              <a:t>A WORD OF WARNING ON FACTORS</a:t>
+            </a:r>
+          </a:p>
+        </p:txBody>
+      </p:sp>
+      <p:sp>
+        <p:nvSpPr>
+          <p:cNvPr id="8" name="Content Placeholder 7"/>
+          <p:cNvSpPr>
+            <a:spLocks noGrp="1"/>
+          </p:cNvSpPr>
+          <p:nvPr>
+            <p:ph idx="1"/>
+          </p:nvPr>
+        </p:nvSpPr>
+        <p:spPr/>
+        <p:txBody>
+          <a:bodyPr/>
+          <a:lstStyle/>
+          <a:p>
+            <a:r>
+              <a:rPr lang="en-US" dirty="0"/>
+              <a:t>R is quick to assume strings you pass in data frames are factors</a:t>
+            </a:r>
+          </a:p>
+          <a:p>
+            <a:r>
+              <a:rPr lang="en-US" dirty="0"/>
+              <a:t>Example: </a:t>
+            </a:r>
+            <a:r>
+              <a:rPr lang="en-US" dirty="0">
+                <a:latin typeface="Courier New" panose="02070309020205020404" pitchFamily="49" charset="0"/>
+                <a:cs typeface="Courier New" panose="02070309020205020404" pitchFamily="49" charset="0"/>
+              </a:rPr>
+              <a:t>df &lt;- </a:t>
+            </a:r>
+            <a:r>
+              <a:rPr lang="en-US" dirty="0" err="1">
+                <a:latin typeface="Courier New" panose="02070309020205020404" pitchFamily="49" charset="0"/>
+                <a:cs typeface="Courier New" panose="02070309020205020404" pitchFamily="49" charset="0"/>
+              </a:rPr>
+              <a:t>data.frame</a:t>
+            </a:r>
+            <a:r>
+              <a:rPr lang="en-US" dirty="0">
+                <a:latin typeface="Courier New" panose="02070309020205020404" pitchFamily="49" charset="0"/>
+                <a:cs typeface="Courier New" panose="02070309020205020404" pitchFamily="49" charset="0"/>
+              </a:rPr>
+              <a:t>(name=c(“John”, “Molly”), age=c(15,17))</a:t>
+            </a:r>
+          </a:p>
+          <a:p>
+            <a:pPr lvl="1"/>
+            <a:r>
+              <a:rPr lang="en-US" dirty="0"/>
+              <a:t>Name is a factor!</a:t>
+            </a:r>
+          </a:p>
+          <a:p>
+            <a:pPr lvl="1"/>
+            <a:r>
+              <a:rPr lang="en-US" dirty="0"/>
+              <a:t>Does this make sense?</a:t>
+            </a:r>
+          </a:p>
+          <a:p>
+            <a:r>
+              <a:rPr lang="en-US" dirty="0"/>
+              <a:t>If this a problem (which it often is), change the type of the column with </a:t>
+            </a:r>
+            <a:r>
+              <a:rPr lang="en-US" dirty="0" err="1">
+                <a:latin typeface="Courier New" panose="02070309020205020404" pitchFamily="49" charset="0"/>
+                <a:cs typeface="Courier New" panose="02070309020205020404" pitchFamily="49" charset="0"/>
+              </a:rPr>
+              <a:t>as.character</a:t>
+            </a:r>
+            <a:r>
+              <a:rPr lang="en-US" dirty="0">
+                <a:latin typeface="Courier New" panose="02070309020205020404" pitchFamily="49" charset="0"/>
+                <a:cs typeface="Courier New" panose="02070309020205020404" pitchFamily="49" charset="0"/>
+              </a:rPr>
+              <a:t>().</a:t>
+            </a:r>
+          </a:p>
+          <a:p>
+            <a:pPr lvl="1"/>
+            <a:r>
+              <a:rPr lang="en-US" dirty="0" err="1">
+                <a:latin typeface="Courier New" panose="02070309020205020404" pitchFamily="49" charset="0"/>
+                <a:cs typeface="Courier New" panose="02070309020205020404" pitchFamily="49" charset="0"/>
+              </a:rPr>
+              <a:t>df$name</a:t>
+            </a:r>
+            <a:r>
+              <a:rPr lang="en-US" dirty="0">
+                <a:latin typeface="Courier New" panose="02070309020205020404" pitchFamily="49" charset="0"/>
+                <a:cs typeface="Courier New" panose="02070309020205020404" pitchFamily="49" charset="0"/>
+              </a:rPr>
+              <a:t> &lt;- </a:t>
+            </a:r>
+            <a:r>
+              <a:rPr lang="en-US" dirty="0" err="1">
+                <a:latin typeface="Courier New" panose="02070309020205020404" pitchFamily="49" charset="0"/>
+                <a:cs typeface="Courier New" panose="02070309020205020404" pitchFamily="49" charset="0"/>
+              </a:rPr>
+              <a:t>as.character</a:t>
+            </a:r>
+            <a:r>
+              <a:rPr lang="en-US" dirty="0">
+                <a:latin typeface="Courier New" panose="02070309020205020404" pitchFamily="49" charset="0"/>
+                <a:cs typeface="Courier New" panose="02070309020205020404" pitchFamily="49" charset="0"/>
+              </a:rPr>
+              <a:t>(</a:t>
+            </a:r>
+            <a:r>
+              <a:rPr lang="en-US" dirty="0" err="1">
+                <a:latin typeface="Courier New" panose="02070309020205020404" pitchFamily="49" charset="0"/>
+                <a:cs typeface="Courier New" panose="02070309020205020404" pitchFamily="49" charset="0"/>
+              </a:rPr>
+              <a:t>df$name</a:t>
+            </a:r>
+            <a:r>
+              <a:rPr lang="en-US" dirty="0">
+                <a:latin typeface="Courier New" panose="02070309020205020404" pitchFamily="49" charset="0"/>
+                <a:cs typeface="Courier New" panose="02070309020205020404" pitchFamily="49" charset="0"/>
+              </a:rPr>
+              <a:t>)</a:t>
+            </a:r>
+            <a:endParaRPr lang="en-US" dirty="0"/>
+          </a:p>
+        </p:txBody>
+      </p:sp>
+      <p:sp>
+        <p:nvSpPr>
+          <p:cNvPr id="4" name="Date Placeholder 3"/>
           <p:cNvSpPr>
             <a:spLocks noGrp="1"/>
           </p:cNvSpPr>
@@ -8591,7 +8670,7 @@
           <a:bodyPr/>
           <a:lstStyle/>
           <a:p>
-            <a:fld id="{8AAE40A0-A7D8-4DC3-BC9E-BADA32DA2004}" type="datetime4">
+            <a:fld id="{B08FEED8-D7D4-44E9-BFBC-ED06B5996D94}" type="datetime4">
               <a:rPr lang="en-US" smtClean="0"/>
               <a:t>June 29, 2019</a:t>
             </a:fld>
@@ -8601,13 +8680,7 @@
       </p:sp>
       <p:sp>
         <p:nvSpPr>
-          <p:cNvPr id="5" name="Footer Placeholder 4">
-            <a:extLst>
-              <a:ext uri="{FF2B5EF4-FFF2-40B4-BE49-F238E27FC236}">
-                <a16:creationId xmlns:a16="http://schemas.microsoft.com/office/drawing/2014/main" id="{D20B02B0-893D-4696-B6F7-A126B8D18E99}"/>
-              </a:ext>
-            </a:extLst>
-          </p:cNvPr>
+          <p:cNvPr id="5" name="Footer Placeholder 4"/>
           <p:cNvSpPr>
             <a:spLocks noGrp="1"/>
           </p:cNvSpPr>
@@ -8658,13 +8731,7 @@
       </p:sp>
       <p:sp>
         <p:nvSpPr>
-          <p:cNvPr id="6" name="Slide Number Placeholder 5">
-            <a:extLst>
-              <a:ext uri="{FF2B5EF4-FFF2-40B4-BE49-F238E27FC236}">
-                <a16:creationId xmlns:a16="http://schemas.microsoft.com/office/drawing/2014/main" id="{1CFDA495-0063-4571-8969-0DD770DB39E0}"/>
-              </a:ext>
-            </a:extLst>
-          </p:cNvPr>
+          <p:cNvPr id="6" name="Slide Number Placeholder 5"/>
           <p:cNvSpPr>
             <a:spLocks noGrp="1"/>
           </p:cNvSpPr>
@@ -8688,7 +8755,7 @@
     </p:spTree>
     <p:extLst>
       <p:ext uri="{BB962C8B-B14F-4D97-AF65-F5344CB8AC3E}">
-        <p14:creationId xmlns:p14="http://schemas.microsoft.com/office/powerpoint/2010/main" val="495434477"/>
+        <p14:creationId xmlns:p14="http://schemas.microsoft.com/office/powerpoint/2010/main" val="2216792158"/>
       </p:ext>
     </p:extLst>
   </p:cSld>
@@ -8717,7 +8784,13 @@
       </p:grpSpPr>
       <p:sp>
         <p:nvSpPr>
-          <p:cNvPr id="7" name="Title 6"/>
+          <p:cNvPr id="7" name="Title 6">
+            <a:extLst>
+              <a:ext uri="{FF2B5EF4-FFF2-40B4-BE49-F238E27FC236}">
+                <a16:creationId xmlns:a16="http://schemas.microsoft.com/office/drawing/2014/main" id="{184E2338-1026-45D4-9455-B21A88F18B28}"/>
+              </a:ext>
+            </a:extLst>
+          </p:cNvPr>
           <p:cNvSpPr>
             <a:spLocks noGrp="1"/>
           </p:cNvSpPr>
@@ -8732,111 +8805,48 @@
           <a:p>
             <a:r>
               <a:rPr lang="en-US" dirty="0"/>
-              <a:t>LOGICAL OPERATORS</a:t>
-            </a:r>
-          </a:p>
-        </p:txBody>
-      </p:sp>
-      <p:sp>
-        <p:nvSpPr>
-          <p:cNvPr id="8" name="Content Placeholder 7"/>
-          <p:cNvSpPr>
-            <a:spLocks noGrp="1"/>
-          </p:cNvSpPr>
-          <p:nvPr>
-            <p:ph idx="1"/>
-          </p:nvPr>
-        </p:nvSpPr>
-        <p:spPr/>
-        <p:txBody>
-          <a:bodyPr/>
-          <a:lstStyle/>
-          <a:p>
-            <a:r>
-              <a:rPr lang="en-US" dirty="0"/>
-              <a:t>Test for Equality: </a:t>
-            </a:r>
-            <a:r>
-              <a:rPr lang="en-US" dirty="0">
-                <a:latin typeface="Courier New" panose="02070309020205020404" pitchFamily="49" charset="0"/>
-                <a:cs typeface="Courier New" panose="02070309020205020404" pitchFamily="49" charset="0"/>
-              </a:rPr>
-              <a:t>== (a == b)</a:t>
-            </a:r>
-          </a:p>
-          <a:p>
-            <a:r>
-              <a:rPr lang="en-US" dirty="0"/>
-              <a:t>Test for Inequality: </a:t>
-            </a:r>
-            <a:r>
-              <a:rPr lang="en-US" dirty="0">
-                <a:latin typeface="Courier New" panose="02070309020205020404" pitchFamily="49" charset="0"/>
-                <a:cs typeface="Courier New" panose="02070309020205020404" pitchFamily="49" charset="0"/>
-              </a:rPr>
-              <a:t>!= (a != b)</a:t>
-            </a:r>
-          </a:p>
-          <a:p>
-            <a:r>
-              <a:rPr lang="en-US" dirty="0"/>
-              <a:t>Test for Less than: </a:t>
-            </a:r>
-            <a:r>
-              <a:rPr lang="en-US" dirty="0">
-                <a:latin typeface="Courier New" panose="02070309020205020404" pitchFamily="49" charset="0"/>
-                <a:cs typeface="Courier New" panose="02070309020205020404" pitchFamily="49" charset="0"/>
-              </a:rPr>
-              <a:t>&lt; (a &lt; b)</a:t>
-            </a:r>
-          </a:p>
-          <a:p>
-            <a:r>
-              <a:rPr lang="en-US" dirty="0"/>
-              <a:t>Test for Less than or equal to: </a:t>
-            </a:r>
-            <a:r>
-              <a:rPr lang="en-US" dirty="0">
-                <a:latin typeface="Courier New" panose="02070309020205020404" pitchFamily="49" charset="0"/>
-                <a:cs typeface="Courier New" panose="02070309020205020404" pitchFamily="49" charset="0"/>
-              </a:rPr>
-              <a:t>&lt;= (a &lt;= b)</a:t>
-            </a:r>
-          </a:p>
-          <a:p>
-            <a:r>
-              <a:rPr lang="en-US" dirty="0"/>
-              <a:t>Test for Greater than: </a:t>
-            </a:r>
-            <a:r>
-              <a:rPr lang="en-US" dirty="0">
-                <a:latin typeface="Courier New" panose="02070309020205020404" pitchFamily="49" charset="0"/>
-                <a:cs typeface="Courier New" panose="02070309020205020404" pitchFamily="49" charset="0"/>
-              </a:rPr>
-              <a:t>&gt; (a &gt; b)</a:t>
-            </a:r>
-          </a:p>
-          <a:p>
-            <a:r>
-              <a:rPr lang="en-US" dirty="0"/>
-              <a:t>Test for Greater than or equal to: </a:t>
-            </a:r>
-            <a:r>
-              <a:rPr lang="en-US" dirty="0">
-                <a:latin typeface="Courier New" panose="02070309020205020404" pitchFamily="49" charset="0"/>
-                <a:cs typeface="Courier New" panose="02070309020205020404" pitchFamily="49" charset="0"/>
-              </a:rPr>
-              <a:t>&gt;= (a &gt; b)</a:t>
-            </a:r>
-          </a:p>
-          <a:p>
-            <a:endParaRPr lang="en-US" dirty="0"/>
-          </a:p>
-        </p:txBody>
-      </p:sp>
-      <p:sp>
-        <p:nvSpPr>
-          <p:cNvPr id="4" name="Date Placeholder 3"/>
+              <a:t>DATA MANIPULATION</a:t>
+            </a:r>
+          </a:p>
+        </p:txBody>
+      </p:sp>
+      <p:sp>
+        <p:nvSpPr>
+          <p:cNvPr id="8" name="Text Placeholder 7">
+            <a:extLst>
+              <a:ext uri="{FF2B5EF4-FFF2-40B4-BE49-F238E27FC236}">
+                <a16:creationId xmlns:a16="http://schemas.microsoft.com/office/drawing/2014/main" id="{DB42CCAB-C8E2-48A8-A9DF-EB0383A8B33C}"/>
+              </a:ext>
+            </a:extLst>
+          </p:cNvPr>
+          <p:cNvSpPr>
+            <a:spLocks noGrp="1"/>
+          </p:cNvSpPr>
+          <p:nvPr>
+            <p:ph type="body" idx="1"/>
+          </p:nvPr>
+        </p:nvSpPr>
+        <p:spPr/>
+        <p:txBody>
+          <a:bodyPr/>
+          <a:lstStyle/>
+          <a:p>
+            <a:r>
+              <a:rPr lang="en-US" dirty="0"/>
+              <a:t>Subsetting and filtering</a:t>
+            </a:r>
+          </a:p>
+        </p:txBody>
+      </p:sp>
+      <p:sp>
+        <p:nvSpPr>
+          <p:cNvPr id="4" name="Date Placeholder 3">
+            <a:extLst>
+              <a:ext uri="{FF2B5EF4-FFF2-40B4-BE49-F238E27FC236}">
+                <a16:creationId xmlns:a16="http://schemas.microsoft.com/office/drawing/2014/main" id="{1CA94ACB-62A5-4F09-8C21-F0CE9BFB1606}"/>
+              </a:ext>
+            </a:extLst>
+          </p:cNvPr>
           <p:cNvSpPr>
             <a:spLocks noGrp="1"/>
           </p:cNvSpPr>
@@ -8849,9 +8859,9 @@
           <a:bodyPr/>
           <a:lstStyle/>
           <a:p>
-            <a:fld id="{B08FEED8-D7D4-44E9-BFBC-ED06B5996D94}" type="datetime4">
+            <a:fld id="{8AAE40A0-A7D8-4DC3-BC9E-BADA32DA2004}" type="datetime4">
               <a:rPr lang="en-US" smtClean="0"/>
-              <a:t>June 30, 2019</a:t>
+              <a:t>June 29, 2019</a:t>
             </a:fld>
             <a:endParaRPr lang="en-US" dirty="0"/>
           </a:p>
@@ -8859,7 +8869,13 @@
       </p:sp>
       <p:sp>
         <p:nvSpPr>
-          <p:cNvPr id="5" name="Footer Placeholder 4"/>
+          <p:cNvPr id="5" name="Footer Placeholder 4">
+            <a:extLst>
+              <a:ext uri="{FF2B5EF4-FFF2-40B4-BE49-F238E27FC236}">
+                <a16:creationId xmlns:a16="http://schemas.microsoft.com/office/drawing/2014/main" id="{D20B02B0-893D-4696-B6F7-A126B8D18E99}"/>
+              </a:ext>
+            </a:extLst>
+          </p:cNvPr>
           <p:cNvSpPr>
             <a:spLocks noGrp="1"/>
           </p:cNvSpPr>
@@ -8910,7 +8926,13 @@
       </p:sp>
       <p:sp>
         <p:nvSpPr>
-          <p:cNvPr id="6" name="Slide Number Placeholder 5"/>
+          <p:cNvPr id="6" name="Slide Number Placeholder 5">
+            <a:extLst>
+              <a:ext uri="{FF2B5EF4-FFF2-40B4-BE49-F238E27FC236}">
+                <a16:creationId xmlns:a16="http://schemas.microsoft.com/office/drawing/2014/main" id="{1CFDA495-0063-4571-8969-0DD770DB39E0}"/>
+              </a:ext>
+            </a:extLst>
+          </p:cNvPr>
           <p:cNvSpPr>
             <a:spLocks noGrp="1"/>
           </p:cNvSpPr>
@@ -8934,7 +8956,7 @@
     </p:spTree>
     <p:extLst>
       <p:ext uri="{BB962C8B-B14F-4D97-AF65-F5344CB8AC3E}">
-        <p14:creationId xmlns:p14="http://schemas.microsoft.com/office/powerpoint/2010/main" val="3700448618"/>
+        <p14:creationId xmlns:p14="http://schemas.microsoft.com/office/powerpoint/2010/main" val="495434477"/>
       </p:ext>
     </p:extLst>
   </p:cSld>
@@ -9147,7 +9169,7 @@
           <a:p>
             <a:r>
               <a:rPr lang="en-US" dirty="0"/>
-              <a:t>FILTERING / SUBSETTING</a:t>
+              <a:t>MAKING NEW COLUMNS FROM OLD</a:t>
             </a:r>
           </a:p>
         </p:txBody>
@@ -9168,8 +9190,19 @@
           <a:lstStyle/>
           <a:p>
             <a:r>
-              <a:rPr lang="en-US" dirty="0"/>
-              <a:t>By Row:</a:t>
+              <a:rPr lang="en-US" dirty="0">
+                <a:cs typeface="Courier New" panose="02070309020205020404" pitchFamily="49" charset="0"/>
+              </a:rPr>
+              <a:t>Arithmetic operations can apply to the whole column with no extra work on your part!</a:t>
+            </a:r>
+          </a:p>
+          <a:p>
+            <a:pPr lvl="1"/>
+            <a:r>
+              <a:rPr lang="en-US" dirty="0">
+                <a:cs typeface="Courier New" panose="02070309020205020404" pitchFamily="49" charset="0"/>
+              </a:rPr>
+              <a:t>Very useful for converting between units</a:t>
             </a:r>
           </a:p>
           <a:p>
@@ -9179,50 +9212,11 @@
                 <a:latin typeface="Courier New" panose="02070309020205020404" pitchFamily="49" charset="0"/>
                 <a:cs typeface="Courier New" panose="02070309020205020404" pitchFamily="49" charset="0"/>
               </a:rPr>
-              <a:t>df[3-7]</a:t>
-            </a:r>
-            <a:r>
-              <a:rPr lang="en-US" dirty="0"/>
-              <a:t> selects the 3</a:t>
-            </a:r>
-            <a:r>
-              <a:rPr lang="en-US" baseline="30000" dirty="0"/>
-              <a:t>rd</a:t>
-            </a:r>
-            <a:r>
-              <a:rPr lang="en-US" dirty="0"/>
-              <a:t> through 7</a:t>
-            </a:r>
-            <a:r>
-              <a:rPr lang="en-US" baseline="30000" dirty="0"/>
-              <a:t>th</a:t>
-            </a:r>
-            <a:r>
-              <a:rPr lang="en-US" dirty="0"/>
-              <a:t> row</a:t>
-            </a:r>
-          </a:p>
-          <a:p>
-            <a:r>
-              <a:rPr lang="en-US" dirty="0"/>
-              <a:t>By Column:</a:t>
-            </a:r>
-          </a:p>
-          <a:p>
-            <a:pPr lvl="1"/>
-            <a:r>
-              <a:rPr lang="en-US" dirty="0">
-                <a:latin typeface="Courier New" panose="02070309020205020404" pitchFamily="49" charset="0"/>
-                <a:cs typeface="Courier New" panose="02070309020205020404" pitchFamily="49" charset="0"/>
-              </a:rPr>
-              <a:t>subset(df, age&gt;10) </a:t>
-            </a:r>
-            <a:r>
-              <a:rPr lang="en-US" dirty="0">
-                <a:cs typeface="Courier New" panose="02070309020205020404" pitchFamily="49" charset="0"/>
-              </a:rPr>
-              <a:t>takes all observations where age is greater than 10. note that age is a column in the data frame!</a:t>
-            </a:r>
+              <a:t>df$length.cm &lt;- df$length.in * 2.54</a:t>
+            </a:r>
+          </a:p>
+          <a:p>
+            <a:endParaRPr lang="en-US" dirty="0"/>
           </a:p>
         </p:txBody>
       </p:sp>
@@ -9243,7 +9237,7 @@
           <a:p>
             <a:fld id="{B08FEED8-D7D4-44E9-BFBC-ED06B5996D94}" type="datetime4">
               <a:rPr lang="en-US" smtClean="0"/>
-              <a:t>June 29, 2019</a:t>
+              <a:t>June 30, 2019</a:t>
             </a:fld>
             <a:endParaRPr lang="en-US" dirty="0"/>
           </a:p>
@@ -9326,7 +9320,7 @@
     </p:spTree>
     <p:extLst>
       <p:ext uri="{BB962C8B-B14F-4D97-AF65-F5344CB8AC3E}">
-        <p14:creationId xmlns:p14="http://schemas.microsoft.com/office/powerpoint/2010/main" val="3381129877"/>
+        <p14:creationId xmlns:p14="http://schemas.microsoft.com/office/powerpoint/2010/main" val="1264901885"/>
       </p:ext>
     </p:extLst>
   </p:cSld>
@@ -9370,7 +9364,7 @@
           <a:p>
             <a:r>
               <a:rPr lang="en-US" dirty="0"/>
-              <a:t>CLEANING</a:t>
+              <a:t>LOGICAL OPERATORS</a:t>
             </a:r>
           </a:p>
         </p:txBody>
@@ -9392,23 +9386,83 @@
           <a:p>
             <a:r>
               <a:rPr lang="en-US" dirty="0"/>
-              <a:t>Use </a:t>
-            </a:r>
-            <a:r>
-              <a:rPr lang="en-US" dirty="0" err="1"/>
-              <a:t>subsetting</a:t>
-            </a:r>
-            <a:r>
-              <a:rPr lang="en-US" dirty="0"/>
-              <a:t> to delete unusable rows</a:t>
-            </a:r>
-          </a:p>
-          <a:p>
-            <a:pPr lvl="1"/>
-            <a:r>
-              <a:rPr lang="en-US" dirty="0"/>
-              <a:t>Common: remove rows which have a NA</a:t>
-            </a:r>
+              <a:t>Test for Equality: </a:t>
+            </a:r>
+            <a:r>
+              <a:rPr lang="en-US" dirty="0">
+                <a:latin typeface="Courier New" panose="02070309020205020404" pitchFamily="49" charset="0"/>
+                <a:cs typeface="Courier New" panose="02070309020205020404" pitchFamily="49" charset="0"/>
+              </a:rPr>
+              <a:t>== (a == b)</a:t>
+            </a:r>
+          </a:p>
+          <a:p>
+            <a:r>
+              <a:rPr lang="en-US" dirty="0"/>
+              <a:t>Test for Inequality: </a:t>
+            </a:r>
+            <a:r>
+              <a:rPr lang="en-US" dirty="0">
+                <a:latin typeface="Courier New" panose="02070309020205020404" pitchFamily="49" charset="0"/>
+                <a:cs typeface="Courier New" panose="02070309020205020404" pitchFamily="49" charset="0"/>
+              </a:rPr>
+              <a:t>!= (a != b)</a:t>
+            </a:r>
+          </a:p>
+          <a:p>
+            <a:r>
+              <a:rPr lang="en-US" dirty="0"/>
+              <a:t>Test for Less than: </a:t>
+            </a:r>
+            <a:r>
+              <a:rPr lang="en-US" dirty="0">
+                <a:latin typeface="Courier New" panose="02070309020205020404" pitchFamily="49" charset="0"/>
+                <a:cs typeface="Courier New" panose="02070309020205020404" pitchFamily="49" charset="0"/>
+              </a:rPr>
+              <a:t>&lt; (a &lt; b)</a:t>
+            </a:r>
+          </a:p>
+          <a:p>
+            <a:r>
+              <a:rPr lang="en-US" dirty="0"/>
+              <a:t>Test for Less than or equal to: </a:t>
+            </a:r>
+            <a:r>
+              <a:rPr lang="en-US" dirty="0">
+                <a:latin typeface="Courier New" panose="02070309020205020404" pitchFamily="49" charset="0"/>
+                <a:cs typeface="Courier New" panose="02070309020205020404" pitchFamily="49" charset="0"/>
+              </a:rPr>
+              <a:t>&lt;= (a &lt;= b)</a:t>
+            </a:r>
+          </a:p>
+          <a:p>
+            <a:r>
+              <a:rPr lang="en-US" dirty="0"/>
+              <a:t>Test for Greater than: </a:t>
+            </a:r>
+            <a:r>
+              <a:rPr lang="en-US" dirty="0">
+                <a:latin typeface="Courier New" panose="02070309020205020404" pitchFamily="49" charset="0"/>
+                <a:cs typeface="Courier New" panose="02070309020205020404" pitchFamily="49" charset="0"/>
+              </a:rPr>
+              <a:t>&gt; (a &gt; b)</a:t>
+            </a:r>
+          </a:p>
+          <a:p>
+            <a:r>
+              <a:rPr lang="en-US" dirty="0"/>
+              <a:t>Test for Greater than or equal to: </a:t>
+            </a:r>
+            <a:r>
+              <a:rPr lang="en-US" dirty="0">
+                <a:latin typeface="Courier New" panose="02070309020205020404" pitchFamily="49" charset="0"/>
+                <a:cs typeface="Courier New" panose="02070309020205020404" pitchFamily="49" charset="0"/>
+              </a:rPr>
+              <a:t>&gt;= (a &gt; b)</a:t>
+            </a:r>
+          </a:p>
+          <a:p>
+            <a:endParaRPr lang="en-US" dirty="0"/>
           </a:p>
         </p:txBody>
       </p:sp>
@@ -9429,7 +9483,7 @@
           <a:p>
             <a:fld id="{B08FEED8-D7D4-44E9-BFBC-ED06B5996D94}" type="datetime4">
               <a:rPr lang="en-US" smtClean="0"/>
-              <a:t>June 29, 2019</a:t>
+              <a:t>June 30, 2019</a:t>
             </a:fld>
             <a:endParaRPr lang="en-US" dirty="0"/>
           </a:p>
@@ -9512,7 +9566,7 @@
     </p:spTree>
     <p:extLst>
       <p:ext uri="{BB962C8B-B14F-4D97-AF65-F5344CB8AC3E}">
-        <p14:creationId xmlns:p14="http://schemas.microsoft.com/office/powerpoint/2010/main" val="1734905602"/>
+        <p14:creationId xmlns:p14="http://schemas.microsoft.com/office/powerpoint/2010/main" val="3700448618"/>
       </p:ext>
     </p:extLst>
   </p:cSld>
@@ -9556,7 +9610,7 @@
           <a:p>
             <a:r>
               <a:rPr lang="en-US" dirty="0"/>
-              <a:t>SUMMARY FUNCTIONS</a:t>
+              <a:t>FILTERING / SUBSETTING</a:t>
             </a:r>
           </a:p>
         </p:txBody>
@@ -9578,84 +9632,72 @@
           <a:p>
             <a:r>
               <a:rPr lang="en-US" dirty="0"/>
-              <a:t>Mean: </a:t>
-            </a:r>
+              <a:t>By Row:</a:t>
+            </a:r>
+          </a:p>
+          <a:p>
+            <a:pPr lvl="1"/>
             <a:r>
               <a:rPr lang="en-US" dirty="0">
                 <a:latin typeface="Courier New" panose="02070309020205020404" pitchFamily="49" charset="0"/>
                 <a:cs typeface="Courier New" panose="02070309020205020404" pitchFamily="49" charset="0"/>
               </a:rPr>
-              <a:t>mean(data)</a:t>
-            </a:r>
-          </a:p>
-          <a:p>
-            <a:r>
-              <a:rPr lang="en-US" dirty="0"/>
-              <a:t>Median: </a:t>
-            </a:r>
+              <a:t>df[3-7]</a:t>
+            </a:r>
+            <a:r>
+              <a:rPr lang="en-US" dirty="0"/>
+              <a:t> selects the 3</a:t>
+            </a:r>
+            <a:r>
+              <a:rPr lang="en-US" baseline="30000" dirty="0"/>
+              <a:t>rd</a:t>
+            </a:r>
+            <a:r>
+              <a:rPr lang="en-US" dirty="0"/>
+              <a:t> through 7</a:t>
+            </a:r>
+            <a:r>
+              <a:rPr lang="en-US" baseline="30000" dirty="0"/>
+              <a:t>th</a:t>
+            </a:r>
+            <a:r>
+              <a:rPr lang="en-US" dirty="0"/>
+              <a:t> row</a:t>
+            </a:r>
+          </a:p>
+          <a:p>
+            <a:r>
+              <a:rPr lang="en-US" dirty="0"/>
+              <a:t>By Column:</a:t>
+            </a:r>
+          </a:p>
+          <a:p>
+            <a:pPr lvl="1"/>
             <a:r>
               <a:rPr lang="en-US" dirty="0">
                 <a:latin typeface="Courier New" panose="02070309020205020404" pitchFamily="49" charset="0"/>
                 <a:cs typeface="Courier New" panose="02070309020205020404" pitchFamily="49" charset="0"/>
               </a:rPr>
-              <a:t>median(data)</a:t>
-            </a:r>
-          </a:p>
-          <a:p>
-            <a:r>
-              <a:rPr lang="en-US" dirty="0"/>
-              <a:t>Range: </a:t>
+              <a:t>subset(df, age &gt; 10) </a:t>
             </a:r>
             <a:r>
               <a:rPr lang="en-US" dirty="0">
-                <a:latin typeface="Courier New" panose="02070309020205020404" pitchFamily="49" charset="0"/>
-                <a:cs typeface="Courier New" panose="02070309020205020404" pitchFamily="49" charset="0"/>
-              </a:rPr>
-              <a:t>range(data). </a:t>
-            </a:r>
-            <a:r>
-              <a:rPr lang="en-US" dirty="0"/>
-              <a:t>Gives lower and upper bounds</a:t>
-            </a:r>
-          </a:p>
-          <a:p>
-            <a:r>
-              <a:rPr lang="en-US" dirty="0"/>
-              <a:t>Standard Deviation: </a:t>
+                <a:cs typeface="Courier New" panose="02070309020205020404" pitchFamily="49" charset="0"/>
+              </a:rPr>
+              <a:t>takes all observations where age is greater than 10. note that age is a column in the data frame, and you don’t need to type </a:t>
             </a:r>
             <a:r>
               <a:rPr lang="en-US" dirty="0" err="1">
                 <a:latin typeface="Courier New" panose="02070309020205020404" pitchFamily="49" charset="0"/>
                 <a:cs typeface="Courier New" panose="02070309020205020404" pitchFamily="49" charset="0"/>
               </a:rPr>
-              <a:t>sd</a:t>
+              <a:t>df$age</a:t>
             </a:r>
             <a:r>
               <a:rPr lang="en-US" dirty="0">
-                <a:latin typeface="Courier New" panose="02070309020205020404" pitchFamily="49" charset="0"/>
-                <a:cs typeface="Courier New" panose="02070309020205020404" pitchFamily="49" charset="0"/>
-              </a:rPr>
-              <a:t>(data)</a:t>
-            </a:r>
-          </a:p>
-          <a:p>
-            <a:endParaRPr lang="en-US" dirty="0"/>
-          </a:p>
-          <a:p>
-            <a:r>
-              <a:rPr lang="en-US" dirty="0"/>
-              <a:t>The </a:t>
-            </a:r>
-            <a:r>
-              <a:rPr lang="en-US" dirty="0">
-                <a:latin typeface="Courier New" panose="02070309020205020404" pitchFamily="49" charset="0"/>
-                <a:cs typeface="Courier New" panose="02070309020205020404" pitchFamily="49" charset="0"/>
-              </a:rPr>
-              <a:t>NA.RM </a:t>
-            </a:r>
-            <a:r>
-              <a:rPr lang="en-US" dirty="0"/>
-              <a:t>feature: ignore any missing values. Summaries don’t work otherwise!</a:t>
+                <a:cs typeface="Courier New" panose="02070309020205020404" pitchFamily="49" charset="0"/>
+              </a:rPr>
+              <a:t>! </a:t>
             </a:r>
           </a:p>
         </p:txBody>
@@ -9760,7 +9802,7 @@
     </p:spTree>
     <p:extLst>
       <p:ext uri="{BB962C8B-B14F-4D97-AF65-F5344CB8AC3E}">
-        <p14:creationId xmlns:p14="http://schemas.microsoft.com/office/powerpoint/2010/main" val="1071271775"/>
+        <p14:creationId xmlns:p14="http://schemas.microsoft.com/office/powerpoint/2010/main" val="3381129877"/>
       </p:ext>
     </p:extLst>
   </p:cSld>
@@ -9804,7 +9846,7 @@
           <a:p>
             <a:r>
               <a:rPr lang="en-US" dirty="0"/>
-              <a:t>THE APPLY FAMILY</a:t>
+              <a:t>CLEANING</a:t>
             </a:r>
           </a:p>
         </p:txBody>
@@ -9821,170 +9863,58 @@
         </p:nvSpPr>
         <p:spPr/>
         <p:txBody>
-          <a:bodyPr>
-            <a:normAutofit/>
-          </a:bodyPr>
-          <a:lstStyle/>
-          <a:p>
-            <a:r>
-              <a:rPr lang="en-US" sz="2400" dirty="0" err="1">
-                <a:latin typeface="Courier New" panose="02070309020205020404" pitchFamily="49" charset="0"/>
-                <a:cs typeface="Courier New" panose="02070309020205020404" pitchFamily="49" charset="0"/>
-              </a:rPr>
-              <a:t>sapply</a:t>
-            </a:r>
-            <a:r>
-              <a:rPr lang="en-US" sz="2400" dirty="0">
-                <a:latin typeface="Courier New" panose="02070309020205020404" pitchFamily="49" charset="0"/>
-                <a:cs typeface="Courier New" panose="02070309020205020404" pitchFamily="49" charset="0"/>
-              </a:rPr>
-              <a:t>(col, function)</a:t>
+          <a:bodyPr/>
+          <a:lstStyle/>
+          <a:p>
+            <a:r>
+              <a:rPr lang="en-US" dirty="0"/>
+              <a:t>Use </a:t>
+            </a:r>
+            <a:r>
+              <a:rPr lang="en-US" dirty="0" err="1"/>
+              <a:t>subsetting</a:t>
+            </a:r>
+            <a:r>
+              <a:rPr lang="en-US" dirty="0"/>
+              <a:t> to delete unusable rows</a:t>
             </a:r>
           </a:p>
           <a:p>
             <a:pPr lvl="1"/>
             <a:r>
               <a:rPr lang="en-US" dirty="0"/>
-              <a:t>Apply function to every element of a vector, and use simplest type of output (e.g. vector if all elements of list are the same)</a:t>
-            </a:r>
-          </a:p>
-          <a:p>
-            <a:pPr lvl="2"/>
-            <a:r>
-              <a:rPr lang="en-US" dirty="0"/>
-              <a:t>Ex: </a:t>
-            </a:r>
-            <a:r>
-              <a:rPr lang="en-US" sz="2400" dirty="0" err="1">
-                <a:latin typeface="Courier New" panose="02070309020205020404" pitchFamily="49" charset="0"/>
-                <a:cs typeface="Courier New" panose="02070309020205020404" pitchFamily="49" charset="0"/>
-              </a:rPr>
-              <a:t>sapply</a:t>
-            </a:r>
-            <a:r>
-              <a:rPr lang="en-US" sz="2400" dirty="0">
-                <a:latin typeface="Courier New" panose="02070309020205020404" pitchFamily="49" charset="0"/>
-                <a:cs typeface="Courier New" panose="02070309020205020404" pitchFamily="49" charset="0"/>
-              </a:rPr>
-              <a:t>(names, </a:t>
-            </a:r>
-            <a:r>
-              <a:rPr lang="en-US" sz="2400" dirty="0" err="1">
-                <a:latin typeface="Courier New" panose="02070309020205020404" pitchFamily="49" charset="0"/>
-                <a:cs typeface="Courier New" panose="02070309020205020404" pitchFamily="49" charset="0"/>
-              </a:rPr>
-              <a:t>tolower</a:t>
-            </a:r>
-            <a:r>
-              <a:rPr lang="en-US" sz="2400" dirty="0">
-                <a:latin typeface="Courier New" panose="02070309020205020404" pitchFamily="49" charset="0"/>
-                <a:cs typeface="Courier New" panose="02070309020205020404" pitchFamily="49" charset="0"/>
-              </a:rPr>
-              <a:t>)</a:t>
-            </a:r>
-          </a:p>
-          <a:p>
-            <a:r>
-              <a:rPr lang="en-US" sz="2400" dirty="0" err="1">
-                <a:latin typeface="Courier New" panose="02070309020205020404" pitchFamily="49" charset="0"/>
-                <a:cs typeface="Courier New" panose="02070309020205020404" pitchFamily="49" charset="0"/>
-              </a:rPr>
-              <a:t>tapply</a:t>
-            </a:r>
-            <a:r>
-              <a:rPr lang="en-US" sz="2400" dirty="0">
-                <a:latin typeface="Courier New" panose="02070309020205020404" pitchFamily="49" charset="0"/>
-                <a:cs typeface="Courier New" panose="02070309020205020404" pitchFamily="49" charset="0"/>
-              </a:rPr>
-              <a:t>(column, groups, function)</a:t>
+              <a:t>Common use case: remove rows which have a NA (erroneous results)</a:t>
             </a:r>
           </a:p>
           <a:p>
             <a:pPr lvl="1"/>
-            <a:r>
-              <a:rPr lang="en-US" dirty="0"/>
-              <a:t>Apply a summary function to a column for each of the groups</a:t>
-            </a:r>
-          </a:p>
-          <a:p>
-            <a:pPr lvl="1"/>
-            <a:r>
-              <a:rPr lang="en-US" dirty="0"/>
-              <a:t>Ex: Say </a:t>
-            </a:r>
-            <a:r>
-              <a:rPr lang="en-US" dirty="0" err="1">
-                <a:latin typeface="Courier New" panose="02070309020205020404" pitchFamily="49" charset="0"/>
-                <a:cs typeface="Courier New" panose="02070309020205020404" pitchFamily="49" charset="0"/>
-              </a:rPr>
-              <a:t>gpadf</a:t>
-            </a:r>
-            <a:r>
-              <a:rPr lang="en-US" dirty="0"/>
-              <a:t> is a </a:t>
-            </a:r>
-            <a:r>
-              <a:rPr lang="en-US" dirty="0" err="1"/>
-              <a:t>dataframe</a:t>
-            </a:r>
-            <a:r>
-              <a:rPr lang="en-US" dirty="0"/>
-              <a:t> of students. </a:t>
-            </a:r>
-            <a:r>
-              <a:rPr lang="en-US" dirty="0" err="1">
-                <a:latin typeface="Courier New" panose="02070309020205020404" pitchFamily="49" charset="0"/>
-                <a:cs typeface="Courier New" panose="02070309020205020404" pitchFamily="49" charset="0"/>
-              </a:rPr>
-              <a:t>tapply</a:t>
-            </a:r>
             <a:r>
               <a:rPr lang="en-US" dirty="0">
                 <a:latin typeface="Courier New" panose="02070309020205020404" pitchFamily="49" charset="0"/>
                 <a:cs typeface="Courier New" panose="02070309020205020404" pitchFamily="49" charset="0"/>
               </a:rPr>
-              <a:t>(</a:t>
-            </a:r>
-            <a:r>
-              <a:rPr lang="en-US" dirty="0" err="1">
-                <a:latin typeface="Courier New" panose="02070309020205020404" pitchFamily="49" charset="0"/>
-                <a:cs typeface="Courier New" panose="02070309020205020404" pitchFamily="49" charset="0"/>
-              </a:rPr>
-              <a:t>gpadf$gpa</a:t>
-            </a:r>
+              <a:t>df &lt;- subset(df, !is.na(value))</a:t>
+            </a:r>
+          </a:p>
+          <a:p>
+            <a:pPr lvl="2"/>
             <a:r>
               <a:rPr lang="en-US" dirty="0">
                 <a:latin typeface="Courier New" panose="02070309020205020404" pitchFamily="49" charset="0"/>
                 <a:cs typeface="Courier New" panose="02070309020205020404" pitchFamily="49" charset="0"/>
               </a:rPr>
-              <a:t>, </a:t>
-            </a:r>
-            <a:r>
-              <a:rPr lang="en-US" dirty="0" err="1">
-                <a:latin typeface="Courier New" panose="02070309020205020404" pitchFamily="49" charset="0"/>
-                <a:cs typeface="Courier New" panose="02070309020205020404" pitchFamily="49" charset="0"/>
-              </a:rPr>
-              <a:t>gpadf$major</a:t>
+              <a:t>value != NA </a:t>
             </a:r>
             <a:r>
               <a:rPr lang="en-US" dirty="0">
-                <a:latin typeface="Courier New" panose="02070309020205020404" pitchFamily="49" charset="0"/>
-                <a:cs typeface="Courier New" panose="02070309020205020404" pitchFamily="49" charset="0"/>
-              </a:rPr>
-              <a:t>, mean)</a:t>
-            </a:r>
-            <a:r>
-              <a:rPr lang="en-US" dirty="0"/>
-              <a:t> will give you the average </a:t>
-            </a:r>
-            <a:r>
-              <a:rPr lang="en-US" dirty="0" err="1"/>
-              <a:t>gpa</a:t>
-            </a:r>
-            <a:r>
-              <a:rPr lang="en-US" dirty="0"/>
-              <a:t> for each major!</a:t>
-            </a:r>
+                <a:cs typeface="Courier New" panose="02070309020205020404" pitchFamily="49" charset="0"/>
+              </a:rPr>
+              <a:t>does not work</a:t>
+            </a:r>
+            <a:endParaRPr lang="en-US" dirty="0">
+              <a:latin typeface="Courier New" panose="02070309020205020404" pitchFamily="49" charset="0"/>
+              <a:cs typeface="Courier New" panose="02070309020205020404" pitchFamily="49" charset="0"/>
+            </a:endParaRPr>
           </a:p>
         </p:txBody>
       </p:sp>
@@ -10005,7 +9935,7 @@
           <a:p>
             <a:fld id="{B08FEED8-D7D4-44E9-BFBC-ED06B5996D94}" type="datetime4">
               <a:rPr lang="en-US" smtClean="0"/>
-              <a:t>June 30, 2019</a:t>
+              <a:t>June 29, 2019</a:t>
             </a:fld>
             <a:endParaRPr lang="en-US" dirty="0"/>
           </a:p>
@@ -10088,7 +10018,7 @@
     </p:spTree>
     <p:extLst>
       <p:ext uri="{BB962C8B-B14F-4D97-AF65-F5344CB8AC3E}">
-        <p14:creationId xmlns:p14="http://schemas.microsoft.com/office/powerpoint/2010/main" val="2319623369"/>
+        <p14:creationId xmlns:p14="http://schemas.microsoft.com/office/powerpoint/2010/main" val="1734905602"/>
       </p:ext>
     </p:extLst>
   </p:cSld>
@@ -10117,7 +10047,7 @@
       </p:grpSpPr>
       <p:sp>
         <p:nvSpPr>
-          <p:cNvPr id="2" name="Title 1"/>
+          <p:cNvPr id="7" name="Title 6"/>
           <p:cNvSpPr>
             <a:spLocks noGrp="1"/>
           </p:cNvSpPr>
@@ -10132,29 +10062,113 @@
           <a:p>
             <a:r>
               <a:rPr lang="en-US" dirty="0"/>
-              <a:t>VISUALIZATION</a:t>
-            </a:r>
-          </a:p>
-        </p:txBody>
-      </p:sp>
-      <p:sp>
-        <p:nvSpPr>
-          <p:cNvPr id="3" name="Text Placeholder 2"/>
-          <p:cNvSpPr>
-            <a:spLocks noGrp="1"/>
-          </p:cNvSpPr>
-          <p:nvPr>
-            <p:ph type="body" idx="1"/>
-          </p:nvPr>
-        </p:nvSpPr>
-        <p:spPr/>
-        <p:txBody>
-          <a:bodyPr/>
-          <a:lstStyle/>
-          <a:p>
-            <a:r>
-              <a:rPr lang="en-US" dirty="0"/>
-              <a:t>Scatterplots, boxplots, and histograms</a:t>
+              <a:t>SUMMARY FUNCTIONS</a:t>
+            </a:r>
+          </a:p>
+        </p:txBody>
+      </p:sp>
+      <p:sp>
+        <p:nvSpPr>
+          <p:cNvPr id="8" name="Content Placeholder 7"/>
+          <p:cNvSpPr>
+            <a:spLocks noGrp="1"/>
+          </p:cNvSpPr>
+          <p:nvPr>
+            <p:ph idx="1"/>
+          </p:nvPr>
+        </p:nvSpPr>
+        <p:spPr/>
+        <p:txBody>
+          <a:bodyPr/>
+          <a:lstStyle/>
+          <a:p>
+            <a:r>
+              <a:rPr lang="en-US" dirty="0"/>
+              <a:t>Mean: </a:t>
+            </a:r>
+            <a:r>
+              <a:rPr lang="en-US" dirty="0">
+                <a:latin typeface="Courier New" panose="02070309020205020404" pitchFamily="49" charset="0"/>
+                <a:cs typeface="Courier New" panose="02070309020205020404" pitchFamily="49" charset="0"/>
+              </a:rPr>
+              <a:t>mean(data)</a:t>
+            </a:r>
+          </a:p>
+          <a:p>
+            <a:r>
+              <a:rPr lang="en-US" dirty="0"/>
+              <a:t>Median: </a:t>
+            </a:r>
+            <a:r>
+              <a:rPr lang="en-US" dirty="0">
+                <a:latin typeface="Courier New" panose="02070309020205020404" pitchFamily="49" charset="0"/>
+                <a:cs typeface="Courier New" panose="02070309020205020404" pitchFamily="49" charset="0"/>
+              </a:rPr>
+              <a:t>median(data)</a:t>
+            </a:r>
+          </a:p>
+          <a:p>
+            <a:r>
+              <a:rPr lang="en-US" dirty="0"/>
+              <a:t>Range: </a:t>
+            </a:r>
+            <a:r>
+              <a:rPr lang="en-US" dirty="0">
+                <a:latin typeface="Courier New" panose="02070309020205020404" pitchFamily="49" charset="0"/>
+                <a:cs typeface="Courier New" panose="02070309020205020404" pitchFamily="49" charset="0"/>
+              </a:rPr>
+              <a:t>range(data). </a:t>
+            </a:r>
+            <a:r>
+              <a:rPr lang="en-US" dirty="0"/>
+              <a:t>Gives lower and upper bounds</a:t>
+            </a:r>
+          </a:p>
+          <a:p>
+            <a:r>
+              <a:rPr lang="en-US" dirty="0"/>
+              <a:t>Standard Deviation: </a:t>
+            </a:r>
+            <a:r>
+              <a:rPr lang="en-US" dirty="0" err="1">
+                <a:latin typeface="Courier New" panose="02070309020205020404" pitchFamily="49" charset="0"/>
+                <a:cs typeface="Courier New" panose="02070309020205020404" pitchFamily="49" charset="0"/>
+              </a:rPr>
+              <a:t>sd</a:t>
+            </a:r>
+            <a:r>
+              <a:rPr lang="en-US" dirty="0">
+                <a:latin typeface="Courier New" panose="02070309020205020404" pitchFamily="49" charset="0"/>
+                <a:cs typeface="Courier New" panose="02070309020205020404" pitchFamily="49" charset="0"/>
+              </a:rPr>
+              <a:t>(data)</a:t>
+            </a:r>
+          </a:p>
+          <a:p>
+            <a:endParaRPr lang="en-US" dirty="0"/>
+          </a:p>
+          <a:p>
+            <a:r>
+              <a:rPr lang="en-US" dirty="0"/>
+              <a:t>The </a:t>
+            </a:r>
+            <a:r>
+              <a:rPr lang="en-US" dirty="0">
+                <a:latin typeface="Courier New" panose="02070309020205020404" pitchFamily="49" charset="0"/>
+                <a:cs typeface="Courier New" panose="02070309020205020404" pitchFamily="49" charset="0"/>
+              </a:rPr>
+              <a:t>na.rm </a:t>
+            </a:r>
+            <a:r>
+              <a:rPr lang="en-US" dirty="0"/>
+              <a:t>parameter: ignore any missing values. Summaries don’t work otherwise!</a:t>
+            </a:r>
+          </a:p>
+          <a:p>
+            <a:pPr lvl="1"/>
+            <a:r>
+              <a:rPr lang="en-US" dirty="0"/>
+              <a:t>Example: median(data, n.</a:t>
             </a:r>
           </a:p>
         </p:txBody>
@@ -10259,7 +10273,7 @@
     </p:spTree>
     <p:extLst>
       <p:ext uri="{BB962C8B-B14F-4D97-AF65-F5344CB8AC3E}">
-        <p14:creationId xmlns:p14="http://schemas.microsoft.com/office/powerpoint/2010/main" val="2369420591"/>
+        <p14:creationId xmlns:p14="http://schemas.microsoft.com/office/powerpoint/2010/main" val="1071271775"/>
       </p:ext>
     </p:extLst>
   </p:cSld>
@@ -10303,7 +10317,7 @@
           <a:p>
             <a:r>
               <a:rPr lang="en-US" dirty="0"/>
-              <a:t>SCATTERPLOTS</a:t>
+              <a:t>THE APPLY FAMILY</a:t>
             </a:r>
           </a:p>
         </p:txBody>
@@ -10320,32 +10334,177 @@
         </p:nvSpPr>
         <p:spPr/>
         <p:txBody>
-          <a:bodyPr/>
-          <a:lstStyle/>
-          <a:p>
-            <a:r>
-              <a:rPr lang="en-US" dirty="0"/>
-              <a:t>Plot(</a:t>
+          <a:bodyPr>
+            <a:normAutofit/>
+          </a:bodyPr>
+          <a:lstStyle/>
+          <a:p>
+            <a:r>
+              <a:rPr lang="en-US" sz="2400" dirty="0" err="1">
+                <a:latin typeface="Courier New" panose="02070309020205020404" pitchFamily="49" charset="0"/>
+                <a:cs typeface="Courier New" panose="02070309020205020404" pitchFamily="49" charset="0"/>
+              </a:rPr>
+              <a:t>sapply</a:t>
+            </a:r>
+            <a:r>
+              <a:rPr lang="en-US" sz="2400" dirty="0">
+                <a:latin typeface="Courier New" panose="02070309020205020404" pitchFamily="49" charset="0"/>
+                <a:cs typeface="Courier New" panose="02070309020205020404" pitchFamily="49" charset="0"/>
+              </a:rPr>
+              <a:t>(column, function)</a:t>
+            </a:r>
+          </a:p>
+          <a:p>
+            <a:pPr lvl="1"/>
+            <a:r>
+              <a:rPr lang="en-US" dirty="0"/>
+              <a:t>Apply function to every element of a vector, and use simplest type of output (e.g. vector if all elements of list are the same)</a:t>
+            </a:r>
+          </a:p>
+          <a:p>
+            <a:pPr lvl="1"/>
+            <a:r>
+              <a:rPr lang="en-US" dirty="0"/>
+              <a:t>Can pass a function as an argument to another function!</a:t>
+            </a:r>
+          </a:p>
+          <a:p>
+            <a:pPr lvl="2"/>
+            <a:r>
+              <a:rPr lang="en-US" dirty="0"/>
+              <a:t>Ex: </a:t>
+            </a:r>
+            <a:r>
+              <a:rPr lang="en-US" sz="2400" dirty="0" err="1">
+                <a:latin typeface="Courier New" panose="02070309020205020404" pitchFamily="49" charset="0"/>
+                <a:cs typeface="Courier New" panose="02070309020205020404" pitchFamily="49" charset="0"/>
+              </a:rPr>
+              <a:t>sapply</a:t>
+            </a:r>
+            <a:r>
+              <a:rPr lang="en-US" sz="2400" dirty="0">
+                <a:latin typeface="Courier New" panose="02070309020205020404" pitchFamily="49" charset="0"/>
+                <a:cs typeface="Courier New" panose="02070309020205020404" pitchFamily="49" charset="0"/>
+              </a:rPr>
+              <a:t>(names, </a:t>
+            </a:r>
+            <a:r>
+              <a:rPr lang="en-US" sz="2400" dirty="0" err="1">
+                <a:latin typeface="Courier New" panose="02070309020205020404" pitchFamily="49" charset="0"/>
+                <a:cs typeface="Courier New" panose="02070309020205020404" pitchFamily="49" charset="0"/>
+              </a:rPr>
+              <a:t>tolower</a:t>
+            </a:r>
+            <a:r>
+              <a:rPr lang="en-US" sz="2400" dirty="0">
+                <a:latin typeface="Courier New" panose="02070309020205020404" pitchFamily="49" charset="0"/>
+                <a:cs typeface="Courier New" panose="02070309020205020404" pitchFamily="49" charset="0"/>
+              </a:rPr>
+              <a:t>)</a:t>
+            </a:r>
+          </a:p>
+          <a:p>
+            <a:r>
+              <a:rPr lang="en-US" sz="2400" dirty="0" err="1">
+                <a:latin typeface="Courier New" panose="02070309020205020404" pitchFamily="49" charset="0"/>
+                <a:cs typeface="Courier New" panose="02070309020205020404" pitchFamily="49" charset="0"/>
+              </a:rPr>
+              <a:t>tapply</a:t>
+            </a:r>
+            <a:r>
+              <a:rPr lang="en-US" sz="2400" dirty="0">
+                <a:latin typeface="Courier New" panose="02070309020205020404" pitchFamily="49" charset="0"/>
+                <a:cs typeface="Courier New" panose="02070309020205020404" pitchFamily="49" charset="0"/>
+              </a:rPr>
+              <a:t>(column, groups, function)</a:t>
+            </a:r>
+          </a:p>
+          <a:p>
+            <a:pPr lvl="1"/>
+            <a:r>
+              <a:rPr lang="en-US" dirty="0"/>
+              <a:t>Apply a summary function to a column for each of the groups</a:t>
+            </a:r>
+          </a:p>
+          <a:p>
+            <a:pPr lvl="1"/>
+            <a:r>
+              <a:rPr lang="en-US" dirty="0"/>
+              <a:t>Ex: Say </a:t>
+            </a:r>
+            <a:r>
+              <a:rPr lang="en-US" dirty="0" err="1">
+                <a:latin typeface="Courier New" panose="02070309020205020404" pitchFamily="49" charset="0"/>
+                <a:cs typeface="Courier New" panose="02070309020205020404" pitchFamily="49" charset="0"/>
+              </a:rPr>
+              <a:t>gpadf</a:t>
+            </a:r>
+            <a:r>
+              <a:rPr lang="en-US" dirty="0"/>
+              <a:t> is a </a:t>
             </a:r>
             <a:r>
               <a:rPr lang="en-US" dirty="0" err="1"/>
-              <a:t>x_axis</a:t>
-            </a:r>
-            <a:r>
-              <a:rPr lang="en-US" dirty="0"/>
+              <a:t>dataframe</a:t>
+            </a:r>
+            <a:r>
+              <a:rPr lang="en-US" dirty="0"/>
+              <a:t> of students. </a:t>
+            </a:r>
+            <a:r>
+              <a:rPr lang="en-US" dirty="0" err="1">
+                <a:latin typeface="Courier New" panose="02070309020205020404" pitchFamily="49" charset="0"/>
+                <a:cs typeface="Courier New" panose="02070309020205020404" pitchFamily="49" charset="0"/>
+              </a:rPr>
+              <a:t>tapply</a:t>
+            </a:r>
+            <a:r>
+              <a:rPr lang="en-US" dirty="0">
+                <a:latin typeface="Courier New" panose="02070309020205020404" pitchFamily="49" charset="0"/>
+                <a:cs typeface="Courier New" panose="02070309020205020404" pitchFamily="49" charset="0"/>
+              </a:rPr>
+              <a:t>(</a:t>
+            </a:r>
+            <a:r>
+              <a:rPr lang="en-US" dirty="0" err="1">
+                <a:latin typeface="Courier New" panose="02070309020205020404" pitchFamily="49" charset="0"/>
+                <a:cs typeface="Courier New" panose="02070309020205020404" pitchFamily="49" charset="0"/>
+              </a:rPr>
+              <a:t>gpadf$gpa</a:t>
+            </a:r>
+            <a:r>
+              <a:rPr lang="en-US" dirty="0">
+                <a:latin typeface="Courier New" panose="02070309020205020404" pitchFamily="49" charset="0"/>
+                <a:cs typeface="Courier New" panose="02070309020205020404" pitchFamily="49" charset="0"/>
+              </a:rPr>
               <a:t>, </a:t>
             </a:r>
             <a:r>
-              <a:rPr lang="en-US" dirty="0" err="1"/>
-              <a:t>y_axis</a:t>
-            </a:r>
-            <a:r>
-              <a:rPr lang="en-US" dirty="0"/>
-              <a:t>)</a:t>
-            </a:r>
-          </a:p>
-          <a:p>
-            <a:endParaRPr lang="en-US" dirty="0"/>
+              <a:rPr lang="en-US" dirty="0" err="1">
+                <a:latin typeface="Courier New" panose="02070309020205020404" pitchFamily="49" charset="0"/>
+                <a:cs typeface="Courier New" panose="02070309020205020404" pitchFamily="49" charset="0"/>
+              </a:rPr>
+              <a:t>gpadf$major</a:t>
+            </a:r>
+            <a:r>
+              <a:rPr lang="en-US" dirty="0">
+                <a:latin typeface="Courier New" panose="02070309020205020404" pitchFamily="49" charset="0"/>
+                <a:cs typeface="Courier New" panose="02070309020205020404" pitchFamily="49" charset="0"/>
+              </a:rPr>
+              <a:t>, mean)</a:t>
+            </a:r>
+            <a:r>
+              <a:rPr lang="en-US" dirty="0"/>
+              <a:t> will give you the </a:t>
+            </a:r>
+            <a:r>
+              <a:rPr lang="en-US"/>
+              <a:t>average GPA </a:t>
+            </a:r>
+            <a:r>
+              <a:rPr lang="en-US" dirty="0"/>
+              <a:t>for each major!</a:t>
+            </a:r>
           </a:p>
         </p:txBody>
       </p:sp>
@@ -10366,7 +10525,7 @@
           <a:p>
             <a:fld id="{B08FEED8-D7D4-44E9-BFBC-ED06B5996D94}" type="datetime4">
               <a:rPr lang="en-US" smtClean="0"/>
-              <a:t>June 29, 2019</a:t>
+              <a:t>June 30, 2019</a:t>
             </a:fld>
             <a:endParaRPr lang="en-US" dirty="0"/>
           </a:p>
@@ -10449,7 +10608,7 @@
     </p:spTree>
     <p:extLst>
       <p:ext uri="{BB962C8B-B14F-4D97-AF65-F5344CB8AC3E}">
-        <p14:creationId xmlns:p14="http://schemas.microsoft.com/office/powerpoint/2010/main" val="57454111"/>
+        <p14:creationId xmlns:p14="http://schemas.microsoft.com/office/powerpoint/2010/main" val="2319623369"/>
       </p:ext>
     </p:extLst>
   </p:cSld>
@@ -10478,7 +10637,7 @@
       </p:grpSpPr>
       <p:sp>
         <p:nvSpPr>
-          <p:cNvPr id="7" name="Title 6"/>
+          <p:cNvPr id="2" name="Title 1"/>
           <p:cNvSpPr>
             <a:spLocks noGrp="1"/>
           </p:cNvSpPr>
@@ -10493,29 +10652,29 @@
           <a:p>
             <a:r>
               <a:rPr lang="en-US" dirty="0"/>
-              <a:t>HISTOGRAMS</a:t>
-            </a:r>
-          </a:p>
-        </p:txBody>
-      </p:sp>
-      <p:sp>
-        <p:nvSpPr>
-          <p:cNvPr id="8" name="Content Placeholder 7"/>
-          <p:cNvSpPr>
-            <a:spLocks noGrp="1"/>
-          </p:cNvSpPr>
-          <p:nvPr>
-            <p:ph idx="1"/>
-          </p:nvPr>
-        </p:nvSpPr>
-        <p:spPr/>
-        <p:txBody>
-          <a:bodyPr/>
-          <a:lstStyle/>
-          <a:p>
-            <a:r>
-              <a:rPr lang="en-US" dirty="0"/>
-              <a:t>Hist(rows, columns)</a:t>
+              <a:t>VISUALIZATION</a:t>
+            </a:r>
+          </a:p>
+        </p:txBody>
+      </p:sp>
+      <p:sp>
+        <p:nvSpPr>
+          <p:cNvPr id="3" name="Text Placeholder 2"/>
+          <p:cNvSpPr>
+            <a:spLocks noGrp="1"/>
+          </p:cNvSpPr>
+          <p:nvPr>
+            <p:ph type="body" idx="1"/>
+          </p:nvPr>
+        </p:nvSpPr>
+        <p:spPr/>
+        <p:txBody>
+          <a:bodyPr/>
+          <a:lstStyle/>
+          <a:p>
+            <a:r>
+              <a:rPr lang="en-US" dirty="0"/>
+              <a:t>Scatterplots, boxplots, and histograms</a:t>
             </a:r>
           </a:p>
         </p:txBody>
@@ -10620,7 +10779,7 @@
     </p:spTree>
     <p:extLst>
       <p:ext uri="{BB962C8B-B14F-4D97-AF65-F5344CB8AC3E}">
-        <p14:creationId xmlns:p14="http://schemas.microsoft.com/office/powerpoint/2010/main" val="4173686925"/>
+        <p14:creationId xmlns:p14="http://schemas.microsoft.com/office/powerpoint/2010/main" val="2369420591"/>
       </p:ext>
     </p:extLst>
   </p:cSld>
@@ -10664,7 +10823,7 @@
           <a:p>
             <a:r>
               <a:rPr lang="en-US" dirty="0"/>
-              <a:t>BOXPLOTS</a:t>
+              <a:t>SCATTERPLOTS</a:t>
             </a:r>
           </a:p>
         </p:txBody>
@@ -10679,15 +10838,182 @@
             <p:ph idx="1"/>
           </p:nvPr>
         </p:nvSpPr>
-        <p:spPr/>
-        <p:txBody>
-          <a:bodyPr/>
-          <a:lstStyle/>
-          <a:p>
-            <a:r>
-              <a:rPr lang="en-US" dirty="0"/>
-              <a:t>Boxplot(data)</a:t>
-            </a:r>
+        <p:spPr>
+          <a:xfrm>
+            <a:off x="838200" y="1825625"/>
+            <a:ext cx="5154769" cy="4351338"/>
+          </a:xfrm>
+        </p:spPr>
+        <p:txBody>
+          <a:bodyPr/>
+          <a:lstStyle/>
+          <a:p>
+            <a:r>
+              <a:rPr lang="en-US" dirty="0">
+                <a:latin typeface="Courier New" panose="02070309020205020404" pitchFamily="49" charset="0"/>
+                <a:cs typeface="Courier New" panose="02070309020205020404" pitchFamily="49" charset="0"/>
+              </a:rPr>
+              <a:t>plot(</a:t>
+            </a:r>
+            <a:r>
+              <a:rPr lang="en-US" dirty="0" err="1">
+                <a:latin typeface="Courier New" panose="02070309020205020404" pitchFamily="49" charset="0"/>
+                <a:cs typeface="Courier New" panose="02070309020205020404" pitchFamily="49" charset="0"/>
+              </a:rPr>
+              <a:t>x_axis</a:t>
+            </a:r>
+            <a:r>
+              <a:rPr lang="en-US" dirty="0">
+                <a:latin typeface="Courier New" panose="02070309020205020404" pitchFamily="49" charset="0"/>
+                <a:cs typeface="Courier New" panose="02070309020205020404" pitchFamily="49" charset="0"/>
+              </a:rPr>
+              <a:t>, </a:t>
+            </a:r>
+            <a:r>
+              <a:rPr lang="en-US" dirty="0" err="1">
+                <a:latin typeface="Courier New" panose="02070309020205020404" pitchFamily="49" charset="0"/>
+                <a:cs typeface="Courier New" panose="02070309020205020404" pitchFamily="49" charset="0"/>
+              </a:rPr>
+              <a:t>y_axis</a:t>
+            </a:r>
+            <a:r>
+              <a:rPr lang="en-US" dirty="0">
+                <a:latin typeface="Courier New" panose="02070309020205020404" pitchFamily="49" charset="0"/>
+                <a:cs typeface="Courier New" panose="02070309020205020404" pitchFamily="49" charset="0"/>
+              </a:rPr>
+              <a:t>) </a:t>
+            </a:r>
+            <a:r>
+              <a:rPr lang="en-US" dirty="0">
+                <a:cs typeface="Courier New" panose="02070309020205020404" pitchFamily="49" charset="0"/>
+              </a:rPr>
+              <a:t>for vectors </a:t>
+            </a:r>
+            <a:r>
+              <a:rPr lang="en-US" dirty="0" err="1">
+                <a:cs typeface="Courier New" panose="02070309020205020404" pitchFamily="49" charset="0"/>
+              </a:rPr>
+              <a:t>x_axis</a:t>
+            </a:r>
+            <a:r>
+              <a:rPr lang="en-US" dirty="0">
+                <a:cs typeface="Courier New" panose="02070309020205020404" pitchFamily="49" charset="0"/>
+              </a:rPr>
+              <a:t> and </a:t>
+            </a:r>
+            <a:r>
+              <a:rPr lang="en-US" dirty="0" err="1">
+                <a:cs typeface="Courier New" panose="02070309020205020404" pitchFamily="49" charset="0"/>
+              </a:rPr>
+              <a:t>y_axis</a:t>
+            </a:r>
+            <a:endParaRPr lang="en-US" dirty="0">
+              <a:cs typeface="Courier New" panose="02070309020205020404" pitchFamily="49" charset="0"/>
+            </a:endParaRPr>
+          </a:p>
+          <a:p>
+            <a:r>
+              <a:rPr lang="en-US" dirty="0">
+                <a:latin typeface="Courier New" panose="02070309020205020404" pitchFamily="49" charset="0"/>
+                <a:cs typeface="Courier New" panose="02070309020205020404" pitchFamily="49" charset="0"/>
+              </a:rPr>
+              <a:t>plot(</a:t>
+            </a:r>
+            <a:r>
+              <a:rPr lang="en-US" dirty="0" err="1">
+                <a:latin typeface="Courier New" panose="02070309020205020404" pitchFamily="49" charset="0"/>
+                <a:cs typeface="Courier New" panose="02070309020205020404" pitchFamily="49" charset="0"/>
+              </a:rPr>
+              <a:t>dataframe</a:t>
+            </a:r>
+            <a:r>
+              <a:rPr lang="en-US" dirty="0">
+                <a:latin typeface="Courier New" panose="02070309020205020404" pitchFamily="49" charset="0"/>
+                <a:cs typeface="Courier New" panose="02070309020205020404" pitchFamily="49" charset="0"/>
+              </a:rPr>
+              <a:t>) </a:t>
+            </a:r>
+            <a:r>
+              <a:rPr lang="en-US" dirty="0">
+                <a:cs typeface="Courier New" panose="02070309020205020404" pitchFamily="49" charset="0"/>
+              </a:rPr>
+              <a:t>if the data has two columns, will plot the first variable on the x-axis</a:t>
+            </a:r>
+          </a:p>
+          <a:p>
+            <a:r>
+              <a:rPr lang="en-US" dirty="0">
+                <a:cs typeface="Courier New" panose="02070309020205020404" pitchFamily="49" charset="0"/>
+              </a:rPr>
+              <a:t>Use</a:t>
+            </a:r>
+            <a:r>
+              <a:rPr lang="en-US" dirty="0">
+                <a:latin typeface="Courier New" panose="02070309020205020404" pitchFamily="49" charset="0"/>
+                <a:cs typeface="Courier New" panose="02070309020205020404" pitchFamily="49" charset="0"/>
+              </a:rPr>
+              <a:t> </a:t>
+            </a:r>
+            <a:r>
+              <a:rPr lang="en-US" dirty="0" err="1">
+                <a:latin typeface="Courier New" panose="02070309020205020404" pitchFamily="49" charset="0"/>
+                <a:cs typeface="Courier New" panose="02070309020205020404" pitchFamily="49" charset="0"/>
+              </a:rPr>
+              <a:t>xlab</a:t>
+            </a:r>
+            <a:r>
+              <a:rPr lang="en-US" dirty="0">
+                <a:latin typeface="Courier New" panose="02070309020205020404" pitchFamily="49" charset="0"/>
+                <a:cs typeface="Courier New" panose="02070309020205020404" pitchFamily="49" charset="0"/>
+              </a:rPr>
+              <a:t>=“x-axis title”, </a:t>
+            </a:r>
+            <a:r>
+              <a:rPr lang="en-US" dirty="0" err="1">
+                <a:latin typeface="Courier New" panose="02070309020205020404" pitchFamily="49" charset="0"/>
+                <a:cs typeface="Courier New" panose="02070309020205020404" pitchFamily="49" charset="0"/>
+              </a:rPr>
+              <a:t>ylab</a:t>
+            </a:r>
+            <a:r>
+              <a:rPr lang="en-US" dirty="0">
+                <a:latin typeface="Courier New" panose="02070309020205020404" pitchFamily="49" charset="0"/>
+                <a:cs typeface="Courier New" panose="02070309020205020404" pitchFamily="49" charset="0"/>
+              </a:rPr>
+              <a:t>=“y-axis title”, </a:t>
+            </a:r>
+            <a:r>
+              <a:rPr lang="en-US" dirty="0">
+                <a:cs typeface="Courier New" panose="02070309020205020404" pitchFamily="49" charset="0"/>
+              </a:rPr>
+              <a:t>and</a:t>
+            </a:r>
+            <a:r>
+              <a:rPr lang="en-US" dirty="0">
+                <a:latin typeface="Courier New" panose="02070309020205020404" pitchFamily="49" charset="0"/>
+                <a:cs typeface="Courier New" panose="02070309020205020404" pitchFamily="49" charset="0"/>
+              </a:rPr>
+              <a:t> main=“Main Title” </a:t>
+            </a:r>
+            <a:r>
+              <a:rPr lang="en-US" dirty="0">
+                <a:cs typeface="Courier New" panose="02070309020205020404" pitchFamily="49" charset="0"/>
+              </a:rPr>
+              <a:t>to add titles! </a:t>
+            </a:r>
+            <a:endParaRPr lang="en-US" dirty="0">
+              <a:latin typeface="Courier New" panose="02070309020205020404" pitchFamily="49" charset="0"/>
+              <a:cs typeface="Courier New" panose="02070309020205020404" pitchFamily="49" charset="0"/>
+            </a:endParaRPr>
+          </a:p>
+          <a:p>
+            <a:endParaRPr lang="en-US" dirty="0">
+              <a:latin typeface="Courier New" panose="02070309020205020404" pitchFamily="49" charset="0"/>
+              <a:cs typeface="Courier New" panose="02070309020205020404" pitchFamily="49" charset="0"/>
+            </a:endParaRPr>
+          </a:p>
+          <a:p>
+            <a:endParaRPr lang="en-US" dirty="0"/>
           </a:p>
         </p:txBody>
       </p:sp>
@@ -10708,7 +11034,7 @@
           <a:p>
             <a:fld id="{B08FEED8-D7D4-44E9-BFBC-ED06B5996D94}" type="datetime4">
               <a:rPr lang="en-US" smtClean="0"/>
-              <a:t>June 29, 2019</a:t>
+              <a:t>June 30, 2019</a:t>
             </a:fld>
             <a:endParaRPr lang="en-US" dirty="0"/>
           </a:p>
@@ -10788,10 +11114,40 @@
           </a:p>
         </p:txBody>
       </p:sp>
+      <p:pic>
+        <p:nvPicPr>
+          <p:cNvPr id="10" name="Picture 9">
+            <a:extLst>
+              <a:ext uri="{FF2B5EF4-FFF2-40B4-BE49-F238E27FC236}">
+                <a16:creationId xmlns:a16="http://schemas.microsoft.com/office/drawing/2014/main" id="{866F6F03-C661-4FA0-A1B9-AAEDB34F6F78}"/>
+              </a:ext>
+            </a:extLst>
+          </p:cNvPr>
+          <p:cNvPicPr>
+            <a:picLocks noChangeAspect="1"/>
+          </p:cNvPicPr>
+          <p:nvPr/>
+        </p:nvPicPr>
+        <p:blipFill>
+          <a:blip r:embed="rId2"/>
+          <a:stretch>
+            <a:fillRect/>
+          </a:stretch>
+        </p:blipFill>
+        <p:spPr>
+          <a:xfrm>
+            <a:off x="6096000" y="1487940"/>
+            <a:ext cx="5858758" cy="3882119"/>
+          </a:xfrm>
+          <a:prstGeom prst="rect">
+            <a:avLst/>
+          </a:prstGeom>
+        </p:spPr>
+      </p:pic>
     </p:spTree>
     <p:extLst>
       <p:ext uri="{BB962C8B-B14F-4D97-AF65-F5344CB8AC3E}">
-        <p14:creationId xmlns:p14="http://schemas.microsoft.com/office/powerpoint/2010/main" val="2295478352"/>
+        <p14:creationId xmlns:p14="http://schemas.microsoft.com/office/powerpoint/2010/main" val="57454111"/>
       </p:ext>
     </p:extLst>
   </p:cSld>
@@ -10820,13 +11176,7 @@
       </p:grpSpPr>
       <p:sp>
         <p:nvSpPr>
-          <p:cNvPr id="7" name="Title 6">
-            <a:extLst>
-              <a:ext uri="{FF2B5EF4-FFF2-40B4-BE49-F238E27FC236}">
-                <a16:creationId xmlns:a16="http://schemas.microsoft.com/office/drawing/2014/main" id="{184E2338-1026-45D4-9455-B21A88F18B28}"/>
-              </a:ext>
-            </a:extLst>
-          </p:cNvPr>
+          <p:cNvPr id="7" name="Title 6"/>
           <p:cNvSpPr>
             <a:spLocks noGrp="1"/>
           </p:cNvSpPr>
@@ -10841,48 +11191,74 @@
           <a:p>
             <a:r>
               <a:rPr lang="en-US" dirty="0"/>
-              <a:t>MODELING</a:t>
-            </a:r>
-          </a:p>
-        </p:txBody>
-      </p:sp>
-      <p:sp>
-        <p:nvSpPr>
-          <p:cNvPr id="8" name="Text Placeholder 7">
-            <a:extLst>
-              <a:ext uri="{FF2B5EF4-FFF2-40B4-BE49-F238E27FC236}">
-                <a16:creationId xmlns:a16="http://schemas.microsoft.com/office/drawing/2014/main" id="{DB42CCAB-C8E2-48A8-A9DF-EB0383A8B33C}"/>
-              </a:ext>
-            </a:extLst>
-          </p:cNvPr>
-          <p:cNvSpPr>
-            <a:spLocks noGrp="1"/>
-          </p:cNvSpPr>
-          <p:nvPr>
-            <p:ph type="body" idx="1"/>
-          </p:nvPr>
-        </p:nvSpPr>
-        <p:spPr/>
-        <p:txBody>
-          <a:bodyPr/>
-          <a:lstStyle/>
-          <a:p>
-            <a:r>
-              <a:rPr lang="en-US" dirty="0"/>
-              <a:t>Simple and Multiple Linear Regression</a:t>
-            </a:r>
-          </a:p>
-        </p:txBody>
-      </p:sp>
-      <p:sp>
-        <p:nvSpPr>
-          <p:cNvPr id="4" name="Date Placeholder 3">
-            <a:extLst>
-              <a:ext uri="{FF2B5EF4-FFF2-40B4-BE49-F238E27FC236}">
-                <a16:creationId xmlns:a16="http://schemas.microsoft.com/office/drawing/2014/main" id="{1CA94ACB-62A5-4F09-8C21-F0CE9BFB1606}"/>
-              </a:ext>
-            </a:extLst>
-          </p:cNvPr>
+              <a:t>HISTOGRAMS</a:t>
+            </a:r>
+          </a:p>
+        </p:txBody>
+      </p:sp>
+      <p:sp>
+        <p:nvSpPr>
+          <p:cNvPr id="8" name="Content Placeholder 7"/>
+          <p:cNvSpPr>
+            <a:spLocks noGrp="1"/>
+          </p:cNvSpPr>
+          <p:nvPr>
+            <p:ph idx="1"/>
+          </p:nvPr>
+        </p:nvSpPr>
+        <p:spPr>
+          <a:xfrm>
+            <a:off x="838200" y="1825625"/>
+            <a:ext cx="5029200" cy="4351338"/>
+          </a:xfrm>
+        </p:spPr>
+        <p:txBody>
+          <a:bodyPr/>
+          <a:lstStyle/>
+          <a:p>
+            <a:r>
+              <a:rPr lang="en-US" dirty="0">
+                <a:latin typeface="Courier New" panose="02070309020205020404" pitchFamily="49" charset="0"/>
+                <a:cs typeface="Courier New" panose="02070309020205020404" pitchFamily="49" charset="0"/>
+              </a:rPr>
+              <a:t>hist(values)</a:t>
+            </a:r>
+          </a:p>
+          <a:p>
+            <a:pPr lvl="1"/>
+            <a:r>
+              <a:rPr lang="en-US" dirty="0">
+                <a:cs typeface="Courier New" panose="02070309020205020404" pitchFamily="49" charset="0"/>
+              </a:rPr>
+              <a:t>Plots how many values fit into each of a number of equal-sized sections</a:t>
+            </a:r>
+          </a:p>
+          <a:p>
+            <a:pPr lvl="1"/>
+            <a:r>
+              <a:rPr lang="en-US" dirty="0">
+                <a:cs typeface="Courier New" panose="02070309020205020404" pitchFamily="49" charset="0"/>
+              </a:rPr>
+              <a:t>Mildly interesting: you can pass breaks=“</a:t>
+            </a:r>
+            <a:r>
+              <a:rPr lang="en-US" dirty="0" err="1">
+                <a:cs typeface="Courier New" panose="02070309020205020404" pitchFamily="49" charset="0"/>
+              </a:rPr>
+              <a:t>scott</a:t>
+            </a:r>
+            <a:r>
+              <a:rPr lang="en-US" dirty="0">
+                <a:cs typeface="Courier New" panose="02070309020205020404" pitchFamily="49" charset="0"/>
+              </a:rPr>
+              <a:t>” to employ an algorithm to automatically determine a bin size. This is named in honor of a Rice professor’s work!</a:t>
+            </a:r>
+          </a:p>
+        </p:txBody>
+      </p:sp>
+      <p:sp>
+        <p:nvSpPr>
+          <p:cNvPr id="4" name="Date Placeholder 3"/>
           <p:cNvSpPr>
             <a:spLocks noGrp="1"/>
           </p:cNvSpPr>
@@ -10895,7 +11271,7 @@
           <a:bodyPr/>
           <a:lstStyle/>
           <a:p>
-            <a:fld id="{8AAE40A0-A7D8-4DC3-BC9E-BADA32DA2004}" type="datetime4">
+            <a:fld id="{B08FEED8-D7D4-44E9-BFBC-ED06B5996D94}" type="datetime4">
               <a:rPr lang="en-US" smtClean="0"/>
               <a:t>June 29, 2019</a:t>
             </a:fld>
@@ -10905,13 +11281,7 @@
       </p:sp>
       <p:sp>
         <p:nvSpPr>
-          <p:cNvPr id="5" name="Footer Placeholder 4">
-            <a:extLst>
-              <a:ext uri="{FF2B5EF4-FFF2-40B4-BE49-F238E27FC236}">
-                <a16:creationId xmlns:a16="http://schemas.microsoft.com/office/drawing/2014/main" id="{D20B02B0-893D-4696-B6F7-A126B8D18E99}"/>
-              </a:ext>
-            </a:extLst>
-          </p:cNvPr>
+          <p:cNvPr id="5" name="Footer Placeholder 4"/>
           <p:cNvSpPr>
             <a:spLocks noGrp="1"/>
           </p:cNvSpPr>
@@ -10962,13 +11332,7 @@
       </p:sp>
       <p:sp>
         <p:nvSpPr>
-          <p:cNvPr id="6" name="Slide Number Placeholder 5">
-            <a:extLst>
-              <a:ext uri="{FF2B5EF4-FFF2-40B4-BE49-F238E27FC236}">
-                <a16:creationId xmlns:a16="http://schemas.microsoft.com/office/drawing/2014/main" id="{1CFDA495-0063-4571-8969-0DD770DB39E0}"/>
-              </a:ext>
-            </a:extLst>
-          </p:cNvPr>
+          <p:cNvPr id="6" name="Slide Number Placeholder 5"/>
           <p:cNvSpPr>
             <a:spLocks noGrp="1"/>
           </p:cNvSpPr>
@@ -10989,10 +11353,40 @@
           </a:p>
         </p:txBody>
       </p:sp>
+      <p:pic>
+        <p:nvPicPr>
+          <p:cNvPr id="3" name="Picture 2">
+            <a:extLst>
+              <a:ext uri="{FF2B5EF4-FFF2-40B4-BE49-F238E27FC236}">
+                <a16:creationId xmlns:a16="http://schemas.microsoft.com/office/drawing/2014/main" id="{6BF03F00-A228-4F94-A282-584F7578A5AA}"/>
+              </a:ext>
+            </a:extLst>
+          </p:cNvPr>
+          <p:cNvPicPr>
+            <a:picLocks noChangeAspect="1"/>
+          </p:cNvPicPr>
+          <p:nvPr/>
+        </p:nvPicPr>
+        <p:blipFill>
+          <a:blip r:embed="rId2"/>
+          <a:stretch>
+            <a:fillRect/>
+          </a:stretch>
+        </p:blipFill>
+        <p:spPr>
+          <a:xfrm>
+            <a:off x="5941452" y="1455411"/>
+            <a:ext cx="5967905" cy="3954442"/>
+          </a:xfrm>
+          <a:prstGeom prst="rect">
+            <a:avLst/>
+          </a:prstGeom>
+        </p:spPr>
+      </p:pic>
     </p:spTree>
     <p:extLst>
       <p:ext uri="{BB962C8B-B14F-4D97-AF65-F5344CB8AC3E}">
-        <p14:creationId xmlns:p14="http://schemas.microsoft.com/office/powerpoint/2010/main" val="405926125"/>
+        <p14:creationId xmlns:p14="http://schemas.microsoft.com/office/powerpoint/2010/main" val="4173686925"/>
       </p:ext>
     </p:extLst>
   </p:cSld>
@@ -11036,7 +11430,7 @@
           <a:p>
             <a:r>
               <a:rPr lang="en-US" dirty="0"/>
-              <a:t>LINEAR MODELING</a:t>
+              <a:t>BOXPLOTS</a:t>
             </a:r>
           </a:p>
         </p:txBody>
@@ -11051,18 +11445,49 @@
             <p:ph idx="1"/>
           </p:nvPr>
         </p:nvSpPr>
-        <p:spPr/>
-        <p:txBody>
-          <a:bodyPr/>
-          <a:lstStyle/>
-          <a:p>
-            <a:r>
-              <a:rPr lang="en-US" dirty="0" err="1"/>
-              <a:t>Lm</a:t>
-            </a:r>
-            <a:r>
-              <a:rPr lang="en-US" dirty="0"/>
-              <a:t>()</a:t>
+        <p:spPr>
+          <a:xfrm>
+            <a:off x="838200" y="1825625"/>
+            <a:ext cx="4536583" cy="4351338"/>
+          </a:xfrm>
+        </p:spPr>
+        <p:txBody>
+          <a:bodyPr/>
+          <a:lstStyle/>
+          <a:p>
+            <a:r>
+              <a:rPr lang="en-US" dirty="0">
+                <a:latin typeface="Courier New" panose="02070309020205020404" pitchFamily="49" charset="0"/>
+                <a:cs typeface="Courier New" panose="02070309020205020404" pitchFamily="49" charset="0"/>
+              </a:rPr>
+              <a:t>boxplot(column)</a:t>
+            </a:r>
+          </a:p>
+          <a:p>
+            <a:pPr lvl="1"/>
+            <a:r>
+              <a:rPr lang="en-US" dirty="0">
+                <a:cs typeface="Courier New" panose="02070309020205020404" pitchFamily="49" charset="0"/>
+              </a:rPr>
+              <a:t>Similar visualization to a histogram</a:t>
+            </a:r>
+          </a:p>
+          <a:p>
+            <a:pPr lvl="1"/>
+            <a:r>
+              <a:rPr lang="en-US" dirty="0">
+                <a:cs typeface="Courier New" panose="02070309020205020404" pitchFamily="49" charset="0"/>
+              </a:rPr>
+              <a:t>Shows the minimum, 25% percentile, median, 75% percentile, and maximum</a:t>
+            </a:r>
+          </a:p>
+          <a:p>
+            <a:pPr lvl="1"/>
+            <a:r>
+              <a:rPr lang="en-US" dirty="0">
+                <a:cs typeface="Courier New" panose="02070309020205020404" pitchFamily="49" charset="0"/>
+              </a:rPr>
+              <a:t>Also will detect and show outliers</a:t>
             </a:r>
           </a:p>
         </p:txBody>
@@ -11164,10 +11589,40 @@
           </a:p>
         </p:txBody>
       </p:sp>
+      <p:pic>
+        <p:nvPicPr>
+          <p:cNvPr id="3" name="Picture 2">
+            <a:extLst>
+              <a:ext uri="{FF2B5EF4-FFF2-40B4-BE49-F238E27FC236}">
+                <a16:creationId xmlns:a16="http://schemas.microsoft.com/office/drawing/2014/main" id="{B76A2BD9-4371-473A-8E8E-321697E13D81}"/>
+              </a:ext>
+            </a:extLst>
+          </p:cNvPr>
+          <p:cNvPicPr>
+            <a:picLocks noChangeAspect="1"/>
+          </p:cNvPicPr>
+          <p:nvPr/>
+        </p:nvPicPr>
+        <p:blipFill>
+          <a:blip r:embed="rId2"/>
+          <a:stretch>
+            <a:fillRect/>
+          </a:stretch>
+        </p:blipFill>
+        <p:spPr>
+          <a:xfrm>
+            <a:off x="4987724" y="1210489"/>
+            <a:ext cx="7059010" cy="4677428"/>
+          </a:xfrm>
+          <a:prstGeom prst="rect">
+            <a:avLst/>
+          </a:prstGeom>
+        </p:spPr>
+      </p:pic>
     </p:spTree>
     <p:extLst>
       <p:ext uri="{BB962C8B-B14F-4D97-AF65-F5344CB8AC3E}">
-        <p14:creationId xmlns:p14="http://schemas.microsoft.com/office/powerpoint/2010/main" val="2363324190"/>
+        <p14:creationId xmlns:p14="http://schemas.microsoft.com/office/powerpoint/2010/main" val="2295478352"/>
       </p:ext>
     </p:extLst>
   </p:cSld>
@@ -11446,7 +11901,13 @@
       </p:grpSpPr>
       <p:sp>
         <p:nvSpPr>
-          <p:cNvPr id="7" name="Title 6"/>
+          <p:cNvPr id="7" name="Title 6">
+            <a:extLst>
+              <a:ext uri="{FF2B5EF4-FFF2-40B4-BE49-F238E27FC236}">
+                <a16:creationId xmlns:a16="http://schemas.microsoft.com/office/drawing/2014/main" id="{184E2338-1026-45D4-9455-B21A88F18B28}"/>
+              </a:ext>
+            </a:extLst>
+          </p:cNvPr>
           <p:cNvSpPr>
             <a:spLocks noGrp="1"/>
           </p:cNvSpPr>
@@ -11461,48 +11922,48 @@
           <a:p>
             <a:r>
               <a:rPr lang="en-US" dirty="0"/>
-              <a:t>VISUALIZING LINEAR MODELS</a:t>
-            </a:r>
-          </a:p>
-        </p:txBody>
-      </p:sp>
-      <p:sp>
-        <p:nvSpPr>
-          <p:cNvPr id="8" name="Content Placeholder 7"/>
-          <p:cNvSpPr>
-            <a:spLocks noGrp="1"/>
-          </p:cNvSpPr>
-          <p:nvPr>
-            <p:ph idx="1"/>
-          </p:nvPr>
-        </p:nvSpPr>
-        <p:spPr/>
-        <p:txBody>
-          <a:bodyPr/>
-          <a:lstStyle/>
-          <a:p>
-            <a:r>
-              <a:rPr lang="en-US" dirty="0" err="1"/>
-              <a:t>Abline</a:t>
-            </a:r>
-            <a:r>
-              <a:rPr lang="en-US" dirty="0"/>
-              <a:t>(</a:t>
-            </a:r>
-            <a:r>
-              <a:rPr lang="en-US" err="1"/>
-              <a:t>lm</a:t>
-            </a:r>
-            <a:r>
-              <a:rPr lang="en-US"/>
-              <a:t>$coeff)</a:t>
-            </a:r>
-          </a:p>
-        </p:txBody>
-      </p:sp>
-      <p:sp>
-        <p:nvSpPr>
-          <p:cNvPr id="4" name="Date Placeholder 3"/>
+              <a:t>MODELING</a:t>
+            </a:r>
+          </a:p>
+        </p:txBody>
+      </p:sp>
+      <p:sp>
+        <p:nvSpPr>
+          <p:cNvPr id="8" name="Text Placeholder 7">
+            <a:extLst>
+              <a:ext uri="{FF2B5EF4-FFF2-40B4-BE49-F238E27FC236}">
+                <a16:creationId xmlns:a16="http://schemas.microsoft.com/office/drawing/2014/main" id="{DB42CCAB-C8E2-48A8-A9DF-EB0383A8B33C}"/>
+              </a:ext>
+            </a:extLst>
+          </p:cNvPr>
+          <p:cNvSpPr>
+            <a:spLocks noGrp="1"/>
+          </p:cNvSpPr>
+          <p:nvPr>
+            <p:ph type="body" idx="1"/>
+          </p:nvPr>
+        </p:nvSpPr>
+        <p:spPr/>
+        <p:txBody>
+          <a:bodyPr/>
+          <a:lstStyle/>
+          <a:p>
+            <a:r>
+              <a:rPr lang="en-US" dirty="0"/>
+              <a:t>Simple Linear Regression and plotting</a:t>
+            </a:r>
+          </a:p>
+        </p:txBody>
+      </p:sp>
+      <p:sp>
+        <p:nvSpPr>
+          <p:cNvPr id="4" name="Date Placeholder 3">
+            <a:extLst>
+              <a:ext uri="{FF2B5EF4-FFF2-40B4-BE49-F238E27FC236}">
+                <a16:creationId xmlns:a16="http://schemas.microsoft.com/office/drawing/2014/main" id="{1CA94ACB-62A5-4F09-8C21-F0CE9BFB1606}"/>
+              </a:ext>
+            </a:extLst>
+          </p:cNvPr>
           <p:cNvSpPr>
             <a:spLocks noGrp="1"/>
           </p:cNvSpPr>
@@ -11515,7 +11976,7 @@
           <a:bodyPr/>
           <a:lstStyle/>
           <a:p>
-            <a:fld id="{B08FEED8-D7D4-44E9-BFBC-ED06B5996D94}" type="datetime4">
+            <a:fld id="{8AAE40A0-A7D8-4DC3-BC9E-BADA32DA2004}" type="datetime4">
               <a:rPr lang="en-US" smtClean="0"/>
               <a:t>June 29, 2019</a:t>
             </a:fld>
@@ -11525,7 +11986,13 @@
       </p:sp>
       <p:sp>
         <p:nvSpPr>
-          <p:cNvPr id="5" name="Footer Placeholder 4"/>
+          <p:cNvPr id="5" name="Footer Placeholder 4">
+            <a:extLst>
+              <a:ext uri="{FF2B5EF4-FFF2-40B4-BE49-F238E27FC236}">
+                <a16:creationId xmlns:a16="http://schemas.microsoft.com/office/drawing/2014/main" id="{D20B02B0-893D-4696-B6F7-A126B8D18E99}"/>
+              </a:ext>
+            </a:extLst>
+          </p:cNvPr>
           <p:cNvSpPr>
             <a:spLocks noGrp="1"/>
           </p:cNvSpPr>
@@ -11576,7 +12043,13 @@
       </p:sp>
       <p:sp>
         <p:nvSpPr>
-          <p:cNvPr id="6" name="Slide Number Placeholder 5"/>
+          <p:cNvPr id="6" name="Slide Number Placeholder 5">
+            <a:extLst>
+              <a:ext uri="{FF2B5EF4-FFF2-40B4-BE49-F238E27FC236}">
+                <a16:creationId xmlns:a16="http://schemas.microsoft.com/office/drawing/2014/main" id="{1CFDA495-0063-4571-8969-0DD770DB39E0}"/>
+              </a:ext>
+            </a:extLst>
+          </p:cNvPr>
           <p:cNvSpPr>
             <a:spLocks noGrp="1"/>
           </p:cNvSpPr>
@@ -11600,7 +12073,7 @@
     </p:spTree>
     <p:extLst>
       <p:ext uri="{BB962C8B-B14F-4D97-AF65-F5344CB8AC3E}">
-        <p14:creationId xmlns:p14="http://schemas.microsoft.com/office/powerpoint/2010/main" val="3947473994"/>
+        <p14:creationId xmlns:p14="http://schemas.microsoft.com/office/powerpoint/2010/main" val="405926125"/>
       </p:ext>
     </p:extLst>
   </p:cSld>
@@ -11629,6 +12102,675 @@
       </p:grpSpPr>
       <p:sp>
         <p:nvSpPr>
+          <p:cNvPr id="7" name="Title 6"/>
+          <p:cNvSpPr>
+            <a:spLocks noGrp="1"/>
+          </p:cNvSpPr>
+          <p:nvPr>
+            <p:ph type="title"/>
+          </p:nvPr>
+        </p:nvSpPr>
+        <p:spPr/>
+        <p:txBody>
+          <a:bodyPr/>
+          <a:lstStyle/>
+          <a:p>
+            <a:r>
+              <a:rPr lang="en-US" dirty="0"/>
+              <a:t>LINEAR MODELING</a:t>
+            </a:r>
+          </a:p>
+        </p:txBody>
+      </p:sp>
+      <mc:AlternateContent xmlns:mc="http://schemas.openxmlformats.org/markup-compatibility/2006">
+        <mc:Choice xmlns:a14="http://schemas.microsoft.com/office/drawing/2010/main" Requires="a14">
+          <p:sp>
+            <p:nvSpPr>
+              <p:cNvPr id="8" name="Content Placeholder 7"/>
+              <p:cNvSpPr>
+                <a:spLocks noGrp="1"/>
+              </p:cNvSpPr>
+              <p:nvPr>
+                <p:ph idx="1"/>
+              </p:nvPr>
+            </p:nvSpPr>
+            <p:spPr>
+              <a:xfrm>
+                <a:off x="838200" y="1825625"/>
+                <a:ext cx="10515600" cy="4351338"/>
+              </a:xfrm>
+            </p:spPr>
+            <p:txBody>
+              <a:bodyPr/>
+              <a:lstStyle/>
+              <a:p>
+                <a:r>
+                  <a:rPr lang="en-US" dirty="0"/>
+                  <a:t>R uses the </a:t>
+                </a:r>
+                <a:r>
+                  <a:rPr lang="en-US" dirty="0" err="1">
+                    <a:latin typeface="Courier New" panose="02070309020205020404" pitchFamily="49" charset="0"/>
+                    <a:cs typeface="Courier New" panose="02070309020205020404" pitchFamily="49" charset="0"/>
+                  </a:rPr>
+                  <a:t>lm</a:t>
+                </a:r>
+                <a:r>
+                  <a:rPr lang="en-US" dirty="0">
+                    <a:latin typeface="Courier New" panose="02070309020205020404" pitchFamily="49" charset="0"/>
+                    <a:cs typeface="Courier New" panose="02070309020205020404" pitchFamily="49" charset="0"/>
+                  </a:rPr>
+                  <a:t> </a:t>
+                </a:r>
+                <a:r>
+                  <a:rPr lang="en-US" dirty="0">
+                    <a:cs typeface="Courier New" panose="02070309020205020404" pitchFamily="49" charset="0"/>
+                  </a:rPr>
+                  <a:t>command (linear model) to produce statistical models very quickly</a:t>
+                </a:r>
+              </a:p>
+              <a:p>
+                <a:r>
+                  <a:rPr lang="en-US" dirty="0">
+                    <a:cs typeface="Courier New" panose="02070309020205020404" pitchFamily="49" charset="0"/>
+                  </a:rPr>
+                  <a:t>The syntax can be confusing. Type </a:t>
+                </a:r>
+                <a:r>
+                  <a:rPr lang="en-US" dirty="0">
+                    <a:latin typeface="Courier New" panose="02070309020205020404" pitchFamily="49" charset="0"/>
+                    <a:cs typeface="Courier New" panose="02070309020205020404" pitchFamily="49" charset="0"/>
+                  </a:rPr>
+                  <a:t>model &lt;- </a:t>
+                </a:r>
+                <a:r>
+                  <a:rPr lang="en-US" dirty="0" err="1">
+                    <a:latin typeface="Courier New" panose="02070309020205020404" pitchFamily="49" charset="0"/>
+                    <a:cs typeface="Courier New" panose="02070309020205020404" pitchFamily="49" charset="0"/>
+                  </a:rPr>
+                  <a:t>lm</a:t>
+                </a:r>
+                <a:r>
+                  <a:rPr lang="en-US" dirty="0">
+                    <a:latin typeface="Courier New" panose="02070309020205020404" pitchFamily="49" charset="0"/>
+                    <a:cs typeface="Courier New" panose="02070309020205020404" pitchFamily="49" charset="0"/>
+                  </a:rPr>
+                  <a:t>(y ~ x)</a:t>
+                </a:r>
+                <a:r>
+                  <a:rPr lang="en-US" dirty="0">
+                    <a:cs typeface="Courier New" panose="02070309020205020404" pitchFamily="49" charset="0"/>
+                  </a:rPr>
+                  <a:t>to model an expression of the form </a:t>
+                </a:r>
+                <a14:m>
+                  <m:oMath xmlns:m="http://schemas.openxmlformats.org/officeDocument/2006/math">
+                    <m:r>
+                      <m:rPr>
+                        <m:sty m:val="p"/>
+                      </m:rPr>
+                      <a:rPr lang="en-US" b="0" i="0" smtClean="0">
+                        <a:latin typeface="Cambria Math" panose="02040503050406030204" pitchFamily="18" charset="0"/>
+                        <a:cs typeface="Courier New" panose="02070309020205020404" pitchFamily="49" charset="0"/>
+                      </a:rPr>
+                      <m:t>y</m:t>
+                    </m:r>
+                    <m:r>
+                      <a:rPr lang="en-US" i="1" smtClean="0">
+                        <a:latin typeface="Cambria Math" panose="02040503050406030204" pitchFamily="18" charset="0"/>
+                        <a:cs typeface="Courier New" panose="02070309020205020404" pitchFamily="49" charset="0"/>
+                      </a:rPr>
+                      <m:t>=</m:t>
+                    </m:r>
+                    <m:r>
+                      <a:rPr lang="en-US" b="0" i="1" smtClean="0">
+                        <a:latin typeface="Cambria Math" panose="02040503050406030204" pitchFamily="18" charset="0"/>
+                        <a:cs typeface="Courier New" panose="02070309020205020404" pitchFamily="49" charset="0"/>
+                      </a:rPr>
+                      <m:t>𝑚𝑥</m:t>
+                    </m:r>
+                    <m:r>
+                      <a:rPr lang="en-US" b="0" i="1" smtClean="0">
+                        <a:latin typeface="Cambria Math" panose="02040503050406030204" pitchFamily="18" charset="0"/>
+                        <a:cs typeface="Courier New" panose="02070309020205020404" pitchFamily="49" charset="0"/>
+                      </a:rPr>
+                      <m:t>+</m:t>
+                    </m:r>
+                    <m:r>
+                      <a:rPr lang="en-US" b="0" i="1" smtClean="0">
+                        <a:latin typeface="Cambria Math" panose="02040503050406030204" pitchFamily="18" charset="0"/>
+                        <a:cs typeface="Courier New" panose="02070309020205020404" pitchFamily="49" charset="0"/>
+                      </a:rPr>
+                      <m:t>𝑏</m:t>
+                    </m:r>
+                  </m:oMath>
+                </a14:m>
+                <a:r>
+                  <a:rPr lang="en-US" dirty="0"/>
+                  <a:t>. </a:t>
+                </a:r>
+              </a:p>
+              <a:p>
+                <a:pPr lvl="1"/>
+                <a:r>
+                  <a:rPr lang="en-US" dirty="0"/>
+                  <a:t>Expressions like </a:t>
+                </a:r>
+                <a:r>
+                  <a:rPr lang="en-US" dirty="0">
+                    <a:latin typeface="Courier New" panose="02070309020205020404" pitchFamily="49" charset="0"/>
+                    <a:cs typeface="Courier New" panose="02070309020205020404" pitchFamily="49" charset="0"/>
+                  </a:rPr>
+                  <a:t>y ~ x</a:t>
+                </a:r>
+                <a:r>
+                  <a:rPr lang="en-US" dirty="0"/>
+                  <a:t> are called </a:t>
+                </a:r>
+                <a:r>
+                  <a:rPr lang="en-US" b="1" dirty="0"/>
+                  <a:t>formulas</a:t>
+                </a:r>
+                <a:r>
+                  <a:rPr lang="en-US" dirty="0"/>
+                  <a:t> in R. </a:t>
+                </a:r>
+              </a:p>
+              <a:p>
+                <a:r>
+                  <a:rPr lang="en-US" dirty="0"/>
+                  <a:t>Model is now a variable containing a lot of useful information!</a:t>
+                </a:r>
+              </a:p>
+              <a:p>
+                <a:pPr lvl="1"/>
+                <a:r>
+                  <a:rPr lang="en-US" dirty="0" err="1">
+                    <a:latin typeface="Courier New" panose="02070309020205020404" pitchFamily="49" charset="0"/>
+                    <a:cs typeface="Courier New" panose="02070309020205020404" pitchFamily="49" charset="0"/>
+                  </a:rPr>
+                  <a:t>model$fitted.values</a:t>
+                </a:r>
+                <a:endParaRPr lang="en-US" dirty="0">
+                  <a:latin typeface="Courier New" panose="02070309020205020404" pitchFamily="49" charset="0"/>
+                  <a:cs typeface="Courier New" panose="02070309020205020404" pitchFamily="49" charset="0"/>
+                </a:endParaRPr>
+              </a:p>
+              <a:p>
+                <a:pPr lvl="1"/>
+                <a:r>
+                  <a:rPr lang="en-US" dirty="0" err="1">
+                    <a:latin typeface="Courier New" panose="02070309020205020404" pitchFamily="49" charset="0"/>
+                    <a:cs typeface="Courier New" panose="02070309020205020404" pitchFamily="49" charset="0"/>
+                  </a:rPr>
+                  <a:t>model$coefficiets</a:t>
+                </a:r>
+                <a:endParaRPr lang="en-US" dirty="0">
+                  <a:latin typeface="Courier New" panose="02070309020205020404" pitchFamily="49" charset="0"/>
+                  <a:cs typeface="Courier New" panose="02070309020205020404" pitchFamily="49" charset="0"/>
+                </a:endParaRPr>
+              </a:p>
+              <a:p>
+                <a:pPr lvl="1"/>
+                <a:endParaRPr lang="en-US" dirty="0"/>
+              </a:p>
+            </p:txBody>
+          </p:sp>
+        </mc:Choice>
+        <mc:Fallback>
+          <p:sp>
+            <p:nvSpPr>
+              <p:cNvPr id="8" name="Content Placeholder 7"/>
+              <p:cNvSpPr>
+                <a:spLocks noGrp="1" noRot="1" noChangeAspect="1" noMove="1" noResize="1" noEditPoints="1" noAdjustHandles="1" noChangeArrowheads="1" noChangeShapeType="1" noTextEdit="1"/>
+              </p:cNvSpPr>
+              <p:nvPr>
+                <p:ph idx="1"/>
+              </p:nvPr>
+            </p:nvSpPr>
+            <p:spPr>
+              <a:xfrm>
+                <a:off x="838200" y="1825625"/>
+                <a:ext cx="10515600" cy="4351338"/>
+              </a:xfrm>
+              <a:blipFill>
+                <a:blip r:embed="rId2"/>
+                <a:stretch>
+                  <a:fillRect l="-1043" t="-2381" r="-1855"/>
+                </a:stretch>
+              </a:blipFill>
+            </p:spPr>
+            <p:txBody>
+              <a:bodyPr/>
+              <a:lstStyle/>
+              <a:p>
+                <a:r>
+                  <a:rPr lang="en-US">
+                    <a:noFill/>
+                  </a:rPr>
+                  <a:t> </a:t>
+                </a:r>
+              </a:p>
+            </p:txBody>
+          </p:sp>
+        </mc:Fallback>
+      </mc:AlternateContent>
+      <p:sp>
+        <p:nvSpPr>
+          <p:cNvPr id="4" name="Date Placeholder 3"/>
+          <p:cNvSpPr>
+            <a:spLocks noGrp="1"/>
+          </p:cNvSpPr>
+          <p:nvPr>
+            <p:ph type="dt" sz="half" idx="10"/>
+          </p:nvPr>
+        </p:nvSpPr>
+        <p:spPr/>
+        <p:txBody>
+          <a:bodyPr/>
+          <a:lstStyle/>
+          <a:p>
+            <a:fld id="{B08FEED8-D7D4-44E9-BFBC-ED06B5996D94}" type="datetime4">
+              <a:rPr lang="en-US" smtClean="0"/>
+              <a:t>June 29, 2019</a:t>
+            </a:fld>
+            <a:endParaRPr lang="en-US" dirty="0"/>
+          </a:p>
+        </p:txBody>
+      </p:sp>
+      <p:sp>
+        <p:nvSpPr>
+          <p:cNvPr id="5" name="Footer Placeholder 4"/>
+          <p:cNvSpPr>
+            <a:spLocks noGrp="1"/>
+          </p:cNvSpPr>
+          <p:nvPr>
+            <p:ph type="ftr" sz="quarter" idx="11"/>
+          </p:nvPr>
+        </p:nvSpPr>
+        <p:spPr/>
+        <p:txBody>
+          <a:bodyPr/>
+          <a:lstStyle/>
+          <a:p>
+            <a:r>
+              <a:rPr lang="en-US"/>
+              <a:t>Digital Scholarship Services </a:t>
+            </a:r>
+            <a:r>
+              <a:rPr lang="en-US">
+                <a:solidFill>
+                  <a:schemeClr val="accent1">
+                    <a:lumMod val="50000"/>
+                  </a:schemeClr>
+                </a:solidFill>
+              </a:rPr>
+              <a:t>| Email</a:t>
+            </a:r>
+            <a:r>
+              <a:rPr lang="en-US"/>
+              <a:t> cf24@rice.edu </a:t>
+            </a:r>
+            <a:r>
+              <a:rPr lang="en-US">
+                <a:solidFill>
+                  <a:schemeClr val="accent1">
+                    <a:lumMod val="50000"/>
+                  </a:schemeClr>
+                </a:solidFill>
+              </a:rPr>
+              <a:t>|</a:t>
+            </a:r>
+            <a:r>
+              <a:rPr lang="en-US"/>
+              <a:t> library.rice.edu/dss</a:t>
+            </a:r>
+            <a:endParaRPr lang="en-US" dirty="0"/>
+          </a:p>
+        </p:txBody>
+      </p:sp>
+      <p:sp>
+        <p:nvSpPr>
+          <p:cNvPr id="6" name="Slide Number Placeholder 5"/>
+          <p:cNvSpPr>
+            <a:spLocks noGrp="1"/>
+          </p:cNvSpPr>
+          <p:nvPr>
+            <p:ph type="sldNum" sz="quarter" idx="12"/>
+          </p:nvPr>
+        </p:nvSpPr>
+        <p:spPr/>
+        <p:txBody>
+          <a:bodyPr/>
+          <a:lstStyle/>
+          <a:p>
+            <a:fld id="{D57F1E4F-1CFF-5643-939E-02111984F565}" type="slidenum">
+              <a:rPr lang="en-US" smtClean="0"/>
+              <a:t>41</a:t>
+            </a:fld>
+            <a:endParaRPr lang="en-US" dirty="0"/>
+          </a:p>
+        </p:txBody>
+      </p:sp>
+    </p:spTree>
+    <p:extLst>
+      <p:ext uri="{BB962C8B-B14F-4D97-AF65-F5344CB8AC3E}">
+        <p14:creationId xmlns:p14="http://schemas.microsoft.com/office/powerpoint/2010/main" val="2363324190"/>
+      </p:ext>
+    </p:extLst>
+  </p:cSld>
+  <p:clrMapOvr>
+    <a:masterClrMapping/>
+  </p:clrMapOvr>
+</p:sld>
+</file>
+
+<file path=ppt/slides/slide42.xml><?xml version="1.0" encoding="utf-8"?>
+<p:sld xmlns:a="http://schemas.openxmlformats.org/drawingml/2006/main" xmlns:r="http://schemas.openxmlformats.org/officeDocument/2006/relationships" xmlns:p="http://schemas.openxmlformats.org/presentationml/2006/main">
+  <p:cSld>
+    <p:spTree>
+      <p:nvGrpSpPr>
+        <p:cNvPr id="1" name=""/>
+        <p:cNvGrpSpPr/>
+        <p:nvPr/>
+      </p:nvGrpSpPr>
+      <p:grpSpPr>
+        <a:xfrm>
+          <a:off x="0" y="0"/>
+          <a:ext cx="0" cy="0"/>
+          <a:chOff x="0" y="0"/>
+          <a:chExt cx="0" cy="0"/>
+        </a:xfrm>
+      </p:grpSpPr>
+      <p:sp>
+        <p:nvSpPr>
+          <p:cNvPr id="7" name="Title 6"/>
+          <p:cNvSpPr>
+            <a:spLocks noGrp="1"/>
+          </p:cNvSpPr>
+          <p:nvPr>
+            <p:ph type="title"/>
+          </p:nvPr>
+        </p:nvSpPr>
+        <p:spPr/>
+        <p:txBody>
+          <a:bodyPr/>
+          <a:lstStyle/>
+          <a:p>
+            <a:r>
+              <a:rPr lang="en-US" dirty="0"/>
+              <a:t>VISUALIZING LINEAR MODELS</a:t>
+            </a:r>
+          </a:p>
+        </p:txBody>
+      </p:sp>
+      <p:sp>
+        <p:nvSpPr>
+          <p:cNvPr id="8" name="Content Placeholder 7"/>
+          <p:cNvSpPr>
+            <a:spLocks noGrp="1"/>
+          </p:cNvSpPr>
+          <p:nvPr>
+            <p:ph idx="1"/>
+          </p:nvPr>
+        </p:nvSpPr>
+        <p:spPr>
+          <a:xfrm>
+            <a:off x="838200" y="1825625"/>
+            <a:ext cx="5257800" cy="4351338"/>
+          </a:xfrm>
+        </p:spPr>
+        <p:txBody>
+          <a:bodyPr/>
+          <a:lstStyle/>
+          <a:p>
+            <a:r>
+              <a:rPr lang="en-US" dirty="0">
+                <a:cs typeface="Courier New" panose="02070309020205020404" pitchFamily="49" charset="0"/>
+              </a:rPr>
+              <a:t>Use </a:t>
+            </a:r>
+            <a:r>
+              <a:rPr lang="en-US" dirty="0" err="1">
+                <a:latin typeface="Courier New" panose="02070309020205020404" pitchFamily="49" charset="0"/>
+                <a:cs typeface="Courier New" panose="02070309020205020404" pitchFamily="49" charset="0"/>
+              </a:rPr>
+              <a:t>abline</a:t>
+            </a:r>
+            <a:r>
+              <a:rPr lang="en-US" dirty="0">
+                <a:latin typeface="Courier New" panose="02070309020205020404" pitchFamily="49" charset="0"/>
+                <a:cs typeface="Courier New" panose="02070309020205020404" pitchFamily="49" charset="0"/>
+              </a:rPr>
+              <a:t>(</a:t>
+            </a:r>
+            <a:r>
+              <a:rPr lang="en-US" dirty="0" err="1">
+                <a:latin typeface="Courier New" panose="02070309020205020404" pitchFamily="49" charset="0"/>
+                <a:cs typeface="Courier New" panose="02070309020205020404" pitchFamily="49" charset="0"/>
+              </a:rPr>
+              <a:t>lm</a:t>
+            </a:r>
+            <a:r>
+              <a:rPr lang="en-US" dirty="0">
+                <a:latin typeface="Courier New" panose="02070309020205020404" pitchFamily="49" charset="0"/>
+                <a:cs typeface="Courier New" panose="02070309020205020404" pitchFamily="49" charset="0"/>
+              </a:rPr>
+              <a:t>) </a:t>
+            </a:r>
+            <a:r>
+              <a:rPr lang="en-US" dirty="0">
+                <a:cs typeface="Courier New" panose="02070309020205020404" pitchFamily="49" charset="0"/>
+              </a:rPr>
+              <a:t>to add a line to a graph that already exists</a:t>
+            </a:r>
+          </a:p>
+          <a:p>
+            <a:pPr lvl="1"/>
+            <a:r>
+              <a:rPr lang="en-US" dirty="0" err="1">
+                <a:latin typeface="Courier New" panose="02070309020205020404" pitchFamily="49" charset="0"/>
+                <a:cs typeface="Courier New" panose="02070309020205020404" pitchFamily="49" charset="0"/>
+              </a:rPr>
+              <a:t>lm</a:t>
+            </a:r>
+            <a:r>
+              <a:rPr lang="en-US" dirty="0">
+                <a:latin typeface="Courier New" panose="02070309020205020404" pitchFamily="49" charset="0"/>
+                <a:cs typeface="Courier New" panose="02070309020205020404" pitchFamily="49" charset="0"/>
+              </a:rPr>
+              <a:t> </a:t>
+            </a:r>
+            <a:r>
+              <a:rPr lang="en-US" dirty="0">
+                <a:cs typeface="Courier New" panose="02070309020205020404" pitchFamily="49" charset="0"/>
+              </a:rPr>
+              <a:t>is a linear model object</a:t>
+            </a:r>
+          </a:p>
+          <a:p>
+            <a:pPr lvl="1"/>
+            <a:r>
+              <a:rPr lang="en-US" dirty="0">
+                <a:cs typeface="Courier New" panose="02070309020205020404" pitchFamily="49" charset="0"/>
+              </a:rPr>
+              <a:t>Use</a:t>
+            </a:r>
+            <a:r>
+              <a:rPr lang="en-US" dirty="0">
+                <a:latin typeface="Courier New" panose="02070309020205020404" pitchFamily="49" charset="0"/>
+                <a:cs typeface="Courier New" panose="02070309020205020404" pitchFamily="49" charset="0"/>
+              </a:rPr>
+              <a:t> col=“red” </a:t>
+            </a:r>
+            <a:r>
+              <a:rPr lang="en-US" dirty="0">
+                <a:cs typeface="Courier New" panose="02070309020205020404" pitchFamily="49" charset="0"/>
+              </a:rPr>
+              <a:t>(or any other common color name) to change the color of the line and make it easier to see!</a:t>
+            </a:r>
+          </a:p>
+        </p:txBody>
+      </p:sp>
+      <p:sp>
+        <p:nvSpPr>
+          <p:cNvPr id="4" name="Date Placeholder 3"/>
+          <p:cNvSpPr>
+            <a:spLocks noGrp="1"/>
+          </p:cNvSpPr>
+          <p:nvPr>
+            <p:ph type="dt" sz="half" idx="10"/>
+          </p:nvPr>
+        </p:nvSpPr>
+        <p:spPr/>
+        <p:txBody>
+          <a:bodyPr/>
+          <a:lstStyle/>
+          <a:p>
+            <a:fld id="{B08FEED8-D7D4-44E9-BFBC-ED06B5996D94}" type="datetime4">
+              <a:rPr lang="en-US" smtClean="0"/>
+              <a:t>June 29, 2019</a:t>
+            </a:fld>
+            <a:endParaRPr lang="en-US" dirty="0"/>
+          </a:p>
+        </p:txBody>
+      </p:sp>
+      <p:sp>
+        <p:nvSpPr>
+          <p:cNvPr id="5" name="Footer Placeholder 4"/>
+          <p:cNvSpPr>
+            <a:spLocks noGrp="1"/>
+          </p:cNvSpPr>
+          <p:nvPr>
+            <p:ph type="ftr" sz="quarter" idx="11"/>
+          </p:nvPr>
+        </p:nvSpPr>
+        <p:spPr/>
+        <p:txBody>
+          <a:bodyPr/>
+          <a:lstStyle/>
+          <a:p>
+            <a:r>
+              <a:rPr lang="en-US"/>
+              <a:t>Digital Scholarship Services </a:t>
+            </a:r>
+            <a:r>
+              <a:rPr lang="en-US">
+                <a:solidFill>
+                  <a:schemeClr val="accent1">
+                    <a:lumMod val="50000"/>
+                  </a:schemeClr>
+                </a:solidFill>
+              </a:rPr>
+              <a:t>| Email</a:t>
+            </a:r>
+            <a:r>
+              <a:rPr lang="en-US"/>
+              <a:t> cf24@rice.edu </a:t>
+            </a:r>
+            <a:r>
+              <a:rPr lang="en-US">
+                <a:solidFill>
+                  <a:schemeClr val="accent1">
+                    <a:lumMod val="50000"/>
+                  </a:schemeClr>
+                </a:solidFill>
+              </a:rPr>
+              <a:t>|</a:t>
+            </a:r>
+            <a:r>
+              <a:rPr lang="en-US"/>
+              <a:t> library.rice.edu/dss</a:t>
+            </a:r>
+            <a:endParaRPr lang="en-US" dirty="0"/>
+          </a:p>
+        </p:txBody>
+      </p:sp>
+      <p:sp>
+        <p:nvSpPr>
+          <p:cNvPr id="6" name="Slide Number Placeholder 5"/>
+          <p:cNvSpPr>
+            <a:spLocks noGrp="1"/>
+          </p:cNvSpPr>
+          <p:nvPr>
+            <p:ph type="sldNum" sz="quarter" idx="12"/>
+          </p:nvPr>
+        </p:nvSpPr>
+        <p:spPr/>
+        <p:txBody>
+          <a:bodyPr/>
+          <a:lstStyle/>
+          <a:p>
+            <a:fld id="{D57F1E4F-1CFF-5643-939E-02111984F565}" type="slidenum">
+              <a:rPr lang="en-US" smtClean="0"/>
+              <a:t>42</a:t>
+            </a:fld>
+            <a:endParaRPr lang="en-US" dirty="0"/>
+          </a:p>
+        </p:txBody>
+      </p:sp>
+      <p:pic>
+        <p:nvPicPr>
+          <p:cNvPr id="3" name="Picture 2">
+            <a:extLst>
+              <a:ext uri="{FF2B5EF4-FFF2-40B4-BE49-F238E27FC236}">
+                <a16:creationId xmlns:a16="http://schemas.microsoft.com/office/drawing/2014/main" id="{23B87804-3951-4C5E-A530-CDEC4866C2EF}"/>
+              </a:ext>
+            </a:extLst>
+          </p:cNvPr>
+          <p:cNvPicPr>
+            <a:picLocks noChangeAspect="1"/>
+          </p:cNvPicPr>
+          <p:nvPr/>
+        </p:nvPicPr>
+        <p:blipFill>
+          <a:blip r:embed="rId2"/>
+          <a:stretch>
+            <a:fillRect/>
+          </a:stretch>
+        </p:blipFill>
+        <p:spPr>
+          <a:xfrm>
+            <a:off x="6031605" y="1944584"/>
+            <a:ext cx="6096000" cy="4039320"/>
+          </a:xfrm>
+          <a:prstGeom prst="rect">
+            <a:avLst/>
+          </a:prstGeom>
+        </p:spPr>
+      </p:pic>
+    </p:spTree>
+    <p:extLst>
+      <p:ext uri="{BB962C8B-B14F-4D97-AF65-F5344CB8AC3E}">
+        <p14:creationId xmlns:p14="http://schemas.microsoft.com/office/powerpoint/2010/main" val="3947473994"/>
+      </p:ext>
+    </p:extLst>
+  </p:cSld>
+  <p:clrMapOvr>
+    <a:masterClrMapping/>
+  </p:clrMapOvr>
+</p:sld>
+</file>
+
+<file path=ppt/slides/slide43.xml><?xml version="1.0" encoding="utf-8"?>
+<p:sld xmlns:a="http://schemas.openxmlformats.org/drawingml/2006/main" xmlns:r="http://schemas.openxmlformats.org/officeDocument/2006/relationships" xmlns:p="http://schemas.openxmlformats.org/presentationml/2006/main">
+  <p:cSld>
+    <p:spTree>
+      <p:nvGrpSpPr>
+        <p:cNvPr id="1" name=""/>
+        <p:cNvGrpSpPr/>
+        <p:nvPr/>
+      </p:nvGrpSpPr>
+      <p:grpSpPr>
+        <a:xfrm>
+          <a:off x="0" y="0"/>
+          <a:ext cx="0" cy="0"/>
+          <a:chOff x="0" y="0"/>
+          <a:chExt cx="0" cy="0"/>
+        </a:xfrm>
+      </p:grpSpPr>
+      <p:sp>
+        <p:nvSpPr>
           <p:cNvPr id="7" name="Title 6">
             <a:extLst>
               <a:ext uri="{FF2B5EF4-FFF2-40B4-BE49-F238E27FC236}">
@@ -11800,7 +12942,7 @@
           <a:p>
             <a:fld id="{D57F1E4F-1CFF-5643-939E-02111984F565}" type="slidenum">
               <a:rPr lang="en-US" smtClean="0"/>
-              <a:t>41</a:t>
+              <a:t>43</a:t>
             </a:fld>
             <a:endParaRPr lang="en-US" dirty="0"/>
           </a:p>

--- a/introR/Introduction to R.pptx
+++ b/introR/Introduction to R.pptx
@@ -10168,7 +10168,7 @@
             <a:pPr lvl="1"/>
             <a:r>
               <a:rPr lang="en-US" dirty="0"/>
-              <a:t>Example: median(data, n.</a:t>
+              <a:t>Example: median(data, na.rm = TRUE)</a:t>
             </a:r>
           </a:p>
         </p:txBody>
@@ -10495,15 +10495,7 @@
             </a:r>
             <a:r>
               <a:rPr lang="en-US" dirty="0"/>
-              <a:t> will give you the </a:t>
-            </a:r>
-            <a:r>
-              <a:rPr lang="en-US"/>
-              <a:t>average GPA </a:t>
-            </a:r>
-            <a:r>
-              <a:rPr lang="en-US" dirty="0"/>
-              <a:t>for each major!</a:t>
+              <a:t> will give you the average GPA for each major!</a:t>
             </a:r>
           </a:p>
         </p:txBody>
@@ -12303,7 +12295,21 @@
                     <a:latin typeface="Courier New" panose="02070309020205020404" pitchFamily="49" charset="0"/>
                     <a:cs typeface="Courier New" panose="02070309020205020404" pitchFamily="49" charset="0"/>
                   </a:rPr>
-                  <a:t>model$coefficiets</a:t>
+                  <a:t>model</a:t>
+                </a:r>
+                <a:r>
+                  <a:rPr lang="en-US" err="1">
+                    <a:latin typeface="Courier New" panose="02070309020205020404" pitchFamily="49" charset="0"/>
+                    <a:cs typeface="Courier New" panose="02070309020205020404" pitchFamily="49" charset="0"/>
+                  </a:rPr>
+                  <a:t>$</a:t>
+                </a:r>
+                <a:r>
+                  <a:rPr lang="en-US">
+                    <a:latin typeface="Courier New" panose="02070309020205020404" pitchFamily="49" charset="0"/>
+                    <a:cs typeface="Courier New" panose="02070309020205020404" pitchFamily="49" charset="0"/>
+                  </a:rPr>
+                  <a:t>coefficients</a:t>
                 </a:r>
                 <a:endParaRPr lang="en-US" dirty="0">
                   <a:latin typeface="Courier New" panose="02070309020205020404" pitchFamily="49" charset="0"/>

--- a/introR/Introduction to R.pptx
+++ b/introR/Introduction to R.pptx
@@ -5,7 +5,7 @@
     <p:sldMasterId id="2147483707" r:id="rId1"/>
   </p:sldMasterIdLst>
   <p:notesMasterIdLst>
-    <p:notesMasterId r:id="rId45"/>
+    <p:notesMasterId r:id="rId43"/>
   </p:notesMasterIdLst>
   <p:sldIdLst>
     <p:sldId id="266" r:id="rId2"/>
@@ -13,44 +13,42 @@
     <p:sldId id="274" r:id="rId4"/>
     <p:sldId id="275" r:id="rId5"/>
     <p:sldId id="273" r:id="rId6"/>
-    <p:sldId id="277" r:id="rId7"/>
-    <p:sldId id="280" r:id="rId8"/>
-    <p:sldId id="276" r:id="rId9"/>
-    <p:sldId id="278" r:id="rId10"/>
-    <p:sldId id="279" r:id="rId11"/>
-    <p:sldId id="287" r:id="rId12"/>
-    <p:sldId id="269" r:id="rId13"/>
-    <p:sldId id="281" r:id="rId14"/>
-    <p:sldId id="283" r:id="rId15"/>
-    <p:sldId id="308" r:id="rId16"/>
-    <p:sldId id="284" r:id="rId17"/>
-    <p:sldId id="307" r:id="rId18"/>
-    <p:sldId id="288" r:id="rId19"/>
-    <p:sldId id="286" r:id="rId20"/>
-    <p:sldId id="285" r:id="rId21"/>
-    <p:sldId id="314" r:id="rId22"/>
-    <p:sldId id="311" r:id="rId23"/>
-    <p:sldId id="313" r:id="rId24"/>
-    <p:sldId id="267" r:id="rId25"/>
-    <p:sldId id="291" r:id="rId26"/>
-    <p:sldId id="293" r:id="rId27"/>
-    <p:sldId id="294" r:id="rId28"/>
-    <p:sldId id="304" r:id="rId29"/>
-    <p:sldId id="301" r:id="rId30"/>
-    <p:sldId id="315" r:id="rId31"/>
-    <p:sldId id="312" r:id="rId32"/>
-    <p:sldId id="302" r:id="rId33"/>
-    <p:sldId id="309" r:id="rId34"/>
-    <p:sldId id="310" r:id="rId35"/>
-    <p:sldId id="305" r:id="rId36"/>
-    <p:sldId id="272" r:id="rId37"/>
-    <p:sldId id="295" r:id="rId38"/>
-    <p:sldId id="296" r:id="rId39"/>
-    <p:sldId id="297" r:id="rId40"/>
-    <p:sldId id="270" r:id="rId41"/>
-    <p:sldId id="298" r:id="rId42"/>
-    <p:sldId id="299" r:id="rId43"/>
-    <p:sldId id="268" r:id="rId44"/>
+    <p:sldId id="280" r:id="rId7"/>
+    <p:sldId id="276" r:id="rId8"/>
+    <p:sldId id="278" r:id="rId9"/>
+    <p:sldId id="279" r:id="rId10"/>
+    <p:sldId id="287" r:id="rId11"/>
+    <p:sldId id="269" r:id="rId12"/>
+    <p:sldId id="281" r:id="rId13"/>
+    <p:sldId id="283" r:id="rId14"/>
+    <p:sldId id="308" r:id="rId15"/>
+    <p:sldId id="284" r:id="rId16"/>
+    <p:sldId id="307" r:id="rId17"/>
+    <p:sldId id="286" r:id="rId18"/>
+    <p:sldId id="285" r:id="rId19"/>
+    <p:sldId id="314" r:id="rId20"/>
+    <p:sldId id="311" r:id="rId21"/>
+    <p:sldId id="313" r:id="rId22"/>
+    <p:sldId id="267" r:id="rId23"/>
+    <p:sldId id="291" r:id="rId24"/>
+    <p:sldId id="293" r:id="rId25"/>
+    <p:sldId id="294" r:id="rId26"/>
+    <p:sldId id="304" r:id="rId27"/>
+    <p:sldId id="301" r:id="rId28"/>
+    <p:sldId id="315" r:id="rId29"/>
+    <p:sldId id="312" r:id="rId30"/>
+    <p:sldId id="302" r:id="rId31"/>
+    <p:sldId id="309" r:id="rId32"/>
+    <p:sldId id="310" r:id="rId33"/>
+    <p:sldId id="305" r:id="rId34"/>
+    <p:sldId id="272" r:id="rId35"/>
+    <p:sldId id="295" r:id="rId36"/>
+    <p:sldId id="296" r:id="rId37"/>
+    <p:sldId id="297" r:id="rId38"/>
+    <p:sldId id="270" r:id="rId39"/>
+    <p:sldId id="298" r:id="rId40"/>
+    <p:sldId id="299" r:id="rId41"/>
+    <p:sldId id="268" r:id="rId42"/>
   </p:sldIdLst>
   <p:sldSz cx="12192000" cy="6858000"/>
   <p:notesSz cx="6858000" cy="9144000"/>
@@ -239,7 +237,7 @@
           <a:p>
             <a:fld id="{D46E3B93-8523-4DBC-8FC5-65A9B9CDE5EE}" type="datetimeFigureOut">
               <a:rPr lang="en-US" smtClean="0"/>
-              <a:t>6/29/2019</a:t>
+              <a:t>7/1/2019</a:t>
             </a:fld>
             <a:endParaRPr lang="en-US"/>
           </a:p>
@@ -635,7 +633,7 @@
           <a:p>
             <a:fld id="{CE8F6EB4-B6EF-44F6-BBD1-CD5E279CFAE2}" type="datetime4">
               <a:rPr lang="en-US" smtClean="0"/>
-              <a:t>June 29, 2019</a:t>
+              <a:t>July 1, 2019</a:t>
             </a:fld>
             <a:endParaRPr lang="en-US" dirty="0"/>
           </a:p>
@@ -807,7 +805,7 @@
           <a:p>
             <a:fld id="{8A405AA7-4C18-4A99-8AAA-8677C1976FC9}" type="datetime4">
               <a:rPr lang="en-US" smtClean="0"/>
-              <a:t>June 29, 2019</a:t>
+              <a:t>July 1, 2019</a:t>
             </a:fld>
             <a:endParaRPr lang="en-US" dirty="0"/>
           </a:p>
@@ -989,7 +987,7 @@
           <a:p>
             <a:fld id="{4EA0D668-33DD-41B9-B668-7E7FF430C345}" type="datetime4">
               <a:rPr lang="en-US" smtClean="0"/>
-              <a:t>June 29, 2019</a:t>
+              <a:t>July 1, 2019</a:t>
             </a:fld>
             <a:endParaRPr lang="en-US" dirty="0"/>
           </a:p>
@@ -1172,7 +1170,7 @@
           <a:p>
             <a:fld id="{8AAE40A0-A7D8-4DC3-BC9E-BADA32DA2004}" type="datetime4">
               <a:rPr lang="en-US" smtClean="0"/>
-              <a:t>June 29, 2019</a:t>
+              <a:t>July 1, 2019</a:t>
             </a:fld>
             <a:endParaRPr lang="en-US" dirty="0"/>
           </a:p>
@@ -1507,7 +1505,7 @@
           <a:p>
             <a:fld id="{B08FEED8-D7D4-44E9-BFBC-ED06B5996D94}" type="datetime4">
               <a:rPr lang="en-US" smtClean="0"/>
-              <a:t>June 29, 2019</a:t>
+              <a:t>July 1, 2019</a:t>
             </a:fld>
             <a:endParaRPr lang="en-US" dirty="0"/>
           </a:p>
@@ -1825,7 +1823,7 @@
           <a:p>
             <a:fld id="{A143C325-9442-4629-8CC6-5CAC69736C93}" type="datetime4">
               <a:rPr lang="en-US" smtClean="0"/>
-              <a:t>June 29, 2019</a:t>
+              <a:t>July 1, 2019</a:t>
             </a:fld>
             <a:endParaRPr lang="en-US" dirty="0"/>
           </a:p>
@@ -2193,7 +2191,7 @@
           <a:p>
             <a:fld id="{EEDAFACB-3FED-4607-9FDD-34A82581A119}" type="datetime4">
               <a:rPr lang="en-US" smtClean="0"/>
-              <a:t>June 29, 2019</a:t>
+              <a:t>July 1, 2019</a:t>
             </a:fld>
             <a:endParaRPr lang="en-US" dirty="0"/>
           </a:p>
@@ -2314,7 +2312,7 @@
           <a:p>
             <a:fld id="{EC2805D6-2E3E-42F7-ABBA-DCD51C704328}" type="datetime4">
               <a:rPr lang="en-US" smtClean="0"/>
-              <a:t>June 29, 2019</a:t>
+              <a:t>July 1, 2019</a:t>
             </a:fld>
             <a:endParaRPr lang="en-US" dirty="0"/>
           </a:p>
@@ -2413,7 +2411,7 @@
           <a:p>
             <a:fld id="{7A745AAB-8888-45FB-8C4E-B86AF9A05200}" type="datetime4">
               <a:rPr lang="en-US" smtClean="0"/>
-              <a:t>June 29, 2019</a:t>
+              <a:t>July 1, 2019</a:t>
             </a:fld>
             <a:endParaRPr lang="en-US" dirty="0"/>
           </a:p>
@@ -2692,7 +2690,7 @@
           <a:p>
             <a:fld id="{9F896CED-8AFA-412F-B61A-472E6093CDBA}" type="datetime4">
               <a:rPr lang="en-US" smtClean="0"/>
-              <a:t>June 29, 2019</a:t>
+              <a:t>July 1, 2019</a:t>
             </a:fld>
             <a:endParaRPr lang="en-US" dirty="0"/>
           </a:p>
@@ -2951,7 +2949,7 @@
           <a:p>
             <a:fld id="{61078AB2-2970-444D-B1FF-A9F37FC020F5}" type="datetime4">
               <a:rPr lang="en-US" smtClean="0"/>
-              <a:t>June 29, 2019</a:t>
+              <a:t>July 1, 2019</a:t>
             </a:fld>
             <a:endParaRPr lang="en-US" dirty="0"/>
           </a:p>
@@ -3169,7 +3167,7 @@
           <a:p>
             <a:fld id="{1148AE1E-D441-45CD-8192-49B13802301D}" type="datetime4">
               <a:rPr lang="en-US" smtClean="0"/>
-              <a:t>June 29, 2019</a:t>
+              <a:t>July 1, 2019</a:t>
             </a:fld>
             <a:endParaRPr lang="en-US" dirty="0"/>
           </a:p>
@@ -3925,7 +3923,7 @@
       </p:grpSpPr>
       <p:sp>
         <p:nvSpPr>
-          <p:cNvPr id="7" name="Title 6"/>
+          <p:cNvPr id="2" name="Title 1"/>
           <p:cNvSpPr>
             <a:spLocks noGrp="1"/>
           </p:cNvSpPr>
@@ -3940,14 +3938,14 @@
           <a:p>
             <a:r>
               <a:rPr lang="en-US" dirty="0"/>
-              <a:t>ASSIGNMENT</a:t>
-            </a:r>
-          </a:p>
-        </p:txBody>
-      </p:sp>
-      <p:sp>
-        <p:nvSpPr>
-          <p:cNvPr id="8" name="Content Placeholder 7"/>
+              <a:t>TYPE CONVERSION</a:t>
+            </a:r>
+          </a:p>
+        </p:txBody>
+      </p:sp>
+      <p:sp>
+        <p:nvSpPr>
+          <p:cNvPr id="3" name="Content Placeholder 2"/>
           <p:cNvSpPr>
             <a:spLocks noGrp="1"/>
           </p:cNvSpPr>
@@ -3961,42 +3959,87 @@
           <a:lstStyle/>
           <a:p>
             <a:r>
-              <a:rPr lang="en-US" dirty="0"/>
-              <a:t>Naming a value for future use</a:t>
-            </a:r>
-          </a:p>
-          <a:p>
-            <a:r>
-              <a:rPr lang="en-US" dirty="0"/>
-              <a:t>Value can change!</a:t>
-            </a:r>
-          </a:p>
-          <a:p>
-            <a:r>
-              <a:rPr lang="en-US" dirty="0"/>
-              <a:t>Variable names: must start with a letter, and then only letters, numbers, periods, and underscores</a:t>
-            </a:r>
-          </a:p>
-          <a:p>
-            <a:endParaRPr lang="en-US" dirty="0"/>
-          </a:p>
-          <a:p>
-            <a:r>
-              <a:rPr lang="en-US" dirty="0">
-                <a:latin typeface="Courier New" panose="02070309020205020404" pitchFamily="49" charset="0"/>
-                <a:cs typeface="Courier New" panose="02070309020205020404" pitchFamily="49" charset="0"/>
-              </a:rPr>
-              <a:t>value &lt;- 5, my.name &lt;- “hello”, COOL_VALUE &lt;-3 + 5i</a:t>
+              <a:rPr lang="en-US" dirty="0">
+                <a:latin typeface="Courier New" panose="02070309020205020404" pitchFamily="49" charset="0"/>
+                <a:cs typeface="Courier New" panose="02070309020205020404" pitchFamily="49" charset="0"/>
+              </a:rPr>
+              <a:t>as.(TYPE)</a:t>
+            </a:r>
+            <a:r>
+              <a:rPr lang="en-US" dirty="0">
+                <a:latin typeface="+mj-lt"/>
+                <a:cs typeface="Courier New" panose="02070309020205020404" pitchFamily="49" charset="0"/>
+              </a:rPr>
+              <a:t> </a:t>
+            </a:r>
+            <a:r>
+              <a:rPr lang="en-US" dirty="0">
+                <a:cs typeface="Courier New" panose="02070309020205020404" pitchFamily="49" charset="0"/>
+              </a:rPr>
+              <a:t>functions</a:t>
             </a:r>
           </a:p>
           <a:p>
             <a:pPr lvl="1"/>
             <a:r>
               <a:rPr lang="en-US" dirty="0">
-                <a:latin typeface="Courier New" panose="02070309020205020404" pitchFamily="49" charset="0"/>
-                <a:cs typeface="Courier New" panose="02070309020205020404" pitchFamily="49" charset="0"/>
-              </a:rPr>
-              <a:t>NOT 1value &lt;- 3, my-name &lt;- 3, mass% &lt;- 42</a:t>
+                <a:cs typeface="Courier New" panose="02070309020205020404" pitchFamily="49" charset="0"/>
+              </a:rPr>
+              <a:t>Example: </a:t>
+            </a:r>
+            <a:r>
+              <a:rPr lang="en-US" dirty="0">
+                <a:latin typeface="Courier New" panose="02070309020205020404" pitchFamily="49" charset="0"/>
+                <a:cs typeface="Courier New" panose="02070309020205020404" pitchFamily="49" charset="0"/>
+              </a:rPr>
+              <a:t> </a:t>
+            </a:r>
+            <a:r>
+              <a:rPr lang="en-US" dirty="0" err="1">
+                <a:latin typeface="Courier New" panose="02070309020205020404" pitchFamily="49" charset="0"/>
+                <a:cs typeface="Courier New" panose="02070309020205020404" pitchFamily="49" charset="0"/>
+              </a:rPr>
+              <a:t>as.integer</a:t>
+            </a:r>
+            <a:r>
+              <a:rPr lang="en-US" dirty="0">
+                <a:latin typeface="Courier New" panose="02070309020205020404" pitchFamily="49" charset="0"/>
+                <a:cs typeface="Courier New" panose="02070309020205020404" pitchFamily="49" charset="0"/>
+              </a:rPr>
+              <a:t>(3.3)</a:t>
+            </a:r>
+          </a:p>
+          <a:p>
+            <a:pPr lvl="1"/>
+            <a:r>
+              <a:rPr lang="en-US" dirty="0">
+                <a:cs typeface="Courier New" panose="02070309020205020404" pitchFamily="49" charset="0"/>
+              </a:rPr>
+              <a:t>Integer conversion always rounds down! </a:t>
+            </a:r>
+          </a:p>
+          <a:p>
+            <a:pPr lvl="2"/>
+            <a:r>
+              <a:rPr lang="en-US" dirty="0">
+                <a:cs typeface="Courier New" panose="02070309020205020404" pitchFamily="49" charset="0"/>
+              </a:rPr>
+              <a:t>Use </a:t>
+            </a:r>
+            <a:r>
+              <a:rPr lang="en-US" dirty="0">
+                <a:latin typeface="Courier New" panose="02070309020205020404" pitchFamily="49" charset="0"/>
+                <a:cs typeface="Courier New" panose="02070309020205020404" pitchFamily="49" charset="0"/>
+              </a:rPr>
+              <a:t>round, floor, ceiling</a:t>
+            </a:r>
+          </a:p>
+          <a:p>
+            <a:r>
+              <a:rPr lang="en-US" dirty="0">
+                <a:cs typeface="Courier New" panose="02070309020205020404" pitchFamily="49" charset="0"/>
+              </a:rPr>
+              <a:t>Especially useful for converting between various numeric types</a:t>
             </a:r>
           </a:p>
         </p:txBody>
@@ -4016,9 +4059,9 @@
           <a:bodyPr/>
           <a:lstStyle/>
           <a:p>
-            <a:fld id="{B08FEED8-D7D4-44E9-BFBC-ED06B5996D94}" type="datetime4">
+            <a:fld id="{8AAE40A0-A7D8-4DC3-BC9E-BADA32DA2004}" type="datetime4">
               <a:rPr lang="en-US" smtClean="0"/>
-              <a:t>June 29, 2019</a:t>
+              <a:t>July 1, 2019</a:t>
             </a:fld>
             <a:endParaRPr lang="en-US" dirty="0"/>
           </a:p>
@@ -4101,7 +4144,7 @@
     </p:spTree>
     <p:extLst>
       <p:ext uri="{BB962C8B-B14F-4D97-AF65-F5344CB8AC3E}">
-        <p14:creationId xmlns:p14="http://schemas.microsoft.com/office/powerpoint/2010/main" val="124173911"/>
+        <p14:creationId xmlns:p14="http://schemas.microsoft.com/office/powerpoint/2010/main" val="962083270"/>
       </p:ext>
     </p:extLst>
   </p:cSld>
@@ -4130,7 +4173,13 @@
       </p:grpSpPr>
       <p:sp>
         <p:nvSpPr>
-          <p:cNvPr id="2" name="Title 1"/>
+          <p:cNvPr id="7" name="Title 6">
+            <a:extLst>
+              <a:ext uri="{FF2B5EF4-FFF2-40B4-BE49-F238E27FC236}">
+                <a16:creationId xmlns:a16="http://schemas.microsoft.com/office/drawing/2014/main" id="{184E2338-1026-45D4-9455-B21A88F18B28}"/>
+              </a:ext>
+            </a:extLst>
+          </p:cNvPr>
           <p:cNvSpPr>
             <a:spLocks noGrp="1"/>
           </p:cNvSpPr>
@@ -4145,99 +4194,48 @@
           <a:p>
             <a:r>
               <a:rPr lang="en-US" dirty="0"/>
-              <a:t>TYPE CONVERSION</a:t>
-            </a:r>
-          </a:p>
-        </p:txBody>
-      </p:sp>
-      <p:sp>
-        <p:nvSpPr>
-          <p:cNvPr id="3" name="Content Placeholder 2"/>
-          <p:cNvSpPr>
-            <a:spLocks noGrp="1"/>
-          </p:cNvSpPr>
-          <p:nvPr>
-            <p:ph idx="1"/>
-          </p:nvPr>
-        </p:nvSpPr>
-        <p:spPr/>
-        <p:txBody>
-          <a:bodyPr/>
-          <a:lstStyle/>
-          <a:p>
-            <a:r>
-              <a:rPr lang="en-US" dirty="0">
-                <a:latin typeface="Courier New" panose="02070309020205020404" pitchFamily="49" charset="0"/>
-                <a:cs typeface="Courier New" panose="02070309020205020404" pitchFamily="49" charset="0"/>
-              </a:rPr>
-              <a:t>as.(TYPE)</a:t>
-            </a:r>
-            <a:r>
-              <a:rPr lang="en-US" dirty="0">
-                <a:latin typeface="+mj-lt"/>
-                <a:cs typeface="Courier New" panose="02070309020205020404" pitchFamily="49" charset="0"/>
-              </a:rPr>
-              <a:t> </a:t>
-            </a:r>
-            <a:r>
-              <a:rPr lang="en-US" dirty="0">
-                <a:cs typeface="Courier New" panose="02070309020205020404" pitchFamily="49" charset="0"/>
-              </a:rPr>
-              <a:t>functions</a:t>
-            </a:r>
-          </a:p>
-          <a:p>
-            <a:pPr lvl="1"/>
-            <a:r>
-              <a:rPr lang="en-US" dirty="0">
-                <a:cs typeface="Courier New" panose="02070309020205020404" pitchFamily="49" charset="0"/>
-              </a:rPr>
-              <a:t>Example: </a:t>
-            </a:r>
-            <a:r>
-              <a:rPr lang="en-US" dirty="0">
-                <a:latin typeface="Courier New" panose="02070309020205020404" pitchFamily="49" charset="0"/>
-                <a:cs typeface="Courier New" panose="02070309020205020404" pitchFamily="49" charset="0"/>
-              </a:rPr>
-              <a:t> </a:t>
-            </a:r>
-            <a:r>
-              <a:rPr lang="en-US" dirty="0" err="1">
-                <a:latin typeface="Courier New" panose="02070309020205020404" pitchFamily="49" charset="0"/>
-                <a:cs typeface="Courier New" panose="02070309020205020404" pitchFamily="49" charset="0"/>
-              </a:rPr>
-              <a:t>as.integer</a:t>
-            </a:r>
-            <a:r>
-              <a:rPr lang="en-US" dirty="0">
-                <a:latin typeface="Courier New" panose="02070309020205020404" pitchFamily="49" charset="0"/>
-                <a:cs typeface="Courier New" panose="02070309020205020404" pitchFamily="49" charset="0"/>
-              </a:rPr>
-              <a:t>(3.3)</a:t>
-            </a:r>
-          </a:p>
-          <a:p>
-            <a:pPr lvl="1"/>
-            <a:r>
-              <a:rPr lang="en-US" dirty="0">
-                <a:cs typeface="Courier New" panose="02070309020205020404" pitchFamily="49" charset="0"/>
-              </a:rPr>
-              <a:t>Integer conversion always rounds down!</a:t>
-            </a:r>
-          </a:p>
-          <a:p>
-            <a:r>
-              <a:rPr lang="en-US" dirty="0">
-                <a:cs typeface="Courier New" panose="02070309020205020404" pitchFamily="49" charset="0"/>
-              </a:rPr>
-              <a:t>Especially useful for converting between various numeric types</a:t>
-            </a:r>
-          </a:p>
-        </p:txBody>
-      </p:sp>
-      <p:sp>
-        <p:nvSpPr>
-          <p:cNvPr id="4" name="Date Placeholder 3"/>
+              <a:t>DATA TYPES</a:t>
+            </a:r>
+          </a:p>
+        </p:txBody>
+      </p:sp>
+      <p:sp>
+        <p:nvSpPr>
+          <p:cNvPr id="8" name="Text Placeholder 7">
+            <a:extLst>
+              <a:ext uri="{FF2B5EF4-FFF2-40B4-BE49-F238E27FC236}">
+                <a16:creationId xmlns:a16="http://schemas.microsoft.com/office/drawing/2014/main" id="{DB42CCAB-C8E2-48A8-A9DF-EB0383A8B33C}"/>
+              </a:ext>
+            </a:extLst>
+          </p:cNvPr>
+          <p:cNvSpPr>
+            <a:spLocks noGrp="1"/>
+          </p:cNvSpPr>
+          <p:nvPr>
+            <p:ph type="body" idx="1"/>
+          </p:nvPr>
+        </p:nvSpPr>
+        <p:spPr/>
+        <p:txBody>
+          <a:bodyPr/>
+          <a:lstStyle/>
+          <a:p>
+            <a:r>
+              <a:rPr lang="en-US" dirty="0"/>
+              <a:t>Scalars, lists, arrays, matrices, factors, data frames, and vectors</a:t>
+            </a:r>
+          </a:p>
+        </p:txBody>
+      </p:sp>
+      <p:sp>
+        <p:nvSpPr>
+          <p:cNvPr id="4" name="Date Placeholder 3">
+            <a:extLst>
+              <a:ext uri="{FF2B5EF4-FFF2-40B4-BE49-F238E27FC236}">
+                <a16:creationId xmlns:a16="http://schemas.microsoft.com/office/drawing/2014/main" id="{1CA94ACB-62A5-4F09-8C21-F0CE9BFB1606}"/>
+              </a:ext>
+            </a:extLst>
+          </p:cNvPr>
           <p:cNvSpPr>
             <a:spLocks noGrp="1"/>
           </p:cNvSpPr>
@@ -4252,7 +4250,7 @@
           <a:p>
             <a:fld id="{8AAE40A0-A7D8-4DC3-BC9E-BADA32DA2004}" type="datetime4">
               <a:rPr lang="en-US" smtClean="0"/>
-              <a:t>June 29, 2019</a:t>
+              <a:t>July 1, 2019</a:t>
             </a:fld>
             <a:endParaRPr lang="en-US" dirty="0"/>
           </a:p>
@@ -4260,7 +4258,13 @@
       </p:sp>
       <p:sp>
         <p:nvSpPr>
-          <p:cNvPr id="5" name="Footer Placeholder 4"/>
+          <p:cNvPr id="5" name="Footer Placeholder 4">
+            <a:extLst>
+              <a:ext uri="{FF2B5EF4-FFF2-40B4-BE49-F238E27FC236}">
+                <a16:creationId xmlns:a16="http://schemas.microsoft.com/office/drawing/2014/main" id="{D20B02B0-893D-4696-B6F7-A126B8D18E99}"/>
+              </a:ext>
+            </a:extLst>
+          </p:cNvPr>
           <p:cNvSpPr>
             <a:spLocks noGrp="1"/>
           </p:cNvSpPr>
@@ -4311,7 +4315,13 @@
       </p:sp>
       <p:sp>
         <p:nvSpPr>
-          <p:cNvPr id="6" name="Slide Number Placeholder 5"/>
+          <p:cNvPr id="6" name="Slide Number Placeholder 5">
+            <a:extLst>
+              <a:ext uri="{FF2B5EF4-FFF2-40B4-BE49-F238E27FC236}">
+                <a16:creationId xmlns:a16="http://schemas.microsoft.com/office/drawing/2014/main" id="{1CFDA495-0063-4571-8969-0DD770DB39E0}"/>
+              </a:ext>
+            </a:extLst>
+          </p:cNvPr>
           <p:cNvSpPr>
             <a:spLocks noGrp="1"/>
           </p:cNvSpPr>
@@ -4335,7 +4345,7 @@
     </p:spTree>
     <p:extLst>
       <p:ext uri="{BB962C8B-B14F-4D97-AF65-F5344CB8AC3E}">
-        <p14:creationId xmlns:p14="http://schemas.microsoft.com/office/powerpoint/2010/main" val="962083270"/>
+        <p14:creationId xmlns:p14="http://schemas.microsoft.com/office/powerpoint/2010/main" val="664499666"/>
       </p:ext>
     </p:extLst>
   </p:cSld>
@@ -4364,13 +4374,7 @@
       </p:grpSpPr>
       <p:sp>
         <p:nvSpPr>
-          <p:cNvPr id="7" name="Title 6">
-            <a:extLst>
-              <a:ext uri="{FF2B5EF4-FFF2-40B4-BE49-F238E27FC236}">
-                <a16:creationId xmlns:a16="http://schemas.microsoft.com/office/drawing/2014/main" id="{184E2338-1026-45D4-9455-B21A88F18B28}"/>
-              </a:ext>
-            </a:extLst>
-          </p:cNvPr>
+          <p:cNvPr id="7" name="Title 6"/>
           <p:cNvSpPr>
             <a:spLocks noGrp="1"/>
           </p:cNvSpPr>
@@ -4385,48 +4389,136 @@
           <a:p>
             <a:r>
               <a:rPr lang="en-US" dirty="0"/>
-              <a:t>DATA TYPES</a:t>
-            </a:r>
-          </a:p>
-        </p:txBody>
-      </p:sp>
-      <p:sp>
-        <p:nvSpPr>
-          <p:cNvPr id="8" name="Text Placeholder 7">
-            <a:extLst>
-              <a:ext uri="{FF2B5EF4-FFF2-40B4-BE49-F238E27FC236}">
-                <a16:creationId xmlns:a16="http://schemas.microsoft.com/office/drawing/2014/main" id="{DB42CCAB-C8E2-48A8-A9DF-EB0383A8B33C}"/>
-              </a:ext>
-            </a:extLst>
-          </p:cNvPr>
-          <p:cNvSpPr>
-            <a:spLocks noGrp="1"/>
-          </p:cNvSpPr>
-          <p:nvPr>
-            <p:ph type="body" idx="1"/>
-          </p:nvPr>
-        </p:nvSpPr>
-        <p:spPr/>
-        <p:txBody>
-          <a:bodyPr/>
-          <a:lstStyle/>
-          <a:p>
-            <a:r>
-              <a:rPr lang="en-US" dirty="0"/>
-              <a:t>Scalars, lists, arrays, matrices, factors, data frames, and vectors</a:t>
-            </a:r>
-          </a:p>
-        </p:txBody>
-      </p:sp>
-      <p:sp>
-        <p:nvSpPr>
-          <p:cNvPr id="4" name="Date Placeholder 3">
-            <a:extLst>
-              <a:ext uri="{FF2B5EF4-FFF2-40B4-BE49-F238E27FC236}">
-                <a16:creationId xmlns:a16="http://schemas.microsoft.com/office/drawing/2014/main" id="{1CA94ACB-62A5-4F09-8C21-F0CE9BFB1606}"/>
-              </a:ext>
-            </a:extLst>
-          </p:cNvPr>
+              <a:t>SCALARS</a:t>
+            </a:r>
+          </a:p>
+        </p:txBody>
+      </p:sp>
+      <p:sp>
+        <p:nvSpPr>
+          <p:cNvPr id="8" name="Content Placeholder 7"/>
+          <p:cNvSpPr>
+            <a:spLocks noGrp="1"/>
+          </p:cNvSpPr>
+          <p:nvPr>
+            <p:ph idx="1"/>
+          </p:nvPr>
+        </p:nvSpPr>
+        <p:spPr/>
+        <p:txBody>
+          <a:bodyPr/>
+          <a:lstStyle/>
+          <a:p>
+            <a:r>
+              <a:rPr lang="en-US" dirty="0"/>
+              <a:t>One value</a:t>
+            </a:r>
+          </a:p>
+          <a:p>
+            <a:r>
+              <a:rPr lang="en-US" dirty="0"/>
+              <a:t>Types:</a:t>
+            </a:r>
+          </a:p>
+          <a:p>
+            <a:pPr lvl="1"/>
+            <a:r>
+              <a:rPr lang="en-US" dirty="0"/>
+              <a:t>Character: </a:t>
+            </a:r>
+            <a:r>
+              <a:rPr lang="en-US" dirty="0">
+                <a:latin typeface="Courier New" panose="02070309020205020404" pitchFamily="49" charset="0"/>
+                <a:cs typeface="Courier New" panose="02070309020205020404" pitchFamily="49" charset="0"/>
+              </a:rPr>
+              <a:t>‘a’</a:t>
+            </a:r>
+          </a:p>
+          <a:p>
+            <a:pPr lvl="1"/>
+            <a:r>
+              <a:rPr lang="en-US" dirty="0"/>
+              <a:t>Numeric (decimal): </a:t>
+            </a:r>
+            <a:r>
+              <a:rPr lang="en-US" dirty="0">
+                <a:latin typeface="Courier New" panose="02070309020205020404" pitchFamily="49" charset="0"/>
+                <a:cs typeface="Courier New" panose="02070309020205020404" pitchFamily="49" charset="0"/>
+              </a:rPr>
+              <a:t>3.14</a:t>
+            </a:r>
+          </a:p>
+          <a:p>
+            <a:pPr lvl="1"/>
+            <a:r>
+              <a:rPr lang="en-US" dirty="0"/>
+              <a:t>Integer: </a:t>
+            </a:r>
+            <a:r>
+              <a:rPr lang="en-US" dirty="0">
+                <a:latin typeface="Courier New" panose="02070309020205020404" pitchFamily="49" charset="0"/>
+                <a:cs typeface="Courier New" panose="02070309020205020404" pitchFamily="49" charset="0"/>
+              </a:rPr>
+              <a:t>-1</a:t>
+            </a:r>
+          </a:p>
+          <a:p>
+            <a:pPr lvl="1"/>
+            <a:r>
+              <a:rPr lang="en-US" dirty="0"/>
+              <a:t>Logical: </a:t>
+            </a:r>
+            <a:r>
+              <a:rPr lang="en-US" dirty="0">
+                <a:latin typeface="Courier New" panose="02070309020205020404" pitchFamily="49" charset="0"/>
+                <a:cs typeface="Courier New" panose="02070309020205020404" pitchFamily="49" charset="0"/>
+              </a:rPr>
+              <a:t>TRUE</a:t>
+            </a:r>
+            <a:r>
+              <a:rPr lang="en-US" dirty="0"/>
+              <a:t> or </a:t>
+            </a:r>
+            <a:r>
+              <a:rPr lang="en-US" dirty="0">
+                <a:latin typeface="Courier New" panose="02070309020205020404" pitchFamily="49" charset="0"/>
+                <a:cs typeface="Courier New" panose="02070309020205020404" pitchFamily="49" charset="0"/>
+              </a:rPr>
+              <a:t>FALSE</a:t>
+            </a:r>
+          </a:p>
+          <a:p>
+            <a:pPr lvl="1"/>
+            <a:r>
+              <a:rPr lang="en-US" dirty="0"/>
+              <a:t>Complex: </a:t>
+            </a:r>
+            <a:r>
+              <a:rPr lang="en-US" dirty="0">
+                <a:latin typeface="Courier New" panose="02070309020205020404" pitchFamily="49" charset="0"/>
+                <a:cs typeface="Courier New" panose="02070309020205020404" pitchFamily="49" charset="0"/>
+              </a:rPr>
+              <a:t>3 + 5i</a:t>
+            </a:r>
+          </a:p>
+          <a:p>
+            <a:r>
+              <a:rPr lang="en-US" dirty="0"/>
+              <a:t>Special missing value: </a:t>
+            </a:r>
+            <a:r>
+              <a:rPr lang="en-US" sz="2400" dirty="0">
+                <a:latin typeface="Courier New" panose="02070309020205020404" pitchFamily="49" charset="0"/>
+                <a:cs typeface="Courier New" panose="02070309020205020404" pitchFamily="49" charset="0"/>
+              </a:rPr>
+              <a:t>NA</a:t>
+            </a:r>
+          </a:p>
+        </p:txBody>
+      </p:sp>
+      <p:sp>
+        <p:nvSpPr>
+          <p:cNvPr id="4" name="Date Placeholder 3"/>
           <p:cNvSpPr>
             <a:spLocks noGrp="1"/>
           </p:cNvSpPr>
@@ -4439,9 +4531,9 @@
           <a:bodyPr/>
           <a:lstStyle/>
           <a:p>
-            <a:fld id="{8AAE40A0-A7D8-4DC3-BC9E-BADA32DA2004}" type="datetime4">
+            <a:fld id="{B08FEED8-D7D4-44E9-BFBC-ED06B5996D94}" type="datetime4">
               <a:rPr lang="en-US" smtClean="0"/>
-              <a:t>June 29, 2019</a:t>
+              <a:t>July 1, 2019</a:t>
             </a:fld>
             <a:endParaRPr lang="en-US" dirty="0"/>
           </a:p>
@@ -4449,13 +4541,7 @@
       </p:sp>
       <p:sp>
         <p:nvSpPr>
-          <p:cNvPr id="5" name="Footer Placeholder 4">
-            <a:extLst>
-              <a:ext uri="{FF2B5EF4-FFF2-40B4-BE49-F238E27FC236}">
-                <a16:creationId xmlns:a16="http://schemas.microsoft.com/office/drawing/2014/main" id="{D20B02B0-893D-4696-B6F7-A126B8D18E99}"/>
-              </a:ext>
-            </a:extLst>
-          </p:cNvPr>
+          <p:cNvPr id="5" name="Footer Placeholder 4"/>
           <p:cNvSpPr>
             <a:spLocks noGrp="1"/>
           </p:cNvSpPr>
@@ -4506,13 +4592,7 @@
       </p:sp>
       <p:sp>
         <p:nvSpPr>
-          <p:cNvPr id="6" name="Slide Number Placeholder 5">
-            <a:extLst>
-              <a:ext uri="{FF2B5EF4-FFF2-40B4-BE49-F238E27FC236}">
-                <a16:creationId xmlns:a16="http://schemas.microsoft.com/office/drawing/2014/main" id="{1CFDA495-0063-4571-8969-0DD770DB39E0}"/>
-              </a:ext>
-            </a:extLst>
-          </p:cNvPr>
+          <p:cNvPr id="6" name="Slide Number Placeholder 5"/>
           <p:cNvSpPr>
             <a:spLocks noGrp="1"/>
           </p:cNvSpPr>
@@ -4536,7 +4616,7 @@
     </p:spTree>
     <p:extLst>
       <p:ext uri="{BB962C8B-B14F-4D97-AF65-F5344CB8AC3E}">
-        <p14:creationId xmlns:p14="http://schemas.microsoft.com/office/powerpoint/2010/main" val="664499666"/>
+        <p14:creationId xmlns:p14="http://schemas.microsoft.com/office/powerpoint/2010/main" val="143402286"/>
       </p:ext>
     </p:extLst>
   </p:cSld>
@@ -4565,7 +4645,7 @@
       </p:grpSpPr>
       <p:sp>
         <p:nvSpPr>
-          <p:cNvPr id="7" name="Title 6"/>
+          <p:cNvPr id="2" name="Title 1"/>
           <p:cNvSpPr>
             <a:spLocks noGrp="1"/>
           </p:cNvSpPr>
@@ -4580,14 +4660,14 @@
           <a:p>
             <a:r>
               <a:rPr lang="en-US" dirty="0"/>
-              <a:t>SCALARS</a:t>
-            </a:r>
-          </a:p>
-        </p:txBody>
-      </p:sp>
-      <p:sp>
-        <p:nvSpPr>
-          <p:cNvPr id="8" name="Content Placeholder 7"/>
+              <a:t>ATOMIC VECTORS</a:t>
+            </a:r>
+          </a:p>
+        </p:txBody>
+      </p:sp>
+      <p:sp>
+        <p:nvSpPr>
+          <p:cNvPr id="3" name="Content Placeholder 2"/>
           <p:cNvSpPr>
             <a:spLocks noGrp="1"/>
           </p:cNvSpPr>
@@ -4602,54 +4682,135 @@
           <a:p>
             <a:r>
               <a:rPr lang="en-US" dirty="0"/>
-              <a:t>One value</a:t>
-            </a:r>
-          </a:p>
-          <a:p>
-            <a:r>
-              <a:rPr lang="en-US" dirty="0"/>
-              <a:t>Types:</a:t>
+              <a:t>Fixed-length list of values of all the same type</a:t>
+            </a:r>
+          </a:p>
+          <a:p>
+            <a:r>
+              <a:rPr lang="en-US" dirty="0"/>
+              <a:t>Created with the </a:t>
+            </a:r>
+            <a:r>
+              <a:rPr lang="en-US" dirty="0">
+                <a:latin typeface="Courier New" panose="02070309020205020404" pitchFamily="49" charset="0"/>
+                <a:cs typeface="Courier New" panose="02070309020205020404" pitchFamily="49" charset="0"/>
+              </a:rPr>
+              <a:t>c()</a:t>
+            </a:r>
+            <a:r>
+              <a:rPr lang="en-US" dirty="0"/>
+              <a:t> function (concatenate)</a:t>
+            </a:r>
+          </a:p>
+          <a:p>
+            <a:r>
+              <a:rPr lang="en-US" dirty="0"/>
+              <a:t>Examples: </a:t>
+            </a:r>
+            <a:r>
+              <a:rPr lang="en-US" dirty="0">
+                <a:latin typeface="Courier New" panose="02070309020205020404" pitchFamily="49" charset="0"/>
+                <a:cs typeface="Courier New" panose="02070309020205020404" pitchFamily="49" charset="0"/>
+              </a:rPr>
+              <a:t>c(1, 2, 3), c(0.4, 0.5), c(“hello”, “hi”)</a:t>
+            </a:r>
+            <a:r>
+              <a:rPr lang="en-US" dirty="0">
+                <a:cs typeface="Courier New" panose="02070309020205020404" pitchFamily="49" charset="0"/>
+              </a:rPr>
+              <a:t>. NOT </a:t>
+            </a:r>
+            <a:r>
+              <a:rPr lang="en-US" dirty="0">
+                <a:latin typeface="Courier New" panose="02070309020205020404" pitchFamily="49" charset="0"/>
+                <a:cs typeface="Courier New" panose="02070309020205020404" pitchFamily="49" charset="0"/>
+              </a:rPr>
+              <a:t>c(1, “hello”)</a:t>
+            </a:r>
+            <a:r>
+              <a:rPr lang="en-US" dirty="0">
+                <a:cs typeface="Courier New" panose="02070309020205020404" pitchFamily="49" charset="0"/>
+              </a:rPr>
+              <a:t>!</a:t>
+            </a:r>
+            <a:endParaRPr lang="en-US" dirty="0">
+              <a:latin typeface="Courier New" panose="02070309020205020404" pitchFamily="49" charset="0"/>
+              <a:cs typeface="Courier New" panose="02070309020205020404" pitchFamily="49" charset="0"/>
+            </a:endParaRPr>
+          </a:p>
+          <a:p>
+            <a:r>
+              <a:rPr lang="en-US" dirty="0"/>
+              <a:t>Access by subscript. If </a:t>
+            </a:r>
+            <a:r>
+              <a:rPr lang="en-US" dirty="0">
+                <a:latin typeface="Courier New" panose="02070309020205020404" pitchFamily="49" charset="0"/>
+                <a:cs typeface="Courier New" panose="02070309020205020404" pitchFamily="49" charset="0"/>
+              </a:rPr>
+              <a:t>a </a:t>
+            </a:r>
+            <a:r>
+              <a:rPr lang="en-US" dirty="0">
+                <a:cs typeface="Courier New" panose="02070309020205020404" pitchFamily="49" charset="0"/>
+              </a:rPr>
+              <a:t>is a vector, </a:t>
+            </a:r>
+            <a:r>
+              <a:rPr lang="en-US" dirty="0">
+                <a:latin typeface="Courier New" panose="02070309020205020404" pitchFamily="49" charset="0"/>
+                <a:cs typeface="Courier New" panose="02070309020205020404" pitchFamily="49" charset="0"/>
+              </a:rPr>
+              <a:t>a[1] </a:t>
+            </a:r>
+            <a:r>
+              <a:rPr lang="en-US" dirty="0">
+                <a:cs typeface="Courier New" panose="02070309020205020404" pitchFamily="49" charset="0"/>
+              </a:rPr>
+              <a:t>returns the 1</a:t>
+            </a:r>
+            <a:r>
+              <a:rPr lang="en-US" baseline="30000" dirty="0">
+                <a:cs typeface="Courier New" panose="02070309020205020404" pitchFamily="49" charset="0"/>
+              </a:rPr>
+              <a:t>st</a:t>
+            </a:r>
+            <a:r>
+              <a:rPr lang="en-US" dirty="0">
+                <a:cs typeface="Courier New" panose="02070309020205020404" pitchFamily="49" charset="0"/>
+              </a:rPr>
+              <a:t> element.</a:t>
+            </a:r>
+          </a:p>
+          <a:p>
+            <a:r>
+              <a:rPr lang="en-US" dirty="0">
+                <a:cs typeface="Courier New" panose="02070309020205020404" pitchFamily="49" charset="0"/>
+              </a:rPr>
+              <a:t>Ranges of integers with the colon operator: </a:t>
+            </a:r>
+            <a:r>
+              <a:rPr lang="en-US" dirty="0">
+                <a:latin typeface="Courier New" panose="02070309020205020404" pitchFamily="49" charset="0"/>
+                <a:cs typeface="Courier New" panose="02070309020205020404" pitchFamily="49" charset="0"/>
+              </a:rPr>
+              <a:t>1:14</a:t>
             </a:r>
           </a:p>
           <a:p>
             <a:pPr lvl="1"/>
             <a:r>
-              <a:rPr lang="en-US" dirty="0"/>
-              <a:t>Character: ‘a’</a:t>
-            </a:r>
-          </a:p>
-          <a:p>
-            <a:pPr lvl="1"/>
-            <a:r>
-              <a:rPr lang="en-US" dirty="0"/>
-              <a:t>Numeric (decimal)</a:t>
-            </a:r>
-          </a:p>
-          <a:p>
-            <a:pPr lvl="1"/>
-            <a:r>
-              <a:rPr lang="en-US" dirty="0"/>
-              <a:t>Integer</a:t>
-            </a:r>
-          </a:p>
-          <a:p>
-            <a:pPr lvl="1"/>
-            <a:r>
-              <a:rPr lang="en-US" dirty="0"/>
-              <a:t>Logical: TRUE or FALSE</a:t>
-            </a:r>
-          </a:p>
-          <a:p>
-            <a:pPr lvl="1"/>
-            <a:r>
-              <a:rPr lang="en-US" dirty="0"/>
-              <a:t>Complex</a:t>
-            </a:r>
-          </a:p>
-          <a:p>
-            <a:r>
-              <a:rPr lang="en-US" dirty="0"/>
-              <a:t>Special missing value: NA</a:t>
+              <a:rPr lang="en-US" dirty="0">
+                <a:cs typeface="Courier New" panose="02070309020205020404" pitchFamily="49" charset="0"/>
+              </a:rPr>
+              <a:t>With step size: </a:t>
+            </a:r>
+            <a:r>
+              <a:rPr lang="en-US" dirty="0">
+                <a:latin typeface="Courier New" panose="02070309020205020404" pitchFamily="49" charset="0"/>
+                <a:cs typeface="Courier New" panose="02070309020205020404" pitchFamily="49" charset="0"/>
+              </a:rPr>
+              <a:t>seq(1, 14, 2)</a:t>
             </a:r>
           </a:p>
         </p:txBody>
@@ -4669,9 +4830,9 @@
           <a:bodyPr/>
           <a:lstStyle/>
           <a:p>
-            <a:fld id="{B08FEED8-D7D4-44E9-BFBC-ED06B5996D94}" type="datetime4">
+            <a:fld id="{8AAE40A0-A7D8-4DC3-BC9E-BADA32DA2004}" type="datetime4">
               <a:rPr lang="en-US" smtClean="0"/>
-              <a:t>June 29, 2019</a:t>
+              <a:t>July 1, 2019</a:t>
             </a:fld>
             <a:endParaRPr lang="en-US" dirty="0"/>
           </a:p>
@@ -4754,7 +4915,7 @@
     </p:spTree>
     <p:extLst>
       <p:ext uri="{BB962C8B-B14F-4D97-AF65-F5344CB8AC3E}">
-        <p14:creationId xmlns:p14="http://schemas.microsoft.com/office/powerpoint/2010/main" val="143402286"/>
+        <p14:creationId xmlns:p14="http://schemas.microsoft.com/office/powerpoint/2010/main" val="888473886"/>
       </p:ext>
     </p:extLst>
   </p:cSld>
@@ -4798,7 +4959,7 @@
           <a:p>
             <a:r>
               <a:rPr lang="en-US" dirty="0"/>
-              <a:t>ATOMIC VECTORS</a:t>
+              <a:t>LISTS</a:t>
             </a:r>
           </a:p>
         </p:txBody>
@@ -4815,12 +4976,14 @@
         </p:nvSpPr>
         <p:spPr/>
         <p:txBody>
-          <a:bodyPr/>
-          <a:lstStyle/>
-          <a:p>
-            <a:r>
-              <a:rPr lang="en-US" dirty="0"/>
-              <a:t>Fixed-length list of values of all the same type</a:t>
+          <a:bodyPr>
+            <a:normAutofit lnSpcReduction="10000"/>
+          </a:bodyPr>
+          <a:lstStyle/>
+          <a:p>
+            <a:r>
+              <a:rPr lang="en-US" dirty="0"/>
+              <a:t>Variable list of values of any type</a:t>
             </a:r>
           </a:p>
           <a:p>
@@ -4833,11 +4996,11 @@
                 <a:latin typeface="Courier New" panose="02070309020205020404" pitchFamily="49" charset="0"/>
                 <a:cs typeface="Courier New" panose="02070309020205020404" pitchFamily="49" charset="0"/>
               </a:rPr>
-              <a:t>c()</a:t>
-            </a:r>
-            <a:r>
-              <a:rPr lang="en-US" dirty="0"/>
-              <a:t> function (concatenate)</a:t>
+              <a:t>list()</a:t>
+            </a:r>
+            <a:r>
+              <a:rPr lang="en-US" dirty="0"/>
+              <a:t> function</a:t>
             </a:r>
           </a:p>
           <a:p>
@@ -4850,26 +5013,93 @@
                 <a:latin typeface="Courier New" panose="02070309020205020404" pitchFamily="49" charset="0"/>
                 <a:cs typeface="Courier New" panose="02070309020205020404" pitchFamily="49" charset="0"/>
               </a:rPr>
-              <a:t>c(1, 2, 3), c(0.4, 0.5), c(“hello”, “hi”)</a:t>
-            </a:r>
-            <a:r>
-              <a:rPr lang="en-US" dirty="0">
-                <a:cs typeface="Courier New" panose="02070309020205020404" pitchFamily="49" charset="0"/>
-              </a:rPr>
-              <a:t>. NOT </a:t>
-            </a:r>
-            <a:r>
-              <a:rPr lang="en-US" dirty="0">
-                <a:latin typeface="Courier New" panose="02070309020205020404" pitchFamily="49" charset="0"/>
-                <a:cs typeface="Courier New" panose="02070309020205020404" pitchFamily="49" charset="0"/>
-              </a:rPr>
-              <a:t>c(1, “hello”)</a:t>
-            </a:r>
-            <a:r>
-              <a:rPr lang="en-US" dirty="0">
-                <a:cs typeface="Courier New" panose="02070309020205020404" pitchFamily="49" charset="0"/>
-              </a:rPr>
-              <a:t>!</a:t>
+              <a:t>list(1, 2, 3), c(0.4, 0.5), c(“hello”, “hi”), list(1, “hello”)</a:t>
+            </a:r>
+          </a:p>
+          <a:p>
+            <a:r>
+              <a:rPr lang="en-US" dirty="0"/>
+              <a:t>Can always access by subscript. If </a:t>
+            </a:r>
+            <a:r>
+              <a:rPr lang="en-US" dirty="0">
+                <a:latin typeface="Courier New" panose="02070309020205020404" pitchFamily="49" charset="0"/>
+                <a:cs typeface="Courier New" panose="02070309020205020404" pitchFamily="49" charset="0"/>
+              </a:rPr>
+              <a:t>a </a:t>
+            </a:r>
+            <a:r>
+              <a:rPr lang="en-US" dirty="0">
+                <a:cs typeface="Courier New" panose="02070309020205020404" pitchFamily="49" charset="0"/>
+              </a:rPr>
+              <a:t>is a list, </a:t>
+            </a:r>
+            <a:r>
+              <a:rPr lang="en-US" dirty="0">
+                <a:latin typeface="Courier New" panose="02070309020205020404" pitchFamily="49" charset="0"/>
+                <a:cs typeface="Courier New" panose="02070309020205020404" pitchFamily="49" charset="0"/>
+              </a:rPr>
+              <a:t>a[[1]] </a:t>
+            </a:r>
+            <a:r>
+              <a:rPr lang="en-US" dirty="0">
+                <a:cs typeface="Courier New" panose="02070309020205020404" pitchFamily="49" charset="0"/>
+              </a:rPr>
+              <a:t>returns the 1</a:t>
+            </a:r>
+            <a:r>
+              <a:rPr lang="en-US" baseline="30000" dirty="0">
+                <a:cs typeface="Courier New" panose="02070309020205020404" pitchFamily="49" charset="0"/>
+              </a:rPr>
+              <a:t>st</a:t>
+            </a:r>
+            <a:r>
+              <a:rPr lang="en-US" dirty="0">
+                <a:cs typeface="Courier New" panose="02070309020205020404" pitchFamily="49" charset="0"/>
+              </a:rPr>
+              <a:t> element</a:t>
+            </a:r>
+          </a:p>
+          <a:p>
+            <a:r>
+              <a:rPr lang="en-US" dirty="0">
+                <a:cs typeface="Courier New" panose="02070309020205020404" pitchFamily="49" charset="0"/>
+              </a:rPr>
+              <a:t>Also, can access by giving custom names to values!</a:t>
+            </a:r>
+          </a:p>
+          <a:p>
+            <a:pPr lvl="1"/>
+            <a:r>
+              <a:rPr lang="en-US" dirty="0">
+                <a:latin typeface="Courier New" panose="02070309020205020404" pitchFamily="49" charset="0"/>
+                <a:cs typeface="Courier New" panose="02070309020205020404" pitchFamily="49" charset="0"/>
+              </a:rPr>
+              <a:t>ages &lt;- list(16, 17); names(ages) &lt;- c(“</a:t>
+            </a:r>
+            <a:r>
+              <a:rPr lang="en-US" dirty="0" err="1">
+                <a:latin typeface="Courier New" panose="02070309020205020404" pitchFamily="49" charset="0"/>
+                <a:cs typeface="Courier New" panose="02070309020205020404" pitchFamily="49" charset="0"/>
+              </a:rPr>
+              <a:t>steve</a:t>
+            </a:r>
+            <a:r>
+              <a:rPr lang="en-US" dirty="0">
+                <a:latin typeface="Courier New" panose="02070309020205020404" pitchFamily="49" charset="0"/>
+                <a:cs typeface="Courier New" panose="02070309020205020404" pitchFamily="49" charset="0"/>
+              </a:rPr>
+              <a:t>”, “tony”)</a:t>
+            </a:r>
+          </a:p>
+          <a:p>
+            <a:pPr lvl="1"/>
+            <a:r>
+              <a:rPr lang="en-US" dirty="0" err="1">
+                <a:latin typeface="Courier New" panose="02070309020205020404" pitchFamily="49" charset="0"/>
+                <a:cs typeface="Courier New" panose="02070309020205020404" pitchFamily="49" charset="0"/>
+              </a:rPr>
+              <a:t>ages$steve</a:t>
             </a:r>
             <a:endParaRPr lang="en-US" dirty="0">
               <a:latin typeface="Courier New" panose="02070309020205020404" pitchFamily="49" charset="0"/>
@@ -4877,63 +5107,6 @@
             </a:endParaRPr>
           </a:p>
           <a:p>
-            <a:r>
-              <a:rPr lang="en-US" dirty="0"/>
-              <a:t>Access by subscript. If </a:t>
-            </a:r>
-            <a:r>
-              <a:rPr lang="en-US" dirty="0">
-                <a:latin typeface="Courier New" panose="02070309020205020404" pitchFamily="49" charset="0"/>
-                <a:cs typeface="Courier New" panose="02070309020205020404" pitchFamily="49" charset="0"/>
-              </a:rPr>
-              <a:t>a </a:t>
-            </a:r>
-            <a:r>
-              <a:rPr lang="en-US" dirty="0">
-                <a:cs typeface="Courier New" panose="02070309020205020404" pitchFamily="49" charset="0"/>
-              </a:rPr>
-              <a:t>is a vector, </a:t>
-            </a:r>
-            <a:r>
-              <a:rPr lang="en-US" dirty="0">
-                <a:latin typeface="Courier New" panose="02070309020205020404" pitchFamily="49" charset="0"/>
-                <a:cs typeface="Courier New" panose="02070309020205020404" pitchFamily="49" charset="0"/>
-              </a:rPr>
-              <a:t>a[1] </a:t>
-            </a:r>
-            <a:r>
-              <a:rPr lang="en-US" dirty="0">
-                <a:cs typeface="Courier New" panose="02070309020205020404" pitchFamily="49" charset="0"/>
-              </a:rPr>
-              <a:t>returns the 1</a:t>
-            </a:r>
-            <a:r>
-              <a:rPr lang="en-US" baseline="30000" dirty="0">
-                <a:cs typeface="Courier New" panose="02070309020205020404" pitchFamily="49" charset="0"/>
-              </a:rPr>
-              <a:t>st</a:t>
-            </a:r>
-            <a:r>
-              <a:rPr lang="en-US" dirty="0">
-                <a:cs typeface="Courier New" panose="02070309020205020404" pitchFamily="49" charset="0"/>
-              </a:rPr>
-              <a:t> element.</a:t>
-            </a:r>
-          </a:p>
-          <a:p>
-            <a:r>
-              <a:rPr lang="en-US" dirty="0">
-                <a:cs typeface="Courier New" panose="02070309020205020404" pitchFamily="49" charset="0"/>
-              </a:rPr>
-              <a:t>Ranges: </a:t>
-            </a:r>
-            <a:r>
-              <a:rPr lang="en-US" dirty="0">
-                <a:latin typeface="Courier New" panose="02070309020205020404" pitchFamily="49" charset="0"/>
-                <a:cs typeface="Courier New" panose="02070309020205020404" pitchFamily="49" charset="0"/>
-              </a:rPr>
-              <a:t>1:14</a:t>
-            </a:r>
             <a:endParaRPr lang="en-US" dirty="0"/>
           </a:p>
         </p:txBody>
@@ -4955,7 +5128,7 @@
           <a:p>
             <a:fld id="{8AAE40A0-A7D8-4DC3-BC9E-BADA32DA2004}" type="datetime4">
               <a:rPr lang="en-US" smtClean="0"/>
-              <a:t>June 29, 2019</a:t>
+              <a:t>July 1, 2019</a:t>
             </a:fld>
             <a:endParaRPr lang="en-US" dirty="0"/>
           </a:p>
@@ -5038,7 +5211,7 @@
     </p:spTree>
     <p:extLst>
       <p:ext uri="{BB962C8B-B14F-4D97-AF65-F5344CB8AC3E}">
-        <p14:creationId xmlns:p14="http://schemas.microsoft.com/office/powerpoint/2010/main" val="888473886"/>
+        <p14:creationId xmlns:p14="http://schemas.microsoft.com/office/powerpoint/2010/main" val="2905644330"/>
       </p:ext>
     </p:extLst>
   </p:cSld>
@@ -5067,7 +5240,7 @@
       </p:grpSpPr>
       <p:sp>
         <p:nvSpPr>
-          <p:cNvPr id="2" name="Title 1"/>
+          <p:cNvPr id="7" name="Title 6"/>
           <p:cNvSpPr>
             <a:spLocks noGrp="1"/>
           </p:cNvSpPr>
@@ -5082,309 +5255,13 @@
           <a:p>
             <a:r>
               <a:rPr lang="en-US" dirty="0"/>
-              <a:t>LISTS</a:t>
-            </a:r>
-          </a:p>
-        </p:txBody>
-      </p:sp>
-      <p:sp>
-        <p:nvSpPr>
-          <p:cNvPr id="3" name="Content Placeholder 2"/>
-          <p:cNvSpPr>
-            <a:spLocks noGrp="1"/>
-          </p:cNvSpPr>
-          <p:nvPr>
-            <p:ph idx="1"/>
-          </p:nvPr>
-        </p:nvSpPr>
-        <p:spPr/>
-        <p:txBody>
-          <a:bodyPr>
-            <a:normAutofit lnSpcReduction="10000"/>
-          </a:bodyPr>
-          <a:lstStyle/>
-          <a:p>
-            <a:r>
-              <a:rPr lang="en-US" dirty="0"/>
-              <a:t>Variable list of values of any type</a:t>
-            </a:r>
-          </a:p>
-          <a:p>
-            <a:r>
-              <a:rPr lang="en-US" dirty="0"/>
-              <a:t>Created with the </a:t>
-            </a:r>
-            <a:r>
-              <a:rPr lang="en-US" dirty="0">
-                <a:latin typeface="Courier New" panose="02070309020205020404" pitchFamily="49" charset="0"/>
-                <a:cs typeface="Courier New" panose="02070309020205020404" pitchFamily="49" charset="0"/>
-              </a:rPr>
-              <a:t>list()</a:t>
-            </a:r>
-            <a:r>
-              <a:rPr lang="en-US" dirty="0"/>
-              <a:t> function</a:t>
-            </a:r>
-          </a:p>
-          <a:p>
-            <a:r>
-              <a:rPr lang="en-US" dirty="0"/>
-              <a:t>Examples: </a:t>
-            </a:r>
-            <a:r>
-              <a:rPr lang="en-US" dirty="0">
-                <a:latin typeface="Courier New" panose="02070309020205020404" pitchFamily="49" charset="0"/>
-                <a:cs typeface="Courier New" panose="02070309020205020404" pitchFamily="49" charset="0"/>
-              </a:rPr>
-              <a:t>list(1, 2, 3), c(0.4, 0.5), c(“hello”, “hi”), list(1, “hello”)</a:t>
-            </a:r>
-          </a:p>
-          <a:p>
-            <a:r>
-              <a:rPr lang="en-US" dirty="0"/>
-              <a:t>Can always access by subscript. If </a:t>
-            </a:r>
-            <a:r>
-              <a:rPr lang="en-US" dirty="0">
-                <a:latin typeface="Courier New" panose="02070309020205020404" pitchFamily="49" charset="0"/>
-                <a:cs typeface="Courier New" panose="02070309020205020404" pitchFamily="49" charset="0"/>
-              </a:rPr>
-              <a:t>a </a:t>
-            </a:r>
-            <a:r>
-              <a:rPr lang="en-US" dirty="0">
-                <a:cs typeface="Courier New" panose="02070309020205020404" pitchFamily="49" charset="0"/>
-              </a:rPr>
-              <a:t>is a list, </a:t>
-            </a:r>
-            <a:r>
-              <a:rPr lang="en-US" dirty="0">
-                <a:latin typeface="Courier New" panose="02070309020205020404" pitchFamily="49" charset="0"/>
-                <a:cs typeface="Courier New" panose="02070309020205020404" pitchFamily="49" charset="0"/>
-              </a:rPr>
-              <a:t>a[[1]] </a:t>
-            </a:r>
-            <a:r>
-              <a:rPr lang="en-US" dirty="0">
-                <a:cs typeface="Courier New" panose="02070309020205020404" pitchFamily="49" charset="0"/>
-              </a:rPr>
-              <a:t>returns the 1</a:t>
-            </a:r>
-            <a:r>
-              <a:rPr lang="en-US" baseline="30000" dirty="0">
-                <a:cs typeface="Courier New" panose="02070309020205020404" pitchFamily="49" charset="0"/>
-              </a:rPr>
-              <a:t>st</a:t>
-            </a:r>
-            <a:r>
-              <a:rPr lang="en-US" dirty="0">
-                <a:cs typeface="Courier New" panose="02070309020205020404" pitchFamily="49" charset="0"/>
-              </a:rPr>
-              <a:t> element</a:t>
-            </a:r>
-          </a:p>
-          <a:p>
-            <a:r>
-              <a:rPr lang="en-US" dirty="0">
-                <a:cs typeface="Courier New" panose="02070309020205020404" pitchFamily="49" charset="0"/>
-              </a:rPr>
-              <a:t>Also, can access by giving custom names to values!</a:t>
-            </a:r>
-          </a:p>
-          <a:p>
-            <a:pPr lvl="1"/>
-            <a:r>
-              <a:rPr lang="en-US" dirty="0">
-                <a:latin typeface="Courier New" panose="02070309020205020404" pitchFamily="49" charset="0"/>
-                <a:cs typeface="Courier New" panose="02070309020205020404" pitchFamily="49" charset="0"/>
-              </a:rPr>
-              <a:t>ages &lt;- list(16, 17); names(ages) &lt;- c(“</a:t>
-            </a:r>
-            <a:r>
-              <a:rPr lang="en-US" dirty="0" err="1">
-                <a:latin typeface="Courier New" panose="02070309020205020404" pitchFamily="49" charset="0"/>
-                <a:cs typeface="Courier New" panose="02070309020205020404" pitchFamily="49" charset="0"/>
-              </a:rPr>
-              <a:t>steve</a:t>
-            </a:r>
-            <a:r>
-              <a:rPr lang="en-US" dirty="0">
-                <a:latin typeface="Courier New" panose="02070309020205020404" pitchFamily="49" charset="0"/>
-                <a:cs typeface="Courier New" panose="02070309020205020404" pitchFamily="49" charset="0"/>
-              </a:rPr>
-              <a:t>”, “tony”)</a:t>
-            </a:r>
-          </a:p>
-          <a:p>
-            <a:pPr lvl="1"/>
-            <a:r>
-              <a:rPr lang="en-US" dirty="0" err="1">
-                <a:latin typeface="Courier New" panose="02070309020205020404" pitchFamily="49" charset="0"/>
-                <a:cs typeface="Courier New" panose="02070309020205020404" pitchFamily="49" charset="0"/>
-              </a:rPr>
-              <a:t>ages$steve</a:t>
-            </a:r>
-            <a:endParaRPr lang="en-US" dirty="0">
-              <a:latin typeface="Courier New" panose="02070309020205020404" pitchFamily="49" charset="0"/>
-              <a:cs typeface="Courier New" panose="02070309020205020404" pitchFamily="49" charset="0"/>
-            </a:endParaRPr>
-          </a:p>
-          <a:p>
-            <a:endParaRPr lang="en-US" dirty="0"/>
-          </a:p>
-        </p:txBody>
-      </p:sp>
-      <p:sp>
-        <p:nvSpPr>
-          <p:cNvPr id="4" name="Date Placeholder 3"/>
-          <p:cNvSpPr>
-            <a:spLocks noGrp="1"/>
-          </p:cNvSpPr>
-          <p:nvPr>
-            <p:ph type="dt" sz="half" idx="10"/>
-          </p:nvPr>
-        </p:nvSpPr>
-        <p:spPr/>
-        <p:txBody>
-          <a:bodyPr/>
-          <a:lstStyle/>
-          <a:p>
-            <a:fld id="{8AAE40A0-A7D8-4DC3-BC9E-BADA32DA2004}" type="datetime4">
-              <a:rPr lang="en-US" smtClean="0"/>
-              <a:t>June 29, 2019</a:t>
-            </a:fld>
-            <a:endParaRPr lang="en-US" dirty="0"/>
-          </a:p>
-        </p:txBody>
-      </p:sp>
-      <p:sp>
-        <p:nvSpPr>
-          <p:cNvPr id="5" name="Footer Placeholder 4"/>
-          <p:cNvSpPr>
-            <a:spLocks noGrp="1"/>
-          </p:cNvSpPr>
-          <p:nvPr>
-            <p:ph type="ftr" sz="quarter" idx="11"/>
-          </p:nvPr>
-        </p:nvSpPr>
-        <p:spPr/>
-        <p:txBody>
-          <a:bodyPr/>
-          <a:lstStyle/>
-          <a:p>
-            <a:r>
-              <a:rPr lang="en-US"/>
-              <a:t>Digital Scholarship Services </a:t>
-            </a:r>
-            <a:r>
-              <a:rPr lang="en-US">
-                <a:solidFill>
-                  <a:schemeClr val="accent1">
-                    <a:lumMod val="50000"/>
-                  </a:schemeClr>
-                </a:solidFill>
-              </a:rPr>
-              <a:t>| Email</a:t>
-            </a:r>
-            <a:r>
-              <a:rPr lang="en-US"/>
-              <a:t> cf24@rice.edu </a:t>
-            </a:r>
-            <a:r>
-              <a:rPr lang="en-US">
-                <a:solidFill>
-                  <a:schemeClr val="accent1">
-                    <a:lumMod val="50000"/>
-                  </a:schemeClr>
-                </a:solidFill>
-              </a:rPr>
-              <a:t>|</a:t>
-            </a:r>
-            <a:r>
-              <a:rPr lang="en-US"/>
-              <a:t> library.rice.edu/dss</a:t>
-            </a:r>
-            <a:endParaRPr lang="en-US" dirty="0"/>
-          </a:p>
-        </p:txBody>
-      </p:sp>
-      <p:sp>
-        <p:nvSpPr>
-          <p:cNvPr id="6" name="Slide Number Placeholder 5"/>
-          <p:cNvSpPr>
-            <a:spLocks noGrp="1"/>
-          </p:cNvSpPr>
-          <p:nvPr>
-            <p:ph type="sldNum" sz="quarter" idx="12"/>
-          </p:nvPr>
-        </p:nvSpPr>
-        <p:spPr/>
-        <p:txBody>
-          <a:bodyPr/>
-          <a:lstStyle/>
-          <a:p>
-            <a:fld id="{D57F1E4F-1CFF-5643-939E-02111984F565}" type="slidenum">
-              <a:rPr lang="en-US" smtClean="0"/>
-              <a:t>15</a:t>
-            </a:fld>
-            <a:endParaRPr lang="en-US" dirty="0"/>
-          </a:p>
-        </p:txBody>
-      </p:sp>
-    </p:spTree>
-    <p:extLst>
-      <p:ext uri="{BB962C8B-B14F-4D97-AF65-F5344CB8AC3E}">
-        <p14:creationId xmlns:p14="http://schemas.microsoft.com/office/powerpoint/2010/main" val="2905644330"/>
-      </p:ext>
-    </p:extLst>
-  </p:cSld>
-  <p:clrMapOvr>
-    <a:masterClrMapping/>
-  </p:clrMapOvr>
-</p:sld>
-</file>
-
-<file path=ppt/slides/slide16.xml><?xml version="1.0" encoding="utf-8"?>
-<p:sld xmlns:a="http://schemas.openxmlformats.org/drawingml/2006/main" xmlns:r="http://schemas.openxmlformats.org/officeDocument/2006/relationships" xmlns:p="http://schemas.openxmlformats.org/presentationml/2006/main">
-  <p:cSld>
-    <p:spTree>
-      <p:nvGrpSpPr>
-        <p:cNvPr id="1" name=""/>
-        <p:cNvGrpSpPr/>
-        <p:nvPr/>
-      </p:nvGrpSpPr>
-      <p:grpSpPr>
-        <a:xfrm>
-          <a:off x="0" y="0"/>
-          <a:ext cx="0" cy="0"/>
-          <a:chOff x="0" y="0"/>
-          <a:chExt cx="0" cy="0"/>
-        </a:xfrm>
-      </p:grpSpPr>
-      <p:sp>
-        <p:nvSpPr>
-          <p:cNvPr id="7" name="Title 6"/>
-          <p:cNvSpPr>
-            <a:spLocks noGrp="1"/>
-          </p:cNvSpPr>
-          <p:nvPr>
-            <p:ph type="title"/>
-          </p:nvPr>
-        </p:nvSpPr>
-        <p:spPr/>
-        <p:txBody>
-          <a:bodyPr/>
-          <a:lstStyle/>
-          <a:p>
-            <a:r>
-              <a:rPr lang="en-US" dirty="0"/>
               <a:t>MATRICES</a:t>
             </a:r>
           </a:p>
         </p:txBody>
       </p:sp>
-      <mc:AlternateContent xmlns:mc="http://schemas.openxmlformats.org/markup-compatibility/2006">
-        <mc:Choice xmlns:a14="http://schemas.microsoft.com/office/drawing/2010/main" Requires="a14">
+      <mc:AlternateContent xmlns:mc="http://schemas.openxmlformats.org/markup-compatibility/2006" xmlns:a14="http://schemas.microsoft.com/office/drawing/2010/main">
+        <mc:Choice Requires="a14">
           <p:sp>
             <p:nvSpPr>
               <p:cNvPr id="8" name="Content Placeholder 7"/>
@@ -5533,7 +5410,7 @@
             </p:txBody>
           </p:sp>
         </mc:Choice>
-        <mc:Fallback>
+        <mc:Fallback xmlns="">
           <p:sp>
             <p:nvSpPr>
               <p:cNvPr id="8" name="Content Placeholder 7"/>
@@ -5584,7 +5461,7 @@
           <a:p>
             <a:fld id="{B08FEED8-D7D4-44E9-BFBC-ED06B5996D94}" type="datetime4">
               <a:rPr lang="en-US" smtClean="0"/>
-              <a:t>June 29, 2019</a:t>
+              <a:t>July 1, 2019</a:t>
             </a:fld>
             <a:endParaRPr lang="en-US" dirty="0"/>
           </a:p>
@@ -5658,7 +5535,7 @@
           <a:p>
             <a:fld id="{D57F1E4F-1CFF-5643-939E-02111984F565}" type="slidenum">
               <a:rPr lang="en-US" smtClean="0"/>
-              <a:t>16</a:t>
+              <a:t>15</a:t>
             </a:fld>
             <a:endParaRPr lang="en-US" dirty="0"/>
           </a:p>
@@ -5668,6 +5545,318 @@
     <p:extLst>
       <p:ext uri="{BB962C8B-B14F-4D97-AF65-F5344CB8AC3E}">
         <p14:creationId xmlns:p14="http://schemas.microsoft.com/office/powerpoint/2010/main" val="1867989177"/>
+      </p:ext>
+    </p:extLst>
+  </p:cSld>
+  <p:clrMapOvr>
+    <a:masterClrMapping/>
+  </p:clrMapOvr>
+</p:sld>
+</file>
+
+<file path=ppt/slides/slide16.xml><?xml version="1.0" encoding="utf-8"?>
+<p:sld xmlns:a="http://schemas.openxmlformats.org/drawingml/2006/main" xmlns:r="http://schemas.openxmlformats.org/officeDocument/2006/relationships" xmlns:p="http://schemas.openxmlformats.org/presentationml/2006/main">
+  <p:cSld>
+    <p:spTree>
+      <p:nvGrpSpPr>
+        <p:cNvPr id="1" name=""/>
+        <p:cNvGrpSpPr/>
+        <p:nvPr/>
+      </p:nvGrpSpPr>
+      <p:grpSpPr>
+        <a:xfrm>
+          <a:off x="0" y="0"/>
+          <a:ext cx="0" cy="0"/>
+          <a:chOff x="0" y="0"/>
+          <a:chExt cx="0" cy="0"/>
+        </a:xfrm>
+      </p:grpSpPr>
+      <p:sp>
+        <p:nvSpPr>
+          <p:cNvPr id="7" name="Title 6"/>
+          <p:cNvSpPr>
+            <a:spLocks noGrp="1"/>
+          </p:cNvSpPr>
+          <p:nvPr>
+            <p:ph type="title"/>
+          </p:nvPr>
+        </p:nvSpPr>
+        <p:spPr/>
+        <p:txBody>
+          <a:bodyPr/>
+          <a:lstStyle/>
+          <a:p>
+            <a:r>
+              <a:rPr lang="en-US" dirty="0"/>
+              <a:t>ACCESSING MATRICES</a:t>
+            </a:r>
+          </a:p>
+        </p:txBody>
+      </p:sp>
+      <p:sp>
+        <p:nvSpPr>
+          <p:cNvPr id="8" name="Content Placeholder 7"/>
+          <p:cNvSpPr>
+            <a:spLocks noGrp="1"/>
+          </p:cNvSpPr>
+          <p:nvPr>
+            <p:ph idx="1"/>
+          </p:nvPr>
+        </p:nvSpPr>
+        <p:spPr/>
+        <p:txBody>
+          <a:bodyPr>
+            <a:normAutofit fontScale="92500" lnSpcReduction="10000"/>
+          </a:bodyPr>
+          <a:lstStyle/>
+          <a:p>
+            <a:r>
+              <a:rPr lang="en-US" dirty="0"/>
+              <a:t>Given matrix </a:t>
+            </a:r>
+            <a:r>
+              <a:rPr lang="en-US" dirty="0">
+                <a:latin typeface="Courier New" panose="02070309020205020404" pitchFamily="49" charset="0"/>
+                <a:cs typeface="Courier New" panose="02070309020205020404" pitchFamily="49" charset="0"/>
+              </a:rPr>
+              <a:t>mat</a:t>
+            </a:r>
+          </a:p>
+          <a:p>
+            <a:pPr lvl="1"/>
+            <a:r>
+              <a:rPr lang="en-US" dirty="0"/>
+              <a:t>Access one value:</a:t>
+            </a:r>
+          </a:p>
+          <a:p>
+            <a:pPr lvl="2"/>
+            <a:r>
+              <a:rPr lang="en-US" sz="2800" dirty="0">
+                <a:latin typeface="Courier New" panose="02070309020205020404" pitchFamily="49" charset="0"/>
+                <a:cs typeface="Courier New" panose="02070309020205020404" pitchFamily="49" charset="0"/>
+              </a:rPr>
+              <a:t>mat[3,4]: </a:t>
+            </a:r>
+            <a:r>
+              <a:rPr lang="en-US" dirty="0"/>
+              <a:t>element in 3</a:t>
+            </a:r>
+            <a:r>
+              <a:rPr lang="en-US" baseline="30000" dirty="0"/>
+              <a:t>rd</a:t>
+            </a:r>
+            <a:r>
+              <a:rPr lang="en-US" dirty="0"/>
+              <a:t> row, 4</a:t>
+            </a:r>
+            <a:r>
+              <a:rPr lang="en-US" baseline="30000" dirty="0"/>
+              <a:t>th</a:t>
+            </a:r>
+            <a:r>
+              <a:rPr lang="en-US" dirty="0"/>
+              <a:t> column</a:t>
+            </a:r>
+          </a:p>
+          <a:p>
+            <a:pPr lvl="1"/>
+            <a:r>
+              <a:rPr lang="en-US" dirty="0"/>
+              <a:t>Access a column:</a:t>
+            </a:r>
+          </a:p>
+          <a:p>
+            <a:pPr lvl="2"/>
+            <a:r>
+              <a:rPr lang="en-US" sz="2800" dirty="0">
+                <a:latin typeface="Courier New" panose="02070309020205020404" pitchFamily="49" charset="0"/>
+                <a:cs typeface="Courier New" panose="02070309020205020404" pitchFamily="49" charset="0"/>
+              </a:rPr>
+              <a:t>mat[,3 ]: </a:t>
+            </a:r>
+            <a:r>
+              <a:rPr lang="en-US" dirty="0"/>
+              <a:t>3</a:t>
+            </a:r>
+            <a:r>
+              <a:rPr lang="en-US" baseline="30000" dirty="0"/>
+              <a:t>rd</a:t>
+            </a:r>
+            <a:r>
+              <a:rPr lang="en-US" dirty="0"/>
+              <a:t> column</a:t>
+            </a:r>
+          </a:p>
+          <a:p>
+            <a:pPr lvl="1"/>
+            <a:r>
+              <a:rPr lang="en-US" dirty="0"/>
+              <a:t>Access a row:</a:t>
+            </a:r>
+          </a:p>
+          <a:p>
+            <a:pPr lvl="2"/>
+            <a:r>
+              <a:rPr lang="en-US" sz="2800" dirty="0">
+                <a:latin typeface="Courier New" panose="02070309020205020404" pitchFamily="49" charset="0"/>
+                <a:cs typeface="Courier New" panose="02070309020205020404" pitchFamily="49" charset="0"/>
+              </a:rPr>
+              <a:t>mat[3,]: </a:t>
+            </a:r>
+            <a:r>
+              <a:rPr lang="en-US" dirty="0"/>
+              <a:t>3</a:t>
+            </a:r>
+            <a:r>
+              <a:rPr lang="en-US" baseline="30000" dirty="0"/>
+              <a:t>rd</a:t>
+            </a:r>
+            <a:r>
+              <a:rPr lang="en-US" dirty="0"/>
+              <a:t> row</a:t>
+            </a:r>
+          </a:p>
+          <a:p>
+            <a:pPr lvl="1"/>
+            <a:r>
+              <a:rPr lang="en-US" dirty="0"/>
+              <a:t>Access a range of rows or columns:</a:t>
+            </a:r>
+          </a:p>
+          <a:p>
+            <a:pPr lvl="2"/>
+            <a:r>
+              <a:rPr lang="en-US" sz="2800" dirty="0">
+                <a:latin typeface="Courier New" panose="02070309020205020404" pitchFamily="49" charset="0"/>
+                <a:cs typeface="Courier New" panose="02070309020205020404" pitchFamily="49" charset="0"/>
+              </a:rPr>
+              <a:t>mat[1:2, 3:5]</a:t>
+            </a:r>
+          </a:p>
+          <a:p>
+            <a:pPr lvl="3"/>
+            <a:r>
+              <a:rPr lang="en-US" dirty="0"/>
+              <a:t>First 2 rows, columns 3 to 5</a:t>
+            </a:r>
+          </a:p>
+          <a:p>
+            <a:r>
+              <a:rPr lang="en-US" dirty="0"/>
+              <a:t>Can save to these as well using assignment operator</a:t>
+            </a:r>
+          </a:p>
+          <a:p>
+            <a:pPr lvl="1"/>
+            <a:r>
+              <a:rPr lang="en-US" dirty="0"/>
+              <a:t>If using row or column, convert to matrix first!</a:t>
+            </a:r>
+          </a:p>
+        </p:txBody>
+      </p:sp>
+      <p:sp>
+        <p:nvSpPr>
+          <p:cNvPr id="4" name="Date Placeholder 3"/>
+          <p:cNvSpPr>
+            <a:spLocks noGrp="1"/>
+          </p:cNvSpPr>
+          <p:nvPr>
+            <p:ph type="dt" sz="half" idx="10"/>
+          </p:nvPr>
+        </p:nvSpPr>
+        <p:spPr/>
+        <p:txBody>
+          <a:bodyPr/>
+          <a:lstStyle/>
+          <a:p>
+            <a:fld id="{B08FEED8-D7D4-44E9-BFBC-ED06B5996D94}" type="datetime4">
+              <a:rPr lang="en-US" smtClean="0"/>
+              <a:t>July 1, 2019</a:t>
+            </a:fld>
+            <a:endParaRPr lang="en-US" dirty="0"/>
+          </a:p>
+        </p:txBody>
+      </p:sp>
+      <p:sp>
+        <p:nvSpPr>
+          <p:cNvPr id="5" name="Footer Placeholder 4"/>
+          <p:cNvSpPr>
+            <a:spLocks noGrp="1"/>
+          </p:cNvSpPr>
+          <p:nvPr>
+            <p:ph type="ftr" sz="quarter" idx="11"/>
+          </p:nvPr>
+        </p:nvSpPr>
+        <p:spPr/>
+        <p:txBody>
+          <a:bodyPr/>
+          <a:lstStyle/>
+          <a:p>
+            <a:r>
+              <a:rPr lang="en-US"/>
+              <a:t>Digital Scholarship Services </a:t>
+            </a:r>
+            <a:r>
+              <a:rPr lang="en-US">
+                <a:solidFill>
+                  <a:schemeClr val="accent1">
+                    <a:lumMod val="50000"/>
+                  </a:schemeClr>
+                </a:solidFill>
+              </a:rPr>
+              <a:t>| Email</a:t>
+            </a:r>
+            <a:r>
+              <a:rPr lang="en-US"/>
+              <a:t> cf24@rice.edu </a:t>
+            </a:r>
+            <a:r>
+              <a:rPr lang="en-US">
+                <a:solidFill>
+                  <a:schemeClr val="accent1">
+                    <a:lumMod val="50000"/>
+                  </a:schemeClr>
+                </a:solidFill>
+              </a:rPr>
+              <a:t>|</a:t>
+            </a:r>
+            <a:r>
+              <a:rPr lang="en-US"/>
+              <a:t> library.rice.edu/dss</a:t>
+            </a:r>
+            <a:endParaRPr lang="en-US" dirty="0"/>
+          </a:p>
+        </p:txBody>
+      </p:sp>
+      <p:sp>
+        <p:nvSpPr>
+          <p:cNvPr id="6" name="Slide Number Placeholder 5"/>
+          <p:cNvSpPr>
+            <a:spLocks noGrp="1"/>
+          </p:cNvSpPr>
+          <p:nvPr>
+            <p:ph type="sldNum" sz="quarter" idx="12"/>
+          </p:nvPr>
+        </p:nvSpPr>
+        <p:spPr/>
+        <p:txBody>
+          <a:bodyPr/>
+          <a:lstStyle/>
+          <a:p>
+            <a:fld id="{D57F1E4F-1CFF-5643-939E-02111984F565}" type="slidenum">
+              <a:rPr lang="en-US" smtClean="0"/>
+              <a:t>16</a:t>
+            </a:fld>
+            <a:endParaRPr lang="en-US" dirty="0"/>
+          </a:p>
+        </p:txBody>
+      </p:sp>
+    </p:spTree>
+    <p:extLst>
+      <p:ext uri="{BB962C8B-B14F-4D97-AF65-F5344CB8AC3E}">
+        <p14:creationId xmlns:p14="http://schemas.microsoft.com/office/powerpoint/2010/main" val="3909088616"/>
       </p:ext>
     </p:extLst>
   </p:cSld>
@@ -5711,7 +5900,7 @@
           <a:p>
             <a:r>
               <a:rPr lang="en-US" dirty="0"/>
-              <a:t>ACCESSING MATRICES</a:t>
+              <a:t>FACTORS</a:t>
             </a:r>
           </a:p>
         </p:txBody>
@@ -5729,153 +5918,87 @@
         <p:spPr/>
         <p:txBody>
           <a:bodyPr>
-            <a:normAutofit fontScale="92500" lnSpcReduction="10000"/>
+            <a:normAutofit lnSpcReduction="10000"/>
           </a:bodyPr>
           <a:lstStyle/>
           <a:p>
             <a:r>
               <a:rPr lang="en-US" dirty="0"/>
-              <a:t>Given matrix </a:t>
-            </a:r>
-            <a:r>
-              <a:rPr lang="en-US" dirty="0">
-                <a:latin typeface="Courier New" panose="02070309020205020404" pitchFamily="49" charset="0"/>
-                <a:cs typeface="Courier New" panose="02070309020205020404" pitchFamily="49" charset="0"/>
-              </a:rPr>
-              <a:t>mat</a:t>
+              <a:t>Categorical data</a:t>
             </a:r>
           </a:p>
           <a:p>
             <a:pPr lvl="1"/>
             <a:r>
               <a:rPr lang="en-US" dirty="0"/>
-              <a:t>Access one value:</a:t>
-            </a:r>
-          </a:p>
-          <a:p>
-            <a:pPr lvl="2"/>
-            <a:r>
-              <a:rPr lang="en-US" sz="2800" dirty="0">
-                <a:latin typeface="Courier New" panose="02070309020205020404" pitchFamily="49" charset="0"/>
-                <a:cs typeface="Courier New" panose="02070309020205020404" pitchFamily="49" charset="0"/>
-              </a:rPr>
-              <a:t>mat[3,4]: </a:t>
-            </a:r>
-            <a:r>
-              <a:rPr lang="en-US" dirty="0"/>
-              <a:t>element in 3</a:t>
-            </a:r>
-            <a:r>
-              <a:rPr lang="en-US" baseline="30000" dirty="0"/>
-              <a:t>rd</a:t>
-            </a:r>
-            <a:r>
-              <a:rPr lang="en-US" dirty="0"/>
-              <a:t> row, 4</a:t>
-            </a:r>
-            <a:r>
-              <a:rPr lang="en-US" baseline="30000" dirty="0"/>
-              <a:t>th</a:t>
-            </a:r>
-            <a:r>
-              <a:rPr lang="en-US" dirty="0"/>
-              <a:t> column</a:t>
+              <a:t>Only a few possible values</a:t>
             </a:r>
           </a:p>
           <a:p>
             <a:pPr lvl="1"/>
             <a:r>
               <a:rPr lang="en-US" dirty="0"/>
-              <a:t>Access a column:</a:t>
-            </a:r>
-          </a:p>
-          <a:p>
-            <a:pPr lvl="2"/>
-            <a:r>
-              <a:rPr lang="en-US" sz="2800" dirty="0">
-                <a:latin typeface="Courier New" panose="02070309020205020404" pitchFamily="49" charset="0"/>
-                <a:cs typeface="Courier New" panose="02070309020205020404" pitchFamily="49" charset="0"/>
-              </a:rPr>
-              <a:t>mat[,3 ]: </a:t>
-            </a:r>
-            <a:r>
-              <a:rPr lang="en-US" dirty="0"/>
-              <a:t>3</a:t>
-            </a:r>
-            <a:r>
-              <a:rPr lang="en-US" baseline="30000" dirty="0"/>
-              <a:t>rd</a:t>
-            </a:r>
-            <a:r>
-              <a:rPr lang="en-US" dirty="0"/>
-              <a:t> column</a:t>
+              <a:t>Example: US States</a:t>
+            </a:r>
+          </a:p>
+          <a:p>
+            <a:r>
+              <a:rPr lang="en-US" dirty="0"/>
+              <a:t>Create a factor with </a:t>
+            </a:r>
+            <a:r>
+              <a:rPr lang="en-US" dirty="0">
+                <a:latin typeface="Courier New" panose="02070309020205020404" pitchFamily="49" charset="0"/>
+                <a:cs typeface="Courier New" panose="02070309020205020404" pitchFamily="49" charset="0"/>
+              </a:rPr>
+              <a:t>factor(c(...), levels=c(...))</a:t>
+            </a:r>
+          </a:p>
+          <a:p>
+            <a:r>
+              <a:rPr lang="en-US" dirty="0">
+                <a:cs typeface="Courier New" panose="02070309020205020404" pitchFamily="49" charset="0"/>
+              </a:rPr>
+              <a:t>First argument: atomic vector </a:t>
+            </a:r>
+          </a:p>
+          <a:p>
+            <a:r>
+              <a:rPr lang="en-US" dirty="0">
+                <a:cs typeface="Courier New" panose="02070309020205020404" pitchFamily="49" charset="0"/>
+              </a:rPr>
+              <a:t>Levels: all possible values</a:t>
             </a:r>
           </a:p>
           <a:p>
             <a:pPr lvl="1"/>
             <a:r>
-              <a:rPr lang="en-US" dirty="0"/>
-              <a:t>Access a row:</a:t>
-            </a:r>
-          </a:p>
-          <a:p>
-            <a:pPr lvl="2"/>
-            <a:r>
-              <a:rPr lang="en-US" sz="2800" dirty="0">
-                <a:latin typeface="Courier New" panose="02070309020205020404" pitchFamily="49" charset="0"/>
-                <a:cs typeface="Courier New" panose="02070309020205020404" pitchFamily="49" charset="0"/>
-              </a:rPr>
-              <a:t>mat[3,]: </a:t>
-            </a:r>
-            <a:r>
-              <a:rPr lang="en-US" dirty="0"/>
-              <a:t>3</a:t>
-            </a:r>
-            <a:r>
-              <a:rPr lang="en-US" baseline="30000" dirty="0"/>
-              <a:t>rd</a:t>
-            </a:r>
-            <a:r>
-              <a:rPr lang="en-US" dirty="0"/>
-              <a:t> row</a:t>
-            </a:r>
-          </a:p>
-          <a:p>
-            <a:pPr lvl="1"/>
-            <a:r>
-              <a:rPr lang="en-US" dirty="0"/>
-              <a:t>Access a range of rows or columns:</a:t>
-            </a:r>
-          </a:p>
-          <a:p>
-            <a:pPr lvl="2"/>
-            <a:r>
-              <a:rPr lang="en-US" sz="2800" dirty="0">
-                <a:latin typeface="Courier New" panose="02070309020205020404" pitchFamily="49" charset="0"/>
-                <a:cs typeface="Courier New" panose="02070309020205020404" pitchFamily="49" charset="0"/>
-              </a:rPr>
-              <a:t>mat[1:2, 3:5]</a:t>
-            </a:r>
-          </a:p>
-          <a:p>
-            <a:pPr lvl="3"/>
-            <a:r>
-              <a:rPr lang="en-US" dirty="0"/>
-              <a:t>First 2 rows, columns 3 to 5</a:t>
-            </a:r>
-          </a:p>
-          <a:p>
-            <a:r>
-              <a:rPr lang="en-US" dirty="0"/>
-              <a:t>Can save to these as well using assignment operator</a:t>
-            </a:r>
-          </a:p>
-          <a:p>
-            <a:pPr lvl="1"/>
-            <a:r>
-              <a:rPr lang="en-US" dirty="0"/>
-              <a:t>If using row or column, convert to matrix first!</a:t>
-            </a:r>
+              <a:rPr lang="en-US" dirty="0">
+                <a:cs typeface="Courier New" panose="02070309020205020404" pitchFamily="49" charset="0"/>
+              </a:rPr>
+              <a:t>If not provided, factor will assume you have provided all possibilities</a:t>
+            </a:r>
+          </a:p>
+          <a:p>
+            <a:r>
+              <a:rPr lang="en-US" dirty="0">
+                <a:cs typeface="Courier New" panose="02070309020205020404" pitchFamily="49" charset="0"/>
+              </a:rPr>
+              <a:t>e.g. </a:t>
+            </a:r>
+            <a:r>
+              <a:rPr lang="en-US" dirty="0">
+                <a:latin typeface="Courier New" panose="02070309020205020404" pitchFamily="49" charset="0"/>
+                <a:cs typeface="Courier New" panose="02070309020205020404" pitchFamily="49" charset="0"/>
+              </a:rPr>
+              <a:t>factor(c(“Grad Student”, “Grad Student”, “Staff”), levels=c(“Grad Student”, “Staff”, “Faculty”))</a:t>
+            </a:r>
+          </a:p>
+          <a:p>
+            <a:pPr marL="0" indent="0">
+              <a:buNone/>
+            </a:pPr>
+            <a:endParaRPr lang="en-US" dirty="0"/>
           </a:p>
         </p:txBody>
       </p:sp>
@@ -5896,7 +6019,7 @@
           <a:p>
             <a:fld id="{B08FEED8-D7D4-44E9-BFBC-ED06B5996D94}" type="datetime4">
               <a:rPr lang="en-US" smtClean="0"/>
-              <a:t>June 29, 2019</a:t>
+              <a:t>July 1, 2019</a:t>
             </a:fld>
             <a:endParaRPr lang="en-US" dirty="0"/>
           </a:p>
@@ -5979,7 +6102,7 @@
     </p:spTree>
     <p:extLst>
       <p:ext uri="{BB962C8B-B14F-4D97-AF65-F5344CB8AC3E}">
-        <p14:creationId xmlns:p14="http://schemas.microsoft.com/office/powerpoint/2010/main" val="3909088616"/>
+        <p14:creationId xmlns:p14="http://schemas.microsoft.com/office/powerpoint/2010/main" val="2100250050"/>
       </p:ext>
     </p:extLst>
   </p:cSld>
@@ -6023,7 +6146,7 @@
           <a:p>
             <a:r>
               <a:rPr lang="en-US" dirty="0"/>
-              <a:t>MATRIX MULTIPLICATION</a:t>
+              <a:t>DATA FRAME</a:t>
             </a:r>
           </a:p>
         </p:txBody>
@@ -6045,55 +6168,68 @@
           <a:p>
             <a:r>
               <a:rPr lang="en-US" dirty="0"/>
-              <a:t>Uses </a:t>
-            </a:r>
-            <a:r>
-              <a:rPr lang="en-US" dirty="0">
-                <a:latin typeface="Courier New" panose="02070309020205020404" pitchFamily="49" charset="0"/>
-                <a:cs typeface="Courier New" panose="02070309020205020404" pitchFamily="49" charset="0"/>
-              </a:rPr>
-              <a:t>%*%</a:t>
-            </a:r>
-            <a:r>
-              <a:rPr lang="en-US" dirty="0"/>
-              <a:t> (don’t use </a:t>
-            </a:r>
-            <a:r>
-              <a:rPr lang="en-US" dirty="0">
-                <a:latin typeface="Courier New" panose="02070309020205020404" pitchFamily="49" charset="0"/>
-                <a:cs typeface="Courier New" panose="02070309020205020404" pitchFamily="49" charset="0"/>
-              </a:rPr>
-              <a:t>*</a:t>
-            </a:r>
-            <a:r>
-              <a:rPr lang="en-US" dirty="0"/>
-              <a:t>!)</a:t>
-            </a:r>
-          </a:p>
-          <a:p>
-            <a:r>
-              <a:rPr lang="en-US" dirty="0"/>
-              <a:t>Requires conformable dimensions</a:t>
+              <a:t>The quintessential R data type</a:t>
+            </a:r>
+          </a:p>
+          <a:p>
+            <a:r>
+              <a:rPr lang="en-US" dirty="0"/>
+              <a:t>Extremely flexible and powerful</a:t>
+            </a:r>
+          </a:p>
+          <a:p>
+            <a:r>
+              <a:rPr lang="en-US" dirty="0"/>
+              <a:t>Structure</a:t>
             </a:r>
           </a:p>
           <a:p>
             <a:pPr lvl="1"/>
             <a:r>
               <a:rPr lang="en-US" dirty="0"/>
-              <a:t>Number of columns in first matrix = number of rows in second matrix</a:t>
-            </a:r>
-          </a:p>
-          <a:p>
-            <a:r>
-              <a:rPr lang="en-US" dirty="0"/>
-              <a:t>Extremely fast!</a:t>
+              <a:t>Column: a variable</a:t>
             </a:r>
           </a:p>
           <a:p>
             <a:pPr lvl="1"/>
             <a:r>
               <a:rPr lang="en-US" dirty="0"/>
-              <a:t>Optimized libraries</a:t>
+              <a:t>Row: an observation</a:t>
+            </a:r>
+          </a:p>
+          <a:p>
+            <a:r>
+              <a:rPr lang="en-US" dirty="0"/>
+              <a:t>Give data as columns</a:t>
+            </a:r>
+          </a:p>
+          <a:p>
+            <a:r>
+              <a:rPr lang="en-US" dirty="0"/>
+              <a:t>Example: </a:t>
+            </a:r>
+            <a:r>
+              <a:rPr lang="en-US" dirty="0" err="1">
+                <a:latin typeface="Courier New" panose="02070309020205020404" pitchFamily="49" charset="0"/>
+                <a:cs typeface="Courier New" panose="02070309020205020404" pitchFamily="49" charset="0"/>
+              </a:rPr>
+              <a:t>data.frame</a:t>
+            </a:r>
+            <a:r>
+              <a:rPr lang="en-US" dirty="0">
+                <a:latin typeface="Courier New" panose="02070309020205020404" pitchFamily="49" charset="0"/>
+                <a:cs typeface="Courier New" panose="02070309020205020404" pitchFamily="49" charset="0"/>
+              </a:rPr>
+              <a:t>(name=c(“John”, “Molly”), age=c(15,17))</a:t>
+            </a:r>
+          </a:p>
+          <a:p>
+            <a:pPr lvl="1"/>
+            <a:r>
+              <a:rPr lang="en-US" dirty="0">
+                <a:cs typeface="Courier New" panose="02070309020205020404" pitchFamily="49" charset="0"/>
+              </a:rPr>
+              <a:t>John is 15, Molly is 17</a:t>
             </a:r>
           </a:p>
         </p:txBody>
@@ -6115,7 +6251,7 @@
           <a:p>
             <a:fld id="{B08FEED8-D7D4-44E9-BFBC-ED06B5996D94}" type="datetime4">
               <a:rPr lang="en-US" smtClean="0"/>
-              <a:t>June 29, 2019</a:t>
+              <a:t>July 1, 2019</a:t>
             </a:fld>
             <a:endParaRPr lang="en-US" dirty="0"/>
           </a:p>
@@ -6198,7 +6334,7 @@
     </p:spTree>
     <p:extLst>
       <p:ext uri="{BB962C8B-B14F-4D97-AF65-F5344CB8AC3E}">
-        <p14:creationId xmlns:p14="http://schemas.microsoft.com/office/powerpoint/2010/main" val="3324607040"/>
+        <p14:creationId xmlns:p14="http://schemas.microsoft.com/office/powerpoint/2010/main" val="349333892"/>
       </p:ext>
     </p:extLst>
   </p:cSld>
@@ -6227,7 +6363,13 @@
       </p:grpSpPr>
       <p:sp>
         <p:nvSpPr>
-          <p:cNvPr id="7" name="Title 6"/>
+          <p:cNvPr id="2" name="Title 1">
+            <a:extLst>
+              <a:ext uri="{FF2B5EF4-FFF2-40B4-BE49-F238E27FC236}">
+                <a16:creationId xmlns:a16="http://schemas.microsoft.com/office/drawing/2014/main" id="{BF9C15D5-CD75-48E6-90B3-4B3DFD1BBC32}"/>
+              </a:ext>
+            </a:extLst>
+          </p:cNvPr>
           <p:cNvSpPr>
             <a:spLocks noGrp="1"/>
           </p:cNvSpPr>
@@ -6242,14 +6384,20 @@
           <a:p>
             <a:r>
               <a:rPr lang="en-US" dirty="0"/>
-              <a:t>FACTORS</a:t>
-            </a:r>
-          </a:p>
-        </p:txBody>
-      </p:sp>
-      <p:sp>
-        <p:nvSpPr>
-          <p:cNvPr id="8" name="Content Placeholder 7"/>
+              <a:t>ACCESSING DATA FRAMES</a:t>
+            </a:r>
+          </a:p>
+        </p:txBody>
+      </p:sp>
+      <p:sp>
+        <p:nvSpPr>
+          <p:cNvPr id="3" name="Content Placeholder 2">
+            <a:extLst>
+              <a:ext uri="{FF2B5EF4-FFF2-40B4-BE49-F238E27FC236}">
+                <a16:creationId xmlns:a16="http://schemas.microsoft.com/office/drawing/2014/main" id="{C4CA148A-909B-4128-85F9-17D379A1E070}"/>
+              </a:ext>
+            </a:extLst>
+          </p:cNvPr>
           <p:cNvSpPr>
             <a:spLocks noGrp="1"/>
           </p:cNvSpPr>
@@ -6259,57 +6407,44 @@
         </p:nvSpPr>
         <p:spPr/>
         <p:txBody>
-          <a:bodyPr>
-            <a:normAutofit lnSpcReduction="10000"/>
-          </a:bodyPr>
-          <a:lstStyle/>
-          <a:p>
-            <a:r>
-              <a:rPr lang="en-US" dirty="0"/>
-              <a:t>Categorical data</a:t>
+          <a:bodyPr/>
+          <a:lstStyle/>
+          <a:p>
+            <a:r>
+              <a:rPr lang="en-US" dirty="0"/>
+              <a:t>Extract a column:</a:t>
             </a:r>
           </a:p>
           <a:p>
             <a:pPr lvl="1"/>
             <a:r>
-              <a:rPr lang="en-US" dirty="0"/>
-              <a:t>Only a few possible values</a:t>
+              <a:rPr lang="en-US" dirty="0" err="1">
+                <a:latin typeface="Courier New" panose="02070309020205020404" pitchFamily="49" charset="0"/>
+                <a:cs typeface="Courier New" panose="02070309020205020404" pitchFamily="49" charset="0"/>
+              </a:rPr>
+              <a:t>df$ages</a:t>
+            </a:r>
+            <a:endParaRPr lang="en-US" dirty="0">
+              <a:latin typeface="Courier New" panose="02070309020205020404" pitchFamily="49" charset="0"/>
+              <a:cs typeface="Courier New" panose="02070309020205020404" pitchFamily="49" charset="0"/>
+            </a:endParaRPr>
+          </a:p>
+          <a:p>
+            <a:r>
+              <a:rPr lang="en-US" dirty="0">
+                <a:cs typeface="Courier New" panose="02070309020205020404" pitchFamily="49" charset="0"/>
+              </a:rPr>
+              <a:t>Extract a row:</a:t>
             </a:r>
           </a:p>
           <a:p>
             <a:pPr lvl="1"/>
             <a:r>
-              <a:rPr lang="en-US" dirty="0"/>
-              <a:t>Example: US States</a:t>
-            </a:r>
-          </a:p>
-          <a:p>
-            <a:r>
-              <a:rPr lang="en-US" dirty="0"/>
-              <a:t>Create a factor with </a:t>
-            </a:r>
-            <a:r>
-              <a:rPr lang="en-US" dirty="0">
-                <a:latin typeface="Courier New" panose="02070309020205020404" pitchFamily="49" charset="0"/>
-                <a:cs typeface="Courier New" panose="02070309020205020404" pitchFamily="49" charset="0"/>
-              </a:rPr>
-              <a:t>factor(c(...), levels=c(...))</a:t>
-            </a:r>
-          </a:p>
-          <a:p>
-            <a:r>
-              <a:rPr lang="en-US" dirty="0">
-                <a:cs typeface="Courier New" panose="02070309020205020404" pitchFamily="49" charset="0"/>
-              </a:rPr>
-              <a:t>First argument: vector </a:t>
-            </a:r>
-          </a:p>
-          <a:p>
-            <a:r>
-              <a:rPr lang="en-US" dirty="0">
-                <a:cs typeface="Courier New" panose="02070309020205020404" pitchFamily="49" charset="0"/>
-              </a:rPr>
-              <a:t>Levels: all possible values</a:t>
+              <a:rPr lang="en-US" dirty="0">
+                <a:latin typeface="Courier New" panose="02070309020205020404" pitchFamily="49" charset="0"/>
+                <a:cs typeface="Courier New" panose="02070309020205020404" pitchFamily="49" charset="0"/>
+              </a:rPr>
+              <a:t>df[1,]</a:t>
             </a:r>
           </a:p>
           <a:p>
@@ -6318,35 +6453,28 @@
               <a:rPr lang="en-US" dirty="0">
                 <a:cs typeface="Courier New" panose="02070309020205020404" pitchFamily="49" charset="0"/>
               </a:rPr>
-              <a:t>If not provided, factor will assume you have provided all possibilities</a:t>
-            </a:r>
-          </a:p>
-          <a:p>
-            <a:r>
-              <a:rPr lang="en-US" dirty="0">
-                <a:cs typeface="Courier New" panose="02070309020205020404" pitchFamily="49" charset="0"/>
-              </a:rPr>
-              <a:t>e.g. </a:t>
-            </a:r>
-            <a:r>
-              <a:rPr lang="en-US" dirty="0">
-                <a:latin typeface="Courier New" panose="02070309020205020404" pitchFamily="49" charset="0"/>
-                <a:cs typeface="Courier New" panose="02070309020205020404" pitchFamily="49" charset="0"/>
-              </a:rPr>
-              <a:t>factor(c(“Grad Student”, “Grad Student”, “Staff”), levels=c(“Grad Student”, “Staff”, “Faculty”))</a:t>
-            </a:r>
-          </a:p>
-          <a:p>
-            <a:pPr marL="0" indent="0">
-              <a:buNone/>
-            </a:pPr>
-            <a:endParaRPr lang="en-US" dirty="0"/>
-          </a:p>
-        </p:txBody>
-      </p:sp>
-      <p:sp>
-        <p:nvSpPr>
-          <p:cNvPr id="4" name="Date Placeholder 3"/>
+              <a:t>Note: this is the same syntax as matrices!</a:t>
+            </a:r>
+          </a:p>
+          <a:p>
+            <a:r>
+              <a:rPr lang="en-US" dirty="0">
+                <a:cs typeface="Courier New" panose="02070309020205020404" pitchFamily="49" charset="0"/>
+              </a:rPr>
+              <a:t>Can also pass ranges of rows similarly</a:t>
+            </a:r>
+          </a:p>
+        </p:txBody>
+      </p:sp>
+      <p:sp>
+        <p:nvSpPr>
+          <p:cNvPr id="4" name="Date Placeholder 3">
+            <a:extLst>
+              <a:ext uri="{FF2B5EF4-FFF2-40B4-BE49-F238E27FC236}">
+                <a16:creationId xmlns:a16="http://schemas.microsoft.com/office/drawing/2014/main" id="{3B8C0996-AD4A-4578-B0A5-CB3C5D79579C}"/>
+              </a:ext>
+            </a:extLst>
+          </p:cNvPr>
           <p:cNvSpPr>
             <a:spLocks noGrp="1"/>
           </p:cNvSpPr>
@@ -6359,9 +6487,9 @@
           <a:bodyPr/>
           <a:lstStyle/>
           <a:p>
-            <a:fld id="{B08FEED8-D7D4-44E9-BFBC-ED06B5996D94}" type="datetime4">
+            <a:fld id="{8AAE40A0-A7D8-4DC3-BC9E-BADA32DA2004}" type="datetime4">
               <a:rPr lang="en-US" smtClean="0"/>
-              <a:t>June 29, 2019</a:t>
+              <a:t>July 1, 2019</a:t>
             </a:fld>
             <a:endParaRPr lang="en-US" dirty="0"/>
           </a:p>
@@ -6369,7 +6497,13 @@
       </p:sp>
       <p:sp>
         <p:nvSpPr>
-          <p:cNvPr id="5" name="Footer Placeholder 4"/>
+          <p:cNvPr id="5" name="Footer Placeholder 4">
+            <a:extLst>
+              <a:ext uri="{FF2B5EF4-FFF2-40B4-BE49-F238E27FC236}">
+                <a16:creationId xmlns:a16="http://schemas.microsoft.com/office/drawing/2014/main" id="{BE289D71-0C0A-492B-B1A5-91B13285DC92}"/>
+              </a:ext>
+            </a:extLst>
+          </p:cNvPr>
           <p:cNvSpPr>
             <a:spLocks noGrp="1"/>
           </p:cNvSpPr>
@@ -6420,7 +6554,13 @@
       </p:sp>
       <p:sp>
         <p:nvSpPr>
-          <p:cNvPr id="6" name="Slide Number Placeholder 5"/>
+          <p:cNvPr id="6" name="Slide Number Placeholder 5">
+            <a:extLst>
+              <a:ext uri="{FF2B5EF4-FFF2-40B4-BE49-F238E27FC236}">
+                <a16:creationId xmlns:a16="http://schemas.microsoft.com/office/drawing/2014/main" id="{4F2824DE-C9F7-405E-87B6-FEDBCDB4E3CA}"/>
+              </a:ext>
+            </a:extLst>
+          </p:cNvPr>
           <p:cNvSpPr>
             <a:spLocks noGrp="1"/>
           </p:cNvSpPr>
@@ -6444,7 +6584,7 @@
     </p:spTree>
     <p:extLst>
       <p:ext uri="{BB962C8B-B14F-4D97-AF65-F5344CB8AC3E}">
-        <p14:creationId xmlns:p14="http://schemas.microsoft.com/office/powerpoint/2010/main" val="2100250050"/>
+        <p14:creationId xmlns:p14="http://schemas.microsoft.com/office/powerpoint/2010/main" val="210077096"/>
       </p:ext>
     </p:extLst>
   </p:cSld>
@@ -6535,7 +6675,7 @@
           <a:p>
             <a:fld id="{3686C9ED-58DA-41A6-B894-9B830C59600E}" type="datetime4">
               <a:rPr lang="en-US" smtClean="0"/>
-              <a:t>June 29, 2019</a:t>
+              <a:t>July 1, 2019</a:t>
             </a:fld>
             <a:endParaRPr lang="en-US" dirty="0"/>
           </a:p>
@@ -6657,7 +6797,7 @@
           <a:p>
             <a:r>
               <a:rPr lang="en-US" dirty="0"/>
-              <a:t>DATA FRAME</a:t>
+              <a:t>EXAMINING DATA FRAMES</a:t>
             </a:r>
           </a:p>
         </p:txBody>
@@ -6679,68 +6819,71 @@
           <a:p>
             <a:r>
               <a:rPr lang="en-US" dirty="0"/>
-              <a:t>The quintessential R data type</a:t>
-            </a:r>
-          </a:p>
-          <a:p>
-            <a:r>
-              <a:rPr lang="en-US" dirty="0"/>
-              <a:t>Extremely flexible and powerful</a:t>
-            </a:r>
-          </a:p>
-          <a:p>
-            <a:r>
-              <a:rPr lang="en-US" dirty="0"/>
-              <a:t>Structure</a:t>
+              <a:t>Data frames are frequently huge. Use the following commands to take a look without printing out thousands of lines:</a:t>
             </a:r>
           </a:p>
           <a:p>
             <a:pPr lvl="1"/>
             <a:r>
-              <a:rPr lang="en-US" dirty="0"/>
-              <a:t>Column: a variable</a:t>
+              <a:rPr lang="en-US" dirty="0">
+                <a:latin typeface="Courier New" panose="02070309020205020404" pitchFamily="49" charset="0"/>
+                <a:cs typeface="Courier New" panose="02070309020205020404" pitchFamily="49" charset="0"/>
+              </a:rPr>
+              <a:t>head(df)</a:t>
+            </a:r>
+          </a:p>
+          <a:p>
+            <a:pPr lvl="2"/>
+            <a:r>
+              <a:rPr lang="en-US" dirty="0">
+                <a:cs typeface="Courier New" panose="02070309020205020404" pitchFamily="49" charset="0"/>
+              </a:rPr>
+              <a:t>Take a look at the first few entries</a:t>
             </a:r>
           </a:p>
           <a:p>
             <a:pPr lvl="1"/>
             <a:r>
-              <a:rPr lang="en-US" dirty="0"/>
-              <a:t>Row: an observation</a:t>
-            </a:r>
-          </a:p>
-          <a:p>
-            <a:r>
-              <a:rPr lang="en-US" dirty="0"/>
-              <a:t>Give data as columns.</a:t>
-            </a:r>
-          </a:p>
-          <a:p>
-            <a:r>
-              <a:rPr lang="en-US" dirty="0"/>
-              <a:t>Example: </a:t>
-            </a:r>
+              <a:rPr lang="en-US" dirty="0">
+                <a:latin typeface="Courier New" panose="02070309020205020404" pitchFamily="49" charset="0"/>
+                <a:cs typeface="Courier New" panose="02070309020205020404" pitchFamily="49" charset="0"/>
+              </a:rPr>
+              <a:t>tail(df)</a:t>
+            </a:r>
+          </a:p>
+          <a:p>
+            <a:pPr lvl="2"/>
+            <a:r>
+              <a:rPr lang="en-US" dirty="0">
+                <a:cs typeface="Courier New" panose="02070309020205020404" pitchFamily="49" charset="0"/>
+              </a:rPr>
+              <a:t>Take a look at the last few entries</a:t>
+            </a:r>
+          </a:p>
+          <a:p>
+            <a:pPr lvl="1"/>
             <a:r>
               <a:rPr lang="en-US" dirty="0" err="1">
                 <a:latin typeface="Courier New" panose="02070309020205020404" pitchFamily="49" charset="0"/>
                 <a:cs typeface="Courier New" panose="02070309020205020404" pitchFamily="49" charset="0"/>
               </a:rPr>
-              <a:t>data.frame</a:t>
-            </a:r>
-            <a:r>
-              <a:rPr lang="en-US" dirty="0">
-                <a:latin typeface="Courier New" panose="02070309020205020404" pitchFamily="49" charset="0"/>
-                <a:cs typeface="Courier New" panose="02070309020205020404" pitchFamily="49" charset="0"/>
-              </a:rPr>
-              <a:t>(name=c(“John”, “Molly”), age=c(15,17))</a:t>
-            </a:r>
-          </a:p>
-          <a:p>
-            <a:pPr lvl="1"/>
-            <a:r>
-              <a:rPr lang="en-US" dirty="0">
-                <a:cs typeface="Courier New" panose="02070309020205020404" pitchFamily="49" charset="0"/>
-              </a:rPr>
-              <a:t>John is 15, Molly is 17</a:t>
+              <a:t>colnames</a:t>
+            </a:r>
+            <a:r>
+              <a:rPr lang="en-US" dirty="0">
+                <a:latin typeface="Courier New" panose="02070309020205020404" pitchFamily="49" charset="0"/>
+                <a:cs typeface="Courier New" panose="02070309020205020404" pitchFamily="49" charset="0"/>
+              </a:rPr>
+              <a:t>(df)</a:t>
+            </a:r>
+          </a:p>
+          <a:p>
+            <a:pPr lvl="2"/>
+            <a:r>
+              <a:rPr lang="en-US" dirty="0">
+                <a:cs typeface="Courier New" panose="02070309020205020404" pitchFamily="49" charset="0"/>
+              </a:rPr>
+              <a:t>Take a look at the available variables</a:t>
             </a:r>
           </a:p>
         </p:txBody>
@@ -6762,7 +6905,7 @@
           <a:p>
             <a:fld id="{B08FEED8-D7D4-44E9-BFBC-ED06B5996D94}" type="datetime4">
               <a:rPr lang="en-US" smtClean="0"/>
-              <a:t>June 29, 2019</a:t>
+              <a:t>July 1, 2019</a:t>
             </a:fld>
             <a:endParaRPr lang="en-US" dirty="0"/>
           </a:p>
@@ -6845,7 +6988,7 @@
     </p:spTree>
     <p:extLst>
       <p:ext uri="{BB962C8B-B14F-4D97-AF65-F5344CB8AC3E}">
-        <p14:creationId xmlns:p14="http://schemas.microsoft.com/office/powerpoint/2010/main" val="349333892"/>
+        <p14:creationId xmlns:p14="http://schemas.microsoft.com/office/powerpoint/2010/main" val="2051851346"/>
       </p:ext>
     </p:extLst>
   </p:cSld>
@@ -6874,13 +7017,7 @@
       </p:grpSpPr>
       <p:sp>
         <p:nvSpPr>
-          <p:cNvPr id="2" name="Title 1">
-            <a:extLst>
-              <a:ext uri="{FF2B5EF4-FFF2-40B4-BE49-F238E27FC236}">
-                <a16:creationId xmlns:a16="http://schemas.microsoft.com/office/drawing/2014/main" id="{BF9C15D5-CD75-48E6-90B3-4B3DFD1BBC32}"/>
-              </a:ext>
-            </a:extLst>
-          </p:cNvPr>
+          <p:cNvPr id="7" name="Title 6"/>
           <p:cNvSpPr>
             <a:spLocks noGrp="1"/>
           </p:cNvSpPr>
@@ -6895,20 +7032,14 @@
           <a:p>
             <a:r>
               <a:rPr lang="en-US" dirty="0"/>
-              <a:t>ACCESSING DATA FRAMES</a:t>
-            </a:r>
-          </a:p>
-        </p:txBody>
-      </p:sp>
-      <p:sp>
-        <p:nvSpPr>
-          <p:cNvPr id="3" name="Content Placeholder 2">
-            <a:extLst>
-              <a:ext uri="{FF2B5EF4-FFF2-40B4-BE49-F238E27FC236}">
-                <a16:creationId xmlns:a16="http://schemas.microsoft.com/office/drawing/2014/main" id="{C4CA148A-909B-4128-85F9-17D379A1E070}"/>
-              </a:ext>
-            </a:extLst>
-          </p:cNvPr>
+              <a:t>A NOTE ABOUT FUNCTIONS</a:t>
+            </a:r>
+          </a:p>
+        </p:txBody>
+      </p:sp>
+      <p:sp>
+        <p:nvSpPr>
+          <p:cNvPr id="8" name="Content Placeholder 7"/>
           <p:cNvSpPr>
             <a:spLocks noGrp="1"/>
           </p:cNvSpPr>
@@ -6923,17 +7054,27 @@
           <a:p>
             <a:r>
               <a:rPr lang="en-US" dirty="0"/>
-              <a:t>Extract a column:</a:t>
+              <a:t>Two types of arguments/parameters to functions:</a:t>
             </a:r>
           </a:p>
           <a:p>
             <a:pPr lvl="1"/>
             <a:r>
-              <a:rPr lang="en-US" dirty="0" err="1">
-                <a:latin typeface="Courier New" panose="02070309020205020404" pitchFamily="49" charset="0"/>
-                <a:cs typeface="Courier New" panose="02070309020205020404" pitchFamily="49" charset="0"/>
-              </a:rPr>
-              <a:t>df$ages</a:t>
+              <a:rPr lang="en-US" dirty="0"/>
+              <a:t>Positional: </a:t>
+            </a:r>
+            <a:r>
+              <a:rPr lang="en-US" dirty="0">
+                <a:latin typeface="Courier New" panose="02070309020205020404" pitchFamily="49" charset="0"/>
+                <a:cs typeface="Courier New" panose="02070309020205020404" pitchFamily="49" charset="0"/>
+              </a:rPr>
+              <a:t>plot(data)</a:t>
+            </a:r>
+            <a:r>
+              <a:rPr lang="en-US" dirty="0">
+                <a:cs typeface="Courier New" panose="02070309020205020404" pitchFamily="49" charset="0"/>
+              </a:rPr>
+              <a:t>. Order matters!</a:t>
             </a:r>
             <a:endParaRPr lang="en-US" dirty="0">
               <a:latin typeface="Courier New" panose="02070309020205020404" pitchFamily="49" charset="0"/>
@@ -6941,51 +7082,52 @@
             </a:endParaRPr>
           </a:p>
           <a:p>
-            <a:r>
-              <a:rPr lang="en-US" dirty="0">
-                <a:cs typeface="Courier New" panose="02070309020205020404" pitchFamily="49" charset="0"/>
-              </a:rPr>
-              <a:t>Extract a row:</a:t>
-            </a:r>
-          </a:p>
-          <a:p>
             <a:pPr lvl="1"/>
             <a:r>
-              <a:rPr lang="en-US" dirty="0">
-                <a:latin typeface="Courier New" panose="02070309020205020404" pitchFamily="49" charset="0"/>
-                <a:cs typeface="Courier New" panose="02070309020205020404" pitchFamily="49" charset="0"/>
-              </a:rPr>
-              <a:t>df[,1]</a:t>
-            </a:r>
-          </a:p>
-          <a:p>
-            <a:pPr lvl="1"/>
-            <a:r>
-              <a:rPr lang="en-US" dirty="0">
-                <a:cs typeface="Courier New" panose="02070309020205020404" pitchFamily="49" charset="0"/>
-              </a:rPr>
-              <a:t>Note: this is the same syntax as matrices!</a:t>
-            </a:r>
-          </a:p>
-          <a:p>
-            <a:r>
-              <a:rPr lang="en-US" dirty="0">
-                <a:cs typeface="Courier New" panose="02070309020205020404" pitchFamily="49" charset="0"/>
-              </a:rPr>
-              <a:t>Can also pass ranges of rows similarly</a:t>
-            </a:r>
-          </a:p>
-        </p:txBody>
-      </p:sp>
-      <p:sp>
-        <p:nvSpPr>
-          <p:cNvPr id="4" name="Date Placeholder 3">
-            <a:extLst>
-              <a:ext uri="{FF2B5EF4-FFF2-40B4-BE49-F238E27FC236}">
-                <a16:creationId xmlns:a16="http://schemas.microsoft.com/office/drawing/2014/main" id="{3B8C0996-AD4A-4578-B0A5-CB3C5D79579C}"/>
-              </a:ext>
-            </a:extLst>
-          </p:cNvPr>
+              <a:rPr lang="en-US" dirty="0"/>
+              <a:t>Keyword: </a:t>
+            </a:r>
+            <a:r>
+              <a:rPr lang="en-US" dirty="0">
+                <a:latin typeface="Courier New" panose="02070309020205020404" pitchFamily="49" charset="0"/>
+                <a:cs typeface="Courier New" panose="02070309020205020404" pitchFamily="49" charset="0"/>
+              </a:rPr>
+              <a:t>plot(data, main=“My Plot”)</a:t>
+            </a:r>
+          </a:p>
+          <a:p>
+            <a:r>
+              <a:rPr lang="en-US" dirty="0"/>
+              <a:t>Functions in R often take optional keyword parameters. Check a function out in R with </a:t>
+            </a:r>
+            <a:r>
+              <a:rPr lang="en-US" dirty="0">
+                <a:latin typeface="Courier New" panose="02070309020205020404" pitchFamily="49" charset="0"/>
+                <a:cs typeface="Courier New" panose="02070309020205020404" pitchFamily="49" charset="0"/>
+              </a:rPr>
+              <a:t>?function </a:t>
+            </a:r>
+            <a:r>
+              <a:rPr lang="en-US" dirty="0"/>
+              <a:t>or </a:t>
+            </a:r>
+            <a:r>
+              <a:rPr lang="en-US" dirty="0">
+                <a:latin typeface="Courier New" panose="02070309020205020404" pitchFamily="49" charset="0"/>
+                <a:cs typeface="Courier New" panose="02070309020205020404" pitchFamily="49" charset="0"/>
+              </a:rPr>
+              <a:t>help(function) </a:t>
+            </a:r>
+            <a:r>
+              <a:rPr lang="en-US" dirty="0"/>
+              <a:t>and see if there are any additional arguments that might help make your life easier!</a:t>
+            </a:r>
+          </a:p>
+        </p:txBody>
+      </p:sp>
+      <p:sp>
+        <p:nvSpPr>
+          <p:cNvPr id="4" name="Date Placeholder 3"/>
           <p:cNvSpPr>
             <a:spLocks noGrp="1"/>
           </p:cNvSpPr>
@@ -6998,9 +7140,9 @@
           <a:bodyPr/>
           <a:lstStyle/>
           <a:p>
-            <a:fld id="{8AAE40A0-A7D8-4DC3-BC9E-BADA32DA2004}" type="datetime4">
+            <a:fld id="{B08FEED8-D7D4-44E9-BFBC-ED06B5996D94}" type="datetime4">
               <a:rPr lang="en-US" smtClean="0"/>
-              <a:t>June 30, 2019</a:t>
+              <a:t>July 1, 2019</a:t>
             </a:fld>
             <a:endParaRPr lang="en-US" dirty="0"/>
           </a:p>
@@ -7008,13 +7150,7 @@
       </p:sp>
       <p:sp>
         <p:nvSpPr>
-          <p:cNvPr id="5" name="Footer Placeholder 4">
-            <a:extLst>
-              <a:ext uri="{FF2B5EF4-FFF2-40B4-BE49-F238E27FC236}">
-                <a16:creationId xmlns:a16="http://schemas.microsoft.com/office/drawing/2014/main" id="{BE289D71-0C0A-492B-B1A5-91B13285DC92}"/>
-              </a:ext>
-            </a:extLst>
-          </p:cNvPr>
+          <p:cNvPr id="5" name="Footer Placeholder 4"/>
           <p:cNvSpPr>
             <a:spLocks noGrp="1"/>
           </p:cNvSpPr>
@@ -7065,13 +7201,7 @@
       </p:sp>
       <p:sp>
         <p:nvSpPr>
-          <p:cNvPr id="6" name="Slide Number Placeholder 5">
-            <a:extLst>
-              <a:ext uri="{FF2B5EF4-FFF2-40B4-BE49-F238E27FC236}">
-                <a16:creationId xmlns:a16="http://schemas.microsoft.com/office/drawing/2014/main" id="{4F2824DE-C9F7-405E-87B6-FEDBCDB4E3CA}"/>
-              </a:ext>
-            </a:extLst>
-          </p:cNvPr>
+          <p:cNvPr id="6" name="Slide Number Placeholder 5"/>
           <p:cNvSpPr>
             <a:spLocks noGrp="1"/>
           </p:cNvSpPr>
@@ -7095,7 +7225,7 @@
     </p:spTree>
     <p:extLst>
       <p:ext uri="{BB962C8B-B14F-4D97-AF65-F5344CB8AC3E}">
-        <p14:creationId xmlns:p14="http://schemas.microsoft.com/office/powerpoint/2010/main" val="210077096"/>
+        <p14:creationId xmlns:p14="http://schemas.microsoft.com/office/powerpoint/2010/main" val="1868989129"/>
       </p:ext>
     </p:extLst>
   </p:cSld>
@@ -7124,7 +7254,13 @@
       </p:grpSpPr>
       <p:sp>
         <p:nvSpPr>
-          <p:cNvPr id="7" name="Title 6"/>
+          <p:cNvPr id="7" name="Title 6">
+            <a:extLst>
+              <a:ext uri="{FF2B5EF4-FFF2-40B4-BE49-F238E27FC236}">
+                <a16:creationId xmlns:a16="http://schemas.microsoft.com/office/drawing/2014/main" id="{184E2338-1026-45D4-9455-B21A88F18B28}"/>
+              </a:ext>
+            </a:extLst>
+          </p:cNvPr>
           <p:cNvSpPr>
             <a:spLocks noGrp="1"/>
           </p:cNvSpPr>
@@ -7139,100 +7275,55 @@
           <a:p>
             <a:r>
               <a:rPr lang="en-US" dirty="0"/>
-              <a:t>EXAMINING DATA FRAMES</a:t>
-            </a:r>
-          </a:p>
-        </p:txBody>
-      </p:sp>
-      <p:sp>
-        <p:nvSpPr>
-          <p:cNvPr id="8" name="Content Placeholder 7"/>
-          <p:cNvSpPr>
-            <a:spLocks noGrp="1"/>
-          </p:cNvSpPr>
-          <p:nvPr>
-            <p:ph idx="1"/>
-          </p:nvPr>
-        </p:nvSpPr>
-        <p:spPr/>
-        <p:txBody>
-          <a:bodyPr/>
-          <a:lstStyle/>
-          <a:p>
-            <a:r>
-              <a:rPr lang="en-US" dirty="0"/>
-              <a:t>Data frames are frequently huge. Use the following commands to take a look without printing out thousands of lines:</a:t>
-            </a:r>
-          </a:p>
-          <a:p>
-            <a:pPr lvl="1"/>
-            <a:r>
-              <a:rPr lang="en-US" dirty="0">
-                <a:latin typeface="Courier New" panose="02070309020205020404" pitchFamily="49" charset="0"/>
-                <a:cs typeface="Courier New" panose="02070309020205020404" pitchFamily="49" charset="0"/>
-              </a:rPr>
-              <a:t>head(df)</a:t>
-            </a:r>
-          </a:p>
-          <a:p>
-            <a:pPr lvl="2"/>
-            <a:r>
-              <a:rPr lang="en-US" dirty="0">
-                <a:cs typeface="Courier New" panose="02070309020205020404" pitchFamily="49" charset="0"/>
-              </a:rPr>
-              <a:t>Take a look at the first few entries</a:t>
-            </a:r>
-          </a:p>
-          <a:p>
-            <a:pPr lvl="1"/>
-            <a:r>
-              <a:rPr lang="en-US" dirty="0">
-                <a:latin typeface="Courier New" panose="02070309020205020404" pitchFamily="49" charset="0"/>
-                <a:cs typeface="Courier New" panose="02070309020205020404" pitchFamily="49" charset="0"/>
-              </a:rPr>
-              <a:t>tail(df)</a:t>
-            </a:r>
-          </a:p>
-          <a:p>
-            <a:pPr lvl="2"/>
-            <a:r>
-              <a:rPr lang="en-US" dirty="0">
-                <a:cs typeface="Courier New" panose="02070309020205020404" pitchFamily="49" charset="0"/>
-              </a:rPr>
-              <a:t>Take a look at the last few entries</a:t>
-            </a:r>
-          </a:p>
-          <a:p>
-            <a:pPr lvl="1"/>
-            <a:r>
-              <a:rPr lang="en-US" dirty="0" err="1">
-                <a:latin typeface="Courier New" panose="02070309020205020404" pitchFamily="49" charset="0"/>
-                <a:cs typeface="Courier New" panose="02070309020205020404" pitchFamily="49" charset="0"/>
-              </a:rPr>
-              <a:t>colnames</a:t>
-            </a:r>
-            <a:r>
-              <a:rPr lang="en-US" dirty="0">
-                <a:latin typeface="Courier New" panose="02070309020205020404" pitchFamily="49" charset="0"/>
-                <a:cs typeface="Courier New" panose="02070309020205020404" pitchFamily="49" charset="0"/>
-              </a:rPr>
-              <a:t>(df)</a:t>
-            </a:r>
-          </a:p>
-          <a:p>
-            <a:pPr lvl="2"/>
-            <a:r>
-              <a:rPr lang="en-US" dirty="0">
-                <a:cs typeface="Courier New" panose="02070309020205020404" pitchFamily="49" charset="0"/>
-              </a:rPr>
-              <a:t>Take a look at the available variables</a:t>
-            </a:r>
-          </a:p>
-        </p:txBody>
-      </p:sp>
-      <p:sp>
-        <p:nvSpPr>
-          <p:cNvPr id="4" name="Date Placeholder 3"/>
+              <a:t>READING AND </a:t>
+            </a:r>
+            <a:br>
+              <a:rPr lang="en-US" dirty="0"/>
+            </a:br>
+            <a:r>
+              <a:rPr lang="en-US" dirty="0"/>
+              <a:t>WRITING DATA</a:t>
+            </a:r>
+          </a:p>
+        </p:txBody>
+      </p:sp>
+      <p:sp>
+        <p:nvSpPr>
+          <p:cNvPr id="8" name="Text Placeholder 7">
+            <a:extLst>
+              <a:ext uri="{FF2B5EF4-FFF2-40B4-BE49-F238E27FC236}">
+                <a16:creationId xmlns:a16="http://schemas.microsoft.com/office/drawing/2014/main" id="{DB42CCAB-C8E2-48A8-A9DF-EB0383A8B33C}"/>
+              </a:ext>
+            </a:extLst>
+          </p:cNvPr>
+          <p:cNvSpPr>
+            <a:spLocks noGrp="1"/>
+          </p:cNvSpPr>
+          <p:nvPr>
+            <p:ph type="body" idx="1"/>
+          </p:nvPr>
+        </p:nvSpPr>
+        <p:spPr/>
+        <p:txBody>
+          <a:bodyPr/>
+          <a:lstStyle/>
+          <a:p>
+            <a:r>
+              <a:rPr lang="en-US" dirty="0"/>
+              <a:t>Excel, Comma-Separated and Tab-Separated Values, and more!</a:t>
+            </a:r>
+          </a:p>
+        </p:txBody>
+      </p:sp>
+      <p:sp>
+        <p:nvSpPr>
+          <p:cNvPr id="4" name="Date Placeholder 3">
+            <a:extLst>
+              <a:ext uri="{FF2B5EF4-FFF2-40B4-BE49-F238E27FC236}">
+                <a16:creationId xmlns:a16="http://schemas.microsoft.com/office/drawing/2014/main" id="{1CA94ACB-62A5-4F09-8C21-F0CE9BFB1606}"/>
+              </a:ext>
+            </a:extLst>
+          </p:cNvPr>
           <p:cNvSpPr>
             <a:spLocks noGrp="1"/>
           </p:cNvSpPr>
@@ -7245,9 +7336,9 @@
           <a:bodyPr/>
           <a:lstStyle/>
           <a:p>
-            <a:fld id="{B08FEED8-D7D4-44E9-BFBC-ED06B5996D94}" type="datetime4">
+            <a:fld id="{8AAE40A0-A7D8-4DC3-BC9E-BADA32DA2004}" type="datetime4">
               <a:rPr lang="en-US" smtClean="0"/>
-              <a:t>June 30, 2019</a:t>
+              <a:t>July 1, 2019</a:t>
             </a:fld>
             <a:endParaRPr lang="en-US" dirty="0"/>
           </a:p>
@@ -7255,7 +7346,13 @@
       </p:sp>
       <p:sp>
         <p:nvSpPr>
-          <p:cNvPr id="5" name="Footer Placeholder 4"/>
+          <p:cNvPr id="5" name="Footer Placeholder 4">
+            <a:extLst>
+              <a:ext uri="{FF2B5EF4-FFF2-40B4-BE49-F238E27FC236}">
+                <a16:creationId xmlns:a16="http://schemas.microsoft.com/office/drawing/2014/main" id="{D20B02B0-893D-4696-B6F7-A126B8D18E99}"/>
+              </a:ext>
+            </a:extLst>
+          </p:cNvPr>
           <p:cNvSpPr>
             <a:spLocks noGrp="1"/>
           </p:cNvSpPr>
@@ -7306,7 +7403,13 @@
       </p:sp>
       <p:sp>
         <p:nvSpPr>
-          <p:cNvPr id="6" name="Slide Number Placeholder 5"/>
+          <p:cNvPr id="6" name="Slide Number Placeholder 5">
+            <a:extLst>
+              <a:ext uri="{FF2B5EF4-FFF2-40B4-BE49-F238E27FC236}">
+                <a16:creationId xmlns:a16="http://schemas.microsoft.com/office/drawing/2014/main" id="{1CFDA495-0063-4571-8969-0DD770DB39E0}"/>
+              </a:ext>
+            </a:extLst>
+          </p:cNvPr>
           <p:cNvSpPr>
             <a:spLocks noGrp="1"/>
           </p:cNvSpPr>
@@ -7330,7 +7433,7 @@
     </p:spTree>
     <p:extLst>
       <p:ext uri="{BB962C8B-B14F-4D97-AF65-F5344CB8AC3E}">
-        <p14:creationId xmlns:p14="http://schemas.microsoft.com/office/powerpoint/2010/main" val="2051851346"/>
+        <p14:creationId xmlns:p14="http://schemas.microsoft.com/office/powerpoint/2010/main" val="2581962988"/>
       </p:ext>
     </p:extLst>
   </p:cSld>
@@ -7374,7 +7477,7 @@
           <a:p>
             <a:r>
               <a:rPr lang="en-US" dirty="0"/>
-              <a:t>A NOTE ABOUT FUNCTIONS</a:t>
+              <a:t>COMMON FILE FORMATS</a:t>
             </a:r>
           </a:p>
         </p:txBody>
@@ -7396,28 +7499,93 @@
           <a:p>
             <a:r>
               <a:rPr lang="en-US" dirty="0"/>
-              <a:t>Two types of arguments/parameters to functions:</a:t>
+              <a:t>Comma/Tab Separated Values: (.csv, .</a:t>
+            </a:r>
+            <a:r>
+              <a:rPr lang="en-US" dirty="0" err="1"/>
+              <a:t>tsv</a:t>
+            </a:r>
+            <a:r>
+              <a:rPr lang="en-US" dirty="0"/>
+              <a:t>)</a:t>
             </a:r>
           </a:p>
           <a:p>
             <a:pPr lvl="1"/>
             <a:r>
               <a:rPr lang="en-US" dirty="0"/>
-              <a:t>Positional: mean(data)</a:t>
+              <a:t>Example:</a:t>
+            </a:r>
+          </a:p>
+          <a:p>
+            <a:pPr lvl="2"/>
+            <a:r>
+              <a:rPr lang="en-US" dirty="0" err="1"/>
+              <a:t>name,age,occupation</a:t>
+            </a:r>
+            <a:r>
+              <a:rPr lang="en-US" dirty="0"/>
+              <a:t> (first line: header)</a:t>
+            </a:r>
+          </a:p>
+          <a:p>
+            <a:pPr lvl="2"/>
+            <a:r>
+              <a:rPr lang="en-US" dirty="0"/>
+              <a:t>tony,23,banker (all other lines: observations)</a:t>
+            </a:r>
+          </a:p>
+          <a:p>
+            <a:r>
+              <a:rPr lang="en-US" dirty="0"/>
+              <a:t>Excel files (.xlsx, .</a:t>
+            </a:r>
+            <a:r>
+              <a:rPr lang="en-US" dirty="0" err="1"/>
+              <a:t>xls</a:t>
+            </a:r>
+            <a:r>
+              <a:rPr lang="en-US" dirty="0"/>
+              <a:t>)</a:t>
+            </a:r>
+          </a:p>
+          <a:p>
+            <a:r>
+              <a:rPr lang="en-US" dirty="0"/>
+              <a:t>JSON (.</a:t>
+            </a:r>
+            <a:r>
+              <a:rPr lang="en-US" dirty="0" err="1"/>
+              <a:t>json</a:t>
+            </a:r>
+            <a:r>
+              <a:rPr lang="en-US" dirty="0"/>
+              <a:t>)</a:t>
             </a:r>
           </a:p>
           <a:p>
             <a:pPr lvl="1"/>
             <a:r>
               <a:rPr lang="en-US" dirty="0"/>
-              <a:t>Keyword: mean(data, NA.RM=TRUE)</a:t>
-            </a:r>
-          </a:p>
-          <a:p>
-            <a:r>
-              <a:rPr lang="en-US" dirty="0"/>
-              <a:t>Functions in R often take optional keyword parameters. Check a function out in R with ?function or help(function) and see if there are any additional arguments that might help make your life easier!</a:t>
-            </a:r>
+              <a:t>{“name”: “Tony”, “age”: 23, “occupation:” “banker”}</a:t>
+            </a:r>
+          </a:p>
+          <a:p>
+            <a:r>
+              <a:rPr lang="en-US" dirty="0"/>
+              <a:t>XML (.xml)</a:t>
+            </a:r>
+          </a:p>
+          <a:p>
+            <a:pPr lvl="1"/>
+            <a:r>
+              <a:rPr lang="en-US" dirty="0"/>
+              <a:t>&lt;person&gt; &lt;name&gt;Tony&lt;/name&gt; &lt;age&gt;23&lt;/age&gt; &lt;occupation&gt;banker&lt;/occupation&gt; &lt;/person&gt;</a:t>
+            </a:r>
+          </a:p>
+          <a:p>
+            <a:pPr lvl="1"/>
+            <a:endParaRPr lang="en-US" dirty="0"/>
           </a:p>
         </p:txBody>
       </p:sp>
@@ -7438,7 +7606,7 @@
           <a:p>
             <a:fld id="{B08FEED8-D7D4-44E9-BFBC-ED06B5996D94}" type="datetime4">
               <a:rPr lang="en-US" smtClean="0"/>
-              <a:t>June 30, 2019</a:t>
+              <a:t>July 1, 2019</a:t>
             </a:fld>
             <a:endParaRPr lang="en-US" dirty="0"/>
           </a:p>
@@ -7521,7 +7689,7 @@
     </p:spTree>
     <p:extLst>
       <p:ext uri="{BB962C8B-B14F-4D97-AF65-F5344CB8AC3E}">
-        <p14:creationId xmlns:p14="http://schemas.microsoft.com/office/powerpoint/2010/main" val="1868989129"/>
+        <p14:creationId xmlns:p14="http://schemas.microsoft.com/office/powerpoint/2010/main" val="3674866452"/>
       </p:ext>
     </p:extLst>
   </p:cSld>
@@ -7550,13 +7718,7 @@
       </p:grpSpPr>
       <p:sp>
         <p:nvSpPr>
-          <p:cNvPr id="7" name="Title 6">
-            <a:extLst>
-              <a:ext uri="{FF2B5EF4-FFF2-40B4-BE49-F238E27FC236}">
-                <a16:creationId xmlns:a16="http://schemas.microsoft.com/office/drawing/2014/main" id="{184E2338-1026-45D4-9455-B21A88F18B28}"/>
-              </a:ext>
-            </a:extLst>
-          </p:cNvPr>
+          <p:cNvPr id="7" name="Title 6"/>
           <p:cNvSpPr>
             <a:spLocks noGrp="1"/>
           </p:cNvSpPr>
@@ -7571,55 +7733,193 @@
           <a:p>
             <a:r>
               <a:rPr lang="en-US" dirty="0"/>
-              <a:t>READING AND </a:t>
-            </a:r>
-            <a:br>
-              <a:rPr lang="en-US" dirty="0"/>
-            </a:br>
-            <a:r>
-              <a:rPr lang="en-US" dirty="0"/>
-              <a:t>WRITING DATA</a:t>
-            </a:r>
-          </a:p>
-        </p:txBody>
-      </p:sp>
-      <p:sp>
-        <p:nvSpPr>
-          <p:cNvPr id="8" name="Text Placeholder 7">
-            <a:extLst>
-              <a:ext uri="{FF2B5EF4-FFF2-40B4-BE49-F238E27FC236}">
-                <a16:creationId xmlns:a16="http://schemas.microsoft.com/office/drawing/2014/main" id="{DB42CCAB-C8E2-48A8-A9DF-EB0383A8B33C}"/>
-              </a:ext>
-            </a:extLst>
-          </p:cNvPr>
-          <p:cNvSpPr>
-            <a:spLocks noGrp="1"/>
-          </p:cNvSpPr>
-          <p:nvPr>
-            <p:ph type="body" idx="1"/>
-          </p:nvPr>
-        </p:nvSpPr>
-        <p:spPr/>
-        <p:txBody>
-          <a:bodyPr/>
-          <a:lstStyle/>
-          <a:p>
-            <a:r>
-              <a:rPr lang="en-US" dirty="0"/>
-              <a:t>Excel, Comma-Separated and Tab-Separated Values, and more!</a:t>
-            </a:r>
-          </a:p>
-        </p:txBody>
-      </p:sp>
-      <p:sp>
-        <p:nvSpPr>
-          <p:cNvPr id="4" name="Date Placeholder 3">
-            <a:extLst>
-              <a:ext uri="{FF2B5EF4-FFF2-40B4-BE49-F238E27FC236}">
-                <a16:creationId xmlns:a16="http://schemas.microsoft.com/office/drawing/2014/main" id="{1CA94ACB-62A5-4F09-8C21-F0CE9BFB1606}"/>
-              </a:ext>
-            </a:extLst>
-          </p:cNvPr>
+              <a:t>READING FILE FORMATS</a:t>
+            </a:r>
+          </a:p>
+        </p:txBody>
+      </p:sp>
+      <p:sp>
+        <p:nvSpPr>
+          <p:cNvPr id="8" name="Content Placeholder 7"/>
+          <p:cNvSpPr>
+            <a:spLocks noGrp="1"/>
+          </p:cNvSpPr>
+          <p:nvPr>
+            <p:ph idx="1"/>
+          </p:nvPr>
+        </p:nvSpPr>
+        <p:spPr/>
+        <p:txBody>
+          <a:bodyPr>
+            <a:normAutofit fontScale="92500" lnSpcReduction="10000"/>
+          </a:bodyPr>
+          <a:lstStyle/>
+          <a:p>
+            <a:r>
+              <a:rPr lang="en-US" dirty="0"/>
+              <a:t>Comma/Tab Separated Values: (.csv, .</a:t>
+            </a:r>
+            <a:r>
+              <a:rPr lang="en-US" dirty="0" err="1"/>
+              <a:t>tsv</a:t>
+            </a:r>
+            <a:r>
+              <a:rPr lang="en-US" dirty="0"/>
+              <a:t>)</a:t>
+            </a:r>
+          </a:p>
+          <a:p>
+            <a:pPr lvl="1"/>
+            <a:r>
+              <a:rPr lang="en-US" dirty="0">
+                <a:latin typeface="Courier New" panose="02070309020205020404" pitchFamily="49" charset="0"/>
+                <a:cs typeface="Courier New" panose="02070309020205020404" pitchFamily="49" charset="0"/>
+              </a:rPr>
+              <a:t>read.csv(“filename”)</a:t>
+            </a:r>
+          </a:p>
+          <a:p>
+            <a:r>
+              <a:rPr lang="en-US" dirty="0"/>
+              <a:t>Excel files (.xlsx, .</a:t>
+            </a:r>
+            <a:r>
+              <a:rPr lang="en-US" dirty="0" err="1"/>
+              <a:t>xls</a:t>
+            </a:r>
+            <a:r>
+              <a:rPr lang="en-US" dirty="0"/>
+              <a:t>)</a:t>
+            </a:r>
+          </a:p>
+          <a:p>
+            <a:pPr lvl="1"/>
+            <a:r>
+              <a:rPr lang="en-US" dirty="0">
+                <a:latin typeface="Courier New" panose="02070309020205020404" pitchFamily="49" charset="0"/>
+                <a:cs typeface="Courier New" panose="02070309020205020404" pitchFamily="49" charset="0"/>
+              </a:rPr>
+              <a:t>library(</a:t>
+            </a:r>
+            <a:r>
+              <a:rPr lang="en-US" dirty="0" err="1">
+                <a:latin typeface="Courier New" panose="02070309020205020404" pitchFamily="49" charset="0"/>
+                <a:cs typeface="Courier New" panose="02070309020205020404" pitchFamily="49" charset="0"/>
+              </a:rPr>
+              <a:t>openxlsx</a:t>
+            </a:r>
+            <a:r>
+              <a:rPr lang="en-US" dirty="0">
+                <a:latin typeface="Courier New" panose="02070309020205020404" pitchFamily="49" charset="0"/>
+                <a:cs typeface="Courier New" panose="02070309020205020404" pitchFamily="49" charset="0"/>
+              </a:rPr>
+              <a:t>)</a:t>
+            </a:r>
+            <a:endParaRPr lang="en-US" dirty="0"/>
+          </a:p>
+          <a:p>
+            <a:pPr lvl="1"/>
+            <a:r>
+              <a:rPr lang="en-US" dirty="0">
+                <a:latin typeface="Courier New" panose="02070309020205020404" pitchFamily="49" charset="0"/>
+                <a:cs typeface="Courier New" panose="02070309020205020404" pitchFamily="49" charset="0"/>
+              </a:rPr>
+              <a:t>read.xlsx(“filename”)</a:t>
+            </a:r>
+          </a:p>
+          <a:p>
+            <a:r>
+              <a:rPr lang="en-US" dirty="0"/>
+              <a:t>JSON (.</a:t>
+            </a:r>
+            <a:r>
+              <a:rPr lang="en-US" dirty="0" err="1"/>
+              <a:t>json</a:t>
+            </a:r>
+            <a:r>
+              <a:rPr lang="en-US" dirty="0"/>
+              <a:t>)</a:t>
+            </a:r>
+          </a:p>
+          <a:p>
+            <a:pPr lvl="1"/>
+            <a:r>
+              <a:rPr lang="en-US" sz="2200" dirty="0">
+                <a:latin typeface="Courier New" panose="02070309020205020404" pitchFamily="49" charset="0"/>
+                <a:cs typeface="Courier New" panose="02070309020205020404" pitchFamily="49" charset="0"/>
+              </a:rPr>
+              <a:t>library(</a:t>
+            </a:r>
+            <a:r>
+              <a:rPr lang="en-US" sz="2200" dirty="0" err="1">
+                <a:latin typeface="Courier New" panose="02070309020205020404" pitchFamily="49" charset="0"/>
+                <a:cs typeface="Courier New" panose="02070309020205020404" pitchFamily="49" charset="0"/>
+              </a:rPr>
+              <a:t>rjson</a:t>
+            </a:r>
+            <a:r>
+              <a:rPr lang="en-US" sz="2200" dirty="0">
+                <a:latin typeface="Courier New" panose="02070309020205020404" pitchFamily="49" charset="0"/>
+                <a:cs typeface="Courier New" panose="02070309020205020404" pitchFamily="49" charset="0"/>
+              </a:rPr>
+              <a:t>)</a:t>
+            </a:r>
+          </a:p>
+          <a:p>
+            <a:pPr lvl="1"/>
+            <a:r>
+              <a:rPr lang="en-US" sz="2200" dirty="0" err="1">
+                <a:latin typeface="Courier New" panose="02070309020205020404" pitchFamily="49" charset="0"/>
+                <a:cs typeface="Courier New" panose="02070309020205020404" pitchFamily="49" charset="0"/>
+              </a:rPr>
+              <a:t>fromJSON</a:t>
+            </a:r>
+            <a:r>
+              <a:rPr lang="en-US" sz="2200" dirty="0">
+                <a:latin typeface="Courier New" panose="02070309020205020404" pitchFamily="49" charset="0"/>
+                <a:cs typeface="Courier New" panose="02070309020205020404" pitchFamily="49" charset="0"/>
+              </a:rPr>
+              <a:t>(file = “filename”)</a:t>
+            </a:r>
+          </a:p>
+          <a:p>
+            <a:r>
+              <a:rPr lang="en-US" dirty="0"/>
+              <a:t>XML (.xml)</a:t>
+            </a:r>
+          </a:p>
+          <a:p>
+            <a:pPr lvl="1"/>
+            <a:r>
+              <a:rPr lang="en-US" sz="2200" dirty="0">
+                <a:latin typeface="Courier New" panose="02070309020205020404" pitchFamily="49" charset="0"/>
+                <a:cs typeface="Courier New" panose="02070309020205020404" pitchFamily="49" charset="0"/>
+              </a:rPr>
+              <a:t>library(XML); library(“methods”)</a:t>
+            </a:r>
+          </a:p>
+          <a:p>
+            <a:pPr lvl="1"/>
+            <a:r>
+              <a:rPr lang="en-US" sz="2200" dirty="0" err="1">
+                <a:latin typeface="Courier New" panose="02070309020205020404" pitchFamily="49" charset="0"/>
+                <a:cs typeface="Courier New" panose="02070309020205020404" pitchFamily="49" charset="0"/>
+              </a:rPr>
+              <a:t>xmlParse</a:t>
+            </a:r>
+            <a:r>
+              <a:rPr lang="en-US" sz="2200" dirty="0">
+                <a:latin typeface="Courier New" panose="02070309020205020404" pitchFamily="49" charset="0"/>
+                <a:cs typeface="Courier New" panose="02070309020205020404" pitchFamily="49" charset="0"/>
+              </a:rPr>
+              <a:t>(file = “filename”)</a:t>
+            </a:r>
+          </a:p>
+        </p:txBody>
+      </p:sp>
+      <p:sp>
+        <p:nvSpPr>
+          <p:cNvPr id="4" name="Date Placeholder 3"/>
           <p:cNvSpPr>
             <a:spLocks noGrp="1"/>
           </p:cNvSpPr>
@@ -7632,9 +7932,9 @@
           <a:bodyPr/>
           <a:lstStyle/>
           <a:p>
-            <a:fld id="{8AAE40A0-A7D8-4DC3-BC9E-BADA32DA2004}" type="datetime4">
+            <a:fld id="{B08FEED8-D7D4-44E9-BFBC-ED06B5996D94}" type="datetime4">
               <a:rPr lang="en-US" smtClean="0"/>
-              <a:t>June 29, 2019</a:t>
+              <a:t>July 1, 2019</a:t>
             </a:fld>
             <a:endParaRPr lang="en-US" dirty="0"/>
           </a:p>
@@ -7642,13 +7942,7 @@
       </p:sp>
       <p:sp>
         <p:nvSpPr>
-          <p:cNvPr id="5" name="Footer Placeholder 4">
-            <a:extLst>
-              <a:ext uri="{FF2B5EF4-FFF2-40B4-BE49-F238E27FC236}">
-                <a16:creationId xmlns:a16="http://schemas.microsoft.com/office/drawing/2014/main" id="{D20B02B0-893D-4696-B6F7-A126B8D18E99}"/>
-              </a:ext>
-            </a:extLst>
-          </p:cNvPr>
+          <p:cNvPr id="5" name="Footer Placeholder 4"/>
           <p:cNvSpPr>
             <a:spLocks noGrp="1"/>
           </p:cNvSpPr>
@@ -7699,13 +7993,7 @@
       </p:sp>
       <p:sp>
         <p:nvSpPr>
-          <p:cNvPr id="6" name="Slide Number Placeholder 5">
-            <a:extLst>
-              <a:ext uri="{FF2B5EF4-FFF2-40B4-BE49-F238E27FC236}">
-                <a16:creationId xmlns:a16="http://schemas.microsoft.com/office/drawing/2014/main" id="{1CFDA495-0063-4571-8969-0DD770DB39E0}"/>
-              </a:ext>
-            </a:extLst>
-          </p:cNvPr>
+          <p:cNvPr id="6" name="Slide Number Placeholder 5"/>
           <p:cNvSpPr>
             <a:spLocks noGrp="1"/>
           </p:cNvSpPr>
@@ -7729,7 +8017,7 @@
     </p:spTree>
     <p:extLst>
       <p:ext uri="{BB962C8B-B14F-4D97-AF65-F5344CB8AC3E}">
-        <p14:creationId xmlns:p14="http://schemas.microsoft.com/office/powerpoint/2010/main" val="2581962988"/>
+        <p14:creationId xmlns:p14="http://schemas.microsoft.com/office/powerpoint/2010/main" val="472407328"/>
       </p:ext>
     </p:extLst>
   </p:cSld>
@@ -7773,7 +8061,7 @@
           <a:p>
             <a:r>
               <a:rPr lang="en-US" dirty="0"/>
-              <a:t>COMMON FILE FORMATS</a:t>
+              <a:t>WRITING FILE FORMATS</a:t>
             </a:r>
           </a:p>
         </p:txBody>
@@ -7809,40 +8097,17 @@
           <a:p>
             <a:pPr lvl="1"/>
             <a:r>
-              <a:rPr lang="en-US" dirty="0"/>
-              <a:t>Example:</a:t>
-            </a:r>
-          </a:p>
-          <a:p>
-            <a:pPr lvl="2"/>
-            <a:r>
-              <a:rPr lang="en-US" dirty="0" err="1"/>
-              <a:t>name,age,occupation</a:t>
-            </a:r>
-            <a:r>
-              <a:rPr lang="en-US" dirty="0"/>
-              <a:t> (first line: header)</a:t>
-            </a:r>
-          </a:p>
-          <a:p>
-            <a:pPr lvl="2"/>
-            <a:r>
-              <a:rPr lang="en-US" dirty="0"/>
-              <a:t>tony,23,banker (all other lines: observations)</a:t>
-            </a:r>
-          </a:p>
-          <a:p>
-            <a:r>
-              <a:rPr lang="en-US" dirty="0"/>
-              <a:t>Excel files (.</a:t>
-            </a:r>
-            <a:r>
-              <a:rPr lang="en-US" dirty="0" err="1"/>
-              <a:t>xlsx</a:t>
-            </a:r>
-            <a:r>
-              <a:rPr lang="en-US" dirty="0"/>
-              <a:t>, .</a:t>
+              <a:rPr lang="en-US" dirty="0">
+                <a:latin typeface="Courier New" panose="02070309020205020404" pitchFamily="49" charset="0"/>
+                <a:cs typeface="Courier New" panose="02070309020205020404" pitchFamily="49" charset="0"/>
+              </a:rPr>
+              <a:t>write.csv(data, “filename”)</a:t>
+            </a:r>
+          </a:p>
+          <a:p>
+            <a:r>
+              <a:rPr lang="en-US" dirty="0"/>
+              <a:t>Excel files (.xlsx, .</a:t>
             </a:r>
             <a:r>
               <a:rPr lang="en-US" dirty="0" err="1"/>
@@ -7850,8 +8115,19 @@
             </a:r>
             <a:r>
               <a:rPr lang="en-US" dirty="0"/>
-              <a:t>*)</a:t>
-            </a:r>
+              <a:t>)</a:t>
+            </a:r>
+          </a:p>
+          <a:p>
+            <a:pPr lvl="1"/>
+            <a:r>
+              <a:rPr lang="en-US" dirty="0">
+                <a:latin typeface="Courier New" panose="02070309020205020404" pitchFamily="49" charset="0"/>
+                <a:cs typeface="Courier New" panose="02070309020205020404" pitchFamily="49" charset="0"/>
+              </a:rPr>
+              <a:t>write.xlsx(data, “filename”)</a:t>
+            </a:r>
+            <a:endParaRPr lang="en-US" dirty="0"/>
           </a:p>
           <a:p>
             <a:r>
@@ -7870,8 +8146,25 @@
           <a:p>
             <a:pPr lvl="1"/>
             <a:r>
-              <a:rPr lang="en-US" dirty="0"/>
-              <a:t>{“name”: “Tony”, “age”: 23, “occupation:” “banker”}</a:t>
+              <a:rPr lang="en-US" dirty="0">
+                <a:latin typeface="Courier New" panose="02070309020205020404" pitchFamily="49" charset="0"/>
+                <a:cs typeface="Courier New" panose="02070309020205020404" pitchFamily="49" charset="0"/>
+              </a:rPr>
+              <a:t>write(</a:t>
+            </a:r>
+            <a:r>
+              <a:rPr lang="en-US" dirty="0" err="1">
+                <a:latin typeface="Courier New" panose="02070309020205020404" pitchFamily="49" charset="0"/>
+                <a:cs typeface="Courier New" panose="02070309020205020404" pitchFamily="49" charset="0"/>
+              </a:rPr>
+              <a:t>toJSON</a:t>
+            </a:r>
+            <a:r>
+              <a:rPr lang="en-US" dirty="0">
+                <a:latin typeface="Courier New" panose="02070309020205020404" pitchFamily="49" charset="0"/>
+                <a:cs typeface="Courier New" panose="02070309020205020404" pitchFamily="49" charset="0"/>
+              </a:rPr>
+              <a:t>(data), “filename”)</a:t>
             </a:r>
           </a:p>
           <a:p>
@@ -7883,13 +8176,33 @@
           <a:p>
             <a:pPr lvl="1"/>
             <a:r>
-              <a:rPr lang="en-US" dirty="0"/>
-              <a:t>&lt;person&gt; &lt;name&gt;Tony&lt;/name&gt; &lt;age&gt;23&lt;/age&gt; &lt;occupation&gt;banker&lt;/occupation&gt; &lt;/person&gt;</a:t>
-            </a:r>
-          </a:p>
-          <a:p>
-            <a:pPr lvl="1"/>
-            <a:endParaRPr lang="en-US" dirty="0"/>
+              <a:rPr lang="en-US" dirty="0" err="1">
+                <a:latin typeface="Courier New" panose="02070309020205020404" pitchFamily="49" charset="0"/>
+                <a:cs typeface="Courier New" panose="02070309020205020404" pitchFamily="49" charset="0"/>
+              </a:rPr>
+              <a:t>saveXML</a:t>
+            </a:r>
+            <a:r>
+              <a:rPr lang="en-US" dirty="0">
+                <a:latin typeface="Courier New" panose="02070309020205020404" pitchFamily="49" charset="0"/>
+                <a:cs typeface="Courier New" panose="02070309020205020404" pitchFamily="49" charset="0"/>
+              </a:rPr>
+              <a:t>(</a:t>
+            </a:r>
+            <a:r>
+              <a:rPr lang="en-US" dirty="0" err="1">
+                <a:latin typeface="Courier New" panose="02070309020205020404" pitchFamily="49" charset="0"/>
+                <a:cs typeface="Courier New" panose="02070309020205020404" pitchFamily="49" charset="0"/>
+              </a:rPr>
+              <a:t>xmlDoc</a:t>
+            </a:r>
+            <a:r>
+              <a:rPr lang="en-US" dirty="0">
+                <a:latin typeface="Courier New" panose="02070309020205020404" pitchFamily="49" charset="0"/>
+                <a:cs typeface="Courier New" panose="02070309020205020404" pitchFamily="49" charset="0"/>
+              </a:rPr>
+              <a:t>, “filename”)</a:t>
+            </a:r>
           </a:p>
         </p:txBody>
       </p:sp>
@@ -7910,7 +8223,7 @@
           <a:p>
             <a:fld id="{B08FEED8-D7D4-44E9-BFBC-ED06B5996D94}" type="datetime4">
               <a:rPr lang="en-US" smtClean="0"/>
-              <a:t>June 29, 2019</a:t>
+              <a:t>July 1, 2019</a:t>
             </a:fld>
             <a:endParaRPr lang="en-US" dirty="0"/>
           </a:p>
@@ -7993,7 +8306,7 @@
     </p:spTree>
     <p:extLst>
       <p:ext uri="{BB962C8B-B14F-4D97-AF65-F5344CB8AC3E}">
-        <p14:creationId xmlns:p14="http://schemas.microsoft.com/office/powerpoint/2010/main" val="3674866452"/>
+        <p14:creationId xmlns:p14="http://schemas.microsoft.com/office/powerpoint/2010/main" val="880888547"/>
       </p:ext>
     </p:extLst>
   </p:cSld>
@@ -8037,7 +8350,7 @@
           <a:p>
             <a:r>
               <a:rPr lang="en-US" dirty="0"/>
-              <a:t>READING FILE FORMATS</a:t>
+              <a:t>A WORD OF WARNING ON FACTORS</a:t>
             </a:r>
           </a:p>
         </p:txBody>
@@ -8059,79 +8372,155 @@
           <a:p>
             <a:r>
               <a:rPr lang="en-US" dirty="0"/>
-              <a:t>Comma/Tab Separated Values: (.csv, .</a:t>
-            </a:r>
-            <a:r>
-              <a:rPr lang="en-US" dirty="0" err="1"/>
-              <a:t>tsv</a:t>
-            </a:r>
-            <a:r>
-              <a:rPr lang="en-US" dirty="0"/>
+              <a:t>R is quick to assume strings you pass in data frames are factors</a:t>
+            </a:r>
+          </a:p>
+          <a:p>
+            <a:r>
+              <a:rPr lang="en-US" dirty="0"/>
+              <a:t>Example: </a:t>
+            </a:r>
+            <a:r>
+              <a:rPr lang="en-US" dirty="0">
+                <a:latin typeface="Courier New" panose="02070309020205020404" pitchFamily="49" charset="0"/>
+                <a:cs typeface="Courier New" panose="02070309020205020404" pitchFamily="49" charset="0"/>
+              </a:rPr>
+              <a:t>df &lt;- </a:t>
+            </a:r>
+            <a:r>
+              <a:rPr lang="en-US" dirty="0" err="1">
+                <a:latin typeface="Courier New" panose="02070309020205020404" pitchFamily="49" charset="0"/>
+                <a:cs typeface="Courier New" panose="02070309020205020404" pitchFamily="49" charset="0"/>
+              </a:rPr>
+              <a:t>data.frame</a:t>
+            </a:r>
+            <a:r>
+              <a:rPr lang="en-US" dirty="0">
+                <a:latin typeface="Courier New" panose="02070309020205020404" pitchFamily="49" charset="0"/>
+                <a:cs typeface="Courier New" panose="02070309020205020404" pitchFamily="49" charset="0"/>
+              </a:rPr>
+              <a:t>(name=c(“John”, “Molly”), age=c(15,17))</a:t>
+            </a:r>
+          </a:p>
+          <a:p>
+            <a:pPr lvl="1"/>
+            <a:r>
+              <a:rPr lang="en-US" dirty="0"/>
+              <a:t>R assumes </a:t>
+            </a:r>
+            <a:r>
+              <a:rPr lang="en-US" dirty="0">
+                <a:latin typeface="Courier New" panose="02070309020205020404" pitchFamily="49" charset="0"/>
+                <a:cs typeface="Courier New" panose="02070309020205020404" pitchFamily="49" charset="0"/>
+              </a:rPr>
+              <a:t>name</a:t>
+            </a:r>
+            <a:r>
+              <a:rPr lang="en-US" dirty="0"/>
+              <a:t> is a factor!</a:t>
+            </a:r>
+          </a:p>
+          <a:p>
+            <a:pPr lvl="1"/>
+            <a:r>
+              <a:rPr lang="en-US" dirty="0"/>
+              <a:t>Does this make sense?</a:t>
+            </a:r>
+          </a:p>
+          <a:p>
+            <a:r>
+              <a:rPr lang="en-US" dirty="0"/>
+              <a:t>If this a problem (which it often is), change the type of the column with </a:t>
+            </a:r>
+            <a:r>
+              <a:rPr lang="en-US" dirty="0" err="1">
+                <a:latin typeface="Courier New" panose="02070309020205020404" pitchFamily="49" charset="0"/>
+                <a:cs typeface="Courier New" panose="02070309020205020404" pitchFamily="49" charset="0"/>
+              </a:rPr>
+              <a:t>as.character</a:t>
+            </a:r>
+            <a:r>
+              <a:rPr lang="en-US" dirty="0">
+                <a:latin typeface="Courier New" panose="02070309020205020404" pitchFamily="49" charset="0"/>
+                <a:cs typeface="Courier New" panose="02070309020205020404" pitchFamily="49" charset="0"/>
+              </a:rPr>
+              <a:t>().</a:t>
+            </a:r>
+          </a:p>
+          <a:p>
+            <a:pPr lvl="1"/>
+            <a:r>
+              <a:rPr lang="en-US" dirty="0" err="1">
+                <a:latin typeface="Courier New" panose="02070309020205020404" pitchFamily="49" charset="0"/>
+                <a:cs typeface="Courier New" panose="02070309020205020404" pitchFamily="49" charset="0"/>
+              </a:rPr>
+              <a:t>df$name</a:t>
+            </a:r>
+            <a:r>
+              <a:rPr lang="en-US" dirty="0">
+                <a:latin typeface="Courier New" panose="02070309020205020404" pitchFamily="49" charset="0"/>
+                <a:cs typeface="Courier New" panose="02070309020205020404" pitchFamily="49" charset="0"/>
+              </a:rPr>
+              <a:t> &lt;- </a:t>
+            </a:r>
+            <a:r>
+              <a:rPr lang="en-US" dirty="0" err="1">
+                <a:latin typeface="Courier New" panose="02070309020205020404" pitchFamily="49" charset="0"/>
+                <a:cs typeface="Courier New" panose="02070309020205020404" pitchFamily="49" charset="0"/>
+              </a:rPr>
+              <a:t>as.character</a:t>
+            </a:r>
+            <a:r>
+              <a:rPr lang="en-US" dirty="0">
+                <a:latin typeface="Courier New" panose="02070309020205020404" pitchFamily="49" charset="0"/>
+                <a:cs typeface="Courier New" panose="02070309020205020404" pitchFamily="49" charset="0"/>
+              </a:rPr>
+              <a:t>(</a:t>
+            </a:r>
+            <a:r>
+              <a:rPr lang="en-US" dirty="0" err="1">
+                <a:latin typeface="Courier New" panose="02070309020205020404" pitchFamily="49" charset="0"/>
+                <a:cs typeface="Courier New" panose="02070309020205020404" pitchFamily="49" charset="0"/>
+              </a:rPr>
+              <a:t>df$name</a:t>
+            </a:r>
+            <a:r>
+              <a:rPr lang="en-US" dirty="0">
+                <a:latin typeface="Courier New" panose="02070309020205020404" pitchFamily="49" charset="0"/>
+                <a:cs typeface="Courier New" panose="02070309020205020404" pitchFamily="49" charset="0"/>
+              </a:rPr>
               <a:t>)</a:t>
             </a:r>
           </a:p>
           <a:p>
             <a:pPr lvl="1"/>
             <a:r>
-              <a:rPr lang="en-US" dirty="0"/>
-              <a:t>Read.csv</a:t>
-            </a:r>
-          </a:p>
-          <a:p>
-            <a:r>
-              <a:rPr lang="en-US" dirty="0"/>
-              <a:t>Excel files (.</a:t>
-            </a:r>
-            <a:r>
-              <a:rPr lang="en-US" dirty="0" err="1"/>
-              <a:t>xlsx</a:t>
-            </a:r>
-            <a:r>
-              <a:rPr lang="en-US" dirty="0"/>
-              <a:t>, .</a:t>
-            </a:r>
-            <a:r>
-              <a:rPr lang="en-US" dirty="0" err="1"/>
-              <a:t>xls</a:t>
-            </a:r>
-            <a:r>
-              <a:rPr lang="en-US" dirty="0"/>
-              <a:t>*)</a:t>
-            </a:r>
-          </a:p>
-          <a:p>
-            <a:r>
-              <a:rPr lang="en-US" dirty="0"/>
-              <a:t>JSON (.</a:t>
-            </a:r>
-            <a:r>
-              <a:rPr lang="en-US" dirty="0" err="1"/>
-              <a:t>json</a:t>
-            </a:r>
-            <a:r>
-              <a:rPr lang="en-US" dirty="0"/>
-              <a:t>)</a:t>
-            </a:r>
-          </a:p>
-          <a:p>
-            <a:pPr lvl="1"/>
-            <a:r>
-              <a:rPr lang="en-US" dirty="0"/>
-              <a:t>Example</a:t>
-            </a:r>
-          </a:p>
-          <a:p>
-            <a:r>
-              <a:rPr lang="en-US" dirty="0"/>
-              <a:t>XML (.xml)</a:t>
-            </a:r>
-          </a:p>
-          <a:p>
-            <a:pPr lvl="1"/>
-            <a:r>
-              <a:rPr lang="en-US" dirty="0"/>
-              <a:t>Example</a:t>
-            </a:r>
+              <a:rPr lang="en-US" dirty="0">
+                <a:cs typeface="Courier New" panose="02070309020205020404" pitchFamily="49" charset="0"/>
+              </a:rPr>
+              <a:t>Or, pass </a:t>
+            </a:r>
+            <a:r>
+              <a:rPr lang="en-US" dirty="0" err="1">
+                <a:latin typeface="Courier New" panose="02070309020205020404" pitchFamily="49" charset="0"/>
+                <a:cs typeface="Courier New" panose="02070309020205020404" pitchFamily="49" charset="0"/>
+              </a:rPr>
+              <a:t>stringsAsFactors</a:t>
+            </a:r>
+            <a:r>
+              <a:rPr lang="en-US" dirty="0">
+                <a:latin typeface="Courier New" panose="02070309020205020404" pitchFamily="49" charset="0"/>
+                <a:cs typeface="Courier New" panose="02070309020205020404" pitchFamily="49" charset="0"/>
+              </a:rPr>
+              <a:t> = FALSE</a:t>
+            </a:r>
+            <a:r>
+              <a:rPr lang="en-US" dirty="0">
+                <a:cs typeface="Courier New" panose="02070309020205020404" pitchFamily="49" charset="0"/>
+              </a:rPr>
+              <a:t> to your read command</a:t>
+            </a:r>
+            <a:endParaRPr lang="en-US" dirty="0"/>
           </a:p>
         </p:txBody>
       </p:sp>
@@ -8152,7 +8541,7 @@
           <a:p>
             <a:fld id="{B08FEED8-D7D4-44E9-BFBC-ED06B5996D94}" type="datetime4">
               <a:rPr lang="en-US" smtClean="0"/>
-              <a:t>June 29, 2019</a:t>
+              <a:t>July 1, 2019</a:t>
             </a:fld>
             <a:endParaRPr lang="en-US" dirty="0"/>
           </a:p>
@@ -8235,7 +8624,7 @@
     </p:spTree>
     <p:extLst>
       <p:ext uri="{BB962C8B-B14F-4D97-AF65-F5344CB8AC3E}">
-        <p14:creationId xmlns:p14="http://schemas.microsoft.com/office/powerpoint/2010/main" val="472407328"/>
+        <p14:creationId xmlns:p14="http://schemas.microsoft.com/office/powerpoint/2010/main" val="2216792158"/>
       </p:ext>
     </p:extLst>
   </p:cSld>
@@ -8264,7 +8653,13 @@
       </p:grpSpPr>
       <p:sp>
         <p:nvSpPr>
-          <p:cNvPr id="7" name="Title 6"/>
+          <p:cNvPr id="7" name="Title 6">
+            <a:extLst>
+              <a:ext uri="{FF2B5EF4-FFF2-40B4-BE49-F238E27FC236}">
+                <a16:creationId xmlns:a16="http://schemas.microsoft.com/office/drawing/2014/main" id="{184E2338-1026-45D4-9455-B21A88F18B28}"/>
+              </a:ext>
+            </a:extLst>
+          </p:cNvPr>
           <p:cNvSpPr>
             <a:spLocks noGrp="1"/>
           </p:cNvSpPr>
@@ -8279,107 +8674,48 @@
           <a:p>
             <a:r>
               <a:rPr lang="en-US" dirty="0"/>
-              <a:t>WRITING FILE FORMATS</a:t>
-            </a:r>
-          </a:p>
-        </p:txBody>
-      </p:sp>
-      <p:sp>
-        <p:nvSpPr>
-          <p:cNvPr id="8" name="Content Placeholder 7"/>
-          <p:cNvSpPr>
-            <a:spLocks noGrp="1"/>
-          </p:cNvSpPr>
-          <p:nvPr>
-            <p:ph idx="1"/>
-          </p:nvPr>
-        </p:nvSpPr>
-        <p:spPr/>
-        <p:txBody>
-          <a:bodyPr/>
-          <a:lstStyle/>
-          <a:p>
-            <a:r>
-              <a:rPr lang="en-US" dirty="0"/>
-              <a:t>Comma/Tab Separated Values: (.csv, .</a:t>
-            </a:r>
-            <a:r>
-              <a:rPr lang="en-US" dirty="0" err="1"/>
-              <a:t>tsv</a:t>
-            </a:r>
-            <a:r>
-              <a:rPr lang="en-US" dirty="0"/>
-              <a:t>)</a:t>
-            </a:r>
-          </a:p>
-          <a:p>
-            <a:pPr lvl="1"/>
-            <a:r>
-              <a:rPr lang="en-US" dirty="0"/>
-              <a:t>Write.csv</a:t>
-            </a:r>
-          </a:p>
-          <a:p>
-            <a:r>
-              <a:rPr lang="en-US" dirty="0"/>
-              <a:t>Excel files (.</a:t>
-            </a:r>
-            <a:r>
-              <a:rPr lang="en-US" dirty="0" err="1"/>
-              <a:t>xlsx</a:t>
-            </a:r>
-            <a:r>
-              <a:rPr lang="en-US" dirty="0"/>
-              <a:t>, .</a:t>
-            </a:r>
-            <a:r>
-              <a:rPr lang="en-US" dirty="0" err="1"/>
-              <a:t>xls</a:t>
-            </a:r>
-            <a:r>
-              <a:rPr lang="en-US" dirty="0"/>
-              <a:t>*)</a:t>
-            </a:r>
-          </a:p>
-          <a:p>
-            <a:r>
-              <a:rPr lang="en-US" dirty="0"/>
-              <a:t>JSON (.</a:t>
-            </a:r>
-            <a:r>
-              <a:rPr lang="en-US" dirty="0" err="1"/>
-              <a:t>json</a:t>
-            </a:r>
-            <a:r>
-              <a:rPr lang="en-US" dirty="0"/>
-              <a:t>)</a:t>
-            </a:r>
-          </a:p>
-          <a:p>
-            <a:pPr lvl="1"/>
-            <a:r>
-              <a:rPr lang="en-US" dirty="0"/>
-              <a:t>Example</a:t>
-            </a:r>
-          </a:p>
-          <a:p>
-            <a:r>
-              <a:rPr lang="en-US" dirty="0"/>
-              <a:t>XML (.xml)</a:t>
-            </a:r>
-          </a:p>
-          <a:p>
-            <a:pPr lvl="1"/>
-            <a:r>
-              <a:rPr lang="en-US" dirty="0"/>
-              <a:t>Example</a:t>
-            </a:r>
-          </a:p>
-        </p:txBody>
-      </p:sp>
-      <p:sp>
-        <p:nvSpPr>
-          <p:cNvPr id="4" name="Date Placeholder 3"/>
+              <a:t>DATA MANIPULATION</a:t>
+            </a:r>
+          </a:p>
+        </p:txBody>
+      </p:sp>
+      <p:sp>
+        <p:nvSpPr>
+          <p:cNvPr id="8" name="Text Placeholder 7">
+            <a:extLst>
+              <a:ext uri="{FF2B5EF4-FFF2-40B4-BE49-F238E27FC236}">
+                <a16:creationId xmlns:a16="http://schemas.microsoft.com/office/drawing/2014/main" id="{DB42CCAB-C8E2-48A8-A9DF-EB0383A8B33C}"/>
+              </a:ext>
+            </a:extLst>
+          </p:cNvPr>
+          <p:cNvSpPr>
+            <a:spLocks noGrp="1"/>
+          </p:cNvSpPr>
+          <p:nvPr>
+            <p:ph type="body" idx="1"/>
+          </p:nvPr>
+        </p:nvSpPr>
+        <p:spPr/>
+        <p:txBody>
+          <a:bodyPr/>
+          <a:lstStyle/>
+          <a:p>
+            <a:r>
+              <a:rPr lang="en-US" dirty="0"/>
+              <a:t>Subsetting and filtering</a:t>
+            </a:r>
+          </a:p>
+        </p:txBody>
+      </p:sp>
+      <p:sp>
+        <p:nvSpPr>
+          <p:cNvPr id="4" name="Date Placeholder 3">
+            <a:extLst>
+              <a:ext uri="{FF2B5EF4-FFF2-40B4-BE49-F238E27FC236}">
+                <a16:creationId xmlns:a16="http://schemas.microsoft.com/office/drawing/2014/main" id="{1CA94ACB-62A5-4F09-8C21-F0CE9BFB1606}"/>
+              </a:ext>
+            </a:extLst>
+          </p:cNvPr>
           <p:cNvSpPr>
             <a:spLocks noGrp="1"/>
           </p:cNvSpPr>
@@ -8392,9 +8728,9 @@
           <a:bodyPr/>
           <a:lstStyle/>
           <a:p>
-            <a:fld id="{B08FEED8-D7D4-44E9-BFBC-ED06B5996D94}" type="datetime4">
+            <a:fld id="{8AAE40A0-A7D8-4DC3-BC9E-BADA32DA2004}" type="datetime4">
               <a:rPr lang="en-US" smtClean="0"/>
-              <a:t>June 29, 2019</a:t>
+              <a:t>July 1, 2019</a:t>
             </a:fld>
             <a:endParaRPr lang="en-US" dirty="0"/>
           </a:p>
@@ -8402,7 +8738,13 @@
       </p:sp>
       <p:sp>
         <p:nvSpPr>
-          <p:cNvPr id="5" name="Footer Placeholder 4"/>
+          <p:cNvPr id="5" name="Footer Placeholder 4">
+            <a:extLst>
+              <a:ext uri="{FF2B5EF4-FFF2-40B4-BE49-F238E27FC236}">
+                <a16:creationId xmlns:a16="http://schemas.microsoft.com/office/drawing/2014/main" id="{D20B02B0-893D-4696-B6F7-A126B8D18E99}"/>
+              </a:ext>
+            </a:extLst>
+          </p:cNvPr>
           <p:cNvSpPr>
             <a:spLocks noGrp="1"/>
           </p:cNvSpPr>
@@ -8453,7 +8795,13 @@
       </p:sp>
       <p:sp>
         <p:nvSpPr>
-          <p:cNvPr id="6" name="Slide Number Placeholder 5"/>
+          <p:cNvPr id="6" name="Slide Number Placeholder 5">
+            <a:extLst>
+              <a:ext uri="{FF2B5EF4-FFF2-40B4-BE49-F238E27FC236}">
+                <a16:creationId xmlns:a16="http://schemas.microsoft.com/office/drawing/2014/main" id="{1CFDA495-0063-4571-8969-0DD770DB39E0}"/>
+              </a:ext>
+            </a:extLst>
+          </p:cNvPr>
           <p:cNvSpPr>
             <a:spLocks noGrp="1"/>
           </p:cNvSpPr>
@@ -8477,7 +8825,7 @@
     </p:spTree>
     <p:extLst>
       <p:ext uri="{BB962C8B-B14F-4D97-AF65-F5344CB8AC3E}">
-        <p14:creationId xmlns:p14="http://schemas.microsoft.com/office/powerpoint/2010/main" val="880888547"/>
+        <p14:creationId xmlns:p14="http://schemas.microsoft.com/office/powerpoint/2010/main" val="495434477"/>
       </p:ext>
     </p:extLst>
   </p:cSld>
@@ -8521,7 +8869,7 @@
           <a:p>
             <a:r>
               <a:rPr lang="en-US" dirty="0"/>
-              <a:t>A WORD OF WARNING ON FACTORS</a:t>
+              <a:t>MAKING NEW COLUMNS FROM OLD</a:t>
             </a:r>
           </a:p>
         </p:txBody>
@@ -8542,115 +8890,32 @@
           <a:lstStyle/>
           <a:p>
             <a:r>
-              <a:rPr lang="en-US" dirty="0"/>
-              <a:t>R is quick to assume strings you pass in data frames are factors</a:t>
-            </a:r>
-          </a:p>
-          <a:p>
-            <a:r>
-              <a:rPr lang="en-US" dirty="0"/>
-              <a:t>Example: </a:t>
-            </a:r>
-            <a:r>
-              <a:rPr lang="en-US" dirty="0">
-                <a:latin typeface="Courier New" panose="02070309020205020404" pitchFamily="49" charset="0"/>
-                <a:cs typeface="Courier New" panose="02070309020205020404" pitchFamily="49" charset="0"/>
-              </a:rPr>
-              <a:t>df &lt;- </a:t>
-            </a:r>
-            <a:r>
-              <a:rPr lang="en-US" dirty="0" err="1">
-                <a:latin typeface="Courier New" panose="02070309020205020404" pitchFamily="49" charset="0"/>
-                <a:cs typeface="Courier New" panose="02070309020205020404" pitchFamily="49" charset="0"/>
-              </a:rPr>
-              <a:t>data.frame</a:t>
-            </a:r>
-            <a:r>
-              <a:rPr lang="en-US" dirty="0">
-                <a:latin typeface="Courier New" panose="02070309020205020404" pitchFamily="49" charset="0"/>
-                <a:cs typeface="Courier New" panose="02070309020205020404" pitchFamily="49" charset="0"/>
-              </a:rPr>
-              <a:t>(name=c(“John”, “Molly”), age=c(15,17))</a:t>
+              <a:rPr lang="en-US" dirty="0">
+                <a:cs typeface="Courier New" panose="02070309020205020404" pitchFamily="49" charset="0"/>
+              </a:rPr>
+              <a:t>Arithmetic operations can apply to the whole column with no extra work on your part!</a:t>
             </a:r>
           </a:p>
           <a:p>
             <a:pPr lvl="1"/>
             <a:r>
-              <a:rPr lang="en-US" dirty="0"/>
-              <a:t>Name is a factor!</a:t>
+              <a:rPr lang="en-US" dirty="0">
+                <a:cs typeface="Courier New" panose="02070309020205020404" pitchFamily="49" charset="0"/>
+              </a:rPr>
+              <a:t>Very useful for converting between units</a:t>
             </a:r>
           </a:p>
           <a:p>
             <a:pPr lvl="1"/>
             <a:r>
-              <a:rPr lang="en-US" dirty="0"/>
-              <a:t>Does this make sense?</a:t>
-            </a:r>
-          </a:p>
-          <a:p>
-            <a:r>
-              <a:rPr lang="en-US" dirty="0"/>
-              <a:t>If this a problem (which it often is), change the type of the column with </a:t>
-            </a:r>
-            <a:r>
-              <a:rPr lang="en-US" dirty="0" err="1">
-                <a:latin typeface="Courier New" panose="02070309020205020404" pitchFamily="49" charset="0"/>
-                <a:cs typeface="Courier New" panose="02070309020205020404" pitchFamily="49" charset="0"/>
-              </a:rPr>
-              <a:t>as.character</a:t>
-            </a:r>
-            <a:r>
-              <a:rPr lang="en-US" dirty="0">
-                <a:latin typeface="Courier New" panose="02070309020205020404" pitchFamily="49" charset="0"/>
-                <a:cs typeface="Courier New" panose="02070309020205020404" pitchFamily="49" charset="0"/>
-              </a:rPr>
-              <a:t>().</a:t>
-            </a:r>
-          </a:p>
-          <a:p>
-            <a:pPr lvl="1"/>
-            <a:r>
-              <a:rPr lang="en-US" dirty="0" err="1">
-                <a:latin typeface="Courier New" panose="02070309020205020404" pitchFamily="49" charset="0"/>
-                <a:cs typeface="Courier New" panose="02070309020205020404" pitchFamily="49" charset="0"/>
-              </a:rPr>
-              <a:t>df$name</a:t>
-            </a:r>
-            <a:r>
-              <a:rPr lang="en-US" dirty="0">
-                <a:latin typeface="Courier New" panose="02070309020205020404" pitchFamily="49" charset="0"/>
-                <a:cs typeface="Courier New" panose="02070309020205020404" pitchFamily="49" charset="0"/>
-              </a:rPr>
-              <a:t> &lt;- </a:t>
-            </a:r>
-            <a:r>
-              <a:rPr lang="en-US" dirty="0" err="1">
-                <a:latin typeface="Courier New" panose="02070309020205020404" pitchFamily="49" charset="0"/>
-                <a:cs typeface="Courier New" panose="02070309020205020404" pitchFamily="49" charset="0"/>
-              </a:rPr>
-              <a:t>as.character</a:t>
-            </a:r>
-            <a:r>
-              <a:rPr lang="en-US" dirty="0">
-                <a:latin typeface="Courier New" panose="02070309020205020404" pitchFamily="49" charset="0"/>
-                <a:cs typeface="Courier New" panose="02070309020205020404" pitchFamily="49" charset="0"/>
-              </a:rPr>
-              <a:t>(</a:t>
-            </a:r>
-            <a:r>
-              <a:rPr lang="en-US" dirty="0" err="1">
-                <a:latin typeface="Courier New" panose="02070309020205020404" pitchFamily="49" charset="0"/>
-                <a:cs typeface="Courier New" panose="02070309020205020404" pitchFamily="49" charset="0"/>
-              </a:rPr>
-              <a:t>df$name</a:t>
-            </a:r>
-            <a:r>
-              <a:rPr lang="en-US" dirty="0">
-                <a:latin typeface="Courier New" panose="02070309020205020404" pitchFamily="49" charset="0"/>
-                <a:cs typeface="Courier New" panose="02070309020205020404" pitchFamily="49" charset="0"/>
-              </a:rPr>
-              <a:t>)</a:t>
-            </a:r>
+              <a:rPr lang="en-US" dirty="0">
+                <a:latin typeface="Courier New" panose="02070309020205020404" pitchFamily="49" charset="0"/>
+                <a:cs typeface="Courier New" panose="02070309020205020404" pitchFamily="49" charset="0"/>
+              </a:rPr>
+              <a:t>df$length.cm &lt;- df$length.in * 2.54</a:t>
+            </a:r>
+          </a:p>
+          <a:p>
             <a:endParaRPr lang="en-US" dirty="0"/>
           </a:p>
         </p:txBody>
@@ -8672,7 +8937,7 @@
           <a:p>
             <a:fld id="{B08FEED8-D7D4-44E9-BFBC-ED06B5996D94}" type="datetime4">
               <a:rPr lang="en-US" smtClean="0"/>
-              <a:t>June 29, 2019</a:t>
+              <a:t>July 1, 2019</a:t>
             </a:fld>
             <a:endParaRPr lang="en-US" dirty="0"/>
           </a:p>
@@ -8755,7 +9020,7 @@
     </p:spTree>
     <p:extLst>
       <p:ext uri="{BB962C8B-B14F-4D97-AF65-F5344CB8AC3E}">
-        <p14:creationId xmlns:p14="http://schemas.microsoft.com/office/powerpoint/2010/main" val="2216792158"/>
+        <p14:creationId xmlns:p14="http://schemas.microsoft.com/office/powerpoint/2010/main" val="1264901885"/>
       </p:ext>
     </p:extLst>
   </p:cSld>
@@ -8784,13 +9049,7 @@
       </p:grpSpPr>
       <p:sp>
         <p:nvSpPr>
-          <p:cNvPr id="7" name="Title 6">
-            <a:extLst>
-              <a:ext uri="{FF2B5EF4-FFF2-40B4-BE49-F238E27FC236}">
-                <a16:creationId xmlns:a16="http://schemas.microsoft.com/office/drawing/2014/main" id="{184E2338-1026-45D4-9455-B21A88F18B28}"/>
-              </a:ext>
-            </a:extLst>
-          </p:cNvPr>
+          <p:cNvPr id="7" name="Title 6"/>
           <p:cNvSpPr>
             <a:spLocks noGrp="1"/>
           </p:cNvSpPr>
@@ -8805,48 +9064,127 @@
           <a:p>
             <a:r>
               <a:rPr lang="en-US" dirty="0"/>
-              <a:t>DATA MANIPULATION</a:t>
-            </a:r>
-          </a:p>
-        </p:txBody>
-      </p:sp>
-      <p:sp>
-        <p:nvSpPr>
-          <p:cNvPr id="8" name="Text Placeholder 7">
-            <a:extLst>
-              <a:ext uri="{FF2B5EF4-FFF2-40B4-BE49-F238E27FC236}">
-                <a16:creationId xmlns:a16="http://schemas.microsoft.com/office/drawing/2014/main" id="{DB42CCAB-C8E2-48A8-A9DF-EB0383A8B33C}"/>
-              </a:ext>
-            </a:extLst>
-          </p:cNvPr>
-          <p:cNvSpPr>
-            <a:spLocks noGrp="1"/>
-          </p:cNvSpPr>
-          <p:nvPr>
-            <p:ph type="body" idx="1"/>
-          </p:nvPr>
-        </p:nvSpPr>
-        <p:spPr/>
-        <p:txBody>
-          <a:bodyPr/>
-          <a:lstStyle/>
-          <a:p>
-            <a:r>
-              <a:rPr lang="en-US" dirty="0"/>
-              <a:t>Subsetting and filtering</a:t>
-            </a:r>
-          </a:p>
-        </p:txBody>
-      </p:sp>
-      <p:sp>
-        <p:nvSpPr>
-          <p:cNvPr id="4" name="Date Placeholder 3">
-            <a:extLst>
-              <a:ext uri="{FF2B5EF4-FFF2-40B4-BE49-F238E27FC236}">
-                <a16:creationId xmlns:a16="http://schemas.microsoft.com/office/drawing/2014/main" id="{1CA94ACB-62A5-4F09-8C21-F0CE9BFB1606}"/>
-              </a:ext>
-            </a:extLst>
-          </p:cNvPr>
+              <a:t>LOGICAL OPERATORS</a:t>
+            </a:r>
+          </a:p>
+        </p:txBody>
+      </p:sp>
+      <p:sp>
+        <p:nvSpPr>
+          <p:cNvPr id="8" name="Content Placeholder 7"/>
+          <p:cNvSpPr>
+            <a:spLocks noGrp="1"/>
+          </p:cNvSpPr>
+          <p:nvPr>
+            <p:ph idx="1"/>
+          </p:nvPr>
+        </p:nvSpPr>
+        <p:spPr/>
+        <p:txBody>
+          <a:bodyPr/>
+          <a:lstStyle/>
+          <a:p>
+            <a:r>
+              <a:rPr lang="en-US" dirty="0"/>
+              <a:t>Test for Equality: </a:t>
+            </a:r>
+            <a:r>
+              <a:rPr lang="en-US" dirty="0">
+                <a:latin typeface="Courier New" panose="02070309020205020404" pitchFamily="49" charset="0"/>
+                <a:cs typeface="Courier New" panose="02070309020205020404" pitchFamily="49" charset="0"/>
+              </a:rPr>
+              <a:t>== (a == b)</a:t>
+            </a:r>
+          </a:p>
+          <a:p>
+            <a:r>
+              <a:rPr lang="en-US" dirty="0"/>
+              <a:t>Test for Inequality: </a:t>
+            </a:r>
+            <a:r>
+              <a:rPr lang="en-US" dirty="0">
+                <a:latin typeface="Courier New" panose="02070309020205020404" pitchFamily="49" charset="0"/>
+                <a:cs typeface="Courier New" panose="02070309020205020404" pitchFamily="49" charset="0"/>
+              </a:rPr>
+              <a:t>!= (a != b)</a:t>
+            </a:r>
+          </a:p>
+          <a:p>
+            <a:pPr lvl="1"/>
+            <a:r>
+              <a:rPr lang="en-US" dirty="0">
+                <a:cs typeface="Courier New" panose="02070309020205020404" pitchFamily="49" charset="0"/>
+              </a:rPr>
+              <a:t>Logical Negation:</a:t>
+            </a:r>
+            <a:r>
+              <a:rPr lang="en-US" dirty="0">
+                <a:latin typeface="Courier New" panose="02070309020205020404" pitchFamily="49" charset="0"/>
+                <a:cs typeface="Courier New" panose="02070309020205020404" pitchFamily="49" charset="0"/>
+              </a:rPr>
+              <a:t> !</a:t>
+            </a:r>
+          </a:p>
+          <a:p>
+            <a:r>
+              <a:rPr lang="en-US" dirty="0"/>
+              <a:t>Test for Less than: </a:t>
+            </a:r>
+            <a:r>
+              <a:rPr lang="en-US" dirty="0">
+                <a:latin typeface="Courier New" panose="02070309020205020404" pitchFamily="49" charset="0"/>
+                <a:cs typeface="Courier New" panose="02070309020205020404" pitchFamily="49" charset="0"/>
+              </a:rPr>
+              <a:t>&lt; (a &lt; b)</a:t>
+            </a:r>
+          </a:p>
+          <a:p>
+            <a:r>
+              <a:rPr lang="en-US" dirty="0"/>
+              <a:t>Test for Less than or equal to: </a:t>
+            </a:r>
+            <a:r>
+              <a:rPr lang="en-US" dirty="0">
+                <a:latin typeface="Courier New" panose="02070309020205020404" pitchFamily="49" charset="0"/>
+                <a:cs typeface="Courier New" panose="02070309020205020404" pitchFamily="49" charset="0"/>
+              </a:rPr>
+              <a:t>&lt;= (a &lt;= b)</a:t>
+            </a:r>
+          </a:p>
+          <a:p>
+            <a:r>
+              <a:rPr lang="en-US" dirty="0"/>
+              <a:t>Test for Greater than: </a:t>
+            </a:r>
+            <a:r>
+              <a:rPr lang="en-US" dirty="0">
+                <a:latin typeface="Courier New" panose="02070309020205020404" pitchFamily="49" charset="0"/>
+                <a:cs typeface="Courier New" panose="02070309020205020404" pitchFamily="49" charset="0"/>
+              </a:rPr>
+              <a:t>&gt; (a &gt; b)</a:t>
+            </a:r>
+          </a:p>
+          <a:p>
+            <a:r>
+              <a:rPr lang="en-US" dirty="0"/>
+              <a:t>Test for Greater than or equal to: </a:t>
+            </a:r>
+            <a:r>
+              <a:rPr lang="en-US" dirty="0">
+                <a:latin typeface="Courier New" panose="02070309020205020404" pitchFamily="49" charset="0"/>
+                <a:cs typeface="Courier New" panose="02070309020205020404" pitchFamily="49" charset="0"/>
+              </a:rPr>
+              <a:t>&gt;= (a &gt; b)</a:t>
+            </a:r>
+          </a:p>
+          <a:p>
+            <a:endParaRPr lang="en-US" dirty="0"/>
+          </a:p>
+        </p:txBody>
+      </p:sp>
+      <p:sp>
+        <p:nvSpPr>
+          <p:cNvPr id="4" name="Date Placeholder 3"/>
           <p:cNvSpPr>
             <a:spLocks noGrp="1"/>
           </p:cNvSpPr>
@@ -8859,9 +9197,9 @@
           <a:bodyPr/>
           <a:lstStyle/>
           <a:p>
-            <a:fld id="{8AAE40A0-A7D8-4DC3-BC9E-BADA32DA2004}" type="datetime4">
+            <a:fld id="{B08FEED8-D7D4-44E9-BFBC-ED06B5996D94}" type="datetime4">
               <a:rPr lang="en-US" smtClean="0"/>
-              <a:t>June 29, 2019</a:t>
+              <a:t>July 1, 2019</a:t>
             </a:fld>
             <a:endParaRPr lang="en-US" dirty="0"/>
           </a:p>
@@ -8869,13 +9207,7 @@
       </p:sp>
       <p:sp>
         <p:nvSpPr>
-          <p:cNvPr id="5" name="Footer Placeholder 4">
-            <a:extLst>
-              <a:ext uri="{FF2B5EF4-FFF2-40B4-BE49-F238E27FC236}">
-                <a16:creationId xmlns:a16="http://schemas.microsoft.com/office/drawing/2014/main" id="{D20B02B0-893D-4696-B6F7-A126B8D18E99}"/>
-              </a:ext>
-            </a:extLst>
-          </p:cNvPr>
+          <p:cNvPr id="5" name="Footer Placeholder 4"/>
           <p:cNvSpPr>
             <a:spLocks noGrp="1"/>
           </p:cNvSpPr>
@@ -8926,13 +9258,7 @@
       </p:sp>
       <p:sp>
         <p:nvSpPr>
-          <p:cNvPr id="6" name="Slide Number Placeholder 5">
-            <a:extLst>
-              <a:ext uri="{FF2B5EF4-FFF2-40B4-BE49-F238E27FC236}">
-                <a16:creationId xmlns:a16="http://schemas.microsoft.com/office/drawing/2014/main" id="{1CFDA495-0063-4571-8969-0DD770DB39E0}"/>
-              </a:ext>
-            </a:extLst>
-          </p:cNvPr>
+          <p:cNvPr id="6" name="Slide Number Placeholder 5"/>
           <p:cNvSpPr>
             <a:spLocks noGrp="1"/>
           </p:cNvSpPr>
@@ -8956,7 +9282,7 @@
     </p:spTree>
     <p:extLst>
       <p:ext uri="{BB962C8B-B14F-4D97-AF65-F5344CB8AC3E}">
-        <p14:creationId xmlns:p14="http://schemas.microsoft.com/office/powerpoint/2010/main" val="495434477"/>
+        <p14:creationId xmlns:p14="http://schemas.microsoft.com/office/powerpoint/2010/main" val="3700448618"/>
       </p:ext>
     </p:extLst>
   </p:cSld>
@@ -9047,7 +9373,7 @@
           <a:p>
             <a:fld id="{3686C9ED-58DA-41A6-B894-9B830C59600E}" type="datetime4">
               <a:rPr lang="en-US" smtClean="0"/>
-              <a:t>June 29, 2019</a:t>
+              <a:t>July 1, 2019</a:t>
             </a:fld>
             <a:endParaRPr lang="en-US" dirty="0"/>
           </a:p>
@@ -9169,7 +9495,7 @@
           <a:p>
             <a:r>
               <a:rPr lang="en-US" dirty="0"/>
-              <a:t>MAKING NEW COLUMNS FROM OLD</a:t>
+              <a:t>FILTERING / SUBSETTING</a:t>
             </a:r>
           </a:p>
         </p:txBody>
@@ -9190,19 +9516,44 @@
           <a:lstStyle/>
           <a:p>
             <a:r>
-              <a:rPr lang="en-US" dirty="0">
-                <a:cs typeface="Courier New" panose="02070309020205020404" pitchFamily="49" charset="0"/>
-              </a:rPr>
-              <a:t>Arithmetic operations can apply to the whole column with no extra work on your part!</a:t>
+              <a:rPr lang="en-US" dirty="0"/>
+              <a:t>By Row:</a:t>
             </a:r>
           </a:p>
           <a:p>
             <a:pPr lvl="1"/>
             <a:r>
               <a:rPr lang="en-US" dirty="0">
-                <a:cs typeface="Courier New" panose="02070309020205020404" pitchFamily="49" charset="0"/>
-              </a:rPr>
-              <a:t>Very useful for converting between units</a:t>
+                <a:latin typeface="Courier New" panose="02070309020205020404" pitchFamily="49" charset="0"/>
+                <a:cs typeface="Courier New" panose="02070309020205020404" pitchFamily="49" charset="0"/>
+              </a:rPr>
+              <a:t>df[3:7]</a:t>
+            </a:r>
+            <a:r>
+              <a:rPr lang="en-US" dirty="0"/>
+              <a:t> selects the 3</a:t>
+            </a:r>
+            <a:r>
+              <a:rPr lang="en-US" baseline="30000" dirty="0"/>
+              <a:t>rd</a:t>
+            </a:r>
+            <a:r>
+              <a:rPr lang="en-US" dirty="0"/>
+              <a:t> through 7</a:t>
+            </a:r>
+            <a:r>
+              <a:rPr lang="en-US" baseline="30000" dirty="0"/>
+              <a:t>th</a:t>
+            </a:r>
+            <a:r>
+              <a:rPr lang="en-US" dirty="0"/>
+              <a:t> row</a:t>
+            </a:r>
+          </a:p>
+          <a:p>
+            <a:r>
+              <a:rPr lang="en-US" dirty="0"/>
+              <a:t>By Column:</a:t>
             </a:r>
           </a:p>
           <a:p>
@@ -9212,11 +9563,27 @@
                 <a:latin typeface="Courier New" panose="02070309020205020404" pitchFamily="49" charset="0"/>
                 <a:cs typeface="Courier New" panose="02070309020205020404" pitchFamily="49" charset="0"/>
               </a:rPr>
-              <a:t>df$length.cm &lt;- df$length.in * 2.54</a:t>
-            </a:r>
-          </a:p>
-          <a:p>
-            <a:endParaRPr lang="en-US" dirty="0"/>
+              <a:t>subset(df, age &gt; 10) </a:t>
+            </a:r>
+            <a:r>
+              <a:rPr lang="en-US" dirty="0">
+                <a:cs typeface="Courier New" panose="02070309020205020404" pitchFamily="49" charset="0"/>
+              </a:rPr>
+              <a:t>takes all observations where age is greater than 10. note that age is a column in the data frame, and you don’t need to type </a:t>
+            </a:r>
+            <a:r>
+              <a:rPr lang="en-US" dirty="0" err="1">
+                <a:latin typeface="Courier New" panose="02070309020205020404" pitchFamily="49" charset="0"/>
+                <a:cs typeface="Courier New" panose="02070309020205020404" pitchFamily="49" charset="0"/>
+              </a:rPr>
+              <a:t>df$age</a:t>
+            </a:r>
+            <a:r>
+              <a:rPr lang="en-US" dirty="0">
+                <a:cs typeface="Courier New" panose="02070309020205020404" pitchFamily="49" charset="0"/>
+              </a:rPr>
+              <a:t>! </a:t>
+            </a:r>
           </a:p>
         </p:txBody>
       </p:sp>
@@ -9237,7 +9604,7 @@
           <a:p>
             <a:fld id="{B08FEED8-D7D4-44E9-BFBC-ED06B5996D94}" type="datetime4">
               <a:rPr lang="en-US" smtClean="0"/>
-              <a:t>June 30, 2019</a:t>
+              <a:t>July 1, 2019</a:t>
             </a:fld>
             <a:endParaRPr lang="en-US" dirty="0"/>
           </a:p>
@@ -9320,7 +9687,7 @@
     </p:spTree>
     <p:extLst>
       <p:ext uri="{BB962C8B-B14F-4D97-AF65-F5344CB8AC3E}">
-        <p14:creationId xmlns:p14="http://schemas.microsoft.com/office/powerpoint/2010/main" val="1264901885"/>
+        <p14:creationId xmlns:p14="http://schemas.microsoft.com/office/powerpoint/2010/main" val="3381129877"/>
       </p:ext>
     </p:extLst>
   </p:cSld>
@@ -9364,7 +9731,7 @@
           <a:p>
             <a:r>
               <a:rPr lang="en-US" dirty="0"/>
-              <a:t>LOGICAL OPERATORS</a:t>
+              <a:t>CLEANING</a:t>
             </a:r>
           </a:p>
         </p:txBody>
@@ -9386,83 +9753,59 @@
           <a:p>
             <a:r>
               <a:rPr lang="en-US" dirty="0"/>
-              <a:t>Test for Equality: </a:t>
-            </a:r>
-            <a:r>
-              <a:rPr lang="en-US" dirty="0">
-                <a:latin typeface="Courier New" panose="02070309020205020404" pitchFamily="49" charset="0"/>
-                <a:cs typeface="Courier New" panose="02070309020205020404" pitchFamily="49" charset="0"/>
-              </a:rPr>
-              <a:t>== (a == b)</a:t>
-            </a:r>
-          </a:p>
-          <a:p>
-            <a:r>
-              <a:rPr lang="en-US" dirty="0"/>
-              <a:t>Test for Inequality: </a:t>
-            </a:r>
-            <a:r>
-              <a:rPr lang="en-US" dirty="0">
-                <a:latin typeface="Courier New" panose="02070309020205020404" pitchFamily="49" charset="0"/>
-                <a:cs typeface="Courier New" panose="02070309020205020404" pitchFamily="49" charset="0"/>
-              </a:rPr>
-              <a:t>!= (a != b)</a:t>
-            </a:r>
-          </a:p>
-          <a:p>
-            <a:r>
-              <a:rPr lang="en-US" dirty="0"/>
-              <a:t>Test for Less than: </a:t>
-            </a:r>
-            <a:r>
-              <a:rPr lang="en-US" dirty="0">
-                <a:latin typeface="Courier New" panose="02070309020205020404" pitchFamily="49" charset="0"/>
-                <a:cs typeface="Courier New" panose="02070309020205020404" pitchFamily="49" charset="0"/>
-              </a:rPr>
-              <a:t>&lt; (a &lt; b)</a:t>
-            </a:r>
-          </a:p>
-          <a:p>
-            <a:r>
-              <a:rPr lang="en-US" dirty="0"/>
-              <a:t>Test for Less than or equal to: </a:t>
-            </a:r>
-            <a:r>
-              <a:rPr lang="en-US" dirty="0">
-                <a:latin typeface="Courier New" panose="02070309020205020404" pitchFamily="49" charset="0"/>
-                <a:cs typeface="Courier New" panose="02070309020205020404" pitchFamily="49" charset="0"/>
-              </a:rPr>
-              <a:t>&lt;= (a &lt;= b)</a:t>
-            </a:r>
-          </a:p>
-          <a:p>
-            <a:r>
-              <a:rPr lang="en-US" dirty="0"/>
-              <a:t>Test for Greater than: </a:t>
-            </a:r>
-            <a:r>
-              <a:rPr lang="en-US" dirty="0">
-                <a:latin typeface="Courier New" panose="02070309020205020404" pitchFamily="49" charset="0"/>
-                <a:cs typeface="Courier New" panose="02070309020205020404" pitchFamily="49" charset="0"/>
-              </a:rPr>
-              <a:t>&gt; (a &gt; b)</a:t>
-            </a:r>
-          </a:p>
-          <a:p>
-            <a:r>
-              <a:rPr lang="en-US" dirty="0"/>
-              <a:t>Test for Greater than or equal to: </a:t>
-            </a:r>
-            <a:r>
-              <a:rPr lang="en-US" dirty="0">
-                <a:latin typeface="Courier New" panose="02070309020205020404" pitchFamily="49" charset="0"/>
-                <a:cs typeface="Courier New" panose="02070309020205020404" pitchFamily="49" charset="0"/>
-              </a:rPr>
-              <a:t>&gt;= (a &gt; b)</a:t>
-            </a:r>
-          </a:p>
-          <a:p>
-            <a:endParaRPr lang="en-US" dirty="0"/>
+              <a:t>Use </a:t>
+            </a:r>
+            <a:r>
+              <a:rPr lang="en-US" dirty="0" err="1"/>
+              <a:t>subsetting</a:t>
+            </a:r>
+            <a:r>
+              <a:rPr lang="en-US" dirty="0"/>
+              <a:t> to delete unusable rows</a:t>
+            </a:r>
+          </a:p>
+          <a:p>
+            <a:pPr lvl="1"/>
+            <a:r>
+              <a:rPr lang="en-US" dirty="0"/>
+              <a:t>Common use case: remove rows which have a NA (erroneous results)</a:t>
+            </a:r>
+          </a:p>
+          <a:p>
+            <a:pPr lvl="1"/>
+            <a:r>
+              <a:rPr lang="en-US" dirty="0">
+                <a:latin typeface="Courier New" panose="02070309020205020404" pitchFamily="49" charset="0"/>
+                <a:cs typeface="Courier New" panose="02070309020205020404" pitchFamily="49" charset="0"/>
+              </a:rPr>
+              <a:t>df &lt;- subset(df, !is.na(value))</a:t>
+            </a:r>
+          </a:p>
+          <a:p>
+            <a:pPr lvl="2"/>
+            <a:r>
+              <a:rPr lang="en-US" dirty="0">
+                <a:cs typeface="Courier New" panose="02070309020205020404" pitchFamily="49" charset="0"/>
+              </a:rPr>
+              <a:t>Note that </a:t>
+            </a:r>
+            <a:r>
+              <a:rPr lang="en-US" dirty="0">
+                <a:latin typeface="Courier New" panose="02070309020205020404" pitchFamily="49" charset="0"/>
+                <a:cs typeface="Courier New" panose="02070309020205020404" pitchFamily="49" charset="0"/>
+              </a:rPr>
+              <a:t>value != NA </a:t>
+            </a:r>
+            <a:r>
+              <a:rPr lang="en-US" dirty="0">
+                <a:cs typeface="Courier New" panose="02070309020205020404" pitchFamily="49" charset="0"/>
+              </a:rPr>
+              <a:t>does not work.</a:t>
+            </a:r>
+            <a:endParaRPr lang="en-US" dirty="0">
+              <a:latin typeface="Courier New" panose="02070309020205020404" pitchFamily="49" charset="0"/>
+              <a:cs typeface="Courier New" panose="02070309020205020404" pitchFamily="49" charset="0"/>
+            </a:endParaRPr>
           </a:p>
         </p:txBody>
       </p:sp>
@@ -9483,7 +9826,7 @@
           <a:p>
             <a:fld id="{B08FEED8-D7D4-44E9-BFBC-ED06B5996D94}" type="datetime4">
               <a:rPr lang="en-US" smtClean="0"/>
-              <a:t>June 30, 2019</a:t>
+              <a:t>July 1, 2019</a:t>
             </a:fld>
             <a:endParaRPr lang="en-US" dirty="0"/>
           </a:p>
@@ -9566,7 +9909,7 @@
     </p:spTree>
     <p:extLst>
       <p:ext uri="{BB962C8B-B14F-4D97-AF65-F5344CB8AC3E}">
-        <p14:creationId xmlns:p14="http://schemas.microsoft.com/office/powerpoint/2010/main" val="3700448618"/>
+        <p14:creationId xmlns:p14="http://schemas.microsoft.com/office/powerpoint/2010/main" val="1734905602"/>
       </p:ext>
     </p:extLst>
   </p:cSld>
@@ -9610,7 +9953,7 @@
           <a:p>
             <a:r>
               <a:rPr lang="en-US" dirty="0"/>
-              <a:t>FILTERING / SUBSETTING</a:t>
+              <a:t>SUMMARY FUNCTIONS</a:t>
             </a:r>
           </a:p>
         </p:txBody>
@@ -9632,72 +9975,98 @@
           <a:p>
             <a:r>
               <a:rPr lang="en-US" dirty="0"/>
-              <a:t>By Row:</a:t>
+              <a:t>Mean: </a:t>
+            </a:r>
+            <a:r>
+              <a:rPr lang="en-US" dirty="0">
+                <a:latin typeface="Courier New" panose="02070309020205020404" pitchFamily="49" charset="0"/>
+                <a:cs typeface="Courier New" panose="02070309020205020404" pitchFamily="49" charset="0"/>
+              </a:rPr>
+              <a:t>mean(data)</a:t>
+            </a:r>
+          </a:p>
+          <a:p>
+            <a:r>
+              <a:rPr lang="en-US" dirty="0"/>
+              <a:t>Median: </a:t>
+            </a:r>
+            <a:r>
+              <a:rPr lang="en-US" dirty="0">
+                <a:latin typeface="Courier New" panose="02070309020205020404" pitchFamily="49" charset="0"/>
+                <a:cs typeface="Courier New" panose="02070309020205020404" pitchFamily="49" charset="0"/>
+              </a:rPr>
+              <a:t>median(data)</a:t>
+            </a:r>
+          </a:p>
+          <a:p>
+            <a:r>
+              <a:rPr lang="en-US" dirty="0"/>
+              <a:t>Range: </a:t>
+            </a:r>
+            <a:r>
+              <a:rPr lang="en-US" dirty="0">
+                <a:latin typeface="Courier New" panose="02070309020205020404" pitchFamily="49" charset="0"/>
+                <a:cs typeface="Courier New" panose="02070309020205020404" pitchFamily="49" charset="0"/>
+              </a:rPr>
+              <a:t>range(data). </a:t>
+            </a:r>
+            <a:r>
+              <a:rPr lang="en-US" dirty="0"/>
+              <a:t>Gives lower and upper bounds</a:t>
+            </a:r>
+          </a:p>
+          <a:p>
+            <a:r>
+              <a:rPr lang="en-US" dirty="0"/>
+              <a:t>Standard Deviation: </a:t>
+            </a:r>
+            <a:r>
+              <a:rPr lang="en-US" dirty="0" err="1">
+                <a:latin typeface="Courier New" panose="02070309020205020404" pitchFamily="49" charset="0"/>
+                <a:cs typeface="Courier New" panose="02070309020205020404" pitchFamily="49" charset="0"/>
+              </a:rPr>
+              <a:t>sd</a:t>
+            </a:r>
+            <a:r>
+              <a:rPr lang="en-US" dirty="0">
+                <a:latin typeface="Courier New" panose="02070309020205020404" pitchFamily="49" charset="0"/>
+                <a:cs typeface="Courier New" panose="02070309020205020404" pitchFamily="49" charset="0"/>
+              </a:rPr>
+              <a:t>(data)</a:t>
+            </a:r>
+          </a:p>
+          <a:p>
+            <a:endParaRPr lang="en-US" dirty="0"/>
+          </a:p>
+          <a:p>
+            <a:r>
+              <a:rPr lang="en-US" dirty="0"/>
+              <a:t>The </a:t>
+            </a:r>
+            <a:r>
+              <a:rPr lang="en-US" dirty="0">
+                <a:latin typeface="Courier New" panose="02070309020205020404" pitchFamily="49" charset="0"/>
+                <a:cs typeface="Courier New" panose="02070309020205020404" pitchFamily="49" charset="0"/>
+              </a:rPr>
+              <a:t>na.rm </a:t>
+            </a:r>
+            <a:r>
+              <a:rPr lang="en-US" dirty="0"/>
+              <a:t>parameter: ignore any missing values. Summaries don’t work otherwise!</a:t>
             </a:r>
           </a:p>
           <a:p>
             <a:pPr lvl="1"/>
             <a:r>
-              <a:rPr lang="en-US" dirty="0">
-                <a:latin typeface="Courier New" panose="02070309020205020404" pitchFamily="49" charset="0"/>
-                <a:cs typeface="Courier New" panose="02070309020205020404" pitchFamily="49" charset="0"/>
-              </a:rPr>
-              <a:t>df[3-7]</a:t>
-            </a:r>
-            <a:r>
-              <a:rPr lang="en-US" dirty="0"/>
-              <a:t> selects the 3</a:t>
-            </a:r>
-            <a:r>
-              <a:rPr lang="en-US" baseline="30000" dirty="0"/>
-              <a:t>rd</a:t>
-            </a:r>
-            <a:r>
-              <a:rPr lang="en-US" dirty="0"/>
-              <a:t> through 7</a:t>
-            </a:r>
-            <a:r>
-              <a:rPr lang="en-US" baseline="30000" dirty="0"/>
-              <a:t>th</a:t>
-            </a:r>
-            <a:r>
-              <a:rPr lang="en-US" dirty="0"/>
-              <a:t> row</a:t>
-            </a:r>
-          </a:p>
-          <a:p>
-            <a:r>
-              <a:rPr lang="en-US" dirty="0"/>
-              <a:t>By Column:</a:t>
-            </a:r>
-          </a:p>
-          <a:p>
-            <a:pPr lvl="1"/>
-            <a:r>
-              <a:rPr lang="en-US" dirty="0">
-                <a:latin typeface="Courier New" panose="02070309020205020404" pitchFamily="49" charset="0"/>
-                <a:cs typeface="Courier New" panose="02070309020205020404" pitchFamily="49" charset="0"/>
-              </a:rPr>
-              <a:t>subset(df, age &gt; 10) </a:t>
-            </a:r>
-            <a:r>
-              <a:rPr lang="en-US" dirty="0">
-                <a:cs typeface="Courier New" panose="02070309020205020404" pitchFamily="49" charset="0"/>
-              </a:rPr>
-              <a:t>takes all observations where age is greater than 10. note that age is a column in the data frame, and you don’t need to type </a:t>
-            </a:r>
-            <a:r>
-              <a:rPr lang="en-US" dirty="0" err="1">
-                <a:latin typeface="Courier New" panose="02070309020205020404" pitchFamily="49" charset="0"/>
-                <a:cs typeface="Courier New" panose="02070309020205020404" pitchFamily="49" charset="0"/>
-              </a:rPr>
-              <a:t>df$age</a:t>
-            </a:r>
-            <a:r>
-              <a:rPr lang="en-US" dirty="0">
-                <a:cs typeface="Courier New" panose="02070309020205020404" pitchFamily="49" charset="0"/>
-              </a:rPr>
-              <a:t>! </a:t>
+              <a:rPr lang="en-US" dirty="0"/>
+              <a:t>Example: </a:t>
+            </a:r>
+            <a:r>
+              <a:rPr lang="en-US" dirty="0">
+                <a:latin typeface="Courier New" panose="02070309020205020404" pitchFamily="49" charset="0"/>
+                <a:cs typeface="Courier New" panose="02070309020205020404" pitchFamily="49" charset="0"/>
+              </a:rPr>
+              <a:t>median(data, na.rm = TRUE)</a:t>
             </a:r>
           </a:p>
         </p:txBody>
@@ -9719,7 +10088,7 @@
           <a:p>
             <a:fld id="{B08FEED8-D7D4-44E9-BFBC-ED06B5996D94}" type="datetime4">
               <a:rPr lang="en-US" smtClean="0"/>
-              <a:t>June 29, 2019</a:t>
+              <a:t>July 1, 2019</a:t>
             </a:fld>
             <a:endParaRPr lang="en-US" dirty="0"/>
           </a:p>
@@ -9802,7 +10171,7 @@
     </p:spTree>
     <p:extLst>
       <p:ext uri="{BB962C8B-B14F-4D97-AF65-F5344CB8AC3E}">
-        <p14:creationId xmlns:p14="http://schemas.microsoft.com/office/powerpoint/2010/main" val="3381129877"/>
+        <p14:creationId xmlns:p14="http://schemas.microsoft.com/office/powerpoint/2010/main" val="1071271775"/>
       </p:ext>
     </p:extLst>
   </p:cSld>
@@ -9846,7 +10215,7 @@
           <a:p>
             <a:r>
               <a:rPr lang="en-US" dirty="0"/>
-              <a:t>CLEANING</a:t>
+              <a:t>THE APPLY FAMILY</a:t>
             </a:r>
           </a:p>
         </p:txBody>
@@ -9863,58 +10232,169 @@
         </p:nvSpPr>
         <p:spPr/>
         <p:txBody>
-          <a:bodyPr/>
-          <a:lstStyle/>
-          <a:p>
-            <a:r>
-              <a:rPr lang="en-US" dirty="0"/>
-              <a:t>Use </a:t>
+          <a:bodyPr>
+            <a:normAutofit/>
+          </a:bodyPr>
+          <a:lstStyle/>
+          <a:p>
+            <a:r>
+              <a:rPr lang="en-US" sz="2400" dirty="0" err="1">
+                <a:latin typeface="Courier New" panose="02070309020205020404" pitchFamily="49" charset="0"/>
+                <a:cs typeface="Courier New" panose="02070309020205020404" pitchFamily="49" charset="0"/>
+              </a:rPr>
+              <a:t>sapply</a:t>
+            </a:r>
+            <a:r>
+              <a:rPr lang="en-US" sz="2400" dirty="0">
+                <a:latin typeface="Courier New" panose="02070309020205020404" pitchFamily="49" charset="0"/>
+                <a:cs typeface="Courier New" panose="02070309020205020404" pitchFamily="49" charset="0"/>
+              </a:rPr>
+              <a:t>(column, function)</a:t>
+            </a:r>
+          </a:p>
+          <a:p>
+            <a:pPr lvl="1"/>
+            <a:r>
+              <a:rPr lang="en-US" dirty="0"/>
+              <a:t>Apply function to every element of a vector, and use simplest type of output (e.g. vector if all elements of list are the same)</a:t>
+            </a:r>
+          </a:p>
+          <a:p>
+            <a:pPr lvl="1"/>
+            <a:r>
+              <a:rPr lang="en-US" dirty="0"/>
+              <a:t>Can pass a function as an argument to another function!</a:t>
+            </a:r>
+          </a:p>
+          <a:p>
+            <a:pPr lvl="2"/>
+            <a:r>
+              <a:rPr lang="en-US" dirty="0"/>
+              <a:t>Ex: </a:t>
+            </a:r>
+            <a:r>
+              <a:rPr lang="en-US" sz="2400" dirty="0" err="1">
+                <a:latin typeface="Courier New" panose="02070309020205020404" pitchFamily="49" charset="0"/>
+                <a:cs typeface="Courier New" panose="02070309020205020404" pitchFamily="49" charset="0"/>
+              </a:rPr>
+              <a:t>sapply</a:t>
+            </a:r>
+            <a:r>
+              <a:rPr lang="en-US" sz="2400" dirty="0">
+                <a:latin typeface="Courier New" panose="02070309020205020404" pitchFamily="49" charset="0"/>
+                <a:cs typeface="Courier New" panose="02070309020205020404" pitchFamily="49" charset="0"/>
+              </a:rPr>
+              <a:t>(names, </a:t>
+            </a:r>
+            <a:r>
+              <a:rPr lang="en-US" sz="2400" dirty="0" err="1">
+                <a:latin typeface="Courier New" panose="02070309020205020404" pitchFamily="49" charset="0"/>
+                <a:cs typeface="Courier New" panose="02070309020205020404" pitchFamily="49" charset="0"/>
+              </a:rPr>
+              <a:t>tolower</a:t>
+            </a:r>
+            <a:r>
+              <a:rPr lang="en-US" sz="2400" dirty="0">
+                <a:latin typeface="Courier New" panose="02070309020205020404" pitchFamily="49" charset="0"/>
+                <a:cs typeface="Courier New" panose="02070309020205020404" pitchFamily="49" charset="0"/>
+              </a:rPr>
+              <a:t>)</a:t>
+            </a:r>
+          </a:p>
+          <a:p>
+            <a:r>
+              <a:rPr lang="en-US" sz="2400" dirty="0" err="1">
+                <a:latin typeface="Courier New" panose="02070309020205020404" pitchFamily="49" charset="0"/>
+                <a:cs typeface="Courier New" panose="02070309020205020404" pitchFamily="49" charset="0"/>
+              </a:rPr>
+              <a:t>tapply</a:t>
+            </a:r>
+            <a:r>
+              <a:rPr lang="en-US" sz="2400" dirty="0">
+                <a:latin typeface="Courier New" panose="02070309020205020404" pitchFamily="49" charset="0"/>
+                <a:cs typeface="Courier New" panose="02070309020205020404" pitchFamily="49" charset="0"/>
+              </a:rPr>
+              <a:t>(column, groups, function)</a:t>
+            </a:r>
+          </a:p>
+          <a:p>
+            <a:pPr lvl="1"/>
+            <a:r>
+              <a:rPr lang="en-US" dirty="0"/>
+              <a:t>Apply a summary function to a column for each of the groups</a:t>
+            </a:r>
+          </a:p>
+          <a:p>
+            <a:pPr lvl="1"/>
+            <a:r>
+              <a:rPr lang="en-US" dirty="0"/>
+              <a:t>Ex: Say </a:t>
+            </a:r>
+            <a:r>
+              <a:rPr lang="en-US" dirty="0" err="1">
+                <a:latin typeface="Courier New" panose="02070309020205020404" pitchFamily="49" charset="0"/>
+                <a:cs typeface="Courier New" panose="02070309020205020404" pitchFamily="49" charset="0"/>
+              </a:rPr>
+              <a:t>gpadf</a:t>
+            </a:r>
+            <a:r>
+              <a:rPr lang="en-US" dirty="0"/>
+              <a:t> is a </a:t>
             </a:r>
             <a:r>
               <a:rPr lang="en-US" dirty="0" err="1"/>
-              <a:t>subsetting</a:t>
-            </a:r>
-            <a:r>
-              <a:rPr lang="en-US" dirty="0"/>
-              <a:t> to delete unusable rows</a:t>
-            </a:r>
-          </a:p>
-          <a:p>
-            <a:pPr lvl="1"/>
-            <a:r>
-              <a:rPr lang="en-US" dirty="0"/>
-              <a:t>Common use case: remove rows which have a NA (erroneous results)</a:t>
-            </a:r>
-          </a:p>
-          <a:p>
-            <a:pPr lvl="1"/>
-            <a:r>
-              <a:rPr lang="en-US" dirty="0">
-                <a:latin typeface="Courier New" panose="02070309020205020404" pitchFamily="49" charset="0"/>
-                <a:cs typeface="Courier New" panose="02070309020205020404" pitchFamily="49" charset="0"/>
-              </a:rPr>
-              <a:t>df &lt;- subset(df, !is.na(value))</a:t>
-            </a:r>
-          </a:p>
-          <a:p>
-            <a:pPr lvl="2"/>
-            <a:r>
-              <a:rPr lang="en-US" dirty="0">
-                <a:latin typeface="Courier New" panose="02070309020205020404" pitchFamily="49" charset="0"/>
-                <a:cs typeface="Courier New" panose="02070309020205020404" pitchFamily="49" charset="0"/>
-              </a:rPr>
-              <a:t>value != NA </a:t>
-            </a:r>
-            <a:r>
-              <a:rPr lang="en-US" dirty="0">
-                <a:cs typeface="Courier New" panose="02070309020205020404" pitchFamily="49" charset="0"/>
-              </a:rPr>
-              <a:t>does not work</a:t>
-            </a:r>
-            <a:endParaRPr lang="en-US" dirty="0">
-              <a:latin typeface="Courier New" panose="02070309020205020404" pitchFamily="49" charset="0"/>
-              <a:cs typeface="Courier New" panose="02070309020205020404" pitchFamily="49" charset="0"/>
-            </a:endParaRPr>
+              <a:t>dataframe</a:t>
+            </a:r>
+            <a:r>
+              <a:rPr lang="en-US" dirty="0"/>
+              <a:t> of students. </a:t>
+            </a:r>
+            <a:r>
+              <a:rPr lang="en-US" dirty="0" err="1">
+                <a:latin typeface="Courier New" panose="02070309020205020404" pitchFamily="49" charset="0"/>
+                <a:cs typeface="Courier New" panose="02070309020205020404" pitchFamily="49" charset="0"/>
+              </a:rPr>
+              <a:t>tapply</a:t>
+            </a:r>
+            <a:r>
+              <a:rPr lang="en-US" dirty="0">
+                <a:latin typeface="Courier New" panose="02070309020205020404" pitchFamily="49" charset="0"/>
+                <a:cs typeface="Courier New" panose="02070309020205020404" pitchFamily="49" charset="0"/>
+              </a:rPr>
+              <a:t>(</a:t>
+            </a:r>
+            <a:r>
+              <a:rPr lang="en-US" dirty="0" err="1">
+                <a:latin typeface="Courier New" panose="02070309020205020404" pitchFamily="49" charset="0"/>
+                <a:cs typeface="Courier New" panose="02070309020205020404" pitchFamily="49" charset="0"/>
+              </a:rPr>
+              <a:t>gpadf$gpa</a:t>
+            </a:r>
+            <a:r>
+              <a:rPr lang="en-US" dirty="0">
+                <a:latin typeface="Courier New" panose="02070309020205020404" pitchFamily="49" charset="0"/>
+                <a:cs typeface="Courier New" panose="02070309020205020404" pitchFamily="49" charset="0"/>
+              </a:rPr>
+              <a:t>, </a:t>
+            </a:r>
+            <a:r>
+              <a:rPr lang="en-US" dirty="0" err="1">
+                <a:latin typeface="Courier New" panose="02070309020205020404" pitchFamily="49" charset="0"/>
+                <a:cs typeface="Courier New" panose="02070309020205020404" pitchFamily="49" charset="0"/>
+              </a:rPr>
+              <a:t>gpadf$major</a:t>
+            </a:r>
+            <a:r>
+              <a:rPr lang="en-US" dirty="0">
+                <a:latin typeface="Courier New" panose="02070309020205020404" pitchFamily="49" charset="0"/>
+                <a:cs typeface="Courier New" panose="02070309020205020404" pitchFamily="49" charset="0"/>
+              </a:rPr>
+              <a:t>, mean)</a:t>
+            </a:r>
+            <a:r>
+              <a:rPr lang="en-US" dirty="0"/>
+              <a:t> will give you the average GPA for each major!</a:t>
+            </a:r>
           </a:p>
         </p:txBody>
       </p:sp>
@@ -9935,7 +10415,7 @@
           <a:p>
             <a:fld id="{B08FEED8-D7D4-44E9-BFBC-ED06B5996D94}" type="datetime4">
               <a:rPr lang="en-US" smtClean="0"/>
-              <a:t>June 29, 2019</a:t>
+              <a:t>July 1, 2019</a:t>
             </a:fld>
             <a:endParaRPr lang="en-US" dirty="0"/>
           </a:p>
@@ -10018,7 +10498,7 @@
     </p:spTree>
     <p:extLst>
       <p:ext uri="{BB962C8B-B14F-4D97-AF65-F5344CB8AC3E}">
-        <p14:creationId xmlns:p14="http://schemas.microsoft.com/office/powerpoint/2010/main" val="1734905602"/>
+        <p14:creationId xmlns:p14="http://schemas.microsoft.com/office/powerpoint/2010/main" val="2319623369"/>
       </p:ext>
     </p:extLst>
   </p:cSld>
@@ -10047,7 +10527,7 @@
       </p:grpSpPr>
       <p:sp>
         <p:nvSpPr>
-          <p:cNvPr id="7" name="Title 6"/>
+          <p:cNvPr id="2" name="Title 1"/>
           <p:cNvSpPr>
             <a:spLocks noGrp="1"/>
           </p:cNvSpPr>
@@ -10062,113 +10542,29 @@
           <a:p>
             <a:r>
               <a:rPr lang="en-US" dirty="0"/>
-              <a:t>SUMMARY FUNCTIONS</a:t>
-            </a:r>
-          </a:p>
-        </p:txBody>
-      </p:sp>
-      <p:sp>
-        <p:nvSpPr>
-          <p:cNvPr id="8" name="Content Placeholder 7"/>
-          <p:cNvSpPr>
-            <a:spLocks noGrp="1"/>
-          </p:cNvSpPr>
-          <p:nvPr>
-            <p:ph idx="1"/>
-          </p:nvPr>
-        </p:nvSpPr>
-        <p:spPr/>
-        <p:txBody>
-          <a:bodyPr/>
-          <a:lstStyle/>
-          <a:p>
-            <a:r>
-              <a:rPr lang="en-US" dirty="0"/>
-              <a:t>Mean: </a:t>
-            </a:r>
-            <a:r>
-              <a:rPr lang="en-US" dirty="0">
-                <a:latin typeface="Courier New" panose="02070309020205020404" pitchFamily="49" charset="0"/>
-                <a:cs typeface="Courier New" panose="02070309020205020404" pitchFamily="49" charset="0"/>
-              </a:rPr>
-              <a:t>mean(data)</a:t>
-            </a:r>
-          </a:p>
-          <a:p>
-            <a:r>
-              <a:rPr lang="en-US" dirty="0"/>
-              <a:t>Median: </a:t>
-            </a:r>
-            <a:r>
-              <a:rPr lang="en-US" dirty="0">
-                <a:latin typeface="Courier New" panose="02070309020205020404" pitchFamily="49" charset="0"/>
-                <a:cs typeface="Courier New" panose="02070309020205020404" pitchFamily="49" charset="0"/>
-              </a:rPr>
-              <a:t>median(data)</a:t>
-            </a:r>
-          </a:p>
-          <a:p>
-            <a:r>
-              <a:rPr lang="en-US" dirty="0"/>
-              <a:t>Range: </a:t>
-            </a:r>
-            <a:r>
-              <a:rPr lang="en-US" dirty="0">
-                <a:latin typeface="Courier New" panose="02070309020205020404" pitchFamily="49" charset="0"/>
-                <a:cs typeface="Courier New" panose="02070309020205020404" pitchFamily="49" charset="0"/>
-              </a:rPr>
-              <a:t>range(data). </a:t>
-            </a:r>
-            <a:r>
-              <a:rPr lang="en-US" dirty="0"/>
-              <a:t>Gives lower and upper bounds</a:t>
-            </a:r>
-          </a:p>
-          <a:p>
-            <a:r>
-              <a:rPr lang="en-US" dirty="0"/>
-              <a:t>Standard Deviation: </a:t>
-            </a:r>
-            <a:r>
-              <a:rPr lang="en-US" dirty="0" err="1">
-                <a:latin typeface="Courier New" panose="02070309020205020404" pitchFamily="49" charset="0"/>
-                <a:cs typeface="Courier New" panose="02070309020205020404" pitchFamily="49" charset="0"/>
-              </a:rPr>
-              <a:t>sd</a:t>
-            </a:r>
-            <a:r>
-              <a:rPr lang="en-US" dirty="0">
-                <a:latin typeface="Courier New" panose="02070309020205020404" pitchFamily="49" charset="0"/>
-                <a:cs typeface="Courier New" panose="02070309020205020404" pitchFamily="49" charset="0"/>
-              </a:rPr>
-              <a:t>(data)</a:t>
-            </a:r>
-          </a:p>
-          <a:p>
-            <a:endParaRPr lang="en-US" dirty="0"/>
-          </a:p>
-          <a:p>
-            <a:r>
-              <a:rPr lang="en-US" dirty="0"/>
-              <a:t>The </a:t>
-            </a:r>
-            <a:r>
-              <a:rPr lang="en-US" dirty="0">
-                <a:latin typeface="Courier New" panose="02070309020205020404" pitchFamily="49" charset="0"/>
-                <a:cs typeface="Courier New" panose="02070309020205020404" pitchFamily="49" charset="0"/>
-              </a:rPr>
-              <a:t>na.rm </a:t>
-            </a:r>
-            <a:r>
-              <a:rPr lang="en-US" dirty="0"/>
-              <a:t>parameter: ignore any missing values. Summaries don’t work otherwise!</a:t>
-            </a:r>
-          </a:p>
-          <a:p>
-            <a:pPr lvl="1"/>
-            <a:r>
-              <a:rPr lang="en-US" dirty="0"/>
-              <a:t>Example: median(data, na.rm = TRUE)</a:t>
+              <a:t>VISUALIZATION</a:t>
+            </a:r>
+          </a:p>
+        </p:txBody>
+      </p:sp>
+      <p:sp>
+        <p:nvSpPr>
+          <p:cNvPr id="3" name="Text Placeholder 2"/>
+          <p:cNvSpPr>
+            <a:spLocks noGrp="1"/>
+          </p:cNvSpPr>
+          <p:nvPr>
+            <p:ph type="body" idx="1"/>
+          </p:nvPr>
+        </p:nvSpPr>
+        <p:spPr/>
+        <p:txBody>
+          <a:bodyPr/>
+          <a:lstStyle/>
+          <a:p>
+            <a:r>
+              <a:rPr lang="en-US" dirty="0"/>
+              <a:t>Scatterplots, boxplots, and histograms</a:t>
             </a:r>
           </a:p>
         </p:txBody>
@@ -10190,7 +10586,7 @@
           <a:p>
             <a:fld id="{B08FEED8-D7D4-44E9-BFBC-ED06B5996D94}" type="datetime4">
               <a:rPr lang="en-US" smtClean="0"/>
-              <a:t>June 29, 2019</a:t>
+              <a:t>July 1, 2019</a:t>
             </a:fld>
             <a:endParaRPr lang="en-US" dirty="0"/>
           </a:p>
@@ -10273,7 +10669,7 @@
     </p:spTree>
     <p:extLst>
       <p:ext uri="{BB962C8B-B14F-4D97-AF65-F5344CB8AC3E}">
-        <p14:creationId xmlns:p14="http://schemas.microsoft.com/office/powerpoint/2010/main" val="1071271775"/>
+        <p14:creationId xmlns:p14="http://schemas.microsoft.com/office/powerpoint/2010/main" val="2369420591"/>
       </p:ext>
     </p:extLst>
   </p:cSld>
@@ -10317,7 +10713,7 @@
           <a:p>
             <a:r>
               <a:rPr lang="en-US" dirty="0"/>
-              <a:t>THE APPLY FAMILY</a:t>
+              <a:t>SCATTERPLOTS</a:t>
             </a:r>
           </a:p>
         </p:txBody>
@@ -10332,171 +10728,182 @@
             <p:ph idx="1"/>
           </p:nvPr>
         </p:nvSpPr>
-        <p:spPr/>
-        <p:txBody>
-          <a:bodyPr>
-            <a:normAutofit/>
-          </a:bodyPr>
-          <a:lstStyle/>
-          <a:p>
-            <a:r>
-              <a:rPr lang="en-US" sz="2400" dirty="0" err="1">
-                <a:latin typeface="Courier New" panose="02070309020205020404" pitchFamily="49" charset="0"/>
-                <a:cs typeface="Courier New" panose="02070309020205020404" pitchFamily="49" charset="0"/>
-              </a:rPr>
-              <a:t>sapply</a:t>
-            </a:r>
-            <a:r>
-              <a:rPr lang="en-US" sz="2400" dirty="0">
-                <a:latin typeface="Courier New" panose="02070309020205020404" pitchFamily="49" charset="0"/>
-                <a:cs typeface="Courier New" panose="02070309020205020404" pitchFamily="49" charset="0"/>
-              </a:rPr>
-              <a:t>(column, function)</a:t>
-            </a:r>
-          </a:p>
-          <a:p>
-            <a:pPr lvl="1"/>
-            <a:r>
-              <a:rPr lang="en-US" dirty="0"/>
-              <a:t>Apply function to every element of a vector, and use simplest type of output (e.g. vector if all elements of list are the same)</a:t>
-            </a:r>
-          </a:p>
-          <a:p>
-            <a:pPr lvl="1"/>
-            <a:r>
-              <a:rPr lang="en-US" dirty="0"/>
-              <a:t>Can pass a function as an argument to another function!</a:t>
-            </a:r>
-          </a:p>
-          <a:p>
-            <a:pPr lvl="2"/>
-            <a:r>
-              <a:rPr lang="en-US" dirty="0"/>
-              <a:t>Ex: </a:t>
-            </a:r>
-            <a:r>
-              <a:rPr lang="en-US" sz="2400" dirty="0" err="1">
-                <a:latin typeface="Courier New" panose="02070309020205020404" pitchFamily="49" charset="0"/>
-                <a:cs typeface="Courier New" panose="02070309020205020404" pitchFamily="49" charset="0"/>
-              </a:rPr>
-              <a:t>sapply</a:t>
-            </a:r>
-            <a:r>
-              <a:rPr lang="en-US" sz="2400" dirty="0">
-                <a:latin typeface="Courier New" panose="02070309020205020404" pitchFamily="49" charset="0"/>
-                <a:cs typeface="Courier New" panose="02070309020205020404" pitchFamily="49" charset="0"/>
-              </a:rPr>
-              <a:t>(names, </a:t>
-            </a:r>
-            <a:r>
-              <a:rPr lang="en-US" sz="2400" dirty="0" err="1">
-                <a:latin typeface="Courier New" panose="02070309020205020404" pitchFamily="49" charset="0"/>
-                <a:cs typeface="Courier New" panose="02070309020205020404" pitchFamily="49" charset="0"/>
-              </a:rPr>
-              <a:t>tolower</a:t>
-            </a:r>
-            <a:r>
-              <a:rPr lang="en-US" sz="2400" dirty="0">
-                <a:latin typeface="Courier New" panose="02070309020205020404" pitchFamily="49" charset="0"/>
-                <a:cs typeface="Courier New" panose="02070309020205020404" pitchFamily="49" charset="0"/>
-              </a:rPr>
-              <a:t>)</a:t>
-            </a:r>
-          </a:p>
-          <a:p>
-            <a:r>
-              <a:rPr lang="en-US" sz="2400" dirty="0" err="1">
-                <a:latin typeface="Courier New" panose="02070309020205020404" pitchFamily="49" charset="0"/>
-                <a:cs typeface="Courier New" panose="02070309020205020404" pitchFamily="49" charset="0"/>
-              </a:rPr>
-              <a:t>tapply</a:t>
-            </a:r>
-            <a:r>
-              <a:rPr lang="en-US" sz="2400" dirty="0">
-                <a:latin typeface="Courier New" panose="02070309020205020404" pitchFamily="49" charset="0"/>
-                <a:cs typeface="Courier New" panose="02070309020205020404" pitchFamily="49" charset="0"/>
-              </a:rPr>
-              <a:t>(column, groups, function)</a:t>
-            </a:r>
-          </a:p>
-          <a:p>
-            <a:pPr lvl="1"/>
-            <a:r>
-              <a:rPr lang="en-US" dirty="0"/>
-              <a:t>Apply a summary function to a column for each of the groups</a:t>
-            </a:r>
-          </a:p>
-          <a:p>
-            <a:pPr lvl="1"/>
-            <a:r>
-              <a:rPr lang="en-US" dirty="0"/>
-              <a:t>Ex: Say </a:t>
+        <p:spPr>
+          <a:xfrm>
+            <a:off x="838200" y="1825625"/>
+            <a:ext cx="5154769" cy="4351338"/>
+          </a:xfrm>
+        </p:spPr>
+        <p:txBody>
+          <a:bodyPr/>
+          <a:lstStyle/>
+          <a:p>
+            <a:r>
+              <a:rPr lang="en-US" dirty="0">
+                <a:latin typeface="Courier New" panose="02070309020205020404" pitchFamily="49" charset="0"/>
+                <a:cs typeface="Courier New" panose="02070309020205020404" pitchFamily="49" charset="0"/>
+              </a:rPr>
+              <a:t>plot(</a:t>
             </a:r>
             <a:r>
               <a:rPr lang="en-US" dirty="0" err="1">
                 <a:latin typeface="Courier New" panose="02070309020205020404" pitchFamily="49" charset="0"/>
                 <a:cs typeface="Courier New" panose="02070309020205020404" pitchFamily="49" charset="0"/>
               </a:rPr>
-              <a:t>gpadf</a:t>
-            </a:r>
-            <a:r>
-              <a:rPr lang="en-US" dirty="0"/>
-              <a:t> is a </a:t>
-            </a:r>
-            <a:r>
-              <a:rPr lang="en-US" dirty="0" err="1"/>
+              <a:t>x_axis</a:t>
+            </a:r>
+            <a:r>
+              <a:rPr lang="en-US" dirty="0">
+                <a:latin typeface="Courier New" panose="02070309020205020404" pitchFamily="49" charset="0"/>
+                <a:cs typeface="Courier New" panose="02070309020205020404" pitchFamily="49" charset="0"/>
+              </a:rPr>
+              <a:t>, </a:t>
+            </a:r>
+            <a:r>
+              <a:rPr lang="en-US" dirty="0" err="1">
+                <a:latin typeface="Courier New" panose="02070309020205020404" pitchFamily="49" charset="0"/>
+                <a:cs typeface="Courier New" panose="02070309020205020404" pitchFamily="49" charset="0"/>
+              </a:rPr>
+              <a:t>y_axis</a:t>
+            </a:r>
+            <a:r>
+              <a:rPr lang="en-US" dirty="0">
+                <a:latin typeface="Courier New" panose="02070309020205020404" pitchFamily="49" charset="0"/>
+                <a:cs typeface="Courier New" panose="02070309020205020404" pitchFamily="49" charset="0"/>
+              </a:rPr>
+              <a:t>) </a:t>
+            </a:r>
+            <a:r>
+              <a:rPr lang="en-US" dirty="0">
+                <a:cs typeface="Courier New" panose="02070309020205020404" pitchFamily="49" charset="0"/>
+              </a:rPr>
+              <a:t>for vectors </a:t>
+            </a:r>
+            <a:r>
+              <a:rPr lang="en-US" dirty="0" err="1">
+                <a:cs typeface="Courier New" panose="02070309020205020404" pitchFamily="49" charset="0"/>
+              </a:rPr>
+              <a:t>x_axis</a:t>
+            </a:r>
+            <a:r>
+              <a:rPr lang="en-US" dirty="0">
+                <a:cs typeface="Courier New" panose="02070309020205020404" pitchFamily="49" charset="0"/>
+              </a:rPr>
+              <a:t> and </a:t>
+            </a:r>
+            <a:r>
+              <a:rPr lang="en-US" dirty="0" err="1">
+                <a:cs typeface="Courier New" panose="02070309020205020404" pitchFamily="49" charset="0"/>
+              </a:rPr>
+              <a:t>y_axis</a:t>
+            </a:r>
+            <a:endParaRPr lang="en-US" dirty="0">
+              <a:cs typeface="Courier New" panose="02070309020205020404" pitchFamily="49" charset="0"/>
+            </a:endParaRPr>
+          </a:p>
+          <a:p>
+            <a:r>
+              <a:rPr lang="en-US" dirty="0">
+                <a:latin typeface="Courier New" panose="02070309020205020404" pitchFamily="49" charset="0"/>
+                <a:cs typeface="Courier New" panose="02070309020205020404" pitchFamily="49" charset="0"/>
+              </a:rPr>
+              <a:t>plot(</a:t>
+            </a:r>
+            <a:r>
+              <a:rPr lang="en-US" dirty="0" err="1">
+                <a:latin typeface="Courier New" panose="02070309020205020404" pitchFamily="49" charset="0"/>
+                <a:cs typeface="Courier New" panose="02070309020205020404" pitchFamily="49" charset="0"/>
+              </a:rPr>
               <a:t>dataframe</a:t>
             </a:r>
             <a:r>
-              <a:rPr lang="en-US" dirty="0"/>
-              <a:t> of students. </a:t>
+              <a:rPr lang="en-US" dirty="0">
+                <a:latin typeface="Courier New" panose="02070309020205020404" pitchFamily="49" charset="0"/>
+                <a:cs typeface="Courier New" panose="02070309020205020404" pitchFamily="49" charset="0"/>
+              </a:rPr>
+              <a:t>) </a:t>
+            </a:r>
+            <a:r>
+              <a:rPr lang="en-US" dirty="0">
+                <a:cs typeface="Courier New" panose="02070309020205020404" pitchFamily="49" charset="0"/>
+              </a:rPr>
+              <a:t>if the data has two columns, will plot the first variable on the x-axis</a:t>
+            </a:r>
+          </a:p>
+          <a:p>
+            <a:r>
+              <a:rPr lang="en-US" dirty="0">
+                <a:cs typeface="Courier New" panose="02070309020205020404" pitchFamily="49" charset="0"/>
+              </a:rPr>
+              <a:t>Pass keyword arguments</a:t>
+            </a:r>
+            <a:r>
+              <a:rPr lang="en-US" dirty="0">
+                <a:latin typeface="Courier New" panose="02070309020205020404" pitchFamily="49" charset="0"/>
+                <a:cs typeface="Courier New" panose="02070309020205020404" pitchFamily="49" charset="0"/>
+              </a:rPr>
+              <a:t> </a:t>
             </a:r>
             <a:r>
               <a:rPr lang="en-US" dirty="0" err="1">
                 <a:latin typeface="Courier New" panose="02070309020205020404" pitchFamily="49" charset="0"/>
                 <a:cs typeface="Courier New" panose="02070309020205020404" pitchFamily="49" charset="0"/>
               </a:rPr>
-              <a:t>tapply</a:t>
-            </a:r>
-            <a:r>
-              <a:rPr lang="en-US" dirty="0">
-                <a:latin typeface="Courier New" panose="02070309020205020404" pitchFamily="49" charset="0"/>
-                <a:cs typeface="Courier New" panose="02070309020205020404" pitchFamily="49" charset="0"/>
-              </a:rPr>
-              <a:t>(</a:t>
+              <a:t>xlab</a:t>
+            </a:r>
+            <a:r>
+              <a:rPr lang="en-US" dirty="0">
+                <a:latin typeface="Courier New" panose="02070309020205020404" pitchFamily="49" charset="0"/>
+                <a:cs typeface="Courier New" panose="02070309020205020404" pitchFamily="49" charset="0"/>
+              </a:rPr>
+              <a:t>=“x-axis title”, </a:t>
             </a:r>
             <a:r>
               <a:rPr lang="en-US" dirty="0" err="1">
                 <a:latin typeface="Courier New" panose="02070309020205020404" pitchFamily="49" charset="0"/>
                 <a:cs typeface="Courier New" panose="02070309020205020404" pitchFamily="49" charset="0"/>
               </a:rPr>
-              <a:t>gpadf$gpa</a:t>
-            </a:r>
-            <a:r>
-              <a:rPr lang="en-US" dirty="0">
-                <a:latin typeface="Courier New" panose="02070309020205020404" pitchFamily="49" charset="0"/>
-                <a:cs typeface="Courier New" panose="02070309020205020404" pitchFamily="49" charset="0"/>
-              </a:rPr>
-              <a:t>, </a:t>
-            </a:r>
-            <a:r>
-              <a:rPr lang="en-US" dirty="0" err="1">
-                <a:latin typeface="Courier New" panose="02070309020205020404" pitchFamily="49" charset="0"/>
-                <a:cs typeface="Courier New" panose="02070309020205020404" pitchFamily="49" charset="0"/>
-              </a:rPr>
-              <a:t>gpadf$major</a:t>
-            </a:r>
-            <a:r>
-              <a:rPr lang="en-US" dirty="0">
-                <a:latin typeface="Courier New" panose="02070309020205020404" pitchFamily="49" charset="0"/>
-                <a:cs typeface="Courier New" panose="02070309020205020404" pitchFamily="49" charset="0"/>
-              </a:rPr>
-              <a:t>, mean)</a:t>
-            </a:r>
-            <a:r>
-              <a:rPr lang="en-US" dirty="0"/>
-              <a:t> will give you the average GPA for each major!</a:t>
-            </a:r>
+              <a:t>ylab</a:t>
+            </a:r>
+            <a:r>
+              <a:rPr lang="en-US" dirty="0">
+                <a:latin typeface="Courier New" panose="02070309020205020404" pitchFamily="49" charset="0"/>
+                <a:cs typeface="Courier New" panose="02070309020205020404" pitchFamily="49" charset="0"/>
+              </a:rPr>
+              <a:t>=“y-axis title”, </a:t>
+            </a:r>
+            <a:r>
+              <a:rPr lang="en-US" dirty="0">
+                <a:cs typeface="Courier New" panose="02070309020205020404" pitchFamily="49" charset="0"/>
+              </a:rPr>
+              <a:t>and</a:t>
+            </a:r>
+            <a:r>
+              <a:rPr lang="en-US" dirty="0">
+                <a:latin typeface="Courier New" panose="02070309020205020404" pitchFamily="49" charset="0"/>
+                <a:cs typeface="Courier New" panose="02070309020205020404" pitchFamily="49" charset="0"/>
+              </a:rPr>
+              <a:t> main=“Main Title” </a:t>
+            </a:r>
+            <a:r>
+              <a:rPr lang="en-US" dirty="0">
+                <a:cs typeface="Courier New" panose="02070309020205020404" pitchFamily="49" charset="0"/>
+              </a:rPr>
+              <a:t>to add titles! </a:t>
+            </a:r>
+            <a:endParaRPr lang="en-US" dirty="0">
+              <a:latin typeface="Courier New" panose="02070309020205020404" pitchFamily="49" charset="0"/>
+              <a:cs typeface="Courier New" panose="02070309020205020404" pitchFamily="49" charset="0"/>
+            </a:endParaRPr>
+          </a:p>
+          <a:p>
+            <a:endParaRPr lang="en-US" dirty="0">
+              <a:latin typeface="Courier New" panose="02070309020205020404" pitchFamily="49" charset="0"/>
+              <a:cs typeface="Courier New" panose="02070309020205020404" pitchFamily="49" charset="0"/>
+            </a:endParaRPr>
+          </a:p>
+          <a:p>
+            <a:endParaRPr lang="en-US" dirty="0"/>
           </a:p>
         </p:txBody>
       </p:sp>
@@ -10517,7 +10924,7 @@
           <a:p>
             <a:fld id="{B08FEED8-D7D4-44E9-BFBC-ED06B5996D94}" type="datetime4">
               <a:rPr lang="en-US" smtClean="0"/>
-              <a:t>June 30, 2019</a:t>
+              <a:t>July 1, 2019</a:t>
             </a:fld>
             <a:endParaRPr lang="en-US" dirty="0"/>
           </a:p>
@@ -10592,515 +10999,6 @@
             <a:fld id="{D57F1E4F-1CFF-5643-939E-02111984F565}" type="slidenum">
               <a:rPr lang="en-US" smtClean="0"/>
               <a:t>35</a:t>
-            </a:fld>
-            <a:endParaRPr lang="en-US" dirty="0"/>
-          </a:p>
-        </p:txBody>
-      </p:sp>
-    </p:spTree>
-    <p:extLst>
-      <p:ext uri="{BB962C8B-B14F-4D97-AF65-F5344CB8AC3E}">
-        <p14:creationId xmlns:p14="http://schemas.microsoft.com/office/powerpoint/2010/main" val="2319623369"/>
-      </p:ext>
-    </p:extLst>
-  </p:cSld>
-  <p:clrMapOvr>
-    <a:masterClrMapping/>
-  </p:clrMapOvr>
-</p:sld>
-</file>
-
-<file path=ppt/slides/slide36.xml><?xml version="1.0" encoding="utf-8"?>
-<p:sld xmlns:a="http://schemas.openxmlformats.org/drawingml/2006/main" xmlns:r="http://schemas.openxmlformats.org/officeDocument/2006/relationships" xmlns:p="http://schemas.openxmlformats.org/presentationml/2006/main">
-  <p:cSld>
-    <p:spTree>
-      <p:nvGrpSpPr>
-        <p:cNvPr id="1" name=""/>
-        <p:cNvGrpSpPr/>
-        <p:nvPr/>
-      </p:nvGrpSpPr>
-      <p:grpSpPr>
-        <a:xfrm>
-          <a:off x="0" y="0"/>
-          <a:ext cx="0" cy="0"/>
-          <a:chOff x="0" y="0"/>
-          <a:chExt cx="0" cy="0"/>
-        </a:xfrm>
-      </p:grpSpPr>
-      <p:sp>
-        <p:nvSpPr>
-          <p:cNvPr id="2" name="Title 1"/>
-          <p:cNvSpPr>
-            <a:spLocks noGrp="1"/>
-          </p:cNvSpPr>
-          <p:nvPr>
-            <p:ph type="title"/>
-          </p:nvPr>
-        </p:nvSpPr>
-        <p:spPr/>
-        <p:txBody>
-          <a:bodyPr/>
-          <a:lstStyle/>
-          <a:p>
-            <a:r>
-              <a:rPr lang="en-US" dirty="0"/>
-              <a:t>VISUALIZATION</a:t>
-            </a:r>
-          </a:p>
-        </p:txBody>
-      </p:sp>
-      <p:sp>
-        <p:nvSpPr>
-          <p:cNvPr id="3" name="Text Placeholder 2"/>
-          <p:cNvSpPr>
-            <a:spLocks noGrp="1"/>
-          </p:cNvSpPr>
-          <p:nvPr>
-            <p:ph type="body" idx="1"/>
-          </p:nvPr>
-        </p:nvSpPr>
-        <p:spPr/>
-        <p:txBody>
-          <a:bodyPr/>
-          <a:lstStyle/>
-          <a:p>
-            <a:r>
-              <a:rPr lang="en-US" dirty="0"/>
-              <a:t>Scatterplots, boxplots, and histograms</a:t>
-            </a:r>
-          </a:p>
-        </p:txBody>
-      </p:sp>
-      <p:sp>
-        <p:nvSpPr>
-          <p:cNvPr id="4" name="Date Placeholder 3"/>
-          <p:cNvSpPr>
-            <a:spLocks noGrp="1"/>
-          </p:cNvSpPr>
-          <p:nvPr>
-            <p:ph type="dt" sz="half" idx="10"/>
-          </p:nvPr>
-        </p:nvSpPr>
-        <p:spPr/>
-        <p:txBody>
-          <a:bodyPr/>
-          <a:lstStyle/>
-          <a:p>
-            <a:fld id="{B08FEED8-D7D4-44E9-BFBC-ED06B5996D94}" type="datetime4">
-              <a:rPr lang="en-US" smtClean="0"/>
-              <a:t>June 29, 2019</a:t>
-            </a:fld>
-            <a:endParaRPr lang="en-US" dirty="0"/>
-          </a:p>
-        </p:txBody>
-      </p:sp>
-      <p:sp>
-        <p:nvSpPr>
-          <p:cNvPr id="5" name="Footer Placeholder 4"/>
-          <p:cNvSpPr>
-            <a:spLocks noGrp="1"/>
-          </p:cNvSpPr>
-          <p:nvPr>
-            <p:ph type="ftr" sz="quarter" idx="11"/>
-          </p:nvPr>
-        </p:nvSpPr>
-        <p:spPr/>
-        <p:txBody>
-          <a:bodyPr/>
-          <a:lstStyle/>
-          <a:p>
-            <a:r>
-              <a:rPr lang="en-US"/>
-              <a:t>Digital Scholarship Services </a:t>
-            </a:r>
-            <a:r>
-              <a:rPr lang="en-US">
-                <a:solidFill>
-                  <a:schemeClr val="accent1">
-                    <a:lumMod val="50000"/>
-                  </a:schemeClr>
-                </a:solidFill>
-              </a:rPr>
-              <a:t>| Email</a:t>
-            </a:r>
-            <a:r>
-              <a:rPr lang="en-US"/>
-              <a:t> cf24@rice.edu </a:t>
-            </a:r>
-            <a:r>
-              <a:rPr lang="en-US">
-                <a:solidFill>
-                  <a:schemeClr val="accent1">
-                    <a:lumMod val="50000"/>
-                  </a:schemeClr>
-                </a:solidFill>
-              </a:rPr>
-              <a:t>|</a:t>
-            </a:r>
-            <a:r>
-              <a:rPr lang="en-US"/>
-              <a:t> library.rice.edu/dss</a:t>
-            </a:r>
-            <a:endParaRPr lang="en-US" dirty="0"/>
-          </a:p>
-        </p:txBody>
-      </p:sp>
-      <p:sp>
-        <p:nvSpPr>
-          <p:cNvPr id="6" name="Slide Number Placeholder 5"/>
-          <p:cNvSpPr>
-            <a:spLocks noGrp="1"/>
-          </p:cNvSpPr>
-          <p:nvPr>
-            <p:ph type="sldNum" sz="quarter" idx="12"/>
-          </p:nvPr>
-        </p:nvSpPr>
-        <p:spPr/>
-        <p:txBody>
-          <a:bodyPr/>
-          <a:lstStyle/>
-          <a:p>
-            <a:fld id="{D57F1E4F-1CFF-5643-939E-02111984F565}" type="slidenum">
-              <a:rPr lang="en-US" smtClean="0"/>
-              <a:t>36</a:t>
-            </a:fld>
-            <a:endParaRPr lang="en-US" dirty="0"/>
-          </a:p>
-        </p:txBody>
-      </p:sp>
-    </p:spTree>
-    <p:extLst>
-      <p:ext uri="{BB962C8B-B14F-4D97-AF65-F5344CB8AC3E}">
-        <p14:creationId xmlns:p14="http://schemas.microsoft.com/office/powerpoint/2010/main" val="2369420591"/>
-      </p:ext>
-    </p:extLst>
-  </p:cSld>
-  <p:clrMapOvr>
-    <a:masterClrMapping/>
-  </p:clrMapOvr>
-</p:sld>
-</file>
-
-<file path=ppt/slides/slide37.xml><?xml version="1.0" encoding="utf-8"?>
-<p:sld xmlns:a="http://schemas.openxmlformats.org/drawingml/2006/main" xmlns:r="http://schemas.openxmlformats.org/officeDocument/2006/relationships" xmlns:p="http://schemas.openxmlformats.org/presentationml/2006/main">
-  <p:cSld>
-    <p:spTree>
-      <p:nvGrpSpPr>
-        <p:cNvPr id="1" name=""/>
-        <p:cNvGrpSpPr/>
-        <p:nvPr/>
-      </p:nvGrpSpPr>
-      <p:grpSpPr>
-        <a:xfrm>
-          <a:off x="0" y="0"/>
-          <a:ext cx="0" cy="0"/>
-          <a:chOff x="0" y="0"/>
-          <a:chExt cx="0" cy="0"/>
-        </a:xfrm>
-      </p:grpSpPr>
-      <p:sp>
-        <p:nvSpPr>
-          <p:cNvPr id="7" name="Title 6"/>
-          <p:cNvSpPr>
-            <a:spLocks noGrp="1"/>
-          </p:cNvSpPr>
-          <p:nvPr>
-            <p:ph type="title"/>
-          </p:nvPr>
-        </p:nvSpPr>
-        <p:spPr/>
-        <p:txBody>
-          <a:bodyPr/>
-          <a:lstStyle/>
-          <a:p>
-            <a:r>
-              <a:rPr lang="en-US" dirty="0"/>
-              <a:t>SCATTERPLOTS</a:t>
-            </a:r>
-          </a:p>
-        </p:txBody>
-      </p:sp>
-      <p:sp>
-        <p:nvSpPr>
-          <p:cNvPr id="8" name="Content Placeholder 7"/>
-          <p:cNvSpPr>
-            <a:spLocks noGrp="1"/>
-          </p:cNvSpPr>
-          <p:nvPr>
-            <p:ph idx="1"/>
-          </p:nvPr>
-        </p:nvSpPr>
-        <p:spPr>
-          <a:xfrm>
-            <a:off x="838200" y="1825625"/>
-            <a:ext cx="5154769" cy="4351338"/>
-          </a:xfrm>
-        </p:spPr>
-        <p:txBody>
-          <a:bodyPr/>
-          <a:lstStyle/>
-          <a:p>
-            <a:r>
-              <a:rPr lang="en-US" dirty="0">
-                <a:latin typeface="Courier New" panose="02070309020205020404" pitchFamily="49" charset="0"/>
-                <a:cs typeface="Courier New" panose="02070309020205020404" pitchFamily="49" charset="0"/>
-              </a:rPr>
-              <a:t>plot(</a:t>
-            </a:r>
-            <a:r>
-              <a:rPr lang="en-US" dirty="0" err="1">
-                <a:latin typeface="Courier New" panose="02070309020205020404" pitchFamily="49" charset="0"/>
-                <a:cs typeface="Courier New" panose="02070309020205020404" pitchFamily="49" charset="0"/>
-              </a:rPr>
-              <a:t>x_axis</a:t>
-            </a:r>
-            <a:r>
-              <a:rPr lang="en-US" dirty="0">
-                <a:latin typeface="Courier New" panose="02070309020205020404" pitchFamily="49" charset="0"/>
-                <a:cs typeface="Courier New" panose="02070309020205020404" pitchFamily="49" charset="0"/>
-              </a:rPr>
-              <a:t>, </a:t>
-            </a:r>
-            <a:r>
-              <a:rPr lang="en-US" dirty="0" err="1">
-                <a:latin typeface="Courier New" panose="02070309020205020404" pitchFamily="49" charset="0"/>
-                <a:cs typeface="Courier New" panose="02070309020205020404" pitchFamily="49" charset="0"/>
-              </a:rPr>
-              <a:t>y_axis</a:t>
-            </a:r>
-            <a:r>
-              <a:rPr lang="en-US" dirty="0">
-                <a:latin typeface="Courier New" panose="02070309020205020404" pitchFamily="49" charset="0"/>
-                <a:cs typeface="Courier New" panose="02070309020205020404" pitchFamily="49" charset="0"/>
-              </a:rPr>
-              <a:t>) </a:t>
-            </a:r>
-            <a:r>
-              <a:rPr lang="en-US" dirty="0">
-                <a:cs typeface="Courier New" panose="02070309020205020404" pitchFamily="49" charset="0"/>
-              </a:rPr>
-              <a:t>for vectors </a:t>
-            </a:r>
-            <a:r>
-              <a:rPr lang="en-US" dirty="0" err="1">
-                <a:cs typeface="Courier New" panose="02070309020205020404" pitchFamily="49" charset="0"/>
-              </a:rPr>
-              <a:t>x_axis</a:t>
-            </a:r>
-            <a:r>
-              <a:rPr lang="en-US" dirty="0">
-                <a:cs typeface="Courier New" panose="02070309020205020404" pitchFamily="49" charset="0"/>
-              </a:rPr>
-              <a:t> and </a:t>
-            </a:r>
-            <a:r>
-              <a:rPr lang="en-US" dirty="0" err="1">
-                <a:cs typeface="Courier New" panose="02070309020205020404" pitchFamily="49" charset="0"/>
-              </a:rPr>
-              <a:t>y_axis</a:t>
-            </a:r>
-            <a:endParaRPr lang="en-US" dirty="0">
-              <a:cs typeface="Courier New" panose="02070309020205020404" pitchFamily="49" charset="0"/>
-            </a:endParaRPr>
-          </a:p>
-          <a:p>
-            <a:r>
-              <a:rPr lang="en-US" dirty="0">
-                <a:latin typeface="Courier New" panose="02070309020205020404" pitchFamily="49" charset="0"/>
-                <a:cs typeface="Courier New" panose="02070309020205020404" pitchFamily="49" charset="0"/>
-              </a:rPr>
-              <a:t>plot(</a:t>
-            </a:r>
-            <a:r>
-              <a:rPr lang="en-US" dirty="0" err="1">
-                <a:latin typeface="Courier New" panose="02070309020205020404" pitchFamily="49" charset="0"/>
-                <a:cs typeface="Courier New" panose="02070309020205020404" pitchFamily="49" charset="0"/>
-              </a:rPr>
-              <a:t>dataframe</a:t>
-            </a:r>
-            <a:r>
-              <a:rPr lang="en-US" dirty="0">
-                <a:latin typeface="Courier New" panose="02070309020205020404" pitchFamily="49" charset="0"/>
-                <a:cs typeface="Courier New" panose="02070309020205020404" pitchFamily="49" charset="0"/>
-              </a:rPr>
-              <a:t>) </a:t>
-            </a:r>
-            <a:r>
-              <a:rPr lang="en-US" dirty="0">
-                <a:cs typeface="Courier New" panose="02070309020205020404" pitchFamily="49" charset="0"/>
-              </a:rPr>
-              <a:t>if the data has two columns, will plot the first variable on the x-axis</a:t>
-            </a:r>
-          </a:p>
-          <a:p>
-            <a:r>
-              <a:rPr lang="en-US" dirty="0">
-                <a:cs typeface="Courier New" panose="02070309020205020404" pitchFamily="49" charset="0"/>
-              </a:rPr>
-              <a:t>Use</a:t>
-            </a:r>
-            <a:r>
-              <a:rPr lang="en-US" dirty="0">
-                <a:latin typeface="Courier New" panose="02070309020205020404" pitchFamily="49" charset="0"/>
-                <a:cs typeface="Courier New" panose="02070309020205020404" pitchFamily="49" charset="0"/>
-              </a:rPr>
-              <a:t> </a:t>
-            </a:r>
-            <a:r>
-              <a:rPr lang="en-US" dirty="0" err="1">
-                <a:latin typeface="Courier New" panose="02070309020205020404" pitchFamily="49" charset="0"/>
-                <a:cs typeface="Courier New" panose="02070309020205020404" pitchFamily="49" charset="0"/>
-              </a:rPr>
-              <a:t>xlab</a:t>
-            </a:r>
-            <a:r>
-              <a:rPr lang="en-US" dirty="0">
-                <a:latin typeface="Courier New" panose="02070309020205020404" pitchFamily="49" charset="0"/>
-                <a:cs typeface="Courier New" panose="02070309020205020404" pitchFamily="49" charset="0"/>
-              </a:rPr>
-              <a:t>=“x-axis title”, </a:t>
-            </a:r>
-            <a:r>
-              <a:rPr lang="en-US" dirty="0" err="1">
-                <a:latin typeface="Courier New" panose="02070309020205020404" pitchFamily="49" charset="0"/>
-                <a:cs typeface="Courier New" panose="02070309020205020404" pitchFamily="49" charset="0"/>
-              </a:rPr>
-              <a:t>ylab</a:t>
-            </a:r>
-            <a:r>
-              <a:rPr lang="en-US" dirty="0">
-                <a:latin typeface="Courier New" panose="02070309020205020404" pitchFamily="49" charset="0"/>
-                <a:cs typeface="Courier New" panose="02070309020205020404" pitchFamily="49" charset="0"/>
-              </a:rPr>
-              <a:t>=“y-axis title”, </a:t>
-            </a:r>
-            <a:r>
-              <a:rPr lang="en-US" dirty="0">
-                <a:cs typeface="Courier New" panose="02070309020205020404" pitchFamily="49" charset="0"/>
-              </a:rPr>
-              <a:t>and</a:t>
-            </a:r>
-            <a:r>
-              <a:rPr lang="en-US" dirty="0">
-                <a:latin typeface="Courier New" panose="02070309020205020404" pitchFamily="49" charset="0"/>
-                <a:cs typeface="Courier New" panose="02070309020205020404" pitchFamily="49" charset="0"/>
-              </a:rPr>
-              <a:t> main=“Main Title” </a:t>
-            </a:r>
-            <a:r>
-              <a:rPr lang="en-US" dirty="0">
-                <a:cs typeface="Courier New" panose="02070309020205020404" pitchFamily="49" charset="0"/>
-              </a:rPr>
-              <a:t>to add titles! </a:t>
-            </a:r>
-            <a:endParaRPr lang="en-US" dirty="0">
-              <a:latin typeface="Courier New" panose="02070309020205020404" pitchFamily="49" charset="0"/>
-              <a:cs typeface="Courier New" panose="02070309020205020404" pitchFamily="49" charset="0"/>
-            </a:endParaRPr>
-          </a:p>
-          <a:p>
-            <a:endParaRPr lang="en-US" dirty="0">
-              <a:latin typeface="Courier New" panose="02070309020205020404" pitchFamily="49" charset="0"/>
-              <a:cs typeface="Courier New" panose="02070309020205020404" pitchFamily="49" charset="0"/>
-            </a:endParaRPr>
-          </a:p>
-          <a:p>
-            <a:endParaRPr lang="en-US" dirty="0"/>
-          </a:p>
-        </p:txBody>
-      </p:sp>
-      <p:sp>
-        <p:nvSpPr>
-          <p:cNvPr id="4" name="Date Placeholder 3"/>
-          <p:cNvSpPr>
-            <a:spLocks noGrp="1"/>
-          </p:cNvSpPr>
-          <p:nvPr>
-            <p:ph type="dt" sz="half" idx="10"/>
-          </p:nvPr>
-        </p:nvSpPr>
-        <p:spPr/>
-        <p:txBody>
-          <a:bodyPr/>
-          <a:lstStyle/>
-          <a:p>
-            <a:fld id="{B08FEED8-D7D4-44E9-BFBC-ED06B5996D94}" type="datetime4">
-              <a:rPr lang="en-US" smtClean="0"/>
-              <a:t>June 30, 2019</a:t>
-            </a:fld>
-            <a:endParaRPr lang="en-US" dirty="0"/>
-          </a:p>
-        </p:txBody>
-      </p:sp>
-      <p:sp>
-        <p:nvSpPr>
-          <p:cNvPr id="5" name="Footer Placeholder 4"/>
-          <p:cNvSpPr>
-            <a:spLocks noGrp="1"/>
-          </p:cNvSpPr>
-          <p:nvPr>
-            <p:ph type="ftr" sz="quarter" idx="11"/>
-          </p:nvPr>
-        </p:nvSpPr>
-        <p:spPr/>
-        <p:txBody>
-          <a:bodyPr/>
-          <a:lstStyle/>
-          <a:p>
-            <a:r>
-              <a:rPr lang="en-US"/>
-              <a:t>Digital Scholarship Services </a:t>
-            </a:r>
-            <a:r>
-              <a:rPr lang="en-US">
-                <a:solidFill>
-                  <a:schemeClr val="accent1">
-                    <a:lumMod val="50000"/>
-                  </a:schemeClr>
-                </a:solidFill>
-              </a:rPr>
-              <a:t>| Email</a:t>
-            </a:r>
-            <a:r>
-              <a:rPr lang="en-US"/>
-              <a:t> cf24@rice.edu </a:t>
-            </a:r>
-            <a:r>
-              <a:rPr lang="en-US">
-                <a:solidFill>
-                  <a:schemeClr val="accent1">
-                    <a:lumMod val="50000"/>
-                  </a:schemeClr>
-                </a:solidFill>
-              </a:rPr>
-              <a:t>|</a:t>
-            </a:r>
-            <a:r>
-              <a:rPr lang="en-US"/>
-              <a:t> library.rice.edu/dss</a:t>
-            </a:r>
-            <a:endParaRPr lang="en-US" dirty="0"/>
-          </a:p>
-        </p:txBody>
-      </p:sp>
-      <p:sp>
-        <p:nvSpPr>
-          <p:cNvPr id="6" name="Slide Number Placeholder 5"/>
-          <p:cNvSpPr>
-            <a:spLocks noGrp="1"/>
-          </p:cNvSpPr>
-          <p:nvPr>
-            <p:ph type="sldNum" sz="quarter" idx="12"/>
-          </p:nvPr>
-        </p:nvSpPr>
-        <p:spPr/>
-        <p:txBody>
-          <a:bodyPr/>
-          <a:lstStyle/>
-          <a:p>
-            <a:fld id="{D57F1E4F-1CFF-5643-939E-02111984F565}" type="slidenum">
-              <a:rPr lang="en-US" smtClean="0"/>
-              <a:t>37</a:t>
             </a:fld>
             <a:endParaRPr lang="en-US" dirty="0"/>
           </a:p>
@@ -11149,7 +11047,7 @@
 </p:sld>
 </file>
 
-<file path=ppt/slides/slide38.xml><?xml version="1.0" encoding="utf-8"?>
+<file path=ppt/slides/slide36.xml><?xml version="1.0" encoding="utf-8"?>
 <p:sld xmlns:a="http://schemas.openxmlformats.org/drawingml/2006/main" xmlns:r="http://schemas.openxmlformats.org/officeDocument/2006/relationships" xmlns:p="http://schemas.openxmlformats.org/presentationml/2006/main">
   <p:cSld>
     <p:spTree>
@@ -11231,19 +11129,34 @@
               <a:rPr lang="en-US" dirty="0">
                 <a:cs typeface="Courier New" panose="02070309020205020404" pitchFamily="49" charset="0"/>
               </a:rPr>
-              <a:t>Mildly interesting: you can pass breaks=“</a:t>
+              <a:t>Mildly interesting: you can pass </a:t>
+            </a:r>
+            <a:r>
+              <a:rPr lang="en-US" dirty="0">
+                <a:latin typeface="Courier New" panose="02070309020205020404" pitchFamily="49" charset="0"/>
+                <a:cs typeface="Courier New" panose="02070309020205020404" pitchFamily="49" charset="0"/>
+              </a:rPr>
+              <a:t>breaks=“</a:t>
             </a:r>
             <a:r>
               <a:rPr lang="en-US" dirty="0" err="1">
+                <a:latin typeface="Courier New" panose="02070309020205020404" pitchFamily="49" charset="0"/>
                 <a:cs typeface="Courier New" panose="02070309020205020404" pitchFamily="49" charset="0"/>
               </a:rPr>
               <a:t>scott</a:t>
             </a:r>
             <a:r>
               <a:rPr lang="en-US" dirty="0">
-                <a:cs typeface="Courier New" panose="02070309020205020404" pitchFamily="49" charset="0"/>
-              </a:rPr>
-              <a:t>” to employ an algorithm to automatically determine a bin size. This is named in honor of a Rice professor’s work!</a:t>
+                <a:latin typeface="Courier New" panose="02070309020205020404" pitchFamily="49" charset="0"/>
+                <a:cs typeface="Courier New" panose="02070309020205020404" pitchFamily="49" charset="0"/>
+              </a:rPr>
+              <a:t>”</a:t>
+            </a:r>
+            <a:r>
+              <a:rPr lang="en-US" dirty="0">
+                <a:cs typeface="Courier New" panose="02070309020205020404" pitchFamily="49" charset="0"/>
+              </a:rPr>
+              <a:t> to employ an algorithm to automatically determine a bin size. This is named in honor of a Rice professor’s work!</a:t>
             </a:r>
           </a:p>
         </p:txBody>
@@ -11265,7 +11178,7 @@
           <a:p>
             <a:fld id="{B08FEED8-D7D4-44E9-BFBC-ED06B5996D94}" type="datetime4">
               <a:rPr lang="en-US" smtClean="0"/>
-              <a:t>June 29, 2019</a:t>
+              <a:t>July 1, 2019</a:t>
             </a:fld>
             <a:endParaRPr lang="en-US" dirty="0"/>
           </a:p>
@@ -11339,7 +11252,7 @@
           <a:p>
             <a:fld id="{D57F1E4F-1CFF-5643-939E-02111984F565}" type="slidenum">
               <a:rPr lang="en-US" smtClean="0"/>
-              <a:t>38</a:t>
+              <a:t>36</a:t>
             </a:fld>
             <a:endParaRPr lang="en-US" dirty="0"/>
           </a:p>
@@ -11388,7 +11301,7 @@
 </p:sld>
 </file>
 
-<file path=ppt/slides/slide39.xml><?xml version="1.0" encoding="utf-8"?>
+<file path=ppt/slides/slide37.xml><?xml version="1.0" encoding="utf-8"?>
 <p:sld xmlns:a="http://schemas.openxmlformats.org/drawingml/2006/main" xmlns:r="http://schemas.openxmlformats.org/officeDocument/2006/relationships" xmlns:p="http://schemas.openxmlformats.org/presentationml/2006/main">
   <p:cSld>
     <p:spTree>
@@ -11501,7 +11414,7 @@
           <a:p>
             <a:fld id="{B08FEED8-D7D4-44E9-BFBC-ED06B5996D94}" type="datetime4">
               <a:rPr lang="en-US" smtClean="0"/>
-              <a:t>June 29, 2019</a:t>
+              <a:t>July 1, 2019</a:t>
             </a:fld>
             <a:endParaRPr lang="en-US" dirty="0"/>
           </a:p>
@@ -11575,7 +11488,7 @@
           <a:p>
             <a:fld id="{D57F1E4F-1CFF-5643-939E-02111984F565}" type="slidenum">
               <a:rPr lang="en-US" smtClean="0"/>
-              <a:t>39</a:t>
+              <a:t>37</a:t>
             </a:fld>
             <a:endParaRPr lang="en-US" dirty="0"/>
           </a:p>
@@ -11624,7 +11537,7 @@
 </p:sld>
 </file>
 
-<file path=ppt/slides/slide4.xml><?xml version="1.0" encoding="utf-8"?>
+<file path=ppt/slides/slide38.xml><?xml version="1.0" encoding="utf-8"?>
 <p:sld xmlns:a="http://schemas.openxmlformats.org/drawingml/2006/main" xmlns:r="http://schemas.openxmlformats.org/officeDocument/2006/relationships" xmlns:p="http://schemas.openxmlformats.org/presentationml/2006/main">
   <p:cSld>
     <p:spTree>
@@ -11643,7 +11556,13 @@
       </p:grpSpPr>
       <p:sp>
         <p:nvSpPr>
-          <p:cNvPr id="2" name="Title 1"/>
+          <p:cNvPr id="7" name="Title 6">
+            <a:extLst>
+              <a:ext uri="{FF2B5EF4-FFF2-40B4-BE49-F238E27FC236}">
+                <a16:creationId xmlns:a16="http://schemas.microsoft.com/office/drawing/2014/main" id="{184E2338-1026-45D4-9455-B21A88F18B28}"/>
+              </a:ext>
+            </a:extLst>
+          </p:cNvPr>
           <p:cNvSpPr>
             <a:spLocks noGrp="1"/>
           </p:cNvSpPr>
@@ -11658,74 +11577,48 @@
           <a:p>
             <a:r>
               <a:rPr lang="en-US" dirty="0"/>
-              <a:t>THE RICE CONNECTION</a:t>
-            </a:r>
-          </a:p>
-        </p:txBody>
-      </p:sp>
-      <p:sp>
-        <p:nvSpPr>
-          <p:cNvPr id="3" name="Content Placeholder 2"/>
-          <p:cNvSpPr>
-            <a:spLocks noGrp="1"/>
-          </p:cNvSpPr>
-          <p:nvPr>
-            <p:ph idx="1"/>
-          </p:nvPr>
-        </p:nvSpPr>
-        <p:spPr/>
-        <p:txBody>
-          <a:bodyPr/>
-          <a:lstStyle/>
-          <a:p>
-            <a:r>
-              <a:rPr lang="en-US" dirty="0"/>
-              <a:t>Hadley Wickham</a:t>
-            </a:r>
-          </a:p>
-          <a:p>
-            <a:pPr lvl="1"/>
-            <a:r>
-              <a:rPr lang="en-US" dirty="0"/>
-              <a:t>former Rice professor</a:t>
-            </a:r>
-          </a:p>
-          <a:p>
-            <a:pPr lvl="1"/>
-            <a:r>
-              <a:rPr lang="en-US" dirty="0"/>
-              <a:t>Chief Scientist at </a:t>
-            </a:r>
-            <a:r>
-              <a:rPr lang="en-US" dirty="0" err="1"/>
-              <a:t>Rstudio</a:t>
-            </a:r>
-            <a:endParaRPr lang="en-US" dirty="0"/>
-          </a:p>
-          <a:p>
-            <a:pPr lvl="1"/>
-            <a:r>
-              <a:rPr lang="en-US" dirty="0"/>
-              <a:t>Originator of the </a:t>
-            </a:r>
-            <a:r>
-              <a:rPr lang="en-US" dirty="0" err="1"/>
-              <a:t>tidyverse</a:t>
-            </a:r>
-            <a:endParaRPr lang="en-US" dirty="0"/>
-          </a:p>
-          <a:p>
-            <a:pPr lvl="1"/>
-            <a:r>
-              <a:rPr lang="en-US" dirty="0"/>
-              <a:t>Author of “R for Data Science” </a:t>
-            </a:r>
-          </a:p>
-        </p:txBody>
-      </p:sp>
-      <p:sp>
-        <p:nvSpPr>
-          <p:cNvPr id="4" name="Date Placeholder 3"/>
+              <a:t>MODELING</a:t>
+            </a:r>
+          </a:p>
+        </p:txBody>
+      </p:sp>
+      <p:sp>
+        <p:nvSpPr>
+          <p:cNvPr id="8" name="Text Placeholder 7">
+            <a:extLst>
+              <a:ext uri="{FF2B5EF4-FFF2-40B4-BE49-F238E27FC236}">
+                <a16:creationId xmlns:a16="http://schemas.microsoft.com/office/drawing/2014/main" id="{DB42CCAB-C8E2-48A8-A9DF-EB0383A8B33C}"/>
+              </a:ext>
+            </a:extLst>
+          </p:cNvPr>
+          <p:cNvSpPr>
+            <a:spLocks noGrp="1"/>
+          </p:cNvSpPr>
+          <p:nvPr>
+            <p:ph type="body" idx="1"/>
+          </p:nvPr>
+        </p:nvSpPr>
+        <p:spPr/>
+        <p:txBody>
+          <a:bodyPr/>
+          <a:lstStyle/>
+          <a:p>
+            <a:r>
+              <a:rPr lang="en-US" dirty="0"/>
+              <a:t>Simple Linear Regression and plotting</a:t>
+            </a:r>
+          </a:p>
+        </p:txBody>
+      </p:sp>
+      <p:sp>
+        <p:nvSpPr>
+          <p:cNvPr id="4" name="Date Placeholder 3">
+            <a:extLst>
+              <a:ext uri="{FF2B5EF4-FFF2-40B4-BE49-F238E27FC236}">
+                <a16:creationId xmlns:a16="http://schemas.microsoft.com/office/drawing/2014/main" id="{1CA94ACB-62A5-4F09-8C21-F0CE9BFB1606}"/>
+              </a:ext>
+            </a:extLst>
+          </p:cNvPr>
           <p:cNvSpPr>
             <a:spLocks noGrp="1"/>
           </p:cNvSpPr>
@@ -11740,7 +11633,7 @@
           <a:p>
             <a:fld id="{8AAE40A0-A7D8-4DC3-BC9E-BADA32DA2004}" type="datetime4">
               <a:rPr lang="en-US" smtClean="0"/>
-              <a:t>June 29, 2019</a:t>
+              <a:t>July 1, 2019</a:t>
             </a:fld>
             <a:endParaRPr lang="en-US" dirty="0"/>
           </a:p>
@@ -11748,7 +11641,13 @@
       </p:sp>
       <p:sp>
         <p:nvSpPr>
-          <p:cNvPr id="5" name="Footer Placeholder 4"/>
+          <p:cNvPr id="5" name="Footer Placeholder 4">
+            <a:extLst>
+              <a:ext uri="{FF2B5EF4-FFF2-40B4-BE49-F238E27FC236}">
+                <a16:creationId xmlns:a16="http://schemas.microsoft.com/office/drawing/2014/main" id="{D20B02B0-893D-4696-B6F7-A126B8D18E99}"/>
+              </a:ext>
+            </a:extLst>
+          </p:cNvPr>
           <p:cNvSpPr>
             <a:spLocks noGrp="1"/>
           </p:cNvSpPr>
@@ -11799,7 +11698,13 @@
       </p:sp>
       <p:sp>
         <p:nvSpPr>
-          <p:cNvPr id="6" name="Slide Number Placeholder 5"/>
+          <p:cNvPr id="6" name="Slide Number Placeholder 5">
+            <a:extLst>
+              <a:ext uri="{FF2B5EF4-FFF2-40B4-BE49-F238E27FC236}">
+                <a16:creationId xmlns:a16="http://schemas.microsoft.com/office/drawing/2014/main" id="{1CFDA495-0063-4571-8969-0DD770DB39E0}"/>
+              </a:ext>
+            </a:extLst>
+          </p:cNvPr>
           <p:cNvSpPr>
             <a:spLocks noGrp="1"/>
           </p:cNvSpPr>
@@ -11814,57 +11719,16 @@
           <a:p>
             <a:fld id="{D57F1E4F-1CFF-5643-939E-02111984F565}" type="slidenum">
               <a:rPr lang="en-US" smtClean="0"/>
-              <a:t>4</a:t>
+              <a:t>38</a:t>
             </a:fld>
             <a:endParaRPr lang="en-US" dirty="0"/>
           </a:p>
         </p:txBody>
       </p:sp>
-      <p:pic>
-        <p:nvPicPr>
-          <p:cNvPr id="1026" name="Picture 2" descr="Image result for hadley wickham"/>
-          <p:cNvPicPr>
-            <a:picLocks noChangeAspect="1" noChangeArrowheads="1"/>
-          </p:cNvPicPr>
-          <p:nvPr/>
-        </p:nvPicPr>
-        <p:blipFill>
-          <a:blip r:embed="rId2">
-            <a:extLst>
-              <a:ext uri="{28A0092B-C50C-407E-A947-70E740481C1C}">
-                <a14:useLocalDpi xmlns:a14="http://schemas.microsoft.com/office/drawing/2010/main" val="0"/>
-              </a:ext>
-            </a:extLst>
-          </a:blip>
-          <a:srcRect/>
-          <a:stretch>
-            <a:fillRect/>
-          </a:stretch>
-        </p:blipFill>
-        <p:spPr bwMode="auto">
-          <a:xfrm>
-            <a:off x="6905177" y="1332246"/>
-            <a:ext cx="4683542" cy="4683543"/>
-          </a:xfrm>
-          <a:prstGeom prst="rect">
-            <a:avLst/>
-          </a:prstGeom>
-          <a:noFill/>
-          <a:extLst>
-            <a:ext uri="{909E8E84-426E-40DD-AFC4-6F175D3DCCD1}">
-              <a14:hiddenFill xmlns:a14="http://schemas.microsoft.com/office/drawing/2010/main">
-                <a:solidFill>
-                  <a:srgbClr val="FFFFFF"/>
-                </a:solidFill>
-              </a14:hiddenFill>
-            </a:ext>
-          </a:extLst>
-        </p:spPr>
-      </p:pic>
     </p:spTree>
     <p:extLst>
       <p:ext uri="{BB962C8B-B14F-4D97-AF65-F5344CB8AC3E}">
-        <p14:creationId xmlns:p14="http://schemas.microsoft.com/office/powerpoint/2010/main" val="1538238596"/>
+        <p14:creationId xmlns:p14="http://schemas.microsoft.com/office/powerpoint/2010/main" val="405926125"/>
       </p:ext>
     </p:extLst>
   </p:cSld>
@@ -11874,7 +11738,7 @@
 </p:sld>
 </file>
 
-<file path=ppt/slides/slide40.xml><?xml version="1.0" encoding="utf-8"?>
+<file path=ppt/slides/slide39.xml><?xml version="1.0" encoding="utf-8"?>
 <p:sld xmlns:a="http://schemas.openxmlformats.org/drawingml/2006/main" xmlns:r="http://schemas.openxmlformats.org/officeDocument/2006/relationships" xmlns:p="http://schemas.openxmlformats.org/presentationml/2006/main">
   <p:cSld>
     <p:spTree>
@@ -11893,13 +11757,7 @@
       </p:grpSpPr>
       <p:sp>
         <p:nvSpPr>
-          <p:cNvPr id="7" name="Title 6">
-            <a:extLst>
-              <a:ext uri="{FF2B5EF4-FFF2-40B4-BE49-F238E27FC236}">
-                <a16:creationId xmlns:a16="http://schemas.microsoft.com/office/drawing/2014/main" id="{184E2338-1026-45D4-9455-B21A88F18B28}"/>
-              </a:ext>
-            </a:extLst>
-          </p:cNvPr>
+          <p:cNvPr id="7" name="Title 6"/>
           <p:cNvSpPr>
             <a:spLocks noGrp="1"/>
           </p:cNvSpPr>
@@ -11914,208 +11772,13 @@
           <a:p>
             <a:r>
               <a:rPr lang="en-US" dirty="0"/>
-              <a:t>MODELING</a:t>
-            </a:r>
-          </a:p>
-        </p:txBody>
-      </p:sp>
-      <p:sp>
-        <p:nvSpPr>
-          <p:cNvPr id="8" name="Text Placeholder 7">
-            <a:extLst>
-              <a:ext uri="{FF2B5EF4-FFF2-40B4-BE49-F238E27FC236}">
-                <a16:creationId xmlns:a16="http://schemas.microsoft.com/office/drawing/2014/main" id="{DB42CCAB-C8E2-48A8-A9DF-EB0383A8B33C}"/>
-              </a:ext>
-            </a:extLst>
-          </p:cNvPr>
-          <p:cNvSpPr>
-            <a:spLocks noGrp="1"/>
-          </p:cNvSpPr>
-          <p:nvPr>
-            <p:ph type="body" idx="1"/>
-          </p:nvPr>
-        </p:nvSpPr>
-        <p:spPr/>
-        <p:txBody>
-          <a:bodyPr/>
-          <a:lstStyle/>
-          <a:p>
-            <a:r>
-              <a:rPr lang="en-US" dirty="0"/>
-              <a:t>Simple Linear Regression and plotting</a:t>
-            </a:r>
-          </a:p>
-        </p:txBody>
-      </p:sp>
-      <p:sp>
-        <p:nvSpPr>
-          <p:cNvPr id="4" name="Date Placeholder 3">
-            <a:extLst>
-              <a:ext uri="{FF2B5EF4-FFF2-40B4-BE49-F238E27FC236}">
-                <a16:creationId xmlns:a16="http://schemas.microsoft.com/office/drawing/2014/main" id="{1CA94ACB-62A5-4F09-8C21-F0CE9BFB1606}"/>
-              </a:ext>
-            </a:extLst>
-          </p:cNvPr>
-          <p:cNvSpPr>
-            <a:spLocks noGrp="1"/>
-          </p:cNvSpPr>
-          <p:nvPr>
-            <p:ph type="dt" sz="half" idx="10"/>
-          </p:nvPr>
-        </p:nvSpPr>
-        <p:spPr/>
-        <p:txBody>
-          <a:bodyPr/>
-          <a:lstStyle/>
-          <a:p>
-            <a:fld id="{8AAE40A0-A7D8-4DC3-BC9E-BADA32DA2004}" type="datetime4">
-              <a:rPr lang="en-US" smtClean="0"/>
-              <a:t>June 29, 2019</a:t>
-            </a:fld>
-            <a:endParaRPr lang="en-US" dirty="0"/>
-          </a:p>
-        </p:txBody>
-      </p:sp>
-      <p:sp>
-        <p:nvSpPr>
-          <p:cNvPr id="5" name="Footer Placeholder 4">
-            <a:extLst>
-              <a:ext uri="{FF2B5EF4-FFF2-40B4-BE49-F238E27FC236}">
-                <a16:creationId xmlns:a16="http://schemas.microsoft.com/office/drawing/2014/main" id="{D20B02B0-893D-4696-B6F7-A126B8D18E99}"/>
-              </a:ext>
-            </a:extLst>
-          </p:cNvPr>
-          <p:cNvSpPr>
-            <a:spLocks noGrp="1"/>
-          </p:cNvSpPr>
-          <p:nvPr>
-            <p:ph type="ftr" sz="quarter" idx="11"/>
-          </p:nvPr>
-        </p:nvSpPr>
-        <p:spPr/>
-        <p:txBody>
-          <a:bodyPr/>
-          <a:lstStyle/>
-          <a:p>
-            <a:r>
-              <a:rPr lang="en-US"/>
-              <a:t>Digital Scholarship Services </a:t>
-            </a:r>
-            <a:r>
-              <a:rPr lang="en-US">
-                <a:solidFill>
-                  <a:schemeClr val="accent1">
-                    <a:lumMod val="50000"/>
-                  </a:schemeClr>
-                </a:solidFill>
-              </a:rPr>
-              <a:t>| Email</a:t>
-            </a:r>
-            <a:r>
-              <a:rPr lang="en-US"/>
-              <a:t> cf24@rice.edu </a:t>
-            </a:r>
-            <a:r>
-              <a:rPr lang="en-US">
-                <a:solidFill>
-                  <a:schemeClr val="accent1">
-                    <a:lumMod val="50000"/>
-                  </a:schemeClr>
-                </a:solidFill>
-              </a:rPr>
-              <a:t>|</a:t>
-            </a:r>
-            <a:r>
-              <a:rPr lang="en-US"/>
-              <a:t> library.rice.edu/dss</a:t>
-            </a:r>
-            <a:endParaRPr lang="en-US" dirty="0"/>
-          </a:p>
-        </p:txBody>
-      </p:sp>
-      <p:sp>
-        <p:nvSpPr>
-          <p:cNvPr id="6" name="Slide Number Placeholder 5">
-            <a:extLst>
-              <a:ext uri="{FF2B5EF4-FFF2-40B4-BE49-F238E27FC236}">
-                <a16:creationId xmlns:a16="http://schemas.microsoft.com/office/drawing/2014/main" id="{1CFDA495-0063-4571-8969-0DD770DB39E0}"/>
-              </a:ext>
-            </a:extLst>
-          </p:cNvPr>
-          <p:cNvSpPr>
-            <a:spLocks noGrp="1"/>
-          </p:cNvSpPr>
-          <p:nvPr>
-            <p:ph type="sldNum" sz="quarter" idx="12"/>
-          </p:nvPr>
-        </p:nvSpPr>
-        <p:spPr/>
-        <p:txBody>
-          <a:bodyPr/>
-          <a:lstStyle/>
-          <a:p>
-            <a:fld id="{D57F1E4F-1CFF-5643-939E-02111984F565}" type="slidenum">
-              <a:rPr lang="en-US" smtClean="0"/>
-              <a:t>40</a:t>
-            </a:fld>
-            <a:endParaRPr lang="en-US" dirty="0"/>
-          </a:p>
-        </p:txBody>
-      </p:sp>
-    </p:spTree>
-    <p:extLst>
-      <p:ext uri="{BB962C8B-B14F-4D97-AF65-F5344CB8AC3E}">
-        <p14:creationId xmlns:p14="http://schemas.microsoft.com/office/powerpoint/2010/main" val="405926125"/>
-      </p:ext>
-    </p:extLst>
-  </p:cSld>
-  <p:clrMapOvr>
-    <a:masterClrMapping/>
-  </p:clrMapOvr>
-</p:sld>
-</file>
-
-<file path=ppt/slides/slide41.xml><?xml version="1.0" encoding="utf-8"?>
-<p:sld xmlns:a="http://schemas.openxmlformats.org/drawingml/2006/main" xmlns:r="http://schemas.openxmlformats.org/officeDocument/2006/relationships" xmlns:p="http://schemas.openxmlformats.org/presentationml/2006/main">
-  <p:cSld>
-    <p:spTree>
-      <p:nvGrpSpPr>
-        <p:cNvPr id="1" name=""/>
-        <p:cNvGrpSpPr/>
-        <p:nvPr/>
-      </p:nvGrpSpPr>
-      <p:grpSpPr>
-        <a:xfrm>
-          <a:off x="0" y="0"/>
-          <a:ext cx="0" cy="0"/>
-          <a:chOff x="0" y="0"/>
-          <a:chExt cx="0" cy="0"/>
-        </a:xfrm>
-      </p:grpSpPr>
-      <p:sp>
-        <p:nvSpPr>
-          <p:cNvPr id="7" name="Title 6"/>
-          <p:cNvSpPr>
-            <a:spLocks noGrp="1"/>
-          </p:cNvSpPr>
-          <p:nvPr>
-            <p:ph type="title"/>
-          </p:nvPr>
-        </p:nvSpPr>
-        <p:spPr/>
-        <p:txBody>
-          <a:bodyPr/>
-          <a:lstStyle/>
-          <a:p>
-            <a:r>
-              <a:rPr lang="en-US" dirty="0"/>
               <a:t>LINEAR MODELING</a:t>
             </a:r>
           </a:p>
         </p:txBody>
       </p:sp>
-      <mc:AlternateContent xmlns:mc="http://schemas.openxmlformats.org/markup-compatibility/2006">
-        <mc:Choice xmlns:a14="http://schemas.microsoft.com/office/drawing/2010/main" Requires="a14">
+      <mc:AlternateContent xmlns:mc="http://schemas.openxmlformats.org/markup-compatibility/2006" xmlns:a14="http://schemas.microsoft.com/office/drawing/2010/main">
+        <mc:Choice Requires="a14">
           <p:sp>
             <p:nvSpPr>
               <p:cNvPr id="8" name="Content Placeholder 7"/>
@@ -12295,21 +11958,7 @@
                     <a:latin typeface="Courier New" panose="02070309020205020404" pitchFamily="49" charset="0"/>
                     <a:cs typeface="Courier New" panose="02070309020205020404" pitchFamily="49" charset="0"/>
                   </a:rPr>
-                  <a:t>model</a:t>
-                </a:r>
-                <a:r>
-                  <a:rPr lang="en-US" err="1">
-                    <a:latin typeface="Courier New" panose="02070309020205020404" pitchFamily="49" charset="0"/>
-                    <a:cs typeface="Courier New" panose="02070309020205020404" pitchFamily="49" charset="0"/>
-                  </a:rPr>
-                  <a:t>$</a:t>
-                </a:r>
-                <a:r>
-                  <a:rPr lang="en-US">
-                    <a:latin typeface="Courier New" panose="02070309020205020404" pitchFamily="49" charset="0"/>
-                    <a:cs typeface="Courier New" panose="02070309020205020404" pitchFamily="49" charset="0"/>
-                  </a:rPr>
-                  <a:t>coefficients</a:t>
+                  <a:t>model$coefficients</a:t>
                 </a:r>
                 <a:endParaRPr lang="en-US" dirty="0">
                   <a:latin typeface="Courier New" panose="02070309020205020404" pitchFamily="49" charset="0"/>
@@ -12323,7 +11972,7 @@
             </p:txBody>
           </p:sp>
         </mc:Choice>
-        <mc:Fallback>
+        <mc:Fallback xmlns="">
           <p:sp>
             <p:nvSpPr>
               <p:cNvPr id="8" name="Content Placeholder 7"/>
@@ -12378,7 +12027,7 @@
           <a:p>
             <a:fld id="{B08FEED8-D7D4-44E9-BFBC-ED06B5996D94}" type="datetime4">
               <a:rPr lang="en-US" smtClean="0"/>
-              <a:t>June 29, 2019</a:t>
+              <a:t>July 1, 2019</a:t>
             </a:fld>
             <a:endParaRPr lang="en-US" dirty="0"/>
           </a:p>
@@ -12452,7 +12101,7 @@
           <a:p>
             <a:fld id="{D57F1E4F-1CFF-5643-939E-02111984F565}" type="slidenum">
               <a:rPr lang="en-US" smtClean="0"/>
-              <a:t>41</a:t>
+              <a:t>39</a:t>
             </a:fld>
             <a:endParaRPr lang="en-US" dirty="0"/>
           </a:p>
@@ -12471,7 +12120,7 @@
 </p:sld>
 </file>
 
-<file path=ppt/slides/slide42.xml><?xml version="1.0" encoding="utf-8"?>
+<file path=ppt/slides/slide4.xml><?xml version="1.0" encoding="utf-8"?>
 <p:sld xmlns:a="http://schemas.openxmlformats.org/drawingml/2006/main" xmlns:r="http://schemas.openxmlformats.org/officeDocument/2006/relationships" xmlns:p="http://schemas.openxmlformats.org/presentationml/2006/main">
   <p:cSld>
     <p:spTree>
@@ -12490,6 +12139,256 @@
       </p:grpSpPr>
       <p:sp>
         <p:nvSpPr>
+          <p:cNvPr id="2" name="Title 1"/>
+          <p:cNvSpPr>
+            <a:spLocks noGrp="1"/>
+          </p:cNvSpPr>
+          <p:nvPr>
+            <p:ph type="title"/>
+          </p:nvPr>
+        </p:nvSpPr>
+        <p:spPr/>
+        <p:txBody>
+          <a:bodyPr/>
+          <a:lstStyle/>
+          <a:p>
+            <a:r>
+              <a:rPr lang="en-US" dirty="0"/>
+              <a:t>THE RICE CONNECTION</a:t>
+            </a:r>
+          </a:p>
+        </p:txBody>
+      </p:sp>
+      <p:sp>
+        <p:nvSpPr>
+          <p:cNvPr id="3" name="Content Placeholder 2"/>
+          <p:cNvSpPr>
+            <a:spLocks noGrp="1"/>
+          </p:cNvSpPr>
+          <p:nvPr>
+            <p:ph idx="1"/>
+          </p:nvPr>
+        </p:nvSpPr>
+        <p:spPr/>
+        <p:txBody>
+          <a:bodyPr/>
+          <a:lstStyle/>
+          <a:p>
+            <a:r>
+              <a:rPr lang="en-US" dirty="0"/>
+              <a:t>Hadley Wickham</a:t>
+            </a:r>
+          </a:p>
+          <a:p>
+            <a:pPr lvl="1"/>
+            <a:r>
+              <a:rPr lang="en-US" dirty="0"/>
+              <a:t>former Rice professor</a:t>
+            </a:r>
+          </a:p>
+          <a:p>
+            <a:pPr lvl="1"/>
+            <a:r>
+              <a:rPr lang="en-US" dirty="0"/>
+              <a:t>Chief Scientist at </a:t>
+            </a:r>
+            <a:r>
+              <a:rPr lang="en-US" dirty="0" err="1"/>
+              <a:t>Rstudio</a:t>
+            </a:r>
+            <a:endParaRPr lang="en-US" dirty="0"/>
+          </a:p>
+          <a:p>
+            <a:pPr lvl="1"/>
+            <a:r>
+              <a:rPr lang="en-US" dirty="0"/>
+              <a:t>Originator of the </a:t>
+            </a:r>
+            <a:r>
+              <a:rPr lang="en-US" dirty="0" err="1"/>
+              <a:t>tidyverse</a:t>
+            </a:r>
+            <a:endParaRPr lang="en-US" dirty="0"/>
+          </a:p>
+          <a:p>
+            <a:pPr lvl="1"/>
+            <a:r>
+              <a:rPr lang="en-US" dirty="0"/>
+              <a:t>Author of “R for Data Science” </a:t>
+            </a:r>
+          </a:p>
+        </p:txBody>
+      </p:sp>
+      <p:sp>
+        <p:nvSpPr>
+          <p:cNvPr id="4" name="Date Placeholder 3"/>
+          <p:cNvSpPr>
+            <a:spLocks noGrp="1"/>
+          </p:cNvSpPr>
+          <p:nvPr>
+            <p:ph type="dt" sz="half" idx="10"/>
+          </p:nvPr>
+        </p:nvSpPr>
+        <p:spPr/>
+        <p:txBody>
+          <a:bodyPr/>
+          <a:lstStyle/>
+          <a:p>
+            <a:fld id="{8AAE40A0-A7D8-4DC3-BC9E-BADA32DA2004}" type="datetime4">
+              <a:rPr lang="en-US" smtClean="0"/>
+              <a:t>July 1, 2019</a:t>
+            </a:fld>
+            <a:endParaRPr lang="en-US" dirty="0"/>
+          </a:p>
+        </p:txBody>
+      </p:sp>
+      <p:sp>
+        <p:nvSpPr>
+          <p:cNvPr id="5" name="Footer Placeholder 4"/>
+          <p:cNvSpPr>
+            <a:spLocks noGrp="1"/>
+          </p:cNvSpPr>
+          <p:nvPr>
+            <p:ph type="ftr" sz="quarter" idx="11"/>
+          </p:nvPr>
+        </p:nvSpPr>
+        <p:spPr/>
+        <p:txBody>
+          <a:bodyPr/>
+          <a:lstStyle/>
+          <a:p>
+            <a:r>
+              <a:rPr lang="en-US"/>
+              <a:t>Digital Scholarship Services </a:t>
+            </a:r>
+            <a:r>
+              <a:rPr lang="en-US">
+                <a:solidFill>
+                  <a:schemeClr val="accent1">
+                    <a:lumMod val="50000"/>
+                  </a:schemeClr>
+                </a:solidFill>
+              </a:rPr>
+              <a:t>| Email</a:t>
+            </a:r>
+            <a:r>
+              <a:rPr lang="en-US"/>
+              <a:t> cf24@rice.edu </a:t>
+            </a:r>
+            <a:r>
+              <a:rPr lang="en-US">
+                <a:solidFill>
+                  <a:schemeClr val="accent1">
+                    <a:lumMod val="50000"/>
+                  </a:schemeClr>
+                </a:solidFill>
+              </a:rPr>
+              <a:t>|</a:t>
+            </a:r>
+            <a:r>
+              <a:rPr lang="en-US"/>
+              <a:t> library.rice.edu/dss</a:t>
+            </a:r>
+            <a:endParaRPr lang="en-US" dirty="0"/>
+          </a:p>
+        </p:txBody>
+      </p:sp>
+      <p:sp>
+        <p:nvSpPr>
+          <p:cNvPr id="6" name="Slide Number Placeholder 5"/>
+          <p:cNvSpPr>
+            <a:spLocks noGrp="1"/>
+          </p:cNvSpPr>
+          <p:nvPr>
+            <p:ph type="sldNum" sz="quarter" idx="12"/>
+          </p:nvPr>
+        </p:nvSpPr>
+        <p:spPr/>
+        <p:txBody>
+          <a:bodyPr/>
+          <a:lstStyle/>
+          <a:p>
+            <a:fld id="{D57F1E4F-1CFF-5643-939E-02111984F565}" type="slidenum">
+              <a:rPr lang="en-US" smtClean="0"/>
+              <a:t>4</a:t>
+            </a:fld>
+            <a:endParaRPr lang="en-US" dirty="0"/>
+          </a:p>
+        </p:txBody>
+      </p:sp>
+      <p:pic>
+        <p:nvPicPr>
+          <p:cNvPr id="1026" name="Picture 2" descr="Image result for hadley wickham"/>
+          <p:cNvPicPr>
+            <a:picLocks noChangeAspect="1" noChangeArrowheads="1"/>
+          </p:cNvPicPr>
+          <p:nvPr/>
+        </p:nvPicPr>
+        <p:blipFill>
+          <a:blip r:embed="rId2">
+            <a:extLst>
+              <a:ext uri="{28A0092B-C50C-407E-A947-70E740481C1C}">
+                <a14:useLocalDpi xmlns:a14="http://schemas.microsoft.com/office/drawing/2010/main" val="0"/>
+              </a:ext>
+            </a:extLst>
+          </a:blip>
+          <a:srcRect/>
+          <a:stretch>
+            <a:fillRect/>
+          </a:stretch>
+        </p:blipFill>
+        <p:spPr bwMode="auto">
+          <a:xfrm>
+            <a:off x="6905177" y="1332246"/>
+            <a:ext cx="4683542" cy="4683543"/>
+          </a:xfrm>
+          <a:prstGeom prst="rect">
+            <a:avLst/>
+          </a:prstGeom>
+          <a:noFill/>
+          <a:extLst>
+            <a:ext uri="{909E8E84-426E-40DD-AFC4-6F175D3DCCD1}">
+              <a14:hiddenFill xmlns:a14="http://schemas.microsoft.com/office/drawing/2010/main">
+                <a:solidFill>
+                  <a:srgbClr val="FFFFFF"/>
+                </a:solidFill>
+              </a14:hiddenFill>
+            </a:ext>
+          </a:extLst>
+        </p:spPr>
+      </p:pic>
+    </p:spTree>
+    <p:extLst>
+      <p:ext uri="{BB962C8B-B14F-4D97-AF65-F5344CB8AC3E}">
+        <p14:creationId xmlns:p14="http://schemas.microsoft.com/office/powerpoint/2010/main" val="1538238596"/>
+      </p:ext>
+    </p:extLst>
+  </p:cSld>
+  <p:clrMapOvr>
+    <a:masterClrMapping/>
+  </p:clrMapOvr>
+</p:sld>
+</file>
+
+<file path=ppt/slides/slide40.xml><?xml version="1.0" encoding="utf-8"?>
+<p:sld xmlns:a="http://schemas.openxmlformats.org/drawingml/2006/main" xmlns:r="http://schemas.openxmlformats.org/officeDocument/2006/relationships" xmlns:p="http://schemas.openxmlformats.org/presentationml/2006/main">
+  <p:cSld>
+    <p:spTree>
+      <p:nvGrpSpPr>
+        <p:cNvPr id="1" name=""/>
+        <p:cNvGrpSpPr/>
+        <p:nvPr/>
+      </p:nvGrpSpPr>
+      <p:grpSpPr>
+        <a:xfrm>
+          <a:off x="0" y="0"/>
+          <a:ext cx="0" cy="0"/>
+          <a:chOff x="0" y="0"/>
+          <a:chExt cx="0" cy="0"/>
+        </a:xfrm>
+      </p:grpSpPr>
+      <p:sp>
+        <p:nvSpPr>
           <p:cNvPr id="7" name="Title 6"/>
           <p:cNvSpPr>
             <a:spLocks noGrp="1"/>
@@ -12635,7 +12534,7 @@
           <a:p>
             <a:fld id="{B08FEED8-D7D4-44E9-BFBC-ED06B5996D94}" type="datetime4">
               <a:rPr lang="en-US" smtClean="0"/>
-              <a:t>June 29, 2019</a:t>
+              <a:t>July 1, 2019</a:t>
             </a:fld>
             <a:endParaRPr lang="en-US" dirty="0"/>
           </a:p>
@@ -12709,7 +12608,7 @@
           <a:p>
             <a:fld id="{D57F1E4F-1CFF-5643-939E-02111984F565}" type="slidenum">
               <a:rPr lang="en-US" smtClean="0"/>
-              <a:t>42</a:t>
+              <a:t>40</a:t>
             </a:fld>
             <a:endParaRPr lang="en-US" dirty="0"/>
           </a:p>
@@ -12758,7 +12657,7 @@
 </p:sld>
 </file>
 
-<file path=ppt/slides/slide43.xml><?xml version="1.0" encoding="utf-8"?>
+<file path=ppt/slides/slide41.xml><?xml version="1.0" encoding="utf-8"?>
 <p:sld xmlns:a="http://schemas.openxmlformats.org/drawingml/2006/main" xmlns:r="http://schemas.openxmlformats.org/officeDocument/2006/relationships" xmlns:p="http://schemas.openxmlformats.org/presentationml/2006/main">
   <p:cSld>
     <p:spTree>
@@ -12862,7 +12761,7 @@
           <a:p>
             <a:fld id="{B08FEED8-D7D4-44E9-BFBC-ED06B5996D94}" type="datetime4">
               <a:rPr lang="en-US" smtClean="0"/>
-              <a:t>June 29, 2019</a:t>
+              <a:t>July 1, 2019</a:t>
             </a:fld>
             <a:endParaRPr lang="en-US" dirty="0"/>
           </a:p>
@@ -12948,7 +12847,7 @@
           <a:p>
             <a:fld id="{D57F1E4F-1CFF-5643-939E-02111984F565}" type="slidenum">
               <a:rPr lang="en-US" smtClean="0"/>
-              <a:t>43</a:t>
+              <a:t>41</a:t>
             </a:fld>
             <a:endParaRPr lang="en-US" dirty="0"/>
           </a:p>
@@ -13070,7 +12969,7 @@
           <a:p>
             <a:fld id="{8AAE40A0-A7D8-4DC3-BC9E-BADA32DA2004}" type="datetime4">
               <a:rPr lang="en-US" smtClean="0"/>
-              <a:t>June 29, 2019</a:t>
+              <a:t>July 1, 2019</a:t>
             </a:fld>
             <a:endParaRPr lang="en-US" dirty="0"/>
           </a:p>
@@ -13194,7 +13093,29 @@
       </p:grpSpPr>
       <p:sp>
         <p:nvSpPr>
-          <p:cNvPr id="4" name="Date Placeholder 3"/>
+          <p:cNvPr id="5" name="Title 4"/>
+          <p:cNvSpPr>
+            <a:spLocks noGrp="1"/>
+          </p:cNvSpPr>
+          <p:nvPr>
+            <p:ph type="title"/>
+          </p:nvPr>
+        </p:nvSpPr>
+        <p:spPr/>
+        <p:txBody>
+          <a:bodyPr/>
+          <a:lstStyle/>
+          <a:p>
+            <a:r>
+              <a:rPr lang="en-US" dirty="0"/>
+              <a:t>RSTUDIO INTERFACE</a:t>
+            </a:r>
+          </a:p>
+        </p:txBody>
+      </p:sp>
+      <p:sp>
+        <p:nvSpPr>
+          <p:cNvPr id="2" name="Date Placeholder 1"/>
           <p:cNvSpPr>
             <a:spLocks noGrp="1"/>
           </p:cNvSpPr>
@@ -13207,9 +13128,9 @@
           <a:bodyPr/>
           <a:lstStyle/>
           <a:p>
-            <a:fld id="{B08FEED8-D7D4-44E9-BFBC-ED06B5996D94}" type="datetime4">
+            <a:fld id="{7A745AAB-8888-45FB-8C4E-B86AF9A05200}" type="datetime4">
               <a:rPr lang="en-US" smtClean="0"/>
-              <a:t>June 29, 2019</a:t>
+              <a:t>July 1, 2019</a:t>
             </a:fld>
             <a:endParaRPr lang="en-US" dirty="0"/>
           </a:p>
@@ -13217,7 +13138,7 @@
       </p:sp>
       <p:sp>
         <p:nvSpPr>
-          <p:cNvPr id="5" name="Footer Placeholder 4"/>
+          <p:cNvPr id="3" name="Footer Placeholder 2"/>
           <p:cNvSpPr>
             <a:spLocks noGrp="1"/>
           </p:cNvSpPr>
@@ -13232,43 +13153,15 @@
           <a:p>
             <a:r>
               <a:rPr lang="en-US"/>
-              <a:t>Digital Scholarship Services </a:t>
-            </a:r>
-            <a:r>
-              <a:rPr lang="en-US">
-                <a:solidFill>
-                  <a:schemeClr val="accent1">
-                    <a:lumMod val="50000"/>
-                  </a:schemeClr>
-                </a:solidFill>
-              </a:rPr>
-              <a:t>| Email</a:t>
-            </a:r>
-            <a:r>
-              <a:rPr lang="en-US"/>
-              <a:t> cf24@rice.edu </a:t>
-            </a:r>
-            <a:r>
-              <a:rPr lang="en-US">
-                <a:solidFill>
-                  <a:schemeClr val="accent1">
-                    <a:lumMod val="50000"/>
-                  </a:schemeClr>
-                </a:solidFill>
-              </a:rPr>
-              <a:t>|</a:t>
-            </a:r>
-            <a:r>
-              <a:rPr lang="en-US"/>
-              <a:t> library.rice.edu/dss</a:t>
-            </a:r>
-            <a:endParaRPr lang="en-US" dirty="0"/>
-          </a:p>
-        </p:txBody>
-      </p:sp>
-      <p:sp>
-        <p:nvSpPr>
-          <p:cNvPr id="6" name="Slide Number Placeholder 5"/>
+              <a:t>Digital Scholarship Services | Email cf24@rice.edu | library.rice.edu/dss</a:t>
+            </a:r>
+            <a:endParaRPr lang="en-US" dirty="0"/>
+          </a:p>
+        </p:txBody>
+      </p:sp>
+      <p:sp>
+        <p:nvSpPr>
+          <p:cNvPr id="4" name="Slide Number Placeholder 3"/>
           <p:cNvSpPr>
             <a:spLocks noGrp="1"/>
           </p:cNvSpPr>
@@ -13289,51 +13182,10 @@
           </a:p>
         </p:txBody>
       </p:sp>
-      <p:pic>
-        <p:nvPicPr>
-          <p:cNvPr id="2050" name="Picture 2" descr="https://pbs.twimg.com/media/D83d2-dW4AULriR.jpg:large"/>
-          <p:cNvPicPr>
-            <a:picLocks noChangeAspect="1" noChangeArrowheads="1"/>
-          </p:cNvPicPr>
-          <p:nvPr/>
-        </p:nvPicPr>
-        <p:blipFill>
-          <a:blip r:embed="rId2">
-            <a:extLst>
-              <a:ext uri="{28A0092B-C50C-407E-A947-70E740481C1C}">
-                <a14:useLocalDpi xmlns:a14="http://schemas.microsoft.com/office/drawing/2010/main" val="0"/>
-              </a:ext>
-            </a:extLst>
-          </a:blip>
-          <a:srcRect/>
-          <a:stretch>
-            <a:fillRect/>
-          </a:stretch>
-        </p:blipFill>
-        <p:spPr bwMode="auto">
-          <a:xfrm>
-            <a:off x="1490662" y="597318"/>
-            <a:ext cx="9210675" cy="5514976"/>
-          </a:xfrm>
-          <a:prstGeom prst="rect">
-            <a:avLst/>
-          </a:prstGeom>
-          <a:noFill/>
-          <a:extLst>
-            <a:ext uri="{909E8E84-426E-40DD-AFC4-6F175D3DCCD1}">
-              <a14:hiddenFill xmlns:a14="http://schemas.microsoft.com/office/drawing/2010/main">
-                <a:solidFill>
-                  <a:srgbClr val="FFFFFF"/>
-                </a:solidFill>
-              </a14:hiddenFill>
-            </a:ext>
-          </a:extLst>
-        </p:spPr>
-      </p:pic>
     </p:spTree>
     <p:extLst>
       <p:ext uri="{BB962C8B-B14F-4D97-AF65-F5344CB8AC3E}">
-        <p14:creationId xmlns:p14="http://schemas.microsoft.com/office/powerpoint/2010/main" val="2683814221"/>
+        <p14:creationId xmlns:p14="http://schemas.microsoft.com/office/powerpoint/2010/main" val="687977859"/>
       </p:ext>
     </p:extLst>
   </p:cSld>
@@ -13362,7 +13214,13 @@
       </p:grpSpPr>
       <p:sp>
         <p:nvSpPr>
-          <p:cNvPr id="5" name="Title 4"/>
+          <p:cNvPr id="7" name="Title 6">
+            <a:extLst>
+              <a:ext uri="{FF2B5EF4-FFF2-40B4-BE49-F238E27FC236}">
+                <a16:creationId xmlns:a16="http://schemas.microsoft.com/office/drawing/2014/main" id="{184E2338-1026-45D4-9455-B21A88F18B28}"/>
+              </a:ext>
+            </a:extLst>
+          </p:cNvPr>
           <p:cNvSpPr>
             <a:spLocks noGrp="1"/>
           </p:cNvSpPr>
@@ -13377,14 +13235,48 @@
           <a:p>
             <a:r>
               <a:rPr lang="en-US" dirty="0"/>
-              <a:t>RSTUDIO INTERFACE</a:t>
-            </a:r>
-          </a:p>
-        </p:txBody>
-      </p:sp>
-      <p:sp>
-        <p:nvSpPr>
-          <p:cNvPr id="2" name="Date Placeholder 1"/>
+              <a:t>SIMPLE OPERATIONS</a:t>
+            </a:r>
+          </a:p>
+        </p:txBody>
+      </p:sp>
+      <p:sp>
+        <p:nvSpPr>
+          <p:cNvPr id="8" name="Text Placeholder 7">
+            <a:extLst>
+              <a:ext uri="{FF2B5EF4-FFF2-40B4-BE49-F238E27FC236}">
+                <a16:creationId xmlns:a16="http://schemas.microsoft.com/office/drawing/2014/main" id="{DB42CCAB-C8E2-48A8-A9DF-EB0383A8B33C}"/>
+              </a:ext>
+            </a:extLst>
+          </p:cNvPr>
+          <p:cNvSpPr>
+            <a:spLocks noGrp="1"/>
+          </p:cNvSpPr>
+          <p:nvPr>
+            <p:ph type="body" idx="1"/>
+          </p:nvPr>
+        </p:nvSpPr>
+        <p:spPr/>
+        <p:txBody>
+          <a:bodyPr/>
+          <a:lstStyle/>
+          <a:p>
+            <a:r>
+              <a:rPr lang="en-US" dirty="0"/>
+              <a:t>Arithmetic, assignment, matrix multiplication, converting between types</a:t>
+            </a:r>
+          </a:p>
+        </p:txBody>
+      </p:sp>
+      <p:sp>
+        <p:nvSpPr>
+          <p:cNvPr id="4" name="Date Placeholder 3">
+            <a:extLst>
+              <a:ext uri="{FF2B5EF4-FFF2-40B4-BE49-F238E27FC236}">
+                <a16:creationId xmlns:a16="http://schemas.microsoft.com/office/drawing/2014/main" id="{1CA94ACB-62A5-4F09-8C21-F0CE9BFB1606}"/>
+              </a:ext>
+            </a:extLst>
+          </p:cNvPr>
           <p:cNvSpPr>
             <a:spLocks noGrp="1"/>
           </p:cNvSpPr>
@@ -13397,9 +13289,9 @@
           <a:bodyPr/>
           <a:lstStyle/>
           <a:p>
-            <a:fld id="{7A745AAB-8888-45FB-8C4E-B86AF9A05200}" type="datetime4">
+            <a:fld id="{8AAE40A0-A7D8-4DC3-BC9E-BADA32DA2004}" type="datetime4">
               <a:rPr lang="en-US" smtClean="0"/>
-              <a:t>June 29, 2019</a:t>
+              <a:t>July 1, 2019</a:t>
             </a:fld>
             <a:endParaRPr lang="en-US" dirty="0"/>
           </a:p>
@@ -13407,7 +13299,13 @@
       </p:sp>
       <p:sp>
         <p:nvSpPr>
-          <p:cNvPr id="3" name="Footer Placeholder 2"/>
+          <p:cNvPr id="5" name="Footer Placeholder 4">
+            <a:extLst>
+              <a:ext uri="{FF2B5EF4-FFF2-40B4-BE49-F238E27FC236}">
+                <a16:creationId xmlns:a16="http://schemas.microsoft.com/office/drawing/2014/main" id="{D20B02B0-893D-4696-B6F7-A126B8D18E99}"/>
+              </a:ext>
+            </a:extLst>
+          </p:cNvPr>
           <p:cNvSpPr>
             <a:spLocks noGrp="1"/>
           </p:cNvSpPr>
@@ -13422,15 +13320,49 @@
           <a:p>
             <a:r>
               <a:rPr lang="en-US"/>
-              <a:t>Digital Scholarship Services | Email cf24@rice.edu | library.rice.edu/dss</a:t>
-            </a:r>
-            <a:endParaRPr lang="en-US" dirty="0"/>
-          </a:p>
-        </p:txBody>
-      </p:sp>
-      <p:sp>
-        <p:nvSpPr>
-          <p:cNvPr id="4" name="Slide Number Placeholder 3"/>
+              <a:t>Digital Scholarship Services </a:t>
+            </a:r>
+            <a:r>
+              <a:rPr lang="en-US">
+                <a:solidFill>
+                  <a:schemeClr val="accent1">
+                    <a:lumMod val="50000"/>
+                  </a:schemeClr>
+                </a:solidFill>
+              </a:rPr>
+              <a:t>| Email</a:t>
+            </a:r>
+            <a:r>
+              <a:rPr lang="en-US"/>
+              <a:t> cf24@rice.edu </a:t>
+            </a:r>
+            <a:r>
+              <a:rPr lang="en-US">
+                <a:solidFill>
+                  <a:schemeClr val="accent1">
+                    <a:lumMod val="50000"/>
+                  </a:schemeClr>
+                </a:solidFill>
+              </a:rPr>
+              <a:t>|</a:t>
+            </a:r>
+            <a:r>
+              <a:rPr lang="en-US"/>
+              <a:t> library.rice.edu/dss</a:t>
+            </a:r>
+            <a:endParaRPr lang="en-US" dirty="0"/>
+          </a:p>
+        </p:txBody>
+      </p:sp>
+      <p:sp>
+        <p:nvSpPr>
+          <p:cNvPr id="6" name="Slide Number Placeholder 5">
+            <a:extLst>
+              <a:ext uri="{FF2B5EF4-FFF2-40B4-BE49-F238E27FC236}">
+                <a16:creationId xmlns:a16="http://schemas.microsoft.com/office/drawing/2014/main" id="{1CFDA495-0063-4571-8969-0DD770DB39E0}"/>
+              </a:ext>
+            </a:extLst>
+          </p:cNvPr>
           <p:cNvSpPr>
             <a:spLocks noGrp="1"/>
           </p:cNvSpPr>
@@ -13454,7 +13386,7 @@
     </p:spTree>
     <p:extLst>
       <p:ext uri="{BB962C8B-B14F-4D97-AF65-F5344CB8AC3E}">
-        <p14:creationId xmlns:p14="http://schemas.microsoft.com/office/powerpoint/2010/main" val="687977859"/>
+        <p14:creationId xmlns:p14="http://schemas.microsoft.com/office/powerpoint/2010/main" val="564911064"/>
       </p:ext>
     </p:extLst>
   </p:cSld>
@@ -13483,13 +13415,7 @@
       </p:grpSpPr>
       <p:sp>
         <p:nvSpPr>
-          <p:cNvPr id="7" name="Title 6">
-            <a:extLst>
-              <a:ext uri="{FF2B5EF4-FFF2-40B4-BE49-F238E27FC236}">
-                <a16:creationId xmlns:a16="http://schemas.microsoft.com/office/drawing/2014/main" id="{184E2338-1026-45D4-9455-B21A88F18B28}"/>
-              </a:ext>
-            </a:extLst>
-          </p:cNvPr>
+          <p:cNvPr id="7" name="Title 6"/>
           <p:cNvSpPr>
             <a:spLocks noGrp="1"/>
           </p:cNvSpPr>
@@ -13504,48 +13430,140 @@
           <a:p>
             <a:r>
               <a:rPr lang="en-US" dirty="0"/>
-              <a:t>SIMPLE OPERATIONS</a:t>
-            </a:r>
-          </a:p>
-        </p:txBody>
-      </p:sp>
-      <p:sp>
-        <p:nvSpPr>
-          <p:cNvPr id="8" name="Text Placeholder 7">
-            <a:extLst>
-              <a:ext uri="{FF2B5EF4-FFF2-40B4-BE49-F238E27FC236}">
-                <a16:creationId xmlns:a16="http://schemas.microsoft.com/office/drawing/2014/main" id="{DB42CCAB-C8E2-48A8-A9DF-EB0383A8B33C}"/>
-              </a:ext>
-            </a:extLst>
-          </p:cNvPr>
-          <p:cNvSpPr>
-            <a:spLocks noGrp="1"/>
-          </p:cNvSpPr>
-          <p:nvPr>
-            <p:ph type="body" idx="1"/>
-          </p:nvPr>
-        </p:nvSpPr>
-        <p:spPr/>
-        <p:txBody>
-          <a:bodyPr/>
-          <a:lstStyle/>
-          <a:p>
-            <a:r>
-              <a:rPr lang="en-US" dirty="0"/>
-              <a:t>Arithmetic, assignment, matrix multiplication, converting between types</a:t>
-            </a:r>
-          </a:p>
-        </p:txBody>
-      </p:sp>
-      <p:sp>
-        <p:nvSpPr>
-          <p:cNvPr id="4" name="Date Placeholder 3">
-            <a:extLst>
-              <a:ext uri="{FF2B5EF4-FFF2-40B4-BE49-F238E27FC236}">
-                <a16:creationId xmlns:a16="http://schemas.microsoft.com/office/drawing/2014/main" id="{1CA94ACB-62A5-4F09-8C21-F0CE9BFB1606}"/>
-              </a:ext>
-            </a:extLst>
-          </p:cNvPr>
+              <a:t>ARITHMETIC AND BASIC MATH</a:t>
+            </a:r>
+          </a:p>
+        </p:txBody>
+      </p:sp>
+      <p:sp>
+        <p:nvSpPr>
+          <p:cNvPr id="8" name="Content Placeholder 7"/>
+          <p:cNvSpPr>
+            <a:spLocks noGrp="1"/>
+          </p:cNvSpPr>
+          <p:nvPr>
+            <p:ph idx="1"/>
+          </p:nvPr>
+        </p:nvSpPr>
+        <p:spPr/>
+        <p:txBody>
+          <a:bodyPr/>
+          <a:lstStyle/>
+          <a:p>
+            <a:r>
+              <a:rPr lang="en-US" dirty="0"/>
+              <a:t>Addition: </a:t>
+            </a:r>
+            <a:r>
+              <a:rPr lang="en-US" dirty="0">
+                <a:latin typeface="Courier New" panose="02070309020205020404" pitchFamily="49" charset="0"/>
+                <a:cs typeface="Courier New" panose="02070309020205020404" pitchFamily="49" charset="0"/>
+              </a:rPr>
+              <a:t>+ (5 + 3)</a:t>
+            </a:r>
+          </a:p>
+          <a:p>
+            <a:r>
+              <a:rPr lang="en-US" dirty="0"/>
+              <a:t>Subtraction: </a:t>
+            </a:r>
+            <a:r>
+              <a:rPr lang="en-US" dirty="0">
+                <a:latin typeface="Courier New" panose="02070309020205020404" pitchFamily="49" charset="0"/>
+                <a:cs typeface="Courier New" panose="02070309020205020404" pitchFamily="49" charset="0"/>
+              </a:rPr>
+              <a:t>- (5 - 3). </a:t>
+            </a:r>
+            <a:r>
+              <a:rPr lang="en-US" dirty="0"/>
+              <a:t>Also, negation with </a:t>
+            </a:r>
+            <a:r>
+              <a:rPr lang="en-US" dirty="0">
+                <a:latin typeface="Courier New" panose="02070309020205020404" pitchFamily="49" charset="0"/>
+                <a:cs typeface="Courier New" panose="02070309020205020404" pitchFamily="49" charset="0"/>
+              </a:rPr>
+              <a:t>- (-3)</a:t>
+            </a:r>
+          </a:p>
+          <a:p>
+            <a:r>
+              <a:rPr lang="en-US" dirty="0"/>
+              <a:t>Multiplication: </a:t>
+            </a:r>
+            <a:r>
+              <a:rPr lang="en-US" dirty="0">
+                <a:latin typeface="Courier New" panose="02070309020205020404" pitchFamily="49" charset="0"/>
+                <a:cs typeface="Courier New" panose="02070309020205020404" pitchFamily="49" charset="0"/>
+              </a:rPr>
+              <a:t>* (5 * 3)</a:t>
+            </a:r>
+          </a:p>
+          <a:p>
+            <a:r>
+              <a:rPr lang="en-US" dirty="0"/>
+              <a:t>Division: </a:t>
+            </a:r>
+            <a:r>
+              <a:rPr lang="en-US" dirty="0">
+                <a:latin typeface="Courier New" panose="02070309020205020404" pitchFamily="49" charset="0"/>
+                <a:cs typeface="Courier New" panose="02070309020205020404" pitchFamily="49" charset="0"/>
+              </a:rPr>
+              <a:t>/ (5 / 3)</a:t>
+            </a:r>
+          </a:p>
+          <a:p>
+            <a:r>
+              <a:rPr lang="en-US" dirty="0"/>
+              <a:t>Power: </a:t>
+            </a:r>
+            <a:r>
+              <a:rPr lang="en-US" dirty="0">
+                <a:latin typeface="Courier New" panose="02070309020205020404" pitchFamily="49" charset="0"/>
+                <a:cs typeface="Courier New" panose="02070309020205020404" pitchFamily="49" charset="0"/>
+              </a:rPr>
+              <a:t>**</a:t>
+            </a:r>
+            <a:r>
+              <a:rPr lang="en-US" dirty="0"/>
+              <a:t> or </a:t>
+            </a:r>
+            <a:r>
+              <a:rPr lang="en-US" dirty="0">
+                <a:latin typeface="Courier New" panose="02070309020205020404" pitchFamily="49" charset="0"/>
+                <a:cs typeface="Courier New" panose="02070309020205020404" pitchFamily="49" charset="0"/>
+              </a:rPr>
+              <a:t>^ (5**3, 5^3)</a:t>
+            </a:r>
+          </a:p>
+          <a:p>
+            <a:r>
+              <a:rPr lang="en-US" dirty="0"/>
+              <a:t>Square Root: </a:t>
+            </a:r>
+            <a:r>
+              <a:rPr lang="en-US" dirty="0">
+                <a:latin typeface="Courier New" panose="02070309020205020404" pitchFamily="49" charset="0"/>
+                <a:cs typeface="Courier New" panose="02070309020205020404" pitchFamily="49" charset="0"/>
+              </a:rPr>
+              <a:t>sqrt</a:t>
+            </a:r>
+            <a:r>
+              <a:rPr lang="en-US" dirty="0"/>
+              <a:t> function </a:t>
+            </a:r>
+            <a:r>
+              <a:rPr lang="en-US" dirty="0">
+                <a:cs typeface="Courier New" panose="02070309020205020404" pitchFamily="49" charset="0"/>
+              </a:rPr>
+              <a:t>(sqrt(5))</a:t>
+            </a:r>
+          </a:p>
+        </p:txBody>
+      </p:sp>
+      <p:sp>
+        <p:nvSpPr>
+          <p:cNvPr id="4" name="Date Placeholder 3"/>
           <p:cNvSpPr>
             <a:spLocks noGrp="1"/>
           </p:cNvSpPr>
@@ -13558,9 +13576,9 @@
           <a:bodyPr/>
           <a:lstStyle/>
           <a:p>
-            <a:fld id="{8AAE40A0-A7D8-4DC3-BC9E-BADA32DA2004}" type="datetime4">
+            <a:fld id="{B08FEED8-D7D4-44E9-BFBC-ED06B5996D94}" type="datetime4">
               <a:rPr lang="en-US" smtClean="0"/>
-              <a:t>June 29, 2019</a:t>
+              <a:t>July 1, 2019</a:t>
             </a:fld>
             <a:endParaRPr lang="en-US" dirty="0"/>
           </a:p>
@@ -13568,13 +13586,7 @@
       </p:sp>
       <p:sp>
         <p:nvSpPr>
-          <p:cNvPr id="5" name="Footer Placeholder 4">
-            <a:extLst>
-              <a:ext uri="{FF2B5EF4-FFF2-40B4-BE49-F238E27FC236}">
-                <a16:creationId xmlns:a16="http://schemas.microsoft.com/office/drawing/2014/main" id="{D20B02B0-893D-4696-B6F7-A126B8D18E99}"/>
-              </a:ext>
-            </a:extLst>
-          </p:cNvPr>
+          <p:cNvPr id="5" name="Footer Placeholder 4"/>
           <p:cNvSpPr>
             <a:spLocks noGrp="1"/>
           </p:cNvSpPr>
@@ -13625,13 +13637,7 @@
       </p:sp>
       <p:sp>
         <p:nvSpPr>
-          <p:cNvPr id="6" name="Slide Number Placeholder 5">
-            <a:extLst>
-              <a:ext uri="{FF2B5EF4-FFF2-40B4-BE49-F238E27FC236}">
-                <a16:creationId xmlns:a16="http://schemas.microsoft.com/office/drawing/2014/main" id="{1CFDA495-0063-4571-8969-0DD770DB39E0}"/>
-              </a:ext>
-            </a:extLst>
-          </p:cNvPr>
+          <p:cNvPr id="6" name="Slide Number Placeholder 5"/>
           <p:cNvSpPr>
             <a:spLocks noGrp="1"/>
           </p:cNvSpPr>
@@ -13655,7 +13661,7 @@
     </p:spTree>
     <p:extLst>
       <p:ext uri="{BB962C8B-B14F-4D97-AF65-F5344CB8AC3E}">
-        <p14:creationId xmlns:p14="http://schemas.microsoft.com/office/powerpoint/2010/main" val="564911064"/>
+        <p14:creationId xmlns:p14="http://schemas.microsoft.com/office/powerpoint/2010/main" val="1790401154"/>
       </p:ext>
     </p:extLst>
   </p:cSld>
@@ -13699,7 +13705,7 @@
           <a:p>
             <a:r>
               <a:rPr lang="en-US" dirty="0"/>
-              <a:t>ARITHMETIC AND BASIC MATH</a:t>
+              <a:t>ASSIGNMENT</a:t>
             </a:r>
           </a:p>
         </p:txBody>
@@ -13721,111 +13727,41 @@
           <a:p>
             <a:r>
               <a:rPr lang="en-US" dirty="0"/>
-              <a:t>Addition: </a:t>
-            </a:r>
-            <a:r>
-              <a:rPr lang="en-US" dirty="0">
-                <a:latin typeface="Courier New" panose="02070309020205020404" pitchFamily="49" charset="0"/>
-                <a:cs typeface="Courier New" panose="02070309020205020404" pitchFamily="49" charset="0"/>
-              </a:rPr>
-              <a:t>+ (5 + 3)</a:t>
-            </a:r>
-          </a:p>
-          <a:p>
-            <a:r>
-              <a:rPr lang="en-US" dirty="0"/>
-              <a:t>Subtraction: </a:t>
-            </a:r>
-            <a:r>
-              <a:rPr lang="en-US" dirty="0">
-                <a:latin typeface="Courier New" panose="02070309020205020404" pitchFamily="49" charset="0"/>
-                <a:cs typeface="Courier New" panose="02070309020205020404" pitchFamily="49" charset="0"/>
-              </a:rPr>
-              <a:t>- (5 - 3). </a:t>
-            </a:r>
-            <a:r>
-              <a:rPr lang="en-US" dirty="0"/>
-              <a:t>Also, negation with </a:t>
-            </a:r>
-            <a:r>
-              <a:rPr lang="en-US" dirty="0">
-                <a:latin typeface="Courier New" panose="02070309020205020404" pitchFamily="49" charset="0"/>
-                <a:cs typeface="Courier New" panose="02070309020205020404" pitchFamily="49" charset="0"/>
-              </a:rPr>
-              <a:t>- (-3)</a:t>
-            </a:r>
-          </a:p>
-          <a:p>
-            <a:r>
-              <a:rPr lang="en-US" dirty="0"/>
-              <a:t>Multiplication: </a:t>
-            </a:r>
-            <a:r>
-              <a:rPr lang="en-US" dirty="0">
-                <a:latin typeface="Courier New" panose="02070309020205020404" pitchFamily="49" charset="0"/>
-                <a:cs typeface="Courier New" panose="02070309020205020404" pitchFamily="49" charset="0"/>
-              </a:rPr>
-              <a:t>* (5 * 3)</a:t>
-            </a:r>
-          </a:p>
-          <a:p>
-            <a:r>
-              <a:rPr lang="en-US" dirty="0"/>
-              <a:t>Division: </a:t>
-            </a:r>
-            <a:r>
-              <a:rPr lang="en-US" dirty="0">
-                <a:latin typeface="Courier New" panose="02070309020205020404" pitchFamily="49" charset="0"/>
-                <a:cs typeface="Courier New" panose="02070309020205020404" pitchFamily="49" charset="0"/>
-              </a:rPr>
-              <a:t>/ (5 / 3)</a:t>
-            </a:r>
-          </a:p>
-          <a:p>
-            <a:r>
-              <a:rPr lang="en-US" dirty="0"/>
-              <a:t>Power: </a:t>
-            </a:r>
-            <a:r>
-              <a:rPr lang="en-US" dirty="0">
-                <a:latin typeface="Courier New" panose="02070309020205020404" pitchFamily="49" charset="0"/>
-                <a:cs typeface="Courier New" panose="02070309020205020404" pitchFamily="49" charset="0"/>
-              </a:rPr>
-              <a:t>**</a:t>
-            </a:r>
-            <a:r>
-              <a:rPr lang="en-US" dirty="0"/>
-              <a:t> or </a:t>
-            </a:r>
-            <a:r>
-              <a:rPr lang="en-US" dirty="0">
-                <a:latin typeface="Courier New" panose="02070309020205020404" pitchFamily="49" charset="0"/>
-                <a:cs typeface="Courier New" panose="02070309020205020404" pitchFamily="49" charset="0"/>
-              </a:rPr>
-              <a:t>^ (5**3, 5^3)</a:t>
-            </a:r>
-          </a:p>
-          <a:p>
-            <a:r>
-              <a:rPr lang="en-US" dirty="0"/>
-              <a:t>Square Root: </a:t>
-            </a:r>
-            <a:r>
-              <a:rPr lang="en-US" dirty="0">
-                <a:latin typeface="Courier New" panose="02070309020205020404" pitchFamily="49" charset="0"/>
-                <a:cs typeface="Courier New" panose="02070309020205020404" pitchFamily="49" charset="0"/>
-              </a:rPr>
-              <a:t>sqrt</a:t>
-            </a:r>
-            <a:r>
-              <a:rPr lang="en-US" dirty="0"/>
-              <a:t> function </a:t>
-            </a:r>
-            <a:r>
-              <a:rPr lang="en-US" dirty="0">
-                <a:cs typeface="Courier New" panose="02070309020205020404" pitchFamily="49" charset="0"/>
-              </a:rPr>
-              <a:t>(sqrt(5))</a:t>
+              <a:t>Naming a value for future use</a:t>
+            </a:r>
+          </a:p>
+          <a:p>
+            <a:r>
+              <a:rPr lang="en-US" dirty="0"/>
+              <a:t>Value can change!</a:t>
+            </a:r>
+          </a:p>
+          <a:p>
+            <a:r>
+              <a:rPr lang="en-US" dirty="0"/>
+              <a:t>Variable names: must start with a letter, and then only letters, numbers, periods, and underscores</a:t>
+            </a:r>
+          </a:p>
+          <a:p>
+            <a:endParaRPr lang="en-US" dirty="0"/>
+          </a:p>
+          <a:p>
+            <a:r>
+              <a:rPr lang="en-US" dirty="0">
+                <a:latin typeface="Courier New" panose="02070309020205020404" pitchFamily="49" charset="0"/>
+                <a:cs typeface="Courier New" panose="02070309020205020404" pitchFamily="49" charset="0"/>
+              </a:rPr>
+              <a:t>value &lt;- 5, my.name &lt;- “hello”, COOL_VALUE &lt;-3 + 5i</a:t>
+            </a:r>
+          </a:p>
+          <a:p>
+            <a:pPr lvl="1"/>
+            <a:r>
+              <a:rPr lang="en-US" dirty="0">
+                <a:latin typeface="Courier New" panose="02070309020205020404" pitchFamily="49" charset="0"/>
+                <a:cs typeface="Courier New" panose="02070309020205020404" pitchFamily="49" charset="0"/>
+              </a:rPr>
+              <a:t>NOT 1value &lt;- 3, my-name &lt;- 3, mass% &lt;- 42</a:t>
             </a:r>
           </a:p>
         </p:txBody>
@@ -13847,7 +13783,7 @@
           <a:p>
             <a:fld id="{B08FEED8-D7D4-44E9-BFBC-ED06B5996D94}" type="datetime4">
               <a:rPr lang="en-US" smtClean="0"/>
-              <a:t>June 30, 2019</a:t>
+              <a:t>July 1, 2019</a:t>
             </a:fld>
             <a:endParaRPr lang="en-US" dirty="0"/>
           </a:p>
@@ -13930,7 +13866,7 @@
     </p:spTree>
     <p:extLst>
       <p:ext uri="{BB962C8B-B14F-4D97-AF65-F5344CB8AC3E}">
-        <p14:creationId xmlns:p14="http://schemas.microsoft.com/office/powerpoint/2010/main" val="1790401154"/>
+        <p14:creationId xmlns:p14="http://schemas.microsoft.com/office/powerpoint/2010/main" val="124173911"/>
       </p:ext>
     </p:extLst>
   </p:cSld>
